--- a/教程/Index.pptx
+++ b/教程/Index.pptx
@@ -3186,7 +3186,11 @@
         <a:bodyPr/>
         <a:lstStyle/>
         <a:p>
-          <a:endParaRPr lang="zh-CN" altLang="en-US"/>
+          <a:r>
+            <a:rPr lang="en-US" altLang="zh-CN" dirty="0" err="1" smtClean="0"/>
+            <a:t>uKeyID</a:t>
+          </a:r>
+          <a:endParaRPr lang="zh-CN" altLang="en-US" dirty="0"/>
         </a:p>
       </dgm:t>
     </dgm:pt>
@@ -3342,7 +3346,11 @@
         <a:bodyPr/>
         <a:lstStyle/>
         <a:p>
-          <a:endParaRPr lang="zh-CN" altLang="en-US"/>
+          <a:r>
+            <a:rPr lang="en-US" altLang="zh-CN" dirty="0" err="1" smtClean="0"/>
+            <a:t>uSourceID</a:t>
+          </a:r>
+          <a:endParaRPr lang="zh-CN" altLang="en-US" dirty="0"/>
         </a:p>
       </dgm:t>
     </dgm:pt>
@@ -6887,7 +6895,7 @@
         <a:lstStyle/>
         <a:p>
           <a:r>
-            <a:rPr lang="en-US" altLang="zh-CN" smtClean="0"/>
+            <a:rPr lang="en-US" altLang="zh-CN" dirty="0" err="1" smtClean="0"/>
             <a:t>m_mapNote</a:t>
           </a:r>
           <a:endParaRPr lang="zh-CN" altLang="en-US" dirty="0"/>
@@ -9255,8 +9263,8 @@
       </dsp:nvSpPr>
       <dsp:spPr>
         <a:xfrm>
-          <a:off x="4026002" y="4125805"/>
-          <a:ext cx="3568435" cy="227334"/>
+          <a:off x="5694506" y="5536411"/>
+          <a:ext cx="5047308" cy="321549"/>
         </a:xfrm>
         <a:custGeom>
           <a:avLst/>
@@ -9270,13 +9278,13 @@
                 <a:pt x="0" y="0"/>
               </a:moveTo>
               <a:lnTo>
-                <a:pt x="0" y="135526"/>
+                <a:pt x="0" y="191693"/>
               </a:lnTo>
               <a:lnTo>
-                <a:pt x="3568435" y="135526"/>
+                <a:pt x="5047308" y="191693"/>
               </a:lnTo>
               <a:lnTo>
-                <a:pt x="3568435" y="227334"/>
+                <a:pt x="5047308" y="321549"/>
               </a:lnTo>
             </a:path>
           </a:pathLst>
@@ -9317,8 +9325,8 @@
       </dsp:nvSpPr>
       <dsp:spPr>
         <a:xfrm>
-          <a:off x="4026002" y="4125805"/>
-          <a:ext cx="2548882" cy="227334"/>
+          <a:off x="5694506" y="5536411"/>
+          <a:ext cx="3605220" cy="321549"/>
         </a:xfrm>
         <a:custGeom>
           <a:avLst/>
@@ -9332,13 +9340,13 @@
                 <a:pt x="0" y="0"/>
               </a:moveTo>
               <a:lnTo>
-                <a:pt x="0" y="135526"/>
+                <a:pt x="0" y="191693"/>
               </a:lnTo>
               <a:lnTo>
-                <a:pt x="2548882" y="135526"/>
+                <a:pt x="3605220" y="191693"/>
               </a:lnTo>
               <a:lnTo>
-                <a:pt x="2548882" y="227334"/>
+                <a:pt x="3605220" y="321549"/>
               </a:lnTo>
             </a:path>
           </a:pathLst>
@@ -9379,8 +9387,8 @@
       </dsp:nvSpPr>
       <dsp:spPr>
         <a:xfrm>
-          <a:off x="4026002" y="4125805"/>
-          <a:ext cx="1529329" cy="227334"/>
+          <a:off x="5694506" y="5536411"/>
+          <a:ext cx="2163132" cy="321549"/>
         </a:xfrm>
         <a:custGeom>
           <a:avLst/>
@@ -9394,13 +9402,13 @@
                 <a:pt x="0" y="0"/>
               </a:moveTo>
               <a:lnTo>
-                <a:pt x="0" y="135526"/>
+                <a:pt x="0" y="191693"/>
               </a:lnTo>
               <a:lnTo>
-                <a:pt x="1529329" y="135526"/>
+                <a:pt x="2163132" y="191693"/>
               </a:lnTo>
               <a:lnTo>
-                <a:pt x="1529329" y="227334"/>
+                <a:pt x="2163132" y="321549"/>
               </a:lnTo>
             </a:path>
           </a:pathLst>
@@ -9441,8 +9449,8 @@
       </dsp:nvSpPr>
       <dsp:spPr>
         <a:xfrm>
-          <a:off x="4026002" y="4125805"/>
-          <a:ext cx="509776" cy="227334"/>
+          <a:off x="5694506" y="5536411"/>
+          <a:ext cx="721044" cy="321549"/>
         </a:xfrm>
         <a:custGeom>
           <a:avLst/>
@@ -9456,13 +9464,13 @@
                 <a:pt x="0" y="0"/>
               </a:moveTo>
               <a:lnTo>
-                <a:pt x="0" y="135526"/>
+                <a:pt x="0" y="191693"/>
               </a:lnTo>
               <a:lnTo>
-                <a:pt x="509776" y="135526"/>
+                <a:pt x="721044" y="191693"/>
               </a:lnTo>
               <a:lnTo>
-                <a:pt x="509776" y="227334"/>
+                <a:pt x="721044" y="321549"/>
               </a:lnTo>
             </a:path>
           </a:pathLst>
@@ -9503,8 +9511,8 @@
       </dsp:nvSpPr>
       <dsp:spPr>
         <a:xfrm>
-          <a:off x="3516226" y="4125805"/>
-          <a:ext cx="509776" cy="227334"/>
+          <a:off x="4973462" y="5536411"/>
+          <a:ext cx="721044" cy="321549"/>
         </a:xfrm>
         <a:custGeom>
           <a:avLst/>
@@ -9515,16 +9523,16 @@
           <a:pathLst>
             <a:path>
               <a:moveTo>
-                <a:pt x="509776" y="0"/>
+                <a:pt x="721044" y="0"/>
               </a:moveTo>
               <a:lnTo>
-                <a:pt x="509776" y="135526"/>
+                <a:pt x="721044" y="191693"/>
               </a:lnTo>
               <a:lnTo>
-                <a:pt x="0" y="135526"/>
+                <a:pt x="0" y="191693"/>
               </a:lnTo>
               <a:lnTo>
-                <a:pt x="0" y="227334"/>
+                <a:pt x="0" y="321549"/>
               </a:lnTo>
             </a:path>
           </a:pathLst>
@@ -9565,8 +9573,8 @@
       </dsp:nvSpPr>
       <dsp:spPr>
         <a:xfrm>
-          <a:off x="2496673" y="4125805"/>
-          <a:ext cx="1529329" cy="227334"/>
+          <a:off x="3531373" y="5536411"/>
+          <a:ext cx="2163132" cy="321549"/>
         </a:xfrm>
         <a:custGeom>
           <a:avLst/>
@@ -9577,16 +9585,16 @@
           <a:pathLst>
             <a:path>
               <a:moveTo>
-                <a:pt x="1529329" y="0"/>
+                <a:pt x="2163132" y="0"/>
               </a:moveTo>
               <a:lnTo>
-                <a:pt x="1529329" y="135526"/>
+                <a:pt x="2163132" y="191693"/>
               </a:lnTo>
               <a:lnTo>
-                <a:pt x="0" y="135526"/>
+                <a:pt x="0" y="191693"/>
               </a:lnTo>
               <a:lnTo>
-                <a:pt x="0" y="227334"/>
+                <a:pt x="0" y="321549"/>
               </a:lnTo>
             </a:path>
           </a:pathLst>
@@ -9627,8 +9635,8 @@
       </dsp:nvSpPr>
       <dsp:spPr>
         <a:xfrm>
-          <a:off x="1477120" y="4125805"/>
-          <a:ext cx="2548882" cy="227334"/>
+          <a:off x="2089285" y="5536411"/>
+          <a:ext cx="3605220" cy="321549"/>
         </a:xfrm>
         <a:custGeom>
           <a:avLst/>
@@ -9639,16 +9647,16 @@
           <a:pathLst>
             <a:path>
               <a:moveTo>
-                <a:pt x="2548882" y="0"/>
+                <a:pt x="3605220" y="0"/>
               </a:moveTo>
               <a:lnTo>
-                <a:pt x="2548882" y="135526"/>
+                <a:pt x="3605220" y="191693"/>
               </a:lnTo>
               <a:lnTo>
-                <a:pt x="0" y="135526"/>
+                <a:pt x="0" y="191693"/>
               </a:lnTo>
               <a:lnTo>
-                <a:pt x="0" y="227334"/>
+                <a:pt x="0" y="321549"/>
               </a:lnTo>
             </a:path>
           </a:pathLst>
@@ -9689,8 +9697,8 @@
       </dsp:nvSpPr>
       <dsp:spPr>
         <a:xfrm>
-          <a:off x="457567" y="4125805"/>
-          <a:ext cx="3568435" cy="227334"/>
+          <a:off x="647197" y="5536411"/>
+          <a:ext cx="5047308" cy="321549"/>
         </a:xfrm>
         <a:custGeom>
           <a:avLst/>
@@ -9701,16 +9709,16 @@
           <a:pathLst>
             <a:path>
               <a:moveTo>
-                <a:pt x="3568435" y="0"/>
+                <a:pt x="5047308" y="0"/>
               </a:moveTo>
               <a:lnTo>
-                <a:pt x="3568435" y="135526"/>
+                <a:pt x="5047308" y="191693"/>
               </a:lnTo>
               <a:lnTo>
-                <a:pt x="0" y="135526"/>
+                <a:pt x="0" y="191693"/>
               </a:lnTo>
               <a:lnTo>
-                <a:pt x="0" y="227334"/>
+                <a:pt x="0" y="321549"/>
               </a:lnTo>
             </a:path>
           </a:pathLst>
@@ -9751,8 +9759,8 @@
       </dsp:nvSpPr>
       <dsp:spPr>
         <a:xfrm>
-          <a:off x="3980282" y="3505005"/>
-          <a:ext cx="91440" cy="227334"/>
+          <a:off x="5648786" y="4658333"/>
+          <a:ext cx="91440" cy="321549"/>
         </a:xfrm>
         <a:custGeom>
           <a:avLst/>
@@ -9766,7 +9774,7 @@
                 <a:pt x="45720" y="0"/>
               </a:moveTo>
               <a:lnTo>
-                <a:pt x="45720" y="227334"/>
+                <a:pt x="45720" y="321549"/>
               </a:lnTo>
             </a:path>
           </a:pathLst>
@@ -9807,8 +9815,8 @@
       </dsp:nvSpPr>
       <dsp:spPr>
         <a:xfrm>
-          <a:off x="3516226" y="2884206"/>
-          <a:ext cx="509776" cy="227334"/>
+          <a:off x="4973462" y="3780254"/>
+          <a:ext cx="721044" cy="321549"/>
         </a:xfrm>
         <a:custGeom>
           <a:avLst/>
@@ -9822,13 +9830,13 @@
                 <a:pt x="0" y="0"/>
               </a:moveTo>
               <a:lnTo>
-                <a:pt x="0" y="135526"/>
+                <a:pt x="0" y="191693"/>
               </a:lnTo>
               <a:lnTo>
-                <a:pt x="509776" y="135526"/>
+                <a:pt x="721044" y="191693"/>
               </a:lnTo>
               <a:lnTo>
-                <a:pt x="509776" y="227334"/>
+                <a:pt x="721044" y="321549"/>
               </a:lnTo>
             </a:path>
           </a:pathLst>
@@ -9869,8 +9877,8 @@
       </dsp:nvSpPr>
       <dsp:spPr>
         <a:xfrm>
-          <a:off x="3006449" y="2884206"/>
-          <a:ext cx="509776" cy="227334"/>
+          <a:off x="4252418" y="3780254"/>
+          <a:ext cx="721044" cy="321549"/>
         </a:xfrm>
         <a:custGeom>
           <a:avLst/>
@@ -9881,16 +9889,16 @@
           <a:pathLst>
             <a:path>
               <a:moveTo>
-                <a:pt x="509776" y="0"/>
+                <a:pt x="721044" y="0"/>
               </a:moveTo>
               <a:lnTo>
-                <a:pt x="509776" y="135526"/>
+                <a:pt x="721044" y="191693"/>
               </a:lnTo>
               <a:lnTo>
-                <a:pt x="0" y="135526"/>
+                <a:pt x="0" y="191693"/>
               </a:lnTo>
               <a:lnTo>
-                <a:pt x="0" y="227334"/>
+                <a:pt x="0" y="321549"/>
               </a:lnTo>
             </a:path>
           </a:pathLst>
@@ -9931,8 +9939,8 @@
       </dsp:nvSpPr>
       <dsp:spPr>
         <a:xfrm>
-          <a:off x="3006449" y="2263407"/>
-          <a:ext cx="509776" cy="227334"/>
+          <a:off x="4252418" y="2902176"/>
+          <a:ext cx="721044" cy="321549"/>
         </a:xfrm>
         <a:custGeom>
           <a:avLst/>
@@ -9946,13 +9954,13 @@
                 <a:pt x="0" y="0"/>
               </a:moveTo>
               <a:lnTo>
-                <a:pt x="0" y="135526"/>
+                <a:pt x="0" y="191693"/>
               </a:lnTo>
               <a:lnTo>
-                <a:pt x="509776" y="135526"/>
+                <a:pt x="721044" y="191693"/>
               </a:lnTo>
               <a:lnTo>
-                <a:pt x="509776" y="227334"/>
+                <a:pt x="721044" y="321549"/>
               </a:lnTo>
             </a:path>
           </a:pathLst>
@@ -9993,8 +10001,8 @@
       </dsp:nvSpPr>
       <dsp:spPr>
         <a:xfrm>
-          <a:off x="2496673" y="2263407"/>
-          <a:ext cx="509776" cy="227334"/>
+          <a:off x="3531373" y="2902176"/>
+          <a:ext cx="721044" cy="321549"/>
         </a:xfrm>
         <a:custGeom>
           <a:avLst/>
@@ -10005,16 +10013,16 @@
           <a:pathLst>
             <a:path>
               <a:moveTo>
-                <a:pt x="509776" y="0"/>
+                <a:pt x="721044" y="0"/>
               </a:moveTo>
               <a:lnTo>
-                <a:pt x="509776" y="135526"/>
+                <a:pt x="721044" y="191693"/>
               </a:lnTo>
               <a:lnTo>
-                <a:pt x="0" y="135526"/>
+                <a:pt x="0" y="191693"/>
               </a:lnTo>
               <a:lnTo>
-                <a:pt x="0" y="227334"/>
+                <a:pt x="0" y="321549"/>
               </a:lnTo>
             </a:path>
           </a:pathLst>
@@ -10055,8 +10063,8 @@
       </dsp:nvSpPr>
       <dsp:spPr>
         <a:xfrm>
-          <a:off x="2496673" y="1642607"/>
-          <a:ext cx="509776" cy="227334"/>
+          <a:off x="3531373" y="2024098"/>
+          <a:ext cx="721044" cy="321549"/>
         </a:xfrm>
         <a:custGeom>
           <a:avLst/>
@@ -10070,13 +10078,13 @@
                 <a:pt x="0" y="0"/>
               </a:moveTo>
               <a:lnTo>
-                <a:pt x="0" y="135526"/>
+                <a:pt x="0" y="191693"/>
               </a:lnTo>
               <a:lnTo>
-                <a:pt x="509776" y="135526"/>
+                <a:pt x="721044" y="191693"/>
               </a:lnTo>
               <a:lnTo>
-                <a:pt x="509776" y="227334"/>
+                <a:pt x="721044" y="321549"/>
               </a:lnTo>
             </a:path>
           </a:pathLst>
@@ -10117,8 +10125,8 @@
       </dsp:nvSpPr>
       <dsp:spPr>
         <a:xfrm>
-          <a:off x="1986896" y="1642607"/>
-          <a:ext cx="509776" cy="227334"/>
+          <a:off x="2810329" y="2024098"/>
+          <a:ext cx="721044" cy="321549"/>
         </a:xfrm>
         <a:custGeom>
           <a:avLst/>
@@ -10129,16 +10137,16 @@
           <a:pathLst>
             <a:path>
               <a:moveTo>
-                <a:pt x="509776" y="0"/>
+                <a:pt x="721044" y="0"/>
               </a:moveTo>
               <a:lnTo>
-                <a:pt x="509776" y="135526"/>
+                <a:pt x="721044" y="191693"/>
               </a:lnTo>
               <a:lnTo>
-                <a:pt x="0" y="135526"/>
+                <a:pt x="0" y="191693"/>
               </a:lnTo>
               <a:lnTo>
-                <a:pt x="0" y="227334"/>
+                <a:pt x="0" y="321549"/>
               </a:lnTo>
             </a:path>
           </a:pathLst>
@@ -10179,8 +10187,8 @@
       </dsp:nvSpPr>
       <dsp:spPr>
         <a:xfrm>
-          <a:off x="1986896" y="1021808"/>
-          <a:ext cx="509776" cy="227334"/>
+          <a:off x="2810329" y="1146020"/>
+          <a:ext cx="721044" cy="321549"/>
         </a:xfrm>
         <a:custGeom>
           <a:avLst/>
@@ -10194,13 +10202,13 @@
                 <a:pt x="0" y="0"/>
               </a:moveTo>
               <a:lnTo>
-                <a:pt x="0" y="135526"/>
+                <a:pt x="0" y="191693"/>
               </a:lnTo>
               <a:lnTo>
-                <a:pt x="509776" y="135526"/>
+                <a:pt x="721044" y="191693"/>
               </a:lnTo>
               <a:lnTo>
-                <a:pt x="509776" y="227334"/>
+                <a:pt x="721044" y="321549"/>
               </a:lnTo>
             </a:path>
           </a:pathLst>
@@ -10241,8 +10249,8 @@
       </dsp:nvSpPr>
       <dsp:spPr>
         <a:xfrm>
-          <a:off x="1477120" y="1021808"/>
-          <a:ext cx="509776" cy="227334"/>
+          <a:off x="2089285" y="1146020"/>
+          <a:ext cx="721044" cy="321549"/>
         </a:xfrm>
         <a:custGeom>
           <a:avLst/>
@@ -10253,16 +10261,16 @@
           <a:pathLst>
             <a:path>
               <a:moveTo>
-                <a:pt x="509776" y="0"/>
+                <a:pt x="721044" y="0"/>
               </a:moveTo>
               <a:lnTo>
-                <a:pt x="509776" y="135526"/>
+                <a:pt x="721044" y="191693"/>
               </a:lnTo>
               <a:lnTo>
-                <a:pt x="0" y="135526"/>
+                <a:pt x="0" y="191693"/>
               </a:lnTo>
               <a:lnTo>
-                <a:pt x="0" y="227334"/>
+                <a:pt x="0" y="321549"/>
               </a:lnTo>
             </a:path>
           </a:pathLst>
@@ -10303,8 +10311,8 @@
       </dsp:nvSpPr>
       <dsp:spPr>
         <a:xfrm>
-          <a:off x="1606925" y="628344"/>
-          <a:ext cx="759942" cy="393464"/>
+          <a:off x="2272886" y="589491"/>
+          <a:ext cx="1074886" cy="556528"/>
         </a:xfrm>
         <a:prstGeom prst="rect">
           <a:avLst/>
@@ -10346,12 +10354,12 @@
         </a:fontRef>
       </dsp:style>
       <dsp:txBody>
-        <a:bodyPr spcFirstLastPara="0" vert="horz" wrap="square" lIns="5080" tIns="5080" rIns="5080" bIns="55522" numCol="1" spcCol="1270" anchor="ctr" anchorCtr="0">
+        <a:bodyPr spcFirstLastPara="0" vert="horz" wrap="square" lIns="6985" tIns="6985" rIns="6985" bIns="78532" numCol="1" spcCol="1270" anchor="ctr" anchorCtr="0">
           <a:noAutofit/>
         </a:bodyPr>
         <a:lstStyle/>
         <a:p>
-          <a:pPr lvl="0" algn="ctr" defTabSz="355600">
+          <a:pPr lvl="0" algn="ctr" defTabSz="488950">
             <a:lnSpc>
               <a:spcPct val="90000"/>
             </a:lnSpc>
@@ -10363,15 +10371,15 @@
             </a:spcAft>
           </a:pPr>
           <a:r>
-            <a:rPr lang="en-US" altLang="zh-CN" sz="800" kern="1200" dirty="0" err="1" smtClean="0"/>
+            <a:rPr lang="en-US" altLang="zh-CN" sz="1100" kern="1200" dirty="0" err="1" smtClean="0"/>
             <a:t>CKeyHashMap</a:t>
           </a:r>
-          <a:endParaRPr lang="zh-CN" altLang="en-US" sz="800" kern="1200" dirty="0"/>
+          <a:endParaRPr lang="zh-CN" altLang="en-US" sz="1100" kern="1200" dirty="0"/>
         </a:p>
       </dsp:txBody>
       <dsp:txXfrm>
-        <a:off x="1606925" y="628344"/>
-        <a:ext cx="759942" cy="393464"/>
+        <a:off x="2272886" y="589491"/>
+        <a:ext cx="1074886" cy="556528"/>
       </dsp:txXfrm>
     </dsp:sp>
     <dsp:sp modelId="{9226003C-DEC8-4030-B965-31A76FE09775}">
@@ -10381,8 +10389,8 @@
       </dsp:nvSpPr>
       <dsp:spPr>
         <a:xfrm>
-          <a:off x="1758914" y="934372"/>
-          <a:ext cx="683947" cy="131154"/>
+          <a:off x="2487863" y="1022347"/>
+          <a:ext cx="967397" cy="185509"/>
         </a:xfrm>
         <a:prstGeom prst="rect">
           <a:avLst/>
@@ -10423,12 +10431,12 @@
         <a:fontRef idx="minor"/>
       </dsp:style>
       <dsp:txBody>
-        <a:bodyPr spcFirstLastPara="0" vert="horz" wrap="square" lIns="17780" tIns="4445" rIns="17780" bIns="4445" numCol="1" spcCol="1270" anchor="ctr" anchorCtr="0">
+        <a:bodyPr spcFirstLastPara="0" vert="horz" wrap="square" lIns="25400" tIns="6350" rIns="25400" bIns="6350" numCol="1" spcCol="1270" anchor="ctr" anchorCtr="0">
           <a:noAutofit/>
         </a:bodyPr>
         <a:lstStyle/>
         <a:p>
-          <a:pPr lvl="0" algn="r" defTabSz="311150">
+          <a:pPr lvl="0" algn="r" defTabSz="444500">
             <a:lnSpc>
               <a:spcPct val="90000"/>
             </a:lnSpc>
@@ -10440,15 +10448,15 @@
             </a:spcAft>
           </a:pPr>
           <a:r>
-            <a:rPr lang="en-US" altLang="zh-CN" sz="700" kern="1200" dirty="0" err="1" smtClean="0"/>
+            <a:rPr lang="en-US" altLang="zh-CN" sz="1000" kern="1200" dirty="0" err="1" smtClean="0"/>
             <a:t>m_mapKeyword</a:t>
           </a:r>
-          <a:endParaRPr lang="zh-CN" altLang="en-US" sz="700" kern="1200" dirty="0"/>
+          <a:endParaRPr lang="zh-CN" altLang="en-US" sz="1000" kern="1200" dirty="0"/>
         </a:p>
       </dsp:txBody>
       <dsp:txXfrm>
-        <a:off x="1758914" y="934372"/>
-        <a:ext cx="683947" cy="131154"/>
+        <a:off x="2487863" y="1022347"/>
+        <a:ext cx="967397" cy="185509"/>
       </dsp:txXfrm>
     </dsp:sp>
     <dsp:sp modelId="{2875948E-291D-4655-9A40-01DD961864D7}">
@@ -10458,8 +10466,8 @@
       </dsp:nvSpPr>
       <dsp:spPr>
         <a:xfrm>
-          <a:off x="1097149" y="1249143"/>
-          <a:ext cx="759942" cy="393464"/>
+          <a:off x="1551842" y="1467570"/>
+          <a:ext cx="1074886" cy="556528"/>
         </a:xfrm>
         <a:prstGeom prst="rect">
           <a:avLst/>
@@ -10501,12 +10509,12 @@
         </a:fontRef>
       </dsp:style>
       <dsp:txBody>
-        <a:bodyPr spcFirstLastPara="0" vert="horz" wrap="square" lIns="5080" tIns="5080" rIns="5080" bIns="55522" numCol="1" spcCol="1270" anchor="ctr" anchorCtr="0">
+        <a:bodyPr spcFirstLastPara="0" vert="horz" wrap="square" lIns="6985" tIns="6985" rIns="6985" bIns="78532" numCol="1" spcCol="1270" anchor="ctr" anchorCtr="0">
           <a:noAutofit/>
         </a:bodyPr>
         <a:lstStyle/>
         <a:p>
-          <a:pPr lvl="0" algn="ctr" defTabSz="355600">
+          <a:pPr lvl="0" algn="ctr" defTabSz="488950">
             <a:lnSpc>
               <a:spcPct val="90000"/>
             </a:lnSpc>
@@ -10518,15 +10526,15 @@
             </a:spcAft>
           </a:pPr>
           <a:r>
-            <a:rPr lang="en-US" altLang="zh-CN" sz="800" kern="1200" dirty="0" err="1" smtClean="0"/>
+            <a:rPr lang="en-US" altLang="zh-CN" sz="1100" kern="1200" dirty="0" err="1" smtClean="0"/>
             <a:t>CCKey</a:t>
           </a:r>
-          <a:endParaRPr lang="zh-CN" altLang="en-US" sz="800" kern="1200" dirty="0"/>
+          <a:endParaRPr lang="zh-CN" altLang="en-US" sz="1100" kern="1200" dirty="0"/>
         </a:p>
       </dsp:txBody>
       <dsp:txXfrm>
-        <a:off x="1097149" y="1249143"/>
-        <a:ext cx="759942" cy="393464"/>
+        <a:off x="1551842" y="1467570"/>
+        <a:ext cx="1074886" cy="556528"/>
       </dsp:txXfrm>
     </dsp:sp>
     <dsp:sp modelId="{27B90BA2-B19F-4A36-867A-F1E7855C18E8}">
@@ -10536,8 +10544,8 @@
       </dsp:nvSpPr>
       <dsp:spPr>
         <a:xfrm>
-          <a:off x="1249137" y="1555171"/>
-          <a:ext cx="683947" cy="131154"/>
+          <a:off x="1766819" y="1900425"/>
+          <a:ext cx="967397" cy="185509"/>
         </a:xfrm>
         <a:prstGeom prst="rect">
           <a:avLst/>
@@ -10578,12 +10586,12 @@
         <a:fontRef idx="minor"/>
       </dsp:style>
       <dsp:txBody>
-        <a:bodyPr spcFirstLastPara="0" vert="horz" wrap="square" lIns="17780" tIns="4445" rIns="17780" bIns="4445" numCol="1" spcCol="1270" anchor="ctr" anchorCtr="0">
+        <a:bodyPr spcFirstLastPara="0" vert="horz" wrap="square" lIns="25400" tIns="6350" rIns="25400" bIns="6350" numCol="1" spcCol="1270" anchor="ctr" anchorCtr="0">
           <a:noAutofit/>
         </a:bodyPr>
         <a:lstStyle/>
         <a:p>
-          <a:pPr lvl="0" algn="r" defTabSz="311150">
+          <a:pPr lvl="0" algn="r" defTabSz="444500">
             <a:lnSpc>
               <a:spcPct val="90000"/>
             </a:lnSpc>
@@ -10594,12 +10602,16 @@
               <a:spcPct val="35000"/>
             </a:spcAft>
           </a:pPr>
-          <a:endParaRPr lang="zh-CN" altLang="en-US" sz="700" kern="1200"/>
+          <a:r>
+            <a:rPr lang="en-US" altLang="zh-CN" sz="1000" kern="1200" dirty="0" err="1" smtClean="0"/>
+            <a:t>uKeyID</a:t>
+          </a:r>
+          <a:endParaRPr lang="zh-CN" altLang="en-US" sz="1000" kern="1200" dirty="0"/>
         </a:p>
       </dsp:txBody>
       <dsp:txXfrm>
-        <a:off x="1249137" y="1555171"/>
-        <a:ext cx="683947" cy="131154"/>
+        <a:off x="1766819" y="1900425"/>
+        <a:ext cx="967397" cy="185509"/>
       </dsp:txXfrm>
     </dsp:sp>
     <dsp:sp modelId="{5AE64D64-D8C9-4680-89BC-629381485A87}">
@@ -10609,8 +10621,8 @@
       </dsp:nvSpPr>
       <dsp:spPr>
         <a:xfrm>
-          <a:off x="2116702" y="1249143"/>
-          <a:ext cx="759942" cy="393464"/>
+          <a:off x="2993930" y="1467570"/>
+          <a:ext cx="1074886" cy="556528"/>
         </a:xfrm>
         <a:prstGeom prst="rect">
           <a:avLst/>
@@ -10652,12 +10664,12 @@
         </a:fontRef>
       </dsp:style>
       <dsp:txBody>
-        <a:bodyPr spcFirstLastPara="0" vert="horz" wrap="square" lIns="5080" tIns="5080" rIns="5080" bIns="55522" numCol="1" spcCol="1270" anchor="ctr" anchorCtr="0">
+        <a:bodyPr spcFirstLastPara="0" vert="horz" wrap="square" lIns="6985" tIns="6985" rIns="6985" bIns="78532" numCol="1" spcCol="1270" anchor="ctr" anchorCtr="0">
           <a:noAutofit/>
         </a:bodyPr>
         <a:lstStyle/>
         <a:p>
-          <a:pPr lvl="0" algn="ctr" defTabSz="355600">
+          <a:pPr lvl="0" algn="ctr" defTabSz="488950">
             <a:lnSpc>
               <a:spcPct val="90000"/>
             </a:lnSpc>
@@ -10669,15 +10681,15 @@
             </a:spcAft>
           </a:pPr>
           <a:r>
-            <a:rPr lang="en-US" altLang="zh-CN" sz="800" kern="1200" dirty="0" err="1" smtClean="0"/>
+            <a:rPr lang="en-US" altLang="zh-CN" sz="1100" kern="1200" dirty="0" err="1" smtClean="0"/>
             <a:t>KeyHash</a:t>
           </a:r>
-          <a:endParaRPr lang="zh-CN" altLang="en-US" sz="800" kern="1200" dirty="0"/>
+          <a:endParaRPr lang="zh-CN" altLang="en-US" sz="1100" kern="1200" dirty="0"/>
         </a:p>
       </dsp:txBody>
       <dsp:txXfrm>
-        <a:off x="2116702" y="1249143"/>
-        <a:ext cx="759942" cy="393464"/>
+        <a:off x="2993930" y="1467570"/>
+        <a:ext cx="1074886" cy="556528"/>
       </dsp:txXfrm>
     </dsp:sp>
     <dsp:sp modelId="{3518303C-ED68-41C8-B9F7-05B65142A32E}">
@@ -10687,8 +10699,8 @@
       </dsp:nvSpPr>
       <dsp:spPr>
         <a:xfrm>
-          <a:off x="2268690" y="1555171"/>
-          <a:ext cx="683947" cy="131154"/>
+          <a:off x="3208908" y="1900425"/>
+          <a:ext cx="967397" cy="185509"/>
         </a:xfrm>
         <a:prstGeom prst="rect">
           <a:avLst/>
@@ -10729,12 +10741,12 @@
         <a:fontRef idx="minor"/>
       </dsp:style>
       <dsp:txBody>
-        <a:bodyPr spcFirstLastPara="0" vert="horz" wrap="square" lIns="17780" tIns="4445" rIns="17780" bIns="4445" numCol="1" spcCol="1270" anchor="ctr" anchorCtr="0">
+        <a:bodyPr spcFirstLastPara="0" vert="horz" wrap="square" lIns="25400" tIns="6350" rIns="25400" bIns="6350" numCol="1" spcCol="1270" anchor="ctr" anchorCtr="0">
           <a:noAutofit/>
         </a:bodyPr>
         <a:lstStyle/>
         <a:p>
-          <a:pPr lvl="0" algn="r" defTabSz="311150">
+          <a:pPr lvl="0" algn="r" defTabSz="444500">
             <a:lnSpc>
               <a:spcPct val="90000"/>
             </a:lnSpc>
@@ -10745,12 +10757,12 @@
               <a:spcPct val="35000"/>
             </a:spcAft>
           </a:pPr>
-          <a:endParaRPr lang="zh-CN" altLang="en-US" sz="700" kern="1200"/>
+          <a:endParaRPr lang="zh-CN" altLang="en-US" sz="1000" kern="1200"/>
         </a:p>
       </dsp:txBody>
       <dsp:txXfrm>
-        <a:off x="2268690" y="1555171"/>
-        <a:ext cx="683947" cy="131154"/>
+        <a:off x="3208908" y="1900425"/>
+        <a:ext cx="967397" cy="185509"/>
       </dsp:txXfrm>
     </dsp:sp>
     <dsp:sp modelId="{A94D0759-1843-47BA-952A-DB309C1547CB}">
@@ -10760,8 +10772,8 @@
       </dsp:nvSpPr>
       <dsp:spPr>
         <a:xfrm>
-          <a:off x="1606925" y="1869942"/>
-          <a:ext cx="759942" cy="393464"/>
+          <a:off x="2272886" y="2345648"/>
+          <a:ext cx="1074886" cy="556528"/>
         </a:xfrm>
         <a:prstGeom prst="rect">
           <a:avLst/>
@@ -10803,12 +10815,12 @@
         </a:fontRef>
       </dsp:style>
       <dsp:txBody>
-        <a:bodyPr spcFirstLastPara="0" vert="horz" wrap="square" lIns="5080" tIns="5080" rIns="5080" bIns="55522" numCol="1" spcCol="1270" anchor="ctr" anchorCtr="0">
+        <a:bodyPr spcFirstLastPara="0" vert="horz" wrap="square" lIns="6985" tIns="6985" rIns="6985" bIns="78532" numCol="1" spcCol="1270" anchor="ctr" anchorCtr="0">
           <a:noAutofit/>
         </a:bodyPr>
         <a:lstStyle/>
         <a:p>
-          <a:pPr lvl="0" algn="ctr" defTabSz="355600">
+          <a:pPr lvl="0" algn="ctr" defTabSz="488950">
             <a:lnSpc>
               <a:spcPct val="90000"/>
             </a:lnSpc>
@@ -10820,15 +10832,15 @@
             </a:spcAft>
           </a:pPr>
           <a:r>
-            <a:rPr lang="en-US" altLang="zh-CN" sz="800" kern="1200" dirty="0" smtClean="0"/>
+            <a:rPr lang="en-US" altLang="zh-CN" sz="1100" kern="1200" dirty="0" smtClean="0"/>
             <a:t>CUInt128</a:t>
           </a:r>
-          <a:endParaRPr lang="zh-CN" altLang="en-US" sz="800" kern="1200" dirty="0"/>
+          <a:endParaRPr lang="zh-CN" altLang="en-US" sz="1100" kern="1200" dirty="0"/>
         </a:p>
       </dsp:txBody>
       <dsp:txXfrm>
-        <a:off x="1606925" y="1869942"/>
-        <a:ext cx="759942" cy="393464"/>
+        <a:off x="2272886" y="2345648"/>
+        <a:ext cx="1074886" cy="556528"/>
       </dsp:txXfrm>
     </dsp:sp>
     <dsp:sp modelId="{1C89C8D1-8B8E-4239-BCFF-04AA4DF5D267}">
@@ -10838,8 +10850,8 @@
       </dsp:nvSpPr>
       <dsp:spPr>
         <a:xfrm>
-          <a:off x="1758914" y="2175970"/>
-          <a:ext cx="683947" cy="131154"/>
+          <a:off x="2487863" y="2778503"/>
+          <a:ext cx="967397" cy="185509"/>
         </a:xfrm>
         <a:prstGeom prst="rect">
           <a:avLst/>
@@ -10880,12 +10892,12 @@
         <a:fontRef idx="minor"/>
       </dsp:style>
       <dsp:txBody>
-        <a:bodyPr spcFirstLastPara="0" vert="horz" wrap="square" lIns="17780" tIns="4445" rIns="17780" bIns="4445" numCol="1" spcCol="1270" anchor="ctr" anchorCtr="0">
+        <a:bodyPr spcFirstLastPara="0" vert="horz" wrap="square" lIns="25400" tIns="6350" rIns="25400" bIns="6350" numCol="1" spcCol="1270" anchor="ctr" anchorCtr="0">
           <a:noAutofit/>
         </a:bodyPr>
         <a:lstStyle/>
         <a:p>
-          <a:pPr lvl="0" algn="r" defTabSz="311150">
+          <a:pPr lvl="0" algn="r" defTabSz="444500">
             <a:lnSpc>
               <a:spcPct val="90000"/>
             </a:lnSpc>
@@ -10897,15 +10909,15 @@
             </a:spcAft>
           </a:pPr>
           <a:r>
-            <a:rPr lang="en-US" altLang="zh-CN" sz="700" kern="1200" dirty="0" err="1" smtClean="0"/>
+            <a:rPr lang="en-US" altLang="zh-CN" sz="1000" kern="1200" dirty="0" err="1" smtClean="0"/>
             <a:t>uKeyID</a:t>
           </a:r>
-          <a:endParaRPr lang="zh-CN" altLang="en-US" sz="700" kern="1200" dirty="0"/>
+          <a:endParaRPr lang="zh-CN" altLang="en-US" sz="1000" kern="1200" dirty="0"/>
         </a:p>
       </dsp:txBody>
       <dsp:txXfrm>
-        <a:off x="1758914" y="2175970"/>
-        <a:ext cx="683947" cy="131154"/>
+        <a:off x="2487863" y="2778503"/>
+        <a:ext cx="967397" cy="185509"/>
       </dsp:txXfrm>
     </dsp:sp>
     <dsp:sp modelId="{AAFD393B-D5C6-4FC1-85BB-67D689A5CB66}">
@@ -10915,8 +10927,8 @@
       </dsp:nvSpPr>
       <dsp:spPr>
         <a:xfrm>
-          <a:off x="2626478" y="1869942"/>
-          <a:ext cx="759942" cy="393464"/>
+          <a:off x="3714974" y="2345648"/>
+          <a:ext cx="1074886" cy="556528"/>
         </a:xfrm>
         <a:prstGeom prst="rect">
           <a:avLst/>
@@ -10958,12 +10970,12 @@
         </a:fontRef>
       </dsp:style>
       <dsp:txBody>
-        <a:bodyPr spcFirstLastPara="0" vert="horz" wrap="square" lIns="5080" tIns="5080" rIns="5080" bIns="55522" numCol="1" spcCol="1270" anchor="ctr" anchorCtr="0">
+        <a:bodyPr spcFirstLastPara="0" vert="horz" wrap="square" lIns="6985" tIns="6985" rIns="6985" bIns="78532" numCol="1" spcCol="1270" anchor="ctr" anchorCtr="0">
           <a:noAutofit/>
         </a:bodyPr>
         <a:lstStyle/>
         <a:p>
-          <a:pPr lvl="0" algn="ctr" defTabSz="355600">
+          <a:pPr lvl="0" algn="ctr" defTabSz="488950">
             <a:lnSpc>
               <a:spcPct val="90000"/>
             </a:lnSpc>
@@ -10975,15 +10987,15 @@
             </a:spcAft>
           </a:pPr>
           <a:r>
-            <a:rPr lang="en-US" altLang="zh-CN" sz="800" kern="1200" dirty="0" err="1" smtClean="0"/>
+            <a:rPr lang="en-US" altLang="zh-CN" sz="1100" kern="1200" dirty="0" err="1" smtClean="0"/>
             <a:t>CSourceKeyMap</a:t>
           </a:r>
-          <a:endParaRPr lang="zh-CN" altLang="en-US" sz="800" kern="1200" dirty="0"/>
+          <a:endParaRPr lang="zh-CN" altLang="en-US" sz="1100" kern="1200" dirty="0"/>
         </a:p>
       </dsp:txBody>
       <dsp:txXfrm>
-        <a:off x="2626478" y="1869942"/>
-        <a:ext cx="759942" cy="393464"/>
+        <a:off x="3714974" y="2345648"/>
+        <a:ext cx="1074886" cy="556528"/>
       </dsp:txXfrm>
     </dsp:sp>
     <dsp:sp modelId="{95E6DB3B-AD48-4715-9855-4898B682D86D}">
@@ -10993,8 +11005,8 @@
       </dsp:nvSpPr>
       <dsp:spPr>
         <a:xfrm>
-          <a:off x="2778467" y="2175970"/>
-          <a:ext cx="683947" cy="131154"/>
+          <a:off x="3929952" y="2778503"/>
+          <a:ext cx="967397" cy="185509"/>
         </a:xfrm>
         <a:prstGeom prst="rect">
           <a:avLst/>
@@ -11035,12 +11047,12 @@
         <a:fontRef idx="minor"/>
       </dsp:style>
       <dsp:txBody>
-        <a:bodyPr spcFirstLastPara="0" vert="horz" wrap="square" lIns="17780" tIns="4445" rIns="17780" bIns="4445" numCol="1" spcCol="1270" anchor="ctr" anchorCtr="0">
+        <a:bodyPr spcFirstLastPara="0" vert="horz" wrap="square" lIns="25400" tIns="6350" rIns="25400" bIns="6350" numCol="1" spcCol="1270" anchor="ctr" anchorCtr="0">
           <a:noAutofit/>
         </a:bodyPr>
         <a:lstStyle/>
         <a:p>
-          <a:pPr lvl="0" algn="r" defTabSz="311150">
+          <a:pPr lvl="0" algn="r" defTabSz="444500">
             <a:lnSpc>
               <a:spcPct val="90000"/>
             </a:lnSpc>
@@ -11052,15 +11064,15 @@
             </a:spcAft>
           </a:pPr>
           <a:r>
-            <a:rPr lang="en-US" altLang="zh-CN" sz="700" kern="1200" dirty="0" err="1" smtClean="0"/>
+            <a:rPr lang="en-US" altLang="zh-CN" sz="1000" kern="1200" dirty="0" err="1" smtClean="0"/>
             <a:t>mapSource</a:t>
           </a:r>
-          <a:endParaRPr lang="zh-CN" altLang="en-US" sz="700" kern="1200" dirty="0"/>
+          <a:endParaRPr lang="zh-CN" altLang="en-US" sz="1000" kern="1200" dirty="0"/>
         </a:p>
       </dsp:txBody>
       <dsp:txXfrm>
-        <a:off x="2778467" y="2175970"/>
-        <a:ext cx="683947" cy="131154"/>
+        <a:off x="3929952" y="2778503"/>
+        <a:ext cx="967397" cy="185509"/>
       </dsp:txXfrm>
     </dsp:sp>
     <dsp:sp modelId="{F2EC2861-C1D5-4305-8DD5-8D30C9172D41}">
@@ -11070,8 +11082,8 @@
       </dsp:nvSpPr>
       <dsp:spPr>
         <a:xfrm>
-          <a:off x="2116702" y="2490742"/>
-          <a:ext cx="759942" cy="393464"/>
+          <a:off x="2993930" y="3223726"/>
+          <a:ext cx="1074886" cy="556528"/>
         </a:xfrm>
         <a:prstGeom prst="rect">
           <a:avLst/>
@@ -11113,12 +11125,12 @@
         </a:fontRef>
       </dsp:style>
       <dsp:txBody>
-        <a:bodyPr spcFirstLastPara="0" vert="horz" wrap="square" lIns="5080" tIns="5080" rIns="5080" bIns="55522" numCol="1" spcCol="1270" anchor="ctr" anchorCtr="0">
+        <a:bodyPr spcFirstLastPara="0" vert="horz" wrap="square" lIns="6985" tIns="6985" rIns="6985" bIns="78532" numCol="1" spcCol="1270" anchor="ctr" anchorCtr="0">
           <a:noAutofit/>
         </a:bodyPr>
         <a:lstStyle/>
         <a:p>
-          <a:pPr lvl="0" algn="ctr" defTabSz="355600">
+          <a:pPr lvl="0" algn="ctr" defTabSz="488950">
             <a:lnSpc>
               <a:spcPct val="90000"/>
             </a:lnSpc>
@@ -11130,15 +11142,15 @@
             </a:spcAft>
           </a:pPr>
           <a:r>
-            <a:rPr lang="en-US" altLang="zh-CN" sz="800" kern="1200" dirty="0" err="1" smtClean="0"/>
+            <a:rPr lang="en-US" altLang="zh-CN" sz="1100" kern="1200" dirty="0" err="1" smtClean="0"/>
             <a:t>CCKey</a:t>
           </a:r>
-          <a:endParaRPr lang="zh-CN" altLang="en-US" sz="800" kern="1200" dirty="0"/>
+          <a:endParaRPr lang="zh-CN" altLang="en-US" sz="1100" kern="1200" dirty="0"/>
         </a:p>
       </dsp:txBody>
       <dsp:txXfrm>
-        <a:off x="2116702" y="2490742"/>
-        <a:ext cx="759942" cy="393464"/>
+        <a:off x="2993930" y="3223726"/>
+        <a:ext cx="1074886" cy="556528"/>
       </dsp:txXfrm>
     </dsp:sp>
     <dsp:sp modelId="{8BD8E232-E0DA-4845-818E-EA2EBBC9B0BB}">
@@ -11148,8 +11160,8 @@
       </dsp:nvSpPr>
       <dsp:spPr>
         <a:xfrm>
-          <a:off x="2268690" y="2796770"/>
-          <a:ext cx="683947" cy="131154"/>
+          <a:off x="3208908" y="3656581"/>
+          <a:ext cx="967397" cy="185509"/>
         </a:xfrm>
         <a:prstGeom prst="rect">
           <a:avLst/>
@@ -11190,12 +11202,12 @@
         <a:fontRef idx="minor"/>
       </dsp:style>
       <dsp:txBody>
-        <a:bodyPr spcFirstLastPara="0" vert="horz" wrap="square" lIns="17780" tIns="4445" rIns="17780" bIns="4445" numCol="1" spcCol="1270" anchor="ctr" anchorCtr="0">
+        <a:bodyPr spcFirstLastPara="0" vert="horz" wrap="square" lIns="25400" tIns="6350" rIns="25400" bIns="6350" numCol="1" spcCol="1270" anchor="ctr" anchorCtr="0">
           <a:noAutofit/>
         </a:bodyPr>
         <a:lstStyle/>
         <a:p>
-          <a:pPr lvl="0" algn="r" defTabSz="311150">
+          <a:pPr lvl="0" algn="r" defTabSz="444500">
             <a:lnSpc>
               <a:spcPct val="90000"/>
             </a:lnSpc>
@@ -11206,12 +11218,16 @@
               <a:spcPct val="35000"/>
             </a:spcAft>
           </a:pPr>
-          <a:endParaRPr lang="zh-CN" altLang="en-US" sz="700" kern="1200"/>
+          <a:r>
+            <a:rPr lang="en-US" altLang="zh-CN" sz="1000" kern="1200" dirty="0" err="1" smtClean="0"/>
+            <a:t>uSourceID</a:t>
+          </a:r>
+          <a:endParaRPr lang="zh-CN" altLang="en-US" sz="1000" kern="1200" dirty="0"/>
         </a:p>
       </dsp:txBody>
       <dsp:txXfrm>
-        <a:off x="2268690" y="2796770"/>
-        <a:ext cx="683947" cy="131154"/>
+        <a:off x="3208908" y="3656581"/>
+        <a:ext cx="967397" cy="185509"/>
       </dsp:txXfrm>
     </dsp:sp>
     <dsp:sp modelId="{328B3935-1432-4F3B-A933-E7FB2D406FF3}">
@@ -11221,8 +11237,8 @@
       </dsp:nvSpPr>
       <dsp:spPr>
         <a:xfrm>
-          <a:off x="3136255" y="2490742"/>
-          <a:ext cx="759942" cy="393464"/>
+          <a:off x="4436018" y="3223726"/>
+          <a:ext cx="1074886" cy="556528"/>
         </a:xfrm>
         <a:prstGeom prst="rect">
           <a:avLst/>
@@ -11264,12 +11280,12 @@
         </a:fontRef>
       </dsp:style>
       <dsp:txBody>
-        <a:bodyPr spcFirstLastPara="0" vert="horz" wrap="square" lIns="5080" tIns="5080" rIns="5080" bIns="55522" numCol="1" spcCol="1270" anchor="ctr" anchorCtr="0">
+        <a:bodyPr spcFirstLastPara="0" vert="horz" wrap="square" lIns="6985" tIns="6985" rIns="6985" bIns="78532" numCol="1" spcCol="1270" anchor="ctr" anchorCtr="0">
           <a:noAutofit/>
         </a:bodyPr>
         <a:lstStyle/>
         <a:p>
-          <a:pPr lvl="0" algn="ctr" defTabSz="355600">
+          <a:pPr lvl="0" algn="ctr" defTabSz="488950">
             <a:lnSpc>
               <a:spcPct val="90000"/>
             </a:lnSpc>
@@ -11281,15 +11297,15 @@
             </a:spcAft>
           </a:pPr>
           <a:r>
-            <a:rPr lang="en-US" altLang="zh-CN" sz="800" kern="1200" dirty="0" smtClean="0"/>
+            <a:rPr lang="en-US" altLang="zh-CN" sz="1100" kern="1200" dirty="0" smtClean="0"/>
             <a:t>Source</a:t>
           </a:r>
-          <a:endParaRPr lang="zh-CN" altLang="en-US" sz="800" kern="1200" dirty="0"/>
+          <a:endParaRPr lang="zh-CN" altLang="en-US" sz="1100" kern="1200" dirty="0"/>
         </a:p>
       </dsp:txBody>
       <dsp:txXfrm>
-        <a:off x="3136255" y="2490742"/>
-        <a:ext cx="759942" cy="393464"/>
+        <a:off x="4436018" y="3223726"/>
+        <a:ext cx="1074886" cy="556528"/>
       </dsp:txXfrm>
     </dsp:sp>
     <dsp:sp modelId="{687579E5-F4F4-4EF1-A1AC-287D3B03AD65}">
@@ -11299,8 +11315,8 @@
       </dsp:nvSpPr>
       <dsp:spPr>
         <a:xfrm>
-          <a:off x="3288243" y="2796770"/>
-          <a:ext cx="683947" cy="131154"/>
+          <a:off x="4650996" y="3656581"/>
+          <a:ext cx="967397" cy="185509"/>
         </a:xfrm>
         <a:prstGeom prst="rect">
           <a:avLst/>
@@ -11341,12 +11357,12 @@
         <a:fontRef idx="minor"/>
       </dsp:style>
       <dsp:txBody>
-        <a:bodyPr spcFirstLastPara="0" vert="horz" wrap="square" lIns="17780" tIns="4445" rIns="17780" bIns="4445" numCol="1" spcCol="1270" anchor="ctr" anchorCtr="0">
+        <a:bodyPr spcFirstLastPara="0" vert="horz" wrap="square" lIns="25400" tIns="6350" rIns="25400" bIns="6350" numCol="1" spcCol="1270" anchor="ctr" anchorCtr="0">
           <a:noAutofit/>
         </a:bodyPr>
         <a:lstStyle/>
         <a:p>
-          <a:pPr lvl="0" algn="r" defTabSz="311150">
+          <a:pPr lvl="0" algn="r" defTabSz="444500">
             <a:lnSpc>
               <a:spcPct val="90000"/>
             </a:lnSpc>
@@ -11357,12 +11373,12 @@
               <a:spcPct val="35000"/>
             </a:spcAft>
           </a:pPr>
-          <a:endParaRPr lang="zh-CN" altLang="en-US" sz="700" kern="1200"/>
+          <a:endParaRPr lang="zh-CN" altLang="en-US" sz="1000" kern="1200"/>
         </a:p>
       </dsp:txBody>
       <dsp:txXfrm>
-        <a:off x="3288243" y="2796770"/>
-        <a:ext cx="683947" cy="131154"/>
+        <a:off x="4650996" y="3656581"/>
+        <a:ext cx="967397" cy="185509"/>
       </dsp:txXfrm>
     </dsp:sp>
     <dsp:sp modelId="{07B41DA2-F050-42A9-BE37-EBD07D6F544E}">
@@ -11372,8 +11388,8 @@
       </dsp:nvSpPr>
       <dsp:spPr>
         <a:xfrm>
-          <a:off x="2626478" y="3111541"/>
-          <a:ext cx="759942" cy="393464"/>
+          <a:off x="3714974" y="4101804"/>
+          <a:ext cx="1074886" cy="556528"/>
         </a:xfrm>
         <a:prstGeom prst="rect">
           <a:avLst/>
@@ -11415,12 +11431,12 @@
         </a:fontRef>
       </dsp:style>
       <dsp:txBody>
-        <a:bodyPr spcFirstLastPara="0" vert="horz" wrap="square" lIns="5080" tIns="5080" rIns="5080" bIns="55522" numCol="1" spcCol="1270" anchor="ctr" anchorCtr="0">
+        <a:bodyPr spcFirstLastPara="0" vert="horz" wrap="square" lIns="6985" tIns="6985" rIns="6985" bIns="78532" numCol="1" spcCol="1270" anchor="ctr" anchorCtr="0">
           <a:noAutofit/>
         </a:bodyPr>
         <a:lstStyle/>
         <a:p>
-          <a:pPr lvl="0" algn="ctr" defTabSz="355600">
+          <a:pPr lvl="0" algn="ctr" defTabSz="488950">
             <a:lnSpc>
               <a:spcPct val="90000"/>
             </a:lnSpc>
@@ -11432,15 +11448,15 @@
             </a:spcAft>
           </a:pPr>
           <a:r>
-            <a:rPr lang="en-US" altLang="zh-CN" sz="800" kern="1200" dirty="0" smtClean="0"/>
+            <a:rPr lang="en-US" altLang="zh-CN" sz="1100" kern="1200" dirty="0" smtClean="0"/>
             <a:t>CUInt128</a:t>
           </a:r>
-          <a:endParaRPr lang="zh-CN" altLang="en-US" sz="800" kern="1200" dirty="0"/>
+          <a:endParaRPr lang="zh-CN" altLang="en-US" sz="1100" kern="1200" dirty="0"/>
         </a:p>
       </dsp:txBody>
       <dsp:txXfrm>
-        <a:off x="2626478" y="3111541"/>
-        <a:ext cx="759942" cy="393464"/>
+        <a:off x="3714974" y="4101804"/>
+        <a:ext cx="1074886" cy="556528"/>
       </dsp:txXfrm>
     </dsp:sp>
     <dsp:sp modelId="{027F8FCE-D917-4857-957E-F5F0B0853751}">
@@ -11450,8 +11466,8 @@
       </dsp:nvSpPr>
       <dsp:spPr>
         <a:xfrm>
-          <a:off x="2778467" y="3417569"/>
-          <a:ext cx="683947" cy="131154"/>
+          <a:off x="3929952" y="4534660"/>
+          <a:ext cx="967397" cy="185509"/>
         </a:xfrm>
         <a:prstGeom prst="rect">
           <a:avLst/>
@@ -11492,12 +11508,12 @@
         <a:fontRef idx="minor"/>
       </dsp:style>
       <dsp:txBody>
-        <a:bodyPr spcFirstLastPara="0" vert="horz" wrap="square" lIns="17780" tIns="4445" rIns="17780" bIns="4445" numCol="1" spcCol="1270" anchor="ctr" anchorCtr="0">
+        <a:bodyPr spcFirstLastPara="0" vert="horz" wrap="square" lIns="25400" tIns="6350" rIns="25400" bIns="6350" numCol="1" spcCol="1270" anchor="ctr" anchorCtr="0">
           <a:noAutofit/>
         </a:bodyPr>
         <a:lstStyle/>
         <a:p>
-          <a:pPr lvl="0" algn="r" defTabSz="311150">
+          <a:pPr lvl="0" algn="r" defTabSz="444500">
             <a:lnSpc>
               <a:spcPct val="90000"/>
             </a:lnSpc>
@@ -11509,15 +11525,15 @@
             </a:spcAft>
           </a:pPr>
           <a:r>
-            <a:rPr lang="en-US" altLang="zh-CN" sz="700" kern="1200" dirty="0" err="1" smtClean="0"/>
+            <a:rPr lang="en-US" altLang="zh-CN" sz="1000" kern="1200" dirty="0" err="1" smtClean="0"/>
             <a:t>uSourceID</a:t>
           </a:r>
-          <a:endParaRPr lang="zh-CN" altLang="en-US" sz="700" kern="1200" dirty="0"/>
+          <a:endParaRPr lang="zh-CN" altLang="en-US" sz="1000" kern="1200" dirty="0"/>
         </a:p>
       </dsp:txBody>
       <dsp:txXfrm>
-        <a:off x="2778467" y="3417569"/>
-        <a:ext cx="683947" cy="131154"/>
+        <a:off x="3929952" y="4534660"/>
+        <a:ext cx="967397" cy="185509"/>
       </dsp:txXfrm>
     </dsp:sp>
     <dsp:sp modelId="{92001C25-B329-4FD2-B382-8854FA5A0124}">
@@ -11527,8 +11543,8 @@
       </dsp:nvSpPr>
       <dsp:spPr>
         <a:xfrm>
-          <a:off x="3646031" y="3111541"/>
-          <a:ext cx="759942" cy="393464"/>
+          <a:off x="5157063" y="4101804"/>
+          <a:ext cx="1074886" cy="556528"/>
         </a:xfrm>
         <a:prstGeom prst="rect">
           <a:avLst/>
@@ -11570,12 +11586,12 @@
         </a:fontRef>
       </dsp:style>
       <dsp:txBody>
-        <a:bodyPr spcFirstLastPara="0" vert="horz" wrap="square" lIns="5080" tIns="5080" rIns="5080" bIns="55522" numCol="1" spcCol="1270" anchor="ctr" anchorCtr="0">
+        <a:bodyPr spcFirstLastPara="0" vert="horz" wrap="square" lIns="6985" tIns="6985" rIns="6985" bIns="78532" numCol="1" spcCol="1270" anchor="ctr" anchorCtr="0">
           <a:noAutofit/>
         </a:bodyPr>
         <a:lstStyle/>
         <a:p>
-          <a:pPr lvl="0" algn="ctr" defTabSz="355600">
+          <a:pPr lvl="0" algn="ctr" defTabSz="488950">
             <a:lnSpc>
               <a:spcPct val="90000"/>
             </a:lnSpc>
@@ -11587,15 +11603,15 @@
             </a:spcAft>
           </a:pPr>
           <a:r>
-            <a:rPr lang="en-US" altLang="zh-CN" sz="800" kern="1200" dirty="0" err="1" smtClean="0"/>
+            <a:rPr lang="en-US" altLang="zh-CN" sz="1100" kern="1200" dirty="0" err="1" smtClean="0"/>
             <a:t>CKadEntryPtrList</a:t>
           </a:r>
-          <a:endParaRPr lang="zh-CN" altLang="en-US" sz="800" kern="1200" dirty="0"/>
+          <a:endParaRPr lang="zh-CN" altLang="en-US" sz="1100" kern="1200" dirty="0"/>
         </a:p>
       </dsp:txBody>
       <dsp:txXfrm>
-        <a:off x="3646031" y="3111541"/>
-        <a:ext cx="759942" cy="393464"/>
+        <a:off x="5157063" y="4101804"/>
+        <a:ext cx="1074886" cy="556528"/>
       </dsp:txXfrm>
     </dsp:sp>
     <dsp:sp modelId="{126715BD-2D7F-433C-A680-62D83EF674C2}">
@@ -11605,8 +11621,8 @@
       </dsp:nvSpPr>
       <dsp:spPr>
         <a:xfrm>
-          <a:off x="3798020" y="3417569"/>
-          <a:ext cx="683947" cy="131154"/>
+          <a:off x="5372040" y="4534660"/>
+          <a:ext cx="967397" cy="185509"/>
         </a:xfrm>
         <a:prstGeom prst="rect">
           <a:avLst/>
@@ -11647,12 +11663,12 @@
         <a:fontRef idx="minor"/>
       </dsp:style>
       <dsp:txBody>
-        <a:bodyPr spcFirstLastPara="0" vert="horz" wrap="square" lIns="17780" tIns="4445" rIns="17780" bIns="4445" numCol="1" spcCol="1270" anchor="ctr" anchorCtr="0">
+        <a:bodyPr spcFirstLastPara="0" vert="horz" wrap="square" lIns="25400" tIns="6350" rIns="25400" bIns="6350" numCol="1" spcCol="1270" anchor="ctr" anchorCtr="0">
           <a:noAutofit/>
         </a:bodyPr>
         <a:lstStyle/>
         <a:p>
-          <a:pPr lvl="0" algn="r" defTabSz="311150">
+          <a:pPr lvl="0" algn="r" defTabSz="444500">
             <a:lnSpc>
               <a:spcPct val="90000"/>
             </a:lnSpc>
@@ -11664,15 +11680,15 @@
             </a:spcAft>
           </a:pPr>
           <a:r>
-            <a:rPr lang="en-US" altLang="zh-CN" sz="700" kern="1200" dirty="0" err="1" smtClean="0"/>
+            <a:rPr lang="en-US" altLang="zh-CN" sz="1000" kern="1200" dirty="0" err="1" smtClean="0"/>
             <a:t>ptrlEntryList</a:t>
           </a:r>
-          <a:endParaRPr lang="zh-CN" altLang="en-US" sz="700" kern="1200" dirty="0"/>
+          <a:endParaRPr lang="zh-CN" altLang="en-US" sz="1000" kern="1200" dirty="0"/>
         </a:p>
       </dsp:txBody>
       <dsp:txXfrm>
-        <a:off x="3798020" y="3417569"/>
-        <a:ext cx="683947" cy="131154"/>
+        <a:off x="5372040" y="4534660"/>
+        <a:ext cx="967397" cy="185509"/>
       </dsp:txXfrm>
     </dsp:sp>
     <dsp:sp modelId="{61C16C2F-1AB1-4997-8CC1-7C7DF3B62E00}">
@@ -11682,8 +11698,8 @@
       </dsp:nvSpPr>
       <dsp:spPr>
         <a:xfrm>
-          <a:off x="3646031" y="3732340"/>
-          <a:ext cx="759942" cy="393464"/>
+          <a:off x="5157063" y="4979883"/>
+          <a:ext cx="1074886" cy="556528"/>
         </a:xfrm>
         <a:prstGeom prst="rect">
           <a:avLst/>
@@ -11725,12 +11741,12 @@
         </a:fontRef>
       </dsp:style>
       <dsp:txBody>
-        <a:bodyPr spcFirstLastPara="0" vert="horz" wrap="square" lIns="5080" tIns="5080" rIns="5080" bIns="55522" numCol="1" spcCol="1270" anchor="ctr" anchorCtr="0">
+        <a:bodyPr spcFirstLastPara="0" vert="horz" wrap="square" lIns="6985" tIns="6985" rIns="6985" bIns="78532" numCol="1" spcCol="1270" anchor="ctr" anchorCtr="0">
           <a:noAutofit/>
         </a:bodyPr>
         <a:lstStyle/>
         <a:p>
-          <a:pPr lvl="0" algn="ctr" defTabSz="355600">
+          <a:pPr lvl="0" algn="ctr" defTabSz="488950">
             <a:lnSpc>
               <a:spcPct val="90000"/>
             </a:lnSpc>
@@ -11742,15 +11758,15 @@
             </a:spcAft>
           </a:pPr>
           <a:r>
-            <a:rPr lang="en-US" altLang="zh-CN" sz="800" kern="1200" dirty="0" err="1" smtClean="0"/>
+            <a:rPr lang="en-US" altLang="zh-CN" sz="1100" kern="1200" dirty="0" err="1" smtClean="0"/>
             <a:t>CEntry</a:t>
           </a:r>
-          <a:endParaRPr lang="zh-CN" altLang="en-US" sz="800" kern="1200" dirty="0"/>
+          <a:endParaRPr lang="zh-CN" altLang="en-US" sz="1100" kern="1200" dirty="0"/>
         </a:p>
       </dsp:txBody>
       <dsp:txXfrm>
-        <a:off x="3646031" y="3732340"/>
-        <a:ext cx="759942" cy="393464"/>
+        <a:off x="5157063" y="4979883"/>
+        <a:ext cx="1074886" cy="556528"/>
       </dsp:txXfrm>
     </dsp:sp>
     <dsp:sp modelId="{6A8BA006-F54F-4C04-BC17-4EA28E8359E9}">
@@ -11760,8 +11776,8 @@
       </dsp:nvSpPr>
       <dsp:spPr>
         <a:xfrm>
-          <a:off x="3798020" y="4038368"/>
-          <a:ext cx="683947" cy="131154"/>
+          <a:off x="5372040" y="5412738"/>
+          <a:ext cx="967397" cy="185509"/>
         </a:xfrm>
         <a:prstGeom prst="rect">
           <a:avLst/>
@@ -11802,12 +11818,12 @@
         <a:fontRef idx="minor"/>
       </dsp:style>
       <dsp:txBody>
-        <a:bodyPr spcFirstLastPara="0" vert="horz" wrap="square" lIns="17780" tIns="4445" rIns="17780" bIns="4445" numCol="1" spcCol="1270" anchor="ctr" anchorCtr="0">
+        <a:bodyPr spcFirstLastPara="0" vert="horz" wrap="square" lIns="25400" tIns="6350" rIns="25400" bIns="6350" numCol="1" spcCol="1270" anchor="ctr" anchorCtr="0">
           <a:noAutofit/>
         </a:bodyPr>
         <a:lstStyle/>
         <a:p>
-          <a:pPr lvl="0" algn="r" defTabSz="311150">
+          <a:pPr lvl="0" algn="r" defTabSz="444500">
             <a:lnSpc>
               <a:spcPct val="90000"/>
             </a:lnSpc>
@@ -11818,12 +11834,12 @@
               <a:spcPct val="35000"/>
             </a:spcAft>
           </a:pPr>
-          <a:endParaRPr lang="zh-CN" altLang="en-US" sz="700" kern="1200"/>
+          <a:endParaRPr lang="zh-CN" altLang="en-US" sz="1000" kern="1200"/>
         </a:p>
       </dsp:txBody>
       <dsp:txXfrm>
-        <a:off x="3798020" y="4038368"/>
-        <a:ext cx="683947" cy="131154"/>
+        <a:off x="5372040" y="5412738"/>
+        <a:ext cx="967397" cy="185509"/>
       </dsp:txXfrm>
     </dsp:sp>
     <dsp:sp modelId="{C0609B87-D118-46F5-A332-3E6628950ABC}">
@@ -11833,8 +11849,8 @@
       </dsp:nvSpPr>
       <dsp:spPr>
         <a:xfrm>
-          <a:off x="77596" y="4353140"/>
-          <a:ext cx="759942" cy="393464"/>
+          <a:off x="109754" y="5857961"/>
+          <a:ext cx="1074886" cy="556528"/>
         </a:xfrm>
         <a:prstGeom prst="rect">
           <a:avLst/>
@@ -11876,12 +11892,12 @@
         </a:fontRef>
       </dsp:style>
       <dsp:txBody>
-        <a:bodyPr spcFirstLastPara="0" vert="horz" wrap="square" lIns="5080" tIns="5080" rIns="5080" bIns="55522" numCol="1" spcCol="1270" anchor="ctr" anchorCtr="0">
+        <a:bodyPr spcFirstLastPara="0" vert="horz" wrap="square" lIns="6985" tIns="6985" rIns="6985" bIns="78532" numCol="1" spcCol="1270" anchor="ctr" anchorCtr="0">
           <a:noAutofit/>
         </a:bodyPr>
         <a:lstStyle/>
         <a:p>
-          <a:pPr lvl="0" algn="ctr" defTabSz="355600">
+          <a:pPr lvl="0" algn="ctr" defTabSz="488950">
             <a:lnSpc>
               <a:spcPct val="90000"/>
             </a:lnSpc>
@@ -11893,15 +11909,15 @@
             </a:spcAft>
           </a:pPr>
           <a:r>
-            <a:rPr lang="en-US" altLang="zh-CN" sz="800" kern="1200" dirty="0" smtClean="0"/>
+            <a:rPr lang="en-US" altLang="zh-CN" sz="1100" kern="1200" dirty="0" smtClean="0"/>
             <a:t>uint32</a:t>
           </a:r>
-          <a:endParaRPr lang="zh-CN" altLang="en-US" sz="800" kern="1200" dirty="0"/>
+          <a:endParaRPr lang="zh-CN" altLang="en-US" sz="1100" kern="1200" dirty="0"/>
         </a:p>
       </dsp:txBody>
       <dsp:txXfrm>
-        <a:off x="77596" y="4353140"/>
-        <a:ext cx="759942" cy="393464"/>
+        <a:off x="109754" y="5857961"/>
+        <a:ext cx="1074886" cy="556528"/>
       </dsp:txXfrm>
     </dsp:sp>
     <dsp:sp modelId="{CE6787A3-DAC8-481D-B157-911057EA0482}">
@@ -11911,8 +11927,8 @@
       </dsp:nvSpPr>
       <dsp:spPr>
         <a:xfrm>
-          <a:off x="229584" y="4659167"/>
-          <a:ext cx="683947" cy="131154"/>
+          <a:off x="324731" y="6290816"/>
+          <a:ext cx="967397" cy="185509"/>
         </a:xfrm>
         <a:prstGeom prst="rect">
           <a:avLst/>
@@ -11953,12 +11969,12 @@
         <a:fontRef idx="minor"/>
       </dsp:style>
       <dsp:txBody>
-        <a:bodyPr spcFirstLastPara="0" vert="horz" wrap="square" lIns="17780" tIns="4445" rIns="17780" bIns="4445" numCol="1" spcCol="1270" anchor="ctr" anchorCtr="0">
+        <a:bodyPr spcFirstLastPara="0" vert="horz" wrap="square" lIns="25400" tIns="6350" rIns="25400" bIns="6350" numCol="1" spcCol="1270" anchor="ctr" anchorCtr="0">
           <a:noAutofit/>
         </a:bodyPr>
         <a:lstStyle/>
         <a:p>
-          <a:pPr lvl="0" algn="r" defTabSz="311150">
+          <a:pPr lvl="0" algn="r" defTabSz="444500">
             <a:lnSpc>
               <a:spcPct val="90000"/>
             </a:lnSpc>
@@ -11970,15 +11986,15 @@
             </a:spcAft>
           </a:pPr>
           <a:r>
-            <a:rPr lang="en-US" altLang="zh-CN" sz="700" kern="1200" dirty="0" err="1" smtClean="0"/>
+            <a:rPr lang="en-US" altLang="zh-CN" sz="1000" kern="1200" dirty="0" err="1" smtClean="0"/>
             <a:t>m_uIP</a:t>
           </a:r>
-          <a:endParaRPr lang="zh-CN" altLang="en-US" sz="700" kern="1200" dirty="0"/>
+          <a:endParaRPr lang="zh-CN" altLang="en-US" sz="1000" kern="1200" dirty="0"/>
         </a:p>
       </dsp:txBody>
       <dsp:txXfrm>
-        <a:off x="229584" y="4659167"/>
-        <a:ext cx="683947" cy="131154"/>
+        <a:off x="324731" y="6290816"/>
+        <a:ext cx="967397" cy="185509"/>
       </dsp:txXfrm>
     </dsp:sp>
     <dsp:sp modelId="{174A1766-206B-4111-AE1B-3CE3FB67ADE9}">
@@ -11988,8 +12004,8 @@
       </dsp:nvSpPr>
       <dsp:spPr>
         <a:xfrm>
-          <a:off x="1097149" y="4353140"/>
-          <a:ext cx="759942" cy="393464"/>
+          <a:off x="1551842" y="5857961"/>
+          <a:ext cx="1074886" cy="556528"/>
         </a:xfrm>
         <a:prstGeom prst="rect">
           <a:avLst/>
@@ -12031,12 +12047,12 @@
         </a:fontRef>
       </dsp:style>
       <dsp:txBody>
-        <a:bodyPr spcFirstLastPara="0" vert="horz" wrap="square" lIns="5080" tIns="5080" rIns="5080" bIns="55522" numCol="1" spcCol="1270" anchor="ctr" anchorCtr="0">
+        <a:bodyPr spcFirstLastPara="0" vert="horz" wrap="square" lIns="6985" tIns="6985" rIns="6985" bIns="78532" numCol="1" spcCol="1270" anchor="ctr" anchorCtr="0">
           <a:noAutofit/>
         </a:bodyPr>
         <a:lstStyle/>
         <a:p>
-          <a:pPr lvl="0" algn="ctr" defTabSz="355600">
+          <a:pPr lvl="0" algn="ctr" defTabSz="488950">
             <a:lnSpc>
               <a:spcPct val="90000"/>
             </a:lnSpc>
@@ -12048,15 +12064,15 @@
             </a:spcAft>
           </a:pPr>
           <a:r>
-            <a:rPr lang="en-US" altLang="zh-CN" sz="800" kern="1200" dirty="0" smtClean="0"/>
+            <a:rPr lang="en-US" altLang="zh-CN" sz="1100" kern="1200" dirty="0" smtClean="0"/>
             <a:t>uint16</a:t>
           </a:r>
-          <a:endParaRPr lang="zh-CN" altLang="en-US" sz="800" kern="1200" dirty="0"/>
+          <a:endParaRPr lang="zh-CN" altLang="en-US" sz="1100" kern="1200" dirty="0"/>
         </a:p>
       </dsp:txBody>
       <dsp:txXfrm>
-        <a:off x="1097149" y="4353140"/>
-        <a:ext cx="759942" cy="393464"/>
+        <a:off x="1551842" y="5857961"/>
+        <a:ext cx="1074886" cy="556528"/>
       </dsp:txXfrm>
     </dsp:sp>
     <dsp:sp modelId="{78F2497E-04CA-49DC-A332-809969CCAB06}">
@@ -12066,8 +12082,8 @@
       </dsp:nvSpPr>
       <dsp:spPr>
         <a:xfrm>
-          <a:off x="1249137" y="4659167"/>
-          <a:ext cx="683947" cy="131154"/>
+          <a:off x="1766819" y="6290816"/>
+          <a:ext cx="967397" cy="185509"/>
         </a:xfrm>
         <a:prstGeom prst="rect">
           <a:avLst/>
@@ -12108,12 +12124,12 @@
         <a:fontRef idx="minor"/>
       </dsp:style>
       <dsp:txBody>
-        <a:bodyPr spcFirstLastPara="0" vert="horz" wrap="square" lIns="17780" tIns="4445" rIns="17780" bIns="4445" numCol="1" spcCol="1270" anchor="ctr" anchorCtr="0">
+        <a:bodyPr spcFirstLastPara="0" vert="horz" wrap="square" lIns="25400" tIns="6350" rIns="25400" bIns="6350" numCol="1" spcCol="1270" anchor="ctr" anchorCtr="0">
           <a:noAutofit/>
         </a:bodyPr>
         <a:lstStyle/>
         <a:p>
-          <a:pPr lvl="0" algn="r" defTabSz="311150">
+          <a:pPr lvl="0" algn="r" defTabSz="444500">
             <a:lnSpc>
               <a:spcPct val="90000"/>
             </a:lnSpc>
@@ -12125,15 +12141,15 @@
             </a:spcAft>
           </a:pPr>
           <a:r>
-            <a:rPr lang="en-US" altLang="zh-CN" sz="700" kern="1200" dirty="0" err="1" smtClean="0"/>
+            <a:rPr lang="en-US" altLang="zh-CN" sz="1000" kern="1200" dirty="0" err="1" smtClean="0"/>
             <a:t>m_uTCPPort</a:t>
           </a:r>
-          <a:endParaRPr lang="zh-CN" altLang="en-US" sz="700" kern="1200" dirty="0"/>
+          <a:endParaRPr lang="zh-CN" altLang="en-US" sz="1000" kern="1200" dirty="0"/>
         </a:p>
       </dsp:txBody>
       <dsp:txXfrm>
-        <a:off x="1249137" y="4659167"/>
-        <a:ext cx="683947" cy="131154"/>
+        <a:off x="1766819" y="6290816"/>
+        <a:ext cx="967397" cy="185509"/>
       </dsp:txXfrm>
     </dsp:sp>
     <dsp:sp modelId="{8BF21DA7-9255-410A-95A8-70E045BB35D3}">
@@ -12143,8 +12159,8 @@
       </dsp:nvSpPr>
       <dsp:spPr>
         <a:xfrm>
-          <a:off x="2116702" y="4353140"/>
-          <a:ext cx="759942" cy="393464"/>
+          <a:off x="2993930" y="5857961"/>
+          <a:ext cx="1074886" cy="556528"/>
         </a:xfrm>
         <a:prstGeom prst="rect">
           <a:avLst/>
@@ -12186,12 +12202,12 @@
         </a:fontRef>
       </dsp:style>
       <dsp:txBody>
-        <a:bodyPr spcFirstLastPara="0" vert="horz" wrap="square" lIns="5080" tIns="5080" rIns="5080" bIns="55522" numCol="1" spcCol="1270" anchor="ctr" anchorCtr="0">
+        <a:bodyPr spcFirstLastPara="0" vert="horz" wrap="square" lIns="6985" tIns="6985" rIns="6985" bIns="78532" numCol="1" spcCol="1270" anchor="ctr" anchorCtr="0">
           <a:noAutofit/>
         </a:bodyPr>
         <a:lstStyle/>
         <a:p>
-          <a:pPr lvl="0" algn="ctr" defTabSz="355600">
+          <a:pPr lvl="0" algn="ctr" defTabSz="488950">
             <a:lnSpc>
               <a:spcPct val="90000"/>
             </a:lnSpc>
@@ -12203,15 +12219,15 @@
             </a:spcAft>
           </a:pPr>
           <a:r>
-            <a:rPr lang="en-US" altLang="zh-CN" sz="800" kern="1200" dirty="0" smtClean="0"/>
+            <a:rPr lang="en-US" altLang="zh-CN" sz="1100" kern="1200" dirty="0" smtClean="0"/>
             <a:t>uint16</a:t>
           </a:r>
-          <a:endParaRPr lang="zh-CN" altLang="en-US" sz="800" kern="1200" dirty="0"/>
+          <a:endParaRPr lang="zh-CN" altLang="en-US" sz="1100" kern="1200" dirty="0"/>
         </a:p>
       </dsp:txBody>
       <dsp:txXfrm>
-        <a:off x="2116702" y="4353140"/>
-        <a:ext cx="759942" cy="393464"/>
+        <a:off x="2993930" y="5857961"/>
+        <a:ext cx="1074886" cy="556528"/>
       </dsp:txXfrm>
     </dsp:sp>
     <dsp:sp modelId="{F380191F-68F7-4007-A4C0-DAB6CB8C3176}">
@@ -12221,8 +12237,8 @@
       </dsp:nvSpPr>
       <dsp:spPr>
         <a:xfrm>
-          <a:off x="2268690" y="4659167"/>
-          <a:ext cx="683947" cy="131154"/>
+          <a:off x="3208908" y="6290816"/>
+          <a:ext cx="967397" cy="185509"/>
         </a:xfrm>
         <a:prstGeom prst="rect">
           <a:avLst/>
@@ -12263,12 +12279,12 @@
         <a:fontRef idx="minor"/>
       </dsp:style>
       <dsp:txBody>
-        <a:bodyPr spcFirstLastPara="0" vert="horz" wrap="square" lIns="17780" tIns="4445" rIns="17780" bIns="4445" numCol="1" spcCol="1270" anchor="ctr" anchorCtr="0">
+        <a:bodyPr spcFirstLastPara="0" vert="horz" wrap="square" lIns="25400" tIns="6350" rIns="25400" bIns="6350" numCol="1" spcCol="1270" anchor="ctr" anchorCtr="0">
           <a:noAutofit/>
         </a:bodyPr>
         <a:lstStyle/>
         <a:p>
-          <a:pPr lvl="0" algn="r" defTabSz="311150">
+          <a:pPr lvl="0" algn="r" defTabSz="444500">
             <a:lnSpc>
               <a:spcPct val="90000"/>
             </a:lnSpc>
@@ -12280,15 +12296,15 @@
             </a:spcAft>
           </a:pPr>
           <a:r>
-            <a:rPr lang="en-US" altLang="zh-CN" sz="700" kern="1200" dirty="0" err="1" smtClean="0"/>
+            <a:rPr lang="en-US" altLang="zh-CN" sz="1000" kern="1200" dirty="0" err="1" smtClean="0"/>
             <a:t>m_uUDPPort</a:t>
           </a:r>
-          <a:endParaRPr lang="zh-CN" altLang="en-US" sz="700" kern="1200" dirty="0"/>
+          <a:endParaRPr lang="zh-CN" altLang="en-US" sz="1000" kern="1200" dirty="0"/>
         </a:p>
       </dsp:txBody>
       <dsp:txXfrm>
-        <a:off x="2268690" y="4659167"/>
-        <a:ext cx="683947" cy="131154"/>
+        <a:off x="3208908" y="6290816"/>
+        <a:ext cx="967397" cy="185509"/>
       </dsp:txXfrm>
     </dsp:sp>
     <dsp:sp modelId="{DC2A6A67-D1A7-48DB-9C30-2EE5AE05E793}">
@@ -12298,8 +12314,8 @@
       </dsp:nvSpPr>
       <dsp:spPr>
         <a:xfrm>
-          <a:off x="3136255" y="4353140"/>
-          <a:ext cx="759942" cy="393464"/>
+          <a:off x="4436018" y="5857961"/>
+          <a:ext cx="1074886" cy="556528"/>
         </a:xfrm>
         <a:prstGeom prst="rect">
           <a:avLst/>
@@ -12341,12 +12357,12 @@
         </a:fontRef>
       </dsp:style>
       <dsp:txBody>
-        <a:bodyPr spcFirstLastPara="0" vert="horz" wrap="square" lIns="5080" tIns="5080" rIns="5080" bIns="55522" numCol="1" spcCol="1270" anchor="ctr" anchorCtr="0">
+        <a:bodyPr spcFirstLastPara="0" vert="horz" wrap="square" lIns="6985" tIns="6985" rIns="6985" bIns="78532" numCol="1" spcCol="1270" anchor="ctr" anchorCtr="0">
           <a:noAutofit/>
         </a:bodyPr>
         <a:lstStyle/>
         <a:p>
-          <a:pPr lvl="0" algn="ctr" defTabSz="355600">
+          <a:pPr lvl="0" algn="ctr" defTabSz="488950">
             <a:lnSpc>
               <a:spcPct val="90000"/>
             </a:lnSpc>
@@ -12358,15 +12374,15 @@
             </a:spcAft>
           </a:pPr>
           <a:r>
-            <a:rPr lang="en-US" altLang="zh-CN" sz="800" kern="1200" dirty="0" smtClean="0"/>
+            <a:rPr lang="en-US" altLang="zh-CN" sz="1100" kern="1200" dirty="0" smtClean="0"/>
             <a:t>CUInt128</a:t>
           </a:r>
-          <a:endParaRPr lang="zh-CN" altLang="en-US" sz="800" kern="1200" dirty="0"/>
+          <a:endParaRPr lang="zh-CN" altLang="en-US" sz="1100" kern="1200" dirty="0"/>
         </a:p>
       </dsp:txBody>
       <dsp:txXfrm>
-        <a:off x="3136255" y="4353140"/>
-        <a:ext cx="759942" cy="393464"/>
+        <a:off x="4436018" y="5857961"/>
+        <a:ext cx="1074886" cy="556528"/>
       </dsp:txXfrm>
     </dsp:sp>
     <dsp:sp modelId="{50939023-49D7-4F51-AD1D-21231C706D1C}">
@@ -12376,8 +12392,8 @@
       </dsp:nvSpPr>
       <dsp:spPr>
         <a:xfrm>
-          <a:off x="3288243" y="4659167"/>
-          <a:ext cx="683947" cy="131154"/>
+          <a:off x="4650996" y="6290816"/>
+          <a:ext cx="967397" cy="185509"/>
         </a:xfrm>
         <a:prstGeom prst="rect">
           <a:avLst/>
@@ -12418,12 +12434,12 @@
         <a:fontRef idx="minor"/>
       </dsp:style>
       <dsp:txBody>
-        <a:bodyPr spcFirstLastPara="0" vert="horz" wrap="square" lIns="17780" tIns="4445" rIns="17780" bIns="4445" numCol="1" spcCol="1270" anchor="ctr" anchorCtr="0">
+        <a:bodyPr spcFirstLastPara="0" vert="horz" wrap="square" lIns="25400" tIns="6350" rIns="25400" bIns="6350" numCol="1" spcCol="1270" anchor="ctr" anchorCtr="0">
           <a:noAutofit/>
         </a:bodyPr>
         <a:lstStyle/>
         <a:p>
-          <a:pPr lvl="0" algn="r" defTabSz="311150">
+          <a:pPr lvl="0" algn="r" defTabSz="444500">
             <a:lnSpc>
               <a:spcPct val="90000"/>
             </a:lnSpc>
@@ -12435,15 +12451,15 @@
             </a:spcAft>
           </a:pPr>
           <a:r>
-            <a:rPr lang="en-US" altLang="zh-CN" sz="700" kern="1200" dirty="0" err="1" smtClean="0"/>
+            <a:rPr lang="en-US" altLang="zh-CN" sz="1000" kern="1200" dirty="0" err="1" smtClean="0"/>
             <a:t>m_uKeyID</a:t>
           </a:r>
-          <a:endParaRPr lang="zh-CN" altLang="en-US" sz="700" kern="1200" dirty="0"/>
+          <a:endParaRPr lang="zh-CN" altLang="en-US" sz="1000" kern="1200" dirty="0"/>
         </a:p>
       </dsp:txBody>
       <dsp:txXfrm>
-        <a:off x="3288243" y="4659167"/>
-        <a:ext cx="683947" cy="131154"/>
+        <a:off x="4650996" y="6290816"/>
+        <a:ext cx="967397" cy="185509"/>
       </dsp:txXfrm>
     </dsp:sp>
     <dsp:sp modelId="{B2CC1828-1D29-48FA-A0DC-F04CA0CD2D21}">
@@ -12453,8 +12469,8 @@
       </dsp:nvSpPr>
       <dsp:spPr>
         <a:xfrm>
-          <a:off x="4155808" y="4353140"/>
-          <a:ext cx="759942" cy="393464"/>
+          <a:off x="5878107" y="5857961"/>
+          <a:ext cx="1074886" cy="556528"/>
         </a:xfrm>
         <a:prstGeom prst="rect">
           <a:avLst/>
@@ -12496,12 +12512,12 @@
         </a:fontRef>
       </dsp:style>
       <dsp:txBody>
-        <a:bodyPr spcFirstLastPara="0" vert="horz" wrap="square" lIns="5080" tIns="5080" rIns="5080" bIns="55522" numCol="1" spcCol="1270" anchor="ctr" anchorCtr="0">
+        <a:bodyPr spcFirstLastPara="0" vert="horz" wrap="square" lIns="6985" tIns="6985" rIns="6985" bIns="78532" numCol="1" spcCol="1270" anchor="ctr" anchorCtr="0">
           <a:noAutofit/>
         </a:bodyPr>
         <a:lstStyle/>
         <a:p>
-          <a:pPr lvl="0" algn="ctr" defTabSz="355600">
+          <a:pPr lvl="0" algn="ctr" defTabSz="488950">
             <a:lnSpc>
               <a:spcPct val="90000"/>
             </a:lnSpc>
@@ -12513,15 +12529,15 @@
             </a:spcAft>
           </a:pPr>
           <a:r>
-            <a:rPr lang="en-US" altLang="zh-CN" sz="800" kern="1200" dirty="0" smtClean="0"/>
+            <a:rPr lang="en-US" altLang="zh-CN" sz="1100" kern="1200" dirty="0" smtClean="0"/>
             <a:t>CUInt128</a:t>
           </a:r>
-          <a:endParaRPr lang="zh-CN" altLang="en-US" sz="800" kern="1200" dirty="0"/>
+          <a:endParaRPr lang="zh-CN" altLang="en-US" sz="1100" kern="1200" dirty="0"/>
         </a:p>
       </dsp:txBody>
       <dsp:txXfrm>
-        <a:off x="4155808" y="4353140"/>
-        <a:ext cx="759942" cy="393464"/>
+        <a:off x="5878107" y="5857961"/>
+        <a:ext cx="1074886" cy="556528"/>
       </dsp:txXfrm>
     </dsp:sp>
     <dsp:sp modelId="{B26AA340-B012-450C-B965-9765131C5F60}">
@@ -12531,8 +12547,8 @@
       </dsp:nvSpPr>
       <dsp:spPr>
         <a:xfrm>
-          <a:off x="4307796" y="4659167"/>
-          <a:ext cx="683947" cy="131154"/>
+          <a:off x="6093084" y="6290816"/>
+          <a:ext cx="967397" cy="185509"/>
         </a:xfrm>
         <a:prstGeom prst="rect">
           <a:avLst/>
@@ -12573,12 +12589,12 @@
         <a:fontRef idx="minor"/>
       </dsp:style>
       <dsp:txBody>
-        <a:bodyPr spcFirstLastPara="0" vert="horz" wrap="square" lIns="17780" tIns="4445" rIns="17780" bIns="4445" numCol="1" spcCol="1270" anchor="ctr" anchorCtr="0">
+        <a:bodyPr spcFirstLastPara="0" vert="horz" wrap="square" lIns="25400" tIns="6350" rIns="25400" bIns="6350" numCol="1" spcCol="1270" anchor="ctr" anchorCtr="0">
           <a:noAutofit/>
         </a:bodyPr>
         <a:lstStyle/>
         <a:p>
-          <a:pPr lvl="0" algn="r" defTabSz="311150">
+          <a:pPr lvl="0" algn="r" defTabSz="444500">
             <a:lnSpc>
               <a:spcPct val="90000"/>
             </a:lnSpc>
@@ -12590,15 +12606,15 @@
             </a:spcAft>
           </a:pPr>
           <a:r>
-            <a:rPr lang="en-US" altLang="zh-CN" sz="700" kern="1200" dirty="0" err="1" smtClean="0"/>
+            <a:rPr lang="en-US" altLang="zh-CN" sz="1000" kern="1200" dirty="0" err="1" smtClean="0"/>
             <a:t>m_uSourceID</a:t>
           </a:r>
-          <a:endParaRPr lang="zh-CN" altLang="en-US" sz="700" kern="1200" dirty="0"/>
+          <a:endParaRPr lang="zh-CN" altLang="en-US" sz="1000" kern="1200" dirty="0"/>
         </a:p>
       </dsp:txBody>
       <dsp:txXfrm>
-        <a:off x="4307796" y="4659167"/>
-        <a:ext cx="683947" cy="131154"/>
+        <a:off x="6093084" y="6290816"/>
+        <a:ext cx="967397" cy="185509"/>
       </dsp:txXfrm>
     </dsp:sp>
     <dsp:sp modelId="{5423C0B6-E270-4795-A26B-83CFD7EB47D0}">
@@ -12608,8 +12624,8 @@
       </dsp:nvSpPr>
       <dsp:spPr>
         <a:xfrm>
-          <a:off x="5175361" y="4353140"/>
-          <a:ext cx="759942" cy="393464"/>
+          <a:off x="7320195" y="5857961"/>
+          <a:ext cx="1074886" cy="556528"/>
         </a:xfrm>
         <a:prstGeom prst="rect">
           <a:avLst/>
@@ -12651,12 +12667,12 @@
         </a:fontRef>
       </dsp:style>
       <dsp:txBody>
-        <a:bodyPr spcFirstLastPara="0" vert="horz" wrap="square" lIns="5080" tIns="5080" rIns="5080" bIns="55522" numCol="1" spcCol="1270" anchor="ctr" anchorCtr="0">
+        <a:bodyPr spcFirstLastPara="0" vert="horz" wrap="square" lIns="6985" tIns="6985" rIns="6985" bIns="78532" numCol="1" spcCol="1270" anchor="ctr" anchorCtr="0">
           <a:noAutofit/>
         </a:bodyPr>
         <a:lstStyle/>
         <a:p>
-          <a:pPr lvl="0" algn="ctr" defTabSz="355600">
+          <a:pPr lvl="0" algn="ctr" defTabSz="488950">
             <a:lnSpc>
               <a:spcPct val="90000"/>
             </a:lnSpc>
@@ -12668,15 +12684,15 @@
             </a:spcAft>
           </a:pPr>
           <a:r>
-            <a:rPr lang="en-US" altLang="zh-CN" sz="800" kern="1200" dirty="0" smtClean="0"/>
+            <a:rPr lang="en-US" altLang="zh-CN" sz="1100" kern="1200" dirty="0" smtClean="0"/>
             <a:t>uint64</a:t>
           </a:r>
-          <a:endParaRPr lang="zh-CN" altLang="en-US" sz="800" kern="1200" dirty="0"/>
+          <a:endParaRPr lang="zh-CN" altLang="en-US" sz="1100" kern="1200" dirty="0"/>
         </a:p>
       </dsp:txBody>
       <dsp:txXfrm>
-        <a:off x="5175361" y="4353140"/>
-        <a:ext cx="759942" cy="393464"/>
+        <a:off x="7320195" y="5857961"/>
+        <a:ext cx="1074886" cy="556528"/>
       </dsp:txXfrm>
     </dsp:sp>
     <dsp:sp modelId="{8E6E4251-BCF8-4FB1-A02B-56F8FA370E84}">
@@ -12686,8 +12702,8 @@
       </dsp:nvSpPr>
       <dsp:spPr>
         <a:xfrm>
-          <a:off x="5327349" y="4659167"/>
-          <a:ext cx="683947" cy="131154"/>
+          <a:off x="7535172" y="6290816"/>
+          <a:ext cx="967397" cy="185509"/>
         </a:xfrm>
         <a:prstGeom prst="rect">
           <a:avLst/>
@@ -12728,12 +12744,12 @@
         <a:fontRef idx="minor"/>
       </dsp:style>
       <dsp:txBody>
-        <a:bodyPr spcFirstLastPara="0" vert="horz" wrap="square" lIns="17780" tIns="4445" rIns="17780" bIns="4445" numCol="1" spcCol="1270" anchor="ctr" anchorCtr="0">
+        <a:bodyPr spcFirstLastPara="0" vert="horz" wrap="square" lIns="25400" tIns="6350" rIns="25400" bIns="6350" numCol="1" spcCol="1270" anchor="ctr" anchorCtr="0">
           <a:noAutofit/>
         </a:bodyPr>
         <a:lstStyle/>
         <a:p>
-          <a:pPr lvl="0" algn="r" defTabSz="311150">
+          <a:pPr lvl="0" algn="r" defTabSz="444500">
             <a:lnSpc>
               <a:spcPct val="90000"/>
             </a:lnSpc>
@@ -12745,15 +12761,15 @@
             </a:spcAft>
           </a:pPr>
           <a:r>
-            <a:rPr lang="en-US" altLang="zh-CN" sz="700" kern="1200" dirty="0" err="1" smtClean="0"/>
+            <a:rPr lang="en-US" altLang="zh-CN" sz="1000" kern="1200" dirty="0" err="1" smtClean="0"/>
             <a:t>m_Size</a:t>
           </a:r>
-          <a:endParaRPr lang="zh-CN" altLang="en-US" sz="700" kern="1200" dirty="0"/>
+          <a:endParaRPr lang="zh-CN" altLang="en-US" sz="1000" kern="1200" dirty="0"/>
         </a:p>
       </dsp:txBody>
       <dsp:txXfrm>
-        <a:off x="5327349" y="4659167"/>
-        <a:ext cx="683947" cy="131154"/>
+        <a:off x="7535172" y="6290816"/>
+        <a:ext cx="967397" cy="185509"/>
       </dsp:txXfrm>
     </dsp:sp>
     <dsp:sp modelId="{852CC1FF-77EF-4779-8EFB-E14E8E9A70F0}">
@@ -12763,8 +12779,8 @@
       </dsp:nvSpPr>
       <dsp:spPr>
         <a:xfrm>
-          <a:off x="6194914" y="4353140"/>
-          <a:ext cx="759942" cy="393464"/>
+          <a:off x="8762283" y="5857961"/>
+          <a:ext cx="1074886" cy="556528"/>
         </a:xfrm>
         <a:prstGeom prst="rect">
           <a:avLst/>
@@ -12806,12 +12822,12 @@
         </a:fontRef>
       </dsp:style>
       <dsp:txBody>
-        <a:bodyPr spcFirstLastPara="0" vert="horz" wrap="square" lIns="5080" tIns="5080" rIns="5080" bIns="55522" numCol="1" spcCol="1270" anchor="ctr" anchorCtr="0">
+        <a:bodyPr spcFirstLastPara="0" vert="horz" wrap="square" lIns="6985" tIns="6985" rIns="6985" bIns="78532" numCol="1" spcCol="1270" anchor="ctr" anchorCtr="0">
           <a:noAutofit/>
         </a:bodyPr>
         <a:lstStyle/>
         <a:p>
-          <a:pPr lvl="0" algn="ctr" defTabSz="355600">
+          <a:pPr lvl="0" algn="ctr" defTabSz="488950">
             <a:lnSpc>
               <a:spcPct val="90000"/>
             </a:lnSpc>
@@ -12823,15 +12839,15 @@
             </a:spcAft>
           </a:pPr>
           <a:r>
-            <a:rPr lang="en-US" altLang="zh-CN" sz="800" kern="1200" dirty="0" err="1" smtClean="0"/>
+            <a:rPr lang="en-US" altLang="zh-CN" sz="1100" kern="1200" dirty="0" err="1" smtClean="0"/>
             <a:t>timt_t</a:t>
           </a:r>
-          <a:endParaRPr lang="zh-CN" altLang="en-US" sz="800" kern="1200" dirty="0"/>
+          <a:endParaRPr lang="zh-CN" altLang="en-US" sz="1100" kern="1200" dirty="0"/>
         </a:p>
       </dsp:txBody>
       <dsp:txXfrm>
-        <a:off x="6194914" y="4353140"/>
-        <a:ext cx="759942" cy="393464"/>
+        <a:off x="8762283" y="5857961"/>
+        <a:ext cx="1074886" cy="556528"/>
       </dsp:txXfrm>
     </dsp:sp>
     <dsp:sp modelId="{E71EE907-1921-4348-A4A3-ACB8222C7F4E}">
@@ -12841,8 +12857,8 @@
       </dsp:nvSpPr>
       <dsp:spPr>
         <a:xfrm>
-          <a:off x="6346902" y="4659167"/>
-          <a:ext cx="683947" cy="131154"/>
+          <a:off x="8977260" y="6290816"/>
+          <a:ext cx="967397" cy="185509"/>
         </a:xfrm>
         <a:prstGeom prst="rect">
           <a:avLst/>
@@ -12883,12 +12899,12 @@
         <a:fontRef idx="minor"/>
       </dsp:style>
       <dsp:txBody>
-        <a:bodyPr spcFirstLastPara="0" vert="horz" wrap="square" lIns="17780" tIns="4445" rIns="17780" bIns="4445" numCol="1" spcCol="1270" anchor="ctr" anchorCtr="0">
+        <a:bodyPr spcFirstLastPara="0" vert="horz" wrap="square" lIns="25400" tIns="6350" rIns="25400" bIns="6350" numCol="1" spcCol="1270" anchor="ctr" anchorCtr="0">
           <a:noAutofit/>
         </a:bodyPr>
         <a:lstStyle/>
         <a:p>
-          <a:pPr lvl="0" algn="r" defTabSz="311150">
+          <a:pPr lvl="0" algn="r" defTabSz="444500">
             <a:lnSpc>
               <a:spcPct val="90000"/>
             </a:lnSpc>
@@ -12900,15 +12916,15 @@
             </a:spcAft>
           </a:pPr>
           <a:r>
-            <a:rPr lang="en-US" altLang="zh-CN" sz="700" kern="1200" dirty="0" err="1" smtClean="0"/>
+            <a:rPr lang="en-US" altLang="zh-CN" sz="1000" kern="1200" dirty="0" err="1" smtClean="0"/>
             <a:t>m_Lifetime</a:t>
           </a:r>
-          <a:endParaRPr lang="zh-CN" altLang="en-US" sz="700" kern="1200" dirty="0"/>
+          <a:endParaRPr lang="zh-CN" altLang="en-US" sz="1000" kern="1200" dirty="0"/>
         </a:p>
       </dsp:txBody>
       <dsp:txXfrm>
-        <a:off x="6346902" y="4659167"/>
-        <a:ext cx="683947" cy="131154"/>
+        <a:off x="8977260" y="6290816"/>
+        <a:ext cx="967397" cy="185509"/>
       </dsp:txXfrm>
     </dsp:sp>
     <dsp:sp modelId="{678B0968-8AF6-409D-A455-6407459F1796}">
@@ -12918,8 +12934,8 @@
       </dsp:nvSpPr>
       <dsp:spPr>
         <a:xfrm>
-          <a:off x="7214467" y="4353140"/>
-          <a:ext cx="759942" cy="393464"/>
+          <a:off x="10204371" y="5857961"/>
+          <a:ext cx="1074886" cy="556528"/>
         </a:xfrm>
         <a:prstGeom prst="rect">
           <a:avLst/>
@@ -12961,12 +12977,12 @@
         </a:fontRef>
       </dsp:style>
       <dsp:txBody>
-        <a:bodyPr spcFirstLastPara="0" vert="horz" wrap="square" lIns="5080" tIns="5080" rIns="5080" bIns="55522" numCol="1" spcCol="1270" anchor="ctr" anchorCtr="0">
+        <a:bodyPr spcFirstLastPara="0" vert="horz" wrap="square" lIns="6985" tIns="6985" rIns="6985" bIns="78532" numCol="1" spcCol="1270" anchor="ctr" anchorCtr="0">
           <a:noAutofit/>
         </a:bodyPr>
         <a:lstStyle/>
         <a:p>
-          <a:pPr lvl="0" algn="ctr" defTabSz="355600">
+          <a:pPr lvl="0" algn="ctr" defTabSz="488950">
             <a:lnSpc>
               <a:spcPct val="90000"/>
             </a:lnSpc>
@@ -12978,15 +12994,15 @@
             </a:spcAft>
           </a:pPr>
           <a:r>
-            <a:rPr lang="en-US" altLang="zh-CN" sz="800" kern="1200" dirty="0" smtClean="0"/>
+            <a:rPr lang="en-US" altLang="zh-CN" sz="1100" kern="1200" dirty="0" smtClean="0"/>
             <a:t>bool</a:t>
           </a:r>
-          <a:endParaRPr lang="zh-CN" altLang="en-US" sz="800" kern="1200" dirty="0"/>
+          <a:endParaRPr lang="zh-CN" altLang="en-US" sz="1100" kern="1200" dirty="0"/>
         </a:p>
       </dsp:txBody>
       <dsp:txXfrm>
-        <a:off x="7214467" y="4353140"/>
-        <a:ext cx="759942" cy="393464"/>
+        <a:off x="10204371" y="5857961"/>
+        <a:ext cx="1074886" cy="556528"/>
       </dsp:txXfrm>
     </dsp:sp>
     <dsp:sp modelId="{7B4F4265-1316-4042-90B8-F0270B0983C3}">
@@ -12996,8 +13012,8 @@
       </dsp:nvSpPr>
       <dsp:spPr>
         <a:xfrm>
-          <a:off x="7366455" y="4659167"/>
-          <a:ext cx="683947" cy="131154"/>
+          <a:off x="10419348" y="6290816"/>
+          <a:ext cx="967397" cy="185509"/>
         </a:xfrm>
         <a:prstGeom prst="rect">
           <a:avLst/>
@@ -13038,12 +13054,12 @@
         <a:fontRef idx="minor"/>
       </dsp:style>
       <dsp:txBody>
-        <a:bodyPr spcFirstLastPara="0" vert="horz" wrap="square" lIns="17780" tIns="4445" rIns="17780" bIns="4445" numCol="1" spcCol="1270" anchor="ctr" anchorCtr="0">
+        <a:bodyPr spcFirstLastPara="0" vert="horz" wrap="square" lIns="25400" tIns="6350" rIns="25400" bIns="6350" numCol="1" spcCol="1270" anchor="ctr" anchorCtr="0">
           <a:noAutofit/>
         </a:bodyPr>
         <a:lstStyle/>
         <a:p>
-          <a:pPr lvl="0" algn="r" defTabSz="311150">
+          <a:pPr lvl="0" algn="r" defTabSz="444500">
             <a:lnSpc>
               <a:spcPct val="90000"/>
             </a:lnSpc>
@@ -13055,15 +13071,15 @@
             </a:spcAft>
           </a:pPr>
           <a:r>
-            <a:rPr lang="en-US" altLang="zh-CN" sz="700" kern="1200" dirty="0" err="1" smtClean="0"/>
+            <a:rPr lang="en-US" altLang="zh-CN" sz="1000" kern="1200" dirty="0" err="1" smtClean="0"/>
             <a:t>m_bSource</a:t>
           </a:r>
-          <a:endParaRPr lang="zh-CN" altLang="en-US" sz="700" kern="1200" dirty="0"/>
+          <a:endParaRPr lang="zh-CN" altLang="en-US" sz="1000" kern="1200" dirty="0"/>
         </a:p>
       </dsp:txBody>
       <dsp:txXfrm>
-        <a:off x="7366455" y="4659167"/>
-        <a:ext cx="683947" cy="131154"/>
+        <a:off x="10419348" y="6290816"/>
+        <a:ext cx="967397" cy="185509"/>
       </dsp:txXfrm>
     </dsp:sp>
   </dsp:spTree>
@@ -13085,8 +13101,8 @@
       </dsp:nvSpPr>
       <dsp:spPr>
         <a:xfrm>
-          <a:off x="4852706" y="5044890"/>
-          <a:ext cx="4301181" cy="274016"/>
+          <a:off x="5682153" y="5365810"/>
+          <a:ext cx="5036360" cy="320852"/>
         </a:xfrm>
         <a:custGeom>
           <a:avLst/>
@@ -13100,13 +13116,13 @@
                 <a:pt x="0" y="0"/>
               </a:moveTo>
               <a:lnTo>
-                <a:pt x="0" y="163355"/>
+                <a:pt x="0" y="191277"/>
               </a:lnTo>
               <a:lnTo>
-                <a:pt x="4301181" y="163355"/>
+                <a:pt x="5036360" y="191277"/>
               </a:lnTo>
               <a:lnTo>
-                <a:pt x="4301181" y="274016"/>
+                <a:pt x="5036360" y="320852"/>
               </a:lnTo>
             </a:path>
           </a:pathLst>
@@ -13147,8 +13163,8 @@
       </dsp:nvSpPr>
       <dsp:spPr>
         <a:xfrm>
-          <a:off x="4852706" y="5044890"/>
-          <a:ext cx="3072272" cy="274016"/>
+          <a:off x="5682153" y="5365810"/>
+          <a:ext cx="3597400" cy="320852"/>
         </a:xfrm>
         <a:custGeom>
           <a:avLst/>
@@ -13162,13 +13178,13 @@
                 <a:pt x="0" y="0"/>
               </a:moveTo>
               <a:lnTo>
-                <a:pt x="0" y="163355"/>
+                <a:pt x="0" y="191277"/>
               </a:lnTo>
               <a:lnTo>
-                <a:pt x="3072272" y="163355"/>
+                <a:pt x="3597400" y="191277"/>
               </a:lnTo>
               <a:lnTo>
-                <a:pt x="3072272" y="274016"/>
+                <a:pt x="3597400" y="320852"/>
               </a:lnTo>
             </a:path>
           </a:pathLst>
@@ -13209,8 +13225,8 @@
       </dsp:nvSpPr>
       <dsp:spPr>
         <a:xfrm>
-          <a:off x="4852706" y="5044890"/>
-          <a:ext cx="1843363" cy="274016"/>
+          <a:off x="5682153" y="5365810"/>
+          <a:ext cx="2158440" cy="320852"/>
         </a:xfrm>
         <a:custGeom>
           <a:avLst/>
@@ -13224,13 +13240,13 @@
                 <a:pt x="0" y="0"/>
               </a:moveTo>
               <a:lnTo>
-                <a:pt x="0" y="163355"/>
+                <a:pt x="0" y="191277"/>
               </a:lnTo>
               <a:lnTo>
-                <a:pt x="1843363" y="163355"/>
+                <a:pt x="2158440" y="191277"/>
               </a:lnTo>
               <a:lnTo>
-                <a:pt x="1843363" y="274016"/>
+                <a:pt x="2158440" y="320852"/>
               </a:lnTo>
             </a:path>
           </a:pathLst>
@@ -13271,8 +13287,8 @@
       </dsp:nvSpPr>
       <dsp:spPr>
         <a:xfrm>
-          <a:off x="4852706" y="5044890"/>
-          <a:ext cx="614454" cy="274016"/>
+          <a:off x="5682153" y="5365810"/>
+          <a:ext cx="719480" cy="320852"/>
         </a:xfrm>
         <a:custGeom>
           <a:avLst/>
@@ -13286,13 +13302,13 @@
                 <a:pt x="0" y="0"/>
               </a:moveTo>
               <a:lnTo>
-                <a:pt x="0" y="163355"/>
+                <a:pt x="0" y="191277"/>
               </a:lnTo>
               <a:lnTo>
-                <a:pt x="614454" y="163355"/>
+                <a:pt x="719480" y="191277"/>
               </a:lnTo>
               <a:lnTo>
-                <a:pt x="614454" y="274016"/>
+                <a:pt x="719480" y="320852"/>
               </a:lnTo>
             </a:path>
           </a:pathLst>
@@ -13333,8 +13349,8 @@
       </dsp:nvSpPr>
       <dsp:spPr>
         <a:xfrm>
-          <a:off x="4238251" y="5044890"/>
-          <a:ext cx="614454" cy="274016"/>
+          <a:off x="4962673" y="5365810"/>
+          <a:ext cx="719480" cy="320852"/>
         </a:xfrm>
         <a:custGeom>
           <a:avLst/>
@@ -13345,16 +13361,16 @@
           <a:pathLst>
             <a:path>
               <a:moveTo>
-                <a:pt x="614454" y="0"/>
+                <a:pt x="719480" y="0"/>
               </a:moveTo>
               <a:lnTo>
-                <a:pt x="614454" y="163355"/>
+                <a:pt x="719480" y="191277"/>
               </a:lnTo>
               <a:lnTo>
-                <a:pt x="0" y="163355"/>
+                <a:pt x="0" y="191277"/>
               </a:lnTo>
               <a:lnTo>
-                <a:pt x="0" y="274016"/>
+                <a:pt x="0" y="320852"/>
               </a:lnTo>
             </a:path>
           </a:pathLst>
@@ -13395,8 +13411,8 @@
       </dsp:nvSpPr>
       <dsp:spPr>
         <a:xfrm>
-          <a:off x="3009342" y="5044890"/>
-          <a:ext cx="1843363" cy="274016"/>
+          <a:off x="3523713" y="5365810"/>
+          <a:ext cx="2158440" cy="320852"/>
         </a:xfrm>
         <a:custGeom>
           <a:avLst/>
@@ -13407,16 +13423,16 @@
           <a:pathLst>
             <a:path>
               <a:moveTo>
-                <a:pt x="1843363" y="0"/>
+                <a:pt x="2158440" y="0"/>
               </a:moveTo>
               <a:lnTo>
-                <a:pt x="1843363" y="163355"/>
+                <a:pt x="2158440" y="191277"/>
               </a:lnTo>
               <a:lnTo>
-                <a:pt x="0" y="163355"/>
+                <a:pt x="0" y="191277"/>
               </a:lnTo>
               <a:lnTo>
-                <a:pt x="0" y="274016"/>
+                <a:pt x="0" y="320852"/>
               </a:lnTo>
             </a:path>
           </a:pathLst>
@@ -13457,8 +13473,8 @@
       </dsp:nvSpPr>
       <dsp:spPr>
         <a:xfrm>
-          <a:off x="1780433" y="5044890"/>
-          <a:ext cx="3072272" cy="274016"/>
+          <a:off x="2084753" y="5365810"/>
+          <a:ext cx="3597400" cy="320852"/>
         </a:xfrm>
         <a:custGeom>
           <a:avLst/>
@@ -13469,16 +13485,16 @@
           <a:pathLst>
             <a:path>
               <a:moveTo>
-                <a:pt x="3072272" y="0"/>
+                <a:pt x="3597400" y="0"/>
               </a:moveTo>
               <a:lnTo>
-                <a:pt x="3072272" y="163355"/>
+                <a:pt x="3597400" y="191277"/>
               </a:lnTo>
               <a:lnTo>
-                <a:pt x="0" y="163355"/>
+                <a:pt x="0" y="191277"/>
               </a:lnTo>
               <a:lnTo>
-                <a:pt x="0" y="274016"/>
+                <a:pt x="0" y="320852"/>
               </a:lnTo>
             </a:path>
           </a:pathLst>
@@ -13519,8 +13535,8 @@
       </dsp:nvSpPr>
       <dsp:spPr>
         <a:xfrm>
-          <a:off x="551524" y="5044890"/>
-          <a:ext cx="4301181" cy="274016"/>
+          <a:off x="645793" y="5365810"/>
+          <a:ext cx="5036360" cy="320852"/>
         </a:xfrm>
         <a:custGeom>
           <a:avLst/>
@@ -13531,16 +13547,16 @@
           <a:pathLst>
             <a:path>
               <a:moveTo>
-                <a:pt x="4301181" y="0"/>
+                <a:pt x="5036360" y="0"/>
               </a:moveTo>
               <a:lnTo>
-                <a:pt x="4301181" y="163355"/>
+                <a:pt x="5036360" y="191277"/>
               </a:lnTo>
               <a:lnTo>
-                <a:pt x="0" y="163355"/>
+                <a:pt x="0" y="191277"/>
               </a:lnTo>
               <a:lnTo>
-                <a:pt x="0" y="274016"/>
+                <a:pt x="0" y="320852"/>
               </a:lnTo>
             </a:path>
           </a:pathLst>
@@ -13581,8 +13597,8 @@
       </dsp:nvSpPr>
       <dsp:spPr>
         <a:xfrm>
-          <a:off x="4806986" y="4296615"/>
-          <a:ext cx="91440" cy="274016"/>
+          <a:off x="5636433" y="4489636"/>
+          <a:ext cx="91440" cy="320852"/>
         </a:xfrm>
         <a:custGeom>
           <a:avLst/>
@@ -13596,7 +13612,7 @@
                 <a:pt x="45720" y="0"/>
               </a:moveTo>
               <a:lnTo>
-                <a:pt x="45720" y="274016"/>
+                <a:pt x="45720" y="320852"/>
               </a:lnTo>
             </a:path>
           </a:pathLst>
@@ -13637,8 +13653,8 @@
       </dsp:nvSpPr>
       <dsp:spPr>
         <a:xfrm>
-          <a:off x="4238251" y="3548341"/>
-          <a:ext cx="614454" cy="274016"/>
+          <a:off x="4962673" y="3613463"/>
+          <a:ext cx="719480" cy="320852"/>
         </a:xfrm>
         <a:custGeom>
           <a:avLst/>
@@ -13652,13 +13668,13 @@
                 <a:pt x="0" y="0"/>
               </a:moveTo>
               <a:lnTo>
-                <a:pt x="0" y="163355"/>
+                <a:pt x="0" y="191277"/>
               </a:lnTo>
               <a:lnTo>
-                <a:pt x="614454" y="163355"/>
+                <a:pt x="719480" y="191277"/>
               </a:lnTo>
               <a:lnTo>
-                <a:pt x="614454" y="274016"/>
+                <a:pt x="719480" y="320852"/>
               </a:lnTo>
             </a:path>
           </a:pathLst>
@@ -13699,8 +13715,8 @@
       </dsp:nvSpPr>
       <dsp:spPr>
         <a:xfrm>
-          <a:off x="3623797" y="3548341"/>
-          <a:ext cx="614454" cy="274016"/>
+          <a:off x="4243193" y="3613463"/>
+          <a:ext cx="719480" cy="320852"/>
         </a:xfrm>
         <a:custGeom>
           <a:avLst/>
@@ -13711,16 +13727,16 @@
           <a:pathLst>
             <a:path>
               <a:moveTo>
-                <a:pt x="614454" y="0"/>
+                <a:pt x="719480" y="0"/>
               </a:moveTo>
               <a:lnTo>
-                <a:pt x="614454" y="163355"/>
+                <a:pt x="719480" y="191277"/>
               </a:lnTo>
               <a:lnTo>
-                <a:pt x="0" y="163355"/>
+                <a:pt x="0" y="191277"/>
               </a:lnTo>
               <a:lnTo>
-                <a:pt x="0" y="274016"/>
+                <a:pt x="0" y="320852"/>
               </a:lnTo>
             </a:path>
           </a:pathLst>
@@ -13761,8 +13777,8 @@
       </dsp:nvSpPr>
       <dsp:spPr>
         <a:xfrm>
-          <a:off x="4192531" y="2800066"/>
-          <a:ext cx="91440" cy="274016"/>
+          <a:off x="4916953" y="2737289"/>
+          <a:ext cx="91440" cy="320852"/>
         </a:xfrm>
         <a:custGeom>
           <a:avLst/>
@@ -13776,7 +13792,7 @@
                 <a:pt x="45720" y="0"/>
               </a:moveTo>
               <a:lnTo>
-                <a:pt x="45720" y="274016"/>
+                <a:pt x="45720" y="320852"/>
               </a:lnTo>
             </a:path>
           </a:pathLst>
@@ -13817,8 +13833,8 @@
       </dsp:nvSpPr>
       <dsp:spPr>
         <a:xfrm>
-          <a:off x="3623797" y="2051791"/>
-          <a:ext cx="614454" cy="274016"/>
+          <a:off x="4243193" y="1861116"/>
+          <a:ext cx="719480" cy="320852"/>
         </a:xfrm>
         <a:custGeom>
           <a:avLst/>
@@ -13832,13 +13848,13 @@
                 <a:pt x="0" y="0"/>
               </a:moveTo>
               <a:lnTo>
-                <a:pt x="0" y="163355"/>
+                <a:pt x="0" y="191277"/>
               </a:lnTo>
               <a:lnTo>
-                <a:pt x="614454" y="163355"/>
+                <a:pt x="719480" y="191277"/>
               </a:lnTo>
               <a:lnTo>
-                <a:pt x="614454" y="274016"/>
+                <a:pt x="719480" y="320852"/>
               </a:lnTo>
             </a:path>
           </a:pathLst>
@@ -13879,8 +13895,8 @@
       </dsp:nvSpPr>
       <dsp:spPr>
         <a:xfrm>
-          <a:off x="3009342" y="2051791"/>
-          <a:ext cx="614454" cy="274016"/>
+          <a:off x="3523713" y="1861116"/>
+          <a:ext cx="719480" cy="320852"/>
         </a:xfrm>
         <a:custGeom>
           <a:avLst/>
@@ -13891,16 +13907,16 @@
           <a:pathLst>
             <a:path>
               <a:moveTo>
-                <a:pt x="614454" y="0"/>
+                <a:pt x="719480" y="0"/>
               </a:moveTo>
               <a:lnTo>
-                <a:pt x="614454" y="163355"/>
+                <a:pt x="719480" y="191277"/>
               </a:lnTo>
               <a:lnTo>
-                <a:pt x="0" y="163355"/>
+                <a:pt x="0" y="191277"/>
               </a:lnTo>
               <a:lnTo>
-                <a:pt x="0" y="274016"/>
+                <a:pt x="0" y="320852"/>
               </a:lnTo>
             </a:path>
           </a:pathLst>
@@ -13941,8 +13957,8 @@
       </dsp:nvSpPr>
       <dsp:spPr>
         <a:xfrm>
-          <a:off x="3009342" y="1303516"/>
-          <a:ext cx="614454" cy="274016"/>
+          <a:off x="3523713" y="984942"/>
+          <a:ext cx="719480" cy="320852"/>
         </a:xfrm>
         <a:custGeom>
           <a:avLst/>
@@ -13956,13 +13972,13 @@
                 <a:pt x="0" y="0"/>
               </a:moveTo>
               <a:lnTo>
-                <a:pt x="0" y="163355"/>
+                <a:pt x="0" y="191277"/>
               </a:lnTo>
               <a:lnTo>
-                <a:pt x="614454" y="163355"/>
+                <a:pt x="719480" y="191277"/>
               </a:lnTo>
               <a:lnTo>
-                <a:pt x="614454" y="274016"/>
+                <a:pt x="719480" y="320852"/>
               </a:lnTo>
             </a:path>
           </a:pathLst>
@@ -14003,8 +14019,8 @@
       </dsp:nvSpPr>
       <dsp:spPr>
         <a:xfrm>
-          <a:off x="2394888" y="1303516"/>
-          <a:ext cx="614454" cy="274016"/>
+          <a:off x="2804233" y="984942"/>
+          <a:ext cx="719480" cy="320852"/>
         </a:xfrm>
         <a:custGeom>
           <a:avLst/>
@@ -14015,16 +14031,16 @@
           <a:pathLst>
             <a:path>
               <a:moveTo>
-                <a:pt x="614454" y="0"/>
+                <a:pt x="719480" y="0"/>
               </a:moveTo>
               <a:lnTo>
-                <a:pt x="614454" y="163355"/>
+                <a:pt x="719480" y="191277"/>
               </a:lnTo>
               <a:lnTo>
-                <a:pt x="0" y="163355"/>
+                <a:pt x="0" y="191277"/>
               </a:lnTo>
               <a:lnTo>
-                <a:pt x="0" y="274016"/>
+                <a:pt x="0" y="320852"/>
               </a:lnTo>
             </a:path>
           </a:pathLst>
@@ -14065,8 +14081,8 @@
       </dsp:nvSpPr>
       <dsp:spPr>
         <a:xfrm>
-          <a:off x="2551347" y="829257"/>
-          <a:ext cx="915989" cy="474258"/>
+          <a:off x="2987436" y="429621"/>
+          <a:ext cx="1072554" cy="555321"/>
         </a:xfrm>
         <a:prstGeom prst="rect">
           <a:avLst/>
@@ -14108,12 +14124,12 @@
         </a:fontRef>
       </dsp:style>
       <dsp:txBody>
-        <a:bodyPr spcFirstLastPara="0" vert="horz" wrap="square" lIns="5715" tIns="5715" rIns="5715" bIns="66923" numCol="1" spcCol="1270" anchor="ctr" anchorCtr="0">
+        <a:bodyPr spcFirstLastPara="0" vert="horz" wrap="square" lIns="6350" tIns="6350" rIns="6350" bIns="78362" numCol="1" spcCol="1270" anchor="ctr" anchorCtr="0">
           <a:noAutofit/>
         </a:bodyPr>
         <a:lstStyle/>
         <a:p>
-          <a:pPr lvl="0" algn="ctr" defTabSz="400050">
+          <a:pPr lvl="0" algn="ctr" defTabSz="444500">
             <a:lnSpc>
               <a:spcPct val="90000"/>
             </a:lnSpc>
@@ -14125,15 +14141,15 @@
             </a:spcAft>
           </a:pPr>
           <a:r>
-            <a:rPr lang="en-US" altLang="zh-CN" sz="900" kern="1200" dirty="0" err="1" smtClean="0"/>
+            <a:rPr lang="en-US" altLang="zh-CN" sz="1000" kern="1200" dirty="0" err="1" smtClean="0"/>
             <a:t>CSrcHashMap</a:t>
           </a:r>
-          <a:endParaRPr lang="zh-CN" altLang="en-US" sz="900" kern="1200" dirty="0"/>
+          <a:endParaRPr lang="zh-CN" altLang="en-US" sz="1000" kern="1200" dirty="0"/>
         </a:p>
       </dsp:txBody>
       <dsp:txXfrm>
-        <a:off x="2551347" y="829257"/>
-        <a:ext cx="915989" cy="474258"/>
+        <a:off x="2987436" y="429621"/>
+        <a:ext cx="1072554" cy="555321"/>
       </dsp:txXfrm>
     </dsp:sp>
     <dsp:sp modelId="{9226003C-DEC8-4030-B965-31A76FE09775}">
@@ -14143,8 +14159,8 @@
       </dsp:nvSpPr>
       <dsp:spPr>
         <a:xfrm>
-          <a:off x="2734545" y="1198125"/>
-          <a:ext cx="824390" cy="158086"/>
+          <a:off x="3201947" y="861538"/>
+          <a:ext cx="965299" cy="185107"/>
         </a:xfrm>
         <a:prstGeom prst="rect">
           <a:avLst/>
@@ -14185,12 +14201,12 @@
         <a:fontRef idx="minor"/>
       </dsp:style>
       <dsp:txBody>
-        <a:bodyPr spcFirstLastPara="0" vert="horz" wrap="square" lIns="22860" tIns="5715" rIns="22860" bIns="5715" numCol="1" spcCol="1270" anchor="ctr" anchorCtr="0">
+        <a:bodyPr spcFirstLastPara="0" vert="horz" wrap="square" lIns="25400" tIns="6350" rIns="25400" bIns="6350" numCol="1" spcCol="1270" anchor="ctr" anchorCtr="0">
           <a:noAutofit/>
         </a:bodyPr>
         <a:lstStyle/>
         <a:p>
-          <a:pPr lvl="0" algn="r" defTabSz="400050">
+          <a:pPr lvl="0" algn="r" defTabSz="444500">
             <a:lnSpc>
               <a:spcPct val="90000"/>
             </a:lnSpc>
@@ -14202,15 +14218,15 @@
             </a:spcAft>
           </a:pPr>
           <a:r>
-            <a:rPr lang="en-US" altLang="zh-CN" sz="900" kern="1200" dirty="0" err="1" smtClean="0"/>
+            <a:rPr lang="en-US" altLang="zh-CN" sz="1000" kern="1200" dirty="0" err="1" smtClean="0"/>
             <a:t>m_mapSource</a:t>
           </a:r>
-          <a:endParaRPr lang="zh-CN" altLang="en-US" sz="900" kern="1200" dirty="0"/>
+          <a:endParaRPr lang="zh-CN" altLang="en-US" sz="1000" kern="1200" dirty="0"/>
         </a:p>
       </dsp:txBody>
       <dsp:txXfrm>
-        <a:off x="2734545" y="1198125"/>
-        <a:ext cx="824390" cy="158086"/>
+        <a:off x="3201947" y="861538"/>
+        <a:ext cx="965299" cy="185107"/>
       </dsp:txXfrm>
     </dsp:sp>
     <dsp:sp modelId="{2875948E-291D-4655-9A40-01DD961864D7}">
@@ -14220,8 +14236,8 @@
       </dsp:nvSpPr>
       <dsp:spPr>
         <a:xfrm>
-          <a:off x="1936893" y="1577532"/>
-          <a:ext cx="915989" cy="474258"/>
+          <a:off x="2267956" y="1305795"/>
+          <a:ext cx="1072554" cy="555321"/>
         </a:xfrm>
         <a:prstGeom prst="rect">
           <a:avLst/>
@@ -14263,12 +14279,12 @@
         </a:fontRef>
       </dsp:style>
       <dsp:txBody>
-        <a:bodyPr spcFirstLastPara="0" vert="horz" wrap="square" lIns="5715" tIns="5715" rIns="5715" bIns="66923" numCol="1" spcCol="1270" anchor="ctr" anchorCtr="0">
+        <a:bodyPr spcFirstLastPara="0" vert="horz" wrap="square" lIns="6350" tIns="6350" rIns="6350" bIns="78362" numCol="1" spcCol="1270" anchor="ctr" anchorCtr="0">
           <a:noAutofit/>
         </a:bodyPr>
         <a:lstStyle/>
         <a:p>
-          <a:pPr lvl="0" algn="ctr" defTabSz="400050">
+          <a:pPr lvl="0" algn="ctr" defTabSz="444500">
             <a:lnSpc>
               <a:spcPct val="90000"/>
             </a:lnSpc>
@@ -14280,15 +14296,15 @@
             </a:spcAft>
           </a:pPr>
           <a:r>
-            <a:rPr lang="en-US" altLang="zh-CN" sz="900" kern="1200" dirty="0" err="1" smtClean="0"/>
+            <a:rPr lang="en-US" altLang="zh-CN" sz="1000" kern="1200" dirty="0" err="1" smtClean="0"/>
             <a:t>CCKey</a:t>
           </a:r>
-          <a:endParaRPr lang="zh-CN" altLang="en-US" sz="900" kern="1200" dirty="0"/>
+          <a:endParaRPr lang="zh-CN" altLang="en-US" sz="1000" kern="1200" dirty="0"/>
         </a:p>
       </dsp:txBody>
       <dsp:txXfrm>
-        <a:off x="1936893" y="1577532"/>
-        <a:ext cx="915989" cy="474258"/>
+        <a:off x="2267956" y="1305795"/>
+        <a:ext cx="1072554" cy="555321"/>
       </dsp:txXfrm>
     </dsp:sp>
     <dsp:sp modelId="{27B90BA2-B19F-4A36-867A-F1E7855C18E8}">
@@ -14298,8 +14314,8 @@
       </dsp:nvSpPr>
       <dsp:spPr>
         <a:xfrm>
-          <a:off x="2120091" y="1946400"/>
-          <a:ext cx="824390" cy="158086"/>
+          <a:off x="2482467" y="1737711"/>
+          <a:ext cx="965299" cy="185107"/>
         </a:xfrm>
         <a:prstGeom prst="rect">
           <a:avLst/>
@@ -14340,12 +14356,12 @@
         <a:fontRef idx="minor"/>
       </dsp:style>
       <dsp:txBody>
-        <a:bodyPr spcFirstLastPara="0" vert="horz" wrap="square" lIns="22860" tIns="5715" rIns="22860" bIns="5715" numCol="1" spcCol="1270" anchor="ctr" anchorCtr="0">
+        <a:bodyPr spcFirstLastPara="0" vert="horz" wrap="square" lIns="25400" tIns="6350" rIns="25400" bIns="6350" numCol="1" spcCol="1270" anchor="ctr" anchorCtr="0">
           <a:noAutofit/>
         </a:bodyPr>
         <a:lstStyle/>
         <a:p>
-          <a:pPr lvl="0" algn="r" defTabSz="400050">
+          <a:pPr lvl="0" algn="r" defTabSz="444500">
             <a:lnSpc>
               <a:spcPct val="90000"/>
             </a:lnSpc>
@@ -14357,15 +14373,15 @@
             </a:spcAft>
           </a:pPr>
           <a:r>
-            <a:rPr lang="en-US" altLang="zh-CN" sz="900" kern="1200" dirty="0" err="1" smtClean="0"/>
+            <a:rPr lang="en-US" altLang="zh-CN" sz="1000" kern="1200" dirty="0" err="1" smtClean="0"/>
             <a:t>uKeyID</a:t>
           </a:r>
-          <a:endParaRPr lang="zh-CN" altLang="en-US" sz="900" kern="1200" dirty="0"/>
+          <a:endParaRPr lang="zh-CN" altLang="en-US" sz="1000" kern="1200" dirty="0"/>
         </a:p>
       </dsp:txBody>
       <dsp:txXfrm>
-        <a:off x="2120091" y="1946400"/>
-        <a:ext cx="824390" cy="158086"/>
+        <a:off x="2482467" y="1737711"/>
+        <a:ext cx="965299" cy="185107"/>
       </dsp:txXfrm>
     </dsp:sp>
     <dsp:sp modelId="{5AE64D64-D8C9-4680-89BC-629381485A87}">
@@ -14375,8 +14391,8 @@
       </dsp:nvSpPr>
       <dsp:spPr>
         <a:xfrm>
-          <a:off x="3165802" y="1577532"/>
-          <a:ext cx="915989" cy="474258"/>
+          <a:off x="3706916" y="1305795"/>
+          <a:ext cx="1072554" cy="555321"/>
         </a:xfrm>
         <a:prstGeom prst="rect">
           <a:avLst/>
@@ -14418,12 +14434,12 @@
         </a:fontRef>
       </dsp:style>
       <dsp:txBody>
-        <a:bodyPr spcFirstLastPara="0" vert="horz" wrap="square" lIns="5715" tIns="5715" rIns="5715" bIns="66923" numCol="1" spcCol="1270" anchor="ctr" anchorCtr="0">
+        <a:bodyPr spcFirstLastPara="0" vert="horz" wrap="square" lIns="6350" tIns="6350" rIns="6350" bIns="78362" numCol="1" spcCol="1270" anchor="ctr" anchorCtr="0">
           <a:noAutofit/>
         </a:bodyPr>
         <a:lstStyle/>
         <a:p>
-          <a:pPr lvl="0" algn="ctr" defTabSz="400050">
+          <a:pPr lvl="0" algn="ctr" defTabSz="444500">
             <a:lnSpc>
               <a:spcPct val="90000"/>
             </a:lnSpc>
@@ -14435,15 +14451,15 @@
             </a:spcAft>
           </a:pPr>
           <a:r>
-            <a:rPr lang="en-US" altLang="zh-CN" sz="900" kern="1200" dirty="0" err="1" smtClean="0"/>
+            <a:rPr lang="en-US" altLang="zh-CN" sz="1000" kern="1200" dirty="0" err="1" smtClean="0"/>
             <a:t>SrcHash</a:t>
           </a:r>
-          <a:endParaRPr lang="zh-CN" altLang="en-US" sz="900" kern="1200" dirty="0"/>
+          <a:endParaRPr lang="zh-CN" altLang="en-US" sz="1000" kern="1200" dirty="0"/>
         </a:p>
       </dsp:txBody>
       <dsp:txXfrm>
-        <a:off x="3165802" y="1577532"/>
-        <a:ext cx="915989" cy="474258"/>
+        <a:off x="3706916" y="1305795"/>
+        <a:ext cx="1072554" cy="555321"/>
       </dsp:txXfrm>
     </dsp:sp>
     <dsp:sp modelId="{3518303C-ED68-41C8-B9F7-05B65142A32E}">
@@ -14453,8 +14469,8 @@
       </dsp:nvSpPr>
       <dsp:spPr>
         <a:xfrm>
-          <a:off x="3349000" y="1946400"/>
-          <a:ext cx="824390" cy="158086"/>
+          <a:off x="3921427" y="1737711"/>
+          <a:ext cx="965299" cy="185107"/>
         </a:xfrm>
         <a:prstGeom prst="rect">
           <a:avLst/>
@@ -14495,12 +14511,12 @@
         <a:fontRef idx="minor"/>
       </dsp:style>
       <dsp:txBody>
-        <a:bodyPr spcFirstLastPara="0" vert="horz" wrap="square" lIns="22860" tIns="5715" rIns="22860" bIns="5715" numCol="1" spcCol="1270" anchor="ctr" anchorCtr="0">
+        <a:bodyPr spcFirstLastPara="0" vert="horz" wrap="square" lIns="25400" tIns="6350" rIns="25400" bIns="6350" numCol="1" spcCol="1270" anchor="ctr" anchorCtr="0">
           <a:noAutofit/>
         </a:bodyPr>
         <a:lstStyle/>
         <a:p>
-          <a:pPr lvl="0" algn="r" defTabSz="400050">
+          <a:pPr lvl="0" algn="r" defTabSz="444500">
             <a:lnSpc>
               <a:spcPct val="90000"/>
             </a:lnSpc>
@@ -14511,12 +14527,12 @@
               <a:spcPct val="35000"/>
             </a:spcAft>
           </a:pPr>
-          <a:endParaRPr lang="zh-CN" altLang="en-US" sz="900" kern="1200"/>
+          <a:endParaRPr lang="zh-CN" altLang="en-US" sz="1000" kern="1200"/>
         </a:p>
       </dsp:txBody>
       <dsp:txXfrm>
-        <a:off x="3349000" y="1946400"/>
-        <a:ext cx="824390" cy="158086"/>
+        <a:off x="3921427" y="1737711"/>
+        <a:ext cx="965299" cy="185107"/>
       </dsp:txXfrm>
     </dsp:sp>
     <dsp:sp modelId="{A94D0759-1843-47BA-952A-DB309C1547CB}">
@@ -14526,8 +14542,8 @@
       </dsp:nvSpPr>
       <dsp:spPr>
         <a:xfrm>
-          <a:off x="2551347" y="2325807"/>
-          <a:ext cx="915989" cy="474258"/>
+          <a:off x="2987436" y="2181968"/>
+          <a:ext cx="1072554" cy="555321"/>
         </a:xfrm>
         <a:prstGeom prst="rect">
           <a:avLst/>
@@ -14569,12 +14585,12 @@
         </a:fontRef>
       </dsp:style>
       <dsp:txBody>
-        <a:bodyPr spcFirstLastPara="0" vert="horz" wrap="square" lIns="5715" tIns="5715" rIns="5715" bIns="66923" numCol="1" spcCol="1270" anchor="ctr" anchorCtr="0">
+        <a:bodyPr spcFirstLastPara="0" vert="horz" wrap="square" lIns="6350" tIns="6350" rIns="6350" bIns="78362" numCol="1" spcCol="1270" anchor="ctr" anchorCtr="0">
           <a:noAutofit/>
         </a:bodyPr>
         <a:lstStyle/>
         <a:p>
-          <a:pPr lvl="0" algn="ctr" defTabSz="400050">
+          <a:pPr lvl="0" algn="ctr" defTabSz="444500">
             <a:lnSpc>
               <a:spcPct val="90000"/>
             </a:lnSpc>
@@ -14586,15 +14602,15 @@
             </a:spcAft>
           </a:pPr>
           <a:r>
-            <a:rPr lang="en-US" altLang="zh-CN" sz="900" kern="1200" dirty="0" smtClean="0"/>
+            <a:rPr lang="en-US" altLang="zh-CN" sz="1000" kern="1200" dirty="0" smtClean="0"/>
             <a:t>CUInt128</a:t>
           </a:r>
-          <a:endParaRPr lang="zh-CN" altLang="en-US" sz="900" kern="1200" dirty="0"/>
+          <a:endParaRPr lang="zh-CN" altLang="en-US" sz="1000" kern="1200" dirty="0"/>
         </a:p>
       </dsp:txBody>
       <dsp:txXfrm>
-        <a:off x="2551347" y="2325807"/>
-        <a:ext cx="915989" cy="474258"/>
+        <a:off x="2987436" y="2181968"/>
+        <a:ext cx="1072554" cy="555321"/>
       </dsp:txXfrm>
     </dsp:sp>
     <dsp:sp modelId="{1C89C8D1-8B8E-4239-BCFF-04AA4DF5D267}">
@@ -14604,8 +14620,8 @@
       </dsp:nvSpPr>
       <dsp:spPr>
         <a:xfrm>
-          <a:off x="2734545" y="2694675"/>
-          <a:ext cx="824390" cy="158086"/>
+          <a:off x="3201947" y="2613885"/>
+          <a:ext cx="965299" cy="185107"/>
         </a:xfrm>
         <a:prstGeom prst="rect">
           <a:avLst/>
@@ -14646,12 +14662,12 @@
         <a:fontRef idx="minor"/>
       </dsp:style>
       <dsp:txBody>
-        <a:bodyPr spcFirstLastPara="0" vert="horz" wrap="square" lIns="22860" tIns="5715" rIns="22860" bIns="5715" numCol="1" spcCol="1270" anchor="ctr" anchorCtr="0">
+        <a:bodyPr spcFirstLastPara="0" vert="horz" wrap="square" lIns="25400" tIns="6350" rIns="25400" bIns="6350" numCol="1" spcCol="1270" anchor="ctr" anchorCtr="0">
           <a:noAutofit/>
         </a:bodyPr>
         <a:lstStyle/>
         <a:p>
-          <a:pPr lvl="0" algn="r" defTabSz="400050">
+          <a:pPr lvl="0" algn="r" defTabSz="444500">
             <a:lnSpc>
               <a:spcPct val="90000"/>
             </a:lnSpc>
@@ -14663,15 +14679,15 @@
             </a:spcAft>
           </a:pPr>
           <a:r>
-            <a:rPr lang="en-US" altLang="zh-CN" sz="900" kern="1200" dirty="0" err="1" smtClean="0"/>
+            <a:rPr lang="en-US" altLang="zh-CN" sz="1000" kern="1200" dirty="0" err="1" smtClean="0"/>
             <a:t>uKeyID</a:t>
           </a:r>
-          <a:endParaRPr lang="zh-CN" altLang="en-US" sz="900" kern="1200" dirty="0"/>
+          <a:endParaRPr lang="zh-CN" altLang="en-US" sz="1000" kern="1200" dirty="0"/>
         </a:p>
       </dsp:txBody>
       <dsp:txXfrm>
-        <a:off x="2734545" y="2694675"/>
-        <a:ext cx="824390" cy="158086"/>
+        <a:off x="3201947" y="2613885"/>
+        <a:ext cx="965299" cy="185107"/>
       </dsp:txXfrm>
     </dsp:sp>
     <dsp:sp modelId="{AAFD393B-D5C6-4FC1-85BB-67D689A5CB66}">
@@ -14681,8 +14697,8 @@
       </dsp:nvSpPr>
       <dsp:spPr>
         <a:xfrm>
-          <a:off x="3780256" y="2325807"/>
-          <a:ext cx="915989" cy="474258"/>
+          <a:off x="4426396" y="2181968"/>
+          <a:ext cx="1072554" cy="555321"/>
         </a:xfrm>
         <a:prstGeom prst="rect">
           <a:avLst/>
@@ -14724,12 +14740,12 @@
         </a:fontRef>
       </dsp:style>
       <dsp:txBody>
-        <a:bodyPr spcFirstLastPara="0" vert="horz" wrap="square" lIns="5715" tIns="5715" rIns="5715" bIns="66923" numCol="1" spcCol="1270" anchor="ctr" anchorCtr="0">
+        <a:bodyPr spcFirstLastPara="0" vert="horz" wrap="square" lIns="6350" tIns="6350" rIns="6350" bIns="78362" numCol="1" spcCol="1270" anchor="ctr" anchorCtr="0">
           <a:noAutofit/>
         </a:bodyPr>
         <a:lstStyle/>
         <a:p>
-          <a:pPr lvl="0" algn="ctr" defTabSz="400050">
+          <a:pPr lvl="0" algn="ctr" defTabSz="444500">
             <a:lnSpc>
               <a:spcPct val="90000"/>
             </a:lnSpc>
@@ -14741,15 +14757,15 @@
             </a:spcAft>
           </a:pPr>
           <a:r>
-            <a:rPr lang="en-US" altLang="zh-CN" sz="900" kern="1200" dirty="0" err="1" smtClean="0"/>
+            <a:rPr lang="en-US" altLang="zh-CN" sz="1000" kern="1200" dirty="0" err="1" smtClean="0"/>
             <a:t>CKadSourcePtrList</a:t>
           </a:r>
-          <a:endParaRPr lang="zh-CN" altLang="en-US" sz="900" kern="1200" dirty="0"/>
+          <a:endParaRPr lang="zh-CN" altLang="en-US" sz="1000" kern="1200" dirty="0"/>
         </a:p>
       </dsp:txBody>
       <dsp:txXfrm>
-        <a:off x="3780256" y="2325807"/>
-        <a:ext cx="915989" cy="474258"/>
+        <a:off x="4426396" y="2181968"/>
+        <a:ext cx="1072554" cy="555321"/>
       </dsp:txXfrm>
     </dsp:sp>
     <dsp:sp modelId="{95E6DB3B-AD48-4715-9855-4898B682D86D}">
@@ -14759,8 +14775,8 @@
       </dsp:nvSpPr>
       <dsp:spPr>
         <a:xfrm>
-          <a:off x="3963454" y="2694675"/>
-          <a:ext cx="824390" cy="158086"/>
+          <a:off x="4640907" y="2613885"/>
+          <a:ext cx="965299" cy="185107"/>
         </a:xfrm>
         <a:prstGeom prst="rect">
           <a:avLst/>
@@ -14801,12 +14817,12 @@
         <a:fontRef idx="minor"/>
       </dsp:style>
       <dsp:txBody>
-        <a:bodyPr spcFirstLastPara="0" vert="horz" wrap="square" lIns="22860" tIns="5715" rIns="22860" bIns="5715" numCol="1" spcCol="1270" anchor="ctr" anchorCtr="0">
+        <a:bodyPr spcFirstLastPara="0" vert="horz" wrap="square" lIns="25400" tIns="6350" rIns="25400" bIns="6350" numCol="1" spcCol="1270" anchor="ctr" anchorCtr="0">
           <a:noAutofit/>
         </a:bodyPr>
         <a:lstStyle/>
         <a:p>
-          <a:pPr lvl="0" algn="r" defTabSz="400050">
+          <a:pPr lvl="0" algn="r" defTabSz="444500">
             <a:lnSpc>
               <a:spcPct val="90000"/>
             </a:lnSpc>
@@ -14818,15 +14834,15 @@
             </a:spcAft>
           </a:pPr>
           <a:r>
-            <a:rPr lang="en-US" altLang="zh-CN" sz="900" kern="1200" dirty="0" err="1" smtClean="0"/>
+            <a:rPr lang="en-US" altLang="zh-CN" sz="1000" kern="1200" dirty="0" err="1" smtClean="0"/>
             <a:t>mapSource</a:t>
           </a:r>
-          <a:endParaRPr lang="zh-CN" altLang="en-US" sz="900" kern="1200" dirty="0"/>
+          <a:endParaRPr lang="zh-CN" altLang="en-US" sz="1000" kern="1200" dirty="0"/>
         </a:p>
       </dsp:txBody>
       <dsp:txXfrm>
-        <a:off x="3963454" y="2694675"/>
-        <a:ext cx="824390" cy="158086"/>
+        <a:off x="4640907" y="2613885"/>
+        <a:ext cx="965299" cy="185107"/>
       </dsp:txXfrm>
     </dsp:sp>
     <dsp:sp modelId="{328B3935-1432-4F3B-A933-E7FB2D406FF3}">
@@ -14836,8 +14852,8 @@
       </dsp:nvSpPr>
       <dsp:spPr>
         <a:xfrm>
-          <a:off x="3780256" y="3074082"/>
-          <a:ext cx="915989" cy="474258"/>
+          <a:off x="4426396" y="3058142"/>
+          <a:ext cx="1072554" cy="555321"/>
         </a:xfrm>
         <a:prstGeom prst="rect">
           <a:avLst/>
@@ -14879,12 +14895,12 @@
         </a:fontRef>
       </dsp:style>
       <dsp:txBody>
-        <a:bodyPr spcFirstLastPara="0" vert="horz" wrap="square" lIns="5715" tIns="5715" rIns="5715" bIns="66923" numCol="1" spcCol="1270" anchor="ctr" anchorCtr="0">
+        <a:bodyPr spcFirstLastPara="0" vert="horz" wrap="square" lIns="6350" tIns="6350" rIns="6350" bIns="78362" numCol="1" spcCol="1270" anchor="ctr" anchorCtr="0">
           <a:noAutofit/>
         </a:bodyPr>
         <a:lstStyle/>
         <a:p>
-          <a:pPr lvl="0" algn="ctr" defTabSz="400050">
+          <a:pPr lvl="0" algn="ctr" defTabSz="444500">
             <a:lnSpc>
               <a:spcPct val="90000"/>
             </a:lnSpc>
@@ -14896,15 +14912,15 @@
             </a:spcAft>
           </a:pPr>
           <a:r>
-            <a:rPr lang="en-US" altLang="zh-CN" sz="900" kern="1200" dirty="0" smtClean="0"/>
+            <a:rPr lang="en-US" altLang="zh-CN" sz="1000" kern="1200" dirty="0" smtClean="0"/>
             <a:t>Source</a:t>
           </a:r>
-          <a:endParaRPr lang="zh-CN" altLang="en-US" sz="900" kern="1200" dirty="0"/>
+          <a:endParaRPr lang="zh-CN" altLang="en-US" sz="1000" kern="1200" dirty="0"/>
         </a:p>
       </dsp:txBody>
       <dsp:txXfrm>
-        <a:off x="3780256" y="3074082"/>
-        <a:ext cx="915989" cy="474258"/>
+        <a:off x="4426396" y="3058142"/>
+        <a:ext cx="1072554" cy="555321"/>
       </dsp:txXfrm>
     </dsp:sp>
     <dsp:sp modelId="{687579E5-F4F4-4EF1-A1AC-287D3B03AD65}">
@@ -14914,8 +14930,8 @@
       </dsp:nvSpPr>
       <dsp:spPr>
         <a:xfrm>
-          <a:off x="3963454" y="3442950"/>
-          <a:ext cx="824390" cy="158086"/>
+          <a:off x="4640907" y="3490058"/>
+          <a:ext cx="965299" cy="185107"/>
         </a:xfrm>
         <a:prstGeom prst="rect">
           <a:avLst/>
@@ -14956,12 +14972,12 @@
         <a:fontRef idx="minor"/>
       </dsp:style>
       <dsp:txBody>
-        <a:bodyPr spcFirstLastPara="0" vert="horz" wrap="square" lIns="22860" tIns="5715" rIns="22860" bIns="5715" numCol="1" spcCol="1270" anchor="ctr" anchorCtr="0">
+        <a:bodyPr spcFirstLastPara="0" vert="horz" wrap="square" lIns="25400" tIns="6350" rIns="25400" bIns="6350" numCol="1" spcCol="1270" anchor="ctr" anchorCtr="0">
           <a:noAutofit/>
         </a:bodyPr>
         <a:lstStyle/>
         <a:p>
-          <a:pPr lvl="0" algn="r" defTabSz="400050">
+          <a:pPr lvl="0" algn="r" defTabSz="444500">
             <a:lnSpc>
               <a:spcPct val="90000"/>
             </a:lnSpc>
@@ -14972,12 +14988,12 @@
               <a:spcPct val="35000"/>
             </a:spcAft>
           </a:pPr>
-          <a:endParaRPr lang="zh-CN" altLang="en-US" sz="900" kern="1200"/>
+          <a:endParaRPr lang="zh-CN" altLang="en-US" sz="1000" kern="1200"/>
         </a:p>
       </dsp:txBody>
       <dsp:txXfrm>
-        <a:off x="3963454" y="3442950"/>
-        <a:ext cx="824390" cy="158086"/>
+        <a:off x="4640907" y="3490058"/>
+        <a:ext cx="965299" cy="185107"/>
       </dsp:txXfrm>
     </dsp:sp>
     <dsp:sp modelId="{07B41DA2-F050-42A9-BE37-EBD07D6F544E}">
@@ -14987,8 +15003,8 @@
       </dsp:nvSpPr>
       <dsp:spPr>
         <a:xfrm>
-          <a:off x="3165802" y="3822357"/>
-          <a:ext cx="915989" cy="474258"/>
+          <a:off x="3706916" y="3934315"/>
+          <a:ext cx="1072554" cy="555321"/>
         </a:xfrm>
         <a:prstGeom prst="rect">
           <a:avLst/>
@@ -15030,12 +15046,12 @@
         </a:fontRef>
       </dsp:style>
       <dsp:txBody>
-        <a:bodyPr spcFirstLastPara="0" vert="horz" wrap="square" lIns="5715" tIns="5715" rIns="5715" bIns="66923" numCol="1" spcCol="1270" anchor="ctr" anchorCtr="0">
+        <a:bodyPr spcFirstLastPara="0" vert="horz" wrap="square" lIns="6350" tIns="6350" rIns="6350" bIns="78362" numCol="1" spcCol="1270" anchor="ctr" anchorCtr="0">
           <a:noAutofit/>
         </a:bodyPr>
         <a:lstStyle/>
         <a:p>
-          <a:pPr lvl="0" algn="ctr" defTabSz="400050">
+          <a:pPr lvl="0" algn="ctr" defTabSz="444500">
             <a:lnSpc>
               <a:spcPct val="90000"/>
             </a:lnSpc>
@@ -15047,15 +15063,15 @@
             </a:spcAft>
           </a:pPr>
           <a:r>
-            <a:rPr lang="en-US" altLang="zh-CN" sz="900" kern="1200" dirty="0" smtClean="0"/>
+            <a:rPr lang="en-US" altLang="zh-CN" sz="1000" kern="1200" dirty="0" smtClean="0"/>
             <a:t>CUInt128</a:t>
           </a:r>
-          <a:endParaRPr lang="zh-CN" altLang="en-US" sz="900" kern="1200" dirty="0"/>
+          <a:endParaRPr lang="zh-CN" altLang="en-US" sz="1000" kern="1200" dirty="0"/>
         </a:p>
       </dsp:txBody>
       <dsp:txXfrm>
-        <a:off x="3165802" y="3822357"/>
-        <a:ext cx="915989" cy="474258"/>
+        <a:off x="3706916" y="3934315"/>
+        <a:ext cx="1072554" cy="555321"/>
       </dsp:txXfrm>
     </dsp:sp>
     <dsp:sp modelId="{027F8FCE-D917-4857-957E-F5F0B0853751}">
@@ -15065,8 +15081,8 @@
       </dsp:nvSpPr>
       <dsp:spPr>
         <a:xfrm>
-          <a:off x="3349000" y="4191225"/>
-          <a:ext cx="824390" cy="158086"/>
+          <a:off x="3921427" y="4366232"/>
+          <a:ext cx="965299" cy="185107"/>
         </a:xfrm>
         <a:prstGeom prst="rect">
           <a:avLst/>
@@ -15107,12 +15123,12 @@
         <a:fontRef idx="minor"/>
       </dsp:style>
       <dsp:txBody>
-        <a:bodyPr spcFirstLastPara="0" vert="horz" wrap="square" lIns="22860" tIns="5715" rIns="22860" bIns="5715" numCol="1" spcCol="1270" anchor="ctr" anchorCtr="0">
+        <a:bodyPr spcFirstLastPara="0" vert="horz" wrap="square" lIns="25400" tIns="6350" rIns="25400" bIns="6350" numCol="1" spcCol="1270" anchor="ctr" anchorCtr="0">
           <a:noAutofit/>
         </a:bodyPr>
         <a:lstStyle/>
         <a:p>
-          <a:pPr lvl="0" algn="r" defTabSz="400050">
+          <a:pPr lvl="0" algn="r" defTabSz="444500">
             <a:lnSpc>
               <a:spcPct val="90000"/>
             </a:lnSpc>
@@ -15124,15 +15140,15 @@
             </a:spcAft>
           </a:pPr>
           <a:r>
-            <a:rPr lang="en-US" altLang="zh-CN" sz="900" kern="1200" dirty="0" err="1" smtClean="0"/>
+            <a:rPr lang="en-US" altLang="zh-CN" sz="1000" kern="1200" dirty="0" err="1" smtClean="0"/>
             <a:t>uSourceID</a:t>
           </a:r>
-          <a:endParaRPr lang="zh-CN" altLang="en-US" sz="900" kern="1200" dirty="0"/>
+          <a:endParaRPr lang="zh-CN" altLang="en-US" sz="1000" kern="1200" dirty="0"/>
         </a:p>
       </dsp:txBody>
       <dsp:txXfrm>
-        <a:off x="3349000" y="4191225"/>
-        <a:ext cx="824390" cy="158086"/>
+        <a:off x="3921427" y="4366232"/>
+        <a:ext cx="965299" cy="185107"/>
       </dsp:txXfrm>
     </dsp:sp>
     <dsp:sp modelId="{92001C25-B329-4FD2-B382-8854FA5A0124}">
@@ -15142,8 +15158,8 @@
       </dsp:nvSpPr>
       <dsp:spPr>
         <a:xfrm>
-          <a:off x="4394711" y="3822357"/>
-          <a:ext cx="915989" cy="474258"/>
+          <a:off x="5145876" y="3934315"/>
+          <a:ext cx="1072554" cy="555321"/>
         </a:xfrm>
         <a:prstGeom prst="rect">
           <a:avLst/>
@@ -15185,12 +15201,12 @@
         </a:fontRef>
       </dsp:style>
       <dsp:txBody>
-        <a:bodyPr spcFirstLastPara="0" vert="horz" wrap="square" lIns="5715" tIns="5715" rIns="5715" bIns="66923" numCol="1" spcCol="1270" anchor="ctr" anchorCtr="0">
+        <a:bodyPr spcFirstLastPara="0" vert="horz" wrap="square" lIns="6350" tIns="6350" rIns="6350" bIns="78362" numCol="1" spcCol="1270" anchor="ctr" anchorCtr="0">
           <a:noAutofit/>
         </a:bodyPr>
         <a:lstStyle/>
         <a:p>
-          <a:pPr lvl="0" algn="ctr" defTabSz="400050">
+          <a:pPr lvl="0" algn="ctr" defTabSz="444500">
             <a:lnSpc>
               <a:spcPct val="90000"/>
             </a:lnSpc>
@@ -15202,15 +15218,15 @@
             </a:spcAft>
           </a:pPr>
           <a:r>
-            <a:rPr lang="en-US" altLang="zh-CN" sz="900" kern="1200" dirty="0" err="1" smtClean="0"/>
+            <a:rPr lang="en-US" altLang="zh-CN" sz="1000" kern="1200" dirty="0" err="1" smtClean="0"/>
             <a:t>CKadEntryPtrList</a:t>
           </a:r>
-          <a:endParaRPr lang="zh-CN" altLang="en-US" sz="900" kern="1200" dirty="0"/>
+          <a:endParaRPr lang="zh-CN" altLang="en-US" sz="1000" kern="1200" dirty="0"/>
         </a:p>
       </dsp:txBody>
       <dsp:txXfrm>
-        <a:off x="4394711" y="3822357"/>
-        <a:ext cx="915989" cy="474258"/>
+        <a:off x="5145876" y="3934315"/>
+        <a:ext cx="1072554" cy="555321"/>
       </dsp:txXfrm>
     </dsp:sp>
     <dsp:sp modelId="{126715BD-2D7F-433C-A680-62D83EF674C2}">
@@ -15220,8 +15236,8 @@
       </dsp:nvSpPr>
       <dsp:spPr>
         <a:xfrm>
-          <a:off x="4577909" y="4191225"/>
-          <a:ext cx="824390" cy="158086"/>
+          <a:off x="5360387" y="4366232"/>
+          <a:ext cx="965299" cy="185107"/>
         </a:xfrm>
         <a:prstGeom prst="rect">
           <a:avLst/>
@@ -15262,12 +15278,12 @@
         <a:fontRef idx="minor"/>
       </dsp:style>
       <dsp:txBody>
-        <a:bodyPr spcFirstLastPara="0" vert="horz" wrap="square" lIns="22860" tIns="5715" rIns="22860" bIns="5715" numCol="1" spcCol="1270" anchor="ctr" anchorCtr="0">
+        <a:bodyPr spcFirstLastPara="0" vert="horz" wrap="square" lIns="25400" tIns="6350" rIns="25400" bIns="6350" numCol="1" spcCol="1270" anchor="ctr" anchorCtr="0">
           <a:noAutofit/>
         </a:bodyPr>
         <a:lstStyle/>
         <a:p>
-          <a:pPr lvl="0" algn="r" defTabSz="400050">
+          <a:pPr lvl="0" algn="r" defTabSz="444500">
             <a:lnSpc>
               <a:spcPct val="90000"/>
             </a:lnSpc>
@@ -15279,15 +15295,15 @@
             </a:spcAft>
           </a:pPr>
           <a:r>
-            <a:rPr lang="en-US" altLang="zh-CN" sz="900" kern="1200" dirty="0" err="1" smtClean="0"/>
+            <a:rPr lang="en-US" altLang="zh-CN" sz="1000" kern="1200" dirty="0" err="1" smtClean="0"/>
             <a:t>ptrlEntryList</a:t>
           </a:r>
-          <a:endParaRPr lang="zh-CN" altLang="en-US" sz="900" kern="1200" dirty="0"/>
+          <a:endParaRPr lang="zh-CN" altLang="en-US" sz="1000" kern="1200" dirty="0"/>
         </a:p>
       </dsp:txBody>
       <dsp:txXfrm>
-        <a:off x="4577909" y="4191225"/>
-        <a:ext cx="824390" cy="158086"/>
+        <a:off x="5360387" y="4366232"/>
+        <a:ext cx="965299" cy="185107"/>
       </dsp:txXfrm>
     </dsp:sp>
     <dsp:sp modelId="{61C16C2F-1AB1-4997-8CC1-7C7DF3B62E00}">
@@ -15297,8 +15313,8 @@
       </dsp:nvSpPr>
       <dsp:spPr>
         <a:xfrm>
-          <a:off x="4394711" y="4570632"/>
-          <a:ext cx="915989" cy="474258"/>
+          <a:off x="5145876" y="4810489"/>
+          <a:ext cx="1072554" cy="555321"/>
         </a:xfrm>
         <a:prstGeom prst="rect">
           <a:avLst/>
@@ -15340,12 +15356,12 @@
         </a:fontRef>
       </dsp:style>
       <dsp:txBody>
-        <a:bodyPr spcFirstLastPara="0" vert="horz" wrap="square" lIns="5715" tIns="5715" rIns="5715" bIns="66923" numCol="1" spcCol="1270" anchor="ctr" anchorCtr="0">
+        <a:bodyPr spcFirstLastPara="0" vert="horz" wrap="square" lIns="6350" tIns="6350" rIns="6350" bIns="78362" numCol="1" spcCol="1270" anchor="ctr" anchorCtr="0">
           <a:noAutofit/>
         </a:bodyPr>
         <a:lstStyle/>
         <a:p>
-          <a:pPr lvl="0" algn="ctr" defTabSz="400050">
+          <a:pPr lvl="0" algn="ctr" defTabSz="444500">
             <a:lnSpc>
               <a:spcPct val="90000"/>
             </a:lnSpc>
@@ -15357,15 +15373,15 @@
             </a:spcAft>
           </a:pPr>
           <a:r>
-            <a:rPr lang="en-US" altLang="zh-CN" sz="900" kern="1200" dirty="0" err="1" smtClean="0"/>
+            <a:rPr lang="en-US" altLang="zh-CN" sz="1000" kern="1200" dirty="0" err="1" smtClean="0"/>
             <a:t>CEntry</a:t>
           </a:r>
-          <a:endParaRPr lang="zh-CN" altLang="en-US" sz="900" kern="1200" dirty="0"/>
+          <a:endParaRPr lang="zh-CN" altLang="en-US" sz="1000" kern="1200" dirty="0"/>
         </a:p>
       </dsp:txBody>
       <dsp:txXfrm>
-        <a:off x="4394711" y="4570632"/>
-        <a:ext cx="915989" cy="474258"/>
+        <a:off x="5145876" y="4810489"/>
+        <a:ext cx="1072554" cy="555321"/>
       </dsp:txXfrm>
     </dsp:sp>
     <dsp:sp modelId="{6A8BA006-F54F-4C04-BC17-4EA28E8359E9}">
@@ -15375,8 +15391,8 @@
       </dsp:nvSpPr>
       <dsp:spPr>
         <a:xfrm>
-          <a:off x="4577909" y="4939499"/>
-          <a:ext cx="824390" cy="158086"/>
+          <a:off x="5360387" y="5242405"/>
+          <a:ext cx="965299" cy="185107"/>
         </a:xfrm>
         <a:prstGeom prst="rect">
           <a:avLst/>
@@ -15417,12 +15433,12 @@
         <a:fontRef idx="minor"/>
       </dsp:style>
       <dsp:txBody>
-        <a:bodyPr spcFirstLastPara="0" vert="horz" wrap="square" lIns="22860" tIns="5715" rIns="22860" bIns="5715" numCol="1" spcCol="1270" anchor="ctr" anchorCtr="0">
+        <a:bodyPr spcFirstLastPara="0" vert="horz" wrap="square" lIns="25400" tIns="6350" rIns="25400" bIns="6350" numCol="1" spcCol="1270" anchor="ctr" anchorCtr="0">
           <a:noAutofit/>
         </a:bodyPr>
         <a:lstStyle/>
         <a:p>
-          <a:pPr lvl="0" algn="r" defTabSz="400050">
+          <a:pPr lvl="0" algn="r" defTabSz="444500">
             <a:lnSpc>
               <a:spcPct val="90000"/>
             </a:lnSpc>
@@ -15433,12 +15449,12 @@
               <a:spcPct val="35000"/>
             </a:spcAft>
           </a:pPr>
-          <a:endParaRPr lang="zh-CN" altLang="en-US" sz="900" kern="1200"/>
+          <a:endParaRPr lang="zh-CN" altLang="en-US" sz="1000" kern="1200"/>
         </a:p>
       </dsp:txBody>
       <dsp:txXfrm>
-        <a:off x="4577909" y="4939499"/>
-        <a:ext cx="824390" cy="158086"/>
+        <a:off x="5360387" y="5242405"/>
+        <a:ext cx="965299" cy="185107"/>
       </dsp:txXfrm>
     </dsp:sp>
     <dsp:sp modelId="{C0609B87-D118-46F5-A332-3E6628950ABC}">
@@ -15448,8 +15464,8 @@
       </dsp:nvSpPr>
       <dsp:spPr>
         <a:xfrm>
-          <a:off x="93529" y="5318906"/>
-          <a:ext cx="915989" cy="474258"/>
+          <a:off x="109516" y="5686662"/>
+          <a:ext cx="1072554" cy="555321"/>
         </a:xfrm>
         <a:prstGeom prst="rect">
           <a:avLst/>
@@ -15491,12 +15507,12 @@
         </a:fontRef>
       </dsp:style>
       <dsp:txBody>
-        <a:bodyPr spcFirstLastPara="0" vert="horz" wrap="square" lIns="5715" tIns="5715" rIns="5715" bIns="66923" numCol="1" spcCol="1270" anchor="ctr" anchorCtr="0">
+        <a:bodyPr spcFirstLastPara="0" vert="horz" wrap="square" lIns="6350" tIns="6350" rIns="6350" bIns="78362" numCol="1" spcCol="1270" anchor="ctr" anchorCtr="0">
           <a:noAutofit/>
         </a:bodyPr>
         <a:lstStyle/>
         <a:p>
-          <a:pPr lvl="0" algn="ctr" defTabSz="400050">
+          <a:pPr lvl="0" algn="ctr" defTabSz="444500">
             <a:lnSpc>
               <a:spcPct val="90000"/>
             </a:lnSpc>
@@ -15508,15 +15524,15 @@
             </a:spcAft>
           </a:pPr>
           <a:r>
-            <a:rPr lang="en-US" altLang="zh-CN" sz="900" kern="1200" dirty="0" smtClean="0"/>
+            <a:rPr lang="en-US" altLang="zh-CN" sz="1000" kern="1200" dirty="0" smtClean="0"/>
             <a:t>uint32</a:t>
           </a:r>
-          <a:endParaRPr lang="zh-CN" altLang="en-US" sz="900" kern="1200" dirty="0"/>
+          <a:endParaRPr lang="zh-CN" altLang="en-US" sz="1000" kern="1200" dirty="0"/>
         </a:p>
       </dsp:txBody>
       <dsp:txXfrm>
-        <a:off x="93529" y="5318906"/>
-        <a:ext cx="915989" cy="474258"/>
+        <a:off x="109516" y="5686662"/>
+        <a:ext cx="1072554" cy="555321"/>
       </dsp:txXfrm>
     </dsp:sp>
     <dsp:sp modelId="{CE6787A3-DAC8-481D-B157-911057EA0482}">
@@ -15526,8 +15542,8 @@
       </dsp:nvSpPr>
       <dsp:spPr>
         <a:xfrm>
-          <a:off x="276727" y="5687774"/>
-          <a:ext cx="824390" cy="158086"/>
+          <a:off x="324027" y="6118579"/>
+          <a:ext cx="965299" cy="185107"/>
         </a:xfrm>
         <a:prstGeom prst="rect">
           <a:avLst/>
@@ -15568,12 +15584,12 @@
         <a:fontRef idx="minor"/>
       </dsp:style>
       <dsp:txBody>
-        <a:bodyPr spcFirstLastPara="0" vert="horz" wrap="square" lIns="22860" tIns="5715" rIns="22860" bIns="5715" numCol="1" spcCol="1270" anchor="ctr" anchorCtr="0">
+        <a:bodyPr spcFirstLastPara="0" vert="horz" wrap="square" lIns="25400" tIns="6350" rIns="25400" bIns="6350" numCol="1" spcCol="1270" anchor="ctr" anchorCtr="0">
           <a:noAutofit/>
         </a:bodyPr>
         <a:lstStyle/>
         <a:p>
-          <a:pPr lvl="0" algn="r" defTabSz="400050">
+          <a:pPr lvl="0" algn="r" defTabSz="444500">
             <a:lnSpc>
               <a:spcPct val="90000"/>
             </a:lnSpc>
@@ -15585,15 +15601,15 @@
             </a:spcAft>
           </a:pPr>
           <a:r>
-            <a:rPr lang="en-US" altLang="zh-CN" sz="900" kern="1200" dirty="0" err="1" smtClean="0"/>
+            <a:rPr lang="en-US" altLang="zh-CN" sz="1000" kern="1200" dirty="0" err="1" smtClean="0"/>
             <a:t>m_uIP</a:t>
           </a:r>
-          <a:endParaRPr lang="zh-CN" altLang="en-US" sz="900" kern="1200" dirty="0"/>
+          <a:endParaRPr lang="zh-CN" altLang="en-US" sz="1000" kern="1200" dirty="0"/>
         </a:p>
       </dsp:txBody>
       <dsp:txXfrm>
-        <a:off x="276727" y="5687774"/>
-        <a:ext cx="824390" cy="158086"/>
+        <a:off x="324027" y="6118579"/>
+        <a:ext cx="965299" cy="185107"/>
       </dsp:txXfrm>
     </dsp:sp>
     <dsp:sp modelId="{174A1766-206B-4111-AE1B-3CE3FB67ADE9}">
@@ -15603,8 +15619,8 @@
       </dsp:nvSpPr>
       <dsp:spPr>
         <a:xfrm>
-          <a:off x="1322438" y="5318906"/>
-          <a:ext cx="915989" cy="474258"/>
+          <a:off x="1548476" y="5686662"/>
+          <a:ext cx="1072554" cy="555321"/>
         </a:xfrm>
         <a:prstGeom prst="rect">
           <a:avLst/>
@@ -15646,12 +15662,12 @@
         </a:fontRef>
       </dsp:style>
       <dsp:txBody>
-        <a:bodyPr spcFirstLastPara="0" vert="horz" wrap="square" lIns="5715" tIns="5715" rIns="5715" bIns="66923" numCol="1" spcCol="1270" anchor="ctr" anchorCtr="0">
+        <a:bodyPr spcFirstLastPara="0" vert="horz" wrap="square" lIns="6350" tIns="6350" rIns="6350" bIns="78362" numCol="1" spcCol="1270" anchor="ctr" anchorCtr="0">
           <a:noAutofit/>
         </a:bodyPr>
         <a:lstStyle/>
         <a:p>
-          <a:pPr lvl="0" algn="ctr" defTabSz="400050">
+          <a:pPr lvl="0" algn="ctr" defTabSz="444500">
             <a:lnSpc>
               <a:spcPct val="90000"/>
             </a:lnSpc>
@@ -15663,15 +15679,15 @@
             </a:spcAft>
           </a:pPr>
           <a:r>
-            <a:rPr lang="en-US" altLang="zh-CN" sz="900" kern="1200" dirty="0" smtClean="0"/>
+            <a:rPr lang="en-US" altLang="zh-CN" sz="1000" kern="1200" dirty="0" smtClean="0"/>
             <a:t>uint16</a:t>
           </a:r>
-          <a:endParaRPr lang="zh-CN" altLang="en-US" sz="900" kern="1200" dirty="0"/>
+          <a:endParaRPr lang="zh-CN" altLang="en-US" sz="1000" kern="1200" dirty="0"/>
         </a:p>
       </dsp:txBody>
       <dsp:txXfrm>
-        <a:off x="1322438" y="5318906"/>
-        <a:ext cx="915989" cy="474258"/>
+        <a:off x="1548476" y="5686662"/>
+        <a:ext cx="1072554" cy="555321"/>
       </dsp:txXfrm>
     </dsp:sp>
     <dsp:sp modelId="{78F2497E-04CA-49DC-A332-809969CCAB06}">
@@ -15681,8 +15697,8 @@
       </dsp:nvSpPr>
       <dsp:spPr>
         <a:xfrm>
-          <a:off x="1505636" y="5687774"/>
-          <a:ext cx="824390" cy="158086"/>
+          <a:off x="1762987" y="6118579"/>
+          <a:ext cx="965299" cy="185107"/>
         </a:xfrm>
         <a:prstGeom prst="rect">
           <a:avLst/>
@@ -15723,12 +15739,12 @@
         <a:fontRef idx="minor"/>
       </dsp:style>
       <dsp:txBody>
-        <a:bodyPr spcFirstLastPara="0" vert="horz" wrap="square" lIns="22860" tIns="5715" rIns="22860" bIns="5715" numCol="1" spcCol="1270" anchor="ctr" anchorCtr="0">
+        <a:bodyPr spcFirstLastPara="0" vert="horz" wrap="square" lIns="25400" tIns="6350" rIns="25400" bIns="6350" numCol="1" spcCol="1270" anchor="ctr" anchorCtr="0">
           <a:noAutofit/>
         </a:bodyPr>
         <a:lstStyle/>
         <a:p>
-          <a:pPr lvl="0" algn="r" defTabSz="400050">
+          <a:pPr lvl="0" algn="r" defTabSz="444500">
             <a:lnSpc>
               <a:spcPct val="90000"/>
             </a:lnSpc>
@@ -15740,15 +15756,15 @@
             </a:spcAft>
           </a:pPr>
           <a:r>
-            <a:rPr lang="en-US" altLang="zh-CN" sz="900" kern="1200" dirty="0" err="1" smtClean="0"/>
+            <a:rPr lang="en-US" altLang="zh-CN" sz="1000" kern="1200" dirty="0" err="1" smtClean="0"/>
             <a:t>m_uTCPPort</a:t>
           </a:r>
-          <a:endParaRPr lang="zh-CN" altLang="en-US" sz="900" kern="1200" dirty="0"/>
+          <a:endParaRPr lang="zh-CN" altLang="en-US" sz="1000" kern="1200" dirty="0"/>
         </a:p>
       </dsp:txBody>
       <dsp:txXfrm>
-        <a:off x="1505636" y="5687774"/>
-        <a:ext cx="824390" cy="158086"/>
+        <a:off x="1762987" y="6118579"/>
+        <a:ext cx="965299" cy="185107"/>
       </dsp:txXfrm>
     </dsp:sp>
     <dsp:sp modelId="{8BF21DA7-9255-410A-95A8-70E045BB35D3}">
@@ -15758,8 +15774,8 @@
       </dsp:nvSpPr>
       <dsp:spPr>
         <a:xfrm>
-          <a:off x="2551347" y="5318906"/>
-          <a:ext cx="915989" cy="474258"/>
+          <a:off x="2987436" y="5686662"/>
+          <a:ext cx="1072554" cy="555321"/>
         </a:xfrm>
         <a:prstGeom prst="rect">
           <a:avLst/>
@@ -15801,12 +15817,12 @@
         </a:fontRef>
       </dsp:style>
       <dsp:txBody>
-        <a:bodyPr spcFirstLastPara="0" vert="horz" wrap="square" lIns="5715" tIns="5715" rIns="5715" bIns="66923" numCol="1" spcCol="1270" anchor="ctr" anchorCtr="0">
+        <a:bodyPr spcFirstLastPara="0" vert="horz" wrap="square" lIns="6350" tIns="6350" rIns="6350" bIns="78362" numCol="1" spcCol="1270" anchor="ctr" anchorCtr="0">
           <a:noAutofit/>
         </a:bodyPr>
         <a:lstStyle/>
         <a:p>
-          <a:pPr lvl="0" algn="ctr" defTabSz="400050">
+          <a:pPr lvl="0" algn="ctr" defTabSz="444500">
             <a:lnSpc>
               <a:spcPct val="90000"/>
             </a:lnSpc>
@@ -15818,15 +15834,15 @@
             </a:spcAft>
           </a:pPr>
           <a:r>
-            <a:rPr lang="en-US" altLang="zh-CN" sz="900" kern="1200" dirty="0" smtClean="0"/>
+            <a:rPr lang="en-US" altLang="zh-CN" sz="1000" kern="1200" dirty="0" smtClean="0"/>
             <a:t>uint16</a:t>
           </a:r>
-          <a:endParaRPr lang="zh-CN" altLang="en-US" sz="900" kern="1200" dirty="0"/>
+          <a:endParaRPr lang="zh-CN" altLang="en-US" sz="1000" kern="1200" dirty="0"/>
         </a:p>
       </dsp:txBody>
       <dsp:txXfrm>
-        <a:off x="2551347" y="5318906"/>
-        <a:ext cx="915989" cy="474258"/>
+        <a:off x="2987436" y="5686662"/>
+        <a:ext cx="1072554" cy="555321"/>
       </dsp:txXfrm>
     </dsp:sp>
     <dsp:sp modelId="{F380191F-68F7-4007-A4C0-DAB6CB8C3176}">
@@ -15836,8 +15852,8 @@
       </dsp:nvSpPr>
       <dsp:spPr>
         <a:xfrm>
-          <a:off x="2734545" y="5687774"/>
-          <a:ext cx="824390" cy="158086"/>
+          <a:off x="3201947" y="6118579"/>
+          <a:ext cx="965299" cy="185107"/>
         </a:xfrm>
         <a:prstGeom prst="rect">
           <a:avLst/>
@@ -15878,12 +15894,12 @@
         <a:fontRef idx="minor"/>
       </dsp:style>
       <dsp:txBody>
-        <a:bodyPr spcFirstLastPara="0" vert="horz" wrap="square" lIns="22860" tIns="5715" rIns="22860" bIns="5715" numCol="1" spcCol="1270" anchor="ctr" anchorCtr="0">
+        <a:bodyPr spcFirstLastPara="0" vert="horz" wrap="square" lIns="25400" tIns="6350" rIns="25400" bIns="6350" numCol="1" spcCol="1270" anchor="ctr" anchorCtr="0">
           <a:noAutofit/>
         </a:bodyPr>
         <a:lstStyle/>
         <a:p>
-          <a:pPr lvl="0" algn="r" defTabSz="400050">
+          <a:pPr lvl="0" algn="r" defTabSz="444500">
             <a:lnSpc>
               <a:spcPct val="90000"/>
             </a:lnSpc>
@@ -15895,15 +15911,15 @@
             </a:spcAft>
           </a:pPr>
           <a:r>
-            <a:rPr lang="en-US" altLang="zh-CN" sz="900" kern="1200" dirty="0" err="1" smtClean="0"/>
+            <a:rPr lang="en-US" altLang="zh-CN" sz="1000" kern="1200" dirty="0" err="1" smtClean="0"/>
             <a:t>m_uUDPPort</a:t>
           </a:r>
-          <a:endParaRPr lang="zh-CN" altLang="en-US" sz="900" kern="1200" dirty="0"/>
+          <a:endParaRPr lang="zh-CN" altLang="en-US" sz="1000" kern="1200" dirty="0"/>
         </a:p>
       </dsp:txBody>
       <dsp:txXfrm>
-        <a:off x="2734545" y="5687774"/>
-        <a:ext cx="824390" cy="158086"/>
+        <a:off x="3201947" y="6118579"/>
+        <a:ext cx="965299" cy="185107"/>
       </dsp:txXfrm>
     </dsp:sp>
     <dsp:sp modelId="{DC2A6A67-D1A7-48DB-9C30-2EE5AE05E793}">
@@ -15913,8 +15929,8 @@
       </dsp:nvSpPr>
       <dsp:spPr>
         <a:xfrm>
-          <a:off x="3780256" y="5318906"/>
-          <a:ext cx="915989" cy="474258"/>
+          <a:off x="4426396" y="5686662"/>
+          <a:ext cx="1072554" cy="555321"/>
         </a:xfrm>
         <a:prstGeom prst="rect">
           <a:avLst/>
@@ -15956,12 +15972,12 @@
         </a:fontRef>
       </dsp:style>
       <dsp:txBody>
-        <a:bodyPr spcFirstLastPara="0" vert="horz" wrap="square" lIns="5715" tIns="5715" rIns="5715" bIns="66923" numCol="1" spcCol="1270" anchor="ctr" anchorCtr="0">
+        <a:bodyPr spcFirstLastPara="0" vert="horz" wrap="square" lIns="6350" tIns="6350" rIns="6350" bIns="78362" numCol="1" spcCol="1270" anchor="ctr" anchorCtr="0">
           <a:noAutofit/>
         </a:bodyPr>
         <a:lstStyle/>
         <a:p>
-          <a:pPr lvl="0" algn="ctr" defTabSz="400050">
+          <a:pPr lvl="0" algn="ctr" defTabSz="444500">
             <a:lnSpc>
               <a:spcPct val="90000"/>
             </a:lnSpc>
@@ -15973,15 +15989,15 @@
             </a:spcAft>
           </a:pPr>
           <a:r>
-            <a:rPr lang="en-US" altLang="zh-CN" sz="900" kern="1200" dirty="0" smtClean="0"/>
+            <a:rPr lang="en-US" altLang="zh-CN" sz="1000" kern="1200" dirty="0" smtClean="0"/>
             <a:t>CUInt128</a:t>
           </a:r>
-          <a:endParaRPr lang="zh-CN" altLang="en-US" sz="900" kern="1200" dirty="0"/>
+          <a:endParaRPr lang="zh-CN" altLang="en-US" sz="1000" kern="1200" dirty="0"/>
         </a:p>
       </dsp:txBody>
       <dsp:txXfrm>
-        <a:off x="3780256" y="5318906"/>
-        <a:ext cx="915989" cy="474258"/>
+        <a:off x="4426396" y="5686662"/>
+        <a:ext cx="1072554" cy="555321"/>
       </dsp:txXfrm>
     </dsp:sp>
     <dsp:sp modelId="{50939023-49D7-4F51-AD1D-21231C706D1C}">
@@ -15991,8 +16007,8 @@
       </dsp:nvSpPr>
       <dsp:spPr>
         <a:xfrm>
-          <a:off x="3963454" y="5687774"/>
-          <a:ext cx="824390" cy="158086"/>
+          <a:off x="4640907" y="6118579"/>
+          <a:ext cx="965299" cy="185107"/>
         </a:xfrm>
         <a:prstGeom prst="rect">
           <a:avLst/>
@@ -16033,12 +16049,12 @@
         <a:fontRef idx="minor"/>
       </dsp:style>
       <dsp:txBody>
-        <a:bodyPr spcFirstLastPara="0" vert="horz" wrap="square" lIns="22860" tIns="5715" rIns="22860" bIns="5715" numCol="1" spcCol="1270" anchor="ctr" anchorCtr="0">
+        <a:bodyPr spcFirstLastPara="0" vert="horz" wrap="square" lIns="25400" tIns="6350" rIns="25400" bIns="6350" numCol="1" spcCol="1270" anchor="ctr" anchorCtr="0">
           <a:noAutofit/>
         </a:bodyPr>
         <a:lstStyle/>
         <a:p>
-          <a:pPr lvl="0" algn="r" defTabSz="400050">
+          <a:pPr lvl="0" algn="r" defTabSz="444500">
             <a:lnSpc>
               <a:spcPct val="90000"/>
             </a:lnSpc>
@@ -16050,15 +16066,15 @@
             </a:spcAft>
           </a:pPr>
           <a:r>
-            <a:rPr lang="en-US" altLang="zh-CN" sz="900" kern="1200" dirty="0" err="1" smtClean="0"/>
+            <a:rPr lang="en-US" altLang="zh-CN" sz="1000" kern="1200" dirty="0" err="1" smtClean="0"/>
             <a:t>m_uKeyID</a:t>
           </a:r>
-          <a:endParaRPr lang="zh-CN" altLang="en-US" sz="900" kern="1200" dirty="0"/>
+          <a:endParaRPr lang="zh-CN" altLang="en-US" sz="1000" kern="1200" dirty="0"/>
         </a:p>
       </dsp:txBody>
       <dsp:txXfrm>
-        <a:off x="3963454" y="5687774"/>
-        <a:ext cx="824390" cy="158086"/>
+        <a:off x="4640907" y="6118579"/>
+        <a:ext cx="965299" cy="185107"/>
       </dsp:txXfrm>
     </dsp:sp>
     <dsp:sp modelId="{B2CC1828-1D29-48FA-A0DC-F04CA0CD2D21}">
@@ -16068,8 +16084,8 @@
       </dsp:nvSpPr>
       <dsp:spPr>
         <a:xfrm>
-          <a:off x="5009165" y="5318906"/>
-          <a:ext cx="915989" cy="474258"/>
+          <a:off x="5865356" y="5686662"/>
+          <a:ext cx="1072554" cy="555321"/>
         </a:xfrm>
         <a:prstGeom prst="rect">
           <a:avLst/>
@@ -16111,12 +16127,12 @@
         </a:fontRef>
       </dsp:style>
       <dsp:txBody>
-        <a:bodyPr spcFirstLastPara="0" vert="horz" wrap="square" lIns="5715" tIns="5715" rIns="5715" bIns="66923" numCol="1" spcCol="1270" anchor="ctr" anchorCtr="0">
+        <a:bodyPr spcFirstLastPara="0" vert="horz" wrap="square" lIns="6350" tIns="6350" rIns="6350" bIns="78362" numCol="1" spcCol="1270" anchor="ctr" anchorCtr="0">
           <a:noAutofit/>
         </a:bodyPr>
         <a:lstStyle/>
         <a:p>
-          <a:pPr lvl="0" algn="ctr" defTabSz="400050">
+          <a:pPr lvl="0" algn="ctr" defTabSz="444500">
             <a:lnSpc>
               <a:spcPct val="90000"/>
             </a:lnSpc>
@@ -16128,15 +16144,15 @@
             </a:spcAft>
           </a:pPr>
           <a:r>
-            <a:rPr lang="en-US" altLang="zh-CN" sz="900" kern="1200" dirty="0" smtClean="0"/>
+            <a:rPr lang="en-US" altLang="zh-CN" sz="1000" kern="1200" dirty="0" smtClean="0"/>
             <a:t>CUInt128</a:t>
           </a:r>
-          <a:endParaRPr lang="zh-CN" altLang="en-US" sz="900" kern="1200" dirty="0"/>
+          <a:endParaRPr lang="zh-CN" altLang="en-US" sz="1000" kern="1200" dirty="0"/>
         </a:p>
       </dsp:txBody>
       <dsp:txXfrm>
-        <a:off x="5009165" y="5318906"/>
-        <a:ext cx="915989" cy="474258"/>
+        <a:off x="5865356" y="5686662"/>
+        <a:ext cx="1072554" cy="555321"/>
       </dsp:txXfrm>
     </dsp:sp>
     <dsp:sp modelId="{B26AA340-B012-450C-B965-9765131C5F60}">
@@ -16146,8 +16162,8 @@
       </dsp:nvSpPr>
       <dsp:spPr>
         <a:xfrm>
-          <a:off x="5192363" y="5687774"/>
-          <a:ext cx="824390" cy="158086"/>
+          <a:off x="6079867" y="6118579"/>
+          <a:ext cx="965299" cy="185107"/>
         </a:xfrm>
         <a:prstGeom prst="rect">
           <a:avLst/>
@@ -16188,12 +16204,12 @@
         <a:fontRef idx="minor"/>
       </dsp:style>
       <dsp:txBody>
-        <a:bodyPr spcFirstLastPara="0" vert="horz" wrap="square" lIns="22860" tIns="5715" rIns="22860" bIns="5715" numCol="1" spcCol="1270" anchor="ctr" anchorCtr="0">
+        <a:bodyPr spcFirstLastPara="0" vert="horz" wrap="square" lIns="25400" tIns="6350" rIns="25400" bIns="6350" numCol="1" spcCol="1270" anchor="ctr" anchorCtr="0">
           <a:noAutofit/>
         </a:bodyPr>
         <a:lstStyle/>
         <a:p>
-          <a:pPr lvl="0" algn="r" defTabSz="400050">
+          <a:pPr lvl="0" algn="r" defTabSz="444500">
             <a:lnSpc>
               <a:spcPct val="90000"/>
             </a:lnSpc>
@@ -16205,15 +16221,15 @@
             </a:spcAft>
           </a:pPr>
           <a:r>
-            <a:rPr lang="en-US" altLang="zh-CN" sz="900" kern="1200" dirty="0" err="1" smtClean="0"/>
+            <a:rPr lang="en-US" altLang="zh-CN" sz="1000" kern="1200" dirty="0" err="1" smtClean="0"/>
             <a:t>m_uSourceID</a:t>
           </a:r>
-          <a:endParaRPr lang="zh-CN" altLang="en-US" sz="900" kern="1200" dirty="0"/>
+          <a:endParaRPr lang="zh-CN" altLang="en-US" sz="1000" kern="1200" dirty="0"/>
         </a:p>
       </dsp:txBody>
       <dsp:txXfrm>
-        <a:off x="5192363" y="5687774"/>
-        <a:ext cx="824390" cy="158086"/>
+        <a:off x="6079867" y="6118579"/>
+        <a:ext cx="965299" cy="185107"/>
       </dsp:txXfrm>
     </dsp:sp>
     <dsp:sp modelId="{5423C0B6-E270-4795-A26B-83CFD7EB47D0}">
@@ -16223,8 +16239,8 @@
       </dsp:nvSpPr>
       <dsp:spPr>
         <a:xfrm>
-          <a:off x="6238074" y="5318906"/>
-          <a:ext cx="915989" cy="474258"/>
+          <a:off x="7304316" y="5686662"/>
+          <a:ext cx="1072554" cy="555321"/>
         </a:xfrm>
         <a:prstGeom prst="rect">
           <a:avLst/>
@@ -16266,12 +16282,12 @@
         </a:fontRef>
       </dsp:style>
       <dsp:txBody>
-        <a:bodyPr spcFirstLastPara="0" vert="horz" wrap="square" lIns="5715" tIns="5715" rIns="5715" bIns="66923" numCol="1" spcCol="1270" anchor="ctr" anchorCtr="0">
+        <a:bodyPr spcFirstLastPara="0" vert="horz" wrap="square" lIns="6350" tIns="6350" rIns="6350" bIns="78362" numCol="1" spcCol="1270" anchor="ctr" anchorCtr="0">
           <a:noAutofit/>
         </a:bodyPr>
         <a:lstStyle/>
         <a:p>
-          <a:pPr lvl="0" algn="ctr" defTabSz="400050">
+          <a:pPr lvl="0" algn="ctr" defTabSz="444500">
             <a:lnSpc>
               <a:spcPct val="90000"/>
             </a:lnSpc>
@@ -16283,15 +16299,15 @@
             </a:spcAft>
           </a:pPr>
           <a:r>
-            <a:rPr lang="en-US" altLang="zh-CN" sz="900" kern="1200" dirty="0" smtClean="0"/>
+            <a:rPr lang="en-US" altLang="zh-CN" sz="1000" kern="1200" dirty="0" smtClean="0"/>
             <a:t>uint64</a:t>
           </a:r>
-          <a:endParaRPr lang="zh-CN" altLang="en-US" sz="900" kern="1200" dirty="0"/>
+          <a:endParaRPr lang="zh-CN" altLang="en-US" sz="1000" kern="1200" dirty="0"/>
         </a:p>
       </dsp:txBody>
       <dsp:txXfrm>
-        <a:off x="6238074" y="5318906"/>
-        <a:ext cx="915989" cy="474258"/>
+        <a:off x="7304316" y="5686662"/>
+        <a:ext cx="1072554" cy="555321"/>
       </dsp:txXfrm>
     </dsp:sp>
     <dsp:sp modelId="{8E6E4251-BCF8-4FB1-A02B-56F8FA370E84}">
@@ -16301,8 +16317,8 @@
       </dsp:nvSpPr>
       <dsp:spPr>
         <a:xfrm>
-          <a:off x="6421272" y="5687774"/>
-          <a:ext cx="824390" cy="158086"/>
+          <a:off x="7518827" y="6118579"/>
+          <a:ext cx="965299" cy="185107"/>
         </a:xfrm>
         <a:prstGeom prst="rect">
           <a:avLst/>
@@ -16343,12 +16359,12 @@
         <a:fontRef idx="minor"/>
       </dsp:style>
       <dsp:txBody>
-        <a:bodyPr spcFirstLastPara="0" vert="horz" wrap="square" lIns="22860" tIns="5715" rIns="22860" bIns="5715" numCol="1" spcCol="1270" anchor="ctr" anchorCtr="0">
+        <a:bodyPr spcFirstLastPara="0" vert="horz" wrap="square" lIns="25400" tIns="6350" rIns="25400" bIns="6350" numCol="1" spcCol="1270" anchor="ctr" anchorCtr="0">
           <a:noAutofit/>
         </a:bodyPr>
         <a:lstStyle/>
         <a:p>
-          <a:pPr lvl="0" algn="r" defTabSz="400050">
+          <a:pPr lvl="0" algn="r" defTabSz="444500">
             <a:lnSpc>
               <a:spcPct val="90000"/>
             </a:lnSpc>
@@ -16360,15 +16376,15 @@
             </a:spcAft>
           </a:pPr>
           <a:r>
-            <a:rPr lang="en-US" altLang="zh-CN" sz="900" kern="1200" dirty="0" err="1" smtClean="0"/>
+            <a:rPr lang="en-US" altLang="zh-CN" sz="1000" kern="1200" dirty="0" err="1" smtClean="0"/>
             <a:t>m_Size</a:t>
           </a:r>
-          <a:endParaRPr lang="zh-CN" altLang="en-US" sz="900" kern="1200" dirty="0"/>
+          <a:endParaRPr lang="zh-CN" altLang="en-US" sz="1000" kern="1200" dirty="0"/>
         </a:p>
       </dsp:txBody>
       <dsp:txXfrm>
-        <a:off x="6421272" y="5687774"/>
-        <a:ext cx="824390" cy="158086"/>
+        <a:off x="7518827" y="6118579"/>
+        <a:ext cx="965299" cy="185107"/>
       </dsp:txXfrm>
     </dsp:sp>
     <dsp:sp modelId="{852CC1FF-77EF-4779-8EFB-E14E8E9A70F0}">
@@ -16378,8 +16394,8 @@
       </dsp:nvSpPr>
       <dsp:spPr>
         <a:xfrm>
-          <a:off x="7466983" y="5318906"/>
-          <a:ext cx="915989" cy="474258"/>
+          <a:off x="8743276" y="5686662"/>
+          <a:ext cx="1072554" cy="555321"/>
         </a:xfrm>
         <a:prstGeom prst="rect">
           <a:avLst/>
@@ -16421,12 +16437,12 @@
         </a:fontRef>
       </dsp:style>
       <dsp:txBody>
-        <a:bodyPr spcFirstLastPara="0" vert="horz" wrap="square" lIns="5715" tIns="5715" rIns="5715" bIns="66923" numCol="1" spcCol="1270" anchor="ctr" anchorCtr="0">
+        <a:bodyPr spcFirstLastPara="0" vert="horz" wrap="square" lIns="6350" tIns="6350" rIns="6350" bIns="78362" numCol="1" spcCol="1270" anchor="ctr" anchorCtr="0">
           <a:noAutofit/>
         </a:bodyPr>
         <a:lstStyle/>
         <a:p>
-          <a:pPr lvl="0" algn="ctr" defTabSz="400050">
+          <a:pPr lvl="0" algn="ctr" defTabSz="444500">
             <a:lnSpc>
               <a:spcPct val="90000"/>
             </a:lnSpc>
@@ -16438,15 +16454,15 @@
             </a:spcAft>
           </a:pPr>
           <a:r>
-            <a:rPr lang="en-US" altLang="zh-CN" sz="900" kern="1200" dirty="0" err="1" smtClean="0"/>
+            <a:rPr lang="en-US" altLang="zh-CN" sz="1000" kern="1200" dirty="0" err="1" smtClean="0"/>
             <a:t>timt_t</a:t>
           </a:r>
-          <a:endParaRPr lang="zh-CN" altLang="en-US" sz="900" kern="1200" dirty="0"/>
+          <a:endParaRPr lang="zh-CN" altLang="en-US" sz="1000" kern="1200" dirty="0"/>
         </a:p>
       </dsp:txBody>
       <dsp:txXfrm>
-        <a:off x="7466983" y="5318906"/>
-        <a:ext cx="915989" cy="474258"/>
+        <a:off x="8743276" y="5686662"/>
+        <a:ext cx="1072554" cy="555321"/>
       </dsp:txXfrm>
     </dsp:sp>
     <dsp:sp modelId="{E71EE907-1921-4348-A4A3-ACB8222C7F4E}">
@@ -16456,8 +16472,8 @@
       </dsp:nvSpPr>
       <dsp:spPr>
         <a:xfrm>
-          <a:off x="7650181" y="5687774"/>
-          <a:ext cx="824390" cy="158086"/>
+          <a:off x="8957787" y="6118579"/>
+          <a:ext cx="965299" cy="185107"/>
         </a:xfrm>
         <a:prstGeom prst="rect">
           <a:avLst/>
@@ -16498,12 +16514,12 @@
         <a:fontRef idx="minor"/>
       </dsp:style>
       <dsp:txBody>
-        <a:bodyPr spcFirstLastPara="0" vert="horz" wrap="square" lIns="22860" tIns="5715" rIns="22860" bIns="5715" numCol="1" spcCol="1270" anchor="ctr" anchorCtr="0">
+        <a:bodyPr spcFirstLastPara="0" vert="horz" wrap="square" lIns="25400" tIns="6350" rIns="25400" bIns="6350" numCol="1" spcCol="1270" anchor="ctr" anchorCtr="0">
           <a:noAutofit/>
         </a:bodyPr>
         <a:lstStyle/>
         <a:p>
-          <a:pPr lvl="0" algn="r" defTabSz="400050">
+          <a:pPr lvl="0" algn="r" defTabSz="444500">
             <a:lnSpc>
               <a:spcPct val="90000"/>
             </a:lnSpc>
@@ -16515,15 +16531,15 @@
             </a:spcAft>
           </a:pPr>
           <a:r>
-            <a:rPr lang="en-US" altLang="zh-CN" sz="900" kern="1200" dirty="0" err="1" smtClean="0"/>
+            <a:rPr lang="en-US" altLang="zh-CN" sz="1000" kern="1200" dirty="0" err="1" smtClean="0"/>
             <a:t>m_Lifetime</a:t>
           </a:r>
-          <a:endParaRPr lang="zh-CN" altLang="en-US" sz="900" kern="1200" dirty="0"/>
+          <a:endParaRPr lang="zh-CN" altLang="en-US" sz="1000" kern="1200" dirty="0"/>
         </a:p>
       </dsp:txBody>
       <dsp:txXfrm>
-        <a:off x="7650181" y="5687774"/>
-        <a:ext cx="824390" cy="158086"/>
+        <a:off x="8957787" y="6118579"/>
+        <a:ext cx="965299" cy="185107"/>
       </dsp:txXfrm>
     </dsp:sp>
     <dsp:sp modelId="{678B0968-8AF6-409D-A455-6407459F1796}">
@@ -16533,8 +16549,8 @@
       </dsp:nvSpPr>
       <dsp:spPr>
         <a:xfrm>
-          <a:off x="8695892" y="5318906"/>
-          <a:ext cx="915989" cy="474258"/>
+          <a:off x="10182236" y="5686662"/>
+          <a:ext cx="1072554" cy="555321"/>
         </a:xfrm>
         <a:prstGeom prst="rect">
           <a:avLst/>
@@ -16576,12 +16592,12 @@
         </a:fontRef>
       </dsp:style>
       <dsp:txBody>
-        <a:bodyPr spcFirstLastPara="0" vert="horz" wrap="square" lIns="5715" tIns="5715" rIns="5715" bIns="66923" numCol="1" spcCol="1270" anchor="ctr" anchorCtr="0">
+        <a:bodyPr spcFirstLastPara="0" vert="horz" wrap="square" lIns="6350" tIns="6350" rIns="6350" bIns="78362" numCol="1" spcCol="1270" anchor="ctr" anchorCtr="0">
           <a:noAutofit/>
         </a:bodyPr>
         <a:lstStyle/>
         <a:p>
-          <a:pPr lvl="0" algn="ctr" defTabSz="400050">
+          <a:pPr lvl="0" algn="ctr" defTabSz="444500">
             <a:lnSpc>
               <a:spcPct val="90000"/>
             </a:lnSpc>
@@ -16593,15 +16609,15 @@
             </a:spcAft>
           </a:pPr>
           <a:r>
-            <a:rPr lang="en-US" altLang="zh-CN" sz="900" kern="1200" dirty="0" smtClean="0"/>
+            <a:rPr lang="en-US" altLang="zh-CN" sz="1000" kern="1200" dirty="0" smtClean="0"/>
             <a:t>bool</a:t>
           </a:r>
-          <a:endParaRPr lang="zh-CN" altLang="en-US" sz="900" kern="1200" dirty="0"/>
+          <a:endParaRPr lang="zh-CN" altLang="en-US" sz="1000" kern="1200" dirty="0"/>
         </a:p>
       </dsp:txBody>
       <dsp:txXfrm>
-        <a:off x="8695892" y="5318906"/>
-        <a:ext cx="915989" cy="474258"/>
+        <a:off x="10182236" y="5686662"/>
+        <a:ext cx="1072554" cy="555321"/>
       </dsp:txXfrm>
     </dsp:sp>
     <dsp:sp modelId="{7B4F4265-1316-4042-90B8-F0270B0983C3}">
@@ -16611,8 +16627,8 @@
       </dsp:nvSpPr>
       <dsp:spPr>
         <a:xfrm>
-          <a:off x="8879090" y="5687774"/>
-          <a:ext cx="824390" cy="158086"/>
+          <a:off x="10396747" y="6118579"/>
+          <a:ext cx="965299" cy="185107"/>
         </a:xfrm>
         <a:prstGeom prst="rect">
           <a:avLst/>
@@ -16653,12 +16669,12 @@
         <a:fontRef idx="minor"/>
       </dsp:style>
       <dsp:txBody>
-        <a:bodyPr spcFirstLastPara="0" vert="horz" wrap="square" lIns="22860" tIns="5715" rIns="22860" bIns="5715" numCol="1" spcCol="1270" anchor="ctr" anchorCtr="0">
+        <a:bodyPr spcFirstLastPara="0" vert="horz" wrap="square" lIns="25400" tIns="6350" rIns="25400" bIns="6350" numCol="1" spcCol="1270" anchor="ctr" anchorCtr="0">
           <a:noAutofit/>
         </a:bodyPr>
         <a:lstStyle/>
         <a:p>
-          <a:pPr lvl="0" algn="r" defTabSz="400050">
+          <a:pPr lvl="0" algn="r" defTabSz="444500">
             <a:lnSpc>
               <a:spcPct val="90000"/>
             </a:lnSpc>
@@ -16670,15 +16686,15 @@
             </a:spcAft>
           </a:pPr>
           <a:r>
-            <a:rPr lang="en-US" altLang="zh-CN" sz="900" kern="1200" dirty="0" err="1" smtClean="0"/>
+            <a:rPr lang="en-US" altLang="zh-CN" sz="1000" kern="1200" dirty="0" err="1" smtClean="0"/>
             <a:t>m_bSource</a:t>
           </a:r>
-          <a:endParaRPr lang="zh-CN" altLang="en-US" sz="900" kern="1200" dirty="0"/>
+          <a:endParaRPr lang="zh-CN" altLang="en-US" sz="1000" kern="1200" dirty="0"/>
         </a:p>
       </dsp:txBody>
       <dsp:txXfrm>
-        <a:off x="8879090" y="5687774"/>
-        <a:ext cx="824390" cy="158086"/>
+        <a:off x="10396747" y="6118579"/>
+        <a:ext cx="965299" cy="185107"/>
       </dsp:txXfrm>
     </dsp:sp>
   </dsp:spTree>
@@ -16700,8 +16716,8 @@
       </dsp:nvSpPr>
       <dsp:spPr>
         <a:xfrm>
-          <a:off x="4852706" y="5044890"/>
-          <a:ext cx="4301181" cy="274016"/>
+          <a:off x="5731563" y="5408133"/>
+          <a:ext cx="5080154" cy="323642"/>
         </a:xfrm>
         <a:custGeom>
           <a:avLst/>
@@ -16715,13 +16731,13 @@
                 <a:pt x="0" y="0"/>
               </a:moveTo>
               <a:lnTo>
-                <a:pt x="0" y="163355"/>
+                <a:pt x="0" y="192940"/>
               </a:lnTo>
               <a:lnTo>
-                <a:pt x="4301181" y="163355"/>
+                <a:pt x="5080154" y="192940"/>
               </a:lnTo>
               <a:lnTo>
-                <a:pt x="4301181" y="274016"/>
+                <a:pt x="5080154" y="323642"/>
               </a:lnTo>
             </a:path>
           </a:pathLst>
@@ -16762,8 +16778,8 @@
       </dsp:nvSpPr>
       <dsp:spPr>
         <a:xfrm>
-          <a:off x="4852706" y="5044890"/>
-          <a:ext cx="3072272" cy="274016"/>
+          <a:off x="5731563" y="5408133"/>
+          <a:ext cx="3628681" cy="323642"/>
         </a:xfrm>
         <a:custGeom>
           <a:avLst/>
@@ -16777,13 +16793,13 @@
                 <a:pt x="0" y="0"/>
               </a:moveTo>
               <a:lnTo>
-                <a:pt x="0" y="163355"/>
+                <a:pt x="0" y="192940"/>
               </a:lnTo>
               <a:lnTo>
-                <a:pt x="3072272" y="163355"/>
+                <a:pt x="3628681" y="192940"/>
               </a:lnTo>
               <a:lnTo>
-                <a:pt x="3072272" y="274016"/>
+                <a:pt x="3628681" y="323642"/>
               </a:lnTo>
             </a:path>
           </a:pathLst>
@@ -16824,8 +16840,8 @@
       </dsp:nvSpPr>
       <dsp:spPr>
         <a:xfrm>
-          <a:off x="4852706" y="5044890"/>
-          <a:ext cx="1843363" cy="274016"/>
+          <a:off x="5731563" y="5408133"/>
+          <a:ext cx="2177209" cy="323642"/>
         </a:xfrm>
         <a:custGeom>
           <a:avLst/>
@@ -16839,13 +16855,13 @@
                 <a:pt x="0" y="0"/>
               </a:moveTo>
               <a:lnTo>
-                <a:pt x="0" y="163355"/>
+                <a:pt x="0" y="192940"/>
               </a:lnTo>
               <a:lnTo>
-                <a:pt x="1843363" y="163355"/>
+                <a:pt x="2177209" y="192940"/>
               </a:lnTo>
               <a:lnTo>
-                <a:pt x="1843363" y="274016"/>
+                <a:pt x="2177209" y="323642"/>
               </a:lnTo>
             </a:path>
           </a:pathLst>
@@ -16886,8 +16902,8 @@
       </dsp:nvSpPr>
       <dsp:spPr>
         <a:xfrm>
-          <a:off x="4852706" y="5044890"/>
-          <a:ext cx="614454" cy="274016"/>
+          <a:off x="5731563" y="5408133"/>
+          <a:ext cx="725736" cy="323642"/>
         </a:xfrm>
         <a:custGeom>
           <a:avLst/>
@@ -16901,13 +16917,13 @@
                 <a:pt x="0" y="0"/>
               </a:moveTo>
               <a:lnTo>
-                <a:pt x="0" y="163355"/>
+                <a:pt x="0" y="192940"/>
               </a:lnTo>
               <a:lnTo>
-                <a:pt x="614454" y="163355"/>
+                <a:pt x="725736" y="192940"/>
               </a:lnTo>
               <a:lnTo>
-                <a:pt x="614454" y="274016"/>
+                <a:pt x="725736" y="323642"/>
               </a:lnTo>
             </a:path>
           </a:pathLst>
@@ -16948,8 +16964,8 @@
       </dsp:nvSpPr>
       <dsp:spPr>
         <a:xfrm>
-          <a:off x="4238251" y="5044890"/>
-          <a:ext cx="614454" cy="274016"/>
+          <a:off x="5005827" y="5408133"/>
+          <a:ext cx="725736" cy="323642"/>
         </a:xfrm>
         <a:custGeom>
           <a:avLst/>
@@ -16960,16 +16976,16 @@
           <a:pathLst>
             <a:path>
               <a:moveTo>
-                <a:pt x="614454" y="0"/>
+                <a:pt x="725736" y="0"/>
               </a:moveTo>
               <a:lnTo>
-                <a:pt x="614454" y="163355"/>
+                <a:pt x="725736" y="192940"/>
               </a:lnTo>
               <a:lnTo>
-                <a:pt x="0" y="163355"/>
+                <a:pt x="0" y="192940"/>
               </a:lnTo>
               <a:lnTo>
-                <a:pt x="0" y="274016"/>
+                <a:pt x="0" y="323642"/>
               </a:lnTo>
             </a:path>
           </a:pathLst>
@@ -17010,8 +17026,8 @@
       </dsp:nvSpPr>
       <dsp:spPr>
         <a:xfrm>
-          <a:off x="3009342" y="5044890"/>
-          <a:ext cx="1843363" cy="274016"/>
+          <a:off x="3554354" y="5408133"/>
+          <a:ext cx="2177209" cy="323642"/>
         </a:xfrm>
         <a:custGeom>
           <a:avLst/>
@@ -17022,16 +17038,16 @@
           <a:pathLst>
             <a:path>
               <a:moveTo>
-                <a:pt x="1843363" y="0"/>
+                <a:pt x="2177209" y="0"/>
               </a:moveTo>
               <a:lnTo>
-                <a:pt x="1843363" y="163355"/>
+                <a:pt x="2177209" y="192940"/>
               </a:lnTo>
               <a:lnTo>
-                <a:pt x="0" y="163355"/>
+                <a:pt x="0" y="192940"/>
               </a:lnTo>
               <a:lnTo>
-                <a:pt x="0" y="274016"/>
+                <a:pt x="0" y="323642"/>
               </a:lnTo>
             </a:path>
           </a:pathLst>
@@ -17072,8 +17088,8 @@
       </dsp:nvSpPr>
       <dsp:spPr>
         <a:xfrm>
-          <a:off x="1780433" y="5044890"/>
-          <a:ext cx="3072272" cy="274016"/>
+          <a:off x="2102882" y="5408133"/>
+          <a:ext cx="3628681" cy="323642"/>
         </a:xfrm>
         <a:custGeom>
           <a:avLst/>
@@ -17084,16 +17100,16 @@
           <a:pathLst>
             <a:path>
               <a:moveTo>
-                <a:pt x="3072272" y="0"/>
+                <a:pt x="3628681" y="0"/>
               </a:moveTo>
               <a:lnTo>
-                <a:pt x="3072272" y="163355"/>
+                <a:pt x="3628681" y="192940"/>
               </a:lnTo>
               <a:lnTo>
-                <a:pt x="0" y="163355"/>
+                <a:pt x="0" y="192940"/>
               </a:lnTo>
               <a:lnTo>
-                <a:pt x="0" y="274016"/>
+                <a:pt x="0" y="323642"/>
               </a:lnTo>
             </a:path>
           </a:pathLst>
@@ -17134,8 +17150,8 @@
       </dsp:nvSpPr>
       <dsp:spPr>
         <a:xfrm>
-          <a:off x="551524" y="5044890"/>
-          <a:ext cx="4301181" cy="274016"/>
+          <a:off x="651409" y="5408133"/>
+          <a:ext cx="5080154" cy="323642"/>
         </a:xfrm>
         <a:custGeom>
           <a:avLst/>
@@ -17146,16 +17162,16 @@
           <a:pathLst>
             <a:path>
               <a:moveTo>
-                <a:pt x="4301181" y="0"/>
+                <a:pt x="5080154" y="0"/>
               </a:moveTo>
               <a:lnTo>
-                <a:pt x="4301181" y="163355"/>
+                <a:pt x="5080154" y="192940"/>
               </a:lnTo>
               <a:lnTo>
-                <a:pt x="0" y="163355"/>
+                <a:pt x="0" y="192940"/>
               </a:lnTo>
               <a:lnTo>
-                <a:pt x="0" y="274016"/>
+                <a:pt x="0" y="323642"/>
               </a:lnTo>
             </a:path>
           </a:pathLst>
@@ -17196,8 +17212,8 @@
       </dsp:nvSpPr>
       <dsp:spPr>
         <a:xfrm>
-          <a:off x="4806986" y="4296615"/>
-          <a:ext cx="91440" cy="274016"/>
+          <a:off x="5685843" y="4524341"/>
+          <a:ext cx="91440" cy="323642"/>
         </a:xfrm>
         <a:custGeom>
           <a:avLst/>
@@ -17211,7 +17227,7 @@
                 <a:pt x="45720" y="0"/>
               </a:moveTo>
               <a:lnTo>
-                <a:pt x="45720" y="274016"/>
+                <a:pt x="45720" y="323642"/>
               </a:lnTo>
             </a:path>
           </a:pathLst>
@@ -17252,8 +17268,8 @@
       </dsp:nvSpPr>
       <dsp:spPr>
         <a:xfrm>
-          <a:off x="4238251" y="3548341"/>
-          <a:ext cx="614454" cy="274016"/>
+          <a:off x="5005827" y="3640548"/>
+          <a:ext cx="725736" cy="323642"/>
         </a:xfrm>
         <a:custGeom>
           <a:avLst/>
@@ -17267,13 +17283,13 @@
                 <a:pt x="0" y="0"/>
               </a:moveTo>
               <a:lnTo>
-                <a:pt x="0" y="163355"/>
+                <a:pt x="0" y="192940"/>
               </a:lnTo>
               <a:lnTo>
-                <a:pt x="614454" y="163355"/>
+                <a:pt x="725736" y="192940"/>
               </a:lnTo>
               <a:lnTo>
-                <a:pt x="614454" y="274016"/>
+                <a:pt x="725736" y="323642"/>
               </a:lnTo>
             </a:path>
           </a:pathLst>
@@ -17314,8 +17330,8 @@
       </dsp:nvSpPr>
       <dsp:spPr>
         <a:xfrm>
-          <a:off x="3623797" y="3548341"/>
-          <a:ext cx="614454" cy="274016"/>
+          <a:off x="4280091" y="3640548"/>
+          <a:ext cx="725736" cy="323642"/>
         </a:xfrm>
         <a:custGeom>
           <a:avLst/>
@@ -17326,16 +17342,16 @@
           <a:pathLst>
             <a:path>
               <a:moveTo>
-                <a:pt x="614454" y="0"/>
+                <a:pt x="725736" y="0"/>
               </a:moveTo>
               <a:lnTo>
-                <a:pt x="614454" y="163355"/>
+                <a:pt x="725736" y="192940"/>
               </a:lnTo>
               <a:lnTo>
-                <a:pt x="0" y="163355"/>
+                <a:pt x="0" y="192940"/>
               </a:lnTo>
               <a:lnTo>
-                <a:pt x="0" y="274016"/>
+                <a:pt x="0" y="323642"/>
               </a:lnTo>
             </a:path>
           </a:pathLst>
@@ -17376,8 +17392,8 @@
       </dsp:nvSpPr>
       <dsp:spPr>
         <a:xfrm>
-          <a:off x="4192531" y="2800066"/>
-          <a:ext cx="91440" cy="274016"/>
+          <a:off x="4960107" y="2756756"/>
+          <a:ext cx="91440" cy="323642"/>
         </a:xfrm>
         <a:custGeom>
           <a:avLst/>
@@ -17391,7 +17407,7 @@
                 <a:pt x="45720" y="0"/>
               </a:moveTo>
               <a:lnTo>
-                <a:pt x="45720" y="274016"/>
+                <a:pt x="45720" y="323642"/>
               </a:lnTo>
             </a:path>
           </a:pathLst>
@@ -17432,8 +17448,8 @@
       </dsp:nvSpPr>
       <dsp:spPr>
         <a:xfrm>
-          <a:off x="3623797" y="2051791"/>
-          <a:ext cx="614454" cy="274016"/>
+          <a:off x="4280091" y="1872963"/>
+          <a:ext cx="725736" cy="323642"/>
         </a:xfrm>
         <a:custGeom>
           <a:avLst/>
@@ -17447,13 +17463,13 @@
                 <a:pt x="0" y="0"/>
               </a:moveTo>
               <a:lnTo>
-                <a:pt x="0" y="163355"/>
+                <a:pt x="0" y="192940"/>
               </a:lnTo>
               <a:lnTo>
-                <a:pt x="614454" y="163355"/>
+                <a:pt x="725736" y="192940"/>
               </a:lnTo>
               <a:lnTo>
-                <a:pt x="614454" y="274016"/>
+                <a:pt x="725736" y="323642"/>
               </a:lnTo>
             </a:path>
           </a:pathLst>
@@ -17494,8 +17510,8 @@
       </dsp:nvSpPr>
       <dsp:spPr>
         <a:xfrm>
-          <a:off x="3009342" y="2051791"/>
-          <a:ext cx="614454" cy="274016"/>
+          <a:off x="3554354" y="1872963"/>
+          <a:ext cx="725736" cy="323642"/>
         </a:xfrm>
         <a:custGeom>
           <a:avLst/>
@@ -17506,16 +17522,16 @@
           <a:pathLst>
             <a:path>
               <a:moveTo>
-                <a:pt x="614454" y="0"/>
+                <a:pt x="725736" y="0"/>
               </a:moveTo>
               <a:lnTo>
-                <a:pt x="614454" y="163355"/>
+                <a:pt x="725736" y="192940"/>
               </a:lnTo>
               <a:lnTo>
-                <a:pt x="0" y="163355"/>
+                <a:pt x="0" y="192940"/>
               </a:lnTo>
               <a:lnTo>
-                <a:pt x="0" y="274016"/>
+                <a:pt x="0" y="323642"/>
               </a:lnTo>
             </a:path>
           </a:pathLst>
@@ -17556,8 +17572,8 @@
       </dsp:nvSpPr>
       <dsp:spPr>
         <a:xfrm>
-          <a:off x="3009342" y="1303516"/>
-          <a:ext cx="614454" cy="274016"/>
+          <a:off x="3554354" y="989171"/>
+          <a:ext cx="725736" cy="323642"/>
         </a:xfrm>
         <a:custGeom>
           <a:avLst/>
@@ -17571,13 +17587,13 @@
                 <a:pt x="0" y="0"/>
               </a:moveTo>
               <a:lnTo>
-                <a:pt x="0" y="163355"/>
+                <a:pt x="0" y="192940"/>
               </a:lnTo>
               <a:lnTo>
-                <a:pt x="614454" y="163355"/>
+                <a:pt x="725736" y="192940"/>
               </a:lnTo>
               <a:lnTo>
-                <a:pt x="614454" y="274016"/>
+                <a:pt x="725736" y="323642"/>
               </a:lnTo>
             </a:path>
           </a:pathLst>
@@ -17618,8 +17634,8 @@
       </dsp:nvSpPr>
       <dsp:spPr>
         <a:xfrm>
-          <a:off x="2394888" y="1303516"/>
-          <a:ext cx="614454" cy="274016"/>
+          <a:off x="2828618" y="989171"/>
+          <a:ext cx="725736" cy="323642"/>
         </a:xfrm>
         <a:custGeom>
           <a:avLst/>
@@ -17630,16 +17646,16 @@
           <a:pathLst>
             <a:path>
               <a:moveTo>
-                <a:pt x="614454" y="0"/>
+                <a:pt x="725736" y="0"/>
               </a:moveTo>
               <a:lnTo>
-                <a:pt x="614454" y="163355"/>
+                <a:pt x="725736" y="192940"/>
               </a:lnTo>
               <a:lnTo>
-                <a:pt x="0" y="163355"/>
+                <a:pt x="0" y="192940"/>
               </a:lnTo>
               <a:lnTo>
-                <a:pt x="0" y="274016"/>
+                <a:pt x="0" y="323642"/>
               </a:lnTo>
             </a:path>
           </a:pathLst>
@@ -17680,8 +17696,8 @@
       </dsp:nvSpPr>
       <dsp:spPr>
         <a:xfrm>
-          <a:off x="2551347" y="829257"/>
-          <a:ext cx="915989" cy="474258"/>
+          <a:off x="3013414" y="429021"/>
+          <a:ext cx="1081881" cy="560150"/>
         </a:xfrm>
         <a:prstGeom prst="rect">
           <a:avLst/>
@@ -17723,12 +17739,12 @@
         </a:fontRef>
       </dsp:style>
       <dsp:txBody>
-        <a:bodyPr spcFirstLastPara="0" vert="horz" wrap="square" lIns="5715" tIns="5715" rIns="5715" bIns="66923" numCol="1" spcCol="1270" anchor="ctr" anchorCtr="0">
+        <a:bodyPr spcFirstLastPara="0" vert="horz" wrap="square" lIns="6350" tIns="6350" rIns="6350" bIns="79043" numCol="1" spcCol="1270" anchor="ctr" anchorCtr="0">
           <a:noAutofit/>
         </a:bodyPr>
         <a:lstStyle/>
         <a:p>
-          <a:pPr lvl="0" algn="ctr" defTabSz="400050">
+          <a:pPr lvl="0" algn="ctr" defTabSz="444500">
             <a:lnSpc>
               <a:spcPct val="90000"/>
             </a:lnSpc>
@@ -17740,15 +17756,15 @@
             </a:spcAft>
           </a:pPr>
           <a:r>
-            <a:rPr lang="en-US" altLang="zh-CN" sz="900" kern="1200" dirty="0" err="1" smtClean="0"/>
+            <a:rPr lang="en-US" altLang="zh-CN" sz="1000" kern="1200" dirty="0" err="1" smtClean="0"/>
             <a:t>CSrcHashMap</a:t>
           </a:r>
-          <a:endParaRPr lang="zh-CN" altLang="en-US" sz="900" kern="1200" dirty="0"/>
+          <a:endParaRPr lang="zh-CN" altLang="en-US" sz="1000" kern="1200" dirty="0"/>
         </a:p>
       </dsp:txBody>
       <dsp:txXfrm>
-        <a:off x="2551347" y="829257"/>
-        <a:ext cx="915989" cy="474258"/>
+        <a:off x="3013414" y="429021"/>
+        <a:ext cx="1081881" cy="560150"/>
       </dsp:txXfrm>
     </dsp:sp>
     <dsp:sp modelId="{9226003C-DEC8-4030-B965-31A76FE09775}">
@@ -17758,8 +17774,8 @@
       </dsp:nvSpPr>
       <dsp:spPr>
         <a:xfrm>
-          <a:off x="2734545" y="1198125"/>
-          <a:ext cx="824390" cy="158086"/>
+          <a:off x="3229790" y="864693"/>
+          <a:ext cx="973693" cy="186716"/>
         </a:xfrm>
         <a:prstGeom prst="rect">
           <a:avLst/>
@@ -17800,12 +17816,12 @@
         <a:fontRef idx="minor"/>
       </dsp:style>
       <dsp:txBody>
-        <a:bodyPr spcFirstLastPara="0" vert="horz" wrap="square" lIns="22860" tIns="5715" rIns="22860" bIns="5715" numCol="1" spcCol="1270" anchor="ctr" anchorCtr="0">
+        <a:bodyPr spcFirstLastPara="0" vert="horz" wrap="square" lIns="25400" tIns="6350" rIns="25400" bIns="6350" numCol="1" spcCol="1270" anchor="ctr" anchorCtr="0">
           <a:noAutofit/>
         </a:bodyPr>
         <a:lstStyle/>
         <a:p>
-          <a:pPr lvl="0" algn="r" defTabSz="400050">
+          <a:pPr lvl="0" algn="r" defTabSz="444500">
             <a:lnSpc>
               <a:spcPct val="90000"/>
             </a:lnSpc>
@@ -17817,15 +17833,15 @@
             </a:spcAft>
           </a:pPr>
           <a:r>
-            <a:rPr lang="en-US" altLang="zh-CN" sz="900" kern="1200" smtClean="0"/>
+            <a:rPr lang="en-US" altLang="zh-CN" sz="1000" kern="1200" dirty="0" err="1" smtClean="0"/>
             <a:t>m_mapNote</a:t>
           </a:r>
-          <a:endParaRPr lang="zh-CN" altLang="en-US" sz="900" kern="1200" dirty="0"/>
+          <a:endParaRPr lang="zh-CN" altLang="en-US" sz="1000" kern="1200" dirty="0"/>
         </a:p>
       </dsp:txBody>
       <dsp:txXfrm>
-        <a:off x="2734545" y="1198125"/>
-        <a:ext cx="824390" cy="158086"/>
+        <a:off x="3229790" y="864693"/>
+        <a:ext cx="973693" cy="186716"/>
       </dsp:txXfrm>
     </dsp:sp>
     <dsp:sp modelId="{2875948E-291D-4655-9A40-01DD961864D7}">
@@ -17835,8 +17851,8 @@
       </dsp:nvSpPr>
       <dsp:spPr>
         <a:xfrm>
-          <a:off x="1936893" y="1577532"/>
-          <a:ext cx="915989" cy="474258"/>
+          <a:off x="2287677" y="1312813"/>
+          <a:ext cx="1081881" cy="560150"/>
         </a:xfrm>
         <a:prstGeom prst="rect">
           <a:avLst/>
@@ -17878,12 +17894,12 @@
         </a:fontRef>
       </dsp:style>
       <dsp:txBody>
-        <a:bodyPr spcFirstLastPara="0" vert="horz" wrap="square" lIns="5715" tIns="5715" rIns="5715" bIns="66923" numCol="1" spcCol="1270" anchor="ctr" anchorCtr="0">
+        <a:bodyPr spcFirstLastPara="0" vert="horz" wrap="square" lIns="6350" tIns="6350" rIns="6350" bIns="79043" numCol="1" spcCol="1270" anchor="ctr" anchorCtr="0">
           <a:noAutofit/>
         </a:bodyPr>
         <a:lstStyle/>
         <a:p>
-          <a:pPr lvl="0" algn="ctr" defTabSz="400050">
+          <a:pPr lvl="0" algn="ctr" defTabSz="444500">
             <a:lnSpc>
               <a:spcPct val="90000"/>
             </a:lnSpc>
@@ -17895,15 +17911,15 @@
             </a:spcAft>
           </a:pPr>
           <a:r>
-            <a:rPr lang="en-US" altLang="zh-CN" sz="900" kern="1200" dirty="0" err="1" smtClean="0"/>
+            <a:rPr lang="en-US" altLang="zh-CN" sz="1000" kern="1200" dirty="0" err="1" smtClean="0"/>
             <a:t>CCKey</a:t>
           </a:r>
-          <a:endParaRPr lang="zh-CN" altLang="en-US" sz="900" kern="1200" dirty="0"/>
+          <a:endParaRPr lang="zh-CN" altLang="en-US" sz="1000" kern="1200" dirty="0"/>
         </a:p>
       </dsp:txBody>
       <dsp:txXfrm>
-        <a:off x="1936893" y="1577532"/>
-        <a:ext cx="915989" cy="474258"/>
+        <a:off x="2287677" y="1312813"/>
+        <a:ext cx="1081881" cy="560150"/>
       </dsp:txXfrm>
     </dsp:sp>
     <dsp:sp modelId="{27B90BA2-B19F-4A36-867A-F1E7855C18E8}">
@@ -17913,8 +17929,8 @@
       </dsp:nvSpPr>
       <dsp:spPr>
         <a:xfrm>
-          <a:off x="2120091" y="1946400"/>
-          <a:ext cx="824390" cy="158086"/>
+          <a:off x="2504054" y="1748485"/>
+          <a:ext cx="973693" cy="186716"/>
         </a:xfrm>
         <a:prstGeom prst="rect">
           <a:avLst/>
@@ -17955,12 +17971,12 @@
         <a:fontRef idx="minor"/>
       </dsp:style>
       <dsp:txBody>
-        <a:bodyPr spcFirstLastPara="0" vert="horz" wrap="square" lIns="22860" tIns="5715" rIns="22860" bIns="5715" numCol="1" spcCol="1270" anchor="ctr" anchorCtr="0">
+        <a:bodyPr spcFirstLastPara="0" vert="horz" wrap="square" lIns="25400" tIns="6350" rIns="25400" bIns="6350" numCol="1" spcCol="1270" anchor="ctr" anchorCtr="0">
           <a:noAutofit/>
         </a:bodyPr>
         <a:lstStyle/>
         <a:p>
-          <a:pPr lvl="0" algn="r" defTabSz="400050">
+          <a:pPr lvl="0" algn="r" defTabSz="444500">
             <a:lnSpc>
               <a:spcPct val="90000"/>
             </a:lnSpc>
@@ -17972,15 +17988,15 @@
             </a:spcAft>
           </a:pPr>
           <a:r>
-            <a:rPr lang="en-US" altLang="zh-CN" sz="900" kern="1200" dirty="0" err="1" smtClean="0"/>
+            <a:rPr lang="en-US" altLang="zh-CN" sz="1000" kern="1200" dirty="0" err="1" smtClean="0"/>
             <a:t>uKeyID</a:t>
           </a:r>
-          <a:endParaRPr lang="zh-CN" altLang="en-US" sz="900" kern="1200" dirty="0"/>
+          <a:endParaRPr lang="zh-CN" altLang="en-US" sz="1000" kern="1200" dirty="0"/>
         </a:p>
       </dsp:txBody>
       <dsp:txXfrm>
-        <a:off x="2120091" y="1946400"/>
-        <a:ext cx="824390" cy="158086"/>
+        <a:off x="2504054" y="1748485"/>
+        <a:ext cx="973693" cy="186716"/>
       </dsp:txXfrm>
     </dsp:sp>
     <dsp:sp modelId="{5AE64D64-D8C9-4680-89BC-629381485A87}">
@@ -17990,8 +18006,8 @@
       </dsp:nvSpPr>
       <dsp:spPr>
         <a:xfrm>
-          <a:off x="3165802" y="1577532"/>
-          <a:ext cx="915989" cy="474258"/>
+          <a:off x="3739150" y="1312813"/>
+          <a:ext cx="1081881" cy="560150"/>
         </a:xfrm>
         <a:prstGeom prst="rect">
           <a:avLst/>
@@ -18033,12 +18049,12 @@
         </a:fontRef>
       </dsp:style>
       <dsp:txBody>
-        <a:bodyPr spcFirstLastPara="0" vert="horz" wrap="square" lIns="5715" tIns="5715" rIns="5715" bIns="66923" numCol="1" spcCol="1270" anchor="ctr" anchorCtr="0">
+        <a:bodyPr spcFirstLastPara="0" vert="horz" wrap="square" lIns="6350" tIns="6350" rIns="6350" bIns="79043" numCol="1" spcCol="1270" anchor="ctr" anchorCtr="0">
           <a:noAutofit/>
         </a:bodyPr>
         <a:lstStyle/>
         <a:p>
-          <a:pPr lvl="0" algn="ctr" defTabSz="400050">
+          <a:pPr lvl="0" algn="ctr" defTabSz="444500">
             <a:lnSpc>
               <a:spcPct val="90000"/>
             </a:lnSpc>
@@ -18050,15 +18066,15 @@
             </a:spcAft>
           </a:pPr>
           <a:r>
-            <a:rPr lang="en-US" altLang="zh-CN" sz="900" kern="1200" dirty="0" err="1" smtClean="0"/>
+            <a:rPr lang="en-US" altLang="zh-CN" sz="1000" kern="1200" dirty="0" err="1" smtClean="0"/>
             <a:t>SrcHash</a:t>
           </a:r>
-          <a:endParaRPr lang="zh-CN" altLang="en-US" sz="900" kern="1200" dirty="0"/>
+          <a:endParaRPr lang="zh-CN" altLang="en-US" sz="1000" kern="1200" dirty="0"/>
         </a:p>
       </dsp:txBody>
       <dsp:txXfrm>
-        <a:off x="3165802" y="1577532"/>
-        <a:ext cx="915989" cy="474258"/>
+        <a:off x="3739150" y="1312813"/>
+        <a:ext cx="1081881" cy="560150"/>
       </dsp:txXfrm>
     </dsp:sp>
     <dsp:sp modelId="{3518303C-ED68-41C8-B9F7-05B65142A32E}">
@@ -18068,8 +18084,8 @@
       </dsp:nvSpPr>
       <dsp:spPr>
         <a:xfrm>
-          <a:off x="3349000" y="1946400"/>
-          <a:ext cx="824390" cy="158086"/>
+          <a:off x="3955526" y="1748485"/>
+          <a:ext cx="973693" cy="186716"/>
         </a:xfrm>
         <a:prstGeom prst="rect">
           <a:avLst/>
@@ -18110,12 +18126,12 @@
         <a:fontRef idx="minor"/>
       </dsp:style>
       <dsp:txBody>
-        <a:bodyPr spcFirstLastPara="0" vert="horz" wrap="square" lIns="22860" tIns="5715" rIns="22860" bIns="5715" numCol="1" spcCol="1270" anchor="ctr" anchorCtr="0">
+        <a:bodyPr spcFirstLastPara="0" vert="horz" wrap="square" lIns="25400" tIns="6350" rIns="25400" bIns="6350" numCol="1" spcCol="1270" anchor="ctr" anchorCtr="0">
           <a:noAutofit/>
         </a:bodyPr>
         <a:lstStyle/>
         <a:p>
-          <a:pPr lvl="0" algn="r" defTabSz="400050">
+          <a:pPr lvl="0" algn="r" defTabSz="444500">
             <a:lnSpc>
               <a:spcPct val="90000"/>
             </a:lnSpc>
@@ -18126,12 +18142,12 @@
               <a:spcPct val="35000"/>
             </a:spcAft>
           </a:pPr>
-          <a:endParaRPr lang="zh-CN" altLang="en-US" sz="900" kern="1200"/>
+          <a:endParaRPr lang="zh-CN" altLang="en-US" sz="1000" kern="1200"/>
         </a:p>
       </dsp:txBody>
       <dsp:txXfrm>
-        <a:off x="3349000" y="1946400"/>
-        <a:ext cx="824390" cy="158086"/>
+        <a:off x="3955526" y="1748485"/>
+        <a:ext cx="973693" cy="186716"/>
       </dsp:txXfrm>
     </dsp:sp>
     <dsp:sp modelId="{A94D0759-1843-47BA-952A-DB309C1547CB}">
@@ -18141,8 +18157,8 @@
       </dsp:nvSpPr>
       <dsp:spPr>
         <a:xfrm>
-          <a:off x="2551347" y="2325807"/>
-          <a:ext cx="915989" cy="474258"/>
+          <a:off x="3013414" y="2196606"/>
+          <a:ext cx="1081881" cy="560150"/>
         </a:xfrm>
         <a:prstGeom prst="rect">
           <a:avLst/>
@@ -18184,12 +18200,12 @@
         </a:fontRef>
       </dsp:style>
       <dsp:txBody>
-        <a:bodyPr spcFirstLastPara="0" vert="horz" wrap="square" lIns="5715" tIns="5715" rIns="5715" bIns="66923" numCol="1" spcCol="1270" anchor="ctr" anchorCtr="0">
+        <a:bodyPr spcFirstLastPara="0" vert="horz" wrap="square" lIns="6350" tIns="6350" rIns="6350" bIns="79043" numCol="1" spcCol="1270" anchor="ctr" anchorCtr="0">
           <a:noAutofit/>
         </a:bodyPr>
         <a:lstStyle/>
         <a:p>
-          <a:pPr lvl="0" algn="ctr" defTabSz="400050">
+          <a:pPr lvl="0" algn="ctr" defTabSz="444500">
             <a:lnSpc>
               <a:spcPct val="90000"/>
             </a:lnSpc>
@@ -18201,15 +18217,15 @@
             </a:spcAft>
           </a:pPr>
           <a:r>
-            <a:rPr lang="en-US" altLang="zh-CN" sz="900" kern="1200" dirty="0" smtClean="0"/>
+            <a:rPr lang="en-US" altLang="zh-CN" sz="1000" kern="1200" dirty="0" smtClean="0"/>
             <a:t>CUInt128</a:t>
           </a:r>
-          <a:endParaRPr lang="zh-CN" altLang="en-US" sz="900" kern="1200" dirty="0"/>
+          <a:endParaRPr lang="zh-CN" altLang="en-US" sz="1000" kern="1200" dirty="0"/>
         </a:p>
       </dsp:txBody>
       <dsp:txXfrm>
-        <a:off x="2551347" y="2325807"/>
-        <a:ext cx="915989" cy="474258"/>
+        <a:off x="3013414" y="2196606"/>
+        <a:ext cx="1081881" cy="560150"/>
       </dsp:txXfrm>
     </dsp:sp>
     <dsp:sp modelId="{1C89C8D1-8B8E-4239-BCFF-04AA4DF5D267}">
@@ -18219,8 +18235,8 @@
       </dsp:nvSpPr>
       <dsp:spPr>
         <a:xfrm>
-          <a:off x="2734545" y="2694675"/>
-          <a:ext cx="824390" cy="158086"/>
+          <a:off x="3229790" y="2632278"/>
+          <a:ext cx="973693" cy="186716"/>
         </a:xfrm>
         <a:prstGeom prst="rect">
           <a:avLst/>
@@ -18261,12 +18277,12 @@
         <a:fontRef idx="minor"/>
       </dsp:style>
       <dsp:txBody>
-        <a:bodyPr spcFirstLastPara="0" vert="horz" wrap="square" lIns="22860" tIns="5715" rIns="22860" bIns="5715" numCol="1" spcCol="1270" anchor="ctr" anchorCtr="0">
+        <a:bodyPr spcFirstLastPara="0" vert="horz" wrap="square" lIns="25400" tIns="6350" rIns="25400" bIns="6350" numCol="1" spcCol="1270" anchor="ctr" anchorCtr="0">
           <a:noAutofit/>
         </a:bodyPr>
         <a:lstStyle/>
         <a:p>
-          <a:pPr lvl="0" algn="r" defTabSz="400050">
+          <a:pPr lvl="0" algn="r" defTabSz="444500">
             <a:lnSpc>
               <a:spcPct val="90000"/>
             </a:lnSpc>
@@ -18278,15 +18294,15 @@
             </a:spcAft>
           </a:pPr>
           <a:r>
-            <a:rPr lang="en-US" altLang="zh-CN" sz="900" kern="1200" dirty="0" err="1" smtClean="0"/>
+            <a:rPr lang="en-US" altLang="zh-CN" sz="1000" kern="1200" dirty="0" err="1" smtClean="0"/>
             <a:t>uKeyID</a:t>
           </a:r>
-          <a:endParaRPr lang="zh-CN" altLang="en-US" sz="900" kern="1200" dirty="0"/>
+          <a:endParaRPr lang="zh-CN" altLang="en-US" sz="1000" kern="1200" dirty="0"/>
         </a:p>
       </dsp:txBody>
       <dsp:txXfrm>
-        <a:off x="2734545" y="2694675"/>
-        <a:ext cx="824390" cy="158086"/>
+        <a:off x="3229790" y="2632278"/>
+        <a:ext cx="973693" cy="186716"/>
       </dsp:txXfrm>
     </dsp:sp>
     <dsp:sp modelId="{AAFD393B-D5C6-4FC1-85BB-67D689A5CB66}">
@@ -18296,8 +18312,8 @@
       </dsp:nvSpPr>
       <dsp:spPr>
         <a:xfrm>
-          <a:off x="3780256" y="2325807"/>
-          <a:ext cx="915989" cy="474258"/>
+          <a:off x="4464886" y="2196606"/>
+          <a:ext cx="1081881" cy="560150"/>
         </a:xfrm>
         <a:prstGeom prst="rect">
           <a:avLst/>
@@ -18339,12 +18355,12 @@
         </a:fontRef>
       </dsp:style>
       <dsp:txBody>
-        <a:bodyPr spcFirstLastPara="0" vert="horz" wrap="square" lIns="5715" tIns="5715" rIns="5715" bIns="66923" numCol="1" spcCol="1270" anchor="ctr" anchorCtr="0">
+        <a:bodyPr spcFirstLastPara="0" vert="horz" wrap="square" lIns="6350" tIns="6350" rIns="6350" bIns="79043" numCol="1" spcCol="1270" anchor="ctr" anchorCtr="0">
           <a:noAutofit/>
         </a:bodyPr>
         <a:lstStyle/>
         <a:p>
-          <a:pPr lvl="0" algn="ctr" defTabSz="400050">
+          <a:pPr lvl="0" algn="ctr" defTabSz="444500">
             <a:lnSpc>
               <a:spcPct val="90000"/>
             </a:lnSpc>
@@ -18356,15 +18372,15 @@
             </a:spcAft>
           </a:pPr>
           <a:r>
-            <a:rPr lang="en-US" altLang="zh-CN" sz="900" kern="1200" dirty="0" err="1" smtClean="0"/>
+            <a:rPr lang="en-US" altLang="zh-CN" sz="1000" kern="1200" dirty="0" err="1" smtClean="0"/>
             <a:t>CKadSourcePtrList</a:t>
           </a:r>
-          <a:endParaRPr lang="zh-CN" altLang="en-US" sz="900" kern="1200" dirty="0"/>
+          <a:endParaRPr lang="zh-CN" altLang="en-US" sz="1000" kern="1200" dirty="0"/>
         </a:p>
       </dsp:txBody>
       <dsp:txXfrm>
-        <a:off x="3780256" y="2325807"/>
-        <a:ext cx="915989" cy="474258"/>
+        <a:off x="4464886" y="2196606"/>
+        <a:ext cx="1081881" cy="560150"/>
       </dsp:txXfrm>
     </dsp:sp>
     <dsp:sp modelId="{95E6DB3B-AD48-4715-9855-4898B682D86D}">
@@ -18374,8 +18390,8 @@
       </dsp:nvSpPr>
       <dsp:spPr>
         <a:xfrm>
-          <a:off x="3963454" y="2694675"/>
-          <a:ext cx="824390" cy="158086"/>
+          <a:off x="4681263" y="2632278"/>
+          <a:ext cx="973693" cy="186716"/>
         </a:xfrm>
         <a:prstGeom prst="rect">
           <a:avLst/>
@@ -18416,12 +18432,12 @@
         <a:fontRef idx="minor"/>
       </dsp:style>
       <dsp:txBody>
-        <a:bodyPr spcFirstLastPara="0" vert="horz" wrap="square" lIns="22860" tIns="5715" rIns="22860" bIns="5715" numCol="1" spcCol="1270" anchor="ctr" anchorCtr="0">
+        <a:bodyPr spcFirstLastPara="0" vert="horz" wrap="square" lIns="25400" tIns="6350" rIns="25400" bIns="6350" numCol="1" spcCol="1270" anchor="ctr" anchorCtr="0">
           <a:noAutofit/>
         </a:bodyPr>
         <a:lstStyle/>
         <a:p>
-          <a:pPr lvl="0" algn="r" defTabSz="400050">
+          <a:pPr lvl="0" algn="r" defTabSz="444500">
             <a:lnSpc>
               <a:spcPct val="90000"/>
             </a:lnSpc>
@@ -18433,15 +18449,15 @@
             </a:spcAft>
           </a:pPr>
           <a:r>
-            <a:rPr lang="en-US" altLang="zh-CN" sz="900" kern="1200" dirty="0" err="1" smtClean="0"/>
+            <a:rPr lang="en-US" altLang="zh-CN" sz="1000" kern="1200" dirty="0" err="1" smtClean="0"/>
             <a:t>mapSource</a:t>
           </a:r>
-          <a:endParaRPr lang="zh-CN" altLang="en-US" sz="900" kern="1200" dirty="0"/>
+          <a:endParaRPr lang="zh-CN" altLang="en-US" sz="1000" kern="1200" dirty="0"/>
         </a:p>
       </dsp:txBody>
       <dsp:txXfrm>
-        <a:off x="3963454" y="2694675"/>
-        <a:ext cx="824390" cy="158086"/>
+        <a:off x="4681263" y="2632278"/>
+        <a:ext cx="973693" cy="186716"/>
       </dsp:txXfrm>
     </dsp:sp>
     <dsp:sp modelId="{328B3935-1432-4F3B-A933-E7FB2D406FF3}">
@@ -18451,8 +18467,8 @@
       </dsp:nvSpPr>
       <dsp:spPr>
         <a:xfrm>
-          <a:off x="3780256" y="3074082"/>
-          <a:ext cx="915989" cy="474258"/>
+          <a:off x="4464886" y="3080398"/>
+          <a:ext cx="1081881" cy="560150"/>
         </a:xfrm>
         <a:prstGeom prst="rect">
           <a:avLst/>
@@ -18494,12 +18510,12 @@
         </a:fontRef>
       </dsp:style>
       <dsp:txBody>
-        <a:bodyPr spcFirstLastPara="0" vert="horz" wrap="square" lIns="5715" tIns="5715" rIns="5715" bIns="66923" numCol="1" spcCol="1270" anchor="ctr" anchorCtr="0">
+        <a:bodyPr spcFirstLastPara="0" vert="horz" wrap="square" lIns="6350" tIns="6350" rIns="6350" bIns="79043" numCol="1" spcCol="1270" anchor="ctr" anchorCtr="0">
           <a:noAutofit/>
         </a:bodyPr>
         <a:lstStyle/>
         <a:p>
-          <a:pPr lvl="0" algn="ctr" defTabSz="400050">
+          <a:pPr lvl="0" algn="ctr" defTabSz="444500">
             <a:lnSpc>
               <a:spcPct val="90000"/>
             </a:lnSpc>
@@ -18511,15 +18527,15 @@
             </a:spcAft>
           </a:pPr>
           <a:r>
-            <a:rPr lang="en-US" altLang="zh-CN" sz="900" kern="1200" dirty="0" smtClean="0"/>
+            <a:rPr lang="en-US" altLang="zh-CN" sz="1000" kern="1200" dirty="0" smtClean="0"/>
             <a:t>Source</a:t>
           </a:r>
-          <a:endParaRPr lang="zh-CN" altLang="en-US" sz="900" kern="1200" dirty="0"/>
+          <a:endParaRPr lang="zh-CN" altLang="en-US" sz="1000" kern="1200" dirty="0"/>
         </a:p>
       </dsp:txBody>
       <dsp:txXfrm>
-        <a:off x="3780256" y="3074082"/>
-        <a:ext cx="915989" cy="474258"/>
+        <a:off x="4464886" y="3080398"/>
+        <a:ext cx="1081881" cy="560150"/>
       </dsp:txXfrm>
     </dsp:sp>
     <dsp:sp modelId="{687579E5-F4F4-4EF1-A1AC-287D3B03AD65}">
@@ -18529,8 +18545,8 @@
       </dsp:nvSpPr>
       <dsp:spPr>
         <a:xfrm>
-          <a:off x="3963454" y="3442950"/>
-          <a:ext cx="824390" cy="158086"/>
+          <a:off x="4681263" y="3516070"/>
+          <a:ext cx="973693" cy="186716"/>
         </a:xfrm>
         <a:prstGeom prst="rect">
           <a:avLst/>
@@ -18571,12 +18587,12 @@
         <a:fontRef idx="minor"/>
       </dsp:style>
       <dsp:txBody>
-        <a:bodyPr spcFirstLastPara="0" vert="horz" wrap="square" lIns="22860" tIns="5715" rIns="22860" bIns="5715" numCol="1" spcCol="1270" anchor="ctr" anchorCtr="0">
+        <a:bodyPr spcFirstLastPara="0" vert="horz" wrap="square" lIns="25400" tIns="6350" rIns="25400" bIns="6350" numCol="1" spcCol="1270" anchor="ctr" anchorCtr="0">
           <a:noAutofit/>
         </a:bodyPr>
         <a:lstStyle/>
         <a:p>
-          <a:pPr lvl="0" algn="r" defTabSz="400050">
+          <a:pPr lvl="0" algn="r" defTabSz="444500">
             <a:lnSpc>
               <a:spcPct val="90000"/>
             </a:lnSpc>
@@ -18587,12 +18603,12 @@
               <a:spcPct val="35000"/>
             </a:spcAft>
           </a:pPr>
-          <a:endParaRPr lang="zh-CN" altLang="en-US" sz="900" kern="1200"/>
+          <a:endParaRPr lang="zh-CN" altLang="en-US" sz="1000" kern="1200"/>
         </a:p>
       </dsp:txBody>
       <dsp:txXfrm>
-        <a:off x="3963454" y="3442950"/>
-        <a:ext cx="824390" cy="158086"/>
+        <a:off x="4681263" y="3516070"/>
+        <a:ext cx="973693" cy="186716"/>
       </dsp:txXfrm>
     </dsp:sp>
     <dsp:sp modelId="{07B41DA2-F050-42A9-BE37-EBD07D6F544E}">
@@ -18602,8 +18618,8 @@
       </dsp:nvSpPr>
       <dsp:spPr>
         <a:xfrm>
-          <a:off x="3165802" y="3822357"/>
-          <a:ext cx="915989" cy="474258"/>
+          <a:off x="3739150" y="3964190"/>
+          <a:ext cx="1081881" cy="560150"/>
         </a:xfrm>
         <a:prstGeom prst="rect">
           <a:avLst/>
@@ -18645,12 +18661,12 @@
         </a:fontRef>
       </dsp:style>
       <dsp:txBody>
-        <a:bodyPr spcFirstLastPara="0" vert="horz" wrap="square" lIns="5715" tIns="5715" rIns="5715" bIns="66923" numCol="1" spcCol="1270" anchor="ctr" anchorCtr="0">
+        <a:bodyPr spcFirstLastPara="0" vert="horz" wrap="square" lIns="6350" tIns="6350" rIns="6350" bIns="79043" numCol="1" spcCol="1270" anchor="ctr" anchorCtr="0">
           <a:noAutofit/>
         </a:bodyPr>
         <a:lstStyle/>
         <a:p>
-          <a:pPr lvl="0" algn="ctr" defTabSz="400050">
+          <a:pPr lvl="0" algn="ctr" defTabSz="444500">
             <a:lnSpc>
               <a:spcPct val="90000"/>
             </a:lnSpc>
@@ -18662,15 +18678,15 @@
             </a:spcAft>
           </a:pPr>
           <a:r>
-            <a:rPr lang="en-US" altLang="zh-CN" sz="900" kern="1200" dirty="0" smtClean="0"/>
+            <a:rPr lang="en-US" altLang="zh-CN" sz="1000" kern="1200" dirty="0" smtClean="0"/>
             <a:t>CUInt128</a:t>
           </a:r>
-          <a:endParaRPr lang="zh-CN" altLang="en-US" sz="900" kern="1200" dirty="0"/>
+          <a:endParaRPr lang="zh-CN" altLang="en-US" sz="1000" kern="1200" dirty="0"/>
         </a:p>
       </dsp:txBody>
       <dsp:txXfrm>
-        <a:off x="3165802" y="3822357"/>
-        <a:ext cx="915989" cy="474258"/>
+        <a:off x="3739150" y="3964190"/>
+        <a:ext cx="1081881" cy="560150"/>
       </dsp:txXfrm>
     </dsp:sp>
     <dsp:sp modelId="{027F8FCE-D917-4857-957E-F5F0B0853751}">
@@ -18680,8 +18696,8 @@
       </dsp:nvSpPr>
       <dsp:spPr>
         <a:xfrm>
-          <a:off x="3349000" y="4191225"/>
-          <a:ext cx="824390" cy="158086"/>
+          <a:off x="3955526" y="4399863"/>
+          <a:ext cx="973693" cy="186716"/>
         </a:xfrm>
         <a:prstGeom prst="rect">
           <a:avLst/>
@@ -18722,12 +18738,12 @@
         <a:fontRef idx="minor"/>
       </dsp:style>
       <dsp:txBody>
-        <a:bodyPr spcFirstLastPara="0" vert="horz" wrap="square" lIns="22860" tIns="5715" rIns="22860" bIns="5715" numCol="1" spcCol="1270" anchor="ctr" anchorCtr="0">
+        <a:bodyPr spcFirstLastPara="0" vert="horz" wrap="square" lIns="25400" tIns="6350" rIns="25400" bIns="6350" numCol="1" spcCol="1270" anchor="ctr" anchorCtr="0">
           <a:noAutofit/>
         </a:bodyPr>
         <a:lstStyle/>
         <a:p>
-          <a:pPr lvl="0" algn="r" defTabSz="400050">
+          <a:pPr lvl="0" algn="r" defTabSz="444500">
             <a:lnSpc>
               <a:spcPct val="90000"/>
             </a:lnSpc>
@@ -18739,15 +18755,15 @@
             </a:spcAft>
           </a:pPr>
           <a:r>
-            <a:rPr lang="en-US" altLang="zh-CN" sz="900" kern="1200" dirty="0" err="1" smtClean="0"/>
+            <a:rPr lang="en-US" altLang="zh-CN" sz="1000" kern="1200" dirty="0" err="1" smtClean="0"/>
             <a:t>uSourceID</a:t>
           </a:r>
-          <a:endParaRPr lang="zh-CN" altLang="en-US" sz="900" kern="1200" dirty="0"/>
+          <a:endParaRPr lang="zh-CN" altLang="en-US" sz="1000" kern="1200" dirty="0"/>
         </a:p>
       </dsp:txBody>
       <dsp:txXfrm>
-        <a:off x="3349000" y="4191225"/>
-        <a:ext cx="824390" cy="158086"/>
+        <a:off x="3955526" y="4399863"/>
+        <a:ext cx="973693" cy="186716"/>
       </dsp:txXfrm>
     </dsp:sp>
     <dsp:sp modelId="{92001C25-B329-4FD2-B382-8854FA5A0124}">
@@ -18757,8 +18773,8 @@
       </dsp:nvSpPr>
       <dsp:spPr>
         <a:xfrm>
-          <a:off x="4394711" y="3822357"/>
-          <a:ext cx="915989" cy="474258"/>
+          <a:off x="5190623" y="3964190"/>
+          <a:ext cx="1081881" cy="560150"/>
         </a:xfrm>
         <a:prstGeom prst="rect">
           <a:avLst/>
@@ -18800,12 +18816,12 @@
         </a:fontRef>
       </dsp:style>
       <dsp:txBody>
-        <a:bodyPr spcFirstLastPara="0" vert="horz" wrap="square" lIns="5715" tIns="5715" rIns="5715" bIns="66923" numCol="1" spcCol="1270" anchor="ctr" anchorCtr="0">
+        <a:bodyPr spcFirstLastPara="0" vert="horz" wrap="square" lIns="6350" tIns="6350" rIns="6350" bIns="79043" numCol="1" spcCol="1270" anchor="ctr" anchorCtr="0">
           <a:noAutofit/>
         </a:bodyPr>
         <a:lstStyle/>
         <a:p>
-          <a:pPr lvl="0" algn="ctr" defTabSz="400050">
+          <a:pPr lvl="0" algn="ctr" defTabSz="444500">
             <a:lnSpc>
               <a:spcPct val="90000"/>
             </a:lnSpc>
@@ -18817,15 +18833,15 @@
             </a:spcAft>
           </a:pPr>
           <a:r>
-            <a:rPr lang="en-US" altLang="zh-CN" sz="900" kern="1200" dirty="0" err="1" smtClean="0"/>
+            <a:rPr lang="en-US" altLang="zh-CN" sz="1000" kern="1200" dirty="0" err="1" smtClean="0"/>
             <a:t>CKadEntryPtrList</a:t>
           </a:r>
-          <a:endParaRPr lang="zh-CN" altLang="en-US" sz="900" kern="1200" dirty="0"/>
+          <a:endParaRPr lang="zh-CN" altLang="en-US" sz="1000" kern="1200" dirty="0"/>
         </a:p>
       </dsp:txBody>
       <dsp:txXfrm>
-        <a:off x="4394711" y="3822357"/>
-        <a:ext cx="915989" cy="474258"/>
+        <a:off x="5190623" y="3964190"/>
+        <a:ext cx="1081881" cy="560150"/>
       </dsp:txXfrm>
     </dsp:sp>
     <dsp:sp modelId="{126715BD-2D7F-433C-A680-62D83EF674C2}">
@@ -18835,8 +18851,8 @@
       </dsp:nvSpPr>
       <dsp:spPr>
         <a:xfrm>
-          <a:off x="4577909" y="4191225"/>
-          <a:ext cx="824390" cy="158086"/>
+          <a:off x="5406999" y="4399863"/>
+          <a:ext cx="973693" cy="186716"/>
         </a:xfrm>
         <a:prstGeom prst="rect">
           <a:avLst/>
@@ -18877,12 +18893,12 @@
         <a:fontRef idx="minor"/>
       </dsp:style>
       <dsp:txBody>
-        <a:bodyPr spcFirstLastPara="0" vert="horz" wrap="square" lIns="22860" tIns="5715" rIns="22860" bIns="5715" numCol="1" spcCol="1270" anchor="ctr" anchorCtr="0">
+        <a:bodyPr spcFirstLastPara="0" vert="horz" wrap="square" lIns="25400" tIns="6350" rIns="25400" bIns="6350" numCol="1" spcCol="1270" anchor="ctr" anchorCtr="0">
           <a:noAutofit/>
         </a:bodyPr>
         <a:lstStyle/>
         <a:p>
-          <a:pPr lvl="0" algn="r" defTabSz="400050">
+          <a:pPr lvl="0" algn="r" defTabSz="444500">
             <a:lnSpc>
               <a:spcPct val="90000"/>
             </a:lnSpc>
@@ -18894,15 +18910,15 @@
             </a:spcAft>
           </a:pPr>
           <a:r>
-            <a:rPr lang="en-US" altLang="zh-CN" sz="900" kern="1200" dirty="0" err="1" smtClean="0"/>
+            <a:rPr lang="en-US" altLang="zh-CN" sz="1000" kern="1200" dirty="0" err="1" smtClean="0"/>
             <a:t>ptrlEntryList</a:t>
           </a:r>
-          <a:endParaRPr lang="zh-CN" altLang="en-US" sz="900" kern="1200" dirty="0"/>
+          <a:endParaRPr lang="zh-CN" altLang="en-US" sz="1000" kern="1200" dirty="0"/>
         </a:p>
       </dsp:txBody>
       <dsp:txXfrm>
-        <a:off x="4577909" y="4191225"/>
-        <a:ext cx="824390" cy="158086"/>
+        <a:off x="5406999" y="4399863"/>
+        <a:ext cx="973693" cy="186716"/>
       </dsp:txXfrm>
     </dsp:sp>
     <dsp:sp modelId="{61C16C2F-1AB1-4997-8CC1-7C7DF3B62E00}">
@@ -18912,8 +18928,8 @@
       </dsp:nvSpPr>
       <dsp:spPr>
         <a:xfrm>
-          <a:off x="4394711" y="4570632"/>
-          <a:ext cx="915989" cy="474258"/>
+          <a:off x="5190623" y="4847983"/>
+          <a:ext cx="1081881" cy="560150"/>
         </a:xfrm>
         <a:prstGeom prst="rect">
           <a:avLst/>
@@ -18955,12 +18971,12 @@
         </a:fontRef>
       </dsp:style>
       <dsp:txBody>
-        <a:bodyPr spcFirstLastPara="0" vert="horz" wrap="square" lIns="5715" tIns="5715" rIns="5715" bIns="66923" numCol="1" spcCol="1270" anchor="ctr" anchorCtr="0">
+        <a:bodyPr spcFirstLastPara="0" vert="horz" wrap="square" lIns="6350" tIns="6350" rIns="6350" bIns="79043" numCol="1" spcCol="1270" anchor="ctr" anchorCtr="0">
           <a:noAutofit/>
         </a:bodyPr>
         <a:lstStyle/>
         <a:p>
-          <a:pPr lvl="0" algn="ctr" defTabSz="400050">
+          <a:pPr lvl="0" algn="ctr" defTabSz="444500">
             <a:lnSpc>
               <a:spcPct val="90000"/>
             </a:lnSpc>
@@ -18972,15 +18988,15 @@
             </a:spcAft>
           </a:pPr>
           <a:r>
-            <a:rPr lang="en-US" altLang="zh-CN" sz="900" kern="1200" dirty="0" err="1" smtClean="0"/>
+            <a:rPr lang="en-US" altLang="zh-CN" sz="1000" kern="1200" dirty="0" err="1" smtClean="0"/>
             <a:t>CEntry</a:t>
           </a:r>
-          <a:endParaRPr lang="zh-CN" altLang="en-US" sz="900" kern="1200" dirty="0"/>
+          <a:endParaRPr lang="zh-CN" altLang="en-US" sz="1000" kern="1200" dirty="0"/>
         </a:p>
       </dsp:txBody>
       <dsp:txXfrm>
-        <a:off x="4394711" y="4570632"/>
-        <a:ext cx="915989" cy="474258"/>
+        <a:off x="5190623" y="4847983"/>
+        <a:ext cx="1081881" cy="560150"/>
       </dsp:txXfrm>
     </dsp:sp>
     <dsp:sp modelId="{6A8BA006-F54F-4C04-BC17-4EA28E8359E9}">
@@ -18990,8 +19006,8 @@
       </dsp:nvSpPr>
       <dsp:spPr>
         <a:xfrm>
-          <a:off x="4577909" y="4939499"/>
-          <a:ext cx="824390" cy="158086"/>
+          <a:off x="5406999" y="5283655"/>
+          <a:ext cx="973693" cy="186716"/>
         </a:xfrm>
         <a:prstGeom prst="rect">
           <a:avLst/>
@@ -19032,12 +19048,12 @@
         <a:fontRef idx="minor"/>
       </dsp:style>
       <dsp:txBody>
-        <a:bodyPr spcFirstLastPara="0" vert="horz" wrap="square" lIns="22860" tIns="5715" rIns="22860" bIns="5715" numCol="1" spcCol="1270" anchor="ctr" anchorCtr="0">
+        <a:bodyPr spcFirstLastPara="0" vert="horz" wrap="square" lIns="25400" tIns="6350" rIns="25400" bIns="6350" numCol="1" spcCol="1270" anchor="ctr" anchorCtr="0">
           <a:noAutofit/>
         </a:bodyPr>
         <a:lstStyle/>
         <a:p>
-          <a:pPr lvl="0" algn="r" defTabSz="400050">
+          <a:pPr lvl="0" algn="r" defTabSz="444500">
             <a:lnSpc>
               <a:spcPct val="90000"/>
             </a:lnSpc>
@@ -19048,12 +19064,12 @@
               <a:spcPct val="35000"/>
             </a:spcAft>
           </a:pPr>
-          <a:endParaRPr lang="zh-CN" altLang="en-US" sz="900" kern="1200"/>
+          <a:endParaRPr lang="zh-CN" altLang="en-US" sz="1000" kern="1200"/>
         </a:p>
       </dsp:txBody>
       <dsp:txXfrm>
-        <a:off x="4577909" y="4939499"/>
-        <a:ext cx="824390" cy="158086"/>
+        <a:off x="5406999" y="5283655"/>
+        <a:ext cx="973693" cy="186716"/>
       </dsp:txXfrm>
     </dsp:sp>
     <dsp:sp modelId="{C0609B87-D118-46F5-A332-3E6628950ABC}">
@@ -19063,8 +19079,8 @@
       </dsp:nvSpPr>
       <dsp:spPr>
         <a:xfrm>
-          <a:off x="93529" y="5318906"/>
-          <a:ext cx="915989" cy="474258"/>
+          <a:off x="110468" y="5731775"/>
+          <a:ext cx="1081881" cy="560150"/>
         </a:xfrm>
         <a:prstGeom prst="rect">
           <a:avLst/>
@@ -19106,12 +19122,12 @@
         </a:fontRef>
       </dsp:style>
       <dsp:txBody>
-        <a:bodyPr spcFirstLastPara="0" vert="horz" wrap="square" lIns="5715" tIns="5715" rIns="5715" bIns="66923" numCol="1" spcCol="1270" anchor="ctr" anchorCtr="0">
+        <a:bodyPr spcFirstLastPara="0" vert="horz" wrap="square" lIns="6350" tIns="6350" rIns="6350" bIns="79043" numCol="1" spcCol="1270" anchor="ctr" anchorCtr="0">
           <a:noAutofit/>
         </a:bodyPr>
         <a:lstStyle/>
         <a:p>
-          <a:pPr lvl="0" algn="ctr" defTabSz="400050">
+          <a:pPr lvl="0" algn="ctr" defTabSz="444500">
             <a:lnSpc>
               <a:spcPct val="90000"/>
             </a:lnSpc>
@@ -19123,15 +19139,15 @@
             </a:spcAft>
           </a:pPr>
           <a:r>
-            <a:rPr lang="en-US" altLang="zh-CN" sz="900" kern="1200" dirty="0" smtClean="0"/>
+            <a:rPr lang="en-US" altLang="zh-CN" sz="1000" kern="1200" dirty="0" smtClean="0"/>
             <a:t>uint32</a:t>
           </a:r>
-          <a:endParaRPr lang="zh-CN" altLang="en-US" sz="900" kern="1200" dirty="0"/>
+          <a:endParaRPr lang="zh-CN" altLang="en-US" sz="1000" kern="1200" dirty="0"/>
         </a:p>
       </dsp:txBody>
       <dsp:txXfrm>
-        <a:off x="93529" y="5318906"/>
-        <a:ext cx="915989" cy="474258"/>
+        <a:off x="110468" y="5731775"/>
+        <a:ext cx="1081881" cy="560150"/>
       </dsp:txXfrm>
     </dsp:sp>
     <dsp:sp modelId="{CE6787A3-DAC8-481D-B157-911057EA0482}">
@@ -19141,8 +19157,8 @@
       </dsp:nvSpPr>
       <dsp:spPr>
         <a:xfrm>
-          <a:off x="276727" y="5687774"/>
-          <a:ext cx="824390" cy="158086"/>
+          <a:off x="326844" y="6167448"/>
+          <a:ext cx="973693" cy="186716"/>
         </a:xfrm>
         <a:prstGeom prst="rect">
           <a:avLst/>
@@ -19183,12 +19199,12 @@
         <a:fontRef idx="minor"/>
       </dsp:style>
       <dsp:txBody>
-        <a:bodyPr spcFirstLastPara="0" vert="horz" wrap="square" lIns="22860" tIns="5715" rIns="22860" bIns="5715" numCol="1" spcCol="1270" anchor="ctr" anchorCtr="0">
+        <a:bodyPr spcFirstLastPara="0" vert="horz" wrap="square" lIns="25400" tIns="6350" rIns="25400" bIns="6350" numCol="1" spcCol="1270" anchor="ctr" anchorCtr="0">
           <a:noAutofit/>
         </a:bodyPr>
         <a:lstStyle/>
         <a:p>
-          <a:pPr lvl="0" algn="r" defTabSz="400050">
+          <a:pPr lvl="0" algn="r" defTabSz="444500">
             <a:lnSpc>
               <a:spcPct val="90000"/>
             </a:lnSpc>
@@ -19200,15 +19216,15 @@
             </a:spcAft>
           </a:pPr>
           <a:r>
-            <a:rPr lang="en-US" altLang="zh-CN" sz="900" kern="1200" dirty="0" err="1" smtClean="0"/>
+            <a:rPr lang="en-US" altLang="zh-CN" sz="1000" kern="1200" dirty="0" err="1" smtClean="0"/>
             <a:t>m_uIP</a:t>
           </a:r>
-          <a:endParaRPr lang="zh-CN" altLang="en-US" sz="900" kern="1200" dirty="0"/>
+          <a:endParaRPr lang="zh-CN" altLang="en-US" sz="1000" kern="1200" dirty="0"/>
         </a:p>
       </dsp:txBody>
       <dsp:txXfrm>
-        <a:off x="276727" y="5687774"/>
-        <a:ext cx="824390" cy="158086"/>
+        <a:off x="326844" y="6167448"/>
+        <a:ext cx="973693" cy="186716"/>
       </dsp:txXfrm>
     </dsp:sp>
     <dsp:sp modelId="{174A1766-206B-4111-AE1B-3CE3FB67ADE9}">
@@ -19218,8 +19234,8 @@
       </dsp:nvSpPr>
       <dsp:spPr>
         <a:xfrm>
-          <a:off x="1322438" y="5318906"/>
-          <a:ext cx="915989" cy="474258"/>
+          <a:off x="1561941" y="5731775"/>
+          <a:ext cx="1081881" cy="560150"/>
         </a:xfrm>
         <a:prstGeom prst="rect">
           <a:avLst/>
@@ -19261,12 +19277,12 @@
         </a:fontRef>
       </dsp:style>
       <dsp:txBody>
-        <a:bodyPr spcFirstLastPara="0" vert="horz" wrap="square" lIns="5715" tIns="5715" rIns="5715" bIns="66923" numCol="1" spcCol="1270" anchor="ctr" anchorCtr="0">
+        <a:bodyPr spcFirstLastPara="0" vert="horz" wrap="square" lIns="6350" tIns="6350" rIns="6350" bIns="79043" numCol="1" spcCol="1270" anchor="ctr" anchorCtr="0">
           <a:noAutofit/>
         </a:bodyPr>
         <a:lstStyle/>
         <a:p>
-          <a:pPr lvl="0" algn="ctr" defTabSz="400050">
+          <a:pPr lvl="0" algn="ctr" defTabSz="444500">
             <a:lnSpc>
               <a:spcPct val="90000"/>
             </a:lnSpc>
@@ -19278,15 +19294,15 @@
             </a:spcAft>
           </a:pPr>
           <a:r>
-            <a:rPr lang="en-US" altLang="zh-CN" sz="900" kern="1200" dirty="0" smtClean="0"/>
+            <a:rPr lang="en-US" altLang="zh-CN" sz="1000" kern="1200" dirty="0" smtClean="0"/>
             <a:t>uint16</a:t>
           </a:r>
-          <a:endParaRPr lang="zh-CN" altLang="en-US" sz="900" kern="1200" dirty="0"/>
+          <a:endParaRPr lang="zh-CN" altLang="en-US" sz="1000" kern="1200" dirty="0"/>
         </a:p>
       </dsp:txBody>
       <dsp:txXfrm>
-        <a:off x="1322438" y="5318906"/>
-        <a:ext cx="915989" cy="474258"/>
+        <a:off x="1561941" y="5731775"/>
+        <a:ext cx="1081881" cy="560150"/>
       </dsp:txXfrm>
     </dsp:sp>
     <dsp:sp modelId="{78F2497E-04CA-49DC-A332-809969CCAB06}">
@@ -19296,8 +19312,8 @@
       </dsp:nvSpPr>
       <dsp:spPr>
         <a:xfrm>
-          <a:off x="1505636" y="5687774"/>
-          <a:ext cx="824390" cy="158086"/>
+          <a:off x="1778317" y="6167448"/>
+          <a:ext cx="973693" cy="186716"/>
         </a:xfrm>
         <a:prstGeom prst="rect">
           <a:avLst/>
@@ -19338,12 +19354,12 @@
         <a:fontRef idx="minor"/>
       </dsp:style>
       <dsp:txBody>
-        <a:bodyPr spcFirstLastPara="0" vert="horz" wrap="square" lIns="22860" tIns="5715" rIns="22860" bIns="5715" numCol="1" spcCol="1270" anchor="ctr" anchorCtr="0">
+        <a:bodyPr spcFirstLastPara="0" vert="horz" wrap="square" lIns="25400" tIns="6350" rIns="25400" bIns="6350" numCol="1" spcCol="1270" anchor="ctr" anchorCtr="0">
           <a:noAutofit/>
         </a:bodyPr>
         <a:lstStyle/>
         <a:p>
-          <a:pPr lvl="0" algn="r" defTabSz="400050">
+          <a:pPr lvl="0" algn="r" defTabSz="444500">
             <a:lnSpc>
               <a:spcPct val="90000"/>
             </a:lnSpc>
@@ -19355,15 +19371,15 @@
             </a:spcAft>
           </a:pPr>
           <a:r>
-            <a:rPr lang="en-US" altLang="zh-CN" sz="900" kern="1200" dirty="0" err="1" smtClean="0"/>
+            <a:rPr lang="en-US" altLang="zh-CN" sz="1000" kern="1200" dirty="0" err="1" smtClean="0"/>
             <a:t>m_uTCPPort</a:t>
           </a:r>
-          <a:endParaRPr lang="zh-CN" altLang="en-US" sz="900" kern="1200" dirty="0"/>
+          <a:endParaRPr lang="zh-CN" altLang="en-US" sz="1000" kern="1200" dirty="0"/>
         </a:p>
       </dsp:txBody>
       <dsp:txXfrm>
-        <a:off x="1505636" y="5687774"/>
-        <a:ext cx="824390" cy="158086"/>
+        <a:off x="1778317" y="6167448"/>
+        <a:ext cx="973693" cy="186716"/>
       </dsp:txXfrm>
     </dsp:sp>
     <dsp:sp modelId="{8BF21DA7-9255-410A-95A8-70E045BB35D3}">
@@ -19373,8 +19389,8 @@
       </dsp:nvSpPr>
       <dsp:spPr>
         <a:xfrm>
-          <a:off x="2551347" y="5318906"/>
-          <a:ext cx="915989" cy="474258"/>
+          <a:off x="3013414" y="5731775"/>
+          <a:ext cx="1081881" cy="560150"/>
         </a:xfrm>
         <a:prstGeom prst="rect">
           <a:avLst/>
@@ -19416,12 +19432,12 @@
         </a:fontRef>
       </dsp:style>
       <dsp:txBody>
-        <a:bodyPr spcFirstLastPara="0" vert="horz" wrap="square" lIns="5715" tIns="5715" rIns="5715" bIns="66923" numCol="1" spcCol="1270" anchor="ctr" anchorCtr="0">
+        <a:bodyPr spcFirstLastPara="0" vert="horz" wrap="square" lIns="6350" tIns="6350" rIns="6350" bIns="79043" numCol="1" spcCol="1270" anchor="ctr" anchorCtr="0">
           <a:noAutofit/>
         </a:bodyPr>
         <a:lstStyle/>
         <a:p>
-          <a:pPr lvl="0" algn="ctr" defTabSz="400050">
+          <a:pPr lvl="0" algn="ctr" defTabSz="444500">
             <a:lnSpc>
               <a:spcPct val="90000"/>
             </a:lnSpc>
@@ -19433,15 +19449,15 @@
             </a:spcAft>
           </a:pPr>
           <a:r>
-            <a:rPr lang="en-US" altLang="zh-CN" sz="900" kern="1200" dirty="0" smtClean="0"/>
+            <a:rPr lang="en-US" altLang="zh-CN" sz="1000" kern="1200" dirty="0" smtClean="0"/>
             <a:t>uint16</a:t>
           </a:r>
-          <a:endParaRPr lang="zh-CN" altLang="en-US" sz="900" kern="1200" dirty="0"/>
+          <a:endParaRPr lang="zh-CN" altLang="en-US" sz="1000" kern="1200" dirty="0"/>
         </a:p>
       </dsp:txBody>
       <dsp:txXfrm>
-        <a:off x="2551347" y="5318906"/>
-        <a:ext cx="915989" cy="474258"/>
+        <a:off x="3013414" y="5731775"/>
+        <a:ext cx="1081881" cy="560150"/>
       </dsp:txXfrm>
     </dsp:sp>
     <dsp:sp modelId="{F380191F-68F7-4007-A4C0-DAB6CB8C3176}">
@@ -19451,8 +19467,8 @@
       </dsp:nvSpPr>
       <dsp:spPr>
         <a:xfrm>
-          <a:off x="2734545" y="5687774"/>
-          <a:ext cx="824390" cy="158086"/>
+          <a:off x="3229790" y="6167448"/>
+          <a:ext cx="973693" cy="186716"/>
         </a:xfrm>
         <a:prstGeom prst="rect">
           <a:avLst/>
@@ -19493,12 +19509,12 @@
         <a:fontRef idx="minor"/>
       </dsp:style>
       <dsp:txBody>
-        <a:bodyPr spcFirstLastPara="0" vert="horz" wrap="square" lIns="22860" tIns="5715" rIns="22860" bIns="5715" numCol="1" spcCol="1270" anchor="ctr" anchorCtr="0">
+        <a:bodyPr spcFirstLastPara="0" vert="horz" wrap="square" lIns="25400" tIns="6350" rIns="25400" bIns="6350" numCol="1" spcCol="1270" anchor="ctr" anchorCtr="0">
           <a:noAutofit/>
         </a:bodyPr>
         <a:lstStyle/>
         <a:p>
-          <a:pPr lvl="0" algn="r" defTabSz="400050">
+          <a:pPr lvl="0" algn="r" defTabSz="444500">
             <a:lnSpc>
               <a:spcPct val="90000"/>
             </a:lnSpc>
@@ -19510,15 +19526,15 @@
             </a:spcAft>
           </a:pPr>
           <a:r>
-            <a:rPr lang="en-US" altLang="zh-CN" sz="900" kern="1200" dirty="0" err="1" smtClean="0"/>
+            <a:rPr lang="en-US" altLang="zh-CN" sz="1000" kern="1200" dirty="0" err="1" smtClean="0"/>
             <a:t>m_uUDPPort</a:t>
           </a:r>
-          <a:endParaRPr lang="zh-CN" altLang="en-US" sz="900" kern="1200" dirty="0"/>
+          <a:endParaRPr lang="zh-CN" altLang="en-US" sz="1000" kern="1200" dirty="0"/>
         </a:p>
       </dsp:txBody>
       <dsp:txXfrm>
-        <a:off x="2734545" y="5687774"/>
-        <a:ext cx="824390" cy="158086"/>
+        <a:off x="3229790" y="6167448"/>
+        <a:ext cx="973693" cy="186716"/>
       </dsp:txXfrm>
     </dsp:sp>
     <dsp:sp modelId="{DC2A6A67-D1A7-48DB-9C30-2EE5AE05E793}">
@@ -19528,8 +19544,8 @@
       </dsp:nvSpPr>
       <dsp:spPr>
         <a:xfrm>
-          <a:off x="3780256" y="5318906"/>
-          <a:ext cx="915989" cy="474258"/>
+          <a:off x="4464886" y="5731775"/>
+          <a:ext cx="1081881" cy="560150"/>
         </a:xfrm>
         <a:prstGeom prst="rect">
           <a:avLst/>
@@ -19571,12 +19587,12 @@
         </a:fontRef>
       </dsp:style>
       <dsp:txBody>
-        <a:bodyPr spcFirstLastPara="0" vert="horz" wrap="square" lIns="5715" tIns="5715" rIns="5715" bIns="66923" numCol="1" spcCol="1270" anchor="ctr" anchorCtr="0">
+        <a:bodyPr spcFirstLastPara="0" vert="horz" wrap="square" lIns="6350" tIns="6350" rIns="6350" bIns="79043" numCol="1" spcCol="1270" anchor="ctr" anchorCtr="0">
           <a:noAutofit/>
         </a:bodyPr>
         <a:lstStyle/>
         <a:p>
-          <a:pPr lvl="0" algn="ctr" defTabSz="400050">
+          <a:pPr lvl="0" algn="ctr" defTabSz="444500">
             <a:lnSpc>
               <a:spcPct val="90000"/>
             </a:lnSpc>
@@ -19588,15 +19604,15 @@
             </a:spcAft>
           </a:pPr>
           <a:r>
-            <a:rPr lang="en-US" altLang="zh-CN" sz="900" kern="1200" dirty="0" smtClean="0"/>
+            <a:rPr lang="en-US" altLang="zh-CN" sz="1000" kern="1200" dirty="0" smtClean="0"/>
             <a:t>CUInt128</a:t>
           </a:r>
-          <a:endParaRPr lang="zh-CN" altLang="en-US" sz="900" kern="1200" dirty="0"/>
+          <a:endParaRPr lang="zh-CN" altLang="en-US" sz="1000" kern="1200" dirty="0"/>
         </a:p>
       </dsp:txBody>
       <dsp:txXfrm>
-        <a:off x="3780256" y="5318906"/>
-        <a:ext cx="915989" cy="474258"/>
+        <a:off x="4464886" y="5731775"/>
+        <a:ext cx="1081881" cy="560150"/>
       </dsp:txXfrm>
     </dsp:sp>
     <dsp:sp modelId="{50939023-49D7-4F51-AD1D-21231C706D1C}">
@@ -19606,8 +19622,8 @@
       </dsp:nvSpPr>
       <dsp:spPr>
         <a:xfrm>
-          <a:off x="3963454" y="5687774"/>
-          <a:ext cx="824390" cy="158086"/>
+          <a:off x="4681263" y="6167448"/>
+          <a:ext cx="973693" cy="186716"/>
         </a:xfrm>
         <a:prstGeom prst="rect">
           <a:avLst/>
@@ -19648,12 +19664,12 @@
         <a:fontRef idx="minor"/>
       </dsp:style>
       <dsp:txBody>
-        <a:bodyPr spcFirstLastPara="0" vert="horz" wrap="square" lIns="22860" tIns="5715" rIns="22860" bIns="5715" numCol="1" spcCol="1270" anchor="ctr" anchorCtr="0">
+        <a:bodyPr spcFirstLastPara="0" vert="horz" wrap="square" lIns="25400" tIns="6350" rIns="25400" bIns="6350" numCol="1" spcCol="1270" anchor="ctr" anchorCtr="0">
           <a:noAutofit/>
         </a:bodyPr>
         <a:lstStyle/>
         <a:p>
-          <a:pPr lvl="0" algn="r" defTabSz="400050">
+          <a:pPr lvl="0" algn="r" defTabSz="444500">
             <a:lnSpc>
               <a:spcPct val="90000"/>
             </a:lnSpc>
@@ -19665,15 +19681,15 @@
             </a:spcAft>
           </a:pPr>
           <a:r>
-            <a:rPr lang="en-US" altLang="zh-CN" sz="900" kern="1200" dirty="0" err="1" smtClean="0"/>
+            <a:rPr lang="en-US" altLang="zh-CN" sz="1000" kern="1200" dirty="0" err="1" smtClean="0"/>
             <a:t>m_uKeyID</a:t>
           </a:r>
-          <a:endParaRPr lang="zh-CN" altLang="en-US" sz="900" kern="1200" dirty="0"/>
+          <a:endParaRPr lang="zh-CN" altLang="en-US" sz="1000" kern="1200" dirty="0"/>
         </a:p>
       </dsp:txBody>
       <dsp:txXfrm>
-        <a:off x="3963454" y="5687774"/>
-        <a:ext cx="824390" cy="158086"/>
+        <a:off x="4681263" y="6167448"/>
+        <a:ext cx="973693" cy="186716"/>
       </dsp:txXfrm>
     </dsp:sp>
     <dsp:sp modelId="{B2CC1828-1D29-48FA-A0DC-F04CA0CD2D21}">
@@ -19683,8 +19699,8 @@
       </dsp:nvSpPr>
       <dsp:spPr>
         <a:xfrm>
-          <a:off x="5009165" y="5318906"/>
-          <a:ext cx="915989" cy="474258"/>
+          <a:off x="5916359" y="5731775"/>
+          <a:ext cx="1081881" cy="560150"/>
         </a:xfrm>
         <a:prstGeom prst="rect">
           <a:avLst/>
@@ -19726,12 +19742,12 @@
         </a:fontRef>
       </dsp:style>
       <dsp:txBody>
-        <a:bodyPr spcFirstLastPara="0" vert="horz" wrap="square" lIns="5715" tIns="5715" rIns="5715" bIns="66923" numCol="1" spcCol="1270" anchor="ctr" anchorCtr="0">
+        <a:bodyPr spcFirstLastPara="0" vert="horz" wrap="square" lIns="6350" tIns="6350" rIns="6350" bIns="79043" numCol="1" spcCol="1270" anchor="ctr" anchorCtr="0">
           <a:noAutofit/>
         </a:bodyPr>
         <a:lstStyle/>
         <a:p>
-          <a:pPr lvl="0" algn="ctr" defTabSz="400050">
+          <a:pPr lvl="0" algn="ctr" defTabSz="444500">
             <a:lnSpc>
               <a:spcPct val="90000"/>
             </a:lnSpc>
@@ -19743,15 +19759,15 @@
             </a:spcAft>
           </a:pPr>
           <a:r>
-            <a:rPr lang="en-US" altLang="zh-CN" sz="900" kern="1200" dirty="0" smtClean="0"/>
+            <a:rPr lang="en-US" altLang="zh-CN" sz="1000" kern="1200" dirty="0" smtClean="0"/>
             <a:t>CUInt128</a:t>
           </a:r>
-          <a:endParaRPr lang="zh-CN" altLang="en-US" sz="900" kern="1200" dirty="0"/>
+          <a:endParaRPr lang="zh-CN" altLang="en-US" sz="1000" kern="1200" dirty="0"/>
         </a:p>
       </dsp:txBody>
       <dsp:txXfrm>
-        <a:off x="5009165" y="5318906"/>
-        <a:ext cx="915989" cy="474258"/>
+        <a:off x="5916359" y="5731775"/>
+        <a:ext cx="1081881" cy="560150"/>
       </dsp:txXfrm>
     </dsp:sp>
     <dsp:sp modelId="{B26AA340-B012-450C-B965-9765131C5F60}">
@@ -19761,8 +19777,8 @@
       </dsp:nvSpPr>
       <dsp:spPr>
         <a:xfrm>
-          <a:off x="5192363" y="5687774"/>
-          <a:ext cx="824390" cy="158086"/>
+          <a:off x="6132735" y="6167448"/>
+          <a:ext cx="973693" cy="186716"/>
         </a:xfrm>
         <a:prstGeom prst="rect">
           <a:avLst/>
@@ -19803,12 +19819,12 @@
         <a:fontRef idx="minor"/>
       </dsp:style>
       <dsp:txBody>
-        <a:bodyPr spcFirstLastPara="0" vert="horz" wrap="square" lIns="22860" tIns="5715" rIns="22860" bIns="5715" numCol="1" spcCol="1270" anchor="ctr" anchorCtr="0">
+        <a:bodyPr spcFirstLastPara="0" vert="horz" wrap="square" lIns="25400" tIns="6350" rIns="25400" bIns="6350" numCol="1" spcCol="1270" anchor="ctr" anchorCtr="0">
           <a:noAutofit/>
         </a:bodyPr>
         <a:lstStyle/>
         <a:p>
-          <a:pPr lvl="0" algn="r" defTabSz="400050">
+          <a:pPr lvl="0" algn="r" defTabSz="444500">
             <a:lnSpc>
               <a:spcPct val="90000"/>
             </a:lnSpc>
@@ -19820,15 +19836,15 @@
             </a:spcAft>
           </a:pPr>
           <a:r>
-            <a:rPr lang="en-US" altLang="zh-CN" sz="900" kern="1200" dirty="0" err="1" smtClean="0"/>
+            <a:rPr lang="en-US" altLang="zh-CN" sz="1000" kern="1200" dirty="0" err="1" smtClean="0"/>
             <a:t>m_uSourceID</a:t>
           </a:r>
-          <a:endParaRPr lang="zh-CN" altLang="en-US" sz="900" kern="1200" dirty="0"/>
+          <a:endParaRPr lang="zh-CN" altLang="en-US" sz="1000" kern="1200" dirty="0"/>
         </a:p>
       </dsp:txBody>
       <dsp:txXfrm>
-        <a:off x="5192363" y="5687774"/>
-        <a:ext cx="824390" cy="158086"/>
+        <a:off x="6132735" y="6167448"/>
+        <a:ext cx="973693" cy="186716"/>
       </dsp:txXfrm>
     </dsp:sp>
     <dsp:sp modelId="{5423C0B6-E270-4795-A26B-83CFD7EB47D0}">
@@ -19838,8 +19854,8 @@
       </dsp:nvSpPr>
       <dsp:spPr>
         <a:xfrm>
-          <a:off x="6238074" y="5318906"/>
-          <a:ext cx="915989" cy="474258"/>
+          <a:off x="7367832" y="5731775"/>
+          <a:ext cx="1081881" cy="560150"/>
         </a:xfrm>
         <a:prstGeom prst="rect">
           <a:avLst/>
@@ -19881,12 +19897,12 @@
         </a:fontRef>
       </dsp:style>
       <dsp:txBody>
-        <a:bodyPr spcFirstLastPara="0" vert="horz" wrap="square" lIns="5715" tIns="5715" rIns="5715" bIns="66923" numCol="1" spcCol="1270" anchor="ctr" anchorCtr="0">
+        <a:bodyPr spcFirstLastPara="0" vert="horz" wrap="square" lIns="6350" tIns="6350" rIns="6350" bIns="79043" numCol="1" spcCol="1270" anchor="ctr" anchorCtr="0">
           <a:noAutofit/>
         </a:bodyPr>
         <a:lstStyle/>
         <a:p>
-          <a:pPr lvl="0" algn="ctr" defTabSz="400050">
+          <a:pPr lvl="0" algn="ctr" defTabSz="444500">
             <a:lnSpc>
               <a:spcPct val="90000"/>
             </a:lnSpc>
@@ -19898,15 +19914,15 @@
             </a:spcAft>
           </a:pPr>
           <a:r>
-            <a:rPr lang="en-US" altLang="zh-CN" sz="900" kern="1200" dirty="0" smtClean="0"/>
+            <a:rPr lang="en-US" altLang="zh-CN" sz="1000" kern="1200" dirty="0" smtClean="0"/>
             <a:t>uint64</a:t>
           </a:r>
-          <a:endParaRPr lang="zh-CN" altLang="en-US" sz="900" kern="1200" dirty="0"/>
+          <a:endParaRPr lang="zh-CN" altLang="en-US" sz="1000" kern="1200" dirty="0"/>
         </a:p>
       </dsp:txBody>
       <dsp:txXfrm>
-        <a:off x="6238074" y="5318906"/>
-        <a:ext cx="915989" cy="474258"/>
+        <a:off x="7367832" y="5731775"/>
+        <a:ext cx="1081881" cy="560150"/>
       </dsp:txXfrm>
     </dsp:sp>
     <dsp:sp modelId="{8E6E4251-BCF8-4FB1-A02B-56F8FA370E84}">
@@ -19916,8 +19932,8 @@
       </dsp:nvSpPr>
       <dsp:spPr>
         <a:xfrm>
-          <a:off x="6421272" y="5687774"/>
-          <a:ext cx="824390" cy="158086"/>
+          <a:off x="7584208" y="6167448"/>
+          <a:ext cx="973693" cy="186716"/>
         </a:xfrm>
         <a:prstGeom prst="rect">
           <a:avLst/>
@@ -19958,12 +19974,12 @@
         <a:fontRef idx="minor"/>
       </dsp:style>
       <dsp:txBody>
-        <a:bodyPr spcFirstLastPara="0" vert="horz" wrap="square" lIns="22860" tIns="5715" rIns="22860" bIns="5715" numCol="1" spcCol="1270" anchor="ctr" anchorCtr="0">
+        <a:bodyPr spcFirstLastPara="0" vert="horz" wrap="square" lIns="25400" tIns="6350" rIns="25400" bIns="6350" numCol="1" spcCol="1270" anchor="ctr" anchorCtr="0">
           <a:noAutofit/>
         </a:bodyPr>
         <a:lstStyle/>
         <a:p>
-          <a:pPr lvl="0" algn="r" defTabSz="400050">
+          <a:pPr lvl="0" algn="r" defTabSz="444500">
             <a:lnSpc>
               <a:spcPct val="90000"/>
             </a:lnSpc>
@@ -19975,15 +19991,15 @@
             </a:spcAft>
           </a:pPr>
           <a:r>
-            <a:rPr lang="en-US" altLang="zh-CN" sz="900" kern="1200" dirty="0" err="1" smtClean="0"/>
+            <a:rPr lang="en-US" altLang="zh-CN" sz="1000" kern="1200" dirty="0" err="1" smtClean="0"/>
             <a:t>m_Size</a:t>
           </a:r>
-          <a:endParaRPr lang="zh-CN" altLang="en-US" sz="900" kern="1200" dirty="0"/>
+          <a:endParaRPr lang="zh-CN" altLang="en-US" sz="1000" kern="1200" dirty="0"/>
         </a:p>
       </dsp:txBody>
       <dsp:txXfrm>
-        <a:off x="6421272" y="5687774"/>
-        <a:ext cx="824390" cy="158086"/>
+        <a:off x="7584208" y="6167448"/>
+        <a:ext cx="973693" cy="186716"/>
       </dsp:txXfrm>
     </dsp:sp>
     <dsp:sp modelId="{852CC1FF-77EF-4779-8EFB-E14E8E9A70F0}">
@@ -19993,8 +20009,8 @@
       </dsp:nvSpPr>
       <dsp:spPr>
         <a:xfrm>
-          <a:off x="7466983" y="5318906"/>
-          <a:ext cx="915989" cy="474258"/>
+          <a:off x="8819305" y="5731775"/>
+          <a:ext cx="1081881" cy="560150"/>
         </a:xfrm>
         <a:prstGeom prst="rect">
           <a:avLst/>
@@ -20036,12 +20052,12 @@
         </a:fontRef>
       </dsp:style>
       <dsp:txBody>
-        <a:bodyPr spcFirstLastPara="0" vert="horz" wrap="square" lIns="5715" tIns="5715" rIns="5715" bIns="66923" numCol="1" spcCol="1270" anchor="ctr" anchorCtr="0">
+        <a:bodyPr spcFirstLastPara="0" vert="horz" wrap="square" lIns="6350" tIns="6350" rIns="6350" bIns="79043" numCol="1" spcCol="1270" anchor="ctr" anchorCtr="0">
           <a:noAutofit/>
         </a:bodyPr>
         <a:lstStyle/>
         <a:p>
-          <a:pPr lvl="0" algn="ctr" defTabSz="400050">
+          <a:pPr lvl="0" algn="ctr" defTabSz="444500">
             <a:lnSpc>
               <a:spcPct val="90000"/>
             </a:lnSpc>
@@ -20053,15 +20069,15 @@
             </a:spcAft>
           </a:pPr>
           <a:r>
-            <a:rPr lang="en-US" altLang="zh-CN" sz="900" kern="1200" dirty="0" err="1" smtClean="0"/>
+            <a:rPr lang="en-US" altLang="zh-CN" sz="1000" kern="1200" dirty="0" err="1" smtClean="0"/>
             <a:t>timt_t</a:t>
           </a:r>
-          <a:endParaRPr lang="zh-CN" altLang="en-US" sz="900" kern="1200" dirty="0"/>
+          <a:endParaRPr lang="zh-CN" altLang="en-US" sz="1000" kern="1200" dirty="0"/>
         </a:p>
       </dsp:txBody>
       <dsp:txXfrm>
-        <a:off x="7466983" y="5318906"/>
-        <a:ext cx="915989" cy="474258"/>
+        <a:off x="8819305" y="5731775"/>
+        <a:ext cx="1081881" cy="560150"/>
       </dsp:txXfrm>
     </dsp:sp>
     <dsp:sp modelId="{E71EE907-1921-4348-A4A3-ACB8222C7F4E}">
@@ -20071,8 +20087,8 @@
       </dsp:nvSpPr>
       <dsp:spPr>
         <a:xfrm>
-          <a:off x="7650181" y="5687774"/>
-          <a:ext cx="824390" cy="158086"/>
+          <a:off x="9035681" y="6167448"/>
+          <a:ext cx="973693" cy="186716"/>
         </a:xfrm>
         <a:prstGeom prst="rect">
           <a:avLst/>
@@ -20113,12 +20129,12 @@
         <a:fontRef idx="minor"/>
       </dsp:style>
       <dsp:txBody>
-        <a:bodyPr spcFirstLastPara="0" vert="horz" wrap="square" lIns="22860" tIns="5715" rIns="22860" bIns="5715" numCol="1" spcCol="1270" anchor="ctr" anchorCtr="0">
+        <a:bodyPr spcFirstLastPara="0" vert="horz" wrap="square" lIns="25400" tIns="6350" rIns="25400" bIns="6350" numCol="1" spcCol="1270" anchor="ctr" anchorCtr="0">
           <a:noAutofit/>
         </a:bodyPr>
         <a:lstStyle/>
         <a:p>
-          <a:pPr lvl="0" algn="r" defTabSz="400050">
+          <a:pPr lvl="0" algn="r" defTabSz="444500">
             <a:lnSpc>
               <a:spcPct val="90000"/>
             </a:lnSpc>
@@ -20130,15 +20146,15 @@
             </a:spcAft>
           </a:pPr>
           <a:r>
-            <a:rPr lang="en-US" altLang="zh-CN" sz="900" kern="1200" dirty="0" err="1" smtClean="0"/>
+            <a:rPr lang="en-US" altLang="zh-CN" sz="1000" kern="1200" dirty="0" err="1" smtClean="0"/>
             <a:t>m_Lifetime</a:t>
           </a:r>
-          <a:endParaRPr lang="zh-CN" altLang="en-US" sz="900" kern="1200" dirty="0"/>
+          <a:endParaRPr lang="zh-CN" altLang="en-US" sz="1000" kern="1200" dirty="0"/>
         </a:p>
       </dsp:txBody>
       <dsp:txXfrm>
-        <a:off x="7650181" y="5687774"/>
-        <a:ext cx="824390" cy="158086"/>
+        <a:off x="9035681" y="6167448"/>
+        <a:ext cx="973693" cy="186716"/>
       </dsp:txXfrm>
     </dsp:sp>
     <dsp:sp modelId="{678B0968-8AF6-409D-A455-6407459F1796}">
@@ -20148,8 +20164,8 @@
       </dsp:nvSpPr>
       <dsp:spPr>
         <a:xfrm>
-          <a:off x="8695892" y="5318906"/>
-          <a:ext cx="915989" cy="474258"/>
+          <a:off x="10270777" y="5731775"/>
+          <a:ext cx="1081881" cy="560150"/>
         </a:xfrm>
         <a:prstGeom prst="rect">
           <a:avLst/>
@@ -20191,12 +20207,12 @@
         </a:fontRef>
       </dsp:style>
       <dsp:txBody>
-        <a:bodyPr spcFirstLastPara="0" vert="horz" wrap="square" lIns="5715" tIns="5715" rIns="5715" bIns="66923" numCol="1" spcCol="1270" anchor="ctr" anchorCtr="0">
+        <a:bodyPr spcFirstLastPara="0" vert="horz" wrap="square" lIns="6350" tIns="6350" rIns="6350" bIns="79043" numCol="1" spcCol="1270" anchor="ctr" anchorCtr="0">
           <a:noAutofit/>
         </a:bodyPr>
         <a:lstStyle/>
         <a:p>
-          <a:pPr lvl="0" algn="ctr" defTabSz="400050">
+          <a:pPr lvl="0" algn="ctr" defTabSz="444500">
             <a:lnSpc>
               <a:spcPct val="90000"/>
             </a:lnSpc>
@@ -20208,15 +20224,15 @@
             </a:spcAft>
           </a:pPr>
           <a:r>
-            <a:rPr lang="en-US" altLang="zh-CN" sz="900" kern="1200" dirty="0" smtClean="0"/>
+            <a:rPr lang="en-US" altLang="zh-CN" sz="1000" kern="1200" dirty="0" smtClean="0"/>
             <a:t>bool</a:t>
           </a:r>
-          <a:endParaRPr lang="zh-CN" altLang="en-US" sz="900" kern="1200" dirty="0"/>
+          <a:endParaRPr lang="zh-CN" altLang="en-US" sz="1000" kern="1200" dirty="0"/>
         </a:p>
       </dsp:txBody>
       <dsp:txXfrm>
-        <a:off x="8695892" y="5318906"/>
-        <a:ext cx="915989" cy="474258"/>
+        <a:off x="10270777" y="5731775"/>
+        <a:ext cx="1081881" cy="560150"/>
       </dsp:txXfrm>
     </dsp:sp>
     <dsp:sp modelId="{7B4F4265-1316-4042-90B8-F0270B0983C3}">
@@ -20226,8 +20242,8 @@
       </dsp:nvSpPr>
       <dsp:spPr>
         <a:xfrm>
-          <a:off x="8879090" y="5687774"/>
-          <a:ext cx="824390" cy="158086"/>
+          <a:off x="10487154" y="6167448"/>
+          <a:ext cx="973693" cy="186716"/>
         </a:xfrm>
         <a:prstGeom prst="rect">
           <a:avLst/>
@@ -20268,12 +20284,12 @@
         <a:fontRef idx="minor"/>
       </dsp:style>
       <dsp:txBody>
-        <a:bodyPr spcFirstLastPara="0" vert="horz" wrap="square" lIns="22860" tIns="5715" rIns="22860" bIns="5715" numCol="1" spcCol="1270" anchor="ctr" anchorCtr="0">
+        <a:bodyPr spcFirstLastPara="0" vert="horz" wrap="square" lIns="25400" tIns="6350" rIns="25400" bIns="6350" numCol="1" spcCol="1270" anchor="ctr" anchorCtr="0">
           <a:noAutofit/>
         </a:bodyPr>
         <a:lstStyle/>
         <a:p>
-          <a:pPr lvl="0" algn="r" defTabSz="400050">
+          <a:pPr lvl="0" algn="r" defTabSz="444500">
             <a:lnSpc>
               <a:spcPct val="90000"/>
             </a:lnSpc>
@@ -20285,15 +20301,15 @@
             </a:spcAft>
           </a:pPr>
           <a:r>
-            <a:rPr lang="en-US" altLang="zh-CN" sz="900" kern="1200" dirty="0" err="1" smtClean="0"/>
+            <a:rPr lang="en-US" altLang="zh-CN" sz="1000" kern="1200" dirty="0" err="1" smtClean="0"/>
             <a:t>m_bSource</a:t>
           </a:r>
-          <a:endParaRPr lang="zh-CN" altLang="en-US" sz="900" kern="1200" dirty="0"/>
+          <a:endParaRPr lang="zh-CN" altLang="en-US" sz="1000" kern="1200" dirty="0"/>
         </a:p>
       </dsp:txBody>
       <dsp:txXfrm>
-        <a:off x="8879090" y="5687774"/>
-        <a:ext cx="824390" cy="158086"/>
+        <a:off x="10487154" y="6167448"/>
+        <a:ext cx="973693" cy="186716"/>
       </dsp:txXfrm>
     </dsp:sp>
   </dsp:spTree>
@@ -33055,14 +33071,14 @@
           <p:nvPr>
             <p:extLst>
               <p:ext uri="{D42A27DB-BD31-4B8C-83A1-F6EECF244321}">
-                <p14:modId xmlns:p14="http://schemas.microsoft.com/office/powerpoint/2010/main" val="2866592287"/>
+                <p14:modId xmlns:p14="http://schemas.microsoft.com/office/powerpoint/2010/main" val="848291303"/>
               </p:ext>
             </p:extLst>
           </p:nvPr>
         </p:nvGraphicFramePr>
         <p:xfrm>
-          <a:off x="2032000" y="719666"/>
-          <a:ext cx="8128000" cy="5418667"/>
+          <a:off x="764771" y="0"/>
+          <a:ext cx="11496501" cy="7065818"/>
         </p:xfrm>
         <a:graphic>
           <a:graphicData uri="http://schemas.openxmlformats.org/drawingml/2006/diagram">
@@ -33107,14 +33123,14 @@
           <p:nvPr>
             <p:extLst>
               <p:ext uri="{D42A27DB-BD31-4B8C-83A1-F6EECF244321}">
-                <p14:modId xmlns:p14="http://schemas.microsoft.com/office/powerpoint/2010/main" val="2515514613"/>
+                <p14:modId xmlns:p14="http://schemas.microsoft.com/office/powerpoint/2010/main" val="1940046127"/>
               </p:ext>
             </p:extLst>
           </p:nvPr>
         </p:nvGraphicFramePr>
         <p:xfrm>
-          <a:off x="2031999" y="124691"/>
-          <a:ext cx="9797011" cy="6675119"/>
+          <a:off x="357447" y="124692"/>
+          <a:ext cx="11471563" cy="6733308"/>
         </p:xfrm>
         <a:graphic>
           <a:graphicData uri="http://schemas.openxmlformats.org/drawingml/2006/diagram">
@@ -33159,14 +33175,14 @@
           <p:nvPr>
             <p:extLst>
               <p:ext uri="{D42A27DB-BD31-4B8C-83A1-F6EECF244321}">
-                <p14:modId xmlns:p14="http://schemas.microsoft.com/office/powerpoint/2010/main" val="402953255"/>
+                <p14:modId xmlns:p14="http://schemas.microsoft.com/office/powerpoint/2010/main" val="3250366560"/>
               </p:ext>
             </p:extLst>
           </p:nvPr>
         </p:nvGraphicFramePr>
         <p:xfrm>
-          <a:off x="2031999" y="124691"/>
-          <a:ext cx="9797011" cy="6675119"/>
+          <a:off x="241070" y="0"/>
+          <a:ext cx="11571316" cy="6783186"/>
         </p:xfrm>
         <a:graphic>
           <a:graphicData uri="http://schemas.openxmlformats.org/drawingml/2006/diagram">

--- a/教程/Index.pptx
+++ b/教程/Index.pptx
@@ -9,6 +9,7 @@
     <p:sldId id="257" r:id="rId3"/>
     <p:sldId id="259" r:id="rId4"/>
     <p:sldId id="258" r:id="rId5"/>
+    <p:sldId id="260" r:id="rId6"/>
   </p:sldIdLst>
   <p:sldSz cx="12192000" cy="6858000"/>
   <p:notesSz cx="6858000" cy="9144000"/>
@@ -107,6 +108,11 @@
       </a:defRPr>
     </a:lvl9pPr>
   </p:defaultTextStyle>
+  <p:extLst>
+    <p:ext uri="{EFAFB233-063F-42B5-8137-9DF3F51BA10A}">
+      <p15:sldGuideLst xmlns:p15="http://schemas.microsoft.com/office/powerpoint/2012/main"/>
+    </p:ext>
+  </p:extLst>
 </p:presentation>
 </file>
 
@@ -3098,6 +3104,1500 @@
 </dgm:colorsDef>
 </file>
 
+<file path=ppt/diagrams/colors5.xml><?xml version="1.0" encoding="utf-8"?>
+<dgm:colorsDef xmlns:dgm="http://schemas.openxmlformats.org/drawingml/2006/diagram" xmlns:a="http://schemas.openxmlformats.org/drawingml/2006/main" uniqueId="urn:microsoft.com/office/officeart/2005/8/colors/accent1_2">
+  <dgm:title val=""/>
+  <dgm:desc val=""/>
+  <dgm:catLst>
+    <dgm:cat type="accent1" pri="11200"/>
+  </dgm:catLst>
+  <dgm:styleLbl name="node0">
+    <dgm:fillClrLst meth="repeat">
+      <a:schemeClr val="accent1"/>
+    </dgm:fillClrLst>
+    <dgm:linClrLst meth="repeat">
+      <a:schemeClr val="lt1"/>
+    </dgm:linClrLst>
+    <dgm:effectClrLst/>
+    <dgm:txLinClrLst/>
+    <dgm:txFillClrLst/>
+    <dgm:txEffectClrLst/>
+  </dgm:styleLbl>
+  <dgm:styleLbl name="alignNode1">
+    <dgm:fillClrLst meth="repeat">
+      <a:schemeClr val="accent1"/>
+    </dgm:fillClrLst>
+    <dgm:linClrLst meth="repeat">
+      <a:schemeClr val="accent1"/>
+    </dgm:linClrLst>
+    <dgm:effectClrLst/>
+    <dgm:txLinClrLst/>
+    <dgm:txFillClrLst/>
+    <dgm:txEffectClrLst/>
+  </dgm:styleLbl>
+  <dgm:styleLbl name="node1">
+    <dgm:fillClrLst meth="repeat">
+      <a:schemeClr val="accent1"/>
+    </dgm:fillClrLst>
+    <dgm:linClrLst meth="repeat">
+      <a:schemeClr val="lt1"/>
+    </dgm:linClrLst>
+    <dgm:effectClrLst/>
+    <dgm:txLinClrLst/>
+    <dgm:txFillClrLst/>
+    <dgm:txEffectClrLst/>
+  </dgm:styleLbl>
+  <dgm:styleLbl name="lnNode1">
+    <dgm:fillClrLst meth="repeat">
+      <a:schemeClr val="accent1"/>
+    </dgm:fillClrLst>
+    <dgm:linClrLst meth="repeat">
+      <a:schemeClr val="lt1"/>
+    </dgm:linClrLst>
+    <dgm:effectClrLst/>
+    <dgm:txLinClrLst/>
+    <dgm:txFillClrLst/>
+    <dgm:txEffectClrLst/>
+  </dgm:styleLbl>
+  <dgm:styleLbl name="vennNode1">
+    <dgm:fillClrLst meth="repeat">
+      <a:schemeClr val="accent1">
+        <a:alpha val="50000"/>
+      </a:schemeClr>
+    </dgm:fillClrLst>
+    <dgm:linClrLst meth="repeat">
+      <a:schemeClr val="lt1"/>
+    </dgm:linClrLst>
+    <dgm:effectClrLst/>
+    <dgm:txLinClrLst/>
+    <dgm:txFillClrLst/>
+    <dgm:txEffectClrLst/>
+  </dgm:styleLbl>
+  <dgm:styleLbl name="node2">
+    <dgm:fillClrLst meth="repeat">
+      <a:schemeClr val="accent1"/>
+    </dgm:fillClrLst>
+    <dgm:linClrLst meth="repeat">
+      <a:schemeClr val="lt1"/>
+    </dgm:linClrLst>
+    <dgm:effectClrLst/>
+    <dgm:txLinClrLst/>
+    <dgm:txFillClrLst/>
+    <dgm:txEffectClrLst/>
+  </dgm:styleLbl>
+  <dgm:styleLbl name="node3">
+    <dgm:fillClrLst meth="repeat">
+      <a:schemeClr val="accent1"/>
+    </dgm:fillClrLst>
+    <dgm:linClrLst meth="repeat">
+      <a:schemeClr val="lt1"/>
+    </dgm:linClrLst>
+    <dgm:effectClrLst/>
+    <dgm:txLinClrLst/>
+    <dgm:txFillClrLst/>
+    <dgm:txEffectClrLst/>
+  </dgm:styleLbl>
+  <dgm:styleLbl name="node4">
+    <dgm:fillClrLst meth="repeat">
+      <a:schemeClr val="accent1"/>
+    </dgm:fillClrLst>
+    <dgm:linClrLst meth="repeat">
+      <a:schemeClr val="lt1"/>
+    </dgm:linClrLst>
+    <dgm:effectClrLst/>
+    <dgm:txLinClrLst/>
+    <dgm:txFillClrLst/>
+    <dgm:txEffectClrLst/>
+  </dgm:styleLbl>
+  <dgm:styleLbl name="fgImgPlace1">
+    <dgm:fillClrLst meth="repeat">
+      <a:schemeClr val="accent1">
+        <a:tint val="50000"/>
+      </a:schemeClr>
+    </dgm:fillClrLst>
+    <dgm:linClrLst meth="repeat">
+      <a:schemeClr val="lt1"/>
+    </dgm:linClrLst>
+    <dgm:effectClrLst/>
+    <dgm:txLinClrLst/>
+    <dgm:txFillClrLst meth="repeat">
+      <a:schemeClr val="lt1"/>
+    </dgm:txFillClrLst>
+    <dgm:txEffectClrLst/>
+  </dgm:styleLbl>
+  <dgm:styleLbl name="alignImgPlace1">
+    <dgm:fillClrLst meth="repeat">
+      <a:schemeClr val="accent1">
+        <a:tint val="50000"/>
+      </a:schemeClr>
+    </dgm:fillClrLst>
+    <dgm:linClrLst meth="repeat">
+      <a:schemeClr val="lt1"/>
+    </dgm:linClrLst>
+    <dgm:effectClrLst/>
+    <dgm:txLinClrLst/>
+    <dgm:txFillClrLst meth="repeat">
+      <a:schemeClr val="lt1"/>
+    </dgm:txFillClrLst>
+    <dgm:txEffectClrLst/>
+  </dgm:styleLbl>
+  <dgm:styleLbl name="bgImgPlace1">
+    <dgm:fillClrLst meth="repeat">
+      <a:schemeClr val="accent1">
+        <a:tint val="50000"/>
+      </a:schemeClr>
+    </dgm:fillClrLst>
+    <dgm:linClrLst meth="repeat">
+      <a:schemeClr val="lt1"/>
+    </dgm:linClrLst>
+    <dgm:effectClrLst/>
+    <dgm:txLinClrLst/>
+    <dgm:txFillClrLst meth="repeat">
+      <a:schemeClr val="lt1"/>
+    </dgm:txFillClrLst>
+    <dgm:txEffectClrLst/>
+  </dgm:styleLbl>
+  <dgm:styleLbl name="sibTrans2D1">
+    <dgm:fillClrLst meth="repeat">
+      <a:schemeClr val="accent1">
+        <a:tint val="60000"/>
+      </a:schemeClr>
+    </dgm:fillClrLst>
+    <dgm:linClrLst meth="repeat">
+      <a:schemeClr val="accent1">
+        <a:tint val="60000"/>
+      </a:schemeClr>
+    </dgm:linClrLst>
+    <dgm:effectClrLst/>
+    <dgm:txLinClrLst/>
+    <dgm:txFillClrLst/>
+    <dgm:txEffectClrLst/>
+  </dgm:styleLbl>
+  <dgm:styleLbl name="fgSibTrans2D1">
+    <dgm:fillClrLst meth="repeat">
+      <a:schemeClr val="accent1">
+        <a:tint val="60000"/>
+      </a:schemeClr>
+    </dgm:fillClrLst>
+    <dgm:linClrLst meth="repeat">
+      <a:schemeClr val="accent1">
+        <a:tint val="60000"/>
+      </a:schemeClr>
+    </dgm:linClrLst>
+    <dgm:effectClrLst/>
+    <dgm:txLinClrLst/>
+    <dgm:txFillClrLst/>
+    <dgm:txEffectClrLst/>
+  </dgm:styleLbl>
+  <dgm:styleLbl name="bgSibTrans2D1">
+    <dgm:fillClrLst meth="repeat">
+      <a:schemeClr val="accent1">
+        <a:tint val="60000"/>
+      </a:schemeClr>
+    </dgm:fillClrLst>
+    <dgm:linClrLst meth="repeat">
+      <a:schemeClr val="accent1">
+        <a:tint val="60000"/>
+      </a:schemeClr>
+    </dgm:linClrLst>
+    <dgm:effectClrLst/>
+    <dgm:txLinClrLst/>
+    <dgm:txFillClrLst/>
+    <dgm:txEffectClrLst/>
+  </dgm:styleLbl>
+  <dgm:styleLbl name="sibTrans1D1">
+    <dgm:fillClrLst meth="repeat">
+      <a:schemeClr val="accent1"/>
+    </dgm:fillClrLst>
+    <dgm:linClrLst meth="repeat">
+      <a:schemeClr val="accent1"/>
+    </dgm:linClrLst>
+    <dgm:effectClrLst/>
+    <dgm:txLinClrLst/>
+    <dgm:txFillClrLst meth="repeat">
+      <a:schemeClr val="tx1"/>
+    </dgm:txFillClrLst>
+    <dgm:txEffectClrLst/>
+  </dgm:styleLbl>
+  <dgm:styleLbl name="callout">
+    <dgm:fillClrLst meth="repeat">
+      <a:schemeClr val="accent1"/>
+    </dgm:fillClrLst>
+    <dgm:linClrLst meth="repeat">
+      <a:schemeClr val="accent1">
+        <a:tint val="50000"/>
+      </a:schemeClr>
+    </dgm:linClrLst>
+    <dgm:effectClrLst/>
+    <dgm:txLinClrLst/>
+    <dgm:txFillClrLst meth="repeat">
+      <a:schemeClr val="tx1"/>
+    </dgm:txFillClrLst>
+    <dgm:txEffectClrLst/>
+  </dgm:styleLbl>
+  <dgm:styleLbl name="asst0">
+    <dgm:fillClrLst meth="repeat">
+      <a:schemeClr val="accent1"/>
+    </dgm:fillClrLst>
+    <dgm:linClrLst meth="repeat">
+      <a:schemeClr val="lt1"/>
+    </dgm:linClrLst>
+    <dgm:effectClrLst/>
+    <dgm:txLinClrLst/>
+    <dgm:txFillClrLst/>
+    <dgm:txEffectClrLst/>
+  </dgm:styleLbl>
+  <dgm:styleLbl name="asst1">
+    <dgm:fillClrLst meth="repeat">
+      <a:schemeClr val="accent1"/>
+    </dgm:fillClrLst>
+    <dgm:linClrLst meth="repeat">
+      <a:schemeClr val="lt1"/>
+    </dgm:linClrLst>
+    <dgm:effectClrLst/>
+    <dgm:txLinClrLst/>
+    <dgm:txFillClrLst/>
+    <dgm:txEffectClrLst/>
+  </dgm:styleLbl>
+  <dgm:styleLbl name="asst2">
+    <dgm:fillClrLst meth="repeat">
+      <a:schemeClr val="accent1"/>
+    </dgm:fillClrLst>
+    <dgm:linClrLst meth="repeat">
+      <a:schemeClr val="lt1"/>
+    </dgm:linClrLst>
+    <dgm:effectClrLst/>
+    <dgm:txLinClrLst/>
+    <dgm:txFillClrLst/>
+    <dgm:txEffectClrLst/>
+  </dgm:styleLbl>
+  <dgm:styleLbl name="asst3">
+    <dgm:fillClrLst meth="repeat">
+      <a:schemeClr val="accent1"/>
+    </dgm:fillClrLst>
+    <dgm:linClrLst meth="repeat">
+      <a:schemeClr val="lt1"/>
+    </dgm:linClrLst>
+    <dgm:effectClrLst/>
+    <dgm:txLinClrLst/>
+    <dgm:txFillClrLst/>
+    <dgm:txEffectClrLst/>
+  </dgm:styleLbl>
+  <dgm:styleLbl name="asst4">
+    <dgm:fillClrLst meth="repeat">
+      <a:schemeClr val="accent1"/>
+    </dgm:fillClrLst>
+    <dgm:linClrLst meth="repeat">
+      <a:schemeClr val="lt1"/>
+    </dgm:linClrLst>
+    <dgm:effectClrLst/>
+    <dgm:txLinClrLst/>
+    <dgm:txFillClrLst/>
+    <dgm:txEffectClrLst/>
+  </dgm:styleLbl>
+  <dgm:styleLbl name="parChTrans2D1">
+    <dgm:fillClrLst meth="repeat">
+      <a:schemeClr val="accent1">
+        <a:tint val="60000"/>
+      </a:schemeClr>
+    </dgm:fillClrLst>
+    <dgm:linClrLst meth="repeat">
+      <a:schemeClr val="accent1">
+        <a:tint val="60000"/>
+      </a:schemeClr>
+    </dgm:linClrLst>
+    <dgm:effectClrLst/>
+    <dgm:txLinClrLst/>
+    <dgm:txFillClrLst meth="repeat">
+      <a:schemeClr val="lt1"/>
+    </dgm:txFillClrLst>
+    <dgm:txEffectClrLst/>
+  </dgm:styleLbl>
+  <dgm:styleLbl name="parChTrans2D2">
+    <dgm:fillClrLst meth="repeat">
+      <a:schemeClr val="accent1"/>
+    </dgm:fillClrLst>
+    <dgm:linClrLst meth="repeat">
+      <a:schemeClr val="accent1"/>
+    </dgm:linClrLst>
+    <dgm:effectClrLst/>
+    <dgm:txLinClrLst/>
+    <dgm:txFillClrLst meth="repeat">
+      <a:schemeClr val="lt1"/>
+    </dgm:txFillClrLst>
+    <dgm:txEffectClrLst/>
+  </dgm:styleLbl>
+  <dgm:styleLbl name="parChTrans2D3">
+    <dgm:fillClrLst meth="repeat">
+      <a:schemeClr val="accent1"/>
+    </dgm:fillClrLst>
+    <dgm:linClrLst meth="repeat">
+      <a:schemeClr val="accent1"/>
+    </dgm:linClrLst>
+    <dgm:effectClrLst/>
+    <dgm:txLinClrLst/>
+    <dgm:txFillClrLst meth="repeat">
+      <a:schemeClr val="lt1"/>
+    </dgm:txFillClrLst>
+    <dgm:txEffectClrLst/>
+  </dgm:styleLbl>
+  <dgm:styleLbl name="parChTrans2D4">
+    <dgm:fillClrLst meth="repeat">
+      <a:schemeClr val="accent1"/>
+    </dgm:fillClrLst>
+    <dgm:linClrLst meth="repeat">
+      <a:schemeClr val="accent1"/>
+    </dgm:linClrLst>
+    <dgm:effectClrLst/>
+    <dgm:txLinClrLst/>
+    <dgm:txFillClrLst meth="repeat">
+      <a:schemeClr val="lt1"/>
+    </dgm:txFillClrLst>
+    <dgm:txEffectClrLst/>
+  </dgm:styleLbl>
+  <dgm:styleLbl name="parChTrans1D1">
+    <dgm:fillClrLst meth="repeat">
+      <a:schemeClr val="accent1"/>
+    </dgm:fillClrLst>
+    <dgm:linClrLst meth="repeat">
+      <a:schemeClr val="accent1">
+        <a:shade val="60000"/>
+      </a:schemeClr>
+    </dgm:linClrLst>
+    <dgm:effectClrLst/>
+    <dgm:txLinClrLst/>
+    <dgm:txFillClrLst meth="repeat">
+      <a:schemeClr val="tx1"/>
+    </dgm:txFillClrLst>
+    <dgm:txEffectClrLst/>
+  </dgm:styleLbl>
+  <dgm:styleLbl name="parChTrans1D2">
+    <dgm:fillClrLst meth="repeat">
+      <a:schemeClr val="accent1"/>
+    </dgm:fillClrLst>
+    <dgm:linClrLst meth="repeat">
+      <a:schemeClr val="accent1">
+        <a:shade val="60000"/>
+      </a:schemeClr>
+    </dgm:linClrLst>
+    <dgm:effectClrLst/>
+    <dgm:txLinClrLst/>
+    <dgm:txFillClrLst meth="repeat">
+      <a:schemeClr val="tx1"/>
+    </dgm:txFillClrLst>
+    <dgm:txEffectClrLst/>
+  </dgm:styleLbl>
+  <dgm:styleLbl name="parChTrans1D3">
+    <dgm:fillClrLst meth="repeat">
+      <a:schemeClr val="accent1"/>
+    </dgm:fillClrLst>
+    <dgm:linClrLst meth="repeat">
+      <a:schemeClr val="accent1">
+        <a:shade val="80000"/>
+      </a:schemeClr>
+    </dgm:linClrLst>
+    <dgm:effectClrLst/>
+    <dgm:txLinClrLst/>
+    <dgm:txFillClrLst meth="repeat">
+      <a:schemeClr val="tx1"/>
+    </dgm:txFillClrLst>
+    <dgm:txEffectClrLst/>
+  </dgm:styleLbl>
+  <dgm:styleLbl name="parChTrans1D4">
+    <dgm:fillClrLst meth="repeat">
+      <a:schemeClr val="accent1"/>
+    </dgm:fillClrLst>
+    <dgm:linClrLst meth="repeat">
+      <a:schemeClr val="accent1">
+        <a:shade val="80000"/>
+      </a:schemeClr>
+    </dgm:linClrLst>
+    <dgm:effectClrLst/>
+    <dgm:txLinClrLst/>
+    <dgm:txFillClrLst meth="repeat">
+      <a:schemeClr val="tx1"/>
+    </dgm:txFillClrLst>
+    <dgm:txEffectClrLst/>
+  </dgm:styleLbl>
+  <dgm:styleLbl name="fgAcc1">
+    <dgm:fillClrLst meth="repeat">
+      <a:schemeClr val="lt1">
+        <a:alpha val="90000"/>
+      </a:schemeClr>
+    </dgm:fillClrLst>
+    <dgm:linClrLst meth="repeat">
+      <a:schemeClr val="accent1"/>
+    </dgm:linClrLst>
+    <dgm:effectClrLst/>
+    <dgm:txLinClrLst/>
+    <dgm:txFillClrLst meth="repeat">
+      <a:schemeClr val="dk1"/>
+    </dgm:txFillClrLst>
+    <dgm:txEffectClrLst/>
+  </dgm:styleLbl>
+  <dgm:styleLbl name="conFgAcc1">
+    <dgm:fillClrLst meth="repeat">
+      <a:schemeClr val="lt1">
+        <a:alpha val="90000"/>
+      </a:schemeClr>
+    </dgm:fillClrLst>
+    <dgm:linClrLst meth="repeat">
+      <a:schemeClr val="accent1"/>
+    </dgm:linClrLst>
+    <dgm:effectClrLst/>
+    <dgm:txLinClrLst/>
+    <dgm:txFillClrLst meth="repeat">
+      <a:schemeClr val="dk1"/>
+    </dgm:txFillClrLst>
+    <dgm:txEffectClrLst/>
+  </dgm:styleLbl>
+  <dgm:styleLbl name="alignAcc1">
+    <dgm:fillClrLst meth="repeat">
+      <a:schemeClr val="lt1">
+        <a:alpha val="90000"/>
+      </a:schemeClr>
+    </dgm:fillClrLst>
+    <dgm:linClrLst meth="repeat">
+      <a:schemeClr val="accent1"/>
+    </dgm:linClrLst>
+    <dgm:effectClrLst/>
+    <dgm:txLinClrLst/>
+    <dgm:txFillClrLst meth="repeat">
+      <a:schemeClr val="dk1"/>
+    </dgm:txFillClrLst>
+    <dgm:txEffectClrLst/>
+  </dgm:styleLbl>
+  <dgm:styleLbl name="trAlignAcc1">
+    <dgm:fillClrLst meth="repeat">
+      <a:schemeClr val="lt1">
+        <a:alpha val="40000"/>
+      </a:schemeClr>
+    </dgm:fillClrLst>
+    <dgm:linClrLst meth="repeat">
+      <a:schemeClr val="accent1"/>
+    </dgm:linClrLst>
+    <dgm:effectClrLst/>
+    <dgm:txLinClrLst/>
+    <dgm:txFillClrLst meth="repeat">
+      <a:schemeClr val="dk1"/>
+    </dgm:txFillClrLst>
+    <dgm:txEffectClrLst/>
+  </dgm:styleLbl>
+  <dgm:styleLbl name="bgAcc1">
+    <dgm:fillClrLst meth="repeat">
+      <a:schemeClr val="lt1">
+        <a:alpha val="90000"/>
+      </a:schemeClr>
+    </dgm:fillClrLst>
+    <dgm:linClrLst meth="repeat">
+      <a:schemeClr val="accent1"/>
+    </dgm:linClrLst>
+    <dgm:effectClrLst/>
+    <dgm:txLinClrLst/>
+    <dgm:txFillClrLst meth="repeat">
+      <a:schemeClr val="dk1"/>
+    </dgm:txFillClrLst>
+    <dgm:txEffectClrLst/>
+  </dgm:styleLbl>
+  <dgm:styleLbl name="solidFgAcc1">
+    <dgm:fillClrLst meth="repeat">
+      <a:schemeClr val="lt1"/>
+    </dgm:fillClrLst>
+    <dgm:linClrLst meth="repeat">
+      <a:schemeClr val="accent1"/>
+    </dgm:linClrLst>
+    <dgm:effectClrLst/>
+    <dgm:txLinClrLst/>
+    <dgm:txFillClrLst meth="repeat">
+      <a:schemeClr val="dk1"/>
+    </dgm:txFillClrLst>
+    <dgm:txEffectClrLst/>
+  </dgm:styleLbl>
+  <dgm:styleLbl name="solidAlignAcc1">
+    <dgm:fillClrLst meth="repeat">
+      <a:schemeClr val="lt1"/>
+    </dgm:fillClrLst>
+    <dgm:linClrLst meth="repeat">
+      <a:schemeClr val="accent1"/>
+    </dgm:linClrLst>
+    <dgm:effectClrLst/>
+    <dgm:txLinClrLst/>
+    <dgm:txFillClrLst meth="repeat">
+      <a:schemeClr val="dk1"/>
+    </dgm:txFillClrLst>
+    <dgm:txEffectClrLst/>
+  </dgm:styleLbl>
+  <dgm:styleLbl name="solidBgAcc1">
+    <dgm:fillClrLst meth="repeat">
+      <a:schemeClr val="lt1"/>
+    </dgm:fillClrLst>
+    <dgm:linClrLst meth="repeat">
+      <a:schemeClr val="accent1"/>
+    </dgm:linClrLst>
+    <dgm:effectClrLst/>
+    <dgm:txLinClrLst/>
+    <dgm:txFillClrLst meth="repeat">
+      <a:schemeClr val="dk1"/>
+    </dgm:txFillClrLst>
+    <dgm:txEffectClrLst/>
+  </dgm:styleLbl>
+  <dgm:styleLbl name="fgAccFollowNode1">
+    <dgm:fillClrLst meth="repeat">
+      <a:schemeClr val="accent1">
+        <a:alpha val="90000"/>
+        <a:tint val="40000"/>
+      </a:schemeClr>
+    </dgm:fillClrLst>
+    <dgm:linClrLst meth="repeat">
+      <a:schemeClr val="accent1">
+        <a:alpha val="90000"/>
+        <a:tint val="40000"/>
+      </a:schemeClr>
+    </dgm:linClrLst>
+    <dgm:effectClrLst/>
+    <dgm:txLinClrLst/>
+    <dgm:txFillClrLst meth="repeat">
+      <a:schemeClr val="dk1"/>
+    </dgm:txFillClrLst>
+    <dgm:txEffectClrLst/>
+  </dgm:styleLbl>
+  <dgm:styleLbl name="alignAccFollowNode1">
+    <dgm:fillClrLst meth="repeat">
+      <a:schemeClr val="accent1">
+        <a:alpha val="90000"/>
+        <a:tint val="40000"/>
+      </a:schemeClr>
+    </dgm:fillClrLst>
+    <dgm:linClrLst meth="repeat">
+      <a:schemeClr val="accent1">
+        <a:alpha val="90000"/>
+        <a:tint val="40000"/>
+      </a:schemeClr>
+    </dgm:linClrLst>
+    <dgm:effectClrLst/>
+    <dgm:txLinClrLst/>
+    <dgm:txFillClrLst meth="repeat">
+      <a:schemeClr val="dk1"/>
+    </dgm:txFillClrLst>
+    <dgm:txEffectClrLst/>
+  </dgm:styleLbl>
+  <dgm:styleLbl name="bgAccFollowNode1">
+    <dgm:fillClrLst meth="repeat">
+      <a:schemeClr val="accent1">
+        <a:alpha val="90000"/>
+        <a:tint val="40000"/>
+      </a:schemeClr>
+    </dgm:fillClrLst>
+    <dgm:linClrLst meth="repeat">
+      <a:schemeClr val="accent1">
+        <a:alpha val="90000"/>
+        <a:tint val="40000"/>
+      </a:schemeClr>
+    </dgm:linClrLst>
+    <dgm:effectClrLst/>
+    <dgm:txLinClrLst/>
+    <dgm:txFillClrLst meth="repeat">
+      <a:schemeClr val="dk1"/>
+    </dgm:txFillClrLst>
+    <dgm:txEffectClrLst/>
+  </dgm:styleLbl>
+  <dgm:styleLbl name="fgAcc0">
+    <dgm:fillClrLst meth="repeat">
+      <a:schemeClr val="lt1">
+        <a:alpha val="90000"/>
+      </a:schemeClr>
+    </dgm:fillClrLst>
+    <dgm:linClrLst meth="repeat">
+      <a:schemeClr val="accent1"/>
+    </dgm:linClrLst>
+    <dgm:effectClrLst/>
+    <dgm:txLinClrLst/>
+    <dgm:txFillClrLst meth="repeat">
+      <a:schemeClr val="dk1"/>
+    </dgm:txFillClrLst>
+    <dgm:txEffectClrLst/>
+  </dgm:styleLbl>
+  <dgm:styleLbl name="fgAcc2">
+    <dgm:fillClrLst meth="repeat">
+      <a:schemeClr val="lt1">
+        <a:alpha val="90000"/>
+      </a:schemeClr>
+    </dgm:fillClrLst>
+    <dgm:linClrLst meth="repeat">
+      <a:schemeClr val="accent1"/>
+    </dgm:linClrLst>
+    <dgm:effectClrLst/>
+    <dgm:txLinClrLst/>
+    <dgm:txFillClrLst meth="repeat">
+      <a:schemeClr val="dk1"/>
+    </dgm:txFillClrLst>
+    <dgm:txEffectClrLst/>
+  </dgm:styleLbl>
+  <dgm:styleLbl name="fgAcc3">
+    <dgm:fillClrLst meth="repeat">
+      <a:schemeClr val="lt1">
+        <a:alpha val="90000"/>
+      </a:schemeClr>
+    </dgm:fillClrLst>
+    <dgm:linClrLst meth="repeat">
+      <a:schemeClr val="accent1"/>
+    </dgm:linClrLst>
+    <dgm:effectClrLst/>
+    <dgm:txLinClrLst/>
+    <dgm:txFillClrLst meth="repeat">
+      <a:schemeClr val="dk1"/>
+    </dgm:txFillClrLst>
+    <dgm:txEffectClrLst/>
+  </dgm:styleLbl>
+  <dgm:styleLbl name="fgAcc4">
+    <dgm:fillClrLst meth="repeat">
+      <a:schemeClr val="lt1">
+        <a:alpha val="90000"/>
+      </a:schemeClr>
+    </dgm:fillClrLst>
+    <dgm:linClrLst meth="repeat">
+      <a:schemeClr val="accent1"/>
+    </dgm:linClrLst>
+    <dgm:effectClrLst/>
+    <dgm:txLinClrLst/>
+    <dgm:txFillClrLst meth="repeat">
+      <a:schemeClr val="dk1"/>
+    </dgm:txFillClrLst>
+    <dgm:txEffectClrLst/>
+  </dgm:styleLbl>
+  <dgm:styleLbl name="bgShp">
+    <dgm:fillClrLst meth="repeat">
+      <a:schemeClr val="accent1">
+        <a:tint val="40000"/>
+      </a:schemeClr>
+    </dgm:fillClrLst>
+    <dgm:linClrLst meth="repeat">
+      <a:schemeClr val="accent1"/>
+    </dgm:linClrLst>
+    <dgm:effectClrLst/>
+    <dgm:txLinClrLst/>
+    <dgm:txFillClrLst meth="repeat">
+      <a:schemeClr val="dk1"/>
+    </dgm:txFillClrLst>
+    <dgm:txEffectClrLst/>
+  </dgm:styleLbl>
+  <dgm:styleLbl name="dkBgShp">
+    <dgm:fillClrLst meth="repeat">
+      <a:schemeClr val="accent1">
+        <a:shade val="80000"/>
+      </a:schemeClr>
+    </dgm:fillClrLst>
+    <dgm:linClrLst meth="repeat">
+      <a:schemeClr val="accent1"/>
+    </dgm:linClrLst>
+    <dgm:effectClrLst/>
+    <dgm:txLinClrLst/>
+    <dgm:txFillClrLst meth="repeat">
+      <a:schemeClr val="lt1"/>
+    </dgm:txFillClrLst>
+    <dgm:txEffectClrLst/>
+  </dgm:styleLbl>
+  <dgm:styleLbl name="trBgShp">
+    <dgm:fillClrLst meth="repeat">
+      <a:schemeClr val="accent1">
+        <a:tint val="50000"/>
+        <a:alpha val="40000"/>
+      </a:schemeClr>
+    </dgm:fillClrLst>
+    <dgm:linClrLst meth="repeat">
+      <a:schemeClr val="accent1"/>
+    </dgm:linClrLst>
+    <dgm:effectClrLst/>
+    <dgm:txLinClrLst/>
+    <dgm:txFillClrLst meth="repeat">
+      <a:schemeClr val="lt1"/>
+    </dgm:txFillClrLst>
+    <dgm:txEffectClrLst/>
+  </dgm:styleLbl>
+  <dgm:styleLbl name="fgShp">
+    <dgm:fillClrLst meth="repeat">
+      <a:schemeClr val="accent1">
+        <a:tint val="60000"/>
+      </a:schemeClr>
+    </dgm:fillClrLst>
+    <dgm:linClrLst meth="repeat">
+      <a:schemeClr val="lt1"/>
+    </dgm:linClrLst>
+    <dgm:effectClrLst/>
+    <dgm:txLinClrLst/>
+    <dgm:txFillClrLst meth="repeat">
+      <a:schemeClr val="dk1"/>
+    </dgm:txFillClrLst>
+    <dgm:txEffectClrLst/>
+  </dgm:styleLbl>
+  <dgm:styleLbl name="revTx">
+    <dgm:fillClrLst meth="repeat">
+      <a:schemeClr val="lt1">
+        <a:alpha val="0"/>
+      </a:schemeClr>
+    </dgm:fillClrLst>
+    <dgm:linClrLst meth="repeat">
+      <a:schemeClr val="dk1">
+        <a:alpha val="0"/>
+      </a:schemeClr>
+    </dgm:linClrLst>
+    <dgm:effectClrLst/>
+    <dgm:txLinClrLst/>
+    <dgm:txFillClrLst meth="repeat">
+      <a:schemeClr val="tx1"/>
+    </dgm:txFillClrLst>
+    <dgm:txEffectClrLst/>
+  </dgm:styleLbl>
+</dgm:colorsDef>
+</file>
+
+<file path=ppt/diagrams/colors6.xml><?xml version="1.0" encoding="utf-8"?>
+<dgm:colorsDef xmlns:dgm="http://schemas.openxmlformats.org/drawingml/2006/diagram" xmlns:a="http://schemas.openxmlformats.org/drawingml/2006/main" uniqueId="urn:microsoft.com/office/officeart/2005/8/colors/accent1_2">
+  <dgm:title val=""/>
+  <dgm:desc val=""/>
+  <dgm:catLst>
+    <dgm:cat type="accent1" pri="11200"/>
+  </dgm:catLst>
+  <dgm:styleLbl name="node0">
+    <dgm:fillClrLst meth="repeat">
+      <a:schemeClr val="accent1"/>
+    </dgm:fillClrLst>
+    <dgm:linClrLst meth="repeat">
+      <a:schemeClr val="lt1"/>
+    </dgm:linClrLst>
+    <dgm:effectClrLst/>
+    <dgm:txLinClrLst/>
+    <dgm:txFillClrLst/>
+    <dgm:txEffectClrLst/>
+  </dgm:styleLbl>
+  <dgm:styleLbl name="alignNode1">
+    <dgm:fillClrLst meth="repeat">
+      <a:schemeClr val="accent1"/>
+    </dgm:fillClrLst>
+    <dgm:linClrLst meth="repeat">
+      <a:schemeClr val="accent1"/>
+    </dgm:linClrLst>
+    <dgm:effectClrLst/>
+    <dgm:txLinClrLst/>
+    <dgm:txFillClrLst/>
+    <dgm:txEffectClrLst/>
+  </dgm:styleLbl>
+  <dgm:styleLbl name="node1">
+    <dgm:fillClrLst meth="repeat">
+      <a:schemeClr val="accent1"/>
+    </dgm:fillClrLst>
+    <dgm:linClrLst meth="repeat">
+      <a:schemeClr val="lt1"/>
+    </dgm:linClrLst>
+    <dgm:effectClrLst/>
+    <dgm:txLinClrLst/>
+    <dgm:txFillClrLst/>
+    <dgm:txEffectClrLst/>
+  </dgm:styleLbl>
+  <dgm:styleLbl name="lnNode1">
+    <dgm:fillClrLst meth="repeat">
+      <a:schemeClr val="accent1"/>
+    </dgm:fillClrLst>
+    <dgm:linClrLst meth="repeat">
+      <a:schemeClr val="lt1"/>
+    </dgm:linClrLst>
+    <dgm:effectClrLst/>
+    <dgm:txLinClrLst/>
+    <dgm:txFillClrLst/>
+    <dgm:txEffectClrLst/>
+  </dgm:styleLbl>
+  <dgm:styleLbl name="vennNode1">
+    <dgm:fillClrLst meth="repeat">
+      <a:schemeClr val="accent1">
+        <a:alpha val="50000"/>
+      </a:schemeClr>
+    </dgm:fillClrLst>
+    <dgm:linClrLst meth="repeat">
+      <a:schemeClr val="lt1"/>
+    </dgm:linClrLst>
+    <dgm:effectClrLst/>
+    <dgm:txLinClrLst/>
+    <dgm:txFillClrLst/>
+    <dgm:txEffectClrLst/>
+  </dgm:styleLbl>
+  <dgm:styleLbl name="node2">
+    <dgm:fillClrLst meth="repeat">
+      <a:schemeClr val="accent1"/>
+    </dgm:fillClrLst>
+    <dgm:linClrLst meth="repeat">
+      <a:schemeClr val="lt1"/>
+    </dgm:linClrLst>
+    <dgm:effectClrLst/>
+    <dgm:txLinClrLst/>
+    <dgm:txFillClrLst/>
+    <dgm:txEffectClrLst/>
+  </dgm:styleLbl>
+  <dgm:styleLbl name="node3">
+    <dgm:fillClrLst meth="repeat">
+      <a:schemeClr val="accent1"/>
+    </dgm:fillClrLst>
+    <dgm:linClrLst meth="repeat">
+      <a:schemeClr val="lt1"/>
+    </dgm:linClrLst>
+    <dgm:effectClrLst/>
+    <dgm:txLinClrLst/>
+    <dgm:txFillClrLst/>
+    <dgm:txEffectClrLst/>
+  </dgm:styleLbl>
+  <dgm:styleLbl name="node4">
+    <dgm:fillClrLst meth="repeat">
+      <a:schemeClr val="accent1"/>
+    </dgm:fillClrLst>
+    <dgm:linClrLst meth="repeat">
+      <a:schemeClr val="lt1"/>
+    </dgm:linClrLst>
+    <dgm:effectClrLst/>
+    <dgm:txLinClrLst/>
+    <dgm:txFillClrLst/>
+    <dgm:txEffectClrLst/>
+  </dgm:styleLbl>
+  <dgm:styleLbl name="fgImgPlace1">
+    <dgm:fillClrLst meth="repeat">
+      <a:schemeClr val="accent1">
+        <a:tint val="50000"/>
+      </a:schemeClr>
+    </dgm:fillClrLst>
+    <dgm:linClrLst meth="repeat">
+      <a:schemeClr val="lt1"/>
+    </dgm:linClrLst>
+    <dgm:effectClrLst/>
+    <dgm:txLinClrLst/>
+    <dgm:txFillClrLst meth="repeat">
+      <a:schemeClr val="lt1"/>
+    </dgm:txFillClrLst>
+    <dgm:txEffectClrLst/>
+  </dgm:styleLbl>
+  <dgm:styleLbl name="alignImgPlace1">
+    <dgm:fillClrLst meth="repeat">
+      <a:schemeClr val="accent1">
+        <a:tint val="50000"/>
+      </a:schemeClr>
+    </dgm:fillClrLst>
+    <dgm:linClrLst meth="repeat">
+      <a:schemeClr val="lt1"/>
+    </dgm:linClrLst>
+    <dgm:effectClrLst/>
+    <dgm:txLinClrLst/>
+    <dgm:txFillClrLst meth="repeat">
+      <a:schemeClr val="lt1"/>
+    </dgm:txFillClrLst>
+    <dgm:txEffectClrLst/>
+  </dgm:styleLbl>
+  <dgm:styleLbl name="bgImgPlace1">
+    <dgm:fillClrLst meth="repeat">
+      <a:schemeClr val="accent1">
+        <a:tint val="50000"/>
+      </a:schemeClr>
+    </dgm:fillClrLst>
+    <dgm:linClrLst meth="repeat">
+      <a:schemeClr val="lt1"/>
+    </dgm:linClrLst>
+    <dgm:effectClrLst/>
+    <dgm:txLinClrLst/>
+    <dgm:txFillClrLst meth="repeat">
+      <a:schemeClr val="lt1"/>
+    </dgm:txFillClrLst>
+    <dgm:txEffectClrLst/>
+  </dgm:styleLbl>
+  <dgm:styleLbl name="sibTrans2D1">
+    <dgm:fillClrLst meth="repeat">
+      <a:schemeClr val="accent1">
+        <a:tint val="60000"/>
+      </a:schemeClr>
+    </dgm:fillClrLst>
+    <dgm:linClrLst meth="repeat">
+      <a:schemeClr val="accent1">
+        <a:tint val="60000"/>
+      </a:schemeClr>
+    </dgm:linClrLst>
+    <dgm:effectClrLst/>
+    <dgm:txLinClrLst/>
+    <dgm:txFillClrLst/>
+    <dgm:txEffectClrLst/>
+  </dgm:styleLbl>
+  <dgm:styleLbl name="fgSibTrans2D1">
+    <dgm:fillClrLst meth="repeat">
+      <a:schemeClr val="accent1">
+        <a:tint val="60000"/>
+      </a:schemeClr>
+    </dgm:fillClrLst>
+    <dgm:linClrLst meth="repeat">
+      <a:schemeClr val="accent1">
+        <a:tint val="60000"/>
+      </a:schemeClr>
+    </dgm:linClrLst>
+    <dgm:effectClrLst/>
+    <dgm:txLinClrLst/>
+    <dgm:txFillClrLst/>
+    <dgm:txEffectClrLst/>
+  </dgm:styleLbl>
+  <dgm:styleLbl name="bgSibTrans2D1">
+    <dgm:fillClrLst meth="repeat">
+      <a:schemeClr val="accent1">
+        <a:tint val="60000"/>
+      </a:schemeClr>
+    </dgm:fillClrLst>
+    <dgm:linClrLst meth="repeat">
+      <a:schemeClr val="accent1">
+        <a:tint val="60000"/>
+      </a:schemeClr>
+    </dgm:linClrLst>
+    <dgm:effectClrLst/>
+    <dgm:txLinClrLst/>
+    <dgm:txFillClrLst/>
+    <dgm:txEffectClrLst/>
+  </dgm:styleLbl>
+  <dgm:styleLbl name="sibTrans1D1">
+    <dgm:fillClrLst meth="repeat">
+      <a:schemeClr val="accent1"/>
+    </dgm:fillClrLst>
+    <dgm:linClrLst meth="repeat">
+      <a:schemeClr val="accent1"/>
+    </dgm:linClrLst>
+    <dgm:effectClrLst/>
+    <dgm:txLinClrLst/>
+    <dgm:txFillClrLst meth="repeat">
+      <a:schemeClr val="tx1"/>
+    </dgm:txFillClrLst>
+    <dgm:txEffectClrLst/>
+  </dgm:styleLbl>
+  <dgm:styleLbl name="callout">
+    <dgm:fillClrLst meth="repeat">
+      <a:schemeClr val="accent1"/>
+    </dgm:fillClrLst>
+    <dgm:linClrLst meth="repeat">
+      <a:schemeClr val="accent1">
+        <a:tint val="50000"/>
+      </a:schemeClr>
+    </dgm:linClrLst>
+    <dgm:effectClrLst/>
+    <dgm:txLinClrLst/>
+    <dgm:txFillClrLst meth="repeat">
+      <a:schemeClr val="tx1"/>
+    </dgm:txFillClrLst>
+    <dgm:txEffectClrLst/>
+  </dgm:styleLbl>
+  <dgm:styleLbl name="asst0">
+    <dgm:fillClrLst meth="repeat">
+      <a:schemeClr val="accent1"/>
+    </dgm:fillClrLst>
+    <dgm:linClrLst meth="repeat">
+      <a:schemeClr val="lt1"/>
+    </dgm:linClrLst>
+    <dgm:effectClrLst/>
+    <dgm:txLinClrLst/>
+    <dgm:txFillClrLst/>
+    <dgm:txEffectClrLst/>
+  </dgm:styleLbl>
+  <dgm:styleLbl name="asst1">
+    <dgm:fillClrLst meth="repeat">
+      <a:schemeClr val="accent1"/>
+    </dgm:fillClrLst>
+    <dgm:linClrLst meth="repeat">
+      <a:schemeClr val="lt1"/>
+    </dgm:linClrLst>
+    <dgm:effectClrLst/>
+    <dgm:txLinClrLst/>
+    <dgm:txFillClrLst/>
+    <dgm:txEffectClrLst/>
+  </dgm:styleLbl>
+  <dgm:styleLbl name="asst2">
+    <dgm:fillClrLst meth="repeat">
+      <a:schemeClr val="accent1"/>
+    </dgm:fillClrLst>
+    <dgm:linClrLst meth="repeat">
+      <a:schemeClr val="lt1"/>
+    </dgm:linClrLst>
+    <dgm:effectClrLst/>
+    <dgm:txLinClrLst/>
+    <dgm:txFillClrLst/>
+    <dgm:txEffectClrLst/>
+  </dgm:styleLbl>
+  <dgm:styleLbl name="asst3">
+    <dgm:fillClrLst meth="repeat">
+      <a:schemeClr val="accent1"/>
+    </dgm:fillClrLst>
+    <dgm:linClrLst meth="repeat">
+      <a:schemeClr val="lt1"/>
+    </dgm:linClrLst>
+    <dgm:effectClrLst/>
+    <dgm:txLinClrLst/>
+    <dgm:txFillClrLst/>
+    <dgm:txEffectClrLst/>
+  </dgm:styleLbl>
+  <dgm:styleLbl name="asst4">
+    <dgm:fillClrLst meth="repeat">
+      <a:schemeClr val="accent1"/>
+    </dgm:fillClrLst>
+    <dgm:linClrLst meth="repeat">
+      <a:schemeClr val="lt1"/>
+    </dgm:linClrLst>
+    <dgm:effectClrLst/>
+    <dgm:txLinClrLst/>
+    <dgm:txFillClrLst/>
+    <dgm:txEffectClrLst/>
+  </dgm:styleLbl>
+  <dgm:styleLbl name="parChTrans2D1">
+    <dgm:fillClrLst meth="repeat">
+      <a:schemeClr val="accent1">
+        <a:tint val="60000"/>
+      </a:schemeClr>
+    </dgm:fillClrLst>
+    <dgm:linClrLst meth="repeat">
+      <a:schemeClr val="accent1">
+        <a:tint val="60000"/>
+      </a:schemeClr>
+    </dgm:linClrLst>
+    <dgm:effectClrLst/>
+    <dgm:txLinClrLst/>
+    <dgm:txFillClrLst meth="repeat">
+      <a:schemeClr val="lt1"/>
+    </dgm:txFillClrLst>
+    <dgm:txEffectClrLst/>
+  </dgm:styleLbl>
+  <dgm:styleLbl name="parChTrans2D2">
+    <dgm:fillClrLst meth="repeat">
+      <a:schemeClr val="accent1"/>
+    </dgm:fillClrLst>
+    <dgm:linClrLst meth="repeat">
+      <a:schemeClr val="accent1"/>
+    </dgm:linClrLst>
+    <dgm:effectClrLst/>
+    <dgm:txLinClrLst/>
+    <dgm:txFillClrLst meth="repeat">
+      <a:schemeClr val="lt1"/>
+    </dgm:txFillClrLst>
+    <dgm:txEffectClrLst/>
+  </dgm:styleLbl>
+  <dgm:styleLbl name="parChTrans2D3">
+    <dgm:fillClrLst meth="repeat">
+      <a:schemeClr val="accent1"/>
+    </dgm:fillClrLst>
+    <dgm:linClrLst meth="repeat">
+      <a:schemeClr val="accent1"/>
+    </dgm:linClrLst>
+    <dgm:effectClrLst/>
+    <dgm:txLinClrLst/>
+    <dgm:txFillClrLst meth="repeat">
+      <a:schemeClr val="lt1"/>
+    </dgm:txFillClrLst>
+    <dgm:txEffectClrLst/>
+  </dgm:styleLbl>
+  <dgm:styleLbl name="parChTrans2D4">
+    <dgm:fillClrLst meth="repeat">
+      <a:schemeClr val="accent1"/>
+    </dgm:fillClrLst>
+    <dgm:linClrLst meth="repeat">
+      <a:schemeClr val="accent1"/>
+    </dgm:linClrLst>
+    <dgm:effectClrLst/>
+    <dgm:txLinClrLst/>
+    <dgm:txFillClrLst meth="repeat">
+      <a:schemeClr val="lt1"/>
+    </dgm:txFillClrLst>
+    <dgm:txEffectClrLst/>
+  </dgm:styleLbl>
+  <dgm:styleLbl name="parChTrans1D1">
+    <dgm:fillClrLst meth="repeat">
+      <a:schemeClr val="accent1"/>
+    </dgm:fillClrLst>
+    <dgm:linClrLst meth="repeat">
+      <a:schemeClr val="accent1">
+        <a:shade val="60000"/>
+      </a:schemeClr>
+    </dgm:linClrLst>
+    <dgm:effectClrLst/>
+    <dgm:txLinClrLst/>
+    <dgm:txFillClrLst meth="repeat">
+      <a:schemeClr val="tx1"/>
+    </dgm:txFillClrLst>
+    <dgm:txEffectClrLst/>
+  </dgm:styleLbl>
+  <dgm:styleLbl name="parChTrans1D2">
+    <dgm:fillClrLst meth="repeat">
+      <a:schemeClr val="accent1"/>
+    </dgm:fillClrLst>
+    <dgm:linClrLst meth="repeat">
+      <a:schemeClr val="accent1">
+        <a:shade val="60000"/>
+      </a:schemeClr>
+    </dgm:linClrLst>
+    <dgm:effectClrLst/>
+    <dgm:txLinClrLst/>
+    <dgm:txFillClrLst meth="repeat">
+      <a:schemeClr val="tx1"/>
+    </dgm:txFillClrLst>
+    <dgm:txEffectClrLst/>
+  </dgm:styleLbl>
+  <dgm:styleLbl name="parChTrans1D3">
+    <dgm:fillClrLst meth="repeat">
+      <a:schemeClr val="accent1"/>
+    </dgm:fillClrLst>
+    <dgm:linClrLst meth="repeat">
+      <a:schemeClr val="accent1">
+        <a:shade val="80000"/>
+      </a:schemeClr>
+    </dgm:linClrLst>
+    <dgm:effectClrLst/>
+    <dgm:txLinClrLst/>
+    <dgm:txFillClrLst meth="repeat">
+      <a:schemeClr val="tx1"/>
+    </dgm:txFillClrLst>
+    <dgm:txEffectClrLst/>
+  </dgm:styleLbl>
+  <dgm:styleLbl name="parChTrans1D4">
+    <dgm:fillClrLst meth="repeat">
+      <a:schemeClr val="accent1"/>
+    </dgm:fillClrLst>
+    <dgm:linClrLst meth="repeat">
+      <a:schemeClr val="accent1">
+        <a:shade val="80000"/>
+      </a:schemeClr>
+    </dgm:linClrLst>
+    <dgm:effectClrLst/>
+    <dgm:txLinClrLst/>
+    <dgm:txFillClrLst meth="repeat">
+      <a:schemeClr val="tx1"/>
+    </dgm:txFillClrLst>
+    <dgm:txEffectClrLst/>
+  </dgm:styleLbl>
+  <dgm:styleLbl name="fgAcc1">
+    <dgm:fillClrLst meth="repeat">
+      <a:schemeClr val="lt1">
+        <a:alpha val="90000"/>
+      </a:schemeClr>
+    </dgm:fillClrLst>
+    <dgm:linClrLst meth="repeat">
+      <a:schemeClr val="accent1"/>
+    </dgm:linClrLst>
+    <dgm:effectClrLst/>
+    <dgm:txLinClrLst/>
+    <dgm:txFillClrLst meth="repeat">
+      <a:schemeClr val="dk1"/>
+    </dgm:txFillClrLst>
+    <dgm:txEffectClrLst/>
+  </dgm:styleLbl>
+  <dgm:styleLbl name="conFgAcc1">
+    <dgm:fillClrLst meth="repeat">
+      <a:schemeClr val="lt1">
+        <a:alpha val="90000"/>
+      </a:schemeClr>
+    </dgm:fillClrLst>
+    <dgm:linClrLst meth="repeat">
+      <a:schemeClr val="accent1"/>
+    </dgm:linClrLst>
+    <dgm:effectClrLst/>
+    <dgm:txLinClrLst/>
+    <dgm:txFillClrLst meth="repeat">
+      <a:schemeClr val="dk1"/>
+    </dgm:txFillClrLst>
+    <dgm:txEffectClrLst/>
+  </dgm:styleLbl>
+  <dgm:styleLbl name="alignAcc1">
+    <dgm:fillClrLst meth="repeat">
+      <a:schemeClr val="lt1">
+        <a:alpha val="90000"/>
+      </a:schemeClr>
+    </dgm:fillClrLst>
+    <dgm:linClrLst meth="repeat">
+      <a:schemeClr val="accent1"/>
+    </dgm:linClrLst>
+    <dgm:effectClrLst/>
+    <dgm:txLinClrLst/>
+    <dgm:txFillClrLst meth="repeat">
+      <a:schemeClr val="dk1"/>
+    </dgm:txFillClrLst>
+    <dgm:txEffectClrLst/>
+  </dgm:styleLbl>
+  <dgm:styleLbl name="trAlignAcc1">
+    <dgm:fillClrLst meth="repeat">
+      <a:schemeClr val="lt1">
+        <a:alpha val="40000"/>
+      </a:schemeClr>
+    </dgm:fillClrLst>
+    <dgm:linClrLst meth="repeat">
+      <a:schemeClr val="accent1"/>
+    </dgm:linClrLst>
+    <dgm:effectClrLst/>
+    <dgm:txLinClrLst/>
+    <dgm:txFillClrLst meth="repeat">
+      <a:schemeClr val="dk1"/>
+    </dgm:txFillClrLst>
+    <dgm:txEffectClrLst/>
+  </dgm:styleLbl>
+  <dgm:styleLbl name="bgAcc1">
+    <dgm:fillClrLst meth="repeat">
+      <a:schemeClr val="lt1">
+        <a:alpha val="90000"/>
+      </a:schemeClr>
+    </dgm:fillClrLst>
+    <dgm:linClrLst meth="repeat">
+      <a:schemeClr val="accent1"/>
+    </dgm:linClrLst>
+    <dgm:effectClrLst/>
+    <dgm:txLinClrLst/>
+    <dgm:txFillClrLst meth="repeat">
+      <a:schemeClr val="dk1"/>
+    </dgm:txFillClrLst>
+    <dgm:txEffectClrLst/>
+  </dgm:styleLbl>
+  <dgm:styleLbl name="solidFgAcc1">
+    <dgm:fillClrLst meth="repeat">
+      <a:schemeClr val="lt1"/>
+    </dgm:fillClrLst>
+    <dgm:linClrLst meth="repeat">
+      <a:schemeClr val="accent1"/>
+    </dgm:linClrLst>
+    <dgm:effectClrLst/>
+    <dgm:txLinClrLst/>
+    <dgm:txFillClrLst meth="repeat">
+      <a:schemeClr val="dk1"/>
+    </dgm:txFillClrLst>
+    <dgm:txEffectClrLst/>
+  </dgm:styleLbl>
+  <dgm:styleLbl name="solidAlignAcc1">
+    <dgm:fillClrLst meth="repeat">
+      <a:schemeClr val="lt1"/>
+    </dgm:fillClrLst>
+    <dgm:linClrLst meth="repeat">
+      <a:schemeClr val="accent1"/>
+    </dgm:linClrLst>
+    <dgm:effectClrLst/>
+    <dgm:txLinClrLst/>
+    <dgm:txFillClrLst meth="repeat">
+      <a:schemeClr val="dk1"/>
+    </dgm:txFillClrLst>
+    <dgm:txEffectClrLst/>
+  </dgm:styleLbl>
+  <dgm:styleLbl name="solidBgAcc1">
+    <dgm:fillClrLst meth="repeat">
+      <a:schemeClr val="lt1"/>
+    </dgm:fillClrLst>
+    <dgm:linClrLst meth="repeat">
+      <a:schemeClr val="accent1"/>
+    </dgm:linClrLst>
+    <dgm:effectClrLst/>
+    <dgm:txLinClrLst/>
+    <dgm:txFillClrLst meth="repeat">
+      <a:schemeClr val="dk1"/>
+    </dgm:txFillClrLst>
+    <dgm:txEffectClrLst/>
+  </dgm:styleLbl>
+  <dgm:styleLbl name="fgAccFollowNode1">
+    <dgm:fillClrLst meth="repeat">
+      <a:schemeClr val="accent1">
+        <a:alpha val="90000"/>
+        <a:tint val="40000"/>
+      </a:schemeClr>
+    </dgm:fillClrLst>
+    <dgm:linClrLst meth="repeat">
+      <a:schemeClr val="accent1">
+        <a:alpha val="90000"/>
+        <a:tint val="40000"/>
+      </a:schemeClr>
+    </dgm:linClrLst>
+    <dgm:effectClrLst/>
+    <dgm:txLinClrLst/>
+    <dgm:txFillClrLst meth="repeat">
+      <a:schemeClr val="dk1"/>
+    </dgm:txFillClrLst>
+    <dgm:txEffectClrLst/>
+  </dgm:styleLbl>
+  <dgm:styleLbl name="alignAccFollowNode1">
+    <dgm:fillClrLst meth="repeat">
+      <a:schemeClr val="accent1">
+        <a:alpha val="90000"/>
+        <a:tint val="40000"/>
+      </a:schemeClr>
+    </dgm:fillClrLst>
+    <dgm:linClrLst meth="repeat">
+      <a:schemeClr val="accent1">
+        <a:alpha val="90000"/>
+        <a:tint val="40000"/>
+      </a:schemeClr>
+    </dgm:linClrLst>
+    <dgm:effectClrLst/>
+    <dgm:txLinClrLst/>
+    <dgm:txFillClrLst meth="repeat">
+      <a:schemeClr val="dk1"/>
+    </dgm:txFillClrLst>
+    <dgm:txEffectClrLst/>
+  </dgm:styleLbl>
+  <dgm:styleLbl name="bgAccFollowNode1">
+    <dgm:fillClrLst meth="repeat">
+      <a:schemeClr val="accent1">
+        <a:alpha val="90000"/>
+        <a:tint val="40000"/>
+      </a:schemeClr>
+    </dgm:fillClrLst>
+    <dgm:linClrLst meth="repeat">
+      <a:schemeClr val="accent1">
+        <a:alpha val="90000"/>
+        <a:tint val="40000"/>
+      </a:schemeClr>
+    </dgm:linClrLst>
+    <dgm:effectClrLst/>
+    <dgm:txLinClrLst/>
+    <dgm:txFillClrLst meth="repeat">
+      <a:schemeClr val="dk1"/>
+    </dgm:txFillClrLst>
+    <dgm:txEffectClrLst/>
+  </dgm:styleLbl>
+  <dgm:styleLbl name="fgAcc0">
+    <dgm:fillClrLst meth="repeat">
+      <a:schemeClr val="lt1">
+        <a:alpha val="90000"/>
+      </a:schemeClr>
+    </dgm:fillClrLst>
+    <dgm:linClrLst meth="repeat">
+      <a:schemeClr val="accent1"/>
+    </dgm:linClrLst>
+    <dgm:effectClrLst/>
+    <dgm:txLinClrLst/>
+    <dgm:txFillClrLst meth="repeat">
+      <a:schemeClr val="dk1"/>
+    </dgm:txFillClrLst>
+    <dgm:txEffectClrLst/>
+  </dgm:styleLbl>
+  <dgm:styleLbl name="fgAcc2">
+    <dgm:fillClrLst meth="repeat">
+      <a:schemeClr val="lt1">
+        <a:alpha val="90000"/>
+      </a:schemeClr>
+    </dgm:fillClrLst>
+    <dgm:linClrLst meth="repeat">
+      <a:schemeClr val="accent1"/>
+    </dgm:linClrLst>
+    <dgm:effectClrLst/>
+    <dgm:txLinClrLst/>
+    <dgm:txFillClrLst meth="repeat">
+      <a:schemeClr val="dk1"/>
+    </dgm:txFillClrLst>
+    <dgm:txEffectClrLst/>
+  </dgm:styleLbl>
+  <dgm:styleLbl name="fgAcc3">
+    <dgm:fillClrLst meth="repeat">
+      <a:schemeClr val="lt1">
+        <a:alpha val="90000"/>
+      </a:schemeClr>
+    </dgm:fillClrLst>
+    <dgm:linClrLst meth="repeat">
+      <a:schemeClr val="accent1"/>
+    </dgm:linClrLst>
+    <dgm:effectClrLst/>
+    <dgm:txLinClrLst/>
+    <dgm:txFillClrLst meth="repeat">
+      <a:schemeClr val="dk1"/>
+    </dgm:txFillClrLst>
+    <dgm:txEffectClrLst/>
+  </dgm:styleLbl>
+  <dgm:styleLbl name="fgAcc4">
+    <dgm:fillClrLst meth="repeat">
+      <a:schemeClr val="lt1">
+        <a:alpha val="90000"/>
+      </a:schemeClr>
+    </dgm:fillClrLst>
+    <dgm:linClrLst meth="repeat">
+      <a:schemeClr val="accent1"/>
+    </dgm:linClrLst>
+    <dgm:effectClrLst/>
+    <dgm:txLinClrLst/>
+    <dgm:txFillClrLst meth="repeat">
+      <a:schemeClr val="dk1"/>
+    </dgm:txFillClrLst>
+    <dgm:txEffectClrLst/>
+  </dgm:styleLbl>
+  <dgm:styleLbl name="bgShp">
+    <dgm:fillClrLst meth="repeat">
+      <a:schemeClr val="accent1">
+        <a:tint val="40000"/>
+      </a:schemeClr>
+    </dgm:fillClrLst>
+    <dgm:linClrLst meth="repeat">
+      <a:schemeClr val="accent1"/>
+    </dgm:linClrLst>
+    <dgm:effectClrLst/>
+    <dgm:txLinClrLst/>
+    <dgm:txFillClrLst meth="repeat">
+      <a:schemeClr val="dk1"/>
+    </dgm:txFillClrLst>
+    <dgm:txEffectClrLst/>
+  </dgm:styleLbl>
+  <dgm:styleLbl name="dkBgShp">
+    <dgm:fillClrLst meth="repeat">
+      <a:schemeClr val="accent1">
+        <a:shade val="80000"/>
+      </a:schemeClr>
+    </dgm:fillClrLst>
+    <dgm:linClrLst meth="repeat">
+      <a:schemeClr val="accent1"/>
+    </dgm:linClrLst>
+    <dgm:effectClrLst/>
+    <dgm:txLinClrLst/>
+    <dgm:txFillClrLst meth="repeat">
+      <a:schemeClr val="lt1"/>
+    </dgm:txFillClrLst>
+    <dgm:txEffectClrLst/>
+  </dgm:styleLbl>
+  <dgm:styleLbl name="trBgShp">
+    <dgm:fillClrLst meth="repeat">
+      <a:schemeClr val="accent1">
+        <a:tint val="50000"/>
+        <a:alpha val="40000"/>
+      </a:schemeClr>
+    </dgm:fillClrLst>
+    <dgm:linClrLst meth="repeat">
+      <a:schemeClr val="accent1"/>
+    </dgm:linClrLst>
+    <dgm:effectClrLst/>
+    <dgm:txLinClrLst/>
+    <dgm:txFillClrLst meth="repeat">
+      <a:schemeClr val="lt1"/>
+    </dgm:txFillClrLst>
+    <dgm:txEffectClrLst/>
+  </dgm:styleLbl>
+  <dgm:styleLbl name="fgShp">
+    <dgm:fillClrLst meth="repeat">
+      <a:schemeClr val="accent1">
+        <a:tint val="60000"/>
+      </a:schemeClr>
+    </dgm:fillClrLst>
+    <dgm:linClrLst meth="repeat">
+      <a:schemeClr val="lt1"/>
+    </dgm:linClrLst>
+    <dgm:effectClrLst/>
+    <dgm:txLinClrLst/>
+    <dgm:txFillClrLst meth="repeat">
+      <a:schemeClr val="dk1"/>
+    </dgm:txFillClrLst>
+    <dgm:txEffectClrLst/>
+  </dgm:styleLbl>
+  <dgm:styleLbl name="revTx">
+    <dgm:fillClrLst meth="repeat">
+      <a:schemeClr val="lt1">
+        <a:alpha val="0"/>
+      </a:schemeClr>
+    </dgm:fillClrLst>
+    <dgm:linClrLst meth="repeat">
+      <a:schemeClr val="dk1">
+        <a:alpha val="0"/>
+      </a:schemeClr>
+    </dgm:linClrLst>
+    <dgm:effectClrLst/>
+    <dgm:txLinClrLst/>
+    <dgm:txFillClrLst meth="repeat">
+      <a:schemeClr val="tx1"/>
+    </dgm:txFillClrLst>
+    <dgm:txEffectClrLst/>
+  </dgm:styleLbl>
+</dgm:colorsDef>
+</file>
+
 <file path=ppt/diagrams/data1.xml><?xml version="1.0" encoding="utf-8"?>
 <dgm:dataModel xmlns:dgm="http://schemas.openxmlformats.org/drawingml/2006/diagram" xmlns:a="http://schemas.openxmlformats.org/drawingml/2006/main">
   <dgm:ptLst>
@@ -3850,6 +5350,13 @@
         </dgm:presLayoutVars>
       </dgm:prSet>
       <dgm:spPr/>
+      <dgm:t>
+        <a:bodyPr/>
+        <a:lstStyle/>
+        <a:p>
+          <a:endParaRPr lang="zh-CN" altLang="en-US"/>
+        </a:p>
+      </dgm:t>
     </dgm:pt>
     <dgm:pt modelId="{027AE4A1-F3D4-4CF8-A474-CD77141B48A7}" type="pres">
       <dgm:prSet presAssocID="{E21412F6-F8B6-4877-B5A3-1D2645173BD3}" presName="hierRoot1" presStyleCnt="0">
@@ -3887,10 +5394,24 @@
         </dgm:presLayoutVars>
       </dgm:prSet>
       <dgm:spPr/>
+      <dgm:t>
+        <a:bodyPr/>
+        <a:lstStyle/>
+        <a:p>
+          <a:endParaRPr lang="zh-CN" altLang="en-US"/>
+        </a:p>
+      </dgm:t>
     </dgm:pt>
     <dgm:pt modelId="{25BCDCA1-7378-4966-BF53-CF07D25A4218}" type="pres">
       <dgm:prSet presAssocID="{E21412F6-F8B6-4877-B5A3-1D2645173BD3}" presName="rootConnector1" presStyleLbl="node1" presStyleIdx="0" presStyleCnt="17"/>
       <dgm:spPr/>
+      <dgm:t>
+        <a:bodyPr/>
+        <a:lstStyle/>
+        <a:p>
+          <a:endParaRPr lang="zh-CN" altLang="en-US"/>
+        </a:p>
+      </dgm:t>
     </dgm:pt>
     <dgm:pt modelId="{89FAE3A6-A8B9-4B8C-9682-92C8EC343AB0}" type="pres">
       <dgm:prSet presAssocID="{E21412F6-F8B6-4877-B5A3-1D2645173BD3}" presName="hierChild2" presStyleCnt="0"/>
@@ -3899,6 +5420,13 @@
     <dgm:pt modelId="{8CCE3855-BA01-4ECE-80AC-CE4B31DD7EA3}" type="pres">
       <dgm:prSet presAssocID="{9AC7ACC0-2733-4A78-B5DD-2F568ABCC62C}" presName="Name37" presStyleLbl="parChTrans1D2" presStyleIdx="0" presStyleCnt="2"/>
       <dgm:spPr/>
+      <dgm:t>
+        <a:bodyPr/>
+        <a:lstStyle/>
+        <a:p>
+          <a:endParaRPr lang="zh-CN" altLang="en-US"/>
+        </a:p>
+      </dgm:t>
     </dgm:pt>
     <dgm:pt modelId="{D6F7708F-120E-4BB9-A755-846DAD089E62}" type="pres">
       <dgm:prSet presAssocID="{F8540D8F-842D-4728-AB5D-7C88723AA44D}" presName="hierRoot2" presStyleCnt="0">
@@ -3920,6 +5448,13 @@
         </dgm:presLayoutVars>
       </dgm:prSet>
       <dgm:spPr/>
+      <dgm:t>
+        <a:bodyPr/>
+        <a:lstStyle/>
+        <a:p>
+          <a:endParaRPr lang="zh-CN" altLang="en-US"/>
+        </a:p>
+      </dgm:t>
     </dgm:pt>
     <dgm:pt modelId="{27B90BA2-B19F-4A36-867A-F1E7855C18E8}" type="pres">
       <dgm:prSet presAssocID="{F8540D8F-842D-4728-AB5D-7C88723AA44D}" presName="titleText2" presStyleLbl="fgAcc1" presStyleIdx="0" presStyleCnt="17">
@@ -3929,10 +5464,24 @@
         </dgm:presLayoutVars>
       </dgm:prSet>
       <dgm:spPr/>
+      <dgm:t>
+        <a:bodyPr/>
+        <a:lstStyle/>
+        <a:p>
+          <a:endParaRPr lang="zh-CN" altLang="en-US"/>
+        </a:p>
+      </dgm:t>
     </dgm:pt>
     <dgm:pt modelId="{EB130543-171C-469C-8ADC-A5057937F01C}" type="pres">
       <dgm:prSet presAssocID="{F8540D8F-842D-4728-AB5D-7C88723AA44D}" presName="rootConnector" presStyleLbl="node2" presStyleIdx="0" presStyleCnt="0"/>
       <dgm:spPr/>
+      <dgm:t>
+        <a:bodyPr/>
+        <a:lstStyle/>
+        <a:p>
+          <a:endParaRPr lang="zh-CN" altLang="en-US"/>
+        </a:p>
+      </dgm:t>
     </dgm:pt>
     <dgm:pt modelId="{2968F617-6F29-4ADB-A7D2-72F6A9AC940C}" type="pres">
       <dgm:prSet presAssocID="{F8540D8F-842D-4728-AB5D-7C88723AA44D}" presName="hierChild4" presStyleCnt="0"/>
@@ -3945,6 +5494,13 @@
     <dgm:pt modelId="{9E007C76-6257-47A8-B735-63EA3D7A08C8}" type="pres">
       <dgm:prSet presAssocID="{340911AF-DD18-4E72-8A97-F432B6E4DC21}" presName="Name37" presStyleLbl="parChTrans1D2" presStyleIdx="1" presStyleCnt="2"/>
       <dgm:spPr/>
+      <dgm:t>
+        <a:bodyPr/>
+        <a:lstStyle/>
+        <a:p>
+          <a:endParaRPr lang="zh-CN" altLang="en-US"/>
+        </a:p>
+      </dgm:t>
     </dgm:pt>
     <dgm:pt modelId="{E853BBDB-E561-4504-A86E-E9915DA05CEA}" type="pres">
       <dgm:prSet presAssocID="{98B8A5A8-2B75-48BA-8041-9C13C210609D}" presName="hierRoot2" presStyleCnt="0">
@@ -3966,6 +5522,13 @@
         </dgm:presLayoutVars>
       </dgm:prSet>
       <dgm:spPr/>
+      <dgm:t>
+        <a:bodyPr/>
+        <a:lstStyle/>
+        <a:p>
+          <a:endParaRPr lang="zh-CN" altLang="en-US"/>
+        </a:p>
+      </dgm:t>
     </dgm:pt>
     <dgm:pt modelId="{3518303C-ED68-41C8-B9F7-05B65142A32E}" type="pres">
       <dgm:prSet presAssocID="{98B8A5A8-2B75-48BA-8041-9C13C210609D}" presName="titleText2" presStyleLbl="fgAcc1" presStyleIdx="1" presStyleCnt="17">
@@ -3975,10 +5538,24 @@
         </dgm:presLayoutVars>
       </dgm:prSet>
       <dgm:spPr/>
+      <dgm:t>
+        <a:bodyPr/>
+        <a:lstStyle/>
+        <a:p>
+          <a:endParaRPr lang="zh-CN" altLang="en-US"/>
+        </a:p>
+      </dgm:t>
     </dgm:pt>
     <dgm:pt modelId="{29297073-770B-4E74-8A71-652F4D35C065}" type="pres">
       <dgm:prSet presAssocID="{98B8A5A8-2B75-48BA-8041-9C13C210609D}" presName="rootConnector" presStyleLbl="node2" presStyleIdx="0" presStyleCnt="0"/>
       <dgm:spPr/>
+      <dgm:t>
+        <a:bodyPr/>
+        <a:lstStyle/>
+        <a:p>
+          <a:endParaRPr lang="zh-CN" altLang="en-US"/>
+        </a:p>
+      </dgm:t>
     </dgm:pt>
     <dgm:pt modelId="{F6096EBF-EAE7-4E5D-BFA5-441589DCF01C}" type="pres">
       <dgm:prSet presAssocID="{98B8A5A8-2B75-48BA-8041-9C13C210609D}" presName="hierChild4" presStyleCnt="0"/>
@@ -3987,6 +5564,13 @@
     <dgm:pt modelId="{149849EB-D923-46C4-BECF-830EBC9491A6}" type="pres">
       <dgm:prSet presAssocID="{137D738E-0763-4C51-954A-7A8DBDB5FFD6}" presName="Name37" presStyleLbl="parChTrans1D3" presStyleIdx="0" presStyleCnt="2"/>
       <dgm:spPr/>
+      <dgm:t>
+        <a:bodyPr/>
+        <a:lstStyle/>
+        <a:p>
+          <a:endParaRPr lang="zh-CN" altLang="en-US"/>
+        </a:p>
+      </dgm:t>
     </dgm:pt>
     <dgm:pt modelId="{9885F378-76D9-4211-A29E-E65A686A0959}" type="pres">
       <dgm:prSet presAssocID="{B6D8A5CD-05D7-4BD6-930B-661C00AFF661}" presName="hierRoot2" presStyleCnt="0">
@@ -4024,10 +5608,24 @@
         </dgm:presLayoutVars>
       </dgm:prSet>
       <dgm:spPr/>
+      <dgm:t>
+        <a:bodyPr/>
+        <a:lstStyle/>
+        <a:p>
+          <a:endParaRPr lang="zh-CN" altLang="en-US"/>
+        </a:p>
+      </dgm:t>
     </dgm:pt>
     <dgm:pt modelId="{02C004B2-63B3-4608-9345-22E9CC3E868C}" type="pres">
       <dgm:prSet presAssocID="{B6D8A5CD-05D7-4BD6-930B-661C00AFF661}" presName="rootConnector" presStyleLbl="node3" presStyleIdx="0" presStyleCnt="0"/>
       <dgm:spPr/>
+      <dgm:t>
+        <a:bodyPr/>
+        <a:lstStyle/>
+        <a:p>
+          <a:endParaRPr lang="zh-CN" altLang="en-US"/>
+        </a:p>
+      </dgm:t>
     </dgm:pt>
     <dgm:pt modelId="{A9DBABF1-038B-46C3-A729-D642B4404028}" type="pres">
       <dgm:prSet presAssocID="{B6D8A5CD-05D7-4BD6-930B-661C00AFF661}" presName="hierChild4" presStyleCnt="0"/>
@@ -4040,6 +5638,13 @@
     <dgm:pt modelId="{2949CF0C-287F-4175-BF06-92EAB5C96BB2}" type="pres">
       <dgm:prSet presAssocID="{39E5A908-DBFD-4C86-BA62-23E66E1A68F3}" presName="Name37" presStyleLbl="parChTrans1D3" presStyleIdx="1" presStyleCnt="2"/>
       <dgm:spPr/>
+      <dgm:t>
+        <a:bodyPr/>
+        <a:lstStyle/>
+        <a:p>
+          <a:endParaRPr lang="zh-CN" altLang="en-US"/>
+        </a:p>
+      </dgm:t>
     </dgm:pt>
     <dgm:pt modelId="{29AF03EB-541A-4B96-97AA-A8DCB3A54127}" type="pres">
       <dgm:prSet presAssocID="{E15456C9-1264-44CE-A46A-1332FDEA4D63}" presName="hierRoot2" presStyleCnt="0">
@@ -4061,6 +5666,13 @@
         </dgm:presLayoutVars>
       </dgm:prSet>
       <dgm:spPr/>
+      <dgm:t>
+        <a:bodyPr/>
+        <a:lstStyle/>
+        <a:p>
+          <a:endParaRPr lang="zh-CN" altLang="en-US"/>
+        </a:p>
+      </dgm:t>
     </dgm:pt>
     <dgm:pt modelId="{95E6DB3B-AD48-4715-9855-4898B682D86D}" type="pres">
       <dgm:prSet presAssocID="{E15456C9-1264-44CE-A46A-1332FDEA4D63}" presName="titleText2" presStyleLbl="fgAcc1" presStyleIdx="3" presStyleCnt="17">
@@ -4070,10 +5682,24 @@
         </dgm:presLayoutVars>
       </dgm:prSet>
       <dgm:spPr/>
+      <dgm:t>
+        <a:bodyPr/>
+        <a:lstStyle/>
+        <a:p>
+          <a:endParaRPr lang="zh-CN" altLang="en-US"/>
+        </a:p>
+      </dgm:t>
     </dgm:pt>
     <dgm:pt modelId="{1D71B1E5-6B39-4842-94CA-612907EC3818}" type="pres">
       <dgm:prSet presAssocID="{E15456C9-1264-44CE-A46A-1332FDEA4D63}" presName="rootConnector" presStyleLbl="node3" presStyleIdx="0" presStyleCnt="0"/>
       <dgm:spPr/>
+      <dgm:t>
+        <a:bodyPr/>
+        <a:lstStyle/>
+        <a:p>
+          <a:endParaRPr lang="zh-CN" altLang="en-US"/>
+        </a:p>
+      </dgm:t>
     </dgm:pt>
     <dgm:pt modelId="{E415CBEA-5B08-4C74-9586-52F7C0805823}" type="pres">
       <dgm:prSet presAssocID="{E15456C9-1264-44CE-A46A-1332FDEA4D63}" presName="hierChild4" presStyleCnt="0"/>
@@ -4082,6 +5708,13 @@
     <dgm:pt modelId="{78214B65-B5FE-4ABF-8A0C-CA99AA9FB35E}" type="pres">
       <dgm:prSet presAssocID="{C99AAC59-7635-4022-BF61-F1B616ECF97A}" presName="Name37" presStyleLbl="parChTrans1D4" presStyleIdx="0" presStyleCnt="13"/>
       <dgm:spPr/>
+      <dgm:t>
+        <a:bodyPr/>
+        <a:lstStyle/>
+        <a:p>
+          <a:endParaRPr lang="zh-CN" altLang="en-US"/>
+        </a:p>
+      </dgm:t>
     </dgm:pt>
     <dgm:pt modelId="{67AC16CB-293B-4487-A1FE-F8142498E08F}" type="pres">
       <dgm:prSet presAssocID="{E5C82CA0-96D5-4FFF-97E4-CCB952C228C7}" presName="hierRoot2" presStyleCnt="0">
@@ -4103,6 +5736,13 @@
         </dgm:presLayoutVars>
       </dgm:prSet>
       <dgm:spPr/>
+      <dgm:t>
+        <a:bodyPr/>
+        <a:lstStyle/>
+        <a:p>
+          <a:endParaRPr lang="zh-CN" altLang="en-US"/>
+        </a:p>
+      </dgm:t>
     </dgm:pt>
     <dgm:pt modelId="{8BD8E232-E0DA-4845-818E-EA2EBBC9B0BB}" type="pres">
       <dgm:prSet presAssocID="{E5C82CA0-96D5-4FFF-97E4-CCB952C228C7}" presName="titleText2" presStyleLbl="fgAcc1" presStyleIdx="4" presStyleCnt="17">
@@ -4112,10 +5752,24 @@
         </dgm:presLayoutVars>
       </dgm:prSet>
       <dgm:spPr/>
+      <dgm:t>
+        <a:bodyPr/>
+        <a:lstStyle/>
+        <a:p>
+          <a:endParaRPr lang="zh-CN" altLang="en-US"/>
+        </a:p>
+      </dgm:t>
     </dgm:pt>
     <dgm:pt modelId="{D6CBF49A-2774-4508-A938-94A33E3AE15D}" type="pres">
       <dgm:prSet presAssocID="{E5C82CA0-96D5-4FFF-97E4-CCB952C228C7}" presName="rootConnector" presStyleLbl="node4" presStyleIdx="0" presStyleCnt="0"/>
       <dgm:spPr/>
+      <dgm:t>
+        <a:bodyPr/>
+        <a:lstStyle/>
+        <a:p>
+          <a:endParaRPr lang="zh-CN" altLang="en-US"/>
+        </a:p>
+      </dgm:t>
     </dgm:pt>
     <dgm:pt modelId="{28BE3BBC-DEB1-4B06-B20B-7F83BF25B377}" type="pres">
       <dgm:prSet presAssocID="{E5C82CA0-96D5-4FFF-97E4-CCB952C228C7}" presName="hierChild4" presStyleCnt="0"/>
@@ -4128,6 +5782,13 @@
     <dgm:pt modelId="{2F150A28-35D7-4EDD-AD14-08E30D1702BB}" type="pres">
       <dgm:prSet presAssocID="{C52EAC42-BF7A-4839-BED5-3E5C5A8A8F1B}" presName="Name37" presStyleLbl="parChTrans1D4" presStyleIdx="1" presStyleCnt="13"/>
       <dgm:spPr/>
+      <dgm:t>
+        <a:bodyPr/>
+        <a:lstStyle/>
+        <a:p>
+          <a:endParaRPr lang="zh-CN" altLang="en-US"/>
+        </a:p>
+      </dgm:t>
     </dgm:pt>
     <dgm:pt modelId="{4AE057B1-8A3F-4C33-AEA0-2200AF9AFCF0}" type="pres">
       <dgm:prSet presAssocID="{FF31ECF4-BE1B-44EC-8950-5F3CAA13C9E1}" presName="hierRoot2" presStyleCnt="0">
@@ -4149,6 +5810,13 @@
         </dgm:presLayoutVars>
       </dgm:prSet>
       <dgm:spPr/>
+      <dgm:t>
+        <a:bodyPr/>
+        <a:lstStyle/>
+        <a:p>
+          <a:endParaRPr lang="zh-CN" altLang="en-US"/>
+        </a:p>
+      </dgm:t>
     </dgm:pt>
     <dgm:pt modelId="{687579E5-F4F4-4EF1-A1AC-287D3B03AD65}" type="pres">
       <dgm:prSet presAssocID="{FF31ECF4-BE1B-44EC-8950-5F3CAA13C9E1}" presName="titleText2" presStyleLbl="fgAcc1" presStyleIdx="5" presStyleCnt="17">
@@ -4158,10 +5826,24 @@
         </dgm:presLayoutVars>
       </dgm:prSet>
       <dgm:spPr/>
+      <dgm:t>
+        <a:bodyPr/>
+        <a:lstStyle/>
+        <a:p>
+          <a:endParaRPr lang="zh-CN" altLang="en-US"/>
+        </a:p>
+      </dgm:t>
     </dgm:pt>
     <dgm:pt modelId="{28AA62B0-0144-4478-95AE-6BB68EA28D13}" type="pres">
       <dgm:prSet presAssocID="{FF31ECF4-BE1B-44EC-8950-5F3CAA13C9E1}" presName="rootConnector" presStyleLbl="node4" presStyleIdx="0" presStyleCnt="0"/>
       <dgm:spPr/>
+      <dgm:t>
+        <a:bodyPr/>
+        <a:lstStyle/>
+        <a:p>
+          <a:endParaRPr lang="zh-CN" altLang="en-US"/>
+        </a:p>
+      </dgm:t>
     </dgm:pt>
     <dgm:pt modelId="{CD27BAB4-460A-40E6-B594-430C7F4195F0}" type="pres">
       <dgm:prSet presAssocID="{FF31ECF4-BE1B-44EC-8950-5F3CAA13C9E1}" presName="hierChild4" presStyleCnt="0"/>
@@ -4170,6 +5852,13 @@
     <dgm:pt modelId="{1683A76A-8157-4355-B30D-E69C1BB81D29}" type="pres">
       <dgm:prSet presAssocID="{5D122C4F-1DBD-4CF7-AC9C-40B0E92DBFB9}" presName="Name37" presStyleLbl="parChTrans1D4" presStyleIdx="2" presStyleCnt="13"/>
       <dgm:spPr/>
+      <dgm:t>
+        <a:bodyPr/>
+        <a:lstStyle/>
+        <a:p>
+          <a:endParaRPr lang="zh-CN" altLang="en-US"/>
+        </a:p>
+      </dgm:t>
     </dgm:pt>
     <dgm:pt modelId="{F66AC626-D3FD-4F06-B36A-A54987FE99B2}" type="pres">
       <dgm:prSet presAssocID="{6F3ABB5B-4390-4D4C-A351-C086BA6E696F}" presName="hierRoot2" presStyleCnt="0">
@@ -4207,10 +5896,24 @@
         </dgm:presLayoutVars>
       </dgm:prSet>
       <dgm:spPr/>
+      <dgm:t>
+        <a:bodyPr/>
+        <a:lstStyle/>
+        <a:p>
+          <a:endParaRPr lang="zh-CN" altLang="en-US"/>
+        </a:p>
+      </dgm:t>
     </dgm:pt>
     <dgm:pt modelId="{2583DDCA-D066-4957-A24E-5145344FEE1F}" type="pres">
       <dgm:prSet presAssocID="{6F3ABB5B-4390-4D4C-A351-C086BA6E696F}" presName="rootConnector" presStyleLbl="node4" presStyleIdx="0" presStyleCnt="0"/>
       <dgm:spPr/>
+      <dgm:t>
+        <a:bodyPr/>
+        <a:lstStyle/>
+        <a:p>
+          <a:endParaRPr lang="zh-CN" altLang="en-US"/>
+        </a:p>
+      </dgm:t>
     </dgm:pt>
     <dgm:pt modelId="{52362451-8083-4E28-91BF-C76FACD35857}" type="pres">
       <dgm:prSet presAssocID="{6F3ABB5B-4390-4D4C-A351-C086BA6E696F}" presName="hierChild4" presStyleCnt="0"/>
@@ -4223,6 +5926,13 @@
     <dgm:pt modelId="{54644C48-106A-4DDE-967E-9C553AFFCB26}" type="pres">
       <dgm:prSet presAssocID="{1D5B3EF4-BE0A-4BBA-AC69-B7F49B651F6F}" presName="Name37" presStyleLbl="parChTrans1D4" presStyleIdx="3" presStyleCnt="13"/>
       <dgm:spPr/>
+      <dgm:t>
+        <a:bodyPr/>
+        <a:lstStyle/>
+        <a:p>
+          <a:endParaRPr lang="zh-CN" altLang="en-US"/>
+        </a:p>
+      </dgm:t>
     </dgm:pt>
     <dgm:pt modelId="{A68EF843-8844-422F-AEB7-C8E78CA686CB}" type="pres">
       <dgm:prSet presAssocID="{9B5504EE-262E-421F-B6D0-17AEEAEBC46F}" presName="hierRoot2" presStyleCnt="0">
@@ -4271,6 +5981,13 @@
     <dgm:pt modelId="{AA25AFFA-8FB6-4FBD-91FE-E98622B57003}" type="pres">
       <dgm:prSet presAssocID="{9B5504EE-262E-421F-B6D0-17AEEAEBC46F}" presName="rootConnector" presStyleLbl="node4" presStyleIdx="0" presStyleCnt="0"/>
       <dgm:spPr/>
+      <dgm:t>
+        <a:bodyPr/>
+        <a:lstStyle/>
+        <a:p>
+          <a:endParaRPr lang="zh-CN" altLang="en-US"/>
+        </a:p>
+      </dgm:t>
     </dgm:pt>
     <dgm:pt modelId="{BB0CCDCF-420F-4C96-84E1-C208CB4FC2A6}" type="pres">
       <dgm:prSet presAssocID="{9B5504EE-262E-421F-B6D0-17AEEAEBC46F}" presName="hierChild4" presStyleCnt="0"/>
@@ -4279,6 +5996,13 @@
     <dgm:pt modelId="{2F41E6E4-21D3-4C31-927E-F82D7255BF4B}" type="pres">
       <dgm:prSet presAssocID="{E7A8FCB0-04D3-41C6-A08E-323E962A68EC}" presName="Name37" presStyleLbl="parChTrans1D4" presStyleIdx="4" presStyleCnt="13"/>
       <dgm:spPr/>
+      <dgm:t>
+        <a:bodyPr/>
+        <a:lstStyle/>
+        <a:p>
+          <a:endParaRPr lang="zh-CN" altLang="en-US"/>
+        </a:p>
+      </dgm:t>
     </dgm:pt>
     <dgm:pt modelId="{C1852D78-332E-4BB2-8FF4-D51A91A9251B}" type="pres">
       <dgm:prSet presAssocID="{26E62099-3BC6-4E17-94C4-80340E00CF78}" presName="hierRoot2" presStyleCnt="0">
@@ -4300,6 +6024,13 @@
         </dgm:presLayoutVars>
       </dgm:prSet>
       <dgm:spPr/>
+      <dgm:t>
+        <a:bodyPr/>
+        <a:lstStyle/>
+        <a:p>
+          <a:endParaRPr lang="zh-CN" altLang="en-US"/>
+        </a:p>
+      </dgm:t>
     </dgm:pt>
     <dgm:pt modelId="{6A8BA006-F54F-4C04-BC17-4EA28E8359E9}" type="pres">
       <dgm:prSet presAssocID="{26E62099-3BC6-4E17-94C4-80340E00CF78}" presName="titleText2" presStyleLbl="fgAcc1" presStyleIdx="8" presStyleCnt="17">
@@ -4309,10 +6040,24 @@
         </dgm:presLayoutVars>
       </dgm:prSet>
       <dgm:spPr/>
+      <dgm:t>
+        <a:bodyPr/>
+        <a:lstStyle/>
+        <a:p>
+          <a:endParaRPr lang="zh-CN" altLang="en-US"/>
+        </a:p>
+      </dgm:t>
     </dgm:pt>
     <dgm:pt modelId="{99D4E039-A8D0-4953-9B21-FAC1C94D5CE2}" type="pres">
       <dgm:prSet presAssocID="{26E62099-3BC6-4E17-94C4-80340E00CF78}" presName="rootConnector" presStyleLbl="node4" presStyleIdx="0" presStyleCnt="0"/>
       <dgm:spPr/>
+      <dgm:t>
+        <a:bodyPr/>
+        <a:lstStyle/>
+        <a:p>
+          <a:endParaRPr lang="zh-CN" altLang="en-US"/>
+        </a:p>
+      </dgm:t>
     </dgm:pt>
     <dgm:pt modelId="{23CC16E8-DB5E-4EE3-BA50-4E222070DFE8}" type="pres">
       <dgm:prSet presAssocID="{26E62099-3BC6-4E17-94C4-80340E00CF78}" presName="hierChild4" presStyleCnt="0"/>
@@ -4321,6 +6066,13 @@
     <dgm:pt modelId="{B7BE6F71-DCEE-4A74-B377-2CA0B5CEBA74}" type="pres">
       <dgm:prSet presAssocID="{90F310DB-8B4B-4A3C-BC11-30000B3AF5E0}" presName="Name37" presStyleLbl="parChTrans1D4" presStyleIdx="5" presStyleCnt="13"/>
       <dgm:spPr/>
+      <dgm:t>
+        <a:bodyPr/>
+        <a:lstStyle/>
+        <a:p>
+          <a:endParaRPr lang="zh-CN" altLang="en-US"/>
+        </a:p>
+      </dgm:t>
     </dgm:pt>
     <dgm:pt modelId="{C8870830-1B49-490A-9386-3E8F7ECC4C61}" type="pres">
       <dgm:prSet presAssocID="{883F479D-59C7-4D7B-A722-21C7D5F2E269}" presName="hierRoot2" presStyleCnt="0">
@@ -4369,6 +6121,13 @@
     <dgm:pt modelId="{5484D4D6-EA5E-47A9-8B98-31668B75EC0C}" type="pres">
       <dgm:prSet presAssocID="{883F479D-59C7-4D7B-A722-21C7D5F2E269}" presName="rootConnector" presStyleLbl="node4" presStyleIdx="0" presStyleCnt="0"/>
       <dgm:spPr/>
+      <dgm:t>
+        <a:bodyPr/>
+        <a:lstStyle/>
+        <a:p>
+          <a:endParaRPr lang="zh-CN" altLang="en-US"/>
+        </a:p>
+      </dgm:t>
     </dgm:pt>
     <dgm:pt modelId="{765A2D08-DE5C-472C-B363-80AFE73944DA}" type="pres">
       <dgm:prSet presAssocID="{883F479D-59C7-4D7B-A722-21C7D5F2E269}" presName="hierChild4" presStyleCnt="0"/>
@@ -4381,6 +6140,13 @@
     <dgm:pt modelId="{0143DD8F-A4C4-4301-8C10-45F38F05B4AE}" type="pres">
       <dgm:prSet presAssocID="{ADE585E9-6E3D-4B4C-859F-3240CF01A0CE}" presName="Name37" presStyleLbl="parChTrans1D4" presStyleIdx="6" presStyleCnt="13"/>
       <dgm:spPr/>
+      <dgm:t>
+        <a:bodyPr/>
+        <a:lstStyle/>
+        <a:p>
+          <a:endParaRPr lang="zh-CN" altLang="en-US"/>
+        </a:p>
+      </dgm:t>
     </dgm:pt>
     <dgm:pt modelId="{F74CAF3C-681B-4288-8E68-904757969BFB}" type="pres">
       <dgm:prSet presAssocID="{958569A8-FBDF-40B8-8EC1-75E2493F7471}" presName="hierRoot2" presStyleCnt="0">
@@ -4402,6 +6168,13 @@
         </dgm:presLayoutVars>
       </dgm:prSet>
       <dgm:spPr/>
+      <dgm:t>
+        <a:bodyPr/>
+        <a:lstStyle/>
+        <a:p>
+          <a:endParaRPr lang="zh-CN" altLang="en-US"/>
+        </a:p>
+      </dgm:t>
     </dgm:pt>
     <dgm:pt modelId="{78F2497E-04CA-49DC-A332-809969CCAB06}" type="pres">
       <dgm:prSet presAssocID="{958569A8-FBDF-40B8-8EC1-75E2493F7471}" presName="titleText2" presStyleLbl="fgAcc1" presStyleIdx="10" presStyleCnt="17">
@@ -4422,6 +6195,13 @@
     <dgm:pt modelId="{A1DD215B-CBF1-4A51-8AC4-400394873ED5}" type="pres">
       <dgm:prSet presAssocID="{958569A8-FBDF-40B8-8EC1-75E2493F7471}" presName="rootConnector" presStyleLbl="node4" presStyleIdx="0" presStyleCnt="0"/>
       <dgm:spPr/>
+      <dgm:t>
+        <a:bodyPr/>
+        <a:lstStyle/>
+        <a:p>
+          <a:endParaRPr lang="zh-CN" altLang="en-US"/>
+        </a:p>
+      </dgm:t>
     </dgm:pt>
     <dgm:pt modelId="{4EE1FC9A-5C3F-4EEA-A6F3-45E68B33718F}" type="pres">
       <dgm:prSet presAssocID="{958569A8-FBDF-40B8-8EC1-75E2493F7471}" presName="hierChild4" presStyleCnt="0"/>
@@ -4434,6 +6214,13 @@
     <dgm:pt modelId="{03FAE41A-8D29-4C04-BB0D-939DFD4D267A}" type="pres">
       <dgm:prSet presAssocID="{22474AD4-F4CF-4F5E-9EEF-94B485CCCEEE}" presName="Name37" presStyleLbl="parChTrans1D4" presStyleIdx="7" presStyleCnt="13"/>
       <dgm:spPr/>
+      <dgm:t>
+        <a:bodyPr/>
+        <a:lstStyle/>
+        <a:p>
+          <a:endParaRPr lang="zh-CN" altLang="en-US"/>
+        </a:p>
+      </dgm:t>
     </dgm:pt>
     <dgm:pt modelId="{7B1E4169-2E09-4F97-9779-965B842F974F}" type="pres">
       <dgm:prSet presAssocID="{04E9ED99-3317-4ECF-B07D-F4E9BFEAC8A0}" presName="hierRoot2" presStyleCnt="0">
@@ -4455,6 +6242,13 @@
         </dgm:presLayoutVars>
       </dgm:prSet>
       <dgm:spPr/>
+      <dgm:t>
+        <a:bodyPr/>
+        <a:lstStyle/>
+        <a:p>
+          <a:endParaRPr lang="zh-CN" altLang="en-US"/>
+        </a:p>
+      </dgm:t>
     </dgm:pt>
     <dgm:pt modelId="{F380191F-68F7-4007-A4C0-DAB6CB8C3176}" type="pres">
       <dgm:prSet presAssocID="{04E9ED99-3317-4ECF-B07D-F4E9BFEAC8A0}" presName="titleText2" presStyleLbl="fgAcc1" presStyleIdx="11" presStyleCnt="17">
@@ -4475,6 +6269,13 @@
     <dgm:pt modelId="{6ADAEA67-E1B0-45D1-A89A-AC72103A2032}" type="pres">
       <dgm:prSet presAssocID="{04E9ED99-3317-4ECF-B07D-F4E9BFEAC8A0}" presName="rootConnector" presStyleLbl="node4" presStyleIdx="0" presStyleCnt="0"/>
       <dgm:spPr/>
+      <dgm:t>
+        <a:bodyPr/>
+        <a:lstStyle/>
+        <a:p>
+          <a:endParaRPr lang="zh-CN" altLang="en-US"/>
+        </a:p>
+      </dgm:t>
     </dgm:pt>
     <dgm:pt modelId="{48D0DEB5-BA91-4A68-AF06-F336FD546B88}" type="pres">
       <dgm:prSet presAssocID="{04E9ED99-3317-4ECF-B07D-F4E9BFEAC8A0}" presName="hierChild4" presStyleCnt="0"/>
@@ -4487,6 +6288,13 @@
     <dgm:pt modelId="{D80B2E31-E433-4D95-9026-4A5890030DC1}" type="pres">
       <dgm:prSet presAssocID="{671859CD-AA71-42FD-8258-61968ACB1064}" presName="Name37" presStyleLbl="parChTrans1D4" presStyleIdx="8" presStyleCnt="13"/>
       <dgm:spPr/>
+      <dgm:t>
+        <a:bodyPr/>
+        <a:lstStyle/>
+        <a:p>
+          <a:endParaRPr lang="zh-CN" altLang="en-US"/>
+        </a:p>
+      </dgm:t>
     </dgm:pt>
     <dgm:pt modelId="{BD68669C-1B2D-4887-A48D-52442DACF0EB}" type="pres">
       <dgm:prSet presAssocID="{2D592857-C4FF-4259-AB7B-8B5F06639A90}" presName="hierRoot2" presStyleCnt="0">
@@ -4524,10 +6332,24 @@
         </dgm:presLayoutVars>
       </dgm:prSet>
       <dgm:spPr/>
+      <dgm:t>
+        <a:bodyPr/>
+        <a:lstStyle/>
+        <a:p>
+          <a:endParaRPr lang="zh-CN" altLang="en-US"/>
+        </a:p>
+      </dgm:t>
     </dgm:pt>
     <dgm:pt modelId="{E8B83CC0-9D3E-44F2-A4A5-337005BA78F2}" type="pres">
       <dgm:prSet presAssocID="{2D592857-C4FF-4259-AB7B-8B5F06639A90}" presName="rootConnector" presStyleLbl="node4" presStyleIdx="0" presStyleCnt="0"/>
       <dgm:spPr/>
+      <dgm:t>
+        <a:bodyPr/>
+        <a:lstStyle/>
+        <a:p>
+          <a:endParaRPr lang="zh-CN" altLang="en-US"/>
+        </a:p>
+      </dgm:t>
     </dgm:pt>
     <dgm:pt modelId="{363F5A35-EB6F-4C33-814A-D3B51FE35D0F}" type="pres">
       <dgm:prSet presAssocID="{2D592857-C4FF-4259-AB7B-8B5F06639A90}" presName="hierChild4" presStyleCnt="0"/>
@@ -4540,6 +6362,13 @@
     <dgm:pt modelId="{0133BCC6-49F8-4231-BAB2-704AE1F1BE24}" type="pres">
       <dgm:prSet presAssocID="{1BA13A82-364A-46CA-BDAF-792FE3D2913E}" presName="Name37" presStyleLbl="parChTrans1D4" presStyleIdx="9" presStyleCnt="13"/>
       <dgm:spPr/>
+      <dgm:t>
+        <a:bodyPr/>
+        <a:lstStyle/>
+        <a:p>
+          <a:endParaRPr lang="zh-CN" altLang="en-US"/>
+        </a:p>
+      </dgm:t>
     </dgm:pt>
     <dgm:pt modelId="{69B0FF22-CB42-4410-AD75-BDDD42B8BAFA}" type="pres">
       <dgm:prSet presAssocID="{5A315CA4-91DF-4090-B63C-B2A9BD1CE594}" presName="hierRoot2" presStyleCnt="0">
@@ -4561,6 +6390,13 @@
         </dgm:presLayoutVars>
       </dgm:prSet>
       <dgm:spPr/>
+      <dgm:t>
+        <a:bodyPr/>
+        <a:lstStyle/>
+        <a:p>
+          <a:endParaRPr lang="zh-CN" altLang="en-US"/>
+        </a:p>
+      </dgm:t>
     </dgm:pt>
     <dgm:pt modelId="{B26AA340-B012-450C-B965-9765131C5F60}" type="pres">
       <dgm:prSet presAssocID="{5A315CA4-91DF-4090-B63C-B2A9BD1CE594}" presName="titleText2" presStyleLbl="fgAcc1" presStyleIdx="13" presStyleCnt="17">
@@ -4570,10 +6406,24 @@
         </dgm:presLayoutVars>
       </dgm:prSet>
       <dgm:spPr/>
+      <dgm:t>
+        <a:bodyPr/>
+        <a:lstStyle/>
+        <a:p>
+          <a:endParaRPr lang="zh-CN" altLang="en-US"/>
+        </a:p>
+      </dgm:t>
     </dgm:pt>
     <dgm:pt modelId="{9A9C2577-DD1A-4A82-A7B5-333FAE126AAA}" type="pres">
       <dgm:prSet presAssocID="{5A315CA4-91DF-4090-B63C-B2A9BD1CE594}" presName="rootConnector" presStyleLbl="node4" presStyleIdx="0" presStyleCnt="0"/>
       <dgm:spPr/>
+      <dgm:t>
+        <a:bodyPr/>
+        <a:lstStyle/>
+        <a:p>
+          <a:endParaRPr lang="zh-CN" altLang="en-US"/>
+        </a:p>
+      </dgm:t>
     </dgm:pt>
     <dgm:pt modelId="{5FC337EF-13BC-4043-AF86-2D6A6B8D6142}" type="pres">
       <dgm:prSet presAssocID="{5A315CA4-91DF-4090-B63C-B2A9BD1CE594}" presName="hierChild4" presStyleCnt="0"/>
@@ -4586,6 +6436,13 @@
     <dgm:pt modelId="{2A913493-92E6-4226-ABE4-D90F5277663B}" type="pres">
       <dgm:prSet presAssocID="{2B66A6E6-4414-4871-A4F4-78792B81DA7C}" presName="Name37" presStyleLbl="parChTrans1D4" presStyleIdx="10" presStyleCnt="13"/>
       <dgm:spPr/>
+      <dgm:t>
+        <a:bodyPr/>
+        <a:lstStyle/>
+        <a:p>
+          <a:endParaRPr lang="zh-CN" altLang="en-US"/>
+        </a:p>
+      </dgm:t>
     </dgm:pt>
     <dgm:pt modelId="{CEF141B8-1FEC-4E0D-A492-824B622419E1}" type="pres">
       <dgm:prSet presAssocID="{A70E35BE-CEE2-47FF-9BB0-05D25DCD34F7}" presName="hierRoot2" presStyleCnt="0">
@@ -4607,6 +6464,13 @@
         </dgm:presLayoutVars>
       </dgm:prSet>
       <dgm:spPr/>
+      <dgm:t>
+        <a:bodyPr/>
+        <a:lstStyle/>
+        <a:p>
+          <a:endParaRPr lang="zh-CN" altLang="en-US"/>
+        </a:p>
+      </dgm:t>
     </dgm:pt>
     <dgm:pt modelId="{8E6E4251-BCF8-4FB1-A02B-56F8FA370E84}" type="pres">
       <dgm:prSet presAssocID="{A70E35BE-CEE2-47FF-9BB0-05D25DCD34F7}" presName="titleText2" presStyleLbl="fgAcc1" presStyleIdx="14" presStyleCnt="17">
@@ -4616,10 +6480,24 @@
         </dgm:presLayoutVars>
       </dgm:prSet>
       <dgm:spPr/>
+      <dgm:t>
+        <a:bodyPr/>
+        <a:lstStyle/>
+        <a:p>
+          <a:endParaRPr lang="zh-CN" altLang="en-US"/>
+        </a:p>
+      </dgm:t>
     </dgm:pt>
     <dgm:pt modelId="{24F63BB3-C32E-42DD-BEA1-A5D4C283A3E4}" type="pres">
       <dgm:prSet presAssocID="{A70E35BE-CEE2-47FF-9BB0-05D25DCD34F7}" presName="rootConnector" presStyleLbl="node4" presStyleIdx="0" presStyleCnt="0"/>
       <dgm:spPr/>
+      <dgm:t>
+        <a:bodyPr/>
+        <a:lstStyle/>
+        <a:p>
+          <a:endParaRPr lang="zh-CN" altLang="en-US"/>
+        </a:p>
+      </dgm:t>
     </dgm:pt>
     <dgm:pt modelId="{44FA9DD0-D6C7-4130-822C-FBFC8336D345}" type="pres">
       <dgm:prSet presAssocID="{A70E35BE-CEE2-47FF-9BB0-05D25DCD34F7}" presName="hierChild4" presStyleCnt="0"/>
@@ -4632,6 +6510,13 @@
     <dgm:pt modelId="{11926B22-8F9E-4EDF-A7DE-30B015AE09F4}" type="pres">
       <dgm:prSet presAssocID="{4F243CCC-3FAD-4709-ABBB-1E01F32118E7}" presName="Name37" presStyleLbl="parChTrans1D4" presStyleIdx="11" presStyleCnt="13"/>
       <dgm:spPr/>
+      <dgm:t>
+        <a:bodyPr/>
+        <a:lstStyle/>
+        <a:p>
+          <a:endParaRPr lang="zh-CN" altLang="en-US"/>
+        </a:p>
+      </dgm:t>
     </dgm:pt>
     <dgm:pt modelId="{FAEC72DA-9F0E-445F-B492-B74162E9BD4C}" type="pres">
       <dgm:prSet presAssocID="{4410F5B9-7A6E-4352-ABF4-75B25389A9D8}" presName="hierRoot2" presStyleCnt="0">
@@ -4680,6 +6565,13 @@
     <dgm:pt modelId="{38458C37-D2BB-4264-934F-474B04033A2B}" type="pres">
       <dgm:prSet presAssocID="{4410F5B9-7A6E-4352-ABF4-75B25389A9D8}" presName="rootConnector" presStyleLbl="node4" presStyleIdx="0" presStyleCnt="0"/>
       <dgm:spPr/>
+      <dgm:t>
+        <a:bodyPr/>
+        <a:lstStyle/>
+        <a:p>
+          <a:endParaRPr lang="zh-CN" altLang="en-US"/>
+        </a:p>
+      </dgm:t>
     </dgm:pt>
     <dgm:pt modelId="{08F395C0-B010-4CC3-931E-3AD787766CED}" type="pres">
       <dgm:prSet presAssocID="{4410F5B9-7A6E-4352-ABF4-75B25389A9D8}" presName="hierChild4" presStyleCnt="0"/>
@@ -4692,6 +6584,13 @@
     <dgm:pt modelId="{4443E3C1-7F39-4CEC-910A-DF31A2168070}" type="pres">
       <dgm:prSet presAssocID="{73234726-D4B4-4E51-AF5B-87A161E7FD1B}" presName="Name37" presStyleLbl="parChTrans1D4" presStyleIdx="12" presStyleCnt="13"/>
       <dgm:spPr/>
+      <dgm:t>
+        <a:bodyPr/>
+        <a:lstStyle/>
+        <a:p>
+          <a:endParaRPr lang="zh-CN" altLang="en-US"/>
+        </a:p>
+      </dgm:t>
     </dgm:pt>
     <dgm:pt modelId="{17D4D06B-3B40-431F-94E3-354C5A541C1A}" type="pres">
       <dgm:prSet presAssocID="{1DB3B635-F31A-4C4C-8115-88FD0D07A89B}" presName="hierRoot2" presStyleCnt="0">
@@ -4713,6 +6612,13 @@
         </dgm:presLayoutVars>
       </dgm:prSet>
       <dgm:spPr/>
+      <dgm:t>
+        <a:bodyPr/>
+        <a:lstStyle/>
+        <a:p>
+          <a:endParaRPr lang="zh-CN" altLang="en-US"/>
+        </a:p>
+      </dgm:t>
     </dgm:pt>
     <dgm:pt modelId="{7B4F4265-1316-4042-90B8-F0270B0983C3}" type="pres">
       <dgm:prSet presAssocID="{1DB3B635-F31A-4C4C-8115-88FD0D07A89B}" presName="titleText2" presStyleLbl="fgAcc1" presStyleIdx="16" presStyleCnt="17">
@@ -4733,6 +6639,13 @@
     <dgm:pt modelId="{15163E45-73E6-4B5D-9ADE-F62FE47442B3}" type="pres">
       <dgm:prSet presAssocID="{1DB3B635-F31A-4C4C-8115-88FD0D07A89B}" presName="rootConnector" presStyleLbl="node4" presStyleIdx="0" presStyleCnt="0"/>
       <dgm:spPr/>
+      <dgm:t>
+        <a:bodyPr/>
+        <a:lstStyle/>
+        <a:p>
+          <a:endParaRPr lang="zh-CN" altLang="en-US"/>
+        </a:p>
+      </dgm:t>
     </dgm:pt>
     <dgm:pt modelId="{E414B81B-C512-446A-9AEE-24DF499D7959}" type="pres">
       <dgm:prSet presAssocID="{1DB3B635-F31A-4C4C-8115-88FD0D07A89B}" presName="hierChild4" presStyleCnt="0"/>
@@ -4768,96 +6681,96 @@
     </dgm:pt>
   </dgm:ptLst>
   <dgm:cxnLst>
+    <dgm:cxn modelId="{E17C04C7-3BC8-49B8-8034-D454BD3992E6}" type="presOf" srcId="{137D738E-0763-4C51-954A-7A8DBDB5FFD6}" destId="{149849EB-D923-46C4-BECF-830EBC9491A6}" srcOrd="0" destOrd="0" presId="urn:microsoft.com/office/officeart/2008/layout/NameandTitleOrganizationalChart"/>
     <dgm:cxn modelId="{18FF4AE5-2227-4C9B-8DC9-949D2FAE77E2}" type="presOf" srcId="{4410F5B9-7A6E-4352-ABF4-75B25389A9D8}" destId="{38458C37-D2BB-4264-934F-474B04033A2B}" srcOrd="1" destOrd="0" presId="urn:microsoft.com/office/officeart/2008/layout/NameandTitleOrganizationalChart"/>
+    <dgm:cxn modelId="{35756D35-91AF-41B6-A68D-6C51AA758800}" type="presOf" srcId="{98B8A5A8-2B75-48BA-8041-9C13C210609D}" destId="{29297073-770B-4E74-8A71-652F4D35C065}" srcOrd="1" destOrd="0" presId="urn:microsoft.com/office/officeart/2008/layout/NameandTitleOrganizationalChart"/>
+    <dgm:cxn modelId="{4C7FDF7A-2C12-4A32-9B94-2DF93C653F5E}" type="presOf" srcId="{80C7A12E-0A37-413C-9B41-A1F036E0B74B}" destId="{9226003C-DEC8-4030-B965-31A76FE09775}" srcOrd="0" destOrd="0" presId="urn:microsoft.com/office/officeart/2008/layout/NameandTitleOrganizationalChart"/>
+    <dgm:cxn modelId="{6DC686FA-0917-49BE-8723-A8497165DF32}" type="presOf" srcId="{F8540D8F-842D-4728-AB5D-7C88723AA44D}" destId="{EB130543-171C-469C-8ADC-A5057937F01C}" srcOrd="1" destOrd="0" presId="urn:microsoft.com/office/officeart/2008/layout/NameandTitleOrganizationalChart"/>
+    <dgm:cxn modelId="{C304C483-1398-4D23-8714-1DF19EBBA93D}" type="presOf" srcId="{E5511235-BB9F-44F7-929B-94718C9EFAFA}" destId="{CE6787A3-DAC8-481D-B157-911057EA0482}" srcOrd="0" destOrd="0" presId="urn:microsoft.com/office/officeart/2008/layout/NameandTitleOrganizationalChart"/>
+    <dgm:cxn modelId="{DA4E049E-0A78-4696-9E9D-868C97B66396}" type="presOf" srcId="{5D122C4F-1DBD-4CF7-AC9C-40B0E92DBFB9}" destId="{1683A76A-8157-4355-B30D-E69C1BB81D29}" srcOrd="0" destOrd="0" presId="urn:microsoft.com/office/officeart/2008/layout/NameandTitleOrganizationalChart"/>
+    <dgm:cxn modelId="{7524AFAD-10EC-4037-AD99-C8C6CEFF6F3D}" srcId="{E15456C9-1264-44CE-A46A-1332FDEA4D63}" destId="{E5C82CA0-96D5-4FFF-97E4-CCB952C228C7}" srcOrd="0" destOrd="0" parTransId="{C99AAC59-7635-4022-BF61-F1B616ECF97A}" sibTransId="{2E53A8AA-B911-4693-BB93-6A397BC88DBB}"/>
+    <dgm:cxn modelId="{FB307CD8-E50C-45B3-BD27-D0AB169E3089}" type="presOf" srcId="{683EE9AB-85E6-45CF-95D2-1E792782A3F0}" destId="{78F2497E-04CA-49DC-A332-809969CCAB06}" srcOrd="0" destOrd="0" presId="urn:microsoft.com/office/officeart/2008/layout/NameandTitleOrganizationalChart"/>
+    <dgm:cxn modelId="{EE20E7E3-1327-488C-8C80-A438682BDA80}" srcId="{98B8A5A8-2B75-48BA-8041-9C13C210609D}" destId="{B6D8A5CD-05D7-4BD6-930B-661C00AFF661}" srcOrd="0" destOrd="0" parTransId="{137D738E-0763-4C51-954A-7A8DBDB5FFD6}" sibTransId="{B91C093C-03B1-401C-8462-11DC6CC3E891}"/>
+    <dgm:cxn modelId="{1CDDE4D3-BE72-4D1E-8783-DCDA1BD8EA73}" type="presOf" srcId="{86D205F2-DF1C-4523-A1B4-E357476C5541}" destId="{27B90BA2-B19F-4A36-867A-F1E7855C18E8}" srcOrd="0" destOrd="0" presId="urn:microsoft.com/office/officeart/2008/layout/NameandTitleOrganizationalChart"/>
+    <dgm:cxn modelId="{CFD0DD05-EF3F-4FF8-821B-62DB84BDC2BC}" type="presOf" srcId="{E5C82CA0-96D5-4FFF-97E4-CCB952C228C7}" destId="{F2EC2861-C1D5-4305-8DD5-8D30C9172D41}" srcOrd="0" destOrd="0" presId="urn:microsoft.com/office/officeart/2008/layout/NameandTitleOrganizationalChart"/>
+    <dgm:cxn modelId="{DC759365-E7CE-4E2A-A392-A4CA80235CC3}" type="presOf" srcId="{F8540D8F-842D-4728-AB5D-7C88723AA44D}" destId="{2875948E-291D-4655-9A40-01DD961864D7}" srcOrd="0" destOrd="0" presId="urn:microsoft.com/office/officeart/2008/layout/NameandTitleOrganizationalChart"/>
+    <dgm:cxn modelId="{F7FBAE76-51BF-4FE2-83A1-C675562315AA}" type="presOf" srcId="{883F479D-59C7-4D7B-A722-21C7D5F2E269}" destId="{C0609B87-D118-46F5-A332-3E6628950ABC}" srcOrd="0" destOrd="0" presId="urn:microsoft.com/office/officeart/2008/layout/NameandTitleOrganizationalChart"/>
+    <dgm:cxn modelId="{E58687E5-907C-4887-BFCE-D1362041C656}" srcId="{26E62099-3BC6-4E17-94C4-80340E00CF78}" destId="{4410F5B9-7A6E-4352-ABF4-75B25389A9D8}" srcOrd="6" destOrd="0" parTransId="{4F243CCC-3FAD-4709-ABBB-1E01F32118E7}" sibTransId="{E6172D37-089F-4CBC-86F1-74615E51D65C}"/>
+    <dgm:cxn modelId="{6135A471-DC54-4446-AFF5-C5698C41DED9}" type="presOf" srcId="{A70E35BE-CEE2-47FF-9BB0-05D25DCD34F7}" destId="{24F63BB3-C32E-42DD-BEA1-A5D4C283A3E4}" srcOrd="1" destOrd="0" presId="urn:microsoft.com/office/officeart/2008/layout/NameandTitleOrganizationalChart"/>
+    <dgm:cxn modelId="{BAE672C5-5CB7-4479-BB59-CCD465556D62}" srcId="{26E62099-3BC6-4E17-94C4-80340E00CF78}" destId="{883F479D-59C7-4D7B-A722-21C7D5F2E269}" srcOrd="0" destOrd="0" parTransId="{90F310DB-8B4B-4A3C-BC11-30000B3AF5E0}" sibTransId="{E5511235-BB9F-44F7-929B-94718C9EFAFA}"/>
+    <dgm:cxn modelId="{FEE25D98-22C5-4650-8A39-9067A367BDF7}" type="presOf" srcId="{340911AF-DD18-4E72-8A97-F432B6E4DC21}" destId="{9E007C76-6257-47A8-B735-63EA3D7A08C8}" srcOrd="0" destOrd="0" presId="urn:microsoft.com/office/officeart/2008/layout/NameandTitleOrganizationalChart"/>
+    <dgm:cxn modelId="{D177B034-36AA-4270-85B4-F29F558921DF}" type="presOf" srcId="{26E62099-3BC6-4E17-94C4-80340E00CF78}" destId="{61C16C2F-1AB1-4997-8CC1-7C7DF3B62E00}" srcOrd="0" destOrd="0" presId="urn:microsoft.com/office/officeart/2008/layout/NameandTitleOrganizationalChart"/>
+    <dgm:cxn modelId="{3C211975-121F-45F3-B1AD-81FD579A7BD1}" type="presOf" srcId="{E7A8FCB0-04D3-41C6-A08E-323E962A68EC}" destId="{2F41E6E4-21D3-4C31-927E-F82D7255BF4B}" srcOrd="0" destOrd="0" presId="urn:microsoft.com/office/officeart/2008/layout/NameandTitleOrganizationalChart"/>
+    <dgm:cxn modelId="{510933DD-F352-4818-ABA6-5F413B0D779F}" type="presOf" srcId="{FF31ECF4-BE1B-44EC-8950-5F3CAA13C9E1}" destId="{328B3935-1432-4F3B-A933-E7FB2D406FF3}" srcOrd="0" destOrd="0" presId="urn:microsoft.com/office/officeart/2008/layout/NameandTitleOrganizationalChart"/>
+    <dgm:cxn modelId="{DB4AF635-17EA-4D60-B6BA-EA341A022A10}" type="presOf" srcId="{FF31ECF4-BE1B-44EC-8950-5F3CAA13C9E1}" destId="{28AA62B0-0144-4478-95AE-6BB68EA28D13}" srcOrd="1" destOrd="0" presId="urn:microsoft.com/office/officeart/2008/layout/NameandTitleOrganizationalChart"/>
+    <dgm:cxn modelId="{5CCF456C-82CA-4E97-AD18-41205CD6CEF8}" type="presOf" srcId="{A70E35BE-CEE2-47FF-9BB0-05D25DCD34F7}" destId="{5423C0B6-E270-4795-A26B-83CFD7EB47D0}" srcOrd="0" destOrd="0" presId="urn:microsoft.com/office/officeart/2008/layout/NameandTitleOrganizationalChart"/>
+    <dgm:cxn modelId="{BDF60283-5D13-4A6C-A565-5717718CB5B1}" type="presOf" srcId="{6F3ABB5B-4390-4D4C-A351-C086BA6E696F}" destId="{2583DDCA-D066-4957-A24E-5145344FEE1F}" srcOrd="1" destOrd="0" presId="urn:microsoft.com/office/officeart/2008/layout/NameandTitleOrganizationalChart"/>
+    <dgm:cxn modelId="{D45B13F4-EE30-4A90-A695-882535BB06BD}" type="presOf" srcId="{E15456C9-1264-44CE-A46A-1332FDEA4D63}" destId="{AAFD393B-D5C6-4FC1-85BB-67D689A5CB66}" srcOrd="0" destOrd="0" presId="urn:microsoft.com/office/officeart/2008/layout/NameandTitleOrganizationalChart"/>
+    <dgm:cxn modelId="{EDE522AC-1998-47D7-9ADE-6A909B5350C1}" type="presOf" srcId="{4F243CCC-3FAD-4709-ABBB-1E01F32118E7}" destId="{11926B22-8F9E-4EDF-A7DE-30B015AE09F4}" srcOrd="0" destOrd="0" presId="urn:microsoft.com/office/officeart/2008/layout/NameandTitleOrganizationalChart"/>
+    <dgm:cxn modelId="{45538FA5-7565-4DE4-99EA-FB48FEB30107}" type="presOf" srcId="{E15456C9-1264-44CE-A46A-1332FDEA4D63}" destId="{1D71B1E5-6B39-4842-94CA-612907EC3818}" srcOrd="1" destOrd="0" presId="urn:microsoft.com/office/officeart/2008/layout/NameandTitleOrganizationalChart"/>
+    <dgm:cxn modelId="{A6AC8E80-2487-43ED-9838-97067A7C4B25}" type="presOf" srcId="{9B5504EE-262E-421F-B6D0-17AEEAEBC46F}" destId="{AA25AFFA-8FB6-4FBD-91FE-E98622B57003}" srcOrd="1" destOrd="0" presId="urn:microsoft.com/office/officeart/2008/layout/NameandTitleOrganizationalChart"/>
+    <dgm:cxn modelId="{5D1634EF-9423-449A-936C-558A8523DF9E}" srcId="{26E62099-3BC6-4E17-94C4-80340E00CF78}" destId="{958569A8-FBDF-40B8-8EC1-75E2493F7471}" srcOrd="1" destOrd="0" parTransId="{ADE585E9-6E3D-4B4C-859F-3240CF01A0CE}" sibTransId="{683EE9AB-85E6-45CF-95D2-1E792782A3F0}"/>
+    <dgm:cxn modelId="{4C3E9803-E8D3-44A1-A16A-45C3048641D8}" type="presOf" srcId="{22474AD4-F4CF-4F5E-9EEF-94B485CCCEEE}" destId="{03FAE41A-8D29-4C04-BB0D-939DFD4D267A}" srcOrd="0" destOrd="0" presId="urn:microsoft.com/office/officeart/2008/layout/NameandTitleOrganizationalChart"/>
+    <dgm:cxn modelId="{E4965599-EF00-41EB-AF3A-35DE7D7F1085}" type="presOf" srcId="{98B8A5A8-2B75-48BA-8041-9C13C210609D}" destId="{5AE64D64-D8C9-4680-89BC-629381485A87}" srcOrd="0" destOrd="0" presId="urn:microsoft.com/office/officeart/2008/layout/NameandTitleOrganizationalChart"/>
+    <dgm:cxn modelId="{3879CE63-4658-4A4E-886C-124F05D8F335}" type="presOf" srcId="{958569A8-FBDF-40B8-8EC1-75E2493F7471}" destId="{174A1766-206B-4111-AE1B-3CE3FB67ADE9}" srcOrd="0" destOrd="0" presId="urn:microsoft.com/office/officeart/2008/layout/NameandTitleOrganizationalChart"/>
+    <dgm:cxn modelId="{A6F377CB-C53E-4C6C-97CB-EEE17BB8EA2E}" type="presOf" srcId="{AB091C5F-1C2B-4511-A681-D7B94BC00380}" destId="{50939023-49D7-4F51-AD1D-21231C706D1C}" srcOrd="0" destOrd="0" presId="urn:microsoft.com/office/officeart/2008/layout/NameandTitleOrganizationalChart"/>
+    <dgm:cxn modelId="{2868E610-5452-404F-A51F-DAB7EA695AA8}" srcId="{26E62099-3BC6-4E17-94C4-80340E00CF78}" destId="{5A315CA4-91DF-4090-B63C-B2A9BD1CE594}" srcOrd="4" destOrd="0" parTransId="{1BA13A82-364A-46CA-BDAF-792FE3D2913E}" sibTransId="{09A1C1D9-D891-4DBA-8289-95E3ED6379E3}"/>
+    <dgm:cxn modelId="{ED962AA3-389A-4A4C-ACCF-38D449A94292}" type="presOf" srcId="{D00CBC1A-4C8F-442F-85CC-7F86597AB3FD}" destId="{027F8FCE-D917-4857-957E-F5F0B0853751}" srcOrd="0" destOrd="0" presId="urn:microsoft.com/office/officeart/2008/layout/NameandTitleOrganizationalChart"/>
+    <dgm:cxn modelId="{E1531FA5-5958-4637-ADEA-D3F9BF47D943}" type="presOf" srcId="{1A23467C-A501-4E71-A007-E39C51AAC1F6}" destId="{126715BD-2D7F-433C-A680-62D83EF674C2}" srcOrd="0" destOrd="0" presId="urn:microsoft.com/office/officeart/2008/layout/NameandTitleOrganizationalChart"/>
+    <dgm:cxn modelId="{5024D8DF-F1E7-40C6-A08D-500D0399C3E4}" type="presOf" srcId="{04E9ED99-3317-4ECF-B07D-F4E9BFEAC8A0}" destId="{8BF21DA7-9255-410A-95A8-70E045BB35D3}" srcOrd="0" destOrd="0" presId="urn:microsoft.com/office/officeart/2008/layout/NameandTitleOrganizationalChart"/>
+    <dgm:cxn modelId="{9A83FF3B-BC19-425C-A1AD-5AFD3FB2AB5D}" type="presOf" srcId="{EDFC95DE-09A1-4484-B91F-4D53C6FCF9B2}" destId="{7B4F4265-1316-4042-90B8-F0270B0983C3}" srcOrd="0" destOrd="0" presId="urn:microsoft.com/office/officeart/2008/layout/NameandTitleOrganizationalChart"/>
+    <dgm:cxn modelId="{664BC9D2-775A-4D58-8D7C-5D2A3A5B6BD4}" type="presOf" srcId="{559F360A-D66E-4968-B66A-04F022DA2384}" destId="{3518303C-ED68-41C8-B9F7-05B65142A32E}" srcOrd="0" destOrd="0" presId="urn:microsoft.com/office/officeart/2008/layout/NameandTitleOrganizationalChart"/>
+    <dgm:cxn modelId="{9B99A35B-E0D7-4CC5-A643-762707BEC098}" type="presOf" srcId="{1D5B3EF4-BE0A-4BBA-AC69-B7F49B651F6F}" destId="{54644C48-106A-4DDE-967E-9C553AFFCB26}" srcOrd="0" destOrd="0" presId="urn:microsoft.com/office/officeart/2008/layout/NameandTitleOrganizationalChart"/>
+    <dgm:cxn modelId="{1E4DCA70-8828-445A-BBBD-F46A4D6559FA}" type="presOf" srcId="{1DB3B635-F31A-4C4C-8115-88FD0D07A89B}" destId="{15163E45-73E6-4B5D-9ADE-F62FE47442B3}" srcOrd="1" destOrd="0" presId="urn:microsoft.com/office/officeart/2008/layout/NameandTitleOrganizationalChart"/>
+    <dgm:cxn modelId="{1984ED6F-6BA0-42AA-BA38-FED598094183}" type="presOf" srcId="{A2CC19FE-4BF6-4187-89D1-510EF69AD1BC}" destId="{6A8BA006-F54F-4C04-BC17-4EA28E8359E9}" srcOrd="0" destOrd="0" presId="urn:microsoft.com/office/officeart/2008/layout/NameandTitleOrganizationalChart"/>
+    <dgm:cxn modelId="{65BC83F7-A1B6-48DA-AC62-1AECC01B8F99}" type="presOf" srcId="{04E9ED99-3317-4ECF-B07D-F4E9BFEAC8A0}" destId="{6ADAEA67-E1B0-45D1-A89A-AC72103A2032}" srcOrd="1" destOrd="0" presId="urn:microsoft.com/office/officeart/2008/layout/NameandTitleOrganizationalChart"/>
+    <dgm:cxn modelId="{E8FE7C8C-79ED-4A3F-802B-2D22D71D0CE6}" srcId="{9B5504EE-262E-421F-B6D0-17AEEAEBC46F}" destId="{26E62099-3BC6-4E17-94C4-80340E00CF78}" srcOrd="0" destOrd="0" parTransId="{E7A8FCB0-04D3-41C6-A08E-323E962A68EC}" sibTransId="{A2CC19FE-4BF6-4187-89D1-510EF69AD1BC}"/>
+    <dgm:cxn modelId="{3E59412A-37C6-4D5A-96A1-817CA50EDC45}" type="presOf" srcId="{2B66A6E6-4414-4871-A4F4-78792B81DA7C}" destId="{2A913493-92E6-4226-ABE4-D90F5277663B}" srcOrd="0" destOrd="0" presId="urn:microsoft.com/office/officeart/2008/layout/NameandTitleOrganizationalChart"/>
+    <dgm:cxn modelId="{47ADFDB1-FB21-4EDE-827A-31572B4DB065}" type="presOf" srcId="{1BA13A82-364A-46CA-BDAF-792FE3D2913E}" destId="{0133BCC6-49F8-4231-BAB2-704AE1F1BE24}" srcOrd="0" destOrd="0" presId="urn:microsoft.com/office/officeart/2008/layout/NameandTitleOrganizationalChart"/>
+    <dgm:cxn modelId="{4F8DF260-2437-4352-90CA-080BD6C25F3B}" type="presOf" srcId="{6F3ABB5B-4390-4D4C-A351-C086BA6E696F}" destId="{07B41DA2-F050-42A9-BE37-EBD07D6F544E}" srcOrd="0" destOrd="0" presId="urn:microsoft.com/office/officeart/2008/layout/NameandTitleOrganizationalChart"/>
+    <dgm:cxn modelId="{9A614BF6-9632-4039-9F89-577185A54E8C}" type="presOf" srcId="{9AC7ACC0-2733-4A78-B5DD-2F568ABCC62C}" destId="{8CCE3855-BA01-4ECE-80AC-CE4B31DD7EA3}" srcOrd="0" destOrd="0" presId="urn:microsoft.com/office/officeart/2008/layout/NameandTitleOrganizationalChart"/>
+    <dgm:cxn modelId="{FFAE1BB5-1BF0-402C-95E4-8A4CBAECB1A6}" type="presOf" srcId="{5A315CA4-91DF-4090-B63C-B2A9BD1CE594}" destId="{B2CC1828-1D29-48FA-A0DC-F04CA0CD2D21}" srcOrd="0" destOrd="0" presId="urn:microsoft.com/office/officeart/2008/layout/NameandTitleOrganizationalChart"/>
+    <dgm:cxn modelId="{A55DAE1E-7E21-4068-B3EE-5F4449C89E3A}" type="presOf" srcId="{2D592857-C4FF-4259-AB7B-8B5F06639A90}" destId="{E8B83CC0-9D3E-44F2-A4A5-337005BA78F2}" srcOrd="1" destOrd="0" presId="urn:microsoft.com/office/officeart/2008/layout/NameandTitleOrganizationalChart"/>
+    <dgm:cxn modelId="{1395BB25-83DC-4725-BF82-B651497F5871}" srcId="{FF31ECF4-BE1B-44EC-8950-5F3CAA13C9E1}" destId="{6F3ABB5B-4390-4D4C-A351-C086BA6E696F}" srcOrd="0" destOrd="0" parTransId="{5D122C4F-1DBD-4CF7-AC9C-40B0E92DBFB9}" sibTransId="{D00CBC1A-4C8F-442F-85CC-7F86597AB3FD}"/>
+    <dgm:cxn modelId="{F3BD405A-563A-4F43-BF87-634E760B4329}" type="presOf" srcId="{E21412F6-F8B6-4877-B5A3-1D2645173BD3}" destId="{55A454FB-B4B0-428E-976C-67FBFF903016}" srcOrd="0" destOrd="0" presId="urn:microsoft.com/office/officeart/2008/layout/NameandTitleOrganizationalChart"/>
+    <dgm:cxn modelId="{CA1E94D0-87CB-4923-8A1A-042EAC7E4FE4}" type="presOf" srcId="{671859CD-AA71-42FD-8258-61968ACB1064}" destId="{D80B2E31-E433-4D95-9026-4A5890030DC1}" srcOrd="0" destOrd="0" presId="urn:microsoft.com/office/officeart/2008/layout/NameandTitleOrganizationalChart"/>
+    <dgm:cxn modelId="{3D3C94A3-7D6E-4328-A6F0-A2BFDB24A01D}" type="presOf" srcId="{9B5504EE-262E-421F-B6D0-17AEEAEBC46F}" destId="{92001C25-B329-4FD2-B382-8854FA5A0124}" srcOrd="0" destOrd="0" presId="urn:microsoft.com/office/officeart/2008/layout/NameandTitleOrganizationalChart"/>
+    <dgm:cxn modelId="{E4E45663-9788-43E5-BC6E-E0773C6455FD}" srcId="{26E62099-3BC6-4E17-94C4-80340E00CF78}" destId="{A70E35BE-CEE2-47FF-9BB0-05D25DCD34F7}" srcOrd="5" destOrd="0" parTransId="{2B66A6E6-4414-4871-A4F4-78792B81DA7C}" sibTransId="{0A0BA593-C895-453D-A9EA-AA1A6EF12F21}"/>
+    <dgm:cxn modelId="{1929A109-36A0-4ED7-AF6E-66A8CBAB8D6F}" type="presOf" srcId="{4410F5B9-7A6E-4352-ABF4-75B25389A9D8}" destId="{852CC1FF-77EF-4779-8EFB-E14E8E9A70F0}" srcOrd="0" destOrd="0" presId="urn:microsoft.com/office/officeart/2008/layout/NameandTitleOrganizationalChart"/>
+    <dgm:cxn modelId="{6DE6D761-5EEE-4A09-A159-D4DF8131D69D}" srcId="{E15456C9-1264-44CE-A46A-1332FDEA4D63}" destId="{FF31ECF4-BE1B-44EC-8950-5F3CAA13C9E1}" srcOrd="1" destOrd="0" parTransId="{C52EAC42-BF7A-4839-BED5-3E5C5A8A8F1B}" sibTransId="{A3C83099-6BFA-44E1-B0A9-C07070F4815D}"/>
+    <dgm:cxn modelId="{9366031C-995F-44DC-BBF1-4AE44545418F}" type="presOf" srcId="{E21412F6-F8B6-4877-B5A3-1D2645173BD3}" destId="{25BCDCA1-7378-4966-BF53-CF07D25A4218}" srcOrd="1" destOrd="0" presId="urn:microsoft.com/office/officeart/2008/layout/NameandTitleOrganizationalChart"/>
+    <dgm:cxn modelId="{707D05A3-E703-4684-9DF9-F903169F64F5}" srcId="{26E62099-3BC6-4E17-94C4-80340E00CF78}" destId="{04E9ED99-3317-4ECF-B07D-F4E9BFEAC8A0}" srcOrd="2" destOrd="0" parTransId="{22474AD4-F4CF-4F5E-9EEF-94B485CCCEEE}" sibTransId="{5C8C7E6B-D7EF-4A3D-AB3B-336AE497B83E}"/>
+    <dgm:cxn modelId="{DC789776-2708-48A0-A156-249D6BCC4A00}" type="presOf" srcId="{0A0BA593-C895-453D-A9EA-AA1A6EF12F21}" destId="{8E6E4251-BCF8-4FB1-A02B-56F8FA370E84}" srcOrd="0" destOrd="0" presId="urn:microsoft.com/office/officeart/2008/layout/NameandTitleOrganizationalChart"/>
+    <dgm:cxn modelId="{7A8BAA46-4AC7-4D99-A870-B576128DA040}" srcId="{E21412F6-F8B6-4877-B5A3-1D2645173BD3}" destId="{F8540D8F-842D-4728-AB5D-7C88723AA44D}" srcOrd="0" destOrd="0" parTransId="{9AC7ACC0-2733-4A78-B5DD-2F568ABCC62C}" sibTransId="{86D205F2-DF1C-4523-A1B4-E357476C5541}"/>
+    <dgm:cxn modelId="{90457F4E-5C90-405E-8D3B-3608B68FDC52}" type="presOf" srcId="{2DB39D95-EFF2-420B-AFBF-73D10E1400C0}" destId="{95E6DB3B-AD48-4715-9855-4898B682D86D}" srcOrd="0" destOrd="0" presId="urn:microsoft.com/office/officeart/2008/layout/NameandTitleOrganizationalChart"/>
+    <dgm:cxn modelId="{5231FEDA-BC49-4C3B-8963-43281F30983F}" type="presOf" srcId="{C52EAC42-BF7A-4839-BED5-3E5C5A8A8F1B}" destId="{2F150A28-35D7-4EDD-AD14-08E30D1702BB}" srcOrd="0" destOrd="0" presId="urn:microsoft.com/office/officeart/2008/layout/NameandTitleOrganizationalChart"/>
+    <dgm:cxn modelId="{3ED77A3D-3F99-43A8-91ED-07EAC87BD0E8}" type="presOf" srcId="{B91C093C-03B1-401C-8462-11DC6CC3E891}" destId="{1C89C8D1-8B8E-4239-BCFF-04AA4DF5D267}" srcOrd="0" destOrd="0" presId="urn:microsoft.com/office/officeart/2008/layout/NameandTitleOrganizationalChart"/>
+    <dgm:cxn modelId="{9A1D5EE3-B47C-4C0B-A30B-F05640F3C9EA}" type="presOf" srcId="{5A315CA4-91DF-4090-B63C-B2A9BD1CE594}" destId="{9A9C2577-DD1A-4A82-A7B5-333FAE126AAA}" srcOrd="1" destOrd="0" presId="urn:microsoft.com/office/officeart/2008/layout/NameandTitleOrganizationalChart"/>
+    <dgm:cxn modelId="{49DA2137-32CE-45B2-8788-C2FE104ED86F}" type="presOf" srcId="{883F479D-59C7-4D7B-A722-21C7D5F2E269}" destId="{5484D4D6-EA5E-47A9-8B98-31668B75EC0C}" srcOrd="1" destOrd="0" presId="urn:microsoft.com/office/officeart/2008/layout/NameandTitleOrganizationalChart"/>
+    <dgm:cxn modelId="{B815DE26-22B0-4FF1-BE7B-C4459D484FF6}" srcId="{E21412F6-F8B6-4877-B5A3-1D2645173BD3}" destId="{98B8A5A8-2B75-48BA-8041-9C13C210609D}" srcOrd="1" destOrd="0" parTransId="{340911AF-DD18-4E72-8A97-F432B6E4DC21}" sibTransId="{559F360A-D66E-4968-B66A-04F022DA2384}"/>
+    <dgm:cxn modelId="{2C07ABD4-9DC0-44C9-AB30-147C012BEC8F}" type="presOf" srcId="{39E5A908-DBFD-4C86-BA62-23E66E1A68F3}" destId="{2949CF0C-287F-4175-BF06-92EAB5C96BB2}" srcOrd="0" destOrd="0" presId="urn:microsoft.com/office/officeart/2008/layout/NameandTitleOrganizationalChart"/>
+    <dgm:cxn modelId="{D88B736C-D59B-46BA-BD02-312C7950D290}" type="presOf" srcId="{26E62099-3BC6-4E17-94C4-80340E00CF78}" destId="{99D4E039-A8D0-4953-9B21-FAC1C94D5CE2}" srcOrd="1" destOrd="0" presId="urn:microsoft.com/office/officeart/2008/layout/NameandTitleOrganizationalChart"/>
+    <dgm:cxn modelId="{459A5F50-E40A-4351-ADE9-824A6DF7A4EC}" type="presOf" srcId="{09A1C1D9-D891-4DBA-8289-95E3ED6379E3}" destId="{B26AA340-B012-450C-B965-9765131C5F60}" srcOrd="0" destOrd="0" presId="urn:microsoft.com/office/officeart/2008/layout/NameandTitleOrganizationalChart"/>
+    <dgm:cxn modelId="{4914C4E4-AAF2-4221-A5B5-C80E45C47DC8}" type="presOf" srcId="{ADE585E9-6E3D-4B4C-859F-3240CF01A0CE}" destId="{0143DD8F-A4C4-4301-8C10-45F38F05B4AE}" srcOrd="0" destOrd="0" presId="urn:microsoft.com/office/officeart/2008/layout/NameandTitleOrganizationalChart"/>
+    <dgm:cxn modelId="{B6C74065-225D-41AC-BA1E-6F23FD857995}" type="presOf" srcId="{B6D8A5CD-05D7-4BD6-930B-661C00AFF661}" destId="{02C004B2-63B3-4608-9345-22E9CC3E868C}" srcOrd="1" destOrd="0" presId="urn:microsoft.com/office/officeart/2008/layout/NameandTitleOrganizationalChart"/>
+    <dgm:cxn modelId="{6EE96CD4-457E-4A9B-8A7F-1CA50C09CAD7}" type="presOf" srcId="{C99AAC59-7635-4022-BF61-F1B616ECF97A}" destId="{78214B65-B5FE-4ABF-8A0C-CA99AA9FB35E}" srcOrd="0" destOrd="0" presId="urn:microsoft.com/office/officeart/2008/layout/NameandTitleOrganizationalChart"/>
     <dgm:cxn modelId="{53290116-440C-460C-8882-5BF886A04AF3}" type="presOf" srcId="{90F310DB-8B4B-4A3C-BC11-30000B3AF5E0}" destId="{B7BE6F71-DCEE-4A74-B377-2CA0B5CEBA74}" srcOrd="0" destOrd="0" presId="urn:microsoft.com/office/officeart/2008/layout/NameandTitleOrganizationalChart"/>
-    <dgm:cxn modelId="{6DE6D761-5EEE-4A09-A159-D4DF8131D69D}" srcId="{E15456C9-1264-44CE-A46A-1332FDEA4D63}" destId="{FF31ECF4-BE1B-44EC-8950-5F3CAA13C9E1}" srcOrd="1" destOrd="0" parTransId="{C52EAC42-BF7A-4839-BED5-3E5C5A8A8F1B}" sibTransId="{A3C83099-6BFA-44E1-B0A9-C07070F4815D}"/>
-    <dgm:cxn modelId="{DC759365-E7CE-4E2A-A392-A4CA80235CC3}" type="presOf" srcId="{F8540D8F-842D-4728-AB5D-7C88723AA44D}" destId="{2875948E-291D-4655-9A40-01DD961864D7}" srcOrd="0" destOrd="0" presId="urn:microsoft.com/office/officeart/2008/layout/NameandTitleOrganizationalChart"/>
-    <dgm:cxn modelId="{6135A471-DC54-4446-AFF5-C5698C41DED9}" type="presOf" srcId="{A70E35BE-CEE2-47FF-9BB0-05D25DCD34F7}" destId="{24F63BB3-C32E-42DD-BEA1-A5D4C283A3E4}" srcOrd="1" destOrd="0" presId="urn:microsoft.com/office/officeart/2008/layout/NameandTitleOrganizationalChart"/>
-    <dgm:cxn modelId="{35756D35-91AF-41B6-A68D-6C51AA758800}" type="presOf" srcId="{98B8A5A8-2B75-48BA-8041-9C13C210609D}" destId="{29297073-770B-4E74-8A71-652F4D35C065}" srcOrd="1" destOrd="0" presId="urn:microsoft.com/office/officeart/2008/layout/NameandTitleOrganizationalChart"/>
-    <dgm:cxn modelId="{F7FBAE76-51BF-4FE2-83A1-C675562315AA}" type="presOf" srcId="{883F479D-59C7-4D7B-A722-21C7D5F2E269}" destId="{C0609B87-D118-46F5-A332-3E6628950ABC}" srcOrd="0" destOrd="0" presId="urn:microsoft.com/office/officeart/2008/layout/NameandTitleOrganizationalChart"/>
-    <dgm:cxn modelId="{FEE25D98-22C5-4650-8A39-9067A367BDF7}" type="presOf" srcId="{340911AF-DD18-4E72-8A97-F432B6E4DC21}" destId="{9E007C76-6257-47A8-B735-63EA3D7A08C8}" srcOrd="0" destOrd="0" presId="urn:microsoft.com/office/officeart/2008/layout/NameandTitleOrganizationalChart"/>
-    <dgm:cxn modelId="{4F8DF260-2437-4352-90CA-080BD6C25F3B}" type="presOf" srcId="{6F3ABB5B-4390-4D4C-A351-C086BA6E696F}" destId="{07B41DA2-F050-42A9-BE37-EBD07D6F544E}" srcOrd="0" destOrd="0" presId="urn:microsoft.com/office/officeart/2008/layout/NameandTitleOrganizationalChart"/>
-    <dgm:cxn modelId="{1CDDE4D3-BE72-4D1E-8783-DCDA1BD8EA73}" type="presOf" srcId="{86D205F2-DF1C-4523-A1B4-E357476C5541}" destId="{27B90BA2-B19F-4A36-867A-F1E7855C18E8}" srcOrd="0" destOrd="0" presId="urn:microsoft.com/office/officeart/2008/layout/NameandTitleOrganizationalChart"/>
-    <dgm:cxn modelId="{7524AFAD-10EC-4037-AD99-C8C6CEFF6F3D}" srcId="{E15456C9-1264-44CE-A46A-1332FDEA4D63}" destId="{E5C82CA0-96D5-4FFF-97E4-CCB952C228C7}" srcOrd="0" destOrd="0" parTransId="{C99AAC59-7635-4022-BF61-F1B616ECF97A}" sibTransId="{2E53A8AA-B911-4693-BB93-6A397BC88DBB}"/>
-    <dgm:cxn modelId="{E17C04C7-3BC8-49B8-8034-D454BD3992E6}" type="presOf" srcId="{137D738E-0763-4C51-954A-7A8DBDB5FFD6}" destId="{149849EB-D923-46C4-BECF-830EBC9491A6}" srcOrd="0" destOrd="0" presId="urn:microsoft.com/office/officeart/2008/layout/NameandTitleOrganizationalChart"/>
-    <dgm:cxn modelId="{4C7FDF7A-2C12-4A32-9B94-2DF93C653F5E}" type="presOf" srcId="{80C7A12E-0A37-413C-9B41-A1F036E0B74B}" destId="{9226003C-DEC8-4030-B965-31A76FE09775}" srcOrd="0" destOrd="0" presId="urn:microsoft.com/office/officeart/2008/layout/NameandTitleOrganizationalChart"/>
+    <dgm:cxn modelId="{7D76912B-BC23-4BC8-A44A-325E20BA1BE4}" type="presOf" srcId="{958569A8-FBDF-40B8-8EC1-75E2493F7471}" destId="{A1DD215B-CBF1-4A51-8AC4-400394873ED5}" srcOrd="1" destOrd="0" presId="urn:microsoft.com/office/officeart/2008/layout/NameandTitleOrganizationalChart"/>
+    <dgm:cxn modelId="{C07726E5-5B03-4688-8568-4C5BE59A43A5}" srcId="{FF31ECF4-BE1B-44EC-8950-5F3CAA13C9E1}" destId="{9B5504EE-262E-421F-B6D0-17AEEAEBC46F}" srcOrd="1" destOrd="0" parTransId="{1D5B3EF4-BE0A-4BBA-AC69-B7F49B651F6F}" sibTransId="{1A23467C-A501-4E71-A007-E39C51AAC1F6}"/>
+    <dgm:cxn modelId="{AD4AA747-F3A8-41E2-8B62-868A5B791275}" type="presOf" srcId="{5C8C7E6B-D7EF-4A3D-AB3B-336AE497B83E}" destId="{F380191F-68F7-4007-A4C0-DAB6CB8C3176}" srcOrd="0" destOrd="0" presId="urn:microsoft.com/office/officeart/2008/layout/NameandTitleOrganizationalChart"/>
+    <dgm:cxn modelId="{2EFF13AC-45AE-4F59-826B-7B02BC00AAEE}" type="presOf" srcId="{73234726-D4B4-4E51-AF5B-87A161E7FD1B}" destId="{4443E3C1-7F39-4CEC-910A-DF31A2168070}" srcOrd="0" destOrd="0" presId="urn:microsoft.com/office/officeart/2008/layout/NameandTitleOrganizationalChart"/>
+    <dgm:cxn modelId="{799ED841-8428-4588-B164-332BCAA758AB}" type="presOf" srcId="{B6D8A5CD-05D7-4BD6-930B-661C00AFF661}" destId="{A94D0759-1843-47BA-952A-DB309C1547CB}" srcOrd="0" destOrd="0" presId="urn:microsoft.com/office/officeart/2008/layout/NameandTitleOrganizationalChart"/>
+    <dgm:cxn modelId="{B66F2A30-A1ED-48E4-B117-351831710BE1}" type="presOf" srcId="{2E53A8AA-B911-4693-BB93-6A397BC88DBB}" destId="{8BD8E232-E0DA-4845-818E-EA2EBBC9B0BB}" srcOrd="0" destOrd="0" presId="urn:microsoft.com/office/officeart/2008/layout/NameandTitleOrganizationalChart"/>
+    <dgm:cxn modelId="{8B02A030-DD4A-4825-BBA1-01431D83BE9D}" srcId="{26E62099-3BC6-4E17-94C4-80340E00CF78}" destId="{1DB3B635-F31A-4C4C-8115-88FD0D07A89B}" srcOrd="7" destOrd="0" parTransId="{73234726-D4B4-4E51-AF5B-87A161E7FD1B}" sibTransId="{EDFC95DE-09A1-4484-B91F-4D53C6FCF9B2}"/>
+    <dgm:cxn modelId="{EB7CAFE1-D98F-4216-9E9F-70CE96A3AFCD}" type="presOf" srcId="{1DB3B635-F31A-4C4C-8115-88FD0D07A89B}" destId="{678B0968-8AF6-409D-A455-6407459F1796}" srcOrd="0" destOrd="0" presId="urn:microsoft.com/office/officeart/2008/layout/NameandTitleOrganizationalChart"/>
+    <dgm:cxn modelId="{D258D4DD-ECCB-48FE-9D54-1783765B822A}" type="presOf" srcId="{2D592857-C4FF-4259-AB7B-8B5F06639A90}" destId="{DC2A6A67-D1A7-48DB-9C30-2EE5AE05E793}" srcOrd="0" destOrd="0" presId="urn:microsoft.com/office/officeart/2008/layout/NameandTitleOrganizationalChart"/>
+    <dgm:cxn modelId="{78699BC9-229B-41BF-8370-7AC5B3F1CBA9}" srcId="{26E62099-3BC6-4E17-94C4-80340E00CF78}" destId="{2D592857-C4FF-4259-AB7B-8B5F06639A90}" srcOrd="3" destOrd="0" parTransId="{671859CD-AA71-42FD-8258-61968ACB1064}" sibTransId="{AB091C5F-1C2B-4511-A681-D7B94BC00380}"/>
+    <dgm:cxn modelId="{C40498F5-47B4-42BE-A6F6-FEB674B8B732}" srcId="{54B22CF6-907D-4AD8-92C4-0399267F5D7A}" destId="{E21412F6-F8B6-4877-B5A3-1D2645173BD3}" srcOrd="0" destOrd="0" parTransId="{6030B236-9283-4C83-A9F7-F5EC8843EAB8}" sibTransId="{80C7A12E-0A37-413C-9B41-A1F036E0B74B}"/>
+    <dgm:cxn modelId="{C8D3A0C7-6FA8-484F-A5DD-962F674AD387}" srcId="{98B8A5A8-2B75-48BA-8041-9C13C210609D}" destId="{E15456C9-1264-44CE-A46A-1332FDEA4D63}" srcOrd="1" destOrd="0" parTransId="{39E5A908-DBFD-4C86-BA62-23E66E1A68F3}" sibTransId="{2DB39D95-EFF2-420B-AFBF-73D10E1400C0}"/>
     <dgm:cxn modelId="{8E442753-5FE7-40C7-9F69-6012550D209B}" type="presOf" srcId="{E5C82CA0-96D5-4FFF-97E4-CCB952C228C7}" destId="{D6CBF49A-2774-4508-A938-94A33E3AE15D}" srcOrd="1" destOrd="0" presId="urn:microsoft.com/office/officeart/2008/layout/NameandTitleOrganizationalChart"/>
-    <dgm:cxn modelId="{3ED77A3D-3F99-43A8-91ED-07EAC87BD0E8}" type="presOf" srcId="{B91C093C-03B1-401C-8462-11DC6CC3E891}" destId="{1C89C8D1-8B8E-4239-BCFF-04AA4DF5D267}" srcOrd="0" destOrd="0" presId="urn:microsoft.com/office/officeart/2008/layout/NameandTitleOrganizationalChart"/>
+    <dgm:cxn modelId="{7C24D88A-BD01-4EE3-8E41-5C7A1E908B39}" type="presOf" srcId="{E6172D37-089F-4CBC-86F1-74615E51D65C}" destId="{E71EE907-1921-4348-A4A3-ACB8222C7F4E}" srcOrd="0" destOrd="0" presId="urn:microsoft.com/office/officeart/2008/layout/NameandTitleOrganizationalChart"/>
+    <dgm:cxn modelId="{3C545EF2-73C6-4008-A416-65C36013DC82}" type="presOf" srcId="{A3C83099-6BFA-44E1-B0A9-C07070F4815D}" destId="{687579E5-F4F4-4EF1-A1AC-287D3B03AD65}" srcOrd="0" destOrd="0" presId="urn:microsoft.com/office/officeart/2008/layout/NameandTitleOrganizationalChart"/>
     <dgm:cxn modelId="{AF361DD8-F289-4CF0-A832-21B3C4C099A3}" type="presOf" srcId="{54B22CF6-907D-4AD8-92C4-0399267F5D7A}" destId="{57E8A9A6-D72E-44F7-98C8-FCFACFF93606}" srcOrd="0" destOrd="0" presId="urn:microsoft.com/office/officeart/2008/layout/NameandTitleOrganizationalChart"/>
-    <dgm:cxn modelId="{1929A109-36A0-4ED7-AF6E-66A8CBAB8D6F}" type="presOf" srcId="{4410F5B9-7A6E-4352-ABF4-75B25389A9D8}" destId="{852CC1FF-77EF-4779-8EFB-E14E8E9A70F0}" srcOrd="0" destOrd="0" presId="urn:microsoft.com/office/officeart/2008/layout/NameandTitleOrganizationalChart"/>
-    <dgm:cxn modelId="{49DA2137-32CE-45B2-8788-C2FE104ED86F}" type="presOf" srcId="{883F479D-59C7-4D7B-A722-21C7D5F2E269}" destId="{5484D4D6-EA5E-47A9-8B98-31668B75EC0C}" srcOrd="1" destOrd="0" presId="urn:microsoft.com/office/officeart/2008/layout/NameandTitleOrganizationalChart"/>
-    <dgm:cxn modelId="{E8FE7C8C-79ED-4A3F-802B-2D22D71D0CE6}" srcId="{9B5504EE-262E-421F-B6D0-17AEEAEBC46F}" destId="{26E62099-3BC6-4E17-94C4-80340E00CF78}" srcOrd="0" destOrd="0" parTransId="{E7A8FCB0-04D3-41C6-A08E-323E962A68EC}" sibTransId="{A2CC19FE-4BF6-4187-89D1-510EF69AD1BC}"/>
-    <dgm:cxn modelId="{799ED841-8428-4588-B164-332BCAA758AB}" type="presOf" srcId="{B6D8A5CD-05D7-4BD6-930B-661C00AFF661}" destId="{A94D0759-1843-47BA-952A-DB309C1547CB}" srcOrd="0" destOrd="0" presId="urn:microsoft.com/office/officeart/2008/layout/NameandTitleOrganizationalChart"/>
-    <dgm:cxn modelId="{3C211975-121F-45F3-B1AD-81FD579A7BD1}" type="presOf" srcId="{E7A8FCB0-04D3-41C6-A08E-323E962A68EC}" destId="{2F41E6E4-21D3-4C31-927E-F82D7255BF4B}" srcOrd="0" destOrd="0" presId="urn:microsoft.com/office/officeart/2008/layout/NameandTitleOrganizationalChart"/>
-    <dgm:cxn modelId="{459A5F50-E40A-4351-ADE9-824A6DF7A4EC}" type="presOf" srcId="{09A1C1D9-D891-4DBA-8289-95E3ED6379E3}" destId="{B26AA340-B012-450C-B965-9765131C5F60}" srcOrd="0" destOrd="0" presId="urn:microsoft.com/office/officeart/2008/layout/NameandTitleOrganizationalChart"/>
-    <dgm:cxn modelId="{DA4E049E-0A78-4696-9E9D-868C97B66396}" type="presOf" srcId="{5D122C4F-1DBD-4CF7-AC9C-40B0E92DBFB9}" destId="{1683A76A-8157-4355-B30D-E69C1BB81D29}" srcOrd="0" destOrd="0" presId="urn:microsoft.com/office/officeart/2008/layout/NameandTitleOrganizationalChart"/>
-    <dgm:cxn modelId="{F3BD405A-563A-4F43-BF87-634E760B4329}" type="presOf" srcId="{E21412F6-F8B6-4877-B5A3-1D2645173BD3}" destId="{55A454FB-B4B0-428E-976C-67FBFF903016}" srcOrd="0" destOrd="0" presId="urn:microsoft.com/office/officeart/2008/layout/NameandTitleOrganizationalChart"/>
-    <dgm:cxn modelId="{E1531FA5-5958-4637-ADEA-D3F9BF47D943}" type="presOf" srcId="{1A23467C-A501-4E71-A007-E39C51AAC1F6}" destId="{126715BD-2D7F-433C-A680-62D83EF674C2}" srcOrd="0" destOrd="0" presId="urn:microsoft.com/office/officeart/2008/layout/NameandTitleOrganizationalChart"/>
-    <dgm:cxn modelId="{FB307CD8-E50C-45B3-BD27-D0AB169E3089}" type="presOf" srcId="{683EE9AB-85E6-45CF-95D2-1E792782A3F0}" destId="{78F2497E-04CA-49DC-A332-809969CCAB06}" srcOrd="0" destOrd="0" presId="urn:microsoft.com/office/officeart/2008/layout/NameandTitleOrganizationalChart"/>
-    <dgm:cxn modelId="{7C24D88A-BD01-4EE3-8E41-5C7A1E908B39}" type="presOf" srcId="{E6172D37-089F-4CBC-86F1-74615E51D65C}" destId="{E71EE907-1921-4348-A4A3-ACB8222C7F4E}" srcOrd="0" destOrd="0" presId="urn:microsoft.com/office/officeart/2008/layout/NameandTitleOrganizationalChart"/>
-    <dgm:cxn modelId="{EB7CAFE1-D98F-4216-9E9F-70CE96A3AFCD}" type="presOf" srcId="{1DB3B635-F31A-4C4C-8115-88FD0D07A89B}" destId="{678B0968-8AF6-409D-A455-6407459F1796}" srcOrd="0" destOrd="0" presId="urn:microsoft.com/office/officeart/2008/layout/NameandTitleOrganizationalChart"/>
-    <dgm:cxn modelId="{EDE522AC-1998-47D7-9ADE-6A909B5350C1}" type="presOf" srcId="{4F243CCC-3FAD-4709-ABBB-1E01F32118E7}" destId="{11926B22-8F9E-4EDF-A7DE-30B015AE09F4}" srcOrd="0" destOrd="0" presId="urn:microsoft.com/office/officeart/2008/layout/NameandTitleOrganizationalChart"/>
-    <dgm:cxn modelId="{CFD0DD05-EF3F-4FF8-821B-62DB84BDC2BC}" type="presOf" srcId="{E5C82CA0-96D5-4FFF-97E4-CCB952C228C7}" destId="{F2EC2861-C1D5-4305-8DD5-8D30C9172D41}" srcOrd="0" destOrd="0" presId="urn:microsoft.com/office/officeart/2008/layout/NameandTitleOrganizationalChart"/>
-    <dgm:cxn modelId="{9A1D5EE3-B47C-4C0B-A30B-F05640F3C9EA}" type="presOf" srcId="{5A315CA4-91DF-4090-B63C-B2A9BD1CE594}" destId="{9A9C2577-DD1A-4A82-A7B5-333FAE126AAA}" srcOrd="1" destOrd="0" presId="urn:microsoft.com/office/officeart/2008/layout/NameandTitleOrganizationalChart"/>
-    <dgm:cxn modelId="{ED962AA3-389A-4A4C-ACCF-38D449A94292}" type="presOf" srcId="{D00CBC1A-4C8F-442F-85CC-7F86597AB3FD}" destId="{027F8FCE-D917-4857-957E-F5F0B0853751}" srcOrd="0" destOrd="0" presId="urn:microsoft.com/office/officeart/2008/layout/NameandTitleOrganizationalChart"/>
-    <dgm:cxn modelId="{4C3E9803-E8D3-44A1-A16A-45C3048641D8}" type="presOf" srcId="{22474AD4-F4CF-4F5E-9EEF-94B485CCCEEE}" destId="{03FAE41A-8D29-4C04-BB0D-939DFD4D267A}" srcOrd="0" destOrd="0" presId="urn:microsoft.com/office/officeart/2008/layout/NameandTitleOrganizationalChart"/>
-    <dgm:cxn modelId="{B66F2A30-A1ED-48E4-B117-351831710BE1}" type="presOf" srcId="{2E53A8AA-B911-4693-BB93-6A397BC88DBB}" destId="{8BD8E232-E0DA-4845-818E-EA2EBBC9B0BB}" srcOrd="0" destOrd="0" presId="urn:microsoft.com/office/officeart/2008/layout/NameandTitleOrganizationalChart"/>
-    <dgm:cxn modelId="{7A8BAA46-4AC7-4D99-A870-B576128DA040}" srcId="{E21412F6-F8B6-4877-B5A3-1D2645173BD3}" destId="{F8540D8F-842D-4728-AB5D-7C88723AA44D}" srcOrd="0" destOrd="0" parTransId="{9AC7ACC0-2733-4A78-B5DD-2F568ABCC62C}" sibTransId="{86D205F2-DF1C-4523-A1B4-E357476C5541}"/>
-    <dgm:cxn modelId="{78699BC9-229B-41BF-8370-7AC5B3F1CBA9}" srcId="{26E62099-3BC6-4E17-94C4-80340E00CF78}" destId="{2D592857-C4FF-4259-AB7B-8B5F06639A90}" srcOrd="3" destOrd="0" parTransId="{671859CD-AA71-42FD-8258-61968ACB1064}" sibTransId="{AB091C5F-1C2B-4511-A681-D7B94BC00380}"/>
-    <dgm:cxn modelId="{BAE672C5-5CB7-4479-BB59-CCD465556D62}" srcId="{26E62099-3BC6-4E17-94C4-80340E00CF78}" destId="{883F479D-59C7-4D7B-A722-21C7D5F2E269}" srcOrd="0" destOrd="0" parTransId="{90F310DB-8B4B-4A3C-BC11-30000B3AF5E0}" sibTransId="{E5511235-BB9F-44F7-929B-94718C9EFAFA}"/>
-    <dgm:cxn modelId="{1395BB25-83DC-4725-BF82-B651497F5871}" srcId="{FF31ECF4-BE1B-44EC-8950-5F3CAA13C9E1}" destId="{6F3ABB5B-4390-4D4C-A351-C086BA6E696F}" srcOrd="0" destOrd="0" parTransId="{5D122C4F-1DBD-4CF7-AC9C-40B0E92DBFB9}" sibTransId="{D00CBC1A-4C8F-442F-85CC-7F86597AB3FD}"/>
-    <dgm:cxn modelId="{90457F4E-5C90-405E-8D3B-3608B68FDC52}" type="presOf" srcId="{2DB39D95-EFF2-420B-AFBF-73D10E1400C0}" destId="{95E6DB3B-AD48-4715-9855-4898B682D86D}" srcOrd="0" destOrd="0" presId="urn:microsoft.com/office/officeart/2008/layout/NameandTitleOrganizationalChart"/>
-    <dgm:cxn modelId="{2868E610-5452-404F-A51F-DAB7EA695AA8}" srcId="{26E62099-3BC6-4E17-94C4-80340E00CF78}" destId="{5A315CA4-91DF-4090-B63C-B2A9BD1CE594}" srcOrd="4" destOrd="0" parTransId="{1BA13A82-364A-46CA-BDAF-792FE3D2913E}" sibTransId="{09A1C1D9-D891-4DBA-8289-95E3ED6379E3}"/>
-    <dgm:cxn modelId="{3D3C94A3-7D6E-4328-A6F0-A2BFDB24A01D}" type="presOf" srcId="{9B5504EE-262E-421F-B6D0-17AEEAEBC46F}" destId="{92001C25-B329-4FD2-B382-8854FA5A0124}" srcOrd="0" destOrd="0" presId="urn:microsoft.com/office/officeart/2008/layout/NameandTitleOrganizationalChart"/>
-    <dgm:cxn modelId="{E58687E5-907C-4887-BFCE-D1362041C656}" srcId="{26E62099-3BC6-4E17-94C4-80340E00CF78}" destId="{4410F5B9-7A6E-4352-ABF4-75B25389A9D8}" srcOrd="6" destOrd="0" parTransId="{4F243CCC-3FAD-4709-ABBB-1E01F32118E7}" sibTransId="{E6172D37-089F-4CBC-86F1-74615E51D65C}"/>
-    <dgm:cxn modelId="{9B99A35B-E0D7-4CC5-A643-762707BEC098}" type="presOf" srcId="{1D5B3EF4-BE0A-4BBA-AC69-B7F49B651F6F}" destId="{54644C48-106A-4DDE-967E-9C553AFFCB26}" srcOrd="0" destOrd="0" presId="urn:microsoft.com/office/officeart/2008/layout/NameandTitleOrganizationalChart"/>
-    <dgm:cxn modelId="{47ADFDB1-FB21-4EDE-827A-31572B4DB065}" type="presOf" srcId="{1BA13A82-364A-46CA-BDAF-792FE3D2913E}" destId="{0133BCC6-49F8-4231-BAB2-704AE1F1BE24}" srcOrd="0" destOrd="0" presId="urn:microsoft.com/office/officeart/2008/layout/NameandTitleOrganizationalChart"/>
-    <dgm:cxn modelId="{5231FEDA-BC49-4C3B-8963-43281F30983F}" type="presOf" srcId="{C52EAC42-BF7A-4839-BED5-3E5C5A8A8F1B}" destId="{2F150A28-35D7-4EDD-AD14-08E30D1702BB}" srcOrd="0" destOrd="0" presId="urn:microsoft.com/office/officeart/2008/layout/NameandTitleOrganizationalChart"/>
-    <dgm:cxn modelId="{6EE96CD4-457E-4A9B-8A7F-1CA50C09CAD7}" type="presOf" srcId="{C99AAC59-7635-4022-BF61-F1B616ECF97A}" destId="{78214B65-B5FE-4ABF-8A0C-CA99AA9FB35E}" srcOrd="0" destOrd="0" presId="urn:microsoft.com/office/officeart/2008/layout/NameandTitleOrganizationalChart"/>
-    <dgm:cxn modelId="{5024D8DF-F1E7-40C6-A08D-500D0399C3E4}" type="presOf" srcId="{04E9ED99-3317-4ECF-B07D-F4E9BFEAC8A0}" destId="{8BF21DA7-9255-410A-95A8-70E045BB35D3}" srcOrd="0" destOrd="0" presId="urn:microsoft.com/office/officeart/2008/layout/NameandTitleOrganizationalChart"/>
-    <dgm:cxn modelId="{B6C74065-225D-41AC-BA1E-6F23FD857995}" type="presOf" srcId="{B6D8A5CD-05D7-4BD6-930B-661C00AFF661}" destId="{02C004B2-63B3-4608-9345-22E9CC3E868C}" srcOrd="1" destOrd="0" presId="urn:microsoft.com/office/officeart/2008/layout/NameandTitleOrganizationalChart"/>
-    <dgm:cxn modelId="{510933DD-F352-4818-ABA6-5F413B0D779F}" type="presOf" srcId="{FF31ECF4-BE1B-44EC-8950-5F3CAA13C9E1}" destId="{328B3935-1432-4F3B-A933-E7FB2D406FF3}" srcOrd="0" destOrd="0" presId="urn:microsoft.com/office/officeart/2008/layout/NameandTitleOrganizationalChart"/>
-    <dgm:cxn modelId="{DC789776-2708-48A0-A156-249D6BCC4A00}" type="presOf" srcId="{0A0BA593-C895-453D-A9EA-AA1A6EF12F21}" destId="{8E6E4251-BCF8-4FB1-A02B-56F8FA370E84}" srcOrd="0" destOrd="0" presId="urn:microsoft.com/office/officeart/2008/layout/NameandTitleOrganizationalChart"/>
-    <dgm:cxn modelId="{707D05A3-E703-4684-9DF9-F903169F64F5}" srcId="{26E62099-3BC6-4E17-94C4-80340E00CF78}" destId="{04E9ED99-3317-4ECF-B07D-F4E9BFEAC8A0}" srcOrd="2" destOrd="0" parTransId="{22474AD4-F4CF-4F5E-9EEF-94B485CCCEEE}" sibTransId="{5C8C7E6B-D7EF-4A3D-AB3B-336AE497B83E}"/>
-    <dgm:cxn modelId="{7D76912B-BC23-4BC8-A44A-325E20BA1BE4}" type="presOf" srcId="{958569A8-FBDF-40B8-8EC1-75E2493F7471}" destId="{A1DD215B-CBF1-4A51-8AC4-400394873ED5}" srcOrd="1" destOrd="0" presId="urn:microsoft.com/office/officeart/2008/layout/NameandTitleOrganizationalChart"/>
-    <dgm:cxn modelId="{2EFF13AC-45AE-4F59-826B-7B02BC00AAEE}" type="presOf" srcId="{73234726-D4B4-4E51-AF5B-87A161E7FD1B}" destId="{4443E3C1-7F39-4CEC-910A-DF31A2168070}" srcOrd="0" destOrd="0" presId="urn:microsoft.com/office/officeart/2008/layout/NameandTitleOrganizationalChart"/>
-    <dgm:cxn modelId="{1E4DCA70-8828-445A-BBBD-F46A4D6559FA}" type="presOf" srcId="{1DB3B635-F31A-4C4C-8115-88FD0D07A89B}" destId="{15163E45-73E6-4B5D-9ADE-F62FE47442B3}" srcOrd="1" destOrd="0" presId="urn:microsoft.com/office/officeart/2008/layout/NameandTitleOrganizationalChart"/>
-    <dgm:cxn modelId="{D177B034-36AA-4270-85B4-F29F558921DF}" type="presOf" srcId="{26E62099-3BC6-4E17-94C4-80340E00CF78}" destId="{61C16C2F-1AB1-4997-8CC1-7C7DF3B62E00}" srcOrd="0" destOrd="0" presId="urn:microsoft.com/office/officeart/2008/layout/NameandTitleOrganizationalChart"/>
-    <dgm:cxn modelId="{45538FA5-7565-4DE4-99EA-FB48FEB30107}" type="presOf" srcId="{E15456C9-1264-44CE-A46A-1332FDEA4D63}" destId="{1D71B1E5-6B39-4842-94CA-612907EC3818}" srcOrd="1" destOrd="0" presId="urn:microsoft.com/office/officeart/2008/layout/NameandTitleOrganizationalChart"/>
-    <dgm:cxn modelId="{9366031C-995F-44DC-BBF1-4AE44545418F}" type="presOf" srcId="{E21412F6-F8B6-4877-B5A3-1D2645173BD3}" destId="{25BCDCA1-7378-4966-BF53-CF07D25A4218}" srcOrd="1" destOrd="0" presId="urn:microsoft.com/office/officeart/2008/layout/NameandTitleOrganizationalChart"/>
-    <dgm:cxn modelId="{4914C4E4-AAF2-4221-A5B5-C80E45C47DC8}" type="presOf" srcId="{ADE585E9-6E3D-4B4C-859F-3240CF01A0CE}" destId="{0143DD8F-A4C4-4301-8C10-45F38F05B4AE}" srcOrd="0" destOrd="0" presId="urn:microsoft.com/office/officeart/2008/layout/NameandTitleOrganizationalChart"/>
-    <dgm:cxn modelId="{FFAE1BB5-1BF0-402C-95E4-8A4CBAECB1A6}" type="presOf" srcId="{5A315CA4-91DF-4090-B63C-B2A9BD1CE594}" destId="{B2CC1828-1D29-48FA-A0DC-F04CA0CD2D21}" srcOrd="0" destOrd="0" presId="urn:microsoft.com/office/officeart/2008/layout/NameandTitleOrganizationalChart"/>
-    <dgm:cxn modelId="{3E59412A-37C6-4D5A-96A1-817CA50EDC45}" type="presOf" srcId="{2B66A6E6-4414-4871-A4F4-78792B81DA7C}" destId="{2A913493-92E6-4226-ABE4-D90F5277663B}" srcOrd="0" destOrd="0" presId="urn:microsoft.com/office/officeart/2008/layout/NameandTitleOrganizationalChart"/>
-    <dgm:cxn modelId="{C40498F5-47B4-42BE-A6F6-FEB674B8B732}" srcId="{54B22CF6-907D-4AD8-92C4-0399267F5D7A}" destId="{E21412F6-F8B6-4877-B5A3-1D2645173BD3}" srcOrd="0" destOrd="0" parTransId="{6030B236-9283-4C83-A9F7-F5EC8843EAB8}" sibTransId="{80C7A12E-0A37-413C-9B41-A1F036E0B74B}"/>
-    <dgm:cxn modelId="{BDF60283-5D13-4A6C-A565-5717718CB5B1}" type="presOf" srcId="{6F3ABB5B-4390-4D4C-A351-C086BA6E696F}" destId="{2583DDCA-D066-4957-A24E-5145344FEE1F}" srcOrd="1" destOrd="0" presId="urn:microsoft.com/office/officeart/2008/layout/NameandTitleOrganizationalChart"/>
-    <dgm:cxn modelId="{5D1634EF-9423-449A-936C-558A8523DF9E}" srcId="{26E62099-3BC6-4E17-94C4-80340E00CF78}" destId="{958569A8-FBDF-40B8-8EC1-75E2493F7471}" srcOrd="1" destOrd="0" parTransId="{ADE585E9-6E3D-4B4C-859F-3240CF01A0CE}" sibTransId="{683EE9AB-85E6-45CF-95D2-1E792782A3F0}"/>
-    <dgm:cxn modelId="{E4965599-EF00-41EB-AF3A-35DE7D7F1085}" type="presOf" srcId="{98B8A5A8-2B75-48BA-8041-9C13C210609D}" destId="{5AE64D64-D8C9-4680-89BC-629381485A87}" srcOrd="0" destOrd="0" presId="urn:microsoft.com/office/officeart/2008/layout/NameandTitleOrganizationalChart"/>
-    <dgm:cxn modelId="{C304C483-1398-4D23-8714-1DF19EBBA93D}" type="presOf" srcId="{E5511235-BB9F-44F7-929B-94718C9EFAFA}" destId="{CE6787A3-DAC8-481D-B157-911057EA0482}" srcOrd="0" destOrd="0" presId="urn:microsoft.com/office/officeart/2008/layout/NameandTitleOrganizationalChart"/>
-    <dgm:cxn modelId="{65BC83F7-A1B6-48DA-AC62-1AECC01B8F99}" type="presOf" srcId="{04E9ED99-3317-4ECF-B07D-F4E9BFEAC8A0}" destId="{6ADAEA67-E1B0-45D1-A89A-AC72103A2032}" srcOrd="1" destOrd="0" presId="urn:microsoft.com/office/officeart/2008/layout/NameandTitleOrganizationalChart"/>
-    <dgm:cxn modelId="{A55DAE1E-7E21-4068-B3EE-5F4449C89E3A}" type="presOf" srcId="{2D592857-C4FF-4259-AB7B-8B5F06639A90}" destId="{E8B83CC0-9D3E-44F2-A4A5-337005BA78F2}" srcOrd="1" destOrd="0" presId="urn:microsoft.com/office/officeart/2008/layout/NameandTitleOrganizationalChart"/>
-    <dgm:cxn modelId="{EE20E7E3-1327-488C-8C80-A438682BDA80}" srcId="{98B8A5A8-2B75-48BA-8041-9C13C210609D}" destId="{B6D8A5CD-05D7-4BD6-930B-661C00AFF661}" srcOrd="0" destOrd="0" parTransId="{137D738E-0763-4C51-954A-7A8DBDB5FFD6}" sibTransId="{B91C093C-03B1-401C-8462-11DC6CC3E891}"/>
-    <dgm:cxn modelId="{C8D3A0C7-6FA8-484F-A5DD-962F674AD387}" srcId="{98B8A5A8-2B75-48BA-8041-9C13C210609D}" destId="{E15456C9-1264-44CE-A46A-1332FDEA4D63}" srcOrd="1" destOrd="0" parTransId="{39E5A908-DBFD-4C86-BA62-23E66E1A68F3}" sibTransId="{2DB39D95-EFF2-420B-AFBF-73D10E1400C0}"/>
-    <dgm:cxn modelId="{A6AC8E80-2487-43ED-9838-97067A7C4B25}" type="presOf" srcId="{9B5504EE-262E-421F-B6D0-17AEEAEBC46F}" destId="{AA25AFFA-8FB6-4FBD-91FE-E98622B57003}" srcOrd="1" destOrd="0" presId="urn:microsoft.com/office/officeart/2008/layout/NameandTitleOrganizationalChart"/>
-    <dgm:cxn modelId="{9A614BF6-9632-4039-9F89-577185A54E8C}" type="presOf" srcId="{9AC7ACC0-2733-4A78-B5DD-2F568ABCC62C}" destId="{8CCE3855-BA01-4ECE-80AC-CE4B31DD7EA3}" srcOrd="0" destOrd="0" presId="urn:microsoft.com/office/officeart/2008/layout/NameandTitleOrganizationalChart"/>
-    <dgm:cxn modelId="{3879CE63-4658-4A4E-886C-124F05D8F335}" type="presOf" srcId="{958569A8-FBDF-40B8-8EC1-75E2493F7471}" destId="{174A1766-206B-4111-AE1B-3CE3FB67ADE9}" srcOrd="0" destOrd="0" presId="urn:microsoft.com/office/officeart/2008/layout/NameandTitleOrganizationalChart"/>
-    <dgm:cxn modelId="{1984ED6F-6BA0-42AA-BA38-FED598094183}" type="presOf" srcId="{A2CC19FE-4BF6-4187-89D1-510EF69AD1BC}" destId="{6A8BA006-F54F-4C04-BC17-4EA28E8359E9}" srcOrd="0" destOrd="0" presId="urn:microsoft.com/office/officeart/2008/layout/NameandTitleOrganizationalChart"/>
-    <dgm:cxn modelId="{D45B13F4-EE30-4A90-A695-882535BB06BD}" type="presOf" srcId="{E15456C9-1264-44CE-A46A-1332FDEA4D63}" destId="{AAFD393B-D5C6-4FC1-85BB-67D689A5CB66}" srcOrd="0" destOrd="0" presId="urn:microsoft.com/office/officeart/2008/layout/NameandTitleOrganizationalChart"/>
-    <dgm:cxn modelId="{2C07ABD4-9DC0-44C9-AB30-147C012BEC8F}" type="presOf" srcId="{39E5A908-DBFD-4C86-BA62-23E66E1A68F3}" destId="{2949CF0C-287F-4175-BF06-92EAB5C96BB2}" srcOrd="0" destOrd="0" presId="urn:microsoft.com/office/officeart/2008/layout/NameandTitleOrganizationalChart"/>
-    <dgm:cxn modelId="{A6F377CB-C53E-4C6C-97CB-EEE17BB8EA2E}" type="presOf" srcId="{AB091C5F-1C2B-4511-A681-D7B94BC00380}" destId="{50939023-49D7-4F51-AD1D-21231C706D1C}" srcOrd="0" destOrd="0" presId="urn:microsoft.com/office/officeart/2008/layout/NameandTitleOrganizationalChart"/>
-    <dgm:cxn modelId="{AD4AA747-F3A8-41E2-8B62-868A5B791275}" type="presOf" srcId="{5C8C7E6B-D7EF-4A3D-AB3B-336AE497B83E}" destId="{F380191F-68F7-4007-A4C0-DAB6CB8C3176}" srcOrd="0" destOrd="0" presId="urn:microsoft.com/office/officeart/2008/layout/NameandTitleOrganizationalChart"/>
-    <dgm:cxn modelId="{C07726E5-5B03-4688-8568-4C5BE59A43A5}" srcId="{FF31ECF4-BE1B-44EC-8950-5F3CAA13C9E1}" destId="{9B5504EE-262E-421F-B6D0-17AEEAEBC46F}" srcOrd="1" destOrd="0" parTransId="{1D5B3EF4-BE0A-4BBA-AC69-B7F49B651F6F}" sibTransId="{1A23467C-A501-4E71-A007-E39C51AAC1F6}"/>
-    <dgm:cxn modelId="{664BC9D2-775A-4D58-8D7C-5D2A3A5B6BD4}" type="presOf" srcId="{559F360A-D66E-4968-B66A-04F022DA2384}" destId="{3518303C-ED68-41C8-B9F7-05B65142A32E}" srcOrd="0" destOrd="0" presId="urn:microsoft.com/office/officeart/2008/layout/NameandTitleOrganizationalChart"/>
-    <dgm:cxn modelId="{CA1E94D0-87CB-4923-8A1A-042EAC7E4FE4}" type="presOf" srcId="{671859CD-AA71-42FD-8258-61968ACB1064}" destId="{D80B2E31-E433-4D95-9026-4A5890030DC1}" srcOrd="0" destOrd="0" presId="urn:microsoft.com/office/officeart/2008/layout/NameandTitleOrganizationalChart"/>
-    <dgm:cxn modelId="{DB4AF635-17EA-4D60-B6BA-EA341A022A10}" type="presOf" srcId="{FF31ECF4-BE1B-44EC-8950-5F3CAA13C9E1}" destId="{28AA62B0-0144-4478-95AE-6BB68EA28D13}" srcOrd="1" destOrd="0" presId="urn:microsoft.com/office/officeart/2008/layout/NameandTitleOrganizationalChart"/>
-    <dgm:cxn modelId="{8B02A030-DD4A-4825-BBA1-01431D83BE9D}" srcId="{26E62099-3BC6-4E17-94C4-80340E00CF78}" destId="{1DB3B635-F31A-4C4C-8115-88FD0D07A89B}" srcOrd="7" destOrd="0" parTransId="{73234726-D4B4-4E51-AF5B-87A161E7FD1B}" sibTransId="{EDFC95DE-09A1-4484-B91F-4D53C6FCF9B2}"/>
-    <dgm:cxn modelId="{E4E45663-9788-43E5-BC6E-E0773C6455FD}" srcId="{26E62099-3BC6-4E17-94C4-80340E00CF78}" destId="{A70E35BE-CEE2-47FF-9BB0-05D25DCD34F7}" srcOrd="5" destOrd="0" parTransId="{2B66A6E6-4414-4871-A4F4-78792B81DA7C}" sibTransId="{0A0BA593-C895-453D-A9EA-AA1A6EF12F21}"/>
-    <dgm:cxn modelId="{3C545EF2-73C6-4008-A416-65C36013DC82}" type="presOf" srcId="{A3C83099-6BFA-44E1-B0A9-C07070F4815D}" destId="{687579E5-F4F4-4EF1-A1AC-287D3B03AD65}" srcOrd="0" destOrd="0" presId="urn:microsoft.com/office/officeart/2008/layout/NameandTitleOrganizationalChart"/>
-    <dgm:cxn modelId="{D258D4DD-ECCB-48FE-9D54-1783765B822A}" type="presOf" srcId="{2D592857-C4FF-4259-AB7B-8B5F06639A90}" destId="{DC2A6A67-D1A7-48DB-9C30-2EE5AE05E793}" srcOrd="0" destOrd="0" presId="urn:microsoft.com/office/officeart/2008/layout/NameandTitleOrganizationalChart"/>
-    <dgm:cxn modelId="{6DC686FA-0917-49BE-8723-A8497165DF32}" type="presOf" srcId="{F8540D8F-842D-4728-AB5D-7C88723AA44D}" destId="{EB130543-171C-469C-8ADC-A5057937F01C}" srcOrd="1" destOrd="0" presId="urn:microsoft.com/office/officeart/2008/layout/NameandTitleOrganizationalChart"/>
-    <dgm:cxn modelId="{9A83FF3B-BC19-425C-A1AD-5AFD3FB2AB5D}" type="presOf" srcId="{EDFC95DE-09A1-4484-B91F-4D53C6FCF9B2}" destId="{7B4F4265-1316-4042-90B8-F0270B0983C3}" srcOrd="0" destOrd="0" presId="urn:microsoft.com/office/officeart/2008/layout/NameandTitleOrganizationalChart"/>
-    <dgm:cxn modelId="{B815DE26-22B0-4FF1-BE7B-C4459D484FF6}" srcId="{E21412F6-F8B6-4877-B5A3-1D2645173BD3}" destId="{98B8A5A8-2B75-48BA-8041-9C13C210609D}" srcOrd="1" destOrd="0" parTransId="{340911AF-DD18-4E72-8A97-F432B6E4DC21}" sibTransId="{559F360A-D66E-4968-B66A-04F022DA2384}"/>
-    <dgm:cxn modelId="{5CCF456C-82CA-4E97-AD18-41205CD6CEF8}" type="presOf" srcId="{A70E35BE-CEE2-47FF-9BB0-05D25DCD34F7}" destId="{5423C0B6-E270-4795-A26B-83CFD7EB47D0}" srcOrd="0" destOrd="0" presId="urn:microsoft.com/office/officeart/2008/layout/NameandTitleOrganizationalChart"/>
-    <dgm:cxn modelId="{D88B736C-D59B-46BA-BD02-312C7950D290}" type="presOf" srcId="{26E62099-3BC6-4E17-94C4-80340E00CF78}" destId="{99D4E039-A8D0-4953-9B21-FAC1C94D5CE2}" srcOrd="1" destOrd="0" presId="urn:microsoft.com/office/officeart/2008/layout/NameandTitleOrganizationalChart"/>
     <dgm:cxn modelId="{733B436D-1B5C-4ADA-A341-4419BA3758B0}" type="presParOf" srcId="{57E8A9A6-D72E-44F7-98C8-FCFACFF93606}" destId="{027AE4A1-F3D4-4CF8-A474-CD77141B48A7}" srcOrd="0" destOrd="0" presId="urn:microsoft.com/office/officeart/2008/layout/NameandTitleOrganizationalChart"/>
     <dgm:cxn modelId="{B86DE0F9-F747-45EA-8289-69B1E1BF1899}" type="presParOf" srcId="{027AE4A1-F3D4-4CF8-A474-CD77141B48A7}" destId="{9AD09C3B-933D-4228-AC1F-C0FD921B5806}" srcOrd="0" destOrd="0" presId="urn:microsoft.com/office/officeart/2008/layout/NameandTitleOrganizationalChart"/>
     <dgm:cxn modelId="{3B2B13D9-8D09-4F06-A7B4-04C000EE5558}" type="presParOf" srcId="{9AD09C3B-933D-4228-AC1F-C0FD921B5806}" destId="{55A454FB-B4B0-428E-976C-67FBFF903016}" srcOrd="0" destOrd="0" presId="urn:microsoft.com/office/officeart/2008/layout/NameandTitleOrganizationalChart"/>
@@ -5723,6 +7636,13 @@
         </dgm:presLayoutVars>
       </dgm:prSet>
       <dgm:spPr/>
+      <dgm:t>
+        <a:bodyPr/>
+        <a:lstStyle/>
+        <a:p>
+          <a:endParaRPr lang="zh-CN" altLang="en-US"/>
+        </a:p>
+      </dgm:t>
     </dgm:pt>
     <dgm:pt modelId="{027AE4A1-F3D4-4CF8-A474-CD77141B48A7}" type="pres">
       <dgm:prSet presAssocID="{E21412F6-F8B6-4877-B5A3-1D2645173BD3}" presName="hierRoot1" presStyleCnt="0">
@@ -5771,6 +7691,13 @@
     <dgm:pt modelId="{25BCDCA1-7378-4966-BF53-CF07D25A4218}" type="pres">
       <dgm:prSet presAssocID="{E21412F6-F8B6-4877-B5A3-1D2645173BD3}" presName="rootConnector1" presStyleLbl="node1" presStyleIdx="0" presStyleCnt="16"/>
       <dgm:spPr/>
+      <dgm:t>
+        <a:bodyPr/>
+        <a:lstStyle/>
+        <a:p>
+          <a:endParaRPr lang="zh-CN" altLang="en-US"/>
+        </a:p>
+      </dgm:t>
     </dgm:pt>
     <dgm:pt modelId="{89FAE3A6-A8B9-4B8C-9682-92C8EC343AB0}" type="pres">
       <dgm:prSet presAssocID="{E21412F6-F8B6-4877-B5A3-1D2645173BD3}" presName="hierChild2" presStyleCnt="0"/>
@@ -5779,6 +7706,13 @@
     <dgm:pt modelId="{8CCE3855-BA01-4ECE-80AC-CE4B31DD7EA3}" type="pres">
       <dgm:prSet presAssocID="{9AC7ACC0-2733-4A78-B5DD-2F568ABCC62C}" presName="Name37" presStyleLbl="parChTrans1D2" presStyleIdx="0" presStyleCnt="2"/>
       <dgm:spPr/>
+      <dgm:t>
+        <a:bodyPr/>
+        <a:lstStyle/>
+        <a:p>
+          <a:endParaRPr lang="zh-CN" altLang="en-US"/>
+        </a:p>
+      </dgm:t>
     </dgm:pt>
     <dgm:pt modelId="{D6F7708F-120E-4BB9-A755-846DAD089E62}" type="pres">
       <dgm:prSet presAssocID="{F8540D8F-842D-4728-AB5D-7C88723AA44D}" presName="hierRoot2" presStyleCnt="0">
@@ -5800,6 +7734,13 @@
         </dgm:presLayoutVars>
       </dgm:prSet>
       <dgm:spPr/>
+      <dgm:t>
+        <a:bodyPr/>
+        <a:lstStyle/>
+        <a:p>
+          <a:endParaRPr lang="zh-CN" altLang="en-US"/>
+        </a:p>
+      </dgm:t>
     </dgm:pt>
     <dgm:pt modelId="{27B90BA2-B19F-4A36-867A-F1E7855C18E8}" type="pres">
       <dgm:prSet presAssocID="{F8540D8F-842D-4728-AB5D-7C88723AA44D}" presName="titleText2" presStyleLbl="fgAcc1" presStyleIdx="0" presStyleCnt="16">
@@ -5809,10 +7750,24 @@
         </dgm:presLayoutVars>
       </dgm:prSet>
       <dgm:spPr/>
+      <dgm:t>
+        <a:bodyPr/>
+        <a:lstStyle/>
+        <a:p>
+          <a:endParaRPr lang="zh-CN" altLang="en-US"/>
+        </a:p>
+      </dgm:t>
     </dgm:pt>
     <dgm:pt modelId="{EB130543-171C-469C-8ADC-A5057937F01C}" type="pres">
       <dgm:prSet presAssocID="{F8540D8F-842D-4728-AB5D-7C88723AA44D}" presName="rootConnector" presStyleLbl="node2" presStyleIdx="0" presStyleCnt="0"/>
       <dgm:spPr/>
+      <dgm:t>
+        <a:bodyPr/>
+        <a:lstStyle/>
+        <a:p>
+          <a:endParaRPr lang="zh-CN" altLang="en-US"/>
+        </a:p>
+      </dgm:t>
     </dgm:pt>
     <dgm:pt modelId="{2968F617-6F29-4ADB-A7D2-72F6A9AC940C}" type="pres">
       <dgm:prSet presAssocID="{F8540D8F-842D-4728-AB5D-7C88723AA44D}" presName="hierChild4" presStyleCnt="0"/>
@@ -5825,6 +7780,13 @@
     <dgm:pt modelId="{9E007C76-6257-47A8-B735-63EA3D7A08C8}" type="pres">
       <dgm:prSet presAssocID="{340911AF-DD18-4E72-8A97-F432B6E4DC21}" presName="Name37" presStyleLbl="parChTrans1D2" presStyleIdx="1" presStyleCnt="2"/>
       <dgm:spPr/>
+      <dgm:t>
+        <a:bodyPr/>
+        <a:lstStyle/>
+        <a:p>
+          <a:endParaRPr lang="zh-CN" altLang="en-US"/>
+        </a:p>
+      </dgm:t>
     </dgm:pt>
     <dgm:pt modelId="{E853BBDB-E561-4504-A86E-E9915DA05CEA}" type="pres">
       <dgm:prSet presAssocID="{98B8A5A8-2B75-48BA-8041-9C13C210609D}" presName="hierRoot2" presStyleCnt="0">
@@ -5862,10 +7824,24 @@
         </dgm:presLayoutVars>
       </dgm:prSet>
       <dgm:spPr/>
+      <dgm:t>
+        <a:bodyPr/>
+        <a:lstStyle/>
+        <a:p>
+          <a:endParaRPr lang="zh-CN" altLang="en-US"/>
+        </a:p>
+      </dgm:t>
     </dgm:pt>
     <dgm:pt modelId="{29297073-770B-4E74-8A71-652F4D35C065}" type="pres">
       <dgm:prSet presAssocID="{98B8A5A8-2B75-48BA-8041-9C13C210609D}" presName="rootConnector" presStyleLbl="node2" presStyleIdx="0" presStyleCnt="0"/>
       <dgm:spPr/>
+      <dgm:t>
+        <a:bodyPr/>
+        <a:lstStyle/>
+        <a:p>
+          <a:endParaRPr lang="zh-CN" altLang="en-US"/>
+        </a:p>
+      </dgm:t>
     </dgm:pt>
     <dgm:pt modelId="{F6096EBF-EAE7-4E5D-BFA5-441589DCF01C}" type="pres">
       <dgm:prSet presAssocID="{98B8A5A8-2B75-48BA-8041-9C13C210609D}" presName="hierChild4" presStyleCnt="0"/>
@@ -5874,6 +7850,13 @@
     <dgm:pt modelId="{149849EB-D923-46C4-BECF-830EBC9491A6}" type="pres">
       <dgm:prSet presAssocID="{137D738E-0763-4C51-954A-7A8DBDB5FFD6}" presName="Name37" presStyleLbl="parChTrans1D3" presStyleIdx="0" presStyleCnt="2"/>
       <dgm:spPr/>
+      <dgm:t>
+        <a:bodyPr/>
+        <a:lstStyle/>
+        <a:p>
+          <a:endParaRPr lang="zh-CN" altLang="en-US"/>
+        </a:p>
+      </dgm:t>
     </dgm:pt>
     <dgm:pt modelId="{9885F378-76D9-4211-A29E-E65A686A0959}" type="pres">
       <dgm:prSet presAssocID="{B6D8A5CD-05D7-4BD6-930B-661C00AFF661}" presName="hierRoot2" presStyleCnt="0">
@@ -5911,10 +7894,24 @@
         </dgm:presLayoutVars>
       </dgm:prSet>
       <dgm:spPr/>
+      <dgm:t>
+        <a:bodyPr/>
+        <a:lstStyle/>
+        <a:p>
+          <a:endParaRPr lang="zh-CN" altLang="en-US"/>
+        </a:p>
+      </dgm:t>
     </dgm:pt>
     <dgm:pt modelId="{02C004B2-63B3-4608-9345-22E9CC3E868C}" type="pres">
       <dgm:prSet presAssocID="{B6D8A5CD-05D7-4BD6-930B-661C00AFF661}" presName="rootConnector" presStyleLbl="node3" presStyleIdx="0" presStyleCnt="0"/>
       <dgm:spPr/>
+      <dgm:t>
+        <a:bodyPr/>
+        <a:lstStyle/>
+        <a:p>
+          <a:endParaRPr lang="zh-CN" altLang="en-US"/>
+        </a:p>
+      </dgm:t>
     </dgm:pt>
     <dgm:pt modelId="{A9DBABF1-038B-46C3-A729-D642B4404028}" type="pres">
       <dgm:prSet presAssocID="{B6D8A5CD-05D7-4BD6-930B-661C00AFF661}" presName="hierChild4" presStyleCnt="0"/>
@@ -5927,6 +7924,13 @@
     <dgm:pt modelId="{2949CF0C-287F-4175-BF06-92EAB5C96BB2}" type="pres">
       <dgm:prSet presAssocID="{39E5A908-DBFD-4C86-BA62-23E66E1A68F3}" presName="Name37" presStyleLbl="parChTrans1D3" presStyleIdx="1" presStyleCnt="2"/>
       <dgm:spPr/>
+      <dgm:t>
+        <a:bodyPr/>
+        <a:lstStyle/>
+        <a:p>
+          <a:endParaRPr lang="zh-CN" altLang="en-US"/>
+        </a:p>
+      </dgm:t>
     </dgm:pt>
     <dgm:pt modelId="{29AF03EB-541A-4B96-97AA-A8DCB3A54127}" type="pres">
       <dgm:prSet presAssocID="{E15456C9-1264-44CE-A46A-1332FDEA4D63}" presName="hierRoot2" presStyleCnt="0">
@@ -5964,10 +7968,24 @@
         </dgm:presLayoutVars>
       </dgm:prSet>
       <dgm:spPr/>
+      <dgm:t>
+        <a:bodyPr/>
+        <a:lstStyle/>
+        <a:p>
+          <a:endParaRPr lang="zh-CN" altLang="en-US"/>
+        </a:p>
+      </dgm:t>
     </dgm:pt>
     <dgm:pt modelId="{1D71B1E5-6B39-4842-94CA-612907EC3818}" type="pres">
       <dgm:prSet presAssocID="{E15456C9-1264-44CE-A46A-1332FDEA4D63}" presName="rootConnector" presStyleLbl="node3" presStyleIdx="0" presStyleCnt="0"/>
       <dgm:spPr/>
+      <dgm:t>
+        <a:bodyPr/>
+        <a:lstStyle/>
+        <a:p>
+          <a:endParaRPr lang="zh-CN" altLang="en-US"/>
+        </a:p>
+      </dgm:t>
     </dgm:pt>
     <dgm:pt modelId="{E415CBEA-5B08-4C74-9586-52F7C0805823}" type="pres">
       <dgm:prSet presAssocID="{E15456C9-1264-44CE-A46A-1332FDEA4D63}" presName="hierChild4" presStyleCnt="0"/>
@@ -5976,6 +7994,13 @@
     <dgm:pt modelId="{2F150A28-35D7-4EDD-AD14-08E30D1702BB}" type="pres">
       <dgm:prSet presAssocID="{C52EAC42-BF7A-4839-BED5-3E5C5A8A8F1B}" presName="Name37" presStyleLbl="parChTrans1D4" presStyleIdx="0" presStyleCnt="12"/>
       <dgm:spPr/>
+      <dgm:t>
+        <a:bodyPr/>
+        <a:lstStyle/>
+        <a:p>
+          <a:endParaRPr lang="zh-CN" altLang="en-US"/>
+        </a:p>
+      </dgm:t>
     </dgm:pt>
     <dgm:pt modelId="{4AE057B1-8A3F-4C33-AEA0-2200AF9AFCF0}" type="pres">
       <dgm:prSet presAssocID="{FF31ECF4-BE1B-44EC-8950-5F3CAA13C9E1}" presName="hierRoot2" presStyleCnt="0">
@@ -5997,6 +8022,13 @@
         </dgm:presLayoutVars>
       </dgm:prSet>
       <dgm:spPr/>
+      <dgm:t>
+        <a:bodyPr/>
+        <a:lstStyle/>
+        <a:p>
+          <a:endParaRPr lang="zh-CN" altLang="en-US"/>
+        </a:p>
+      </dgm:t>
     </dgm:pt>
     <dgm:pt modelId="{687579E5-F4F4-4EF1-A1AC-287D3B03AD65}" type="pres">
       <dgm:prSet presAssocID="{FF31ECF4-BE1B-44EC-8950-5F3CAA13C9E1}" presName="titleText2" presStyleLbl="fgAcc1" presStyleIdx="4" presStyleCnt="16">
@@ -6006,10 +8038,24 @@
         </dgm:presLayoutVars>
       </dgm:prSet>
       <dgm:spPr/>
+      <dgm:t>
+        <a:bodyPr/>
+        <a:lstStyle/>
+        <a:p>
+          <a:endParaRPr lang="zh-CN" altLang="en-US"/>
+        </a:p>
+      </dgm:t>
     </dgm:pt>
     <dgm:pt modelId="{28AA62B0-0144-4478-95AE-6BB68EA28D13}" type="pres">
       <dgm:prSet presAssocID="{FF31ECF4-BE1B-44EC-8950-5F3CAA13C9E1}" presName="rootConnector" presStyleLbl="node4" presStyleIdx="0" presStyleCnt="0"/>
       <dgm:spPr/>
+      <dgm:t>
+        <a:bodyPr/>
+        <a:lstStyle/>
+        <a:p>
+          <a:endParaRPr lang="zh-CN" altLang="en-US"/>
+        </a:p>
+      </dgm:t>
     </dgm:pt>
     <dgm:pt modelId="{CD27BAB4-460A-40E6-B594-430C7F4195F0}" type="pres">
       <dgm:prSet presAssocID="{FF31ECF4-BE1B-44EC-8950-5F3CAA13C9E1}" presName="hierChild4" presStyleCnt="0"/>
@@ -6018,6 +8064,13 @@
     <dgm:pt modelId="{1683A76A-8157-4355-B30D-E69C1BB81D29}" type="pres">
       <dgm:prSet presAssocID="{5D122C4F-1DBD-4CF7-AC9C-40B0E92DBFB9}" presName="Name37" presStyleLbl="parChTrans1D4" presStyleIdx="1" presStyleCnt="12"/>
       <dgm:spPr/>
+      <dgm:t>
+        <a:bodyPr/>
+        <a:lstStyle/>
+        <a:p>
+          <a:endParaRPr lang="zh-CN" altLang="en-US"/>
+        </a:p>
+      </dgm:t>
     </dgm:pt>
     <dgm:pt modelId="{F66AC626-D3FD-4F06-B36A-A54987FE99B2}" type="pres">
       <dgm:prSet presAssocID="{6F3ABB5B-4390-4D4C-A351-C086BA6E696F}" presName="hierRoot2" presStyleCnt="0">
@@ -6055,10 +8108,24 @@
         </dgm:presLayoutVars>
       </dgm:prSet>
       <dgm:spPr/>
+      <dgm:t>
+        <a:bodyPr/>
+        <a:lstStyle/>
+        <a:p>
+          <a:endParaRPr lang="zh-CN" altLang="en-US"/>
+        </a:p>
+      </dgm:t>
     </dgm:pt>
     <dgm:pt modelId="{2583DDCA-D066-4957-A24E-5145344FEE1F}" type="pres">
       <dgm:prSet presAssocID="{6F3ABB5B-4390-4D4C-A351-C086BA6E696F}" presName="rootConnector" presStyleLbl="node4" presStyleIdx="0" presStyleCnt="0"/>
       <dgm:spPr/>
+      <dgm:t>
+        <a:bodyPr/>
+        <a:lstStyle/>
+        <a:p>
+          <a:endParaRPr lang="zh-CN" altLang="en-US"/>
+        </a:p>
+      </dgm:t>
     </dgm:pt>
     <dgm:pt modelId="{52362451-8083-4E28-91BF-C76FACD35857}" type="pres">
       <dgm:prSet presAssocID="{6F3ABB5B-4390-4D4C-A351-C086BA6E696F}" presName="hierChild4" presStyleCnt="0"/>
@@ -6071,6 +8138,13 @@
     <dgm:pt modelId="{54644C48-106A-4DDE-967E-9C553AFFCB26}" type="pres">
       <dgm:prSet presAssocID="{1D5B3EF4-BE0A-4BBA-AC69-B7F49B651F6F}" presName="Name37" presStyleLbl="parChTrans1D4" presStyleIdx="2" presStyleCnt="12"/>
       <dgm:spPr/>
+      <dgm:t>
+        <a:bodyPr/>
+        <a:lstStyle/>
+        <a:p>
+          <a:endParaRPr lang="zh-CN" altLang="en-US"/>
+        </a:p>
+      </dgm:t>
     </dgm:pt>
     <dgm:pt modelId="{A68EF843-8844-422F-AEB7-C8E78CA686CB}" type="pres">
       <dgm:prSet presAssocID="{9B5504EE-262E-421F-B6D0-17AEEAEBC46F}" presName="hierRoot2" presStyleCnt="0">
@@ -6119,6 +8193,13 @@
     <dgm:pt modelId="{AA25AFFA-8FB6-4FBD-91FE-E98622B57003}" type="pres">
       <dgm:prSet presAssocID="{9B5504EE-262E-421F-B6D0-17AEEAEBC46F}" presName="rootConnector" presStyleLbl="node4" presStyleIdx="0" presStyleCnt="0"/>
       <dgm:spPr/>
+      <dgm:t>
+        <a:bodyPr/>
+        <a:lstStyle/>
+        <a:p>
+          <a:endParaRPr lang="zh-CN" altLang="en-US"/>
+        </a:p>
+      </dgm:t>
     </dgm:pt>
     <dgm:pt modelId="{BB0CCDCF-420F-4C96-84E1-C208CB4FC2A6}" type="pres">
       <dgm:prSet presAssocID="{9B5504EE-262E-421F-B6D0-17AEEAEBC46F}" presName="hierChild4" presStyleCnt="0"/>
@@ -6127,6 +8208,13 @@
     <dgm:pt modelId="{2F41E6E4-21D3-4C31-927E-F82D7255BF4B}" type="pres">
       <dgm:prSet presAssocID="{E7A8FCB0-04D3-41C6-A08E-323E962A68EC}" presName="Name37" presStyleLbl="parChTrans1D4" presStyleIdx="3" presStyleCnt="12"/>
       <dgm:spPr/>
+      <dgm:t>
+        <a:bodyPr/>
+        <a:lstStyle/>
+        <a:p>
+          <a:endParaRPr lang="zh-CN" altLang="en-US"/>
+        </a:p>
+      </dgm:t>
     </dgm:pt>
     <dgm:pt modelId="{C1852D78-332E-4BB2-8FF4-D51A91A9251B}" type="pres">
       <dgm:prSet presAssocID="{26E62099-3BC6-4E17-94C4-80340E00CF78}" presName="hierRoot2" presStyleCnt="0">
@@ -6148,6 +8236,13 @@
         </dgm:presLayoutVars>
       </dgm:prSet>
       <dgm:spPr/>
+      <dgm:t>
+        <a:bodyPr/>
+        <a:lstStyle/>
+        <a:p>
+          <a:endParaRPr lang="zh-CN" altLang="en-US"/>
+        </a:p>
+      </dgm:t>
     </dgm:pt>
     <dgm:pt modelId="{6A8BA006-F54F-4C04-BC17-4EA28E8359E9}" type="pres">
       <dgm:prSet presAssocID="{26E62099-3BC6-4E17-94C4-80340E00CF78}" presName="titleText2" presStyleLbl="fgAcc1" presStyleIdx="7" presStyleCnt="16">
@@ -6157,10 +8252,24 @@
         </dgm:presLayoutVars>
       </dgm:prSet>
       <dgm:spPr/>
+      <dgm:t>
+        <a:bodyPr/>
+        <a:lstStyle/>
+        <a:p>
+          <a:endParaRPr lang="zh-CN" altLang="en-US"/>
+        </a:p>
+      </dgm:t>
     </dgm:pt>
     <dgm:pt modelId="{99D4E039-A8D0-4953-9B21-FAC1C94D5CE2}" type="pres">
       <dgm:prSet presAssocID="{26E62099-3BC6-4E17-94C4-80340E00CF78}" presName="rootConnector" presStyleLbl="node4" presStyleIdx="0" presStyleCnt="0"/>
       <dgm:spPr/>
+      <dgm:t>
+        <a:bodyPr/>
+        <a:lstStyle/>
+        <a:p>
+          <a:endParaRPr lang="zh-CN" altLang="en-US"/>
+        </a:p>
+      </dgm:t>
     </dgm:pt>
     <dgm:pt modelId="{23CC16E8-DB5E-4EE3-BA50-4E222070DFE8}" type="pres">
       <dgm:prSet presAssocID="{26E62099-3BC6-4E17-94C4-80340E00CF78}" presName="hierChild4" presStyleCnt="0"/>
@@ -6169,6 +8278,13 @@
     <dgm:pt modelId="{B7BE6F71-DCEE-4A74-B377-2CA0B5CEBA74}" type="pres">
       <dgm:prSet presAssocID="{90F310DB-8B4B-4A3C-BC11-30000B3AF5E0}" presName="Name37" presStyleLbl="parChTrans1D4" presStyleIdx="4" presStyleCnt="12"/>
       <dgm:spPr/>
+      <dgm:t>
+        <a:bodyPr/>
+        <a:lstStyle/>
+        <a:p>
+          <a:endParaRPr lang="zh-CN" altLang="en-US"/>
+        </a:p>
+      </dgm:t>
     </dgm:pt>
     <dgm:pt modelId="{C8870830-1B49-490A-9386-3E8F7ECC4C61}" type="pres">
       <dgm:prSet presAssocID="{883F479D-59C7-4D7B-A722-21C7D5F2E269}" presName="hierRoot2" presStyleCnt="0">
@@ -6217,6 +8333,13 @@
     <dgm:pt modelId="{5484D4D6-EA5E-47A9-8B98-31668B75EC0C}" type="pres">
       <dgm:prSet presAssocID="{883F479D-59C7-4D7B-A722-21C7D5F2E269}" presName="rootConnector" presStyleLbl="node4" presStyleIdx="0" presStyleCnt="0"/>
       <dgm:spPr/>
+      <dgm:t>
+        <a:bodyPr/>
+        <a:lstStyle/>
+        <a:p>
+          <a:endParaRPr lang="zh-CN" altLang="en-US"/>
+        </a:p>
+      </dgm:t>
     </dgm:pt>
     <dgm:pt modelId="{765A2D08-DE5C-472C-B363-80AFE73944DA}" type="pres">
       <dgm:prSet presAssocID="{883F479D-59C7-4D7B-A722-21C7D5F2E269}" presName="hierChild4" presStyleCnt="0"/>
@@ -6229,6 +8352,13 @@
     <dgm:pt modelId="{0143DD8F-A4C4-4301-8C10-45F38F05B4AE}" type="pres">
       <dgm:prSet presAssocID="{ADE585E9-6E3D-4B4C-859F-3240CF01A0CE}" presName="Name37" presStyleLbl="parChTrans1D4" presStyleIdx="5" presStyleCnt="12"/>
       <dgm:spPr/>
+      <dgm:t>
+        <a:bodyPr/>
+        <a:lstStyle/>
+        <a:p>
+          <a:endParaRPr lang="zh-CN" altLang="en-US"/>
+        </a:p>
+      </dgm:t>
     </dgm:pt>
     <dgm:pt modelId="{F74CAF3C-681B-4288-8E68-904757969BFB}" type="pres">
       <dgm:prSet presAssocID="{958569A8-FBDF-40B8-8EC1-75E2493F7471}" presName="hierRoot2" presStyleCnt="0">
@@ -6250,6 +8380,13 @@
         </dgm:presLayoutVars>
       </dgm:prSet>
       <dgm:spPr/>
+      <dgm:t>
+        <a:bodyPr/>
+        <a:lstStyle/>
+        <a:p>
+          <a:endParaRPr lang="zh-CN" altLang="en-US"/>
+        </a:p>
+      </dgm:t>
     </dgm:pt>
     <dgm:pt modelId="{78F2497E-04CA-49DC-A332-809969CCAB06}" type="pres">
       <dgm:prSet presAssocID="{958569A8-FBDF-40B8-8EC1-75E2493F7471}" presName="titleText2" presStyleLbl="fgAcc1" presStyleIdx="9" presStyleCnt="16">
@@ -6270,6 +8407,13 @@
     <dgm:pt modelId="{A1DD215B-CBF1-4A51-8AC4-400394873ED5}" type="pres">
       <dgm:prSet presAssocID="{958569A8-FBDF-40B8-8EC1-75E2493F7471}" presName="rootConnector" presStyleLbl="node4" presStyleIdx="0" presStyleCnt="0"/>
       <dgm:spPr/>
+      <dgm:t>
+        <a:bodyPr/>
+        <a:lstStyle/>
+        <a:p>
+          <a:endParaRPr lang="zh-CN" altLang="en-US"/>
+        </a:p>
+      </dgm:t>
     </dgm:pt>
     <dgm:pt modelId="{4EE1FC9A-5C3F-4EEA-A6F3-45E68B33718F}" type="pres">
       <dgm:prSet presAssocID="{958569A8-FBDF-40B8-8EC1-75E2493F7471}" presName="hierChild4" presStyleCnt="0"/>
@@ -6282,6 +8426,13 @@
     <dgm:pt modelId="{03FAE41A-8D29-4C04-BB0D-939DFD4D267A}" type="pres">
       <dgm:prSet presAssocID="{22474AD4-F4CF-4F5E-9EEF-94B485CCCEEE}" presName="Name37" presStyleLbl="parChTrans1D4" presStyleIdx="6" presStyleCnt="12"/>
       <dgm:spPr/>
+      <dgm:t>
+        <a:bodyPr/>
+        <a:lstStyle/>
+        <a:p>
+          <a:endParaRPr lang="zh-CN" altLang="en-US"/>
+        </a:p>
+      </dgm:t>
     </dgm:pt>
     <dgm:pt modelId="{7B1E4169-2E09-4F97-9779-965B842F974F}" type="pres">
       <dgm:prSet presAssocID="{04E9ED99-3317-4ECF-B07D-F4E9BFEAC8A0}" presName="hierRoot2" presStyleCnt="0">
@@ -6303,6 +8454,13 @@
         </dgm:presLayoutVars>
       </dgm:prSet>
       <dgm:spPr/>
+      <dgm:t>
+        <a:bodyPr/>
+        <a:lstStyle/>
+        <a:p>
+          <a:endParaRPr lang="zh-CN" altLang="en-US"/>
+        </a:p>
+      </dgm:t>
     </dgm:pt>
     <dgm:pt modelId="{F380191F-68F7-4007-A4C0-DAB6CB8C3176}" type="pres">
       <dgm:prSet presAssocID="{04E9ED99-3317-4ECF-B07D-F4E9BFEAC8A0}" presName="titleText2" presStyleLbl="fgAcc1" presStyleIdx="10" presStyleCnt="16">
@@ -6323,6 +8481,13 @@
     <dgm:pt modelId="{6ADAEA67-E1B0-45D1-A89A-AC72103A2032}" type="pres">
       <dgm:prSet presAssocID="{04E9ED99-3317-4ECF-B07D-F4E9BFEAC8A0}" presName="rootConnector" presStyleLbl="node4" presStyleIdx="0" presStyleCnt="0"/>
       <dgm:spPr/>
+      <dgm:t>
+        <a:bodyPr/>
+        <a:lstStyle/>
+        <a:p>
+          <a:endParaRPr lang="zh-CN" altLang="en-US"/>
+        </a:p>
+      </dgm:t>
     </dgm:pt>
     <dgm:pt modelId="{48D0DEB5-BA91-4A68-AF06-F336FD546B88}" type="pres">
       <dgm:prSet presAssocID="{04E9ED99-3317-4ECF-B07D-F4E9BFEAC8A0}" presName="hierChild4" presStyleCnt="0"/>
@@ -6335,6 +8500,13 @@
     <dgm:pt modelId="{D80B2E31-E433-4D95-9026-4A5890030DC1}" type="pres">
       <dgm:prSet presAssocID="{671859CD-AA71-42FD-8258-61968ACB1064}" presName="Name37" presStyleLbl="parChTrans1D4" presStyleIdx="7" presStyleCnt="12"/>
       <dgm:spPr/>
+      <dgm:t>
+        <a:bodyPr/>
+        <a:lstStyle/>
+        <a:p>
+          <a:endParaRPr lang="zh-CN" altLang="en-US"/>
+        </a:p>
+      </dgm:t>
     </dgm:pt>
     <dgm:pt modelId="{BD68669C-1B2D-4887-A48D-52442DACF0EB}" type="pres">
       <dgm:prSet presAssocID="{2D592857-C4FF-4259-AB7B-8B5F06639A90}" presName="hierRoot2" presStyleCnt="0">
@@ -6372,10 +8544,24 @@
         </dgm:presLayoutVars>
       </dgm:prSet>
       <dgm:spPr/>
+      <dgm:t>
+        <a:bodyPr/>
+        <a:lstStyle/>
+        <a:p>
+          <a:endParaRPr lang="zh-CN" altLang="en-US"/>
+        </a:p>
+      </dgm:t>
     </dgm:pt>
     <dgm:pt modelId="{E8B83CC0-9D3E-44F2-A4A5-337005BA78F2}" type="pres">
       <dgm:prSet presAssocID="{2D592857-C4FF-4259-AB7B-8B5F06639A90}" presName="rootConnector" presStyleLbl="node4" presStyleIdx="0" presStyleCnt="0"/>
       <dgm:spPr/>
+      <dgm:t>
+        <a:bodyPr/>
+        <a:lstStyle/>
+        <a:p>
+          <a:endParaRPr lang="zh-CN" altLang="en-US"/>
+        </a:p>
+      </dgm:t>
     </dgm:pt>
     <dgm:pt modelId="{363F5A35-EB6F-4C33-814A-D3B51FE35D0F}" type="pres">
       <dgm:prSet presAssocID="{2D592857-C4FF-4259-AB7B-8B5F06639A90}" presName="hierChild4" presStyleCnt="0"/>
@@ -6388,6 +8574,13 @@
     <dgm:pt modelId="{0133BCC6-49F8-4231-BAB2-704AE1F1BE24}" type="pres">
       <dgm:prSet presAssocID="{1BA13A82-364A-46CA-BDAF-792FE3D2913E}" presName="Name37" presStyleLbl="parChTrans1D4" presStyleIdx="8" presStyleCnt="12"/>
       <dgm:spPr/>
+      <dgm:t>
+        <a:bodyPr/>
+        <a:lstStyle/>
+        <a:p>
+          <a:endParaRPr lang="zh-CN" altLang="en-US"/>
+        </a:p>
+      </dgm:t>
     </dgm:pt>
     <dgm:pt modelId="{69B0FF22-CB42-4410-AD75-BDDD42B8BAFA}" type="pres">
       <dgm:prSet presAssocID="{5A315CA4-91DF-4090-B63C-B2A9BD1CE594}" presName="hierRoot2" presStyleCnt="0">
@@ -6409,6 +8602,13 @@
         </dgm:presLayoutVars>
       </dgm:prSet>
       <dgm:spPr/>
+      <dgm:t>
+        <a:bodyPr/>
+        <a:lstStyle/>
+        <a:p>
+          <a:endParaRPr lang="zh-CN" altLang="en-US"/>
+        </a:p>
+      </dgm:t>
     </dgm:pt>
     <dgm:pt modelId="{B26AA340-B012-450C-B965-9765131C5F60}" type="pres">
       <dgm:prSet presAssocID="{5A315CA4-91DF-4090-B63C-B2A9BD1CE594}" presName="titleText2" presStyleLbl="fgAcc1" presStyleIdx="12" presStyleCnt="16">
@@ -6418,10 +8618,24 @@
         </dgm:presLayoutVars>
       </dgm:prSet>
       <dgm:spPr/>
+      <dgm:t>
+        <a:bodyPr/>
+        <a:lstStyle/>
+        <a:p>
+          <a:endParaRPr lang="zh-CN" altLang="en-US"/>
+        </a:p>
+      </dgm:t>
     </dgm:pt>
     <dgm:pt modelId="{9A9C2577-DD1A-4A82-A7B5-333FAE126AAA}" type="pres">
       <dgm:prSet presAssocID="{5A315CA4-91DF-4090-B63C-B2A9BD1CE594}" presName="rootConnector" presStyleLbl="node4" presStyleIdx="0" presStyleCnt="0"/>
       <dgm:spPr/>
+      <dgm:t>
+        <a:bodyPr/>
+        <a:lstStyle/>
+        <a:p>
+          <a:endParaRPr lang="zh-CN" altLang="en-US"/>
+        </a:p>
+      </dgm:t>
     </dgm:pt>
     <dgm:pt modelId="{5FC337EF-13BC-4043-AF86-2D6A6B8D6142}" type="pres">
       <dgm:prSet presAssocID="{5A315CA4-91DF-4090-B63C-B2A9BD1CE594}" presName="hierChild4" presStyleCnt="0"/>
@@ -6434,6 +8648,13 @@
     <dgm:pt modelId="{2A913493-92E6-4226-ABE4-D90F5277663B}" type="pres">
       <dgm:prSet presAssocID="{2B66A6E6-4414-4871-A4F4-78792B81DA7C}" presName="Name37" presStyleLbl="parChTrans1D4" presStyleIdx="9" presStyleCnt="12"/>
       <dgm:spPr/>
+      <dgm:t>
+        <a:bodyPr/>
+        <a:lstStyle/>
+        <a:p>
+          <a:endParaRPr lang="zh-CN" altLang="en-US"/>
+        </a:p>
+      </dgm:t>
     </dgm:pt>
     <dgm:pt modelId="{CEF141B8-1FEC-4E0D-A492-824B622419E1}" type="pres">
       <dgm:prSet presAssocID="{A70E35BE-CEE2-47FF-9BB0-05D25DCD34F7}" presName="hierRoot2" presStyleCnt="0">
@@ -6455,6 +8676,13 @@
         </dgm:presLayoutVars>
       </dgm:prSet>
       <dgm:spPr/>
+      <dgm:t>
+        <a:bodyPr/>
+        <a:lstStyle/>
+        <a:p>
+          <a:endParaRPr lang="zh-CN" altLang="en-US"/>
+        </a:p>
+      </dgm:t>
     </dgm:pt>
     <dgm:pt modelId="{8E6E4251-BCF8-4FB1-A02B-56F8FA370E84}" type="pres">
       <dgm:prSet presAssocID="{A70E35BE-CEE2-47FF-9BB0-05D25DCD34F7}" presName="titleText2" presStyleLbl="fgAcc1" presStyleIdx="13" presStyleCnt="16">
@@ -6464,10 +8692,24 @@
         </dgm:presLayoutVars>
       </dgm:prSet>
       <dgm:spPr/>
+      <dgm:t>
+        <a:bodyPr/>
+        <a:lstStyle/>
+        <a:p>
+          <a:endParaRPr lang="zh-CN" altLang="en-US"/>
+        </a:p>
+      </dgm:t>
     </dgm:pt>
     <dgm:pt modelId="{24F63BB3-C32E-42DD-BEA1-A5D4C283A3E4}" type="pres">
       <dgm:prSet presAssocID="{A70E35BE-CEE2-47FF-9BB0-05D25DCD34F7}" presName="rootConnector" presStyleLbl="node4" presStyleIdx="0" presStyleCnt="0"/>
       <dgm:spPr/>
+      <dgm:t>
+        <a:bodyPr/>
+        <a:lstStyle/>
+        <a:p>
+          <a:endParaRPr lang="zh-CN" altLang="en-US"/>
+        </a:p>
+      </dgm:t>
     </dgm:pt>
     <dgm:pt modelId="{44FA9DD0-D6C7-4130-822C-FBFC8336D345}" type="pres">
       <dgm:prSet presAssocID="{A70E35BE-CEE2-47FF-9BB0-05D25DCD34F7}" presName="hierChild4" presStyleCnt="0"/>
@@ -6480,6 +8722,13 @@
     <dgm:pt modelId="{11926B22-8F9E-4EDF-A7DE-30B015AE09F4}" type="pres">
       <dgm:prSet presAssocID="{4F243CCC-3FAD-4709-ABBB-1E01F32118E7}" presName="Name37" presStyleLbl="parChTrans1D4" presStyleIdx="10" presStyleCnt="12"/>
       <dgm:spPr/>
+      <dgm:t>
+        <a:bodyPr/>
+        <a:lstStyle/>
+        <a:p>
+          <a:endParaRPr lang="zh-CN" altLang="en-US"/>
+        </a:p>
+      </dgm:t>
     </dgm:pt>
     <dgm:pt modelId="{FAEC72DA-9F0E-445F-B492-B74162E9BD4C}" type="pres">
       <dgm:prSet presAssocID="{4410F5B9-7A6E-4352-ABF4-75B25389A9D8}" presName="hierRoot2" presStyleCnt="0">
@@ -6528,6 +8777,13 @@
     <dgm:pt modelId="{38458C37-D2BB-4264-934F-474B04033A2B}" type="pres">
       <dgm:prSet presAssocID="{4410F5B9-7A6E-4352-ABF4-75B25389A9D8}" presName="rootConnector" presStyleLbl="node4" presStyleIdx="0" presStyleCnt="0"/>
       <dgm:spPr/>
+      <dgm:t>
+        <a:bodyPr/>
+        <a:lstStyle/>
+        <a:p>
+          <a:endParaRPr lang="zh-CN" altLang="en-US"/>
+        </a:p>
+      </dgm:t>
     </dgm:pt>
     <dgm:pt modelId="{08F395C0-B010-4CC3-931E-3AD787766CED}" type="pres">
       <dgm:prSet presAssocID="{4410F5B9-7A6E-4352-ABF4-75B25389A9D8}" presName="hierChild4" presStyleCnt="0"/>
@@ -6540,6 +8796,13 @@
     <dgm:pt modelId="{4443E3C1-7F39-4CEC-910A-DF31A2168070}" type="pres">
       <dgm:prSet presAssocID="{73234726-D4B4-4E51-AF5B-87A161E7FD1B}" presName="Name37" presStyleLbl="parChTrans1D4" presStyleIdx="11" presStyleCnt="12"/>
       <dgm:spPr/>
+      <dgm:t>
+        <a:bodyPr/>
+        <a:lstStyle/>
+        <a:p>
+          <a:endParaRPr lang="zh-CN" altLang="en-US"/>
+        </a:p>
+      </dgm:t>
     </dgm:pt>
     <dgm:pt modelId="{17D4D06B-3B40-431F-94E3-354C5A541C1A}" type="pres">
       <dgm:prSet presAssocID="{1DB3B635-F31A-4C4C-8115-88FD0D07A89B}" presName="hierRoot2" presStyleCnt="0">
@@ -6561,6 +8824,13 @@
         </dgm:presLayoutVars>
       </dgm:prSet>
       <dgm:spPr/>
+      <dgm:t>
+        <a:bodyPr/>
+        <a:lstStyle/>
+        <a:p>
+          <a:endParaRPr lang="zh-CN" altLang="en-US"/>
+        </a:p>
+      </dgm:t>
     </dgm:pt>
     <dgm:pt modelId="{7B4F4265-1316-4042-90B8-F0270B0983C3}" type="pres">
       <dgm:prSet presAssocID="{1DB3B635-F31A-4C4C-8115-88FD0D07A89B}" presName="titleText2" presStyleLbl="fgAcc1" presStyleIdx="15" presStyleCnt="16">
@@ -6581,6 +8851,13 @@
     <dgm:pt modelId="{15163E45-73E6-4B5D-9ADE-F62FE47442B3}" type="pres">
       <dgm:prSet presAssocID="{1DB3B635-F31A-4C4C-8115-88FD0D07A89B}" presName="rootConnector" presStyleLbl="node4" presStyleIdx="0" presStyleCnt="0"/>
       <dgm:spPr/>
+      <dgm:t>
+        <a:bodyPr/>
+        <a:lstStyle/>
+        <a:p>
+          <a:endParaRPr lang="zh-CN" altLang="en-US"/>
+        </a:p>
+      </dgm:t>
     </dgm:pt>
     <dgm:pt modelId="{E414B81B-C512-446A-9AEE-24DF499D7959}" type="pres">
       <dgm:prSet presAssocID="{1DB3B635-F31A-4C4C-8115-88FD0D07A89B}" presName="hierChild4" presStyleCnt="0"/>
@@ -7558,6 +9835,13 @@
         </dgm:presLayoutVars>
       </dgm:prSet>
       <dgm:spPr/>
+      <dgm:t>
+        <a:bodyPr/>
+        <a:lstStyle/>
+        <a:p>
+          <a:endParaRPr lang="zh-CN" altLang="en-US"/>
+        </a:p>
+      </dgm:t>
     </dgm:pt>
     <dgm:pt modelId="{027AE4A1-F3D4-4CF8-A474-CD77141B48A7}" type="pres">
       <dgm:prSet presAssocID="{E21412F6-F8B6-4877-B5A3-1D2645173BD3}" presName="hierRoot1" presStyleCnt="0">
@@ -7606,6 +9890,13 @@
     <dgm:pt modelId="{25BCDCA1-7378-4966-BF53-CF07D25A4218}" type="pres">
       <dgm:prSet presAssocID="{E21412F6-F8B6-4877-B5A3-1D2645173BD3}" presName="rootConnector1" presStyleLbl="node1" presStyleIdx="0" presStyleCnt="16"/>
       <dgm:spPr/>
+      <dgm:t>
+        <a:bodyPr/>
+        <a:lstStyle/>
+        <a:p>
+          <a:endParaRPr lang="zh-CN" altLang="en-US"/>
+        </a:p>
+      </dgm:t>
     </dgm:pt>
     <dgm:pt modelId="{89FAE3A6-A8B9-4B8C-9682-92C8EC343AB0}" type="pres">
       <dgm:prSet presAssocID="{E21412F6-F8B6-4877-B5A3-1D2645173BD3}" presName="hierChild2" presStyleCnt="0"/>
@@ -7614,6 +9905,13 @@
     <dgm:pt modelId="{8CCE3855-BA01-4ECE-80AC-CE4B31DD7EA3}" type="pres">
       <dgm:prSet presAssocID="{9AC7ACC0-2733-4A78-B5DD-2F568ABCC62C}" presName="Name37" presStyleLbl="parChTrans1D2" presStyleIdx="0" presStyleCnt="2"/>
       <dgm:spPr/>
+      <dgm:t>
+        <a:bodyPr/>
+        <a:lstStyle/>
+        <a:p>
+          <a:endParaRPr lang="zh-CN" altLang="en-US"/>
+        </a:p>
+      </dgm:t>
     </dgm:pt>
     <dgm:pt modelId="{D6F7708F-120E-4BB9-A755-846DAD089E62}" type="pres">
       <dgm:prSet presAssocID="{F8540D8F-842D-4728-AB5D-7C88723AA44D}" presName="hierRoot2" presStyleCnt="0">
@@ -7635,6 +9933,13 @@
         </dgm:presLayoutVars>
       </dgm:prSet>
       <dgm:spPr/>
+      <dgm:t>
+        <a:bodyPr/>
+        <a:lstStyle/>
+        <a:p>
+          <a:endParaRPr lang="zh-CN" altLang="en-US"/>
+        </a:p>
+      </dgm:t>
     </dgm:pt>
     <dgm:pt modelId="{27B90BA2-B19F-4A36-867A-F1E7855C18E8}" type="pres">
       <dgm:prSet presAssocID="{F8540D8F-842D-4728-AB5D-7C88723AA44D}" presName="titleText2" presStyleLbl="fgAcc1" presStyleIdx="0" presStyleCnt="16">
@@ -7644,10 +9949,24 @@
         </dgm:presLayoutVars>
       </dgm:prSet>
       <dgm:spPr/>
+      <dgm:t>
+        <a:bodyPr/>
+        <a:lstStyle/>
+        <a:p>
+          <a:endParaRPr lang="zh-CN" altLang="en-US"/>
+        </a:p>
+      </dgm:t>
     </dgm:pt>
     <dgm:pt modelId="{EB130543-171C-469C-8ADC-A5057937F01C}" type="pres">
       <dgm:prSet presAssocID="{F8540D8F-842D-4728-AB5D-7C88723AA44D}" presName="rootConnector" presStyleLbl="node2" presStyleIdx="0" presStyleCnt="0"/>
       <dgm:spPr/>
+      <dgm:t>
+        <a:bodyPr/>
+        <a:lstStyle/>
+        <a:p>
+          <a:endParaRPr lang="zh-CN" altLang="en-US"/>
+        </a:p>
+      </dgm:t>
     </dgm:pt>
     <dgm:pt modelId="{2968F617-6F29-4ADB-A7D2-72F6A9AC940C}" type="pres">
       <dgm:prSet presAssocID="{F8540D8F-842D-4728-AB5D-7C88723AA44D}" presName="hierChild4" presStyleCnt="0"/>
@@ -7660,6 +9979,13 @@
     <dgm:pt modelId="{9E007C76-6257-47A8-B735-63EA3D7A08C8}" type="pres">
       <dgm:prSet presAssocID="{340911AF-DD18-4E72-8A97-F432B6E4DC21}" presName="Name37" presStyleLbl="parChTrans1D2" presStyleIdx="1" presStyleCnt="2"/>
       <dgm:spPr/>
+      <dgm:t>
+        <a:bodyPr/>
+        <a:lstStyle/>
+        <a:p>
+          <a:endParaRPr lang="zh-CN" altLang="en-US"/>
+        </a:p>
+      </dgm:t>
     </dgm:pt>
     <dgm:pt modelId="{E853BBDB-E561-4504-A86E-E9915DA05CEA}" type="pres">
       <dgm:prSet presAssocID="{98B8A5A8-2B75-48BA-8041-9C13C210609D}" presName="hierRoot2" presStyleCnt="0">
@@ -7697,10 +10023,24 @@
         </dgm:presLayoutVars>
       </dgm:prSet>
       <dgm:spPr/>
+      <dgm:t>
+        <a:bodyPr/>
+        <a:lstStyle/>
+        <a:p>
+          <a:endParaRPr lang="zh-CN" altLang="en-US"/>
+        </a:p>
+      </dgm:t>
     </dgm:pt>
     <dgm:pt modelId="{29297073-770B-4E74-8A71-652F4D35C065}" type="pres">
       <dgm:prSet presAssocID="{98B8A5A8-2B75-48BA-8041-9C13C210609D}" presName="rootConnector" presStyleLbl="node2" presStyleIdx="0" presStyleCnt="0"/>
       <dgm:spPr/>
+      <dgm:t>
+        <a:bodyPr/>
+        <a:lstStyle/>
+        <a:p>
+          <a:endParaRPr lang="zh-CN" altLang="en-US"/>
+        </a:p>
+      </dgm:t>
     </dgm:pt>
     <dgm:pt modelId="{F6096EBF-EAE7-4E5D-BFA5-441589DCF01C}" type="pres">
       <dgm:prSet presAssocID="{98B8A5A8-2B75-48BA-8041-9C13C210609D}" presName="hierChild4" presStyleCnt="0"/>
@@ -7709,6 +10049,13 @@
     <dgm:pt modelId="{149849EB-D923-46C4-BECF-830EBC9491A6}" type="pres">
       <dgm:prSet presAssocID="{137D738E-0763-4C51-954A-7A8DBDB5FFD6}" presName="Name37" presStyleLbl="parChTrans1D3" presStyleIdx="0" presStyleCnt="2"/>
       <dgm:spPr/>
+      <dgm:t>
+        <a:bodyPr/>
+        <a:lstStyle/>
+        <a:p>
+          <a:endParaRPr lang="zh-CN" altLang="en-US"/>
+        </a:p>
+      </dgm:t>
     </dgm:pt>
     <dgm:pt modelId="{9885F378-76D9-4211-A29E-E65A686A0959}" type="pres">
       <dgm:prSet presAssocID="{B6D8A5CD-05D7-4BD6-930B-661C00AFF661}" presName="hierRoot2" presStyleCnt="0">
@@ -7746,10 +10093,24 @@
         </dgm:presLayoutVars>
       </dgm:prSet>
       <dgm:spPr/>
+      <dgm:t>
+        <a:bodyPr/>
+        <a:lstStyle/>
+        <a:p>
+          <a:endParaRPr lang="zh-CN" altLang="en-US"/>
+        </a:p>
+      </dgm:t>
     </dgm:pt>
     <dgm:pt modelId="{02C004B2-63B3-4608-9345-22E9CC3E868C}" type="pres">
       <dgm:prSet presAssocID="{B6D8A5CD-05D7-4BD6-930B-661C00AFF661}" presName="rootConnector" presStyleLbl="node3" presStyleIdx="0" presStyleCnt="0"/>
       <dgm:spPr/>
+      <dgm:t>
+        <a:bodyPr/>
+        <a:lstStyle/>
+        <a:p>
+          <a:endParaRPr lang="zh-CN" altLang="en-US"/>
+        </a:p>
+      </dgm:t>
     </dgm:pt>
     <dgm:pt modelId="{A9DBABF1-038B-46C3-A729-D642B4404028}" type="pres">
       <dgm:prSet presAssocID="{B6D8A5CD-05D7-4BD6-930B-661C00AFF661}" presName="hierChild4" presStyleCnt="0"/>
@@ -7762,6 +10123,13 @@
     <dgm:pt modelId="{2949CF0C-287F-4175-BF06-92EAB5C96BB2}" type="pres">
       <dgm:prSet presAssocID="{39E5A908-DBFD-4C86-BA62-23E66E1A68F3}" presName="Name37" presStyleLbl="parChTrans1D3" presStyleIdx="1" presStyleCnt="2"/>
       <dgm:spPr/>
+      <dgm:t>
+        <a:bodyPr/>
+        <a:lstStyle/>
+        <a:p>
+          <a:endParaRPr lang="zh-CN" altLang="en-US"/>
+        </a:p>
+      </dgm:t>
     </dgm:pt>
     <dgm:pt modelId="{29AF03EB-541A-4B96-97AA-A8DCB3A54127}" type="pres">
       <dgm:prSet presAssocID="{E15456C9-1264-44CE-A46A-1332FDEA4D63}" presName="hierRoot2" presStyleCnt="0">
@@ -7799,10 +10167,24 @@
         </dgm:presLayoutVars>
       </dgm:prSet>
       <dgm:spPr/>
+      <dgm:t>
+        <a:bodyPr/>
+        <a:lstStyle/>
+        <a:p>
+          <a:endParaRPr lang="zh-CN" altLang="en-US"/>
+        </a:p>
+      </dgm:t>
     </dgm:pt>
     <dgm:pt modelId="{1D71B1E5-6B39-4842-94CA-612907EC3818}" type="pres">
       <dgm:prSet presAssocID="{E15456C9-1264-44CE-A46A-1332FDEA4D63}" presName="rootConnector" presStyleLbl="node3" presStyleIdx="0" presStyleCnt="0"/>
       <dgm:spPr/>
+      <dgm:t>
+        <a:bodyPr/>
+        <a:lstStyle/>
+        <a:p>
+          <a:endParaRPr lang="zh-CN" altLang="en-US"/>
+        </a:p>
+      </dgm:t>
     </dgm:pt>
     <dgm:pt modelId="{E415CBEA-5B08-4C74-9586-52F7C0805823}" type="pres">
       <dgm:prSet presAssocID="{E15456C9-1264-44CE-A46A-1332FDEA4D63}" presName="hierChild4" presStyleCnt="0"/>
@@ -7811,6 +10193,13 @@
     <dgm:pt modelId="{2F150A28-35D7-4EDD-AD14-08E30D1702BB}" type="pres">
       <dgm:prSet presAssocID="{C52EAC42-BF7A-4839-BED5-3E5C5A8A8F1B}" presName="Name37" presStyleLbl="parChTrans1D4" presStyleIdx="0" presStyleCnt="12"/>
       <dgm:spPr/>
+      <dgm:t>
+        <a:bodyPr/>
+        <a:lstStyle/>
+        <a:p>
+          <a:endParaRPr lang="zh-CN" altLang="en-US"/>
+        </a:p>
+      </dgm:t>
     </dgm:pt>
     <dgm:pt modelId="{4AE057B1-8A3F-4C33-AEA0-2200AF9AFCF0}" type="pres">
       <dgm:prSet presAssocID="{FF31ECF4-BE1B-44EC-8950-5F3CAA13C9E1}" presName="hierRoot2" presStyleCnt="0">
@@ -7832,6 +10221,13 @@
         </dgm:presLayoutVars>
       </dgm:prSet>
       <dgm:spPr/>
+      <dgm:t>
+        <a:bodyPr/>
+        <a:lstStyle/>
+        <a:p>
+          <a:endParaRPr lang="zh-CN" altLang="en-US"/>
+        </a:p>
+      </dgm:t>
     </dgm:pt>
     <dgm:pt modelId="{687579E5-F4F4-4EF1-A1AC-287D3B03AD65}" type="pres">
       <dgm:prSet presAssocID="{FF31ECF4-BE1B-44EC-8950-5F3CAA13C9E1}" presName="titleText2" presStyleLbl="fgAcc1" presStyleIdx="4" presStyleCnt="16">
@@ -7841,10 +10237,24 @@
         </dgm:presLayoutVars>
       </dgm:prSet>
       <dgm:spPr/>
+      <dgm:t>
+        <a:bodyPr/>
+        <a:lstStyle/>
+        <a:p>
+          <a:endParaRPr lang="zh-CN" altLang="en-US"/>
+        </a:p>
+      </dgm:t>
     </dgm:pt>
     <dgm:pt modelId="{28AA62B0-0144-4478-95AE-6BB68EA28D13}" type="pres">
       <dgm:prSet presAssocID="{FF31ECF4-BE1B-44EC-8950-5F3CAA13C9E1}" presName="rootConnector" presStyleLbl="node4" presStyleIdx="0" presStyleCnt="0"/>
       <dgm:spPr/>
+      <dgm:t>
+        <a:bodyPr/>
+        <a:lstStyle/>
+        <a:p>
+          <a:endParaRPr lang="zh-CN" altLang="en-US"/>
+        </a:p>
+      </dgm:t>
     </dgm:pt>
     <dgm:pt modelId="{CD27BAB4-460A-40E6-B594-430C7F4195F0}" type="pres">
       <dgm:prSet presAssocID="{FF31ECF4-BE1B-44EC-8950-5F3CAA13C9E1}" presName="hierChild4" presStyleCnt="0"/>
@@ -7853,6 +10263,13 @@
     <dgm:pt modelId="{1683A76A-8157-4355-B30D-E69C1BB81D29}" type="pres">
       <dgm:prSet presAssocID="{5D122C4F-1DBD-4CF7-AC9C-40B0E92DBFB9}" presName="Name37" presStyleLbl="parChTrans1D4" presStyleIdx="1" presStyleCnt="12"/>
       <dgm:spPr/>
+      <dgm:t>
+        <a:bodyPr/>
+        <a:lstStyle/>
+        <a:p>
+          <a:endParaRPr lang="zh-CN" altLang="en-US"/>
+        </a:p>
+      </dgm:t>
     </dgm:pt>
     <dgm:pt modelId="{F66AC626-D3FD-4F06-B36A-A54987FE99B2}" type="pres">
       <dgm:prSet presAssocID="{6F3ABB5B-4390-4D4C-A351-C086BA6E696F}" presName="hierRoot2" presStyleCnt="0">
@@ -7890,10 +10307,24 @@
         </dgm:presLayoutVars>
       </dgm:prSet>
       <dgm:spPr/>
+      <dgm:t>
+        <a:bodyPr/>
+        <a:lstStyle/>
+        <a:p>
+          <a:endParaRPr lang="zh-CN" altLang="en-US"/>
+        </a:p>
+      </dgm:t>
     </dgm:pt>
     <dgm:pt modelId="{2583DDCA-D066-4957-A24E-5145344FEE1F}" type="pres">
       <dgm:prSet presAssocID="{6F3ABB5B-4390-4D4C-A351-C086BA6E696F}" presName="rootConnector" presStyleLbl="node4" presStyleIdx="0" presStyleCnt="0"/>
       <dgm:spPr/>
+      <dgm:t>
+        <a:bodyPr/>
+        <a:lstStyle/>
+        <a:p>
+          <a:endParaRPr lang="zh-CN" altLang="en-US"/>
+        </a:p>
+      </dgm:t>
     </dgm:pt>
     <dgm:pt modelId="{52362451-8083-4E28-91BF-C76FACD35857}" type="pres">
       <dgm:prSet presAssocID="{6F3ABB5B-4390-4D4C-A351-C086BA6E696F}" presName="hierChild4" presStyleCnt="0"/>
@@ -7906,6 +10337,13 @@
     <dgm:pt modelId="{54644C48-106A-4DDE-967E-9C553AFFCB26}" type="pres">
       <dgm:prSet presAssocID="{1D5B3EF4-BE0A-4BBA-AC69-B7F49B651F6F}" presName="Name37" presStyleLbl="parChTrans1D4" presStyleIdx="2" presStyleCnt="12"/>
       <dgm:spPr/>
+      <dgm:t>
+        <a:bodyPr/>
+        <a:lstStyle/>
+        <a:p>
+          <a:endParaRPr lang="zh-CN" altLang="en-US"/>
+        </a:p>
+      </dgm:t>
     </dgm:pt>
     <dgm:pt modelId="{A68EF843-8844-422F-AEB7-C8E78CA686CB}" type="pres">
       <dgm:prSet presAssocID="{9B5504EE-262E-421F-B6D0-17AEEAEBC46F}" presName="hierRoot2" presStyleCnt="0">
@@ -7954,6 +10392,13 @@
     <dgm:pt modelId="{AA25AFFA-8FB6-4FBD-91FE-E98622B57003}" type="pres">
       <dgm:prSet presAssocID="{9B5504EE-262E-421F-B6D0-17AEEAEBC46F}" presName="rootConnector" presStyleLbl="node4" presStyleIdx="0" presStyleCnt="0"/>
       <dgm:spPr/>
+      <dgm:t>
+        <a:bodyPr/>
+        <a:lstStyle/>
+        <a:p>
+          <a:endParaRPr lang="zh-CN" altLang="en-US"/>
+        </a:p>
+      </dgm:t>
     </dgm:pt>
     <dgm:pt modelId="{BB0CCDCF-420F-4C96-84E1-C208CB4FC2A6}" type="pres">
       <dgm:prSet presAssocID="{9B5504EE-262E-421F-B6D0-17AEEAEBC46F}" presName="hierChild4" presStyleCnt="0"/>
@@ -7962,6 +10407,13 @@
     <dgm:pt modelId="{2F41E6E4-21D3-4C31-927E-F82D7255BF4B}" type="pres">
       <dgm:prSet presAssocID="{E7A8FCB0-04D3-41C6-A08E-323E962A68EC}" presName="Name37" presStyleLbl="parChTrans1D4" presStyleIdx="3" presStyleCnt="12"/>
       <dgm:spPr/>
+      <dgm:t>
+        <a:bodyPr/>
+        <a:lstStyle/>
+        <a:p>
+          <a:endParaRPr lang="zh-CN" altLang="en-US"/>
+        </a:p>
+      </dgm:t>
     </dgm:pt>
     <dgm:pt modelId="{C1852D78-332E-4BB2-8FF4-D51A91A9251B}" type="pres">
       <dgm:prSet presAssocID="{26E62099-3BC6-4E17-94C4-80340E00CF78}" presName="hierRoot2" presStyleCnt="0">
@@ -7983,6 +10435,13 @@
         </dgm:presLayoutVars>
       </dgm:prSet>
       <dgm:spPr/>
+      <dgm:t>
+        <a:bodyPr/>
+        <a:lstStyle/>
+        <a:p>
+          <a:endParaRPr lang="zh-CN" altLang="en-US"/>
+        </a:p>
+      </dgm:t>
     </dgm:pt>
     <dgm:pt modelId="{6A8BA006-F54F-4C04-BC17-4EA28E8359E9}" type="pres">
       <dgm:prSet presAssocID="{26E62099-3BC6-4E17-94C4-80340E00CF78}" presName="titleText2" presStyleLbl="fgAcc1" presStyleIdx="7" presStyleCnt="16">
@@ -7992,10 +10451,24 @@
         </dgm:presLayoutVars>
       </dgm:prSet>
       <dgm:spPr/>
+      <dgm:t>
+        <a:bodyPr/>
+        <a:lstStyle/>
+        <a:p>
+          <a:endParaRPr lang="zh-CN" altLang="en-US"/>
+        </a:p>
+      </dgm:t>
     </dgm:pt>
     <dgm:pt modelId="{99D4E039-A8D0-4953-9B21-FAC1C94D5CE2}" type="pres">
       <dgm:prSet presAssocID="{26E62099-3BC6-4E17-94C4-80340E00CF78}" presName="rootConnector" presStyleLbl="node4" presStyleIdx="0" presStyleCnt="0"/>
       <dgm:spPr/>
+      <dgm:t>
+        <a:bodyPr/>
+        <a:lstStyle/>
+        <a:p>
+          <a:endParaRPr lang="zh-CN" altLang="en-US"/>
+        </a:p>
+      </dgm:t>
     </dgm:pt>
     <dgm:pt modelId="{23CC16E8-DB5E-4EE3-BA50-4E222070DFE8}" type="pres">
       <dgm:prSet presAssocID="{26E62099-3BC6-4E17-94C4-80340E00CF78}" presName="hierChild4" presStyleCnt="0"/>
@@ -8004,6 +10477,13 @@
     <dgm:pt modelId="{B7BE6F71-DCEE-4A74-B377-2CA0B5CEBA74}" type="pres">
       <dgm:prSet presAssocID="{90F310DB-8B4B-4A3C-BC11-30000B3AF5E0}" presName="Name37" presStyleLbl="parChTrans1D4" presStyleIdx="4" presStyleCnt="12"/>
       <dgm:spPr/>
+      <dgm:t>
+        <a:bodyPr/>
+        <a:lstStyle/>
+        <a:p>
+          <a:endParaRPr lang="zh-CN" altLang="en-US"/>
+        </a:p>
+      </dgm:t>
     </dgm:pt>
     <dgm:pt modelId="{C8870830-1B49-490A-9386-3E8F7ECC4C61}" type="pres">
       <dgm:prSet presAssocID="{883F479D-59C7-4D7B-A722-21C7D5F2E269}" presName="hierRoot2" presStyleCnt="0">
@@ -8052,6 +10532,13 @@
     <dgm:pt modelId="{5484D4D6-EA5E-47A9-8B98-31668B75EC0C}" type="pres">
       <dgm:prSet presAssocID="{883F479D-59C7-4D7B-A722-21C7D5F2E269}" presName="rootConnector" presStyleLbl="node4" presStyleIdx="0" presStyleCnt="0"/>
       <dgm:spPr/>
+      <dgm:t>
+        <a:bodyPr/>
+        <a:lstStyle/>
+        <a:p>
+          <a:endParaRPr lang="zh-CN" altLang="en-US"/>
+        </a:p>
+      </dgm:t>
     </dgm:pt>
     <dgm:pt modelId="{765A2D08-DE5C-472C-B363-80AFE73944DA}" type="pres">
       <dgm:prSet presAssocID="{883F479D-59C7-4D7B-A722-21C7D5F2E269}" presName="hierChild4" presStyleCnt="0"/>
@@ -8064,6 +10551,13 @@
     <dgm:pt modelId="{0143DD8F-A4C4-4301-8C10-45F38F05B4AE}" type="pres">
       <dgm:prSet presAssocID="{ADE585E9-6E3D-4B4C-859F-3240CF01A0CE}" presName="Name37" presStyleLbl="parChTrans1D4" presStyleIdx="5" presStyleCnt="12"/>
       <dgm:spPr/>
+      <dgm:t>
+        <a:bodyPr/>
+        <a:lstStyle/>
+        <a:p>
+          <a:endParaRPr lang="zh-CN" altLang="en-US"/>
+        </a:p>
+      </dgm:t>
     </dgm:pt>
     <dgm:pt modelId="{F74CAF3C-681B-4288-8E68-904757969BFB}" type="pres">
       <dgm:prSet presAssocID="{958569A8-FBDF-40B8-8EC1-75E2493F7471}" presName="hierRoot2" presStyleCnt="0">
@@ -8085,6 +10579,13 @@
         </dgm:presLayoutVars>
       </dgm:prSet>
       <dgm:spPr/>
+      <dgm:t>
+        <a:bodyPr/>
+        <a:lstStyle/>
+        <a:p>
+          <a:endParaRPr lang="zh-CN" altLang="en-US"/>
+        </a:p>
+      </dgm:t>
     </dgm:pt>
     <dgm:pt modelId="{78F2497E-04CA-49DC-A332-809969CCAB06}" type="pres">
       <dgm:prSet presAssocID="{958569A8-FBDF-40B8-8EC1-75E2493F7471}" presName="titleText2" presStyleLbl="fgAcc1" presStyleIdx="9" presStyleCnt="16">
@@ -8105,6 +10606,13 @@
     <dgm:pt modelId="{A1DD215B-CBF1-4A51-8AC4-400394873ED5}" type="pres">
       <dgm:prSet presAssocID="{958569A8-FBDF-40B8-8EC1-75E2493F7471}" presName="rootConnector" presStyleLbl="node4" presStyleIdx="0" presStyleCnt="0"/>
       <dgm:spPr/>
+      <dgm:t>
+        <a:bodyPr/>
+        <a:lstStyle/>
+        <a:p>
+          <a:endParaRPr lang="zh-CN" altLang="en-US"/>
+        </a:p>
+      </dgm:t>
     </dgm:pt>
     <dgm:pt modelId="{4EE1FC9A-5C3F-4EEA-A6F3-45E68B33718F}" type="pres">
       <dgm:prSet presAssocID="{958569A8-FBDF-40B8-8EC1-75E2493F7471}" presName="hierChild4" presStyleCnt="0"/>
@@ -8117,6 +10625,13 @@
     <dgm:pt modelId="{03FAE41A-8D29-4C04-BB0D-939DFD4D267A}" type="pres">
       <dgm:prSet presAssocID="{22474AD4-F4CF-4F5E-9EEF-94B485CCCEEE}" presName="Name37" presStyleLbl="parChTrans1D4" presStyleIdx="6" presStyleCnt="12"/>
       <dgm:spPr/>
+      <dgm:t>
+        <a:bodyPr/>
+        <a:lstStyle/>
+        <a:p>
+          <a:endParaRPr lang="zh-CN" altLang="en-US"/>
+        </a:p>
+      </dgm:t>
     </dgm:pt>
     <dgm:pt modelId="{7B1E4169-2E09-4F97-9779-965B842F974F}" type="pres">
       <dgm:prSet presAssocID="{04E9ED99-3317-4ECF-B07D-F4E9BFEAC8A0}" presName="hierRoot2" presStyleCnt="0">
@@ -8138,6 +10653,13 @@
         </dgm:presLayoutVars>
       </dgm:prSet>
       <dgm:spPr/>
+      <dgm:t>
+        <a:bodyPr/>
+        <a:lstStyle/>
+        <a:p>
+          <a:endParaRPr lang="zh-CN" altLang="en-US"/>
+        </a:p>
+      </dgm:t>
     </dgm:pt>
     <dgm:pt modelId="{F380191F-68F7-4007-A4C0-DAB6CB8C3176}" type="pres">
       <dgm:prSet presAssocID="{04E9ED99-3317-4ECF-B07D-F4E9BFEAC8A0}" presName="titleText2" presStyleLbl="fgAcc1" presStyleIdx="10" presStyleCnt="16">
@@ -8158,6 +10680,13 @@
     <dgm:pt modelId="{6ADAEA67-E1B0-45D1-A89A-AC72103A2032}" type="pres">
       <dgm:prSet presAssocID="{04E9ED99-3317-4ECF-B07D-F4E9BFEAC8A0}" presName="rootConnector" presStyleLbl="node4" presStyleIdx="0" presStyleCnt="0"/>
       <dgm:spPr/>
+      <dgm:t>
+        <a:bodyPr/>
+        <a:lstStyle/>
+        <a:p>
+          <a:endParaRPr lang="zh-CN" altLang="en-US"/>
+        </a:p>
+      </dgm:t>
     </dgm:pt>
     <dgm:pt modelId="{48D0DEB5-BA91-4A68-AF06-F336FD546B88}" type="pres">
       <dgm:prSet presAssocID="{04E9ED99-3317-4ECF-B07D-F4E9BFEAC8A0}" presName="hierChild4" presStyleCnt="0"/>
@@ -8170,6 +10699,13 @@
     <dgm:pt modelId="{D80B2E31-E433-4D95-9026-4A5890030DC1}" type="pres">
       <dgm:prSet presAssocID="{671859CD-AA71-42FD-8258-61968ACB1064}" presName="Name37" presStyleLbl="parChTrans1D4" presStyleIdx="7" presStyleCnt="12"/>
       <dgm:spPr/>
+      <dgm:t>
+        <a:bodyPr/>
+        <a:lstStyle/>
+        <a:p>
+          <a:endParaRPr lang="zh-CN" altLang="en-US"/>
+        </a:p>
+      </dgm:t>
     </dgm:pt>
     <dgm:pt modelId="{BD68669C-1B2D-4887-A48D-52442DACF0EB}" type="pres">
       <dgm:prSet presAssocID="{2D592857-C4FF-4259-AB7B-8B5F06639A90}" presName="hierRoot2" presStyleCnt="0">
@@ -8207,10 +10743,24 @@
         </dgm:presLayoutVars>
       </dgm:prSet>
       <dgm:spPr/>
+      <dgm:t>
+        <a:bodyPr/>
+        <a:lstStyle/>
+        <a:p>
+          <a:endParaRPr lang="zh-CN" altLang="en-US"/>
+        </a:p>
+      </dgm:t>
     </dgm:pt>
     <dgm:pt modelId="{E8B83CC0-9D3E-44F2-A4A5-337005BA78F2}" type="pres">
       <dgm:prSet presAssocID="{2D592857-C4FF-4259-AB7B-8B5F06639A90}" presName="rootConnector" presStyleLbl="node4" presStyleIdx="0" presStyleCnt="0"/>
       <dgm:spPr/>
+      <dgm:t>
+        <a:bodyPr/>
+        <a:lstStyle/>
+        <a:p>
+          <a:endParaRPr lang="zh-CN" altLang="en-US"/>
+        </a:p>
+      </dgm:t>
     </dgm:pt>
     <dgm:pt modelId="{363F5A35-EB6F-4C33-814A-D3B51FE35D0F}" type="pres">
       <dgm:prSet presAssocID="{2D592857-C4FF-4259-AB7B-8B5F06639A90}" presName="hierChild4" presStyleCnt="0"/>
@@ -8223,6 +10773,13 @@
     <dgm:pt modelId="{0133BCC6-49F8-4231-BAB2-704AE1F1BE24}" type="pres">
       <dgm:prSet presAssocID="{1BA13A82-364A-46CA-BDAF-792FE3D2913E}" presName="Name37" presStyleLbl="parChTrans1D4" presStyleIdx="8" presStyleCnt="12"/>
       <dgm:spPr/>
+      <dgm:t>
+        <a:bodyPr/>
+        <a:lstStyle/>
+        <a:p>
+          <a:endParaRPr lang="zh-CN" altLang="en-US"/>
+        </a:p>
+      </dgm:t>
     </dgm:pt>
     <dgm:pt modelId="{69B0FF22-CB42-4410-AD75-BDDD42B8BAFA}" type="pres">
       <dgm:prSet presAssocID="{5A315CA4-91DF-4090-B63C-B2A9BD1CE594}" presName="hierRoot2" presStyleCnt="0">
@@ -8244,6 +10801,13 @@
         </dgm:presLayoutVars>
       </dgm:prSet>
       <dgm:spPr/>
+      <dgm:t>
+        <a:bodyPr/>
+        <a:lstStyle/>
+        <a:p>
+          <a:endParaRPr lang="zh-CN" altLang="en-US"/>
+        </a:p>
+      </dgm:t>
     </dgm:pt>
     <dgm:pt modelId="{B26AA340-B012-450C-B965-9765131C5F60}" type="pres">
       <dgm:prSet presAssocID="{5A315CA4-91DF-4090-B63C-B2A9BD1CE594}" presName="titleText2" presStyleLbl="fgAcc1" presStyleIdx="12" presStyleCnt="16">
@@ -8253,10 +10817,24 @@
         </dgm:presLayoutVars>
       </dgm:prSet>
       <dgm:spPr/>
+      <dgm:t>
+        <a:bodyPr/>
+        <a:lstStyle/>
+        <a:p>
+          <a:endParaRPr lang="zh-CN" altLang="en-US"/>
+        </a:p>
+      </dgm:t>
     </dgm:pt>
     <dgm:pt modelId="{9A9C2577-DD1A-4A82-A7B5-333FAE126AAA}" type="pres">
       <dgm:prSet presAssocID="{5A315CA4-91DF-4090-B63C-B2A9BD1CE594}" presName="rootConnector" presStyleLbl="node4" presStyleIdx="0" presStyleCnt="0"/>
       <dgm:spPr/>
+      <dgm:t>
+        <a:bodyPr/>
+        <a:lstStyle/>
+        <a:p>
+          <a:endParaRPr lang="zh-CN" altLang="en-US"/>
+        </a:p>
+      </dgm:t>
     </dgm:pt>
     <dgm:pt modelId="{5FC337EF-13BC-4043-AF86-2D6A6B8D6142}" type="pres">
       <dgm:prSet presAssocID="{5A315CA4-91DF-4090-B63C-B2A9BD1CE594}" presName="hierChild4" presStyleCnt="0"/>
@@ -8269,6 +10847,13 @@
     <dgm:pt modelId="{2A913493-92E6-4226-ABE4-D90F5277663B}" type="pres">
       <dgm:prSet presAssocID="{2B66A6E6-4414-4871-A4F4-78792B81DA7C}" presName="Name37" presStyleLbl="parChTrans1D4" presStyleIdx="9" presStyleCnt="12"/>
       <dgm:spPr/>
+      <dgm:t>
+        <a:bodyPr/>
+        <a:lstStyle/>
+        <a:p>
+          <a:endParaRPr lang="zh-CN" altLang="en-US"/>
+        </a:p>
+      </dgm:t>
     </dgm:pt>
     <dgm:pt modelId="{CEF141B8-1FEC-4E0D-A492-824B622419E1}" type="pres">
       <dgm:prSet presAssocID="{A70E35BE-CEE2-47FF-9BB0-05D25DCD34F7}" presName="hierRoot2" presStyleCnt="0">
@@ -8290,6 +10875,13 @@
         </dgm:presLayoutVars>
       </dgm:prSet>
       <dgm:spPr/>
+      <dgm:t>
+        <a:bodyPr/>
+        <a:lstStyle/>
+        <a:p>
+          <a:endParaRPr lang="zh-CN" altLang="en-US"/>
+        </a:p>
+      </dgm:t>
     </dgm:pt>
     <dgm:pt modelId="{8E6E4251-BCF8-4FB1-A02B-56F8FA370E84}" type="pres">
       <dgm:prSet presAssocID="{A70E35BE-CEE2-47FF-9BB0-05D25DCD34F7}" presName="titleText2" presStyleLbl="fgAcc1" presStyleIdx="13" presStyleCnt="16">
@@ -8299,10 +10891,24 @@
         </dgm:presLayoutVars>
       </dgm:prSet>
       <dgm:spPr/>
+      <dgm:t>
+        <a:bodyPr/>
+        <a:lstStyle/>
+        <a:p>
+          <a:endParaRPr lang="zh-CN" altLang="en-US"/>
+        </a:p>
+      </dgm:t>
     </dgm:pt>
     <dgm:pt modelId="{24F63BB3-C32E-42DD-BEA1-A5D4C283A3E4}" type="pres">
       <dgm:prSet presAssocID="{A70E35BE-CEE2-47FF-9BB0-05D25DCD34F7}" presName="rootConnector" presStyleLbl="node4" presStyleIdx="0" presStyleCnt="0"/>
       <dgm:spPr/>
+      <dgm:t>
+        <a:bodyPr/>
+        <a:lstStyle/>
+        <a:p>
+          <a:endParaRPr lang="zh-CN" altLang="en-US"/>
+        </a:p>
+      </dgm:t>
     </dgm:pt>
     <dgm:pt modelId="{44FA9DD0-D6C7-4130-822C-FBFC8336D345}" type="pres">
       <dgm:prSet presAssocID="{A70E35BE-CEE2-47FF-9BB0-05D25DCD34F7}" presName="hierChild4" presStyleCnt="0"/>
@@ -8315,6 +10921,13 @@
     <dgm:pt modelId="{11926B22-8F9E-4EDF-A7DE-30B015AE09F4}" type="pres">
       <dgm:prSet presAssocID="{4F243CCC-3FAD-4709-ABBB-1E01F32118E7}" presName="Name37" presStyleLbl="parChTrans1D4" presStyleIdx="10" presStyleCnt="12"/>
       <dgm:spPr/>
+      <dgm:t>
+        <a:bodyPr/>
+        <a:lstStyle/>
+        <a:p>
+          <a:endParaRPr lang="zh-CN" altLang="en-US"/>
+        </a:p>
+      </dgm:t>
     </dgm:pt>
     <dgm:pt modelId="{FAEC72DA-9F0E-445F-B492-B74162E9BD4C}" type="pres">
       <dgm:prSet presAssocID="{4410F5B9-7A6E-4352-ABF4-75B25389A9D8}" presName="hierRoot2" presStyleCnt="0">
@@ -8363,6 +10976,13 @@
     <dgm:pt modelId="{38458C37-D2BB-4264-934F-474B04033A2B}" type="pres">
       <dgm:prSet presAssocID="{4410F5B9-7A6E-4352-ABF4-75B25389A9D8}" presName="rootConnector" presStyleLbl="node4" presStyleIdx="0" presStyleCnt="0"/>
       <dgm:spPr/>
+      <dgm:t>
+        <a:bodyPr/>
+        <a:lstStyle/>
+        <a:p>
+          <a:endParaRPr lang="zh-CN" altLang="en-US"/>
+        </a:p>
+      </dgm:t>
     </dgm:pt>
     <dgm:pt modelId="{08F395C0-B010-4CC3-931E-3AD787766CED}" type="pres">
       <dgm:prSet presAssocID="{4410F5B9-7A6E-4352-ABF4-75B25389A9D8}" presName="hierChild4" presStyleCnt="0"/>
@@ -8375,6 +10995,13 @@
     <dgm:pt modelId="{4443E3C1-7F39-4CEC-910A-DF31A2168070}" type="pres">
       <dgm:prSet presAssocID="{73234726-D4B4-4E51-AF5B-87A161E7FD1B}" presName="Name37" presStyleLbl="parChTrans1D4" presStyleIdx="11" presStyleCnt="12"/>
       <dgm:spPr/>
+      <dgm:t>
+        <a:bodyPr/>
+        <a:lstStyle/>
+        <a:p>
+          <a:endParaRPr lang="zh-CN" altLang="en-US"/>
+        </a:p>
+      </dgm:t>
     </dgm:pt>
     <dgm:pt modelId="{17D4D06B-3B40-431F-94E3-354C5A541C1A}" type="pres">
       <dgm:prSet presAssocID="{1DB3B635-F31A-4C4C-8115-88FD0D07A89B}" presName="hierRoot2" presStyleCnt="0">
@@ -8396,6 +11023,13 @@
         </dgm:presLayoutVars>
       </dgm:prSet>
       <dgm:spPr/>
+      <dgm:t>
+        <a:bodyPr/>
+        <a:lstStyle/>
+        <a:p>
+          <a:endParaRPr lang="zh-CN" altLang="en-US"/>
+        </a:p>
+      </dgm:t>
     </dgm:pt>
     <dgm:pt modelId="{7B4F4265-1316-4042-90B8-F0270B0983C3}" type="pres">
       <dgm:prSet presAssocID="{1DB3B635-F31A-4C4C-8115-88FD0D07A89B}" presName="titleText2" presStyleLbl="fgAcc1" presStyleIdx="15" presStyleCnt="16">
@@ -8416,6 +11050,13 @@
     <dgm:pt modelId="{15163E45-73E6-4B5D-9ADE-F62FE47442B3}" type="pres">
       <dgm:prSet presAssocID="{1DB3B635-F31A-4C4C-8115-88FD0D07A89B}" presName="rootConnector" presStyleLbl="node4" presStyleIdx="0" presStyleCnt="0"/>
       <dgm:spPr/>
+      <dgm:t>
+        <a:bodyPr/>
+        <a:lstStyle/>
+        <a:p>
+          <a:endParaRPr lang="zh-CN" altLang="en-US"/>
+        </a:p>
+      </dgm:t>
     </dgm:pt>
     <dgm:pt modelId="{E414B81B-C512-446A-9AEE-24DF499D7959}" type="pres">
       <dgm:prSet presAssocID="{1DB3B635-F31A-4C4C-8115-88FD0D07A89B}" presName="hierChild4" presStyleCnt="0"/>
@@ -8909,6 +11550,13 @@
         </dgm:presLayoutVars>
       </dgm:prSet>
       <dgm:spPr/>
+      <dgm:t>
+        <a:bodyPr/>
+        <a:lstStyle/>
+        <a:p>
+          <a:endParaRPr lang="zh-CN" altLang="en-US"/>
+        </a:p>
+      </dgm:t>
     </dgm:pt>
     <dgm:pt modelId="{027AE4A1-F3D4-4CF8-A474-CD77141B48A7}" type="pres">
       <dgm:prSet presAssocID="{E21412F6-F8B6-4877-B5A3-1D2645173BD3}" presName="hierRoot1" presStyleCnt="0">
@@ -8957,6 +11605,13 @@
     <dgm:pt modelId="{25BCDCA1-7378-4966-BF53-CF07D25A4218}" type="pres">
       <dgm:prSet presAssocID="{E21412F6-F8B6-4877-B5A3-1D2645173BD3}" presName="rootConnector1" presStyleLbl="node1" presStyleIdx="0" presStyleCnt="4"/>
       <dgm:spPr/>
+      <dgm:t>
+        <a:bodyPr/>
+        <a:lstStyle/>
+        <a:p>
+          <a:endParaRPr lang="zh-CN" altLang="en-US"/>
+        </a:p>
+      </dgm:t>
     </dgm:pt>
     <dgm:pt modelId="{89FAE3A6-A8B9-4B8C-9682-92C8EC343AB0}" type="pres">
       <dgm:prSet presAssocID="{E21412F6-F8B6-4877-B5A3-1D2645173BD3}" presName="hierChild2" presStyleCnt="0"/>
@@ -8965,6 +11620,13 @@
     <dgm:pt modelId="{8CCE3855-BA01-4ECE-80AC-CE4B31DD7EA3}" type="pres">
       <dgm:prSet presAssocID="{9AC7ACC0-2733-4A78-B5DD-2F568ABCC62C}" presName="Name37" presStyleLbl="parChTrans1D2" presStyleIdx="0" presStyleCnt="2"/>
       <dgm:spPr/>
+      <dgm:t>
+        <a:bodyPr/>
+        <a:lstStyle/>
+        <a:p>
+          <a:endParaRPr lang="zh-CN" altLang="en-US"/>
+        </a:p>
+      </dgm:t>
     </dgm:pt>
     <dgm:pt modelId="{D6F7708F-120E-4BB9-A755-846DAD089E62}" type="pres">
       <dgm:prSet presAssocID="{F8540D8F-842D-4728-AB5D-7C88723AA44D}" presName="hierRoot2" presStyleCnt="0">
@@ -8986,6 +11648,13 @@
         </dgm:presLayoutVars>
       </dgm:prSet>
       <dgm:spPr/>
+      <dgm:t>
+        <a:bodyPr/>
+        <a:lstStyle/>
+        <a:p>
+          <a:endParaRPr lang="zh-CN" altLang="en-US"/>
+        </a:p>
+      </dgm:t>
     </dgm:pt>
     <dgm:pt modelId="{27B90BA2-B19F-4A36-867A-F1E7855C18E8}" type="pres">
       <dgm:prSet presAssocID="{F8540D8F-842D-4728-AB5D-7C88723AA44D}" presName="titleText2" presStyleLbl="fgAcc1" presStyleIdx="0" presStyleCnt="4">
@@ -8995,10 +11664,24 @@
         </dgm:presLayoutVars>
       </dgm:prSet>
       <dgm:spPr/>
+      <dgm:t>
+        <a:bodyPr/>
+        <a:lstStyle/>
+        <a:p>
+          <a:endParaRPr lang="zh-CN" altLang="en-US"/>
+        </a:p>
+      </dgm:t>
     </dgm:pt>
     <dgm:pt modelId="{EB130543-171C-469C-8ADC-A5057937F01C}" type="pres">
       <dgm:prSet presAssocID="{F8540D8F-842D-4728-AB5D-7C88723AA44D}" presName="rootConnector" presStyleLbl="node2" presStyleIdx="0" presStyleCnt="0"/>
       <dgm:spPr/>
+      <dgm:t>
+        <a:bodyPr/>
+        <a:lstStyle/>
+        <a:p>
+          <a:endParaRPr lang="zh-CN" altLang="en-US"/>
+        </a:p>
+      </dgm:t>
     </dgm:pt>
     <dgm:pt modelId="{2968F617-6F29-4ADB-A7D2-72F6A9AC940C}" type="pres">
       <dgm:prSet presAssocID="{F8540D8F-842D-4728-AB5D-7C88723AA44D}" presName="hierChild4" presStyleCnt="0"/>
@@ -9011,6 +11694,13 @@
     <dgm:pt modelId="{9E007C76-6257-47A8-B735-63EA3D7A08C8}" type="pres">
       <dgm:prSet presAssocID="{340911AF-DD18-4E72-8A97-F432B6E4DC21}" presName="Name37" presStyleLbl="parChTrans1D2" presStyleIdx="1" presStyleCnt="2"/>
       <dgm:spPr/>
+      <dgm:t>
+        <a:bodyPr/>
+        <a:lstStyle/>
+        <a:p>
+          <a:endParaRPr lang="zh-CN" altLang="en-US"/>
+        </a:p>
+      </dgm:t>
     </dgm:pt>
     <dgm:pt modelId="{E853BBDB-E561-4504-A86E-E9915DA05CEA}" type="pres">
       <dgm:prSet presAssocID="{98B8A5A8-2B75-48BA-8041-9C13C210609D}" presName="hierRoot2" presStyleCnt="0">
@@ -9048,10 +11738,24 @@
         </dgm:presLayoutVars>
       </dgm:prSet>
       <dgm:spPr/>
+      <dgm:t>
+        <a:bodyPr/>
+        <a:lstStyle/>
+        <a:p>
+          <a:endParaRPr lang="zh-CN" altLang="en-US"/>
+        </a:p>
+      </dgm:t>
     </dgm:pt>
     <dgm:pt modelId="{29297073-770B-4E74-8A71-652F4D35C065}" type="pres">
       <dgm:prSet presAssocID="{98B8A5A8-2B75-48BA-8041-9C13C210609D}" presName="rootConnector" presStyleLbl="node2" presStyleIdx="0" presStyleCnt="0"/>
       <dgm:spPr/>
+      <dgm:t>
+        <a:bodyPr/>
+        <a:lstStyle/>
+        <a:p>
+          <a:endParaRPr lang="zh-CN" altLang="en-US"/>
+        </a:p>
+      </dgm:t>
     </dgm:pt>
     <dgm:pt modelId="{F6096EBF-EAE7-4E5D-BFA5-441589DCF01C}" type="pres">
       <dgm:prSet presAssocID="{98B8A5A8-2B75-48BA-8041-9C13C210609D}" presName="hierChild4" presStyleCnt="0"/>
@@ -9060,6 +11764,13 @@
     <dgm:pt modelId="{149849EB-D923-46C4-BECF-830EBC9491A6}" type="pres">
       <dgm:prSet presAssocID="{137D738E-0763-4C51-954A-7A8DBDB5FFD6}" presName="Name37" presStyleLbl="parChTrans1D3" presStyleIdx="0" presStyleCnt="2"/>
       <dgm:spPr/>
+      <dgm:t>
+        <a:bodyPr/>
+        <a:lstStyle/>
+        <a:p>
+          <a:endParaRPr lang="zh-CN" altLang="en-US"/>
+        </a:p>
+      </dgm:t>
     </dgm:pt>
     <dgm:pt modelId="{9885F378-76D9-4211-A29E-E65A686A0959}" type="pres">
       <dgm:prSet presAssocID="{B6D8A5CD-05D7-4BD6-930B-661C00AFF661}" presName="hierRoot2" presStyleCnt="0">
@@ -9097,10 +11808,24 @@
         </dgm:presLayoutVars>
       </dgm:prSet>
       <dgm:spPr/>
+      <dgm:t>
+        <a:bodyPr/>
+        <a:lstStyle/>
+        <a:p>
+          <a:endParaRPr lang="zh-CN" altLang="en-US"/>
+        </a:p>
+      </dgm:t>
     </dgm:pt>
     <dgm:pt modelId="{02C004B2-63B3-4608-9345-22E9CC3E868C}" type="pres">
       <dgm:prSet presAssocID="{B6D8A5CD-05D7-4BD6-930B-661C00AFF661}" presName="rootConnector" presStyleLbl="node3" presStyleIdx="0" presStyleCnt="0"/>
       <dgm:spPr/>
+      <dgm:t>
+        <a:bodyPr/>
+        <a:lstStyle/>
+        <a:p>
+          <a:endParaRPr lang="zh-CN" altLang="en-US"/>
+        </a:p>
+      </dgm:t>
     </dgm:pt>
     <dgm:pt modelId="{A9DBABF1-038B-46C3-A729-D642B4404028}" type="pres">
       <dgm:prSet presAssocID="{B6D8A5CD-05D7-4BD6-930B-661C00AFF661}" presName="hierChild4" presStyleCnt="0"/>
@@ -9113,6 +11838,13 @@
     <dgm:pt modelId="{2949CF0C-287F-4175-BF06-92EAB5C96BB2}" type="pres">
       <dgm:prSet presAssocID="{39E5A908-DBFD-4C86-BA62-23E66E1A68F3}" presName="Name37" presStyleLbl="parChTrans1D3" presStyleIdx="1" presStyleCnt="2"/>
       <dgm:spPr/>
+      <dgm:t>
+        <a:bodyPr/>
+        <a:lstStyle/>
+        <a:p>
+          <a:endParaRPr lang="zh-CN" altLang="en-US"/>
+        </a:p>
+      </dgm:t>
     </dgm:pt>
     <dgm:pt modelId="{29AF03EB-541A-4B96-97AA-A8DCB3A54127}" type="pres">
       <dgm:prSet presAssocID="{E15456C9-1264-44CE-A46A-1332FDEA4D63}" presName="hierRoot2" presStyleCnt="0">
@@ -9150,10 +11882,24 @@
         </dgm:presLayoutVars>
       </dgm:prSet>
       <dgm:spPr/>
+      <dgm:t>
+        <a:bodyPr/>
+        <a:lstStyle/>
+        <a:p>
+          <a:endParaRPr lang="zh-CN" altLang="en-US"/>
+        </a:p>
+      </dgm:t>
     </dgm:pt>
     <dgm:pt modelId="{1D71B1E5-6B39-4842-94CA-612907EC3818}" type="pres">
       <dgm:prSet presAssocID="{E15456C9-1264-44CE-A46A-1332FDEA4D63}" presName="rootConnector" presStyleLbl="node3" presStyleIdx="0" presStyleCnt="0"/>
       <dgm:spPr/>
+      <dgm:t>
+        <a:bodyPr/>
+        <a:lstStyle/>
+        <a:p>
+          <a:endParaRPr lang="zh-CN" altLang="en-US"/>
+        </a:p>
+      </dgm:t>
     </dgm:pt>
     <dgm:pt modelId="{E415CBEA-5B08-4C74-9586-52F7C0805823}" type="pres">
       <dgm:prSet presAssocID="{E15456C9-1264-44CE-A46A-1332FDEA4D63}" presName="hierChild4" presStyleCnt="0"/>
@@ -9173,31 +11919,31 @@
     </dgm:pt>
   </dgm:ptLst>
   <dgm:cxnLst>
+    <dgm:cxn modelId="{7A8BAA46-4AC7-4D99-A870-B576128DA040}" srcId="{E21412F6-F8B6-4877-B5A3-1D2645173BD3}" destId="{F8540D8F-842D-4728-AB5D-7C88723AA44D}" srcOrd="0" destOrd="0" parTransId="{9AC7ACC0-2733-4A78-B5DD-2F568ABCC62C}" sibTransId="{86D205F2-DF1C-4523-A1B4-E357476C5541}"/>
+    <dgm:cxn modelId="{D45B13F4-EE30-4A90-A695-882535BB06BD}" type="presOf" srcId="{E15456C9-1264-44CE-A46A-1332FDEA4D63}" destId="{AAFD393B-D5C6-4FC1-85BB-67D689A5CB66}" srcOrd="0" destOrd="0" presId="urn:microsoft.com/office/officeart/2008/layout/NameandTitleOrganizationalChart"/>
+    <dgm:cxn modelId="{FEE25D98-22C5-4650-8A39-9067A367BDF7}" type="presOf" srcId="{340911AF-DD18-4E72-8A97-F432B6E4DC21}" destId="{9E007C76-6257-47A8-B735-63EA3D7A08C8}" srcOrd="0" destOrd="0" presId="urn:microsoft.com/office/officeart/2008/layout/NameandTitleOrganizationalChart"/>
+    <dgm:cxn modelId="{9A614BF6-9632-4039-9F89-577185A54E8C}" type="presOf" srcId="{9AC7ACC0-2733-4A78-B5DD-2F568ABCC62C}" destId="{8CCE3855-BA01-4ECE-80AC-CE4B31DD7EA3}" srcOrd="0" destOrd="0" presId="urn:microsoft.com/office/officeart/2008/layout/NameandTitleOrganizationalChart"/>
+    <dgm:cxn modelId="{E17C04C7-3BC8-49B8-8034-D454BD3992E6}" type="presOf" srcId="{137D738E-0763-4C51-954A-7A8DBDB5FFD6}" destId="{149849EB-D923-46C4-BECF-830EBC9491A6}" srcOrd="0" destOrd="0" presId="urn:microsoft.com/office/officeart/2008/layout/NameandTitleOrganizationalChart"/>
+    <dgm:cxn modelId="{EE20E7E3-1327-488C-8C80-A438682BDA80}" srcId="{98B8A5A8-2B75-48BA-8041-9C13C210609D}" destId="{B6D8A5CD-05D7-4BD6-930B-661C00AFF661}" srcOrd="0" destOrd="0" parTransId="{137D738E-0763-4C51-954A-7A8DBDB5FFD6}" sibTransId="{B91C093C-03B1-401C-8462-11DC6CC3E891}"/>
+    <dgm:cxn modelId="{664BC9D2-775A-4D58-8D7C-5D2A3A5B6BD4}" type="presOf" srcId="{559F360A-D66E-4968-B66A-04F022DA2384}" destId="{3518303C-ED68-41C8-B9F7-05B65142A32E}" srcOrd="0" destOrd="0" presId="urn:microsoft.com/office/officeart/2008/layout/NameandTitleOrganizationalChart"/>
+    <dgm:cxn modelId="{90457F4E-5C90-405E-8D3B-3608B68FDC52}" type="presOf" srcId="{2DB39D95-EFF2-420B-AFBF-73D10E1400C0}" destId="{95E6DB3B-AD48-4715-9855-4898B682D86D}" srcOrd="0" destOrd="0" presId="urn:microsoft.com/office/officeart/2008/layout/NameandTitleOrganizationalChart"/>
+    <dgm:cxn modelId="{B815DE26-22B0-4FF1-BE7B-C4459D484FF6}" srcId="{E21412F6-F8B6-4877-B5A3-1D2645173BD3}" destId="{98B8A5A8-2B75-48BA-8041-9C13C210609D}" srcOrd="1" destOrd="0" parTransId="{340911AF-DD18-4E72-8A97-F432B6E4DC21}" sibTransId="{559F360A-D66E-4968-B66A-04F022DA2384}"/>
+    <dgm:cxn modelId="{1CDDE4D3-BE72-4D1E-8783-DCDA1BD8EA73}" type="presOf" srcId="{86D205F2-DF1C-4523-A1B4-E357476C5541}" destId="{27B90BA2-B19F-4A36-867A-F1E7855C18E8}" srcOrd="0" destOrd="0" presId="urn:microsoft.com/office/officeart/2008/layout/NameandTitleOrganizationalChart"/>
+    <dgm:cxn modelId="{45538FA5-7565-4DE4-99EA-FB48FEB30107}" type="presOf" srcId="{E15456C9-1264-44CE-A46A-1332FDEA4D63}" destId="{1D71B1E5-6B39-4842-94CA-612907EC3818}" srcOrd="1" destOrd="0" presId="urn:microsoft.com/office/officeart/2008/layout/NameandTitleOrganizationalChart"/>
+    <dgm:cxn modelId="{3ED77A3D-3F99-43A8-91ED-07EAC87BD0E8}" type="presOf" srcId="{B91C093C-03B1-401C-8462-11DC6CC3E891}" destId="{1C89C8D1-8B8E-4239-BCFF-04AA4DF5D267}" srcOrd="0" destOrd="0" presId="urn:microsoft.com/office/officeart/2008/layout/NameandTitleOrganizationalChart"/>
+    <dgm:cxn modelId="{C8D3A0C7-6FA8-484F-A5DD-962F674AD387}" srcId="{98B8A5A8-2B75-48BA-8041-9C13C210609D}" destId="{E15456C9-1264-44CE-A46A-1332FDEA4D63}" srcOrd="1" destOrd="0" parTransId="{39E5A908-DBFD-4C86-BA62-23E66E1A68F3}" sibTransId="{2DB39D95-EFF2-420B-AFBF-73D10E1400C0}"/>
+    <dgm:cxn modelId="{E4965599-EF00-41EB-AF3A-35DE7D7F1085}" type="presOf" srcId="{98B8A5A8-2B75-48BA-8041-9C13C210609D}" destId="{5AE64D64-D8C9-4680-89BC-629381485A87}" srcOrd="0" destOrd="0" presId="urn:microsoft.com/office/officeart/2008/layout/NameandTitleOrganizationalChart"/>
+    <dgm:cxn modelId="{9366031C-995F-44DC-BBF1-4AE44545418F}" type="presOf" srcId="{E21412F6-F8B6-4877-B5A3-1D2645173BD3}" destId="{25BCDCA1-7378-4966-BF53-CF07D25A4218}" srcOrd="1" destOrd="0" presId="urn:microsoft.com/office/officeart/2008/layout/NameandTitleOrganizationalChart"/>
+    <dgm:cxn modelId="{C40498F5-47B4-42BE-A6F6-FEB674B8B732}" srcId="{54B22CF6-907D-4AD8-92C4-0399267F5D7A}" destId="{E21412F6-F8B6-4877-B5A3-1D2645173BD3}" srcOrd="0" destOrd="0" parTransId="{6030B236-9283-4C83-A9F7-F5EC8843EAB8}" sibTransId="{80C7A12E-0A37-413C-9B41-A1F036E0B74B}"/>
     <dgm:cxn modelId="{2C07ABD4-9DC0-44C9-AB30-147C012BEC8F}" type="presOf" srcId="{39E5A908-DBFD-4C86-BA62-23E66E1A68F3}" destId="{2949CF0C-287F-4175-BF06-92EAB5C96BB2}" srcOrd="0" destOrd="0" presId="urn:microsoft.com/office/officeart/2008/layout/NameandTitleOrganizationalChart"/>
-    <dgm:cxn modelId="{799ED841-8428-4588-B164-332BCAA758AB}" type="presOf" srcId="{B6D8A5CD-05D7-4BD6-930B-661C00AFF661}" destId="{A94D0759-1843-47BA-952A-DB309C1547CB}" srcOrd="0" destOrd="0" presId="urn:microsoft.com/office/officeart/2008/layout/NameandTitleOrganizationalChart"/>
-    <dgm:cxn modelId="{F3BD405A-563A-4F43-BF87-634E760B4329}" type="presOf" srcId="{E21412F6-F8B6-4877-B5A3-1D2645173BD3}" destId="{55A454FB-B4B0-428E-976C-67FBFF903016}" srcOrd="0" destOrd="0" presId="urn:microsoft.com/office/officeart/2008/layout/NameandTitleOrganizationalChart"/>
-    <dgm:cxn modelId="{7A8BAA46-4AC7-4D99-A870-B576128DA040}" srcId="{E21412F6-F8B6-4877-B5A3-1D2645173BD3}" destId="{F8540D8F-842D-4728-AB5D-7C88723AA44D}" srcOrd="0" destOrd="0" parTransId="{9AC7ACC0-2733-4A78-B5DD-2F568ABCC62C}" sibTransId="{86D205F2-DF1C-4523-A1B4-E357476C5541}"/>
-    <dgm:cxn modelId="{C40498F5-47B4-42BE-A6F6-FEB674B8B732}" srcId="{54B22CF6-907D-4AD8-92C4-0399267F5D7A}" destId="{E21412F6-F8B6-4877-B5A3-1D2645173BD3}" srcOrd="0" destOrd="0" parTransId="{6030B236-9283-4C83-A9F7-F5EC8843EAB8}" sibTransId="{80C7A12E-0A37-413C-9B41-A1F036E0B74B}"/>
-    <dgm:cxn modelId="{9A614BF6-9632-4039-9F89-577185A54E8C}" type="presOf" srcId="{9AC7ACC0-2733-4A78-B5DD-2F568ABCC62C}" destId="{8CCE3855-BA01-4ECE-80AC-CE4B31DD7EA3}" srcOrd="0" destOrd="0" presId="urn:microsoft.com/office/officeart/2008/layout/NameandTitleOrganizationalChart"/>
-    <dgm:cxn modelId="{1CDDE4D3-BE72-4D1E-8783-DCDA1BD8EA73}" type="presOf" srcId="{86D205F2-DF1C-4523-A1B4-E357476C5541}" destId="{27B90BA2-B19F-4A36-867A-F1E7855C18E8}" srcOrd="0" destOrd="0" presId="urn:microsoft.com/office/officeart/2008/layout/NameandTitleOrganizationalChart"/>
-    <dgm:cxn modelId="{664BC9D2-775A-4D58-8D7C-5D2A3A5B6BD4}" type="presOf" srcId="{559F360A-D66E-4968-B66A-04F022DA2384}" destId="{3518303C-ED68-41C8-B9F7-05B65142A32E}" srcOrd="0" destOrd="0" presId="urn:microsoft.com/office/officeart/2008/layout/NameandTitleOrganizationalChart"/>
-    <dgm:cxn modelId="{C8D3A0C7-6FA8-484F-A5DD-962F674AD387}" srcId="{98B8A5A8-2B75-48BA-8041-9C13C210609D}" destId="{E15456C9-1264-44CE-A46A-1332FDEA4D63}" srcOrd="1" destOrd="0" parTransId="{39E5A908-DBFD-4C86-BA62-23E66E1A68F3}" sibTransId="{2DB39D95-EFF2-420B-AFBF-73D10E1400C0}"/>
-    <dgm:cxn modelId="{DC759365-E7CE-4E2A-A392-A4CA80235CC3}" type="presOf" srcId="{F8540D8F-842D-4728-AB5D-7C88723AA44D}" destId="{2875948E-291D-4655-9A40-01DD961864D7}" srcOrd="0" destOrd="0" presId="urn:microsoft.com/office/officeart/2008/layout/NameandTitleOrganizationalChart"/>
-    <dgm:cxn modelId="{45538FA5-7565-4DE4-99EA-FB48FEB30107}" type="presOf" srcId="{E15456C9-1264-44CE-A46A-1332FDEA4D63}" destId="{1D71B1E5-6B39-4842-94CA-612907EC3818}" srcOrd="1" destOrd="0" presId="urn:microsoft.com/office/officeart/2008/layout/NameandTitleOrganizationalChart"/>
-    <dgm:cxn modelId="{90457F4E-5C90-405E-8D3B-3608B68FDC52}" type="presOf" srcId="{2DB39D95-EFF2-420B-AFBF-73D10E1400C0}" destId="{95E6DB3B-AD48-4715-9855-4898B682D86D}" srcOrd="0" destOrd="0" presId="urn:microsoft.com/office/officeart/2008/layout/NameandTitleOrganizationalChart"/>
-    <dgm:cxn modelId="{FEE25D98-22C5-4650-8A39-9067A367BDF7}" type="presOf" srcId="{340911AF-DD18-4E72-8A97-F432B6E4DC21}" destId="{9E007C76-6257-47A8-B735-63EA3D7A08C8}" srcOrd="0" destOrd="0" presId="urn:microsoft.com/office/officeart/2008/layout/NameandTitleOrganizationalChart"/>
     <dgm:cxn modelId="{AF361DD8-F289-4CF0-A832-21B3C4C099A3}" type="presOf" srcId="{54B22CF6-907D-4AD8-92C4-0399267F5D7A}" destId="{57E8A9A6-D72E-44F7-98C8-FCFACFF93606}" srcOrd="0" destOrd="0" presId="urn:microsoft.com/office/officeart/2008/layout/NameandTitleOrganizationalChart"/>
-    <dgm:cxn modelId="{9366031C-995F-44DC-BBF1-4AE44545418F}" type="presOf" srcId="{E21412F6-F8B6-4877-B5A3-1D2645173BD3}" destId="{25BCDCA1-7378-4966-BF53-CF07D25A4218}" srcOrd="1" destOrd="0" presId="urn:microsoft.com/office/officeart/2008/layout/NameandTitleOrganizationalChart"/>
-    <dgm:cxn modelId="{E4965599-EF00-41EB-AF3A-35DE7D7F1085}" type="presOf" srcId="{98B8A5A8-2B75-48BA-8041-9C13C210609D}" destId="{5AE64D64-D8C9-4680-89BC-629381485A87}" srcOrd="0" destOrd="0" presId="urn:microsoft.com/office/officeart/2008/layout/NameandTitleOrganizationalChart"/>
-    <dgm:cxn modelId="{35756D35-91AF-41B6-A68D-6C51AA758800}" type="presOf" srcId="{98B8A5A8-2B75-48BA-8041-9C13C210609D}" destId="{29297073-770B-4E74-8A71-652F4D35C065}" srcOrd="1" destOrd="0" presId="urn:microsoft.com/office/officeart/2008/layout/NameandTitleOrganizationalChart"/>
-    <dgm:cxn modelId="{B815DE26-22B0-4FF1-BE7B-C4459D484FF6}" srcId="{E21412F6-F8B6-4877-B5A3-1D2645173BD3}" destId="{98B8A5A8-2B75-48BA-8041-9C13C210609D}" srcOrd="1" destOrd="0" parTransId="{340911AF-DD18-4E72-8A97-F432B6E4DC21}" sibTransId="{559F360A-D66E-4968-B66A-04F022DA2384}"/>
-    <dgm:cxn modelId="{E17C04C7-3BC8-49B8-8034-D454BD3992E6}" type="presOf" srcId="{137D738E-0763-4C51-954A-7A8DBDB5FFD6}" destId="{149849EB-D923-46C4-BECF-830EBC9491A6}" srcOrd="0" destOrd="0" presId="urn:microsoft.com/office/officeart/2008/layout/NameandTitleOrganizationalChart"/>
-    <dgm:cxn modelId="{6DC686FA-0917-49BE-8723-A8497165DF32}" type="presOf" srcId="{F8540D8F-842D-4728-AB5D-7C88723AA44D}" destId="{EB130543-171C-469C-8ADC-A5057937F01C}" srcOrd="1" destOrd="0" presId="urn:microsoft.com/office/officeart/2008/layout/NameandTitleOrganizationalChart"/>
-    <dgm:cxn modelId="{D45B13F4-EE30-4A90-A695-882535BB06BD}" type="presOf" srcId="{E15456C9-1264-44CE-A46A-1332FDEA4D63}" destId="{AAFD393B-D5C6-4FC1-85BB-67D689A5CB66}" srcOrd="0" destOrd="0" presId="urn:microsoft.com/office/officeart/2008/layout/NameandTitleOrganizationalChart"/>
     <dgm:cxn modelId="{B6C74065-225D-41AC-BA1E-6F23FD857995}" type="presOf" srcId="{B6D8A5CD-05D7-4BD6-930B-661C00AFF661}" destId="{02C004B2-63B3-4608-9345-22E9CC3E868C}" srcOrd="1" destOrd="0" presId="urn:microsoft.com/office/officeart/2008/layout/NameandTitleOrganizationalChart"/>
     <dgm:cxn modelId="{4C7FDF7A-2C12-4A32-9B94-2DF93C653F5E}" type="presOf" srcId="{80C7A12E-0A37-413C-9B41-A1F036E0B74B}" destId="{9226003C-DEC8-4030-B965-31A76FE09775}" srcOrd="0" destOrd="0" presId="urn:microsoft.com/office/officeart/2008/layout/NameandTitleOrganizationalChart"/>
-    <dgm:cxn modelId="{3ED77A3D-3F99-43A8-91ED-07EAC87BD0E8}" type="presOf" srcId="{B91C093C-03B1-401C-8462-11DC6CC3E891}" destId="{1C89C8D1-8B8E-4239-BCFF-04AA4DF5D267}" srcOrd="0" destOrd="0" presId="urn:microsoft.com/office/officeart/2008/layout/NameandTitleOrganizationalChart"/>
-    <dgm:cxn modelId="{EE20E7E3-1327-488C-8C80-A438682BDA80}" srcId="{98B8A5A8-2B75-48BA-8041-9C13C210609D}" destId="{B6D8A5CD-05D7-4BD6-930B-661C00AFF661}" srcOrd="0" destOrd="0" parTransId="{137D738E-0763-4C51-954A-7A8DBDB5FFD6}" sibTransId="{B91C093C-03B1-401C-8462-11DC6CC3E891}"/>
+    <dgm:cxn modelId="{F3BD405A-563A-4F43-BF87-634E760B4329}" type="presOf" srcId="{E21412F6-F8B6-4877-B5A3-1D2645173BD3}" destId="{55A454FB-B4B0-428E-976C-67FBFF903016}" srcOrd="0" destOrd="0" presId="urn:microsoft.com/office/officeart/2008/layout/NameandTitleOrganizationalChart"/>
+    <dgm:cxn modelId="{35756D35-91AF-41B6-A68D-6C51AA758800}" type="presOf" srcId="{98B8A5A8-2B75-48BA-8041-9C13C210609D}" destId="{29297073-770B-4E74-8A71-652F4D35C065}" srcOrd="1" destOrd="0" presId="urn:microsoft.com/office/officeart/2008/layout/NameandTitleOrganizationalChart"/>
+    <dgm:cxn modelId="{799ED841-8428-4588-B164-332BCAA758AB}" type="presOf" srcId="{B6D8A5CD-05D7-4BD6-930B-661C00AFF661}" destId="{A94D0759-1843-47BA-952A-DB309C1547CB}" srcOrd="0" destOrd="0" presId="urn:microsoft.com/office/officeart/2008/layout/NameandTitleOrganizationalChart"/>
+    <dgm:cxn modelId="{DC759365-E7CE-4E2A-A392-A4CA80235CC3}" type="presOf" srcId="{F8540D8F-842D-4728-AB5D-7C88723AA44D}" destId="{2875948E-291D-4655-9A40-01DD961864D7}" srcOrd="0" destOrd="0" presId="urn:microsoft.com/office/officeart/2008/layout/NameandTitleOrganizationalChart"/>
+    <dgm:cxn modelId="{6DC686FA-0917-49BE-8723-A8497165DF32}" type="presOf" srcId="{F8540D8F-842D-4728-AB5D-7C88723AA44D}" destId="{EB130543-171C-469C-8ADC-A5057937F01C}" srcOrd="1" destOrd="0" presId="urn:microsoft.com/office/officeart/2008/layout/NameandTitleOrganizationalChart"/>
     <dgm:cxn modelId="{733B436D-1B5C-4ADA-A341-4419BA3758B0}" type="presParOf" srcId="{57E8A9A6-D72E-44F7-98C8-FCFACFF93606}" destId="{027AE4A1-F3D4-4CF8-A474-CD77141B48A7}" srcOrd="0" destOrd="0" presId="urn:microsoft.com/office/officeart/2008/layout/NameandTitleOrganizationalChart"/>
     <dgm:cxn modelId="{B86DE0F9-F747-45EA-8289-69B1E1BF1899}" type="presParOf" srcId="{027AE4A1-F3D4-4CF8-A474-CD77141B48A7}" destId="{9AD09C3B-933D-4228-AC1F-C0FD921B5806}" srcOrd="0" destOrd="0" presId="urn:microsoft.com/office/officeart/2008/layout/NameandTitleOrganizationalChart"/>
     <dgm:cxn modelId="{3B2B13D9-8D09-4F06-A7B4-04C000EE5558}" type="presParOf" srcId="{9AD09C3B-933D-4228-AC1F-C0FD921B5806}" destId="{55A454FB-B4B0-428E-976C-67FBFF903016}" srcOrd="0" destOrd="0" presId="urn:microsoft.com/office/officeart/2008/layout/NameandTitleOrganizationalChart"/>
@@ -9243,6 +11989,698 @@
   <dgm:extLst>
     <a:ext uri="http://schemas.microsoft.com/office/drawing/2008/diagram">
       <dsp:dataModelExt xmlns:dsp="http://schemas.microsoft.com/office/drawing/2008/diagram" relId="rId6" minVer="http://schemas.openxmlformats.org/drawingml/2006/diagram"/>
+    </a:ext>
+  </dgm:extLst>
+</dgm:dataModel>
+</file>
+
+<file path=ppt/diagrams/data5.xml><?xml version="1.0" encoding="utf-8"?>
+<dgm:dataModel xmlns:dgm="http://schemas.openxmlformats.org/drawingml/2006/diagram" xmlns:a="http://schemas.openxmlformats.org/drawingml/2006/main">
+  <dgm:ptLst>
+    <dgm:pt modelId="{9E3D725A-8B26-4BDB-82B0-31E24F97AB5C}" type="doc">
+      <dgm:prSet loTypeId="urn:microsoft.com/office/officeart/2005/8/layout/hierarchy1" loCatId="hierarchy" qsTypeId="urn:microsoft.com/office/officeart/2005/8/quickstyle/simple1" qsCatId="simple" csTypeId="urn:microsoft.com/office/officeart/2005/8/colors/accent1_2" csCatId="accent1" phldr="1"/>
+      <dgm:spPr/>
+      <dgm:t>
+        <a:bodyPr/>
+        <a:lstStyle/>
+        <a:p>
+          <a:endParaRPr lang="zh-CN" altLang="en-US"/>
+        </a:p>
+      </dgm:t>
+    </dgm:pt>
+    <dgm:pt modelId="{55D80AD9-7D5E-458D-9C91-EB4398DB7839}">
+      <dgm:prSet phldrT="[文本]"/>
+      <dgm:spPr/>
+      <dgm:t>
+        <a:bodyPr/>
+        <a:lstStyle/>
+        <a:p>
+          <a:r>
+            <a:rPr lang="en-US" altLang="en-US" dirty="0" err="1" smtClean="0"/>
+            <a:t>CTypedPtrList</a:t>
+          </a:r>
+          <a:r>
+            <a:rPr lang="en-US" altLang="en-US" dirty="0" smtClean="0"/>
+            <a:t>&lt;</a:t>
+          </a:r>
+          <a:r>
+            <a:rPr lang="en-US" altLang="en-US" dirty="0" err="1" smtClean="0"/>
+            <a:t>CPtrList</a:t>
+          </a:r>
+          <a:r>
+            <a:rPr lang="en-US" altLang="en-US" dirty="0" smtClean="0"/>
+            <a:t>, </a:t>
+          </a:r>
+          <a:r>
+            <a:rPr lang="en-US" altLang="en-US" dirty="0" err="1" smtClean="0"/>
+            <a:t>CPublishKeyword</a:t>
+          </a:r>
+          <a:r>
+            <a:rPr lang="en-US" altLang="en-US" dirty="0" smtClean="0"/>
+            <a:t>*&gt; </a:t>
+          </a:r>
+          <a:r>
+            <a:rPr lang="en-US" altLang="en-US" dirty="0" err="1" smtClean="0"/>
+            <a:t>m_lstKeywords</a:t>
+          </a:r>
+          <a:r>
+            <a:rPr lang="en-US" altLang="en-US" dirty="0" smtClean="0"/>
+            <a:t>;</a:t>
+          </a:r>
+          <a:endParaRPr lang="zh-CN" altLang="en-US" dirty="0"/>
+        </a:p>
+      </dgm:t>
+    </dgm:pt>
+    <dgm:pt modelId="{0C5A47C7-AAA4-45C2-BBF0-30ACF2E34466}" type="parTrans" cxnId="{D996F966-83EB-4B37-AD8C-26F6A2350485}">
+      <dgm:prSet/>
+      <dgm:spPr/>
+      <dgm:t>
+        <a:bodyPr/>
+        <a:lstStyle/>
+        <a:p>
+          <a:endParaRPr lang="zh-CN" altLang="en-US"/>
+        </a:p>
+      </dgm:t>
+    </dgm:pt>
+    <dgm:pt modelId="{116E6A6B-C145-4FA3-AFEF-821736F9282E}" type="sibTrans" cxnId="{D996F966-83EB-4B37-AD8C-26F6A2350485}">
+      <dgm:prSet/>
+      <dgm:spPr/>
+      <dgm:t>
+        <a:bodyPr/>
+        <a:lstStyle/>
+        <a:p>
+          <a:endParaRPr lang="zh-CN" altLang="en-US"/>
+        </a:p>
+      </dgm:t>
+    </dgm:pt>
+    <dgm:pt modelId="{FC59B4B6-59C4-49ED-B309-8CA92837AA06}">
+      <dgm:prSet phldrT="[文本]"/>
+      <dgm:spPr/>
+      <dgm:t>
+        <a:bodyPr/>
+        <a:lstStyle/>
+        <a:p>
+          <a:r>
+            <a:rPr lang="en-US" altLang="en-US" dirty="0" err="1" smtClean="0"/>
+            <a:t>CPublishKeyword</a:t>
+          </a:r>
+          <a:r>
+            <a:rPr lang="zh-CN" altLang="en-US" dirty="0" smtClean="0"/>
+            <a:t>对象</a:t>
+          </a:r>
+          <a:endParaRPr lang="zh-CN" altLang="en-US" dirty="0"/>
+        </a:p>
+      </dgm:t>
+    </dgm:pt>
+    <dgm:pt modelId="{62237801-2C8B-49D0-882B-97DF122FA234}" type="parTrans" cxnId="{1722F2B8-4622-4693-888B-7BA4A814004B}">
+      <dgm:prSet/>
+      <dgm:spPr/>
+      <dgm:t>
+        <a:bodyPr/>
+        <a:lstStyle/>
+        <a:p>
+          <a:endParaRPr lang="zh-CN" altLang="en-US"/>
+        </a:p>
+      </dgm:t>
+    </dgm:pt>
+    <dgm:pt modelId="{3A2D2D13-884B-4C38-BCCD-2B9F1B01940C}" type="sibTrans" cxnId="{1722F2B8-4622-4693-888B-7BA4A814004B}">
+      <dgm:prSet/>
+      <dgm:spPr/>
+      <dgm:t>
+        <a:bodyPr/>
+        <a:lstStyle/>
+        <a:p>
+          <a:endParaRPr lang="zh-CN" altLang="en-US"/>
+        </a:p>
+      </dgm:t>
+    </dgm:pt>
+    <dgm:pt modelId="{A77ECA37-D312-4985-87C0-F6AE652AF781}">
+      <dgm:prSet phldrT="[文本]"/>
+      <dgm:spPr/>
+      <dgm:t>
+        <a:bodyPr/>
+        <a:lstStyle/>
+        <a:p>
+          <a:r>
+            <a:rPr lang="en-US" altLang="en-US" dirty="0" err="1" smtClean="0"/>
+            <a:t>CSimpleArray</a:t>
+          </a:r>
+          <a:r>
+            <a:rPr lang="en-US" altLang="en-US" dirty="0" smtClean="0"/>
+            <a:t>&lt;</a:t>
+          </a:r>
+          <a:r>
+            <a:rPr lang="en-US" altLang="en-US" dirty="0" err="1" smtClean="0"/>
+            <a:t>CKnownFile</a:t>
+          </a:r>
+          <a:r>
+            <a:rPr lang="en-US" altLang="en-US" dirty="0" smtClean="0"/>
+            <a:t>*&gt; </a:t>
+          </a:r>
+          <a:r>
+            <a:rPr lang="en-US" altLang="en-US" dirty="0" err="1" smtClean="0"/>
+            <a:t>m_aFiles</a:t>
+          </a:r>
+          <a:r>
+            <a:rPr lang="en-US" altLang="en-US" dirty="0" smtClean="0"/>
+            <a:t>;</a:t>
+          </a:r>
+          <a:r>
+            <a:rPr lang="zh-CN" altLang="en-US" dirty="0" smtClean="0"/>
+            <a:t>成员变量</a:t>
+          </a:r>
+          <a:endParaRPr lang="zh-CN" altLang="en-US" dirty="0"/>
+        </a:p>
+      </dgm:t>
+    </dgm:pt>
+    <dgm:pt modelId="{E531BC39-6689-4234-BFBE-6F0A86B0DFED}" type="parTrans" cxnId="{E8B87AE2-81AF-4F19-88AC-EE027118BAD4}">
+      <dgm:prSet/>
+      <dgm:spPr/>
+      <dgm:t>
+        <a:bodyPr/>
+        <a:lstStyle/>
+        <a:p>
+          <a:endParaRPr lang="zh-CN" altLang="en-US"/>
+        </a:p>
+      </dgm:t>
+    </dgm:pt>
+    <dgm:pt modelId="{5E756152-71A6-48AC-BF30-F1591CB93E4D}" type="sibTrans" cxnId="{E8B87AE2-81AF-4F19-88AC-EE027118BAD4}">
+      <dgm:prSet/>
+      <dgm:spPr/>
+      <dgm:t>
+        <a:bodyPr/>
+        <a:lstStyle/>
+        <a:p>
+          <a:endParaRPr lang="zh-CN" altLang="en-US"/>
+        </a:p>
+      </dgm:t>
+    </dgm:pt>
+    <dgm:pt modelId="{60BF9A2B-8B0D-42C8-A7FA-4B96564583D6}">
+      <dgm:prSet/>
+      <dgm:spPr/>
+      <dgm:t>
+        <a:bodyPr/>
+        <a:lstStyle/>
+        <a:p>
+          <a:r>
+            <a:rPr lang="en-US" altLang="zh-CN" dirty="0" err="1" smtClean="0"/>
+            <a:t>CKnownFile</a:t>
+          </a:r>
+          <a:r>
+            <a:rPr lang="zh-CN" altLang="en-US" dirty="0" smtClean="0"/>
+            <a:t>对象</a:t>
+          </a:r>
+          <a:r>
+            <a:rPr lang="en-US" altLang="zh-CN" dirty="0" err="1" smtClean="0"/>
+            <a:t>pFile</a:t>
+          </a:r>
+          <a:endParaRPr lang="zh-CN" altLang="en-US" dirty="0"/>
+        </a:p>
+      </dgm:t>
+    </dgm:pt>
+    <dgm:pt modelId="{C7C1512D-484C-4C6C-83D5-93D9A29CF8BA}" type="parTrans" cxnId="{D597A139-5C97-49D9-8A30-29CE2C0E12DF}">
+      <dgm:prSet/>
+      <dgm:spPr/>
+      <dgm:t>
+        <a:bodyPr/>
+        <a:lstStyle/>
+        <a:p>
+          <a:endParaRPr lang="zh-CN" altLang="en-US"/>
+        </a:p>
+      </dgm:t>
+    </dgm:pt>
+    <dgm:pt modelId="{6AFF551D-011F-4754-8F6A-9906486580DA}" type="sibTrans" cxnId="{D597A139-5C97-49D9-8A30-29CE2C0E12DF}">
+      <dgm:prSet/>
+      <dgm:spPr/>
+      <dgm:t>
+        <a:bodyPr/>
+        <a:lstStyle/>
+        <a:p>
+          <a:endParaRPr lang="zh-CN" altLang="en-US"/>
+        </a:p>
+      </dgm:t>
+    </dgm:pt>
+    <dgm:pt modelId="{1C9D6D1D-6BD6-4D5C-8F08-7578EEF03920}" type="pres">
+      <dgm:prSet presAssocID="{9E3D725A-8B26-4BDB-82B0-31E24F97AB5C}" presName="hierChild1" presStyleCnt="0">
+        <dgm:presLayoutVars>
+          <dgm:chPref val="1"/>
+          <dgm:dir/>
+          <dgm:animOne val="branch"/>
+          <dgm:animLvl val="lvl"/>
+          <dgm:resizeHandles/>
+        </dgm:presLayoutVars>
+      </dgm:prSet>
+      <dgm:spPr/>
+    </dgm:pt>
+    <dgm:pt modelId="{24FCE1F8-C0FE-4FCF-ADDF-E83A8460CED9}" type="pres">
+      <dgm:prSet presAssocID="{55D80AD9-7D5E-458D-9C91-EB4398DB7839}" presName="hierRoot1" presStyleCnt="0"/>
+      <dgm:spPr/>
+    </dgm:pt>
+    <dgm:pt modelId="{63B4BCFF-14FE-47F3-AAB2-42C712460409}" type="pres">
+      <dgm:prSet presAssocID="{55D80AD9-7D5E-458D-9C91-EB4398DB7839}" presName="composite" presStyleCnt="0"/>
+      <dgm:spPr/>
+    </dgm:pt>
+    <dgm:pt modelId="{F1072D58-374E-49C4-AC61-6D4EA4F1C96E}" type="pres">
+      <dgm:prSet presAssocID="{55D80AD9-7D5E-458D-9C91-EB4398DB7839}" presName="background" presStyleLbl="node0" presStyleIdx="0" presStyleCnt="1"/>
+      <dgm:spPr/>
+    </dgm:pt>
+    <dgm:pt modelId="{AFCF927C-06B2-4ED6-BD29-54CC7DD269BF}" type="pres">
+      <dgm:prSet presAssocID="{55D80AD9-7D5E-458D-9C91-EB4398DB7839}" presName="text" presStyleLbl="fgAcc0" presStyleIdx="0" presStyleCnt="1">
+        <dgm:presLayoutVars>
+          <dgm:chPref val="3"/>
+        </dgm:presLayoutVars>
+      </dgm:prSet>
+      <dgm:spPr/>
+      <dgm:t>
+        <a:bodyPr/>
+        <a:lstStyle/>
+        <a:p>
+          <a:endParaRPr lang="zh-CN" altLang="en-US"/>
+        </a:p>
+      </dgm:t>
+    </dgm:pt>
+    <dgm:pt modelId="{A2AD36BB-64B8-48E5-8A40-E781FA13EAE8}" type="pres">
+      <dgm:prSet presAssocID="{55D80AD9-7D5E-458D-9C91-EB4398DB7839}" presName="hierChild2" presStyleCnt="0"/>
+      <dgm:spPr/>
+    </dgm:pt>
+    <dgm:pt modelId="{DF50FACA-A9C7-4728-A10B-A4394D75DD0A}" type="pres">
+      <dgm:prSet presAssocID="{62237801-2C8B-49D0-882B-97DF122FA234}" presName="Name10" presStyleLbl="parChTrans1D2" presStyleIdx="0" presStyleCnt="1"/>
+      <dgm:spPr/>
+    </dgm:pt>
+    <dgm:pt modelId="{1AE099FB-5993-47E6-AF79-9C0124117C52}" type="pres">
+      <dgm:prSet presAssocID="{FC59B4B6-59C4-49ED-B309-8CA92837AA06}" presName="hierRoot2" presStyleCnt="0"/>
+      <dgm:spPr/>
+    </dgm:pt>
+    <dgm:pt modelId="{13AE7920-9661-49F7-B459-7F131C2A704B}" type="pres">
+      <dgm:prSet presAssocID="{FC59B4B6-59C4-49ED-B309-8CA92837AA06}" presName="composite2" presStyleCnt="0"/>
+      <dgm:spPr/>
+    </dgm:pt>
+    <dgm:pt modelId="{BBAFE51E-1ABC-406B-91B0-804042B1387C}" type="pres">
+      <dgm:prSet presAssocID="{FC59B4B6-59C4-49ED-B309-8CA92837AA06}" presName="background2" presStyleLbl="node2" presStyleIdx="0" presStyleCnt="1"/>
+      <dgm:spPr/>
+    </dgm:pt>
+    <dgm:pt modelId="{CDA46515-5BA9-4ABF-9303-993AF9356BC8}" type="pres">
+      <dgm:prSet presAssocID="{FC59B4B6-59C4-49ED-B309-8CA92837AA06}" presName="text2" presStyleLbl="fgAcc2" presStyleIdx="0" presStyleCnt="1">
+        <dgm:presLayoutVars>
+          <dgm:chPref val="3"/>
+        </dgm:presLayoutVars>
+      </dgm:prSet>
+      <dgm:spPr/>
+      <dgm:t>
+        <a:bodyPr/>
+        <a:lstStyle/>
+        <a:p>
+          <a:endParaRPr lang="zh-CN" altLang="en-US"/>
+        </a:p>
+      </dgm:t>
+    </dgm:pt>
+    <dgm:pt modelId="{AF672A4D-5AA2-4E31-BE48-6D4A4CCC89AF}" type="pres">
+      <dgm:prSet presAssocID="{FC59B4B6-59C4-49ED-B309-8CA92837AA06}" presName="hierChild3" presStyleCnt="0"/>
+      <dgm:spPr/>
+    </dgm:pt>
+    <dgm:pt modelId="{BFE7BD29-6EBA-47E6-953F-D2B81FC2C55F}" type="pres">
+      <dgm:prSet presAssocID="{E531BC39-6689-4234-BFBE-6F0A86B0DFED}" presName="Name17" presStyleLbl="parChTrans1D3" presStyleIdx="0" presStyleCnt="1"/>
+      <dgm:spPr/>
+    </dgm:pt>
+    <dgm:pt modelId="{556B1B3C-4B2C-428E-A90F-B6DC1369F310}" type="pres">
+      <dgm:prSet presAssocID="{A77ECA37-D312-4985-87C0-F6AE652AF781}" presName="hierRoot3" presStyleCnt="0"/>
+      <dgm:spPr/>
+    </dgm:pt>
+    <dgm:pt modelId="{48CB4A33-B05E-4E3E-9010-B20FB52E96DC}" type="pres">
+      <dgm:prSet presAssocID="{A77ECA37-D312-4985-87C0-F6AE652AF781}" presName="composite3" presStyleCnt="0"/>
+      <dgm:spPr/>
+    </dgm:pt>
+    <dgm:pt modelId="{807CC330-91DC-4CD4-AA3D-AB3E4196593F}" type="pres">
+      <dgm:prSet presAssocID="{A77ECA37-D312-4985-87C0-F6AE652AF781}" presName="background3" presStyleLbl="node3" presStyleIdx="0" presStyleCnt="1"/>
+      <dgm:spPr/>
+    </dgm:pt>
+    <dgm:pt modelId="{66A3C04D-0269-4B89-9E33-015703AC0159}" type="pres">
+      <dgm:prSet presAssocID="{A77ECA37-D312-4985-87C0-F6AE652AF781}" presName="text3" presStyleLbl="fgAcc3" presStyleIdx="0" presStyleCnt="1">
+        <dgm:presLayoutVars>
+          <dgm:chPref val="3"/>
+        </dgm:presLayoutVars>
+      </dgm:prSet>
+      <dgm:spPr/>
+      <dgm:t>
+        <a:bodyPr/>
+        <a:lstStyle/>
+        <a:p>
+          <a:endParaRPr lang="zh-CN" altLang="en-US"/>
+        </a:p>
+      </dgm:t>
+    </dgm:pt>
+    <dgm:pt modelId="{804F0FEB-0C9A-4843-AAC2-999DD46D1480}" type="pres">
+      <dgm:prSet presAssocID="{A77ECA37-D312-4985-87C0-F6AE652AF781}" presName="hierChild4" presStyleCnt="0"/>
+      <dgm:spPr/>
+    </dgm:pt>
+    <dgm:pt modelId="{28C636A2-0E9C-440A-A1C4-3CA92E59E620}" type="pres">
+      <dgm:prSet presAssocID="{C7C1512D-484C-4C6C-83D5-93D9A29CF8BA}" presName="Name23" presStyleLbl="parChTrans1D4" presStyleIdx="0" presStyleCnt="1"/>
+      <dgm:spPr/>
+    </dgm:pt>
+    <dgm:pt modelId="{742EAE3A-B8F4-41F7-8E16-F6239D2EB0A9}" type="pres">
+      <dgm:prSet presAssocID="{60BF9A2B-8B0D-42C8-A7FA-4B96564583D6}" presName="hierRoot4" presStyleCnt="0"/>
+      <dgm:spPr/>
+    </dgm:pt>
+    <dgm:pt modelId="{57168983-AED3-4557-AD72-DCAF178DB9BE}" type="pres">
+      <dgm:prSet presAssocID="{60BF9A2B-8B0D-42C8-A7FA-4B96564583D6}" presName="composite4" presStyleCnt="0"/>
+      <dgm:spPr/>
+    </dgm:pt>
+    <dgm:pt modelId="{F826959C-D335-4CF0-A00A-F92CAB0EA4D7}" type="pres">
+      <dgm:prSet presAssocID="{60BF9A2B-8B0D-42C8-A7FA-4B96564583D6}" presName="background4" presStyleLbl="node4" presStyleIdx="0" presStyleCnt="1"/>
+      <dgm:spPr/>
+    </dgm:pt>
+    <dgm:pt modelId="{5DD02524-447C-43F5-A961-F9E73C3FD357}" type="pres">
+      <dgm:prSet presAssocID="{60BF9A2B-8B0D-42C8-A7FA-4B96564583D6}" presName="text4" presStyleLbl="fgAcc4" presStyleIdx="0" presStyleCnt="1">
+        <dgm:presLayoutVars>
+          <dgm:chPref val="3"/>
+        </dgm:presLayoutVars>
+      </dgm:prSet>
+      <dgm:spPr/>
+      <dgm:t>
+        <a:bodyPr/>
+        <a:lstStyle/>
+        <a:p>
+          <a:endParaRPr lang="zh-CN" altLang="en-US"/>
+        </a:p>
+      </dgm:t>
+    </dgm:pt>
+    <dgm:pt modelId="{36EF93ED-66B1-4593-80C4-E6100674CCBF}" type="pres">
+      <dgm:prSet presAssocID="{60BF9A2B-8B0D-42C8-A7FA-4B96564583D6}" presName="hierChild5" presStyleCnt="0"/>
+      <dgm:spPr/>
+    </dgm:pt>
+  </dgm:ptLst>
+  <dgm:cxnLst>
+    <dgm:cxn modelId="{9478C26F-4C29-4D8D-8673-19E9C11D4AE2}" type="presOf" srcId="{C7C1512D-484C-4C6C-83D5-93D9A29CF8BA}" destId="{28C636A2-0E9C-440A-A1C4-3CA92E59E620}" srcOrd="0" destOrd="0" presId="urn:microsoft.com/office/officeart/2005/8/layout/hierarchy1"/>
+    <dgm:cxn modelId="{D15ED79A-7B5A-4365-B3B6-7157E71B173E}" type="presOf" srcId="{FC59B4B6-59C4-49ED-B309-8CA92837AA06}" destId="{CDA46515-5BA9-4ABF-9303-993AF9356BC8}" srcOrd="0" destOrd="0" presId="urn:microsoft.com/office/officeart/2005/8/layout/hierarchy1"/>
+    <dgm:cxn modelId="{67F2B097-2B62-4EC0-9FFA-E775947C379F}" type="presOf" srcId="{55D80AD9-7D5E-458D-9C91-EB4398DB7839}" destId="{AFCF927C-06B2-4ED6-BD29-54CC7DD269BF}" srcOrd="0" destOrd="0" presId="urn:microsoft.com/office/officeart/2005/8/layout/hierarchy1"/>
+    <dgm:cxn modelId="{216E71DD-B795-40C1-8C70-38A5BF689DBE}" type="presOf" srcId="{60BF9A2B-8B0D-42C8-A7FA-4B96564583D6}" destId="{5DD02524-447C-43F5-A961-F9E73C3FD357}" srcOrd="0" destOrd="0" presId="urn:microsoft.com/office/officeart/2005/8/layout/hierarchy1"/>
+    <dgm:cxn modelId="{9D9BED44-CC97-48BA-B8AC-EE25DE983F49}" type="presOf" srcId="{9E3D725A-8B26-4BDB-82B0-31E24F97AB5C}" destId="{1C9D6D1D-6BD6-4D5C-8F08-7578EEF03920}" srcOrd="0" destOrd="0" presId="urn:microsoft.com/office/officeart/2005/8/layout/hierarchy1"/>
+    <dgm:cxn modelId="{E8B87AE2-81AF-4F19-88AC-EE027118BAD4}" srcId="{FC59B4B6-59C4-49ED-B309-8CA92837AA06}" destId="{A77ECA37-D312-4985-87C0-F6AE652AF781}" srcOrd="0" destOrd="0" parTransId="{E531BC39-6689-4234-BFBE-6F0A86B0DFED}" sibTransId="{5E756152-71A6-48AC-BF30-F1591CB93E4D}"/>
+    <dgm:cxn modelId="{1722F2B8-4622-4693-888B-7BA4A814004B}" srcId="{55D80AD9-7D5E-458D-9C91-EB4398DB7839}" destId="{FC59B4B6-59C4-49ED-B309-8CA92837AA06}" srcOrd="0" destOrd="0" parTransId="{62237801-2C8B-49D0-882B-97DF122FA234}" sibTransId="{3A2D2D13-884B-4C38-BCCD-2B9F1B01940C}"/>
+    <dgm:cxn modelId="{EDECD3D8-915F-4E13-9161-2862A62CE912}" type="presOf" srcId="{E531BC39-6689-4234-BFBE-6F0A86B0DFED}" destId="{BFE7BD29-6EBA-47E6-953F-D2B81FC2C55F}" srcOrd="0" destOrd="0" presId="urn:microsoft.com/office/officeart/2005/8/layout/hierarchy1"/>
+    <dgm:cxn modelId="{9F801D81-ACDB-409E-9CC2-93BD3C69280A}" type="presOf" srcId="{A77ECA37-D312-4985-87C0-F6AE652AF781}" destId="{66A3C04D-0269-4B89-9E33-015703AC0159}" srcOrd="0" destOrd="0" presId="urn:microsoft.com/office/officeart/2005/8/layout/hierarchy1"/>
+    <dgm:cxn modelId="{D597A139-5C97-49D9-8A30-29CE2C0E12DF}" srcId="{A77ECA37-D312-4985-87C0-F6AE652AF781}" destId="{60BF9A2B-8B0D-42C8-A7FA-4B96564583D6}" srcOrd="0" destOrd="0" parTransId="{C7C1512D-484C-4C6C-83D5-93D9A29CF8BA}" sibTransId="{6AFF551D-011F-4754-8F6A-9906486580DA}"/>
+    <dgm:cxn modelId="{D996F966-83EB-4B37-AD8C-26F6A2350485}" srcId="{9E3D725A-8B26-4BDB-82B0-31E24F97AB5C}" destId="{55D80AD9-7D5E-458D-9C91-EB4398DB7839}" srcOrd="0" destOrd="0" parTransId="{0C5A47C7-AAA4-45C2-BBF0-30ACF2E34466}" sibTransId="{116E6A6B-C145-4FA3-AFEF-821736F9282E}"/>
+    <dgm:cxn modelId="{4D4BF2A0-BE9D-4949-AB55-73DA9031F938}" type="presOf" srcId="{62237801-2C8B-49D0-882B-97DF122FA234}" destId="{DF50FACA-A9C7-4728-A10B-A4394D75DD0A}" srcOrd="0" destOrd="0" presId="urn:microsoft.com/office/officeart/2005/8/layout/hierarchy1"/>
+    <dgm:cxn modelId="{CC65C5DA-C299-46CB-8E83-AC15B403EADE}" type="presParOf" srcId="{1C9D6D1D-6BD6-4D5C-8F08-7578EEF03920}" destId="{24FCE1F8-C0FE-4FCF-ADDF-E83A8460CED9}" srcOrd="0" destOrd="0" presId="urn:microsoft.com/office/officeart/2005/8/layout/hierarchy1"/>
+    <dgm:cxn modelId="{76D094F9-B36F-4160-AE47-596E8E915734}" type="presParOf" srcId="{24FCE1F8-C0FE-4FCF-ADDF-E83A8460CED9}" destId="{63B4BCFF-14FE-47F3-AAB2-42C712460409}" srcOrd="0" destOrd="0" presId="urn:microsoft.com/office/officeart/2005/8/layout/hierarchy1"/>
+    <dgm:cxn modelId="{0DBDAE76-A20A-4F92-BBFB-63DAD0694999}" type="presParOf" srcId="{63B4BCFF-14FE-47F3-AAB2-42C712460409}" destId="{F1072D58-374E-49C4-AC61-6D4EA4F1C96E}" srcOrd="0" destOrd="0" presId="urn:microsoft.com/office/officeart/2005/8/layout/hierarchy1"/>
+    <dgm:cxn modelId="{5F9D47A8-D1A7-4CBB-B012-542EF774D301}" type="presParOf" srcId="{63B4BCFF-14FE-47F3-AAB2-42C712460409}" destId="{AFCF927C-06B2-4ED6-BD29-54CC7DD269BF}" srcOrd="1" destOrd="0" presId="urn:microsoft.com/office/officeart/2005/8/layout/hierarchy1"/>
+    <dgm:cxn modelId="{664C8E6F-14D9-45BA-BAF6-121FAA33C9A3}" type="presParOf" srcId="{24FCE1F8-C0FE-4FCF-ADDF-E83A8460CED9}" destId="{A2AD36BB-64B8-48E5-8A40-E781FA13EAE8}" srcOrd="1" destOrd="0" presId="urn:microsoft.com/office/officeart/2005/8/layout/hierarchy1"/>
+    <dgm:cxn modelId="{101F1C44-4BF8-45AA-AF67-E6D3756A76BE}" type="presParOf" srcId="{A2AD36BB-64B8-48E5-8A40-E781FA13EAE8}" destId="{DF50FACA-A9C7-4728-A10B-A4394D75DD0A}" srcOrd="0" destOrd="0" presId="urn:microsoft.com/office/officeart/2005/8/layout/hierarchy1"/>
+    <dgm:cxn modelId="{5E06A4C0-AF8E-429F-9AF1-59B68991C662}" type="presParOf" srcId="{A2AD36BB-64B8-48E5-8A40-E781FA13EAE8}" destId="{1AE099FB-5993-47E6-AF79-9C0124117C52}" srcOrd="1" destOrd="0" presId="urn:microsoft.com/office/officeart/2005/8/layout/hierarchy1"/>
+    <dgm:cxn modelId="{B176F8FA-1CF2-42FA-85FC-0832B56D8DF0}" type="presParOf" srcId="{1AE099FB-5993-47E6-AF79-9C0124117C52}" destId="{13AE7920-9661-49F7-B459-7F131C2A704B}" srcOrd="0" destOrd="0" presId="urn:microsoft.com/office/officeart/2005/8/layout/hierarchy1"/>
+    <dgm:cxn modelId="{FCE95A3B-3EDF-40BA-A8FD-EA87E3E9BB66}" type="presParOf" srcId="{13AE7920-9661-49F7-B459-7F131C2A704B}" destId="{BBAFE51E-1ABC-406B-91B0-804042B1387C}" srcOrd="0" destOrd="0" presId="urn:microsoft.com/office/officeart/2005/8/layout/hierarchy1"/>
+    <dgm:cxn modelId="{7B5A5368-BA68-4274-9123-6918695182FB}" type="presParOf" srcId="{13AE7920-9661-49F7-B459-7F131C2A704B}" destId="{CDA46515-5BA9-4ABF-9303-993AF9356BC8}" srcOrd="1" destOrd="0" presId="urn:microsoft.com/office/officeart/2005/8/layout/hierarchy1"/>
+    <dgm:cxn modelId="{F7993025-3841-4F79-931A-79D6AE543D1F}" type="presParOf" srcId="{1AE099FB-5993-47E6-AF79-9C0124117C52}" destId="{AF672A4D-5AA2-4E31-BE48-6D4A4CCC89AF}" srcOrd="1" destOrd="0" presId="urn:microsoft.com/office/officeart/2005/8/layout/hierarchy1"/>
+    <dgm:cxn modelId="{14921802-E38F-4AEB-8686-799C14CC8204}" type="presParOf" srcId="{AF672A4D-5AA2-4E31-BE48-6D4A4CCC89AF}" destId="{BFE7BD29-6EBA-47E6-953F-D2B81FC2C55F}" srcOrd="0" destOrd="0" presId="urn:microsoft.com/office/officeart/2005/8/layout/hierarchy1"/>
+    <dgm:cxn modelId="{88BB6774-E69E-4D52-B2FE-35F8B1BC6C93}" type="presParOf" srcId="{AF672A4D-5AA2-4E31-BE48-6D4A4CCC89AF}" destId="{556B1B3C-4B2C-428E-A90F-B6DC1369F310}" srcOrd="1" destOrd="0" presId="urn:microsoft.com/office/officeart/2005/8/layout/hierarchy1"/>
+    <dgm:cxn modelId="{7421D908-036C-49CD-88B4-A724D8592A69}" type="presParOf" srcId="{556B1B3C-4B2C-428E-A90F-B6DC1369F310}" destId="{48CB4A33-B05E-4E3E-9010-B20FB52E96DC}" srcOrd="0" destOrd="0" presId="urn:microsoft.com/office/officeart/2005/8/layout/hierarchy1"/>
+    <dgm:cxn modelId="{364F5002-988E-4299-B7B2-ECD9DD775B52}" type="presParOf" srcId="{48CB4A33-B05E-4E3E-9010-B20FB52E96DC}" destId="{807CC330-91DC-4CD4-AA3D-AB3E4196593F}" srcOrd="0" destOrd="0" presId="urn:microsoft.com/office/officeart/2005/8/layout/hierarchy1"/>
+    <dgm:cxn modelId="{867987A7-F885-48F3-9AD3-E123FC8C8779}" type="presParOf" srcId="{48CB4A33-B05E-4E3E-9010-B20FB52E96DC}" destId="{66A3C04D-0269-4B89-9E33-015703AC0159}" srcOrd="1" destOrd="0" presId="urn:microsoft.com/office/officeart/2005/8/layout/hierarchy1"/>
+    <dgm:cxn modelId="{0F5DC6A0-6091-48CA-8CE4-B6934C76F8EB}" type="presParOf" srcId="{556B1B3C-4B2C-428E-A90F-B6DC1369F310}" destId="{804F0FEB-0C9A-4843-AAC2-999DD46D1480}" srcOrd="1" destOrd="0" presId="urn:microsoft.com/office/officeart/2005/8/layout/hierarchy1"/>
+    <dgm:cxn modelId="{484F9F20-DA39-4B7D-AAB3-B995A87B8339}" type="presParOf" srcId="{804F0FEB-0C9A-4843-AAC2-999DD46D1480}" destId="{28C636A2-0E9C-440A-A1C4-3CA92E59E620}" srcOrd="0" destOrd="0" presId="urn:microsoft.com/office/officeart/2005/8/layout/hierarchy1"/>
+    <dgm:cxn modelId="{6F27F499-B70A-4A6D-B187-DA769DB9F359}" type="presParOf" srcId="{804F0FEB-0C9A-4843-AAC2-999DD46D1480}" destId="{742EAE3A-B8F4-41F7-8E16-F6239D2EB0A9}" srcOrd="1" destOrd="0" presId="urn:microsoft.com/office/officeart/2005/8/layout/hierarchy1"/>
+    <dgm:cxn modelId="{1D81A83D-AF65-4E7C-ABD0-949A77DF40E9}" type="presParOf" srcId="{742EAE3A-B8F4-41F7-8E16-F6239D2EB0A9}" destId="{57168983-AED3-4557-AD72-DCAF178DB9BE}" srcOrd="0" destOrd="0" presId="urn:microsoft.com/office/officeart/2005/8/layout/hierarchy1"/>
+    <dgm:cxn modelId="{B9DA2277-6339-4342-9042-450BB5C71DAA}" type="presParOf" srcId="{57168983-AED3-4557-AD72-DCAF178DB9BE}" destId="{F826959C-D335-4CF0-A00A-F92CAB0EA4D7}" srcOrd="0" destOrd="0" presId="urn:microsoft.com/office/officeart/2005/8/layout/hierarchy1"/>
+    <dgm:cxn modelId="{474F17FF-D402-4D9A-9CEA-3B483F425CAE}" type="presParOf" srcId="{57168983-AED3-4557-AD72-DCAF178DB9BE}" destId="{5DD02524-447C-43F5-A961-F9E73C3FD357}" srcOrd="1" destOrd="0" presId="urn:microsoft.com/office/officeart/2005/8/layout/hierarchy1"/>
+    <dgm:cxn modelId="{E2F79229-3270-45C9-AC8A-DD9FB7259CC3}" type="presParOf" srcId="{742EAE3A-B8F4-41F7-8E16-F6239D2EB0A9}" destId="{36EF93ED-66B1-4593-80C4-E6100674CCBF}" srcOrd="1" destOrd="0" presId="urn:microsoft.com/office/officeart/2005/8/layout/hierarchy1"/>
+  </dgm:cxnLst>
+  <dgm:bg/>
+  <dgm:whole/>
+  <dgm:extLst>
+    <a:ext uri="http://schemas.microsoft.com/office/drawing/2008/diagram">
+      <dsp:dataModelExt xmlns:dsp="http://schemas.microsoft.com/office/drawing/2008/diagram" relId="rId6" minVer="http://schemas.openxmlformats.org/drawingml/2006/diagram"/>
+    </a:ext>
+  </dgm:extLst>
+</dgm:dataModel>
+</file>
+
+<file path=ppt/diagrams/data6.xml><?xml version="1.0" encoding="utf-8"?>
+<dgm:dataModel xmlns:dgm="http://schemas.openxmlformats.org/drawingml/2006/diagram" xmlns:a="http://schemas.openxmlformats.org/drawingml/2006/main">
+  <dgm:ptLst>
+    <dgm:pt modelId="{CCA03E88-35C6-48C5-B069-97C58ADF8328}" type="doc">
+      <dgm:prSet loTypeId="urn:microsoft.com/office/officeart/2005/8/layout/hierarchy1" loCatId="hierarchy" qsTypeId="urn:microsoft.com/office/officeart/2005/8/quickstyle/simple1" qsCatId="simple" csTypeId="urn:microsoft.com/office/officeart/2005/8/colors/accent1_2" csCatId="accent1" phldr="1"/>
+      <dgm:spPr/>
+      <dgm:t>
+        <a:bodyPr/>
+        <a:lstStyle/>
+        <a:p>
+          <a:endParaRPr lang="zh-CN" altLang="en-US"/>
+        </a:p>
+      </dgm:t>
+    </dgm:pt>
+    <dgm:pt modelId="{77CB9E26-CC4B-4E77-AB23-785873E4B2F8}">
+      <dgm:prSet phldrT="[文本]"/>
+      <dgm:spPr/>
+      <dgm:t>
+        <a:bodyPr/>
+        <a:lstStyle/>
+        <a:p>
+          <a:r>
+            <a:rPr lang="en-US" altLang="en-US" dirty="0" err="1" smtClean="0"/>
+            <a:t>CMap</a:t>
+          </a:r>
+          <a:r>
+            <a:rPr lang="en-US" altLang="en-US" dirty="0" smtClean="0"/>
+            <a:t>&lt;</a:t>
+          </a:r>
+          <a:r>
+            <a:rPr lang="en-US" altLang="en-US" dirty="0" err="1" smtClean="0"/>
+            <a:t>CCKey,const</a:t>
+          </a:r>
+          <a:r>
+            <a:rPr lang="en-US" altLang="en-US" dirty="0" smtClean="0"/>
+            <a:t> </a:t>
+          </a:r>
+          <a:r>
+            <a:rPr lang="en-US" altLang="en-US" dirty="0" err="1" smtClean="0"/>
+            <a:t>CCKey</a:t>
+          </a:r>
+          <a:r>
+            <a:rPr lang="en-US" altLang="en-US" dirty="0" smtClean="0"/>
+            <a:t>&amp;,</a:t>
+          </a:r>
+          <a:r>
+            <a:rPr lang="en-US" altLang="en-US" dirty="0" err="1" smtClean="0"/>
+            <a:t>CKnownFile</a:t>
+          </a:r>
+          <a:r>
+            <a:rPr lang="en-US" altLang="en-US" dirty="0" smtClean="0"/>
+            <a:t>*,</a:t>
+          </a:r>
+          <a:r>
+            <a:rPr lang="en-US" altLang="en-US" dirty="0" err="1" smtClean="0"/>
+            <a:t>CKnownFile</a:t>
+          </a:r>
+          <a:r>
+            <a:rPr lang="en-US" altLang="en-US" dirty="0" smtClean="0"/>
+            <a:t>*&gt; </a:t>
+          </a:r>
+          <a:r>
+            <a:rPr lang="en-US" altLang="en-US" dirty="0" err="1" smtClean="0"/>
+            <a:t>CSharedFileList</a:t>
+          </a:r>
+          <a:r>
+            <a:rPr lang="en-US" altLang="en-US" dirty="0" smtClean="0"/>
+            <a:t>::</a:t>
+          </a:r>
+          <a:r>
+            <a:rPr lang="en-US" altLang="en-US" dirty="0" err="1" smtClean="0"/>
+            <a:t>m_Files_map</a:t>
+          </a:r>
+          <a:r>
+            <a:rPr lang="en-US" altLang="en-US" dirty="0" smtClean="0"/>
+            <a:t>;</a:t>
+          </a:r>
+          <a:endParaRPr lang="zh-CN" altLang="en-US" dirty="0"/>
+        </a:p>
+      </dgm:t>
+    </dgm:pt>
+    <dgm:pt modelId="{6E4AC5FF-EC8E-4D80-8802-22899ADD7086}" type="parTrans" cxnId="{1B099DD6-0511-4ACD-AB28-67E9BEA6BD21}">
+      <dgm:prSet/>
+      <dgm:spPr/>
+      <dgm:t>
+        <a:bodyPr/>
+        <a:lstStyle/>
+        <a:p>
+          <a:endParaRPr lang="zh-CN" altLang="en-US"/>
+        </a:p>
+      </dgm:t>
+    </dgm:pt>
+    <dgm:pt modelId="{A8B92B7C-3229-4D68-A82E-129580B8FAFA}" type="sibTrans" cxnId="{1B099DD6-0511-4ACD-AB28-67E9BEA6BD21}">
+      <dgm:prSet/>
+      <dgm:spPr/>
+      <dgm:t>
+        <a:bodyPr/>
+        <a:lstStyle/>
+        <a:p>
+          <a:endParaRPr lang="zh-CN" altLang="en-US"/>
+        </a:p>
+      </dgm:t>
+    </dgm:pt>
+    <dgm:pt modelId="{112FD2E7-7E17-499B-B041-9C0E52B47AE0}">
+      <dgm:prSet phldrT="[文本]"/>
+      <dgm:spPr/>
+      <dgm:t>
+        <a:bodyPr/>
+        <a:lstStyle/>
+        <a:p>
+          <a:r>
+            <a:rPr lang="en-US" altLang="zh-CN" dirty="0" err="1" smtClean="0"/>
+            <a:t>CKnownFile</a:t>
+          </a:r>
+          <a:r>
+            <a:rPr lang="zh-CN" altLang="en-US" dirty="0" smtClean="0"/>
+            <a:t>对象</a:t>
+          </a:r>
+          <a:r>
+            <a:rPr lang="en-US" altLang="zh-CN" dirty="0" err="1" smtClean="0"/>
+            <a:t>pFile</a:t>
+          </a:r>
+          <a:endParaRPr lang="zh-CN" altLang="en-US" dirty="0"/>
+        </a:p>
+      </dgm:t>
+    </dgm:pt>
+    <dgm:pt modelId="{7304FEC9-4934-4677-B4C0-B7E5EDCE78BF}" type="parTrans" cxnId="{8C4665FF-F9BA-4038-B965-AB9BE392D9D3}">
+      <dgm:prSet/>
+      <dgm:spPr/>
+      <dgm:t>
+        <a:bodyPr/>
+        <a:lstStyle/>
+        <a:p>
+          <a:endParaRPr lang="zh-CN" altLang="en-US"/>
+        </a:p>
+      </dgm:t>
+    </dgm:pt>
+    <dgm:pt modelId="{1E064ADD-8951-4A87-A972-326CC1C6FEA8}" type="sibTrans" cxnId="{8C4665FF-F9BA-4038-B965-AB9BE392D9D3}">
+      <dgm:prSet/>
+      <dgm:spPr/>
+      <dgm:t>
+        <a:bodyPr/>
+        <a:lstStyle/>
+        <a:p>
+          <a:endParaRPr lang="zh-CN" altLang="en-US"/>
+        </a:p>
+      </dgm:t>
+    </dgm:pt>
+    <dgm:pt modelId="{F111061D-0F31-4B98-BA92-20E5ECF1A425}" type="pres">
+      <dgm:prSet presAssocID="{CCA03E88-35C6-48C5-B069-97C58ADF8328}" presName="hierChild1" presStyleCnt="0">
+        <dgm:presLayoutVars>
+          <dgm:chPref val="1"/>
+          <dgm:dir/>
+          <dgm:animOne val="branch"/>
+          <dgm:animLvl val="lvl"/>
+          <dgm:resizeHandles/>
+        </dgm:presLayoutVars>
+      </dgm:prSet>
+      <dgm:spPr/>
+    </dgm:pt>
+    <dgm:pt modelId="{BAEB0FB9-CDB6-4701-967B-35CF0EE032D2}" type="pres">
+      <dgm:prSet presAssocID="{77CB9E26-CC4B-4E77-AB23-785873E4B2F8}" presName="hierRoot1" presStyleCnt="0"/>
+      <dgm:spPr/>
+    </dgm:pt>
+    <dgm:pt modelId="{B18AC258-DBB4-45D6-9790-9506A7D117BF}" type="pres">
+      <dgm:prSet presAssocID="{77CB9E26-CC4B-4E77-AB23-785873E4B2F8}" presName="composite" presStyleCnt="0"/>
+      <dgm:spPr/>
+    </dgm:pt>
+    <dgm:pt modelId="{E30260D4-B4CD-4B9A-A6E4-1DD180104EEF}" type="pres">
+      <dgm:prSet presAssocID="{77CB9E26-CC4B-4E77-AB23-785873E4B2F8}" presName="background" presStyleLbl="node0" presStyleIdx="0" presStyleCnt="1"/>
+      <dgm:spPr/>
+      <dgm:t>
+        <a:bodyPr/>
+        <a:lstStyle/>
+        <a:p>
+          <a:endParaRPr lang="zh-CN" altLang="en-US"/>
+        </a:p>
+      </dgm:t>
+    </dgm:pt>
+    <dgm:pt modelId="{AEECC729-55D0-4F88-B646-F800358DE5FD}" type="pres">
+      <dgm:prSet presAssocID="{77CB9E26-CC4B-4E77-AB23-785873E4B2F8}" presName="text" presStyleLbl="fgAcc0" presStyleIdx="0" presStyleCnt="1" custScaleX="21274" custScaleY="21578" custLinFactNeighborX="40989" custLinFactNeighborY="-12570">
+        <dgm:presLayoutVars>
+          <dgm:chPref val="3"/>
+        </dgm:presLayoutVars>
+      </dgm:prSet>
+      <dgm:spPr/>
+      <dgm:t>
+        <a:bodyPr/>
+        <a:lstStyle/>
+        <a:p>
+          <a:endParaRPr lang="zh-CN" altLang="en-US"/>
+        </a:p>
+      </dgm:t>
+    </dgm:pt>
+    <dgm:pt modelId="{6DCD6F81-41B5-4F90-A2CD-C838A9232F70}" type="pres">
+      <dgm:prSet presAssocID="{77CB9E26-CC4B-4E77-AB23-785873E4B2F8}" presName="hierChild2" presStyleCnt="0"/>
+      <dgm:spPr/>
+    </dgm:pt>
+    <dgm:pt modelId="{CA326BA6-A316-4ECA-8B9C-C4CC74193539}" type="pres">
+      <dgm:prSet presAssocID="{7304FEC9-4934-4677-B4C0-B7E5EDCE78BF}" presName="Name10" presStyleLbl="parChTrans1D2" presStyleIdx="0" presStyleCnt="1"/>
+      <dgm:spPr/>
+    </dgm:pt>
+    <dgm:pt modelId="{E16CAB73-9B49-4F97-935A-D4DA5A5FBE68}" type="pres">
+      <dgm:prSet presAssocID="{112FD2E7-7E17-499B-B041-9C0E52B47AE0}" presName="hierRoot2" presStyleCnt="0"/>
+      <dgm:spPr/>
+    </dgm:pt>
+    <dgm:pt modelId="{6A3FAAAF-5827-4005-A8EF-AAAC7DAF8F05}" type="pres">
+      <dgm:prSet presAssocID="{112FD2E7-7E17-499B-B041-9C0E52B47AE0}" presName="composite2" presStyleCnt="0"/>
+      <dgm:spPr/>
+    </dgm:pt>
+    <dgm:pt modelId="{28E61F87-1B95-4776-96F4-F5E637B31ED1}" type="pres">
+      <dgm:prSet presAssocID="{112FD2E7-7E17-499B-B041-9C0E52B47AE0}" presName="background2" presStyleLbl="node2" presStyleIdx="0" presStyleCnt="1"/>
+      <dgm:spPr/>
+      <dgm:t>
+        <a:bodyPr/>
+        <a:lstStyle/>
+        <a:p>
+          <a:endParaRPr lang="zh-CN" altLang="en-US"/>
+        </a:p>
+      </dgm:t>
+    </dgm:pt>
+    <dgm:pt modelId="{1E0317A4-9C04-43B1-865A-B2CCCB3598BA}" type="pres">
+      <dgm:prSet presAssocID="{112FD2E7-7E17-499B-B041-9C0E52B47AE0}" presName="text2" presStyleLbl="fgAcc2" presStyleIdx="0" presStyleCnt="1" custScaleX="14306" custScaleY="11633" custLinFactNeighborX="34843" custLinFactNeighborY="-10771">
+        <dgm:presLayoutVars>
+          <dgm:chPref val="3"/>
+        </dgm:presLayoutVars>
+      </dgm:prSet>
+      <dgm:spPr/>
+      <dgm:t>
+        <a:bodyPr/>
+        <a:lstStyle/>
+        <a:p>
+          <a:endParaRPr lang="zh-CN" altLang="en-US"/>
+        </a:p>
+      </dgm:t>
+    </dgm:pt>
+    <dgm:pt modelId="{E05EA84A-8807-4E43-AF65-B6DA4115CD95}" type="pres">
+      <dgm:prSet presAssocID="{112FD2E7-7E17-499B-B041-9C0E52B47AE0}" presName="hierChild3" presStyleCnt="0"/>
+      <dgm:spPr/>
+    </dgm:pt>
+  </dgm:ptLst>
+  <dgm:cxnLst>
+    <dgm:cxn modelId="{AD09CDB5-D802-4FB9-A531-91C886402CEE}" type="presOf" srcId="{7304FEC9-4934-4677-B4C0-B7E5EDCE78BF}" destId="{CA326BA6-A316-4ECA-8B9C-C4CC74193539}" srcOrd="0" destOrd="0" presId="urn:microsoft.com/office/officeart/2005/8/layout/hierarchy1"/>
+    <dgm:cxn modelId="{5375A524-C899-486E-BB08-8807DF24AEE8}" type="presOf" srcId="{112FD2E7-7E17-499B-B041-9C0E52B47AE0}" destId="{1E0317A4-9C04-43B1-865A-B2CCCB3598BA}" srcOrd="0" destOrd="0" presId="urn:microsoft.com/office/officeart/2005/8/layout/hierarchy1"/>
+    <dgm:cxn modelId="{1B099DD6-0511-4ACD-AB28-67E9BEA6BD21}" srcId="{CCA03E88-35C6-48C5-B069-97C58ADF8328}" destId="{77CB9E26-CC4B-4E77-AB23-785873E4B2F8}" srcOrd="0" destOrd="0" parTransId="{6E4AC5FF-EC8E-4D80-8802-22899ADD7086}" sibTransId="{A8B92B7C-3229-4D68-A82E-129580B8FAFA}"/>
+    <dgm:cxn modelId="{8C4665FF-F9BA-4038-B965-AB9BE392D9D3}" srcId="{77CB9E26-CC4B-4E77-AB23-785873E4B2F8}" destId="{112FD2E7-7E17-499B-B041-9C0E52B47AE0}" srcOrd="0" destOrd="0" parTransId="{7304FEC9-4934-4677-B4C0-B7E5EDCE78BF}" sibTransId="{1E064ADD-8951-4A87-A972-326CC1C6FEA8}"/>
+    <dgm:cxn modelId="{CAB2BBB3-F2B5-46A3-A481-3E05A1AFC80F}" type="presOf" srcId="{77CB9E26-CC4B-4E77-AB23-785873E4B2F8}" destId="{AEECC729-55D0-4F88-B646-F800358DE5FD}" srcOrd="0" destOrd="0" presId="urn:microsoft.com/office/officeart/2005/8/layout/hierarchy1"/>
+    <dgm:cxn modelId="{56C20FD1-2E47-4D57-AF4B-3F3C989A97FD}" type="presOf" srcId="{CCA03E88-35C6-48C5-B069-97C58ADF8328}" destId="{F111061D-0F31-4B98-BA92-20E5ECF1A425}" srcOrd="0" destOrd="0" presId="urn:microsoft.com/office/officeart/2005/8/layout/hierarchy1"/>
+    <dgm:cxn modelId="{561F292B-5FED-4822-B3AF-88F7D2AE97B7}" type="presParOf" srcId="{F111061D-0F31-4B98-BA92-20E5ECF1A425}" destId="{BAEB0FB9-CDB6-4701-967B-35CF0EE032D2}" srcOrd="0" destOrd="0" presId="urn:microsoft.com/office/officeart/2005/8/layout/hierarchy1"/>
+    <dgm:cxn modelId="{E8B0583E-45D9-4488-B57B-0609D80B5A1F}" type="presParOf" srcId="{BAEB0FB9-CDB6-4701-967B-35CF0EE032D2}" destId="{B18AC258-DBB4-45D6-9790-9506A7D117BF}" srcOrd="0" destOrd="0" presId="urn:microsoft.com/office/officeart/2005/8/layout/hierarchy1"/>
+    <dgm:cxn modelId="{909E83CA-ACEB-4D10-B0D6-FA48C57090E7}" type="presParOf" srcId="{B18AC258-DBB4-45D6-9790-9506A7D117BF}" destId="{E30260D4-B4CD-4B9A-A6E4-1DD180104EEF}" srcOrd="0" destOrd="0" presId="urn:microsoft.com/office/officeart/2005/8/layout/hierarchy1"/>
+    <dgm:cxn modelId="{5BD15EA1-B579-42F5-AF61-1D541B92D692}" type="presParOf" srcId="{B18AC258-DBB4-45D6-9790-9506A7D117BF}" destId="{AEECC729-55D0-4F88-B646-F800358DE5FD}" srcOrd="1" destOrd="0" presId="urn:microsoft.com/office/officeart/2005/8/layout/hierarchy1"/>
+    <dgm:cxn modelId="{5ED86219-5CFC-4F92-BD66-FB35248D557D}" type="presParOf" srcId="{BAEB0FB9-CDB6-4701-967B-35CF0EE032D2}" destId="{6DCD6F81-41B5-4F90-A2CD-C838A9232F70}" srcOrd="1" destOrd="0" presId="urn:microsoft.com/office/officeart/2005/8/layout/hierarchy1"/>
+    <dgm:cxn modelId="{5B390B53-EE49-4983-883A-7F5575C8E89B}" type="presParOf" srcId="{6DCD6F81-41B5-4F90-A2CD-C838A9232F70}" destId="{CA326BA6-A316-4ECA-8B9C-C4CC74193539}" srcOrd="0" destOrd="0" presId="urn:microsoft.com/office/officeart/2005/8/layout/hierarchy1"/>
+    <dgm:cxn modelId="{B84B0909-0EE5-4716-A330-D3E0F625677B}" type="presParOf" srcId="{6DCD6F81-41B5-4F90-A2CD-C838A9232F70}" destId="{E16CAB73-9B49-4F97-935A-D4DA5A5FBE68}" srcOrd="1" destOrd="0" presId="urn:microsoft.com/office/officeart/2005/8/layout/hierarchy1"/>
+    <dgm:cxn modelId="{F7FBE65D-CEDA-409B-A381-3AF84D1B3695}" type="presParOf" srcId="{E16CAB73-9B49-4F97-935A-D4DA5A5FBE68}" destId="{6A3FAAAF-5827-4005-A8EF-AAAC7DAF8F05}" srcOrd="0" destOrd="0" presId="urn:microsoft.com/office/officeart/2005/8/layout/hierarchy1"/>
+    <dgm:cxn modelId="{DDDA8272-0EFD-433A-B89D-129BF001C74F}" type="presParOf" srcId="{6A3FAAAF-5827-4005-A8EF-AAAC7DAF8F05}" destId="{28E61F87-1B95-4776-96F4-F5E637B31ED1}" srcOrd="0" destOrd="0" presId="urn:microsoft.com/office/officeart/2005/8/layout/hierarchy1"/>
+    <dgm:cxn modelId="{832B73F9-8103-45BA-8FA1-0DF97605EDB5}" type="presParOf" srcId="{6A3FAAAF-5827-4005-A8EF-AAAC7DAF8F05}" destId="{1E0317A4-9C04-43B1-865A-B2CCCB3598BA}" srcOrd="1" destOrd="0" presId="urn:microsoft.com/office/officeart/2005/8/layout/hierarchy1"/>
+    <dgm:cxn modelId="{55460D98-5709-49CE-B1FD-6D04A5A04AB2}" type="presParOf" srcId="{E16CAB73-9B49-4F97-935A-D4DA5A5FBE68}" destId="{E05EA84A-8807-4E43-AF65-B6DA4115CD95}" srcOrd="1" destOrd="0" presId="urn:microsoft.com/office/officeart/2005/8/layout/hierarchy1"/>
+  </dgm:cxnLst>
+  <dgm:bg/>
+  <dgm:whole/>
+  <dgm:extLst>
+    <a:ext uri="http://schemas.microsoft.com/office/drawing/2008/diagram">
+      <dsp:dataModelExt xmlns:dsp="http://schemas.microsoft.com/office/drawing/2008/diagram" relId="rId11" minVer="http://schemas.openxmlformats.org/drawingml/2006/diagram"/>
     </a:ext>
   </dgm:extLst>
 </dgm:dataModel>
@@ -21341,6 +24779,1170 @@
       <dsp:txXfrm>
         <a:off x="6879956" y="6151628"/>
         <a:ext cx="2717564" cy="521123"/>
+      </dsp:txXfrm>
+    </dsp:sp>
+  </dsp:spTree>
+</dsp:drawing>
+</file>
+
+<file path=ppt/diagrams/drawing5.xml><?xml version="1.0" encoding="utf-8"?>
+<dsp:drawing xmlns:dgm="http://schemas.openxmlformats.org/drawingml/2006/diagram" xmlns:dsp="http://schemas.microsoft.com/office/drawing/2008/diagram" xmlns:a="http://schemas.openxmlformats.org/drawingml/2006/main">
+  <dsp:spTree>
+    <dsp:nvGrpSpPr>
+      <dsp:cNvPr id="0" name=""/>
+      <dsp:cNvGrpSpPr/>
+    </dsp:nvGrpSpPr>
+    <dsp:grpSpPr/>
+    <dsp:sp modelId="{28C636A2-0E9C-440A-A1C4-3CA92E59E620}">
+      <dsp:nvSpPr>
+        <dsp:cNvPr id="0" name=""/>
+        <dsp:cNvSpPr/>
+      </dsp:nvSpPr>
+      <dsp:spPr>
+        <a:xfrm>
+          <a:off x="3932753" y="3829517"/>
+          <a:ext cx="91440" cy="447731"/>
+        </a:xfrm>
+        <a:custGeom>
+          <a:avLst/>
+          <a:gdLst/>
+          <a:ahLst/>
+          <a:cxnLst/>
+          <a:rect l="0" t="0" r="0" b="0"/>
+          <a:pathLst>
+            <a:path>
+              <a:moveTo>
+                <a:pt x="45720" y="0"/>
+              </a:moveTo>
+              <a:lnTo>
+                <a:pt x="45720" y="447731"/>
+              </a:lnTo>
+            </a:path>
+          </a:pathLst>
+        </a:custGeom>
+        <a:noFill/>
+        <a:ln w="12700" cap="flat" cmpd="sng" algn="ctr">
+          <a:solidFill>
+            <a:schemeClr val="accent1">
+              <a:shade val="80000"/>
+              <a:hueOff val="0"/>
+              <a:satOff val="0"/>
+              <a:lumOff val="0"/>
+              <a:alphaOff val="0"/>
+            </a:schemeClr>
+          </a:solidFill>
+          <a:prstDash val="solid"/>
+          <a:miter lim="800000"/>
+        </a:ln>
+        <a:effectLst/>
+      </dsp:spPr>
+      <dsp:style>
+        <a:lnRef idx="2">
+          <a:scrgbClr r="0" g="0" b="0"/>
+        </a:lnRef>
+        <a:fillRef idx="0">
+          <a:scrgbClr r="0" g="0" b="0"/>
+        </a:fillRef>
+        <a:effectRef idx="0">
+          <a:scrgbClr r="0" g="0" b="0"/>
+        </a:effectRef>
+        <a:fontRef idx="minor"/>
+      </dsp:style>
+    </dsp:sp>
+    <dsp:sp modelId="{BFE7BD29-6EBA-47E6-953F-D2B81FC2C55F}">
+      <dsp:nvSpPr>
+        <dsp:cNvPr id="0" name=""/>
+        <dsp:cNvSpPr/>
+      </dsp:nvSpPr>
+      <dsp:spPr>
+        <a:xfrm>
+          <a:off x="3932753" y="2404217"/>
+          <a:ext cx="91440" cy="447731"/>
+        </a:xfrm>
+        <a:custGeom>
+          <a:avLst/>
+          <a:gdLst/>
+          <a:ahLst/>
+          <a:cxnLst/>
+          <a:rect l="0" t="0" r="0" b="0"/>
+          <a:pathLst>
+            <a:path>
+              <a:moveTo>
+                <a:pt x="45720" y="0"/>
+              </a:moveTo>
+              <a:lnTo>
+                <a:pt x="45720" y="447731"/>
+              </a:lnTo>
+            </a:path>
+          </a:pathLst>
+        </a:custGeom>
+        <a:noFill/>
+        <a:ln w="12700" cap="flat" cmpd="sng" algn="ctr">
+          <a:solidFill>
+            <a:schemeClr val="accent1">
+              <a:shade val="80000"/>
+              <a:hueOff val="0"/>
+              <a:satOff val="0"/>
+              <a:lumOff val="0"/>
+              <a:alphaOff val="0"/>
+            </a:schemeClr>
+          </a:solidFill>
+          <a:prstDash val="solid"/>
+          <a:miter lim="800000"/>
+        </a:ln>
+        <a:effectLst/>
+      </dsp:spPr>
+      <dsp:style>
+        <a:lnRef idx="2">
+          <a:scrgbClr r="0" g="0" b="0"/>
+        </a:lnRef>
+        <a:fillRef idx="0">
+          <a:scrgbClr r="0" g="0" b="0"/>
+        </a:fillRef>
+        <a:effectRef idx="0">
+          <a:scrgbClr r="0" g="0" b="0"/>
+        </a:effectRef>
+        <a:fontRef idx="minor"/>
+      </dsp:style>
+    </dsp:sp>
+    <dsp:sp modelId="{DF50FACA-A9C7-4728-A10B-A4394D75DD0A}">
+      <dsp:nvSpPr>
+        <dsp:cNvPr id="0" name=""/>
+        <dsp:cNvSpPr/>
+      </dsp:nvSpPr>
+      <dsp:spPr>
+        <a:xfrm>
+          <a:off x="3932753" y="978917"/>
+          <a:ext cx="91440" cy="447731"/>
+        </a:xfrm>
+        <a:custGeom>
+          <a:avLst/>
+          <a:gdLst/>
+          <a:ahLst/>
+          <a:cxnLst/>
+          <a:rect l="0" t="0" r="0" b="0"/>
+          <a:pathLst>
+            <a:path>
+              <a:moveTo>
+                <a:pt x="45720" y="0"/>
+              </a:moveTo>
+              <a:lnTo>
+                <a:pt x="45720" y="447731"/>
+              </a:lnTo>
+            </a:path>
+          </a:pathLst>
+        </a:custGeom>
+        <a:noFill/>
+        <a:ln w="12700" cap="flat" cmpd="sng" algn="ctr">
+          <a:solidFill>
+            <a:schemeClr val="accent1">
+              <a:shade val="60000"/>
+              <a:hueOff val="0"/>
+              <a:satOff val="0"/>
+              <a:lumOff val="0"/>
+              <a:alphaOff val="0"/>
+            </a:schemeClr>
+          </a:solidFill>
+          <a:prstDash val="solid"/>
+          <a:miter lim="800000"/>
+        </a:ln>
+        <a:effectLst/>
+      </dsp:spPr>
+      <dsp:style>
+        <a:lnRef idx="2">
+          <a:scrgbClr r="0" g="0" b="0"/>
+        </a:lnRef>
+        <a:fillRef idx="0">
+          <a:scrgbClr r="0" g="0" b="0"/>
+        </a:fillRef>
+        <a:effectRef idx="0">
+          <a:scrgbClr r="0" g="0" b="0"/>
+        </a:effectRef>
+        <a:fontRef idx="minor"/>
+      </dsp:style>
+    </dsp:sp>
+    <dsp:sp modelId="{F1072D58-374E-49C4-AC61-6D4EA4F1C96E}">
+      <dsp:nvSpPr>
+        <dsp:cNvPr id="0" name=""/>
+        <dsp:cNvSpPr/>
+      </dsp:nvSpPr>
+      <dsp:spPr>
+        <a:xfrm>
+          <a:off x="3208734" y="1348"/>
+          <a:ext cx="1539478" cy="977568"/>
+        </a:xfrm>
+        <a:prstGeom prst="roundRect">
+          <a:avLst>
+            <a:gd name="adj" fmla="val 10000"/>
+          </a:avLst>
+        </a:prstGeom>
+        <a:solidFill>
+          <a:schemeClr val="accent1">
+            <a:hueOff val="0"/>
+            <a:satOff val="0"/>
+            <a:lumOff val="0"/>
+            <a:alphaOff val="0"/>
+          </a:schemeClr>
+        </a:solidFill>
+        <a:ln w="12700" cap="flat" cmpd="sng" algn="ctr">
+          <a:solidFill>
+            <a:schemeClr val="lt1">
+              <a:hueOff val="0"/>
+              <a:satOff val="0"/>
+              <a:lumOff val="0"/>
+              <a:alphaOff val="0"/>
+            </a:schemeClr>
+          </a:solidFill>
+          <a:prstDash val="solid"/>
+          <a:miter lim="800000"/>
+        </a:ln>
+        <a:effectLst/>
+      </dsp:spPr>
+      <dsp:style>
+        <a:lnRef idx="2">
+          <a:scrgbClr r="0" g="0" b="0"/>
+        </a:lnRef>
+        <a:fillRef idx="1">
+          <a:scrgbClr r="0" g="0" b="0"/>
+        </a:fillRef>
+        <a:effectRef idx="0">
+          <a:scrgbClr r="0" g="0" b="0"/>
+        </a:effectRef>
+        <a:fontRef idx="minor">
+          <a:schemeClr val="lt1"/>
+        </a:fontRef>
+      </dsp:style>
+    </dsp:sp>
+    <dsp:sp modelId="{AFCF927C-06B2-4ED6-BD29-54CC7DD269BF}">
+      <dsp:nvSpPr>
+        <dsp:cNvPr id="0" name=""/>
+        <dsp:cNvSpPr/>
+      </dsp:nvSpPr>
+      <dsp:spPr>
+        <a:xfrm>
+          <a:off x="3379787" y="163849"/>
+          <a:ext cx="1539478" cy="977568"/>
+        </a:xfrm>
+        <a:prstGeom prst="roundRect">
+          <a:avLst>
+            <a:gd name="adj" fmla="val 10000"/>
+          </a:avLst>
+        </a:prstGeom>
+        <a:solidFill>
+          <a:schemeClr val="lt1">
+            <a:alpha val="90000"/>
+            <a:hueOff val="0"/>
+            <a:satOff val="0"/>
+            <a:lumOff val="0"/>
+            <a:alphaOff val="0"/>
+          </a:schemeClr>
+        </a:solidFill>
+        <a:ln w="12700" cap="flat" cmpd="sng" algn="ctr">
+          <a:solidFill>
+            <a:schemeClr val="accent1">
+              <a:hueOff val="0"/>
+              <a:satOff val="0"/>
+              <a:lumOff val="0"/>
+              <a:alphaOff val="0"/>
+            </a:schemeClr>
+          </a:solidFill>
+          <a:prstDash val="solid"/>
+          <a:miter lim="800000"/>
+        </a:ln>
+        <a:effectLst/>
+      </dsp:spPr>
+      <dsp:style>
+        <a:lnRef idx="2">
+          <a:scrgbClr r="0" g="0" b="0"/>
+        </a:lnRef>
+        <a:fillRef idx="1">
+          <a:scrgbClr r="0" g="0" b="0"/>
+        </a:fillRef>
+        <a:effectRef idx="0">
+          <a:scrgbClr r="0" g="0" b="0"/>
+        </a:effectRef>
+        <a:fontRef idx="minor"/>
+      </dsp:style>
+      <dsp:txBody>
+        <a:bodyPr spcFirstLastPara="0" vert="horz" wrap="square" lIns="30480" tIns="30480" rIns="30480" bIns="30480" numCol="1" spcCol="1270" anchor="ctr" anchorCtr="0">
+          <a:noAutofit/>
+        </a:bodyPr>
+        <a:lstStyle/>
+        <a:p>
+          <a:pPr lvl="0" algn="ctr" defTabSz="355600">
+            <a:lnSpc>
+              <a:spcPct val="90000"/>
+            </a:lnSpc>
+            <a:spcBef>
+              <a:spcPct val="0"/>
+            </a:spcBef>
+            <a:spcAft>
+              <a:spcPct val="35000"/>
+            </a:spcAft>
+          </a:pPr>
+          <a:r>
+            <a:rPr lang="en-US" altLang="en-US" sz="800" kern="1200" dirty="0" err="1" smtClean="0"/>
+            <a:t>CTypedPtrList</a:t>
+          </a:r>
+          <a:r>
+            <a:rPr lang="en-US" altLang="en-US" sz="800" kern="1200" dirty="0" smtClean="0"/>
+            <a:t>&lt;</a:t>
+          </a:r>
+          <a:r>
+            <a:rPr lang="en-US" altLang="en-US" sz="800" kern="1200" dirty="0" err="1" smtClean="0"/>
+            <a:t>CPtrList</a:t>
+          </a:r>
+          <a:r>
+            <a:rPr lang="en-US" altLang="en-US" sz="800" kern="1200" dirty="0" smtClean="0"/>
+            <a:t>, </a:t>
+          </a:r>
+          <a:r>
+            <a:rPr lang="en-US" altLang="en-US" sz="800" kern="1200" dirty="0" err="1" smtClean="0"/>
+            <a:t>CPublishKeyword</a:t>
+          </a:r>
+          <a:r>
+            <a:rPr lang="en-US" altLang="en-US" sz="800" kern="1200" dirty="0" smtClean="0"/>
+            <a:t>*&gt; </a:t>
+          </a:r>
+          <a:r>
+            <a:rPr lang="en-US" altLang="en-US" sz="800" kern="1200" dirty="0" err="1" smtClean="0"/>
+            <a:t>m_lstKeywords</a:t>
+          </a:r>
+          <a:r>
+            <a:rPr lang="en-US" altLang="en-US" sz="800" kern="1200" dirty="0" smtClean="0"/>
+            <a:t>;</a:t>
+          </a:r>
+          <a:endParaRPr lang="zh-CN" altLang="en-US" sz="800" kern="1200" dirty="0"/>
+        </a:p>
+      </dsp:txBody>
+      <dsp:txXfrm>
+        <a:off x="3408419" y="192481"/>
+        <a:ext cx="1482214" cy="920304"/>
+      </dsp:txXfrm>
+    </dsp:sp>
+    <dsp:sp modelId="{BBAFE51E-1ABC-406B-91B0-804042B1387C}">
+      <dsp:nvSpPr>
+        <dsp:cNvPr id="0" name=""/>
+        <dsp:cNvSpPr/>
+      </dsp:nvSpPr>
+      <dsp:spPr>
+        <a:xfrm>
+          <a:off x="3208734" y="1426648"/>
+          <a:ext cx="1539478" cy="977568"/>
+        </a:xfrm>
+        <a:prstGeom prst="roundRect">
+          <a:avLst>
+            <a:gd name="adj" fmla="val 10000"/>
+          </a:avLst>
+        </a:prstGeom>
+        <a:solidFill>
+          <a:schemeClr val="accent1">
+            <a:hueOff val="0"/>
+            <a:satOff val="0"/>
+            <a:lumOff val="0"/>
+            <a:alphaOff val="0"/>
+          </a:schemeClr>
+        </a:solidFill>
+        <a:ln w="12700" cap="flat" cmpd="sng" algn="ctr">
+          <a:solidFill>
+            <a:schemeClr val="lt1">
+              <a:hueOff val="0"/>
+              <a:satOff val="0"/>
+              <a:lumOff val="0"/>
+              <a:alphaOff val="0"/>
+            </a:schemeClr>
+          </a:solidFill>
+          <a:prstDash val="solid"/>
+          <a:miter lim="800000"/>
+        </a:ln>
+        <a:effectLst/>
+      </dsp:spPr>
+      <dsp:style>
+        <a:lnRef idx="2">
+          <a:scrgbClr r="0" g="0" b="0"/>
+        </a:lnRef>
+        <a:fillRef idx="1">
+          <a:scrgbClr r="0" g="0" b="0"/>
+        </a:fillRef>
+        <a:effectRef idx="0">
+          <a:scrgbClr r="0" g="0" b="0"/>
+        </a:effectRef>
+        <a:fontRef idx="minor">
+          <a:schemeClr val="lt1"/>
+        </a:fontRef>
+      </dsp:style>
+    </dsp:sp>
+    <dsp:sp modelId="{CDA46515-5BA9-4ABF-9303-993AF9356BC8}">
+      <dsp:nvSpPr>
+        <dsp:cNvPr id="0" name=""/>
+        <dsp:cNvSpPr/>
+      </dsp:nvSpPr>
+      <dsp:spPr>
+        <a:xfrm>
+          <a:off x="3379787" y="1589149"/>
+          <a:ext cx="1539478" cy="977568"/>
+        </a:xfrm>
+        <a:prstGeom prst="roundRect">
+          <a:avLst>
+            <a:gd name="adj" fmla="val 10000"/>
+          </a:avLst>
+        </a:prstGeom>
+        <a:solidFill>
+          <a:schemeClr val="lt1">
+            <a:alpha val="90000"/>
+            <a:hueOff val="0"/>
+            <a:satOff val="0"/>
+            <a:lumOff val="0"/>
+            <a:alphaOff val="0"/>
+          </a:schemeClr>
+        </a:solidFill>
+        <a:ln w="12700" cap="flat" cmpd="sng" algn="ctr">
+          <a:solidFill>
+            <a:schemeClr val="accent1">
+              <a:hueOff val="0"/>
+              <a:satOff val="0"/>
+              <a:lumOff val="0"/>
+              <a:alphaOff val="0"/>
+            </a:schemeClr>
+          </a:solidFill>
+          <a:prstDash val="solid"/>
+          <a:miter lim="800000"/>
+        </a:ln>
+        <a:effectLst/>
+      </dsp:spPr>
+      <dsp:style>
+        <a:lnRef idx="2">
+          <a:scrgbClr r="0" g="0" b="0"/>
+        </a:lnRef>
+        <a:fillRef idx="1">
+          <a:scrgbClr r="0" g="0" b="0"/>
+        </a:fillRef>
+        <a:effectRef idx="0">
+          <a:scrgbClr r="0" g="0" b="0"/>
+        </a:effectRef>
+        <a:fontRef idx="minor"/>
+      </dsp:style>
+      <dsp:txBody>
+        <a:bodyPr spcFirstLastPara="0" vert="horz" wrap="square" lIns="30480" tIns="30480" rIns="30480" bIns="30480" numCol="1" spcCol="1270" anchor="ctr" anchorCtr="0">
+          <a:noAutofit/>
+        </a:bodyPr>
+        <a:lstStyle/>
+        <a:p>
+          <a:pPr lvl="0" algn="ctr" defTabSz="355600">
+            <a:lnSpc>
+              <a:spcPct val="90000"/>
+            </a:lnSpc>
+            <a:spcBef>
+              <a:spcPct val="0"/>
+            </a:spcBef>
+            <a:spcAft>
+              <a:spcPct val="35000"/>
+            </a:spcAft>
+          </a:pPr>
+          <a:r>
+            <a:rPr lang="en-US" altLang="en-US" sz="800" kern="1200" dirty="0" err="1" smtClean="0"/>
+            <a:t>CPublishKeyword</a:t>
+          </a:r>
+          <a:r>
+            <a:rPr lang="zh-CN" altLang="en-US" sz="800" kern="1200" dirty="0" smtClean="0"/>
+            <a:t>对象</a:t>
+          </a:r>
+          <a:endParaRPr lang="zh-CN" altLang="en-US" sz="800" kern="1200" dirty="0"/>
+        </a:p>
+      </dsp:txBody>
+      <dsp:txXfrm>
+        <a:off x="3408419" y="1617781"/>
+        <a:ext cx="1482214" cy="920304"/>
+      </dsp:txXfrm>
+    </dsp:sp>
+    <dsp:sp modelId="{807CC330-91DC-4CD4-AA3D-AB3E4196593F}">
+      <dsp:nvSpPr>
+        <dsp:cNvPr id="0" name=""/>
+        <dsp:cNvSpPr/>
+      </dsp:nvSpPr>
+      <dsp:spPr>
+        <a:xfrm>
+          <a:off x="3208734" y="2851949"/>
+          <a:ext cx="1539478" cy="977568"/>
+        </a:xfrm>
+        <a:prstGeom prst="roundRect">
+          <a:avLst>
+            <a:gd name="adj" fmla="val 10000"/>
+          </a:avLst>
+        </a:prstGeom>
+        <a:solidFill>
+          <a:schemeClr val="accent1">
+            <a:hueOff val="0"/>
+            <a:satOff val="0"/>
+            <a:lumOff val="0"/>
+            <a:alphaOff val="0"/>
+          </a:schemeClr>
+        </a:solidFill>
+        <a:ln w="12700" cap="flat" cmpd="sng" algn="ctr">
+          <a:solidFill>
+            <a:schemeClr val="lt1">
+              <a:hueOff val="0"/>
+              <a:satOff val="0"/>
+              <a:lumOff val="0"/>
+              <a:alphaOff val="0"/>
+            </a:schemeClr>
+          </a:solidFill>
+          <a:prstDash val="solid"/>
+          <a:miter lim="800000"/>
+        </a:ln>
+        <a:effectLst/>
+      </dsp:spPr>
+      <dsp:style>
+        <a:lnRef idx="2">
+          <a:scrgbClr r="0" g="0" b="0"/>
+        </a:lnRef>
+        <a:fillRef idx="1">
+          <a:scrgbClr r="0" g="0" b="0"/>
+        </a:fillRef>
+        <a:effectRef idx="0">
+          <a:scrgbClr r="0" g="0" b="0"/>
+        </a:effectRef>
+        <a:fontRef idx="minor">
+          <a:schemeClr val="lt1"/>
+        </a:fontRef>
+      </dsp:style>
+    </dsp:sp>
+    <dsp:sp modelId="{66A3C04D-0269-4B89-9E33-015703AC0159}">
+      <dsp:nvSpPr>
+        <dsp:cNvPr id="0" name=""/>
+        <dsp:cNvSpPr/>
+      </dsp:nvSpPr>
+      <dsp:spPr>
+        <a:xfrm>
+          <a:off x="3379787" y="3014449"/>
+          <a:ext cx="1539478" cy="977568"/>
+        </a:xfrm>
+        <a:prstGeom prst="roundRect">
+          <a:avLst>
+            <a:gd name="adj" fmla="val 10000"/>
+          </a:avLst>
+        </a:prstGeom>
+        <a:solidFill>
+          <a:schemeClr val="lt1">
+            <a:alpha val="90000"/>
+            <a:hueOff val="0"/>
+            <a:satOff val="0"/>
+            <a:lumOff val="0"/>
+            <a:alphaOff val="0"/>
+          </a:schemeClr>
+        </a:solidFill>
+        <a:ln w="12700" cap="flat" cmpd="sng" algn="ctr">
+          <a:solidFill>
+            <a:schemeClr val="accent1">
+              <a:hueOff val="0"/>
+              <a:satOff val="0"/>
+              <a:lumOff val="0"/>
+              <a:alphaOff val="0"/>
+            </a:schemeClr>
+          </a:solidFill>
+          <a:prstDash val="solid"/>
+          <a:miter lim="800000"/>
+        </a:ln>
+        <a:effectLst/>
+      </dsp:spPr>
+      <dsp:style>
+        <a:lnRef idx="2">
+          <a:scrgbClr r="0" g="0" b="0"/>
+        </a:lnRef>
+        <a:fillRef idx="1">
+          <a:scrgbClr r="0" g="0" b="0"/>
+        </a:fillRef>
+        <a:effectRef idx="0">
+          <a:scrgbClr r="0" g="0" b="0"/>
+        </a:effectRef>
+        <a:fontRef idx="minor"/>
+      </dsp:style>
+      <dsp:txBody>
+        <a:bodyPr spcFirstLastPara="0" vert="horz" wrap="square" lIns="30480" tIns="30480" rIns="30480" bIns="30480" numCol="1" spcCol="1270" anchor="ctr" anchorCtr="0">
+          <a:noAutofit/>
+        </a:bodyPr>
+        <a:lstStyle/>
+        <a:p>
+          <a:pPr lvl="0" algn="ctr" defTabSz="355600">
+            <a:lnSpc>
+              <a:spcPct val="90000"/>
+            </a:lnSpc>
+            <a:spcBef>
+              <a:spcPct val="0"/>
+            </a:spcBef>
+            <a:spcAft>
+              <a:spcPct val="35000"/>
+            </a:spcAft>
+          </a:pPr>
+          <a:r>
+            <a:rPr lang="en-US" altLang="en-US" sz="800" kern="1200" dirty="0" err="1" smtClean="0"/>
+            <a:t>CSimpleArray</a:t>
+          </a:r>
+          <a:r>
+            <a:rPr lang="en-US" altLang="en-US" sz="800" kern="1200" dirty="0" smtClean="0"/>
+            <a:t>&lt;</a:t>
+          </a:r>
+          <a:r>
+            <a:rPr lang="en-US" altLang="en-US" sz="800" kern="1200" dirty="0" err="1" smtClean="0"/>
+            <a:t>CKnownFile</a:t>
+          </a:r>
+          <a:r>
+            <a:rPr lang="en-US" altLang="en-US" sz="800" kern="1200" dirty="0" smtClean="0"/>
+            <a:t>*&gt; </a:t>
+          </a:r>
+          <a:r>
+            <a:rPr lang="en-US" altLang="en-US" sz="800" kern="1200" dirty="0" err="1" smtClean="0"/>
+            <a:t>m_aFiles</a:t>
+          </a:r>
+          <a:r>
+            <a:rPr lang="en-US" altLang="en-US" sz="800" kern="1200" dirty="0" smtClean="0"/>
+            <a:t>;</a:t>
+          </a:r>
+          <a:r>
+            <a:rPr lang="zh-CN" altLang="en-US" sz="800" kern="1200" dirty="0" smtClean="0"/>
+            <a:t>成员变量</a:t>
+          </a:r>
+          <a:endParaRPr lang="zh-CN" altLang="en-US" sz="800" kern="1200" dirty="0"/>
+        </a:p>
+      </dsp:txBody>
+      <dsp:txXfrm>
+        <a:off x="3408419" y="3043081"/>
+        <a:ext cx="1482214" cy="920304"/>
+      </dsp:txXfrm>
+    </dsp:sp>
+    <dsp:sp modelId="{F826959C-D335-4CF0-A00A-F92CAB0EA4D7}">
+      <dsp:nvSpPr>
+        <dsp:cNvPr id="0" name=""/>
+        <dsp:cNvSpPr/>
+      </dsp:nvSpPr>
+      <dsp:spPr>
+        <a:xfrm>
+          <a:off x="3208734" y="4277249"/>
+          <a:ext cx="1539478" cy="977568"/>
+        </a:xfrm>
+        <a:prstGeom prst="roundRect">
+          <a:avLst>
+            <a:gd name="adj" fmla="val 10000"/>
+          </a:avLst>
+        </a:prstGeom>
+        <a:solidFill>
+          <a:schemeClr val="accent1">
+            <a:hueOff val="0"/>
+            <a:satOff val="0"/>
+            <a:lumOff val="0"/>
+            <a:alphaOff val="0"/>
+          </a:schemeClr>
+        </a:solidFill>
+        <a:ln w="12700" cap="flat" cmpd="sng" algn="ctr">
+          <a:solidFill>
+            <a:schemeClr val="lt1">
+              <a:hueOff val="0"/>
+              <a:satOff val="0"/>
+              <a:lumOff val="0"/>
+              <a:alphaOff val="0"/>
+            </a:schemeClr>
+          </a:solidFill>
+          <a:prstDash val="solid"/>
+          <a:miter lim="800000"/>
+        </a:ln>
+        <a:effectLst/>
+      </dsp:spPr>
+      <dsp:style>
+        <a:lnRef idx="2">
+          <a:scrgbClr r="0" g="0" b="0"/>
+        </a:lnRef>
+        <a:fillRef idx="1">
+          <a:scrgbClr r="0" g="0" b="0"/>
+        </a:fillRef>
+        <a:effectRef idx="0">
+          <a:scrgbClr r="0" g="0" b="0"/>
+        </a:effectRef>
+        <a:fontRef idx="minor">
+          <a:schemeClr val="lt1"/>
+        </a:fontRef>
+      </dsp:style>
+    </dsp:sp>
+    <dsp:sp modelId="{5DD02524-447C-43F5-A961-F9E73C3FD357}">
+      <dsp:nvSpPr>
+        <dsp:cNvPr id="0" name=""/>
+        <dsp:cNvSpPr/>
+      </dsp:nvSpPr>
+      <dsp:spPr>
+        <a:xfrm>
+          <a:off x="3379787" y="4439749"/>
+          <a:ext cx="1539478" cy="977568"/>
+        </a:xfrm>
+        <a:prstGeom prst="roundRect">
+          <a:avLst>
+            <a:gd name="adj" fmla="val 10000"/>
+          </a:avLst>
+        </a:prstGeom>
+        <a:solidFill>
+          <a:schemeClr val="lt1">
+            <a:alpha val="90000"/>
+            <a:hueOff val="0"/>
+            <a:satOff val="0"/>
+            <a:lumOff val="0"/>
+            <a:alphaOff val="0"/>
+          </a:schemeClr>
+        </a:solidFill>
+        <a:ln w="12700" cap="flat" cmpd="sng" algn="ctr">
+          <a:solidFill>
+            <a:schemeClr val="accent1">
+              <a:hueOff val="0"/>
+              <a:satOff val="0"/>
+              <a:lumOff val="0"/>
+              <a:alphaOff val="0"/>
+            </a:schemeClr>
+          </a:solidFill>
+          <a:prstDash val="solid"/>
+          <a:miter lim="800000"/>
+        </a:ln>
+        <a:effectLst/>
+      </dsp:spPr>
+      <dsp:style>
+        <a:lnRef idx="2">
+          <a:scrgbClr r="0" g="0" b="0"/>
+        </a:lnRef>
+        <a:fillRef idx="1">
+          <a:scrgbClr r="0" g="0" b="0"/>
+        </a:fillRef>
+        <a:effectRef idx="0">
+          <a:scrgbClr r="0" g="0" b="0"/>
+        </a:effectRef>
+        <a:fontRef idx="minor"/>
+      </dsp:style>
+      <dsp:txBody>
+        <a:bodyPr spcFirstLastPara="0" vert="horz" wrap="square" lIns="30480" tIns="30480" rIns="30480" bIns="30480" numCol="1" spcCol="1270" anchor="ctr" anchorCtr="0">
+          <a:noAutofit/>
+        </a:bodyPr>
+        <a:lstStyle/>
+        <a:p>
+          <a:pPr lvl="0" algn="ctr" defTabSz="355600">
+            <a:lnSpc>
+              <a:spcPct val="90000"/>
+            </a:lnSpc>
+            <a:spcBef>
+              <a:spcPct val="0"/>
+            </a:spcBef>
+            <a:spcAft>
+              <a:spcPct val="35000"/>
+            </a:spcAft>
+          </a:pPr>
+          <a:r>
+            <a:rPr lang="en-US" altLang="zh-CN" sz="800" kern="1200" dirty="0" err="1" smtClean="0"/>
+            <a:t>CKnownFile</a:t>
+          </a:r>
+          <a:r>
+            <a:rPr lang="zh-CN" altLang="en-US" sz="800" kern="1200" dirty="0" smtClean="0"/>
+            <a:t>对象</a:t>
+          </a:r>
+          <a:r>
+            <a:rPr lang="en-US" altLang="zh-CN" sz="800" kern="1200" dirty="0" err="1" smtClean="0"/>
+            <a:t>pFile</a:t>
+          </a:r>
+          <a:endParaRPr lang="zh-CN" altLang="en-US" sz="800" kern="1200" dirty="0"/>
+        </a:p>
+      </dsp:txBody>
+      <dsp:txXfrm>
+        <a:off x="3408419" y="4468381"/>
+        <a:ext cx="1482214" cy="920304"/>
+      </dsp:txXfrm>
+    </dsp:sp>
+  </dsp:spTree>
+</dsp:drawing>
+</file>
+
+<file path=ppt/diagrams/drawing6.xml><?xml version="1.0" encoding="utf-8"?>
+<dsp:drawing xmlns:dgm="http://schemas.openxmlformats.org/drawingml/2006/diagram" xmlns:dsp="http://schemas.microsoft.com/office/drawing/2008/diagram" xmlns:a="http://schemas.openxmlformats.org/drawingml/2006/main">
+  <dsp:spTree>
+    <dsp:nvGrpSpPr>
+      <dsp:cNvPr id="0" name=""/>
+      <dsp:cNvGrpSpPr/>
+    </dsp:nvGrpSpPr>
+    <dsp:grpSpPr/>
+    <dsp:sp modelId="{CA326BA6-A316-4ECA-8B9C-C4CC74193539}">
+      <dsp:nvSpPr>
+        <dsp:cNvPr id="0" name=""/>
+        <dsp:cNvSpPr/>
+      </dsp:nvSpPr>
+      <dsp:spPr>
+        <a:xfrm>
+          <a:off x="6344669" y="939478"/>
+          <a:ext cx="338011" cy="2260316"/>
+        </a:xfrm>
+        <a:custGeom>
+          <a:avLst/>
+          <a:gdLst/>
+          <a:ahLst/>
+          <a:cxnLst/>
+          <a:rect l="0" t="0" r="0" b="0"/>
+          <a:pathLst>
+            <a:path>
+              <a:moveTo>
+                <a:pt x="338011" y="0"/>
+              </a:moveTo>
+              <a:lnTo>
+                <a:pt x="338011" y="1567551"/>
+              </a:lnTo>
+              <a:lnTo>
+                <a:pt x="0" y="1567551"/>
+              </a:lnTo>
+              <a:lnTo>
+                <a:pt x="0" y="2260316"/>
+              </a:lnTo>
+            </a:path>
+          </a:pathLst>
+        </a:custGeom>
+        <a:noFill/>
+        <a:ln w="12700" cap="flat" cmpd="sng" algn="ctr">
+          <a:solidFill>
+            <a:schemeClr val="accent1">
+              <a:shade val="60000"/>
+              <a:hueOff val="0"/>
+              <a:satOff val="0"/>
+              <a:lumOff val="0"/>
+              <a:alphaOff val="0"/>
+            </a:schemeClr>
+          </a:solidFill>
+          <a:prstDash val="solid"/>
+          <a:miter lim="800000"/>
+        </a:ln>
+        <a:effectLst/>
+      </dsp:spPr>
+      <dsp:style>
+        <a:lnRef idx="2">
+          <a:scrgbClr r="0" g="0" b="0"/>
+        </a:lnRef>
+        <a:fillRef idx="0">
+          <a:scrgbClr r="0" g="0" b="0"/>
+        </a:fillRef>
+        <a:effectRef idx="0">
+          <a:scrgbClr r="0" g="0" b="0"/>
+        </a:effectRef>
+        <a:fontRef idx="minor"/>
+      </dsp:style>
+    </dsp:sp>
+    <dsp:sp modelId="{E30260D4-B4CD-4B9A-A6E4-1DD180104EEF}">
+      <dsp:nvSpPr>
+        <dsp:cNvPr id="0" name=""/>
+        <dsp:cNvSpPr/>
+      </dsp:nvSpPr>
+      <dsp:spPr>
+        <a:xfrm>
+          <a:off x="5887232" y="-85177"/>
+          <a:ext cx="1590897" cy="1024655"/>
+        </a:xfrm>
+        <a:prstGeom prst="roundRect">
+          <a:avLst>
+            <a:gd name="adj" fmla="val 10000"/>
+          </a:avLst>
+        </a:prstGeom>
+        <a:solidFill>
+          <a:schemeClr val="accent1">
+            <a:hueOff val="0"/>
+            <a:satOff val="0"/>
+            <a:lumOff val="0"/>
+            <a:alphaOff val="0"/>
+          </a:schemeClr>
+        </a:solidFill>
+        <a:ln w="12700" cap="flat" cmpd="sng" algn="ctr">
+          <a:solidFill>
+            <a:schemeClr val="lt1">
+              <a:hueOff val="0"/>
+              <a:satOff val="0"/>
+              <a:lumOff val="0"/>
+              <a:alphaOff val="0"/>
+            </a:schemeClr>
+          </a:solidFill>
+          <a:prstDash val="solid"/>
+          <a:miter lim="800000"/>
+        </a:ln>
+        <a:effectLst/>
+      </dsp:spPr>
+      <dsp:style>
+        <a:lnRef idx="2">
+          <a:scrgbClr r="0" g="0" b="0"/>
+        </a:lnRef>
+        <a:fillRef idx="1">
+          <a:scrgbClr r="0" g="0" b="0"/>
+        </a:fillRef>
+        <a:effectRef idx="0">
+          <a:scrgbClr r="0" g="0" b="0"/>
+        </a:effectRef>
+        <a:fontRef idx="minor">
+          <a:schemeClr val="lt1"/>
+        </a:fontRef>
+      </dsp:style>
+    </dsp:sp>
+    <dsp:sp modelId="{AEECC729-55D0-4F88-B646-F800358DE5FD}">
+      <dsp:nvSpPr>
+        <dsp:cNvPr id="0" name=""/>
+        <dsp:cNvSpPr/>
+      </dsp:nvSpPr>
+      <dsp:spPr>
+        <a:xfrm>
+          <a:off x="6718135" y="704180"/>
+          <a:ext cx="1590897" cy="1024655"/>
+        </a:xfrm>
+        <a:prstGeom prst="roundRect">
+          <a:avLst>
+            <a:gd name="adj" fmla="val 10000"/>
+          </a:avLst>
+        </a:prstGeom>
+        <a:solidFill>
+          <a:schemeClr val="lt1">
+            <a:alpha val="90000"/>
+            <a:hueOff val="0"/>
+            <a:satOff val="0"/>
+            <a:lumOff val="0"/>
+            <a:alphaOff val="0"/>
+          </a:schemeClr>
+        </a:solidFill>
+        <a:ln w="12700" cap="flat" cmpd="sng" algn="ctr">
+          <a:solidFill>
+            <a:schemeClr val="accent1">
+              <a:hueOff val="0"/>
+              <a:satOff val="0"/>
+              <a:lumOff val="0"/>
+              <a:alphaOff val="0"/>
+            </a:schemeClr>
+          </a:solidFill>
+          <a:prstDash val="solid"/>
+          <a:miter lim="800000"/>
+        </a:ln>
+        <a:effectLst/>
+      </dsp:spPr>
+      <dsp:style>
+        <a:lnRef idx="2">
+          <a:scrgbClr r="0" g="0" b="0"/>
+        </a:lnRef>
+        <a:fillRef idx="1">
+          <a:scrgbClr r="0" g="0" b="0"/>
+        </a:fillRef>
+        <a:effectRef idx="0">
+          <a:scrgbClr r="0" g="0" b="0"/>
+        </a:effectRef>
+        <a:fontRef idx="minor"/>
+      </dsp:style>
+      <dsp:txBody>
+        <a:bodyPr spcFirstLastPara="0" vert="horz" wrap="square" lIns="26670" tIns="26670" rIns="26670" bIns="26670" numCol="1" spcCol="1270" anchor="ctr" anchorCtr="0">
+          <a:noAutofit/>
+        </a:bodyPr>
+        <a:lstStyle/>
+        <a:p>
+          <a:pPr lvl="0" algn="ctr" defTabSz="311150">
+            <a:lnSpc>
+              <a:spcPct val="90000"/>
+            </a:lnSpc>
+            <a:spcBef>
+              <a:spcPct val="0"/>
+            </a:spcBef>
+            <a:spcAft>
+              <a:spcPct val="35000"/>
+            </a:spcAft>
+          </a:pPr>
+          <a:r>
+            <a:rPr lang="en-US" altLang="en-US" sz="700" kern="1200" dirty="0" err="1" smtClean="0"/>
+            <a:t>CMap</a:t>
+          </a:r>
+          <a:r>
+            <a:rPr lang="en-US" altLang="en-US" sz="700" kern="1200" dirty="0" smtClean="0"/>
+            <a:t>&lt;</a:t>
+          </a:r>
+          <a:r>
+            <a:rPr lang="en-US" altLang="en-US" sz="700" kern="1200" dirty="0" err="1" smtClean="0"/>
+            <a:t>CCKey,const</a:t>
+          </a:r>
+          <a:r>
+            <a:rPr lang="en-US" altLang="en-US" sz="700" kern="1200" dirty="0" smtClean="0"/>
+            <a:t> </a:t>
+          </a:r>
+          <a:r>
+            <a:rPr lang="en-US" altLang="en-US" sz="700" kern="1200" dirty="0" err="1" smtClean="0"/>
+            <a:t>CCKey</a:t>
+          </a:r>
+          <a:r>
+            <a:rPr lang="en-US" altLang="en-US" sz="700" kern="1200" dirty="0" smtClean="0"/>
+            <a:t>&amp;,</a:t>
+          </a:r>
+          <a:r>
+            <a:rPr lang="en-US" altLang="en-US" sz="700" kern="1200" dirty="0" err="1" smtClean="0"/>
+            <a:t>CKnownFile</a:t>
+          </a:r>
+          <a:r>
+            <a:rPr lang="en-US" altLang="en-US" sz="700" kern="1200" dirty="0" smtClean="0"/>
+            <a:t>*,</a:t>
+          </a:r>
+          <a:r>
+            <a:rPr lang="en-US" altLang="en-US" sz="700" kern="1200" dirty="0" err="1" smtClean="0"/>
+            <a:t>CKnownFile</a:t>
+          </a:r>
+          <a:r>
+            <a:rPr lang="en-US" altLang="en-US" sz="700" kern="1200" dirty="0" smtClean="0"/>
+            <a:t>*&gt; </a:t>
+          </a:r>
+          <a:r>
+            <a:rPr lang="en-US" altLang="en-US" sz="700" kern="1200" dirty="0" err="1" smtClean="0"/>
+            <a:t>CSharedFileList</a:t>
+          </a:r>
+          <a:r>
+            <a:rPr lang="en-US" altLang="en-US" sz="700" kern="1200" dirty="0" smtClean="0"/>
+            <a:t>::</a:t>
+          </a:r>
+          <a:r>
+            <a:rPr lang="en-US" altLang="en-US" sz="700" kern="1200" dirty="0" err="1" smtClean="0"/>
+            <a:t>m_Files_map</a:t>
+          </a:r>
+          <a:r>
+            <a:rPr lang="en-US" altLang="en-US" sz="700" kern="1200" dirty="0" smtClean="0"/>
+            <a:t>;</a:t>
+          </a:r>
+          <a:endParaRPr lang="zh-CN" altLang="en-US" sz="700" kern="1200" dirty="0"/>
+        </a:p>
+      </dsp:txBody>
+      <dsp:txXfrm>
+        <a:off x="6748146" y="734191"/>
+        <a:ext cx="1530875" cy="964633"/>
+      </dsp:txXfrm>
+    </dsp:sp>
+    <dsp:sp modelId="{28E61F87-1B95-4776-96F4-F5E637B31ED1}">
+      <dsp:nvSpPr>
+        <dsp:cNvPr id="0" name=""/>
+        <dsp:cNvSpPr/>
+      </dsp:nvSpPr>
+      <dsp:spPr>
+        <a:xfrm>
+          <a:off x="5809758" y="3199795"/>
+          <a:ext cx="1069821" cy="552406"/>
+        </a:xfrm>
+        <a:prstGeom prst="roundRect">
+          <a:avLst>
+            <a:gd name="adj" fmla="val 10000"/>
+          </a:avLst>
+        </a:prstGeom>
+        <a:solidFill>
+          <a:schemeClr val="accent1">
+            <a:hueOff val="0"/>
+            <a:satOff val="0"/>
+            <a:lumOff val="0"/>
+            <a:alphaOff val="0"/>
+          </a:schemeClr>
+        </a:solidFill>
+        <a:ln w="12700" cap="flat" cmpd="sng" algn="ctr">
+          <a:solidFill>
+            <a:schemeClr val="lt1">
+              <a:hueOff val="0"/>
+              <a:satOff val="0"/>
+              <a:lumOff val="0"/>
+              <a:alphaOff val="0"/>
+            </a:schemeClr>
+          </a:solidFill>
+          <a:prstDash val="solid"/>
+          <a:miter lim="800000"/>
+        </a:ln>
+        <a:effectLst/>
+      </dsp:spPr>
+      <dsp:style>
+        <a:lnRef idx="2">
+          <a:scrgbClr r="0" g="0" b="0"/>
+        </a:lnRef>
+        <a:fillRef idx="1">
+          <a:scrgbClr r="0" g="0" b="0"/>
+        </a:fillRef>
+        <a:effectRef idx="0">
+          <a:scrgbClr r="0" g="0" b="0"/>
+        </a:effectRef>
+        <a:fontRef idx="minor">
+          <a:schemeClr val="lt1"/>
+        </a:fontRef>
+      </dsp:style>
+    </dsp:sp>
+    <dsp:sp modelId="{1E0317A4-9C04-43B1-865A-B2CCCB3598BA}">
+      <dsp:nvSpPr>
+        <dsp:cNvPr id="0" name=""/>
+        <dsp:cNvSpPr/>
+      </dsp:nvSpPr>
+      <dsp:spPr>
+        <a:xfrm>
+          <a:off x="6640662" y="3989153"/>
+          <a:ext cx="1069821" cy="552406"/>
+        </a:xfrm>
+        <a:prstGeom prst="roundRect">
+          <a:avLst>
+            <a:gd name="adj" fmla="val 10000"/>
+          </a:avLst>
+        </a:prstGeom>
+        <a:solidFill>
+          <a:schemeClr val="lt1">
+            <a:alpha val="90000"/>
+            <a:hueOff val="0"/>
+            <a:satOff val="0"/>
+            <a:lumOff val="0"/>
+            <a:alphaOff val="0"/>
+          </a:schemeClr>
+        </a:solidFill>
+        <a:ln w="12700" cap="flat" cmpd="sng" algn="ctr">
+          <a:solidFill>
+            <a:schemeClr val="accent1">
+              <a:hueOff val="0"/>
+              <a:satOff val="0"/>
+              <a:lumOff val="0"/>
+              <a:alphaOff val="0"/>
+            </a:schemeClr>
+          </a:solidFill>
+          <a:prstDash val="solid"/>
+          <a:miter lim="800000"/>
+        </a:ln>
+        <a:effectLst/>
+      </dsp:spPr>
+      <dsp:style>
+        <a:lnRef idx="2">
+          <a:scrgbClr r="0" g="0" b="0"/>
+        </a:lnRef>
+        <a:fillRef idx="1">
+          <a:scrgbClr r="0" g="0" b="0"/>
+        </a:fillRef>
+        <a:effectRef idx="0">
+          <a:scrgbClr r="0" g="0" b="0"/>
+        </a:effectRef>
+        <a:fontRef idx="minor"/>
+      </dsp:style>
+      <dsp:txBody>
+        <a:bodyPr spcFirstLastPara="0" vert="horz" wrap="square" lIns="26670" tIns="26670" rIns="26670" bIns="26670" numCol="1" spcCol="1270" anchor="ctr" anchorCtr="0">
+          <a:noAutofit/>
+        </a:bodyPr>
+        <a:lstStyle/>
+        <a:p>
+          <a:pPr lvl="0" algn="ctr" defTabSz="311150">
+            <a:lnSpc>
+              <a:spcPct val="90000"/>
+            </a:lnSpc>
+            <a:spcBef>
+              <a:spcPct val="0"/>
+            </a:spcBef>
+            <a:spcAft>
+              <a:spcPct val="35000"/>
+            </a:spcAft>
+          </a:pPr>
+          <a:r>
+            <a:rPr lang="en-US" altLang="zh-CN" sz="700" kern="1200" dirty="0" err="1" smtClean="0"/>
+            <a:t>CKnownFile</a:t>
+          </a:r>
+          <a:r>
+            <a:rPr lang="zh-CN" altLang="en-US" sz="700" kern="1200" dirty="0" smtClean="0"/>
+            <a:t>对象</a:t>
+          </a:r>
+          <a:r>
+            <a:rPr lang="en-US" altLang="zh-CN" sz="700" kern="1200" dirty="0" err="1" smtClean="0"/>
+            <a:t>pFile</a:t>
+          </a:r>
+          <a:endParaRPr lang="zh-CN" altLang="en-US" sz="700" kern="1200" dirty="0"/>
+        </a:p>
+      </dsp:txBody>
+      <dsp:txXfrm>
+        <a:off x="6656841" y="4005332"/>
+        <a:ext cx="1037463" cy="520048"/>
       </dsp:txXfrm>
     </dsp:sp>
   </dsp:spTree>
@@ -26071,6 +30673,1132 @@
 </dgm:layoutDef>
 </file>
 
+<file path=ppt/diagrams/layout5.xml><?xml version="1.0" encoding="utf-8"?>
+<dgm:layoutDef xmlns:dgm="http://schemas.openxmlformats.org/drawingml/2006/diagram" xmlns:a="http://schemas.openxmlformats.org/drawingml/2006/main" uniqueId="urn:microsoft.com/office/officeart/2005/8/layout/hierarchy1">
+  <dgm:title val=""/>
+  <dgm:desc val=""/>
+  <dgm:catLst>
+    <dgm:cat type="hierarchy" pri="2000"/>
+  </dgm:catLst>
+  <dgm:sampData>
+    <dgm:dataModel>
+      <dgm:ptLst>
+        <dgm:pt modelId="0" type="doc"/>
+        <dgm:pt modelId="1">
+          <dgm:prSet phldr="1"/>
+        </dgm:pt>
+        <dgm:pt modelId="2">
+          <dgm:prSet phldr="1"/>
+        </dgm:pt>
+        <dgm:pt modelId="21">
+          <dgm:prSet phldr="1"/>
+        </dgm:pt>
+        <dgm:pt modelId="22">
+          <dgm:prSet phldr="1"/>
+        </dgm:pt>
+        <dgm:pt modelId="3">
+          <dgm:prSet phldr="1"/>
+        </dgm:pt>
+        <dgm:pt modelId="31">
+          <dgm:prSet phldr="1"/>
+        </dgm:pt>
+      </dgm:ptLst>
+      <dgm:cxnLst>
+        <dgm:cxn modelId="4" srcId="0" destId="1" srcOrd="0" destOrd="0"/>
+        <dgm:cxn modelId="5" srcId="1" destId="2" srcOrd="0" destOrd="0"/>
+        <dgm:cxn modelId="6" srcId="1" destId="3" srcOrd="1" destOrd="0"/>
+        <dgm:cxn modelId="23" srcId="2" destId="21" srcOrd="0" destOrd="0"/>
+        <dgm:cxn modelId="24" srcId="2" destId="22" srcOrd="1" destOrd="0"/>
+        <dgm:cxn modelId="33" srcId="3" destId="31" srcOrd="0" destOrd="0"/>
+      </dgm:cxnLst>
+      <dgm:bg/>
+      <dgm:whole/>
+    </dgm:dataModel>
+  </dgm:sampData>
+  <dgm:styleData>
+    <dgm:dataModel>
+      <dgm:ptLst>
+        <dgm:pt modelId="0" type="doc"/>
+        <dgm:pt modelId="1"/>
+        <dgm:pt modelId="11"/>
+        <dgm:pt modelId="12"/>
+      </dgm:ptLst>
+      <dgm:cxnLst>
+        <dgm:cxn modelId="2" srcId="0" destId="1" srcOrd="0" destOrd="0"/>
+        <dgm:cxn modelId="13" srcId="1" destId="11" srcOrd="0" destOrd="0"/>
+        <dgm:cxn modelId="14" srcId="1" destId="12" srcOrd="1" destOrd="0"/>
+      </dgm:cxnLst>
+      <dgm:bg/>
+      <dgm:whole/>
+    </dgm:dataModel>
+  </dgm:styleData>
+  <dgm:clrData>
+    <dgm:dataModel>
+      <dgm:ptLst>
+        <dgm:pt modelId="0" type="doc"/>
+        <dgm:pt modelId="1"/>
+        <dgm:pt modelId="2"/>
+        <dgm:pt modelId="21"/>
+        <dgm:pt modelId="211"/>
+        <dgm:pt modelId="3"/>
+        <dgm:pt modelId="31"/>
+        <dgm:pt modelId="311"/>
+      </dgm:ptLst>
+      <dgm:cxnLst>
+        <dgm:cxn modelId="4" srcId="0" destId="1" srcOrd="0" destOrd="0"/>
+        <dgm:cxn modelId="5" srcId="1" destId="2" srcOrd="0" destOrd="0"/>
+        <dgm:cxn modelId="6" srcId="1" destId="3" srcOrd="1" destOrd="0"/>
+        <dgm:cxn modelId="23" srcId="2" destId="21" srcOrd="0" destOrd="0"/>
+        <dgm:cxn modelId="24" srcId="21" destId="211" srcOrd="0" destOrd="0"/>
+        <dgm:cxn modelId="33" srcId="3" destId="31" srcOrd="0" destOrd="0"/>
+        <dgm:cxn modelId="34" srcId="31" destId="311" srcOrd="0" destOrd="0"/>
+      </dgm:cxnLst>
+      <dgm:bg/>
+      <dgm:whole/>
+    </dgm:dataModel>
+  </dgm:clrData>
+  <dgm:layoutNode name="hierChild1">
+    <dgm:varLst>
+      <dgm:chPref val="1"/>
+      <dgm:dir/>
+      <dgm:animOne val="branch"/>
+      <dgm:animLvl val="lvl"/>
+      <dgm:resizeHandles/>
+    </dgm:varLst>
+    <dgm:choose name="Name0">
+      <dgm:if name="Name1" func="var" arg="dir" op="equ" val="norm">
+        <dgm:alg type="hierChild">
+          <dgm:param type="linDir" val="fromL"/>
+        </dgm:alg>
+      </dgm:if>
+      <dgm:else name="Name2">
+        <dgm:alg type="hierChild">
+          <dgm:param type="linDir" val="fromR"/>
+        </dgm:alg>
+      </dgm:else>
+    </dgm:choose>
+    <dgm:shape xmlns:r="http://schemas.openxmlformats.org/officeDocument/2006/relationships" r:blip="">
+      <dgm:adjLst/>
+    </dgm:shape>
+    <dgm:presOf/>
+    <dgm:constrLst>
+      <dgm:constr type="primFontSz" for="des" ptType="node" op="equ" val="65"/>
+      <dgm:constr type="w" for="des" forName="composite" refType="w"/>
+      <dgm:constr type="h" for="des" forName="composite" refType="w" refFor="des" refForName="composite" fact="0.667"/>
+      <dgm:constr type="w" for="des" forName="composite2" refType="w" refFor="des" refForName="composite"/>
+      <dgm:constr type="h" for="des" forName="composite2" refType="h" refFor="des" refForName="composite"/>
+      <dgm:constr type="w" for="des" forName="composite3" refType="w" refFor="des" refForName="composite"/>
+      <dgm:constr type="h" for="des" forName="composite3" refType="h" refFor="des" refForName="composite"/>
+      <dgm:constr type="w" for="des" forName="composite4" refType="w" refFor="des" refForName="composite"/>
+      <dgm:constr type="h" for="des" forName="composite4" refType="h" refFor="des" refForName="composite"/>
+      <dgm:constr type="w" for="des" forName="composite5" refType="w" refFor="des" refForName="composite"/>
+      <dgm:constr type="h" for="des" forName="composite5" refType="h" refFor="des" refForName="composite"/>
+      <dgm:constr type="sibSp" refType="w" refFor="des" refForName="composite" fact="0.1"/>
+      <dgm:constr type="sibSp" for="des" forName="hierChild2" refType="sibSp"/>
+      <dgm:constr type="sibSp" for="des" forName="hierChild3" refType="sibSp"/>
+      <dgm:constr type="sibSp" for="des" forName="hierChild4" refType="sibSp"/>
+      <dgm:constr type="sibSp" for="des" forName="hierChild5" refType="sibSp"/>
+      <dgm:constr type="sibSp" for="des" forName="hierChild6" refType="sibSp"/>
+      <dgm:constr type="sp" for="des" forName="hierRoot1" refType="h" refFor="des" refForName="composite" fact="0.25"/>
+      <dgm:constr type="sp" for="des" forName="hierRoot2" refType="sp" refFor="des" refForName="hierRoot1"/>
+      <dgm:constr type="sp" for="des" forName="hierRoot3" refType="sp" refFor="des" refForName="hierRoot1"/>
+      <dgm:constr type="sp" for="des" forName="hierRoot4" refType="sp" refFor="des" refForName="hierRoot1"/>
+      <dgm:constr type="sp" for="des" forName="hierRoot5" refType="sp" refFor="des" refForName="hierRoot1"/>
+    </dgm:constrLst>
+    <dgm:ruleLst/>
+    <dgm:forEach name="Name3" axis="ch">
+      <dgm:forEach name="Name4" axis="self" ptType="node">
+        <dgm:layoutNode name="hierRoot1">
+          <dgm:alg type="hierRoot"/>
+          <dgm:shape xmlns:r="http://schemas.openxmlformats.org/officeDocument/2006/relationships" r:blip="">
+            <dgm:adjLst/>
+          </dgm:shape>
+          <dgm:presOf/>
+          <dgm:constrLst>
+            <dgm:constr type="bendDist" for="des" ptType="parTrans" refType="sp" fact="0.5"/>
+          </dgm:constrLst>
+          <dgm:ruleLst/>
+          <dgm:layoutNode name="composite">
+            <dgm:alg type="composite"/>
+            <dgm:shape xmlns:r="http://schemas.openxmlformats.org/officeDocument/2006/relationships" r:blip="">
+              <dgm:adjLst/>
+            </dgm:shape>
+            <dgm:presOf/>
+            <dgm:constrLst>
+              <dgm:constr type="w" for="ch" forName="background" refType="w" fact="0.9"/>
+              <dgm:constr type="h" for="ch" forName="background" refType="w" refFor="ch" refForName="background" fact="0.635"/>
+              <dgm:constr type="t" for="ch" forName="background"/>
+              <dgm:constr type="l" for="ch" forName="background"/>
+              <dgm:constr type="w" for="ch" forName="text" refType="w" fact="0.9"/>
+              <dgm:constr type="h" for="ch" forName="text" refType="w" refFor="ch" refForName="text" fact="0.635"/>
+              <dgm:constr type="t" for="ch" forName="text" refType="w" fact="0.095"/>
+              <dgm:constr type="l" for="ch" forName="text" refType="w" fact="0.1"/>
+            </dgm:constrLst>
+            <dgm:ruleLst/>
+            <dgm:layoutNode name="background" styleLbl="node0" moveWith="text">
+              <dgm:alg type="sp"/>
+              <dgm:shape xmlns:r="http://schemas.openxmlformats.org/officeDocument/2006/relationships" type="roundRect" r:blip="">
+                <dgm:adjLst>
+                  <dgm:adj idx="1" val="0.1"/>
+                </dgm:adjLst>
+              </dgm:shape>
+              <dgm:presOf/>
+              <dgm:constrLst/>
+              <dgm:ruleLst/>
+            </dgm:layoutNode>
+            <dgm:layoutNode name="text" styleLbl="fgAcc0">
+              <dgm:varLst>
+                <dgm:chPref val="3"/>
+              </dgm:varLst>
+              <dgm:alg type="tx"/>
+              <dgm:shape xmlns:r="http://schemas.openxmlformats.org/officeDocument/2006/relationships" type="roundRect" r:blip="">
+                <dgm:adjLst>
+                  <dgm:adj idx="1" val="0.1"/>
+                </dgm:adjLst>
+              </dgm:shape>
+              <dgm:presOf axis="self"/>
+              <dgm:constrLst>
+                <dgm:constr type="tMarg" refType="primFontSz" fact="0.3"/>
+                <dgm:constr type="bMarg" refType="primFontSz" fact="0.3"/>
+                <dgm:constr type="lMarg" refType="primFontSz" fact="0.3"/>
+                <dgm:constr type="rMarg" refType="primFontSz" fact="0.3"/>
+              </dgm:constrLst>
+              <dgm:ruleLst>
+                <dgm:rule type="primFontSz" val="5" fact="NaN" max="NaN"/>
+              </dgm:ruleLst>
+            </dgm:layoutNode>
+          </dgm:layoutNode>
+          <dgm:layoutNode name="hierChild2">
+            <dgm:choose name="Name5">
+              <dgm:if name="Name6" func="var" arg="dir" op="equ" val="norm">
+                <dgm:alg type="hierChild">
+                  <dgm:param type="linDir" val="fromL"/>
+                </dgm:alg>
+              </dgm:if>
+              <dgm:else name="Name7">
+                <dgm:alg type="hierChild">
+                  <dgm:param type="linDir" val="fromR"/>
+                </dgm:alg>
+              </dgm:else>
+            </dgm:choose>
+            <dgm:shape xmlns:r="http://schemas.openxmlformats.org/officeDocument/2006/relationships" r:blip="">
+              <dgm:adjLst/>
+            </dgm:shape>
+            <dgm:presOf/>
+            <dgm:constrLst/>
+            <dgm:ruleLst/>
+            <dgm:forEach name="Name8" axis="ch">
+              <dgm:forEach name="Name9" axis="self" ptType="parTrans" cnt="1">
+                <dgm:layoutNode name="Name10">
+                  <dgm:alg type="conn">
+                    <dgm:param type="dim" val="1D"/>
+                    <dgm:param type="endSty" val="noArr"/>
+                    <dgm:param type="connRout" val="bend"/>
+                    <dgm:param type="bendPt" val="end"/>
+                    <dgm:param type="begPts" val="bCtr"/>
+                    <dgm:param type="endPts" val="tCtr"/>
+                    <dgm:param type="srcNode" val="background"/>
+                    <dgm:param type="dstNode" val="background2"/>
+                  </dgm:alg>
+                  <dgm:shape xmlns:r="http://schemas.openxmlformats.org/officeDocument/2006/relationships" type="conn" r:blip="" zOrderOff="-999">
+                    <dgm:adjLst/>
+                  </dgm:shape>
+                  <dgm:presOf axis="self"/>
+                  <dgm:constrLst>
+                    <dgm:constr type="begPad"/>
+                    <dgm:constr type="endPad"/>
+                  </dgm:constrLst>
+                  <dgm:ruleLst/>
+                </dgm:layoutNode>
+              </dgm:forEach>
+              <dgm:forEach name="Name11" axis="self" ptType="node">
+                <dgm:layoutNode name="hierRoot2">
+                  <dgm:alg type="hierRoot"/>
+                  <dgm:shape xmlns:r="http://schemas.openxmlformats.org/officeDocument/2006/relationships" r:blip="">
+                    <dgm:adjLst/>
+                  </dgm:shape>
+                  <dgm:presOf/>
+                  <dgm:constrLst>
+                    <dgm:constr type="bendDist" for="des" ptType="parTrans" refType="sp" fact="0.5"/>
+                  </dgm:constrLst>
+                  <dgm:ruleLst/>
+                  <dgm:layoutNode name="composite2">
+                    <dgm:alg type="composite"/>
+                    <dgm:shape xmlns:r="http://schemas.openxmlformats.org/officeDocument/2006/relationships" r:blip="">
+                      <dgm:adjLst/>
+                    </dgm:shape>
+                    <dgm:presOf/>
+                    <dgm:constrLst>
+                      <dgm:constr type="w" for="ch" forName="background2" refType="w" fact="0.9"/>
+                      <dgm:constr type="h" for="ch" forName="background2" refType="w" refFor="ch" refForName="background2" fact="0.635"/>
+                      <dgm:constr type="t" for="ch" forName="background2"/>
+                      <dgm:constr type="l" for="ch" forName="background2"/>
+                      <dgm:constr type="w" for="ch" forName="text2" refType="w" fact="0.9"/>
+                      <dgm:constr type="h" for="ch" forName="text2" refType="w" refFor="ch" refForName="text2" fact="0.635"/>
+                      <dgm:constr type="t" for="ch" forName="text2" refType="w" fact="0.095"/>
+                      <dgm:constr type="l" for="ch" forName="text2" refType="w" fact="0.1"/>
+                    </dgm:constrLst>
+                    <dgm:ruleLst/>
+                    <dgm:layoutNode name="background2" moveWith="text2">
+                      <dgm:alg type="sp"/>
+                      <dgm:shape xmlns:r="http://schemas.openxmlformats.org/officeDocument/2006/relationships" type="roundRect" r:blip="">
+                        <dgm:adjLst>
+                          <dgm:adj idx="1" val="0.1"/>
+                        </dgm:adjLst>
+                      </dgm:shape>
+                      <dgm:presOf/>
+                      <dgm:constrLst/>
+                      <dgm:ruleLst/>
+                    </dgm:layoutNode>
+                    <dgm:layoutNode name="text2" styleLbl="fgAcc2">
+                      <dgm:varLst>
+                        <dgm:chPref val="3"/>
+                      </dgm:varLst>
+                      <dgm:alg type="tx"/>
+                      <dgm:shape xmlns:r="http://schemas.openxmlformats.org/officeDocument/2006/relationships" type="roundRect" r:blip="">
+                        <dgm:adjLst>
+                          <dgm:adj idx="1" val="0.1"/>
+                        </dgm:adjLst>
+                      </dgm:shape>
+                      <dgm:presOf axis="self"/>
+                      <dgm:constrLst>
+                        <dgm:constr type="tMarg" refType="primFontSz" fact="0.3"/>
+                        <dgm:constr type="bMarg" refType="primFontSz" fact="0.3"/>
+                        <dgm:constr type="lMarg" refType="primFontSz" fact="0.3"/>
+                        <dgm:constr type="rMarg" refType="primFontSz" fact="0.3"/>
+                      </dgm:constrLst>
+                      <dgm:ruleLst>
+                        <dgm:rule type="primFontSz" val="5" fact="NaN" max="NaN"/>
+                      </dgm:ruleLst>
+                    </dgm:layoutNode>
+                  </dgm:layoutNode>
+                  <dgm:layoutNode name="hierChild3">
+                    <dgm:choose name="Name12">
+                      <dgm:if name="Name13" func="var" arg="dir" op="equ" val="norm">
+                        <dgm:alg type="hierChild">
+                          <dgm:param type="linDir" val="fromL"/>
+                        </dgm:alg>
+                      </dgm:if>
+                      <dgm:else name="Name14">
+                        <dgm:alg type="hierChild">
+                          <dgm:param type="linDir" val="fromR"/>
+                        </dgm:alg>
+                      </dgm:else>
+                    </dgm:choose>
+                    <dgm:shape xmlns:r="http://schemas.openxmlformats.org/officeDocument/2006/relationships" r:blip="">
+                      <dgm:adjLst/>
+                    </dgm:shape>
+                    <dgm:presOf/>
+                    <dgm:constrLst/>
+                    <dgm:ruleLst/>
+                    <dgm:forEach name="Name15" axis="ch">
+                      <dgm:forEach name="Name16" axis="self" ptType="parTrans" cnt="1">
+                        <dgm:layoutNode name="Name17">
+                          <dgm:alg type="conn">
+                            <dgm:param type="dim" val="1D"/>
+                            <dgm:param type="endSty" val="noArr"/>
+                            <dgm:param type="connRout" val="bend"/>
+                            <dgm:param type="bendPt" val="end"/>
+                            <dgm:param type="begPts" val="bCtr"/>
+                            <dgm:param type="endPts" val="tCtr"/>
+                            <dgm:param type="srcNode" val="background2"/>
+                            <dgm:param type="dstNode" val="background3"/>
+                          </dgm:alg>
+                          <dgm:shape xmlns:r="http://schemas.openxmlformats.org/officeDocument/2006/relationships" type="conn" r:blip="" zOrderOff="-999">
+                            <dgm:adjLst/>
+                          </dgm:shape>
+                          <dgm:presOf axis="self"/>
+                          <dgm:constrLst>
+                            <dgm:constr type="begPad"/>
+                            <dgm:constr type="endPad"/>
+                          </dgm:constrLst>
+                          <dgm:ruleLst/>
+                        </dgm:layoutNode>
+                      </dgm:forEach>
+                      <dgm:forEach name="Name18" axis="self" ptType="node">
+                        <dgm:layoutNode name="hierRoot3">
+                          <dgm:alg type="hierRoot"/>
+                          <dgm:shape xmlns:r="http://schemas.openxmlformats.org/officeDocument/2006/relationships" r:blip="">
+                            <dgm:adjLst/>
+                          </dgm:shape>
+                          <dgm:presOf/>
+                          <dgm:constrLst>
+                            <dgm:constr type="bendDist" for="des" ptType="parTrans" refType="sp" fact="0.5"/>
+                          </dgm:constrLst>
+                          <dgm:ruleLst/>
+                          <dgm:layoutNode name="composite3">
+                            <dgm:alg type="composite"/>
+                            <dgm:shape xmlns:r="http://schemas.openxmlformats.org/officeDocument/2006/relationships" r:blip="">
+                              <dgm:adjLst/>
+                            </dgm:shape>
+                            <dgm:presOf/>
+                            <dgm:constrLst>
+                              <dgm:constr type="w" for="ch" forName="background3" refType="w" fact="0.9"/>
+                              <dgm:constr type="h" for="ch" forName="background3" refType="w" refFor="ch" refForName="background3" fact="0.635"/>
+                              <dgm:constr type="t" for="ch" forName="background3"/>
+                              <dgm:constr type="l" for="ch" forName="background3"/>
+                              <dgm:constr type="w" for="ch" forName="text3" refType="w" fact="0.9"/>
+                              <dgm:constr type="h" for="ch" forName="text3" refType="w" refFor="ch" refForName="text3" fact="0.635"/>
+                              <dgm:constr type="t" for="ch" forName="text3" refType="w" fact="0.095"/>
+                              <dgm:constr type="l" for="ch" forName="text3" refType="w" fact="0.1"/>
+                            </dgm:constrLst>
+                            <dgm:ruleLst/>
+                            <dgm:layoutNode name="background3" moveWith="text3">
+                              <dgm:alg type="sp"/>
+                              <dgm:shape xmlns:r="http://schemas.openxmlformats.org/officeDocument/2006/relationships" type="roundRect" r:blip="">
+                                <dgm:adjLst>
+                                  <dgm:adj idx="1" val="0.1"/>
+                                </dgm:adjLst>
+                              </dgm:shape>
+                              <dgm:presOf/>
+                              <dgm:constrLst/>
+                              <dgm:ruleLst/>
+                            </dgm:layoutNode>
+                            <dgm:layoutNode name="text3" styleLbl="fgAcc3">
+                              <dgm:varLst>
+                                <dgm:chPref val="3"/>
+                              </dgm:varLst>
+                              <dgm:alg type="tx"/>
+                              <dgm:shape xmlns:r="http://schemas.openxmlformats.org/officeDocument/2006/relationships" type="roundRect" r:blip="">
+                                <dgm:adjLst>
+                                  <dgm:adj idx="1" val="0.1"/>
+                                </dgm:adjLst>
+                              </dgm:shape>
+                              <dgm:presOf axis="self"/>
+                              <dgm:constrLst>
+                                <dgm:constr type="tMarg" refType="primFontSz" fact="0.3"/>
+                                <dgm:constr type="bMarg" refType="primFontSz" fact="0.3"/>
+                                <dgm:constr type="lMarg" refType="primFontSz" fact="0.3"/>
+                                <dgm:constr type="rMarg" refType="primFontSz" fact="0.3"/>
+                              </dgm:constrLst>
+                              <dgm:ruleLst>
+                                <dgm:rule type="primFontSz" val="5" fact="NaN" max="NaN"/>
+                              </dgm:ruleLst>
+                            </dgm:layoutNode>
+                          </dgm:layoutNode>
+                          <dgm:layoutNode name="hierChild4">
+                            <dgm:choose name="Name19">
+                              <dgm:if name="Name20" func="var" arg="dir" op="equ" val="norm">
+                                <dgm:alg type="hierChild">
+                                  <dgm:param type="linDir" val="fromL"/>
+                                </dgm:alg>
+                              </dgm:if>
+                              <dgm:else name="Name21">
+                                <dgm:alg type="hierChild">
+                                  <dgm:param type="linDir" val="fromR"/>
+                                </dgm:alg>
+                              </dgm:else>
+                            </dgm:choose>
+                            <dgm:shape xmlns:r="http://schemas.openxmlformats.org/officeDocument/2006/relationships" r:blip="">
+                              <dgm:adjLst/>
+                            </dgm:shape>
+                            <dgm:presOf/>
+                            <dgm:constrLst/>
+                            <dgm:ruleLst/>
+                            <dgm:forEach name="repeat" axis="ch">
+                              <dgm:forEach name="Name22" axis="self" ptType="parTrans" cnt="1">
+                                <dgm:layoutNode name="Name23">
+                                  <dgm:choose name="Name24">
+                                    <dgm:if name="Name25" axis="self" func="depth" op="lte" val="4">
+                                      <dgm:alg type="conn">
+                                        <dgm:param type="dim" val="1D"/>
+                                        <dgm:param type="endSty" val="noArr"/>
+                                        <dgm:param type="connRout" val="bend"/>
+                                        <dgm:param type="bendPt" val="end"/>
+                                        <dgm:param type="begPts" val="bCtr"/>
+                                        <dgm:param type="endPts" val="tCtr"/>
+                                        <dgm:param type="srcNode" val="background3"/>
+                                        <dgm:param type="dstNode" val="background4"/>
+                                      </dgm:alg>
+                                    </dgm:if>
+                                    <dgm:else name="Name26">
+                                      <dgm:alg type="conn">
+                                        <dgm:param type="dim" val="1D"/>
+                                        <dgm:param type="endSty" val="noArr"/>
+                                        <dgm:param type="connRout" val="bend"/>
+                                        <dgm:param type="bendPt" val="end"/>
+                                        <dgm:param type="begPts" val="bCtr"/>
+                                        <dgm:param type="endPts" val="tCtr"/>
+                                        <dgm:param type="srcNode" val="background4"/>
+                                        <dgm:param type="dstNode" val="background4"/>
+                                      </dgm:alg>
+                                    </dgm:else>
+                                  </dgm:choose>
+                                  <dgm:shape xmlns:r="http://schemas.openxmlformats.org/officeDocument/2006/relationships" type="conn" r:blip="" zOrderOff="-999">
+                                    <dgm:adjLst/>
+                                  </dgm:shape>
+                                  <dgm:presOf axis="self"/>
+                                  <dgm:constrLst>
+                                    <dgm:constr type="begPad"/>
+                                    <dgm:constr type="endPad"/>
+                                  </dgm:constrLst>
+                                  <dgm:ruleLst/>
+                                </dgm:layoutNode>
+                              </dgm:forEach>
+                              <dgm:forEach name="Name27" axis="self" ptType="node">
+                                <dgm:layoutNode name="hierRoot4">
+                                  <dgm:alg type="hierRoot"/>
+                                  <dgm:shape xmlns:r="http://schemas.openxmlformats.org/officeDocument/2006/relationships" r:blip="">
+                                    <dgm:adjLst/>
+                                  </dgm:shape>
+                                  <dgm:presOf/>
+                                  <dgm:constrLst>
+                                    <dgm:constr type="bendDist" for="des" ptType="parTrans" refType="sp" fact="0.5"/>
+                                  </dgm:constrLst>
+                                  <dgm:ruleLst/>
+                                  <dgm:layoutNode name="composite4">
+                                    <dgm:alg type="composite"/>
+                                    <dgm:shape xmlns:r="http://schemas.openxmlformats.org/officeDocument/2006/relationships" r:blip="">
+                                      <dgm:adjLst/>
+                                    </dgm:shape>
+                                    <dgm:presOf/>
+                                    <dgm:constrLst>
+                                      <dgm:constr type="w" for="ch" forName="background4" refType="w" fact="0.9"/>
+                                      <dgm:constr type="h" for="ch" forName="background4" refType="w" refFor="ch" refForName="background4" fact="0.635"/>
+                                      <dgm:constr type="t" for="ch" forName="background4"/>
+                                      <dgm:constr type="l" for="ch" forName="background4"/>
+                                      <dgm:constr type="w" for="ch" forName="text4" refType="w" fact="0.9"/>
+                                      <dgm:constr type="h" for="ch" forName="text4" refType="w" refFor="ch" refForName="text4" fact="0.635"/>
+                                      <dgm:constr type="t" for="ch" forName="text4" refType="w" fact="0.095"/>
+                                      <dgm:constr type="l" for="ch" forName="text4" refType="w" fact="0.1"/>
+                                    </dgm:constrLst>
+                                    <dgm:ruleLst/>
+                                    <dgm:layoutNode name="background4" moveWith="text4">
+                                      <dgm:alg type="sp"/>
+                                      <dgm:shape xmlns:r="http://schemas.openxmlformats.org/officeDocument/2006/relationships" type="roundRect" r:blip="">
+                                        <dgm:adjLst>
+                                          <dgm:adj idx="1" val="0.1"/>
+                                        </dgm:adjLst>
+                                      </dgm:shape>
+                                      <dgm:presOf/>
+                                      <dgm:constrLst/>
+                                      <dgm:ruleLst/>
+                                    </dgm:layoutNode>
+                                    <dgm:layoutNode name="text4" styleLbl="fgAcc4">
+                                      <dgm:varLst>
+                                        <dgm:chPref val="3"/>
+                                      </dgm:varLst>
+                                      <dgm:alg type="tx"/>
+                                      <dgm:shape xmlns:r="http://schemas.openxmlformats.org/officeDocument/2006/relationships" type="roundRect" r:blip="">
+                                        <dgm:adjLst>
+                                          <dgm:adj idx="1" val="0.1"/>
+                                        </dgm:adjLst>
+                                      </dgm:shape>
+                                      <dgm:presOf axis="self"/>
+                                      <dgm:constrLst>
+                                        <dgm:constr type="tMarg" refType="primFontSz" fact="0.3"/>
+                                        <dgm:constr type="bMarg" refType="primFontSz" fact="0.3"/>
+                                        <dgm:constr type="lMarg" refType="primFontSz" fact="0.3"/>
+                                        <dgm:constr type="rMarg" refType="primFontSz" fact="0.3"/>
+                                      </dgm:constrLst>
+                                      <dgm:ruleLst>
+                                        <dgm:rule type="primFontSz" val="5" fact="NaN" max="NaN"/>
+                                      </dgm:ruleLst>
+                                    </dgm:layoutNode>
+                                  </dgm:layoutNode>
+                                  <dgm:layoutNode name="hierChild5">
+                                    <dgm:choose name="Name28">
+                                      <dgm:if name="Name29" func="var" arg="dir" op="equ" val="norm">
+                                        <dgm:alg type="hierChild">
+                                          <dgm:param type="linDir" val="fromL"/>
+                                        </dgm:alg>
+                                      </dgm:if>
+                                      <dgm:else name="Name30">
+                                        <dgm:alg type="hierChild">
+                                          <dgm:param type="linDir" val="fromR"/>
+                                        </dgm:alg>
+                                      </dgm:else>
+                                    </dgm:choose>
+                                    <dgm:shape xmlns:r="http://schemas.openxmlformats.org/officeDocument/2006/relationships" r:blip="">
+                                      <dgm:adjLst/>
+                                    </dgm:shape>
+                                    <dgm:presOf/>
+                                    <dgm:constrLst/>
+                                    <dgm:ruleLst/>
+                                    <dgm:forEach name="Name31" ref="repeat"/>
+                                  </dgm:layoutNode>
+                                </dgm:layoutNode>
+                              </dgm:forEach>
+                            </dgm:forEach>
+                          </dgm:layoutNode>
+                        </dgm:layoutNode>
+                      </dgm:forEach>
+                    </dgm:forEach>
+                  </dgm:layoutNode>
+                </dgm:layoutNode>
+              </dgm:forEach>
+            </dgm:forEach>
+          </dgm:layoutNode>
+        </dgm:layoutNode>
+      </dgm:forEach>
+    </dgm:forEach>
+  </dgm:layoutNode>
+</dgm:layoutDef>
+</file>
+
+<file path=ppt/diagrams/layout6.xml><?xml version="1.0" encoding="utf-8"?>
+<dgm:layoutDef xmlns:dgm="http://schemas.openxmlformats.org/drawingml/2006/diagram" xmlns:a="http://schemas.openxmlformats.org/drawingml/2006/main" uniqueId="urn:microsoft.com/office/officeart/2005/8/layout/hierarchy1">
+  <dgm:title val=""/>
+  <dgm:desc val=""/>
+  <dgm:catLst>
+    <dgm:cat type="hierarchy" pri="2000"/>
+  </dgm:catLst>
+  <dgm:sampData>
+    <dgm:dataModel>
+      <dgm:ptLst>
+        <dgm:pt modelId="0" type="doc"/>
+        <dgm:pt modelId="1">
+          <dgm:prSet phldr="1"/>
+        </dgm:pt>
+        <dgm:pt modelId="2">
+          <dgm:prSet phldr="1"/>
+        </dgm:pt>
+        <dgm:pt modelId="21">
+          <dgm:prSet phldr="1"/>
+        </dgm:pt>
+        <dgm:pt modelId="22">
+          <dgm:prSet phldr="1"/>
+        </dgm:pt>
+        <dgm:pt modelId="3">
+          <dgm:prSet phldr="1"/>
+        </dgm:pt>
+        <dgm:pt modelId="31">
+          <dgm:prSet phldr="1"/>
+        </dgm:pt>
+      </dgm:ptLst>
+      <dgm:cxnLst>
+        <dgm:cxn modelId="4" srcId="0" destId="1" srcOrd="0" destOrd="0"/>
+        <dgm:cxn modelId="5" srcId="1" destId="2" srcOrd="0" destOrd="0"/>
+        <dgm:cxn modelId="6" srcId="1" destId="3" srcOrd="1" destOrd="0"/>
+        <dgm:cxn modelId="23" srcId="2" destId="21" srcOrd="0" destOrd="0"/>
+        <dgm:cxn modelId="24" srcId="2" destId="22" srcOrd="1" destOrd="0"/>
+        <dgm:cxn modelId="33" srcId="3" destId="31" srcOrd="0" destOrd="0"/>
+      </dgm:cxnLst>
+      <dgm:bg/>
+      <dgm:whole/>
+    </dgm:dataModel>
+  </dgm:sampData>
+  <dgm:styleData>
+    <dgm:dataModel>
+      <dgm:ptLst>
+        <dgm:pt modelId="0" type="doc"/>
+        <dgm:pt modelId="1"/>
+        <dgm:pt modelId="11"/>
+        <dgm:pt modelId="12"/>
+      </dgm:ptLst>
+      <dgm:cxnLst>
+        <dgm:cxn modelId="2" srcId="0" destId="1" srcOrd="0" destOrd="0"/>
+        <dgm:cxn modelId="13" srcId="1" destId="11" srcOrd="0" destOrd="0"/>
+        <dgm:cxn modelId="14" srcId="1" destId="12" srcOrd="1" destOrd="0"/>
+      </dgm:cxnLst>
+      <dgm:bg/>
+      <dgm:whole/>
+    </dgm:dataModel>
+  </dgm:styleData>
+  <dgm:clrData>
+    <dgm:dataModel>
+      <dgm:ptLst>
+        <dgm:pt modelId="0" type="doc"/>
+        <dgm:pt modelId="1"/>
+        <dgm:pt modelId="2"/>
+        <dgm:pt modelId="21"/>
+        <dgm:pt modelId="211"/>
+        <dgm:pt modelId="3"/>
+        <dgm:pt modelId="31"/>
+        <dgm:pt modelId="311"/>
+      </dgm:ptLst>
+      <dgm:cxnLst>
+        <dgm:cxn modelId="4" srcId="0" destId="1" srcOrd="0" destOrd="0"/>
+        <dgm:cxn modelId="5" srcId="1" destId="2" srcOrd="0" destOrd="0"/>
+        <dgm:cxn modelId="6" srcId="1" destId="3" srcOrd="1" destOrd="0"/>
+        <dgm:cxn modelId="23" srcId="2" destId="21" srcOrd="0" destOrd="0"/>
+        <dgm:cxn modelId="24" srcId="21" destId="211" srcOrd="0" destOrd="0"/>
+        <dgm:cxn modelId="33" srcId="3" destId="31" srcOrd="0" destOrd="0"/>
+        <dgm:cxn modelId="34" srcId="31" destId="311" srcOrd="0" destOrd="0"/>
+      </dgm:cxnLst>
+      <dgm:bg/>
+      <dgm:whole/>
+    </dgm:dataModel>
+  </dgm:clrData>
+  <dgm:layoutNode name="hierChild1">
+    <dgm:varLst>
+      <dgm:chPref val="1"/>
+      <dgm:dir/>
+      <dgm:animOne val="branch"/>
+      <dgm:animLvl val="lvl"/>
+      <dgm:resizeHandles/>
+    </dgm:varLst>
+    <dgm:choose name="Name0">
+      <dgm:if name="Name1" func="var" arg="dir" op="equ" val="norm">
+        <dgm:alg type="hierChild">
+          <dgm:param type="linDir" val="fromL"/>
+        </dgm:alg>
+      </dgm:if>
+      <dgm:else name="Name2">
+        <dgm:alg type="hierChild">
+          <dgm:param type="linDir" val="fromR"/>
+        </dgm:alg>
+      </dgm:else>
+    </dgm:choose>
+    <dgm:shape xmlns:r="http://schemas.openxmlformats.org/officeDocument/2006/relationships" r:blip="">
+      <dgm:adjLst/>
+    </dgm:shape>
+    <dgm:presOf/>
+    <dgm:constrLst>
+      <dgm:constr type="primFontSz" for="des" ptType="node" op="equ" val="65"/>
+      <dgm:constr type="w" for="des" forName="composite" refType="w"/>
+      <dgm:constr type="h" for="des" forName="composite" refType="w" refFor="des" refForName="composite" fact="0.667"/>
+      <dgm:constr type="w" for="des" forName="composite2" refType="w" refFor="des" refForName="composite"/>
+      <dgm:constr type="h" for="des" forName="composite2" refType="h" refFor="des" refForName="composite"/>
+      <dgm:constr type="w" for="des" forName="composite3" refType="w" refFor="des" refForName="composite"/>
+      <dgm:constr type="h" for="des" forName="composite3" refType="h" refFor="des" refForName="composite"/>
+      <dgm:constr type="w" for="des" forName="composite4" refType="w" refFor="des" refForName="composite"/>
+      <dgm:constr type="h" for="des" forName="composite4" refType="h" refFor="des" refForName="composite"/>
+      <dgm:constr type="w" for="des" forName="composite5" refType="w" refFor="des" refForName="composite"/>
+      <dgm:constr type="h" for="des" forName="composite5" refType="h" refFor="des" refForName="composite"/>
+      <dgm:constr type="sibSp" refType="w" refFor="des" refForName="composite" fact="0.1"/>
+      <dgm:constr type="sibSp" for="des" forName="hierChild2" refType="sibSp"/>
+      <dgm:constr type="sibSp" for="des" forName="hierChild3" refType="sibSp"/>
+      <dgm:constr type="sibSp" for="des" forName="hierChild4" refType="sibSp"/>
+      <dgm:constr type="sibSp" for="des" forName="hierChild5" refType="sibSp"/>
+      <dgm:constr type="sibSp" for="des" forName="hierChild6" refType="sibSp"/>
+      <dgm:constr type="sp" for="des" forName="hierRoot1" refType="h" refFor="des" refForName="composite" fact="0.25"/>
+      <dgm:constr type="sp" for="des" forName="hierRoot2" refType="sp" refFor="des" refForName="hierRoot1"/>
+      <dgm:constr type="sp" for="des" forName="hierRoot3" refType="sp" refFor="des" refForName="hierRoot1"/>
+      <dgm:constr type="sp" for="des" forName="hierRoot4" refType="sp" refFor="des" refForName="hierRoot1"/>
+      <dgm:constr type="sp" for="des" forName="hierRoot5" refType="sp" refFor="des" refForName="hierRoot1"/>
+    </dgm:constrLst>
+    <dgm:ruleLst/>
+    <dgm:forEach name="Name3" axis="ch">
+      <dgm:forEach name="Name4" axis="self" ptType="node">
+        <dgm:layoutNode name="hierRoot1">
+          <dgm:alg type="hierRoot"/>
+          <dgm:shape xmlns:r="http://schemas.openxmlformats.org/officeDocument/2006/relationships" r:blip="">
+            <dgm:adjLst/>
+          </dgm:shape>
+          <dgm:presOf/>
+          <dgm:constrLst>
+            <dgm:constr type="bendDist" for="des" ptType="parTrans" refType="sp" fact="0.5"/>
+          </dgm:constrLst>
+          <dgm:ruleLst/>
+          <dgm:layoutNode name="composite">
+            <dgm:alg type="composite"/>
+            <dgm:shape xmlns:r="http://schemas.openxmlformats.org/officeDocument/2006/relationships" r:blip="">
+              <dgm:adjLst/>
+            </dgm:shape>
+            <dgm:presOf/>
+            <dgm:constrLst>
+              <dgm:constr type="w" for="ch" forName="background" refType="w" fact="0.9"/>
+              <dgm:constr type="h" for="ch" forName="background" refType="w" refFor="ch" refForName="background" fact="0.635"/>
+              <dgm:constr type="t" for="ch" forName="background"/>
+              <dgm:constr type="l" for="ch" forName="background"/>
+              <dgm:constr type="w" for="ch" forName="text" refType="w" fact="0.9"/>
+              <dgm:constr type="h" for="ch" forName="text" refType="w" refFor="ch" refForName="text" fact="0.635"/>
+              <dgm:constr type="t" for="ch" forName="text" refType="w" fact="0.095"/>
+              <dgm:constr type="l" for="ch" forName="text" refType="w" fact="0.1"/>
+            </dgm:constrLst>
+            <dgm:ruleLst/>
+            <dgm:layoutNode name="background" styleLbl="node0" moveWith="text">
+              <dgm:alg type="sp"/>
+              <dgm:shape xmlns:r="http://schemas.openxmlformats.org/officeDocument/2006/relationships" type="roundRect" r:blip="">
+                <dgm:adjLst>
+                  <dgm:adj idx="1" val="0.1"/>
+                </dgm:adjLst>
+              </dgm:shape>
+              <dgm:presOf/>
+              <dgm:constrLst/>
+              <dgm:ruleLst/>
+            </dgm:layoutNode>
+            <dgm:layoutNode name="text" styleLbl="fgAcc0">
+              <dgm:varLst>
+                <dgm:chPref val="3"/>
+              </dgm:varLst>
+              <dgm:alg type="tx"/>
+              <dgm:shape xmlns:r="http://schemas.openxmlformats.org/officeDocument/2006/relationships" type="roundRect" r:blip="">
+                <dgm:adjLst>
+                  <dgm:adj idx="1" val="0.1"/>
+                </dgm:adjLst>
+              </dgm:shape>
+              <dgm:presOf axis="self"/>
+              <dgm:constrLst>
+                <dgm:constr type="tMarg" refType="primFontSz" fact="0.3"/>
+                <dgm:constr type="bMarg" refType="primFontSz" fact="0.3"/>
+                <dgm:constr type="lMarg" refType="primFontSz" fact="0.3"/>
+                <dgm:constr type="rMarg" refType="primFontSz" fact="0.3"/>
+              </dgm:constrLst>
+              <dgm:ruleLst>
+                <dgm:rule type="primFontSz" val="5" fact="NaN" max="NaN"/>
+              </dgm:ruleLst>
+            </dgm:layoutNode>
+          </dgm:layoutNode>
+          <dgm:layoutNode name="hierChild2">
+            <dgm:choose name="Name5">
+              <dgm:if name="Name6" func="var" arg="dir" op="equ" val="norm">
+                <dgm:alg type="hierChild">
+                  <dgm:param type="linDir" val="fromL"/>
+                </dgm:alg>
+              </dgm:if>
+              <dgm:else name="Name7">
+                <dgm:alg type="hierChild">
+                  <dgm:param type="linDir" val="fromR"/>
+                </dgm:alg>
+              </dgm:else>
+            </dgm:choose>
+            <dgm:shape xmlns:r="http://schemas.openxmlformats.org/officeDocument/2006/relationships" r:blip="">
+              <dgm:adjLst/>
+            </dgm:shape>
+            <dgm:presOf/>
+            <dgm:constrLst/>
+            <dgm:ruleLst/>
+            <dgm:forEach name="Name8" axis="ch">
+              <dgm:forEach name="Name9" axis="self" ptType="parTrans" cnt="1">
+                <dgm:layoutNode name="Name10">
+                  <dgm:alg type="conn">
+                    <dgm:param type="dim" val="1D"/>
+                    <dgm:param type="endSty" val="noArr"/>
+                    <dgm:param type="connRout" val="bend"/>
+                    <dgm:param type="bendPt" val="end"/>
+                    <dgm:param type="begPts" val="bCtr"/>
+                    <dgm:param type="endPts" val="tCtr"/>
+                    <dgm:param type="srcNode" val="background"/>
+                    <dgm:param type="dstNode" val="background2"/>
+                  </dgm:alg>
+                  <dgm:shape xmlns:r="http://schemas.openxmlformats.org/officeDocument/2006/relationships" type="conn" r:blip="" zOrderOff="-999">
+                    <dgm:adjLst/>
+                  </dgm:shape>
+                  <dgm:presOf axis="self"/>
+                  <dgm:constrLst>
+                    <dgm:constr type="begPad"/>
+                    <dgm:constr type="endPad"/>
+                  </dgm:constrLst>
+                  <dgm:ruleLst/>
+                </dgm:layoutNode>
+              </dgm:forEach>
+              <dgm:forEach name="Name11" axis="self" ptType="node">
+                <dgm:layoutNode name="hierRoot2">
+                  <dgm:alg type="hierRoot"/>
+                  <dgm:shape xmlns:r="http://schemas.openxmlformats.org/officeDocument/2006/relationships" r:blip="">
+                    <dgm:adjLst/>
+                  </dgm:shape>
+                  <dgm:presOf/>
+                  <dgm:constrLst>
+                    <dgm:constr type="bendDist" for="des" ptType="parTrans" refType="sp" fact="0.5"/>
+                  </dgm:constrLst>
+                  <dgm:ruleLst/>
+                  <dgm:layoutNode name="composite2">
+                    <dgm:alg type="composite"/>
+                    <dgm:shape xmlns:r="http://schemas.openxmlformats.org/officeDocument/2006/relationships" r:blip="">
+                      <dgm:adjLst/>
+                    </dgm:shape>
+                    <dgm:presOf/>
+                    <dgm:constrLst>
+                      <dgm:constr type="w" for="ch" forName="background2" refType="w" fact="0.9"/>
+                      <dgm:constr type="h" for="ch" forName="background2" refType="w" refFor="ch" refForName="background2" fact="0.635"/>
+                      <dgm:constr type="t" for="ch" forName="background2"/>
+                      <dgm:constr type="l" for="ch" forName="background2"/>
+                      <dgm:constr type="w" for="ch" forName="text2" refType="w" fact="0.9"/>
+                      <dgm:constr type="h" for="ch" forName="text2" refType="w" refFor="ch" refForName="text2" fact="0.635"/>
+                      <dgm:constr type="t" for="ch" forName="text2" refType="w" fact="0.095"/>
+                      <dgm:constr type="l" for="ch" forName="text2" refType="w" fact="0.1"/>
+                    </dgm:constrLst>
+                    <dgm:ruleLst/>
+                    <dgm:layoutNode name="background2" moveWith="text2">
+                      <dgm:alg type="sp"/>
+                      <dgm:shape xmlns:r="http://schemas.openxmlformats.org/officeDocument/2006/relationships" type="roundRect" r:blip="">
+                        <dgm:adjLst>
+                          <dgm:adj idx="1" val="0.1"/>
+                        </dgm:adjLst>
+                      </dgm:shape>
+                      <dgm:presOf/>
+                      <dgm:constrLst/>
+                      <dgm:ruleLst/>
+                    </dgm:layoutNode>
+                    <dgm:layoutNode name="text2" styleLbl="fgAcc2">
+                      <dgm:varLst>
+                        <dgm:chPref val="3"/>
+                      </dgm:varLst>
+                      <dgm:alg type="tx"/>
+                      <dgm:shape xmlns:r="http://schemas.openxmlformats.org/officeDocument/2006/relationships" type="roundRect" r:blip="">
+                        <dgm:adjLst>
+                          <dgm:adj idx="1" val="0.1"/>
+                        </dgm:adjLst>
+                      </dgm:shape>
+                      <dgm:presOf axis="self"/>
+                      <dgm:constrLst>
+                        <dgm:constr type="tMarg" refType="primFontSz" fact="0.3"/>
+                        <dgm:constr type="bMarg" refType="primFontSz" fact="0.3"/>
+                        <dgm:constr type="lMarg" refType="primFontSz" fact="0.3"/>
+                        <dgm:constr type="rMarg" refType="primFontSz" fact="0.3"/>
+                      </dgm:constrLst>
+                      <dgm:ruleLst>
+                        <dgm:rule type="primFontSz" val="5" fact="NaN" max="NaN"/>
+                      </dgm:ruleLst>
+                    </dgm:layoutNode>
+                  </dgm:layoutNode>
+                  <dgm:layoutNode name="hierChild3">
+                    <dgm:choose name="Name12">
+                      <dgm:if name="Name13" func="var" arg="dir" op="equ" val="norm">
+                        <dgm:alg type="hierChild">
+                          <dgm:param type="linDir" val="fromL"/>
+                        </dgm:alg>
+                      </dgm:if>
+                      <dgm:else name="Name14">
+                        <dgm:alg type="hierChild">
+                          <dgm:param type="linDir" val="fromR"/>
+                        </dgm:alg>
+                      </dgm:else>
+                    </dgm:choose>
+                    <dgm:shape xmlns:r="http://schemas.openxmlformats.org/officeDocument/2006/relationships" r:blip="">
+                      <dgm:adjLst/>
+                    </dgm:shape>
+                    <dgm:presOf/>
+                    <dgm:constrLst/>
+                    <dgm:ruleLst/>
+                    <dgm:forEach name="Name15" axis="ch">
+                      <dgm:forEach name="Name16" axis="self" ptType="parTrans" cnt="1">
+                        <dgm:layoutNode name="Name17">
+                          <dgm:alg type="conn">
+                            <dgm:param type="dim" val="1D"/>
+                            <dgm:param type="endSty" val="noArr"/>
+                            <dgm:param type="connRout" val="bend"/>
+                            <dgm:param type="bendPt" val="end"/>
+                            <dgm:param type="begPts" val="bCtr"/>
+                            <dgm:param type="endPts" val="tCtr"/>
+                            <dgm:param type="srcNode" val="background2"/>
+                            <dgm:param type="dstNode" val="background3"/>
+                          </dgm:alg>
+                          <dgm:shape xmlns:r="http://schemas.openxmlformats.org/officeDocument/2006/relationships" type="conn" r:blip="" zOrderOff="-999">
+                            <dgm:adjLst/>
+                          </dgm:shape>
+                          <dgm:presOf axis="self"/>
+                          <dgm:constrLst>
+                            <dgm:constr type="begPad"/>
+                            <dgm:constr type="endPad"/>
+                          </dgm:constrLst>
+                          <dgm:ruleLst/>
+                        </dgm:layoutNode>
+                      </dgm:forEach>
+                      <dgm:forEach name="Name18" axis="self" ptType="node">
+                        <dgm:layoutNode name="hierRoot3">
+                          <dgm:alg type="hierRoot"/>
+                          <dgm:shape xmlns:r="http://schemas.openxmlformats.org/officeDocument/2006/relationships" r:blip="">
+                            <dgm:adjLst/>
+                          </dgm:shape>
+                          <dgm:presOf/>
+                          <dgm:constrLst>
+                            <dgm:constr type="bendDist" for="des" ptType="parTrans" refType="sp" fact="0.5"/>
+                          </dgm:constrLst>
+                          <dgm:ruleLst/>
+                          <dgm:layoutNode name="composite3">
+                            <dgm:alg type="composite"/>
+                            <dgm:shape xmlns:r="http://schemas.openxmlformats.org/officeDocument/2006/relationships" r:blip="">
+                              <dgm:adjLst/>
+                            </dgm:shape>
+                            <dgm:presOf/>
+                            <dgm:constrLst>
+                              <dgm:constr type="w" for="ch" forName="background3" refType="w" fact="0.9"/>
+                              <dgm:constr type="h" for="ch" forName="background3" refType="w" refFor="ch" refForName="background3" fact="0.635"/>
+                              <dgm:constr type="t" for="ch" forName="background3"/>
+                              <dgm:constr type="l" for="ch" forName="background3"/>
+                              <dgm:constr type="w" for="ch" forName="text3" refType="w" fact="0.9"/>
+                              <dgm:constr type="h" for="ch" forName="text3" refType="w" refFor="ch" refForName="text3" fact="0.635"/>
+                              <dgm:constr type="t" for="ch" forName="text3" refType="w" fact="0.095"/>
+                              <dgm:constr type="l" for="ch" forName="text3" refType="w" fact="0.1"/>
+                            </dgm:constrLst>
+                            <dgm:ruleLst/>
+                            <dgm:layoutNode name="background3" moveWith="text3">
+                              <dgm:alg type="sp"/>
+                              <dgm:shape xmlns:r="http://schemas.openxmlformats.org/officeDocument/2006/relationships" type="roundRect" r:blip="">
+                                <dgm:adjLst>
+                                  <dgm:adj idx="1" val="0.1"/>
+                                </dgm:adjLst>
+                              </dgm:shape>
+                              <dgm:presOf/>
+                              <dgm:constrLst/>
+                              <dgm:ruleLst/>
+                            </dgm:layoutNode>
+                            <dgm:layoutNode name="text3" styleLbl="fgAcc3">
+                              <dgm:varLst>
+                                <dgm:chPref val="3"/>
+                              </dgm:varLst>
+                              <dgm:alg type="tx"/>
+                              <dgm:shape xmlns:r="http://schemas.openxmlformats.org/officeDocument/2006/relationships" type="roundRect" r:blip="">
+                                <dgm:adjLst>
+                                  <dgm:adj idx="1" val="0.1"/>
+                                </dgm:adjLst>
+                              </dgm:shape>
+                              <dgm:presOf axis="self"/>
+                              <dgm:constrLst>
+                                <dgm:constr type="tMarg" refType="primFontSz" fact="0.3"/>
+                                <dgm:constr type="bMarg" refType="primFontSz" fact="0.3"/>
+                                <dgm:constr type="lMarg" refType="primFontSz" fact="0.3"/>
+                                <dgm:constr type="rMarg" refType="primFontSz" fact="0.3"/>
+                              </dgm:constrLst>
+                              <dgm:ruleLst>
+                                <dgm:rule type="primFontSz" val="5" fact="NaN" max="NaN"/>
+                              </dgm:ruleLst>
+                            </dgm:layoutNode>
+                          </dgm:layoutNode>
+                          <dgm:layoutNode name="hierChild4">
+                            <dgm:choose name="Name19">
+                              <dgm:if name="Name20" func="var" arg="dir" op="equ" val="norm">
+                                <dgm:alg type="hierChild">
+                                  <dgm:param type="linDir" val="fromL"/>
+                                </dgm:alg>
+                              </dgm:if>
+                              <dgm:else name="Name21">
+                                <dgm:alg type="hierChild">
+                                  <dgm:param type="linDir" val="fromR"/>
+                                </dgm:alg>
+                              </dgm:else>
+                            </dgm:choose>
+                            <dgm:shape xmlns:r="http://schemas.openxmlformats.org/officeDocument/2006/relationships" r:blip="">
+                              <dgm:adjLst/>
+                            </dgm:shape>
+                            <dgm:presOf/>
+                            <dgm:constrLst/>
+                            <dgm:ruleLst/>
+                            <dgm:forEach name="repeat" axis="ch">
+                              <dgm:forEach name="Name22" axis="self" ptType="parTrans" cnt="1">
+                                <dgm:layoutNode name="Name23">
+                                  <dgm:choose name="Name24">
+                                    <dgm:if name="Name25" axis="self" func="depth" op="lte" val="4">
+                                      <dgm:alg type="conn">
+                                        <dgm:param type="dim" val="1D"/>
+                                        <dgm:param type="endSty" val="noArr"/>
+                                        <dgm:param type="connRout" val="bend"/>
+                                        <dgm:param type="bendPt" val="end"/>
+                                        <dgm:param type="begPts" val="bCtr"/>
+                                        <dgm:param type="endPts" val="tCtr"/>
+                                        <dgm:param type="srcNode" val="background3"/>
+                                        <dgm:param type="dstNode" val="background4"/>
+                                      </dgm:alg>
+                                    </dgm:if>
+                                    <dgm:else name="Name26">
+                                      <dgm:alg type="conn">
+                                        <dgm:param type="dim" val="1D"/>
+                                        <dgm:param type="endSty" val="noArr"/>
+                                        <dgm:param type="connRout" val="bend"/>
+                                        <dgm:param type="bendPt" val="end"/>
+                                        <dgm:param type="begPts" val="bCtr"/>
+                                        <dgm:param type="endPts" val="tCtr"/>
+                                        <dgm:param type="srcNode" val="background4"/>
+                                        <dgm:param type="dstNode" val="background4"/>
+                                      </dgm:alg>
+                                    </dgm:else>
+                                  </dgm:choose>
+                                  <dgm:shape xmlns:r="http://schemas.openxmlformats.org/officeDocument/2006/relationships" type="conn" r:blip="" zOrderOff="-999">
+                                    <dgm:adjLst/>
+                                  </dgm:shape>
+                                  <dgm:presOf axis="self"/>
+                                  <dgm:constrLst>
+                                    <dgm:constr type="begPad"/>
+                                    <dgm:constr type="endPad"/>
+                                  </dgm:constrLst>
+                                  <dgm:ruleLst/>
+                                </dgm:layoutNode>
+                              </dgm:forEach>
+                              <dgm:forEach name="Name27" axis="self" ptType="node">
+                                <dgm:layoutNode name="hierRoot4">
+                                  <dgm:alg type="hierRoot"/>
+                                  <dgm:shape xmlns:r="http://schemas.openxmlformats.org/officeDocument/2006/relationships" r:blip="">
+                                    <dgm:adjLst/>
+                                  </dgm:shape>
+                                  <dgm:presOf/>
+                                  <dgm:constrLst>
+                                    <dgm:constr type="bendDist" for="des" ptType="parTrans" refType="sp" fact="0.5"/>
+                                  </dgm:constrLst>
+                                  <dgm:ruleLst/>
+                                  <dgm:layoutNode name="composite4">
+                                    <dgm:alg type="composite"/>
+                                    <dgm:shape xmlns:r="http://schemas.openxmlformats.org/officeDocument/2006/relationships" r:blip="">
+                                      <dgm:adjLst/>
+                                    </dgm:shape>
+                                    <dgm:presOf/>
+                                    <dgm:constrLst>
+                                      <dgm:constr type="w" for="ch" forName="background4" refType="w" fact="0.9"/>
+                                      <dgm:constr type="h" for="ch" forName="background4" refType="w" refFor="ch" refForName="background4" fact="0.635"/>
+                                      <dgm:constr type="t" for="ch" forName="background4"/>
+                                      <dgm:constr type="l" for="ch" forName="background4"/>
+                                      <dgm:constr type="w" for="ch" forName="text4" refType="w" fact="0.9"/>
+                                      <dgm:constr type="h" for="ch" forName="text4" refType="w" refFor="ch" refForName="text4" fact="0.635"/>
+                                      <dgm:constr type="t" for="ch" forName="text4" refType="w" fact="0.095"/>
+                                      <dgm:constr type="l" for="ch" forName="text4" refType="w" fact="0.1"/>
+                                    </dgm:constrLst>
+                                    <dgm:ruleLst/>
+                                    <dgm:layoutNode name="background4" moveWith="text4">
+                                      <dgm:alg type="sp"/>
+                                      <dgm:shape xmlns:r="http://schemas.openxmlformats.org/officeDocument/2006/relationships" type="roundRect" r:blip="">
+                                        <dgm:adjLst>
+                                          <dgm:adj idx="1" val="0.1"/>
+                                        </dgm:adjLst>
+                                      </dgm:shape>
+                                      <dgm:presOf/>
+                                      <dgm:constrLst/>
+                                      <dgm:ruleLst/>
+                                    </dgm:layoutNode>
+                                    <dgm:layoutNode name="text4" styleLbl="fgAcc4">
+                                      <dgm:varLst>
+                                        <dgm:chPref val="3"/>
+                                      </dgm:varLst>
+                                      <dgm:alg type="tx"/>
+                                      <dgm:shape xmlns:r="http://schemas.openxmlformats.org/officeDocument/2006/relationships" type="roundRect" r:blip="">
+                                        <dgm:adjLst>
+                                          <dgm:adj idx="1" val="0.1"/>
+                                        </dgm:adjLst>
+                                      </dgm:shape>
+                                      <dgm:presOf axis="self"/>
+                                      <dgm:constrLst>
+                                        <dgm:constr type="tMarg" refType="primFontSz" fact="0.3"/>
+                                        <dgm:constr type="bMarg" refType="primFontSz" fact="0.3"/>
+                                        <dgm:constr type="lMarg" refType="primFontSz" fact="0.3"/>
+                                        <dgm:constr type="rMarg" refType="primFontSz" fact="0.3"/>
+                                      </dgm:constrLst>
+                                      <dgm:ruleLst>
+                                        <dgm:rule type="primFontSz" val="5" fact="NaN" max="NaN"/>
+                                      </dgm:ruleLst>
+                                    </dgm:layoutNode>
+                                  </dgm:layoutNode>
+                                  <dgm:layoutNode name="hierChild5">
+                                    <dgm:choose name="Name28">
+                                      <dgm:if name="Name29" func="var" arg="dir" op="equ" val="norm">
+                                        <dgm:alg type="hierChild">
+                                          <dgm:param type="linDir" val="fromL"/>
+                                        </dgm:alg>
+                                      </dgm:if>
+                                      <dgm:else name="Name30">
+                                        <dgm:alg type="hierChild">
+                                          <dgm:param type="linDir" val="fromR"/>
+                                        </dgm:alg>
+                                      </dgm:else>
+                                    </dgm:choose>
+                                    <dgm:shape xmlns:r="http://schemas.openxmlformats.org/officeDocument/2006/relationships" r:blip="">
+                                      <dgm:adjLst/>
+                                    </dgm:shape>
+                                    <dgm:presOf/>
+                                    <dgm:constrLst/>
+                                    <dgm:ruleLst/>
+                                    <dgm:forEach name="Name31" ref="repeat"/>
+                                  </dgm:layoutNode>
+                                </dgm:layoutNode>
+                              </dgm:forEach>
+                            </dgm:forEach>
+                          </dgm:layoutNode>
+                        </dgm:layoutNode>
+                      </dgm:forEach>
+                    </dgm:forEach>
+                  </dgm:layoutNode>
+                </dgm:layoutNode>
+              </dgm:forEach>
+            </dgm:forEach>
+          </dgm:layoutNode>
+        </dgm:layoutNode>
+      </dgm:forEach>
+    </dgm:forEach>
+  </dgm:layoutNode>
+</dgm:layoutDef>
+</file>
+
 <file path=ppt/diagrams/quickStyle1.xml><?xml version="1.0" encoding="utf-8"?>
 <dgm:styleDef xmlns:dgm="http://schemas.openxmlformats.org/drawingml/2006/diagram" xmlns:a="http://schemas.openxmlformats.org/drawingml/2006/main" uniqueId="urn:microsoft.com/office/officeart/2005/8/quickstyle/simple1">
   <dgm:title val=""/>
@@ -29174,6 +34902,2074 @@
 </file>
 
 <file path=ppt/diagrams/quickStyle4.xml><?xml version="1.0" encoding="utf-8"?>
+<dgm:styleDef xmlns:dgm="http://schemas.openxmlformats.org/drawingml/2006/diagram" xmlns:a="http://schemas.openxmlformats.org/drawingml/2006/main" uniqueId="urn:microsoft.com/office/officeart/2005/8/quickstyle/simple1">
+  <dgm:title val=""/>
+  <dgm:desc val=""/>
+  <dgm:catLst>
+    <dgm:cat type="simple" pri="10100"/>
+  </dgm:catLst>
+  <dgm:scene3d>
+    <a:camera prst="orthographicFront"/>
+    <a:lightRig rig="threePt" dir="t"/>
+  </dgm:scene3d>
+  <dgm:styleLbl name="node0">
+    <dgm:scene3d>
+      <a:camera prst="orthographicFront"/>
+      <a:lightRig rig="threePt" dir="t"/>
+    </dgm:scene3d>
+    <dgm:sp3d/>
+    <dgm:txPr/>
+    <dgm:style>
+      <a:lnRef idx="2">
+        <a:scrgbClr r="0" g="0" b="0"/>
+      </a:lnRef>
+      <a:fillRef idx="1">
+        <a:scrgbClr r="0" g="0" b="0"/>
+      </a:fillRef>
+      <a:effectRef idx="0">
+        <a:scrgbClr r="0" g="0" b="0"/>
+      </a:effectRef>
+      <a:fontRef idx="minor">
+        <a:schemeClr val="lt1"/>
+      </a:fontRef>
+    </dgm:style>
+  </dgm:styleLbl>
+  <dgm:styleLbl name="lnNode1">
+    <dgm:scene3d>
+      <a:camera prst="orthographicFront"/>
+      <a:lightRig rig="threePt" dir="t"/>
+    </dgm:scene3d>
+    <dgm:sp3d/>
+    <dgm:txPr/>
+    <dgm:style>
+      <a:lnRef idx="2">
+        <a:scrgbClr r="0" g="0" b="0"/>
+      </a:lnRef>
+      <a:fillRef idx="1">
+        <a:scrgbClr r="0" g="0" b="0"/>
+      </a:fillRef>
+      <a:effectRef idx="0">
+        <a:scrgbClr r="0" g="0" b="0"/>
+      </a:effectRef>
+      <a:fontRef idx="minor">
+        <a:schemeClr val="lt1"/>
+      </a:fontRef>
+    </dgm:style>
+  </dgm:styleLbl>
+  <dgm:styleLbl name="vennNode1">
+    <dgm:scene3d>
+      <a:camera prst="orthographicFront"/>
+      <a:lightRig rig="threePt" dir="t"/>
+    </dgm:scene3d>
+    <dgm:sp3d/>
+    <dgm:txPr/>
+    <dgm:style>
+      <a:lnRef idx="2">
+        <a:scrgbClr r="0" g="0" b="0"/>
+      </a:lnRef>
+      <a:fillRef idx="1">
+        <a:scrgbClr r="0" g="0" b="0"/>
+      </a:fillRef>
+      <a:effectRef idx="0">
+        <a:scrgbClr r="0" g="0" b="0"/>
+      </a:effectRef>
+      <a:fontRef idx="minor">
+        <a:schemeClr val="tx1"/>
+      </a:fontRef>
+    </dgm:style>
+  </dgm:styleLbl>
+  <dgm:styleLbl name="alignNode1">
+    <dgm:scene3d>
+      <a:camera prst="orthographicFront"/>
+      <a:lightRig rig="threePt" dir="t"/>
+    </dgm:scene3d>
+    <dgm:sp3d/>
+    <dgm:txPr/>
+    <dgm:style>
+      <a:lnRef idx="2">
+        <a:scrgbClr r="0" g="0" b="0"/>
+      </a:lnRef>
+      <a:fillRef idx="1">
+        <a:scrgbClr r="0" g="0" b="0"/>
+      </a:fillRef>
+      <a:effectRef idx="0">
+        <a:scrgbClr r="0" g="0" b="0"/>
+      </a:effectRef>
+      <a:fontRef idx="minor">
+        <a:schemeClr val="lt1"/>
+      </a:fontRef>
+    </dgm:style>
+  </dgm:styleLbl>
+  <dgm:styleLbl name="node1">
+    <dgm:scene3d>
+      <a:camera prst="orthographicFront"/>
+      <a:lightRig rig="threePt" dir="t"/>
+    </dgm:scene3d>
+    <dgm:sp3d/>
+    <dgm:txPr/>
+    <dgm:style>
+      <a:lnRef idx="2">
+        <a:scrgbClr r="0" g="0" b="0"/>
+      </a:lnRef>
+      <a:fillRef idx="1">
+        <a:scrgbClr r="0" g="0" b="0"/>
+      </a:fillRef>
+      <a:effectRef idx="0">
+        <a:scrgbClr r="0" g="0" b="0"/>
+      </a:effectRef>
+      <a:fontRef idx="minor">
+        <a:schemeClr val="lt1"/>
+      </a:fontRef>
+    </dgm:style>
+  </dgm:styleLbl>
+  <dgm:styleLbl name="node2">
+    <dgm:scene3d>
+      <a:camera prst="orthographicFront"/>
+      <a:lightRig rig="threePt" dir="t"/>
+    </dgm:scene3d>
+    <dgm:sp3d/>
+    <dgm:txPr/>
+    <dgm:style>
+      <a:lnRef idx="2">
+        <a:scrgbClr r="0" g="0" b="0"/>
+      </a:lnRef>
+      <a:fillRef idx="1">
+        <a:scrgbClr r="0" g="0" b="0"/>
+      </a:fillRef>
+      <a:effectRef idx="0">
+        <a:scrgbClr r="0" g="0" b="0"/>
+      </a:effectRef>
+      <a:fontRef idx="minor">
+        <a:schemeClr val="lt1"/>
+      </a:fontRef>
+    </dgm:style>
+  </dgm:styleLbl>
+  <dgm:styleLbl name="node3">
+    <dgm:scene3d>
+      <a:camera prst="orthographicFront"/>
+      <a:lightRig rig="threePt" dir="t"/>
+    </dgm:scene3d>
+    <dgm:sp3d/>
+    <dgm:txPr/>
+    <dgm:style>
+      <a:lnRef idx="2">
+        <a:scrgbClr r="0" g="0" b="0"/>
+      </a:lnRef>
+      <a:fillRef idx="1">
+        <a:scrgbClr r="0" g="0" b="0"/>
+      </a:fillRef>
+      <a:effectRef idx="0">
+        <a:scrgbClr r="0" g="0" b="0"/>
+      </a:effectRef>
+      <a:fontRef idx="minor">
+        <a:schemeClr val="lt1"/>
+      </a:fontRef>
+    </dgm:style>
+  </dgm:styleLbl>
+  <dgm:styleLbl name="node4">
+    <dgm:scene3d>
+      <a:camera prst="orthographicFront"/>
+      <a:lightRig rig="threePt" dir="t"/>
+    </dgm:scene3d>
+    <dgm:sp3d/>
+    <dgm:txPr/>
+    <dgm:style>
+      <a:lnRef idx="2">
+        <a:scrgbClr r="0" g="0" b="0"/>
+      </a:lnRef>
+      <a:fillRef idx="1">
+        <a:scrgbClr r="0" g="0" b="0"/>
+      </a:fillRef>
+      <a:effectRef idx="0">
+        <a:scrgbClr r="0" g="0" b="0"/>
+      </a:effectRef>
+      <a:fontRef idx="minor">
+        <a:schemeClr val="lt1"/>
+      </a:fontRef>
+    </dgm:style>
+  </dgm:styleLbl>
+  <dgm:styleLbl name="fgImgPlace1">
+    <dgm:scene3d>
+      <a:camera prst="orthographicFront"/>
+      <a:lightRig rig="threePt" dir="t"/>
+    </dgm:scene3d>
+    <dgm:sp3d/>
+    <dgm:txPr/>
+    <dgm:style>
+      <a:lnRef idx="2">
+        <a:scrgbClr r="0" g="0" b="0"/>
+      </a:lnRef>
+      <a:fillRef idx="1">
+        <a:scrgbClr r="0" g="0" b="0"/>
+      </a:fillRef>
+      <a:effectRef idx="0">
+        <a:scrgbClr r="0" g="0" b="0"/>
+      </a:effectRef>
+      <a:fontRef idx="minor"/>
+    </dgm:style>
+  </dgm:styleLbl>
+  <dgm:styleLbl name="alignImgPlace1">
+    <dgm:scene3d>
+      <a:camera prst="orthographicFront"/>
+      <a:lightRig rig="threePt" dir="t"/>
+    </dgm:scene3d>
+    <dgm:sp3d/>
+    <dgm:txPr/>
+    <dgm:style>
+      <a:lnRef idx="2">
+        <a:scrgbClr r="0" g="0" b="0"/>
+      </a:lnRef>
+      <a:fillRef idx="1">
+        <a:scrgbClr r="0" g="0" b="0"/>
+      </a:fillRef>
+      <a:effectRef idx="0">
+        <a:scrgbClr r="0" g="0" b="0"/>
+      </a:effectRef>
+      <a:fontRef idx="minor"/>
+    </dgm:style>
+  </dgm:styleLbl>
+  <dgm:styleLbl name="bgImgPlace1">
+    <dgm:scene3d>
+      <a:camera prst="orthographicFront"/>
+      <a:lightRig rig="threePt" dir="t"/>
+    </dgm:scene3d>
+    <dgm:sp3d/>
+    <dgm:txPr/>
+    <dgm:style>
+      <a:lnRef idx="2">
+        <a:scrgbClr r="0" g="0" b="0"/>
+      </a:lnRef>
+      <a:fillRef idx="1">
+        <a:scrgbClr r="0" g="0" b="0"/>
+      </a:fillRef>
+      <a:effectRef idx="0">
+        <a:scrgbClr r="0" g="0" b="0"/>
+      </a:effectRef>
+      <a:fontRef idx="minor"/>
+    </dgm:style>
+  </dgm:styleLbl>
+  <dgm:styleLbl name="sibTrans2D1">
+    <dgm:scene3d>
+      <a:camera prst="orthographicFront"/>
+      <a:lightRig rig="threePt" dir="t"/>
+    </dgm:scene3d>
+    <dgm:sp3d/>
+    <dgm:txPr/>
+    <dgm:style>
+      <a:lnRef idx="0">
+        <a:scrgbClr r="0" g="0" b="0"/>
+      </a:lnRef>
+      <a:fillRef idx="1">
+        <a:scrgbClr r="0" g="0" b="0"/>
+      </a:fillRef>
+      <a:effectRef idx="0">
+        <a:scrgbClr r="0" g="0" b="0"/>
+      </a:effectRef>
+      <a:fontRef idx="minor">
+        <a:schemeClr val="lt1"/>
+      </a:fontRef>
+    </dgm:style>
+  </dgm:styleLbl>
+  <dgm:styleLbl name="fgSibTrans2D1">
+    <dgm:scene3d>
+      <a:camera prst="orthographicFront"/>
+      <a:lightRig rig="threePt" dir="t"/>
+    </dgm:scene3d>
+    <dgm:sp3d/>
+    <dgm:txPr/>
+    <dgm:style>
+      <a:lnRef idx="0">
+        <a:scrgbClr r="0" g="0" b="0"/>
+      </a:lnRef>
+      <a:fillRef idx="1">
+        <a:scrgbClr r="0" g="0" b="0"/>
+      </a:fillRef>
+      <a:effectRef idx="0">
+        <a:scrgbClr r="0" g="0" b="0"/>
+      </a:effectRef>
+      <a:fontRef idx="minor">
+        <a:schemeClr val="lt1"/>
+      </a:fontRef>
+    </dgm:style>
+  </dgm:styleLbl>
+  <dgm:styleLbl name="bgSibTrans2D1">
+    <dgm:scene3d>
+      <a:camera prst="orthographicFront"/>
+      <a:lightRig rig="threePt" dir="t"/>
+    </dgm:scene3d>
+    <dgm:sp3d/>
+    <dgm:txPr/>
+    <dgm:style>
+      <a:lnRef idx="0">
+        <a:scrgbClr r="0" g="0" b="0"/>
+      </a:lnRef>
+      <a:fillRef idx="1">
+        <a:scrgbClr r="0" g="0" b="0"/>
+      </a:fillRef>
+      <a:effectRef idx="0">
+        <a:scrgbClr r="0" g="0" b="0"/>
+      </a:effectRef>
+      <a:fontRef idx="minor">
+        <a:schemeClr val="lt1"/>
+      </a:fontRef>
+    </dgm:style>
+  </dgm:styleLbl>
+  <dgm:styleLbl name="sibTrans1D1">
+    <dgm:scene3d>
+      <a:camera prst="orthographicFront"/>
+      <a:lightRig rig="threePt" dir="t"/>
+    </dgm:scene3d>
+    <dgm:sp3d/>
+    <dgm:txPr/>
+    <dgm:style>
+      <a:lnRef idx="1">
+        <a:scrgbClr r="0" g="0" b="0"/>
+      </a:lnRef>
+      <a:fillRef idx="0">
+        <a:scrgbClr r="0" g="0" b="0"/>
+      </a:fillRef>
+      <a:effectRef idx="0">
+        <a:scrgbClr r="0" g="0" b="0"/>
+      </a:effectRef>
+      <a:fontRef idx="minor"/>
+    </dgm:style>
+  </dgm:styleLbl>
+  <dgm:styleLbl name="callout">
+    <dgm:scene3d>
+      <a:camera prst="orthographicFront"/>
+      <a:lightRig rig="threePt" dir="t"/>
+    </dgm:scene3d>
+    <dgm:sp3d/>
+    <dgm:txPr/>
+    <dgm:style>
+      <a:lnRef idx="2">
+        <a:scrgbClr r="0" g="0" b="0"/>
+      </a:lnRef>
+      <a:fillRef idx="1">
+        <a:scrgbClr r="0" g="0" b="0"/>
+      </a:fillRef>
+      <a:effectRef idx="0">
+        <a:scrgbClr r="0" g="0" b="0"/>
+      </a:effectRef>
+      <a:fontRef idx="minor"/>
+    </dgm:style>
+  </dgm:styleLbl>
+  <dgm:styleLbl name="asst0">
+    <dgm:scene3d>
+      <a:camera prst="orthographicFront"/>
+      <a:lightRig rig="threePt" dir="t"/>
+    </dgm:scene3d>
+    <dgm:sp3d/>
+    <dgm:txPr/>
+    <dgm:style>
+      <a:lnRef idx="2">
+        <a:scrgbClr r="0" g="0" b="0"/>
+      </a:lnRef>
+      <a:fillRef idx="1">
+        <a:scrgbClr r="0" g="0" b="0"/>
+      </a:fillRef>
+      <a:effectRef idx="0">
+        <a:scrgbClr r="0" g="0" b="0"/>
+      </a:effectRef>
+      <a:fontRef idx="minor">
+        <a:schemeClr val="lt1"/>
+      </a:fontRef>
+    </dgm:style>
+  </dgm:styleLbl>
+  <dgm:styleLbl name="asst1">
+    <dgm:scene3d>
+      <a:camera prst="orthographicFront"/>
+      <a:lightRig rig="threePt" dir="t"/>
+    </dgm:scene3d>
+    <dgm:sp3d/>
+    <dgm:txPr/>
+    <dgm:style>
+      <a:lnRef idx="2">
+        <a:scrgbClr r="0" g="0" b="0"/>
+      </a:lnRef>
+      <a:fillRef idx="1">
+        <a:scrgbClr r="0" g="0" b="0"/>
+      </a:fillRef>
+      <a:effectRef idx="0">
+        <a:scrgbClr r="0" g="0" b="0"/>
+      </a:effectRef>
+      <a:fontRef idx="minor">
+        <a:schemeClr val="lt1"/>
+      </a:fontRef>
+    </dgm:style>
+  </dgm:styleLbl>
+  <dgm:styleLbl name="asst2">
+    <dgm:scene3d>
+      <a:camera prst="orthographicFront"/>
+      <a:lightRig rig="threePt" dir="t"/>
+    </dgm:scene3d>
+    <dgm:sp3d/>
+    <dgm:txPr/>
+    <dgm:style>
+      <a:lnRef idx="2">
+        <a:scrgbClr r="0" g="0" b="0"/>
+      </a:lnRef>
+      <a:fillRef idx="1">
+        <a:scrgbClr r="0" g="0" b="0"/>
+      </a:fillRef>
+      <a:effectRef idx="0">
+        <a:scrgbClr r="0" g="0" b="0"/>
+      </a:effectRef>
+      <a:fontRef idx="minor">
+        <a:schemeClr val="lt1"/>
+      </a:fontRef>
+    </dgm:style>
+  </dgm:styleLbl>
+  <dgm:styleLbl name="asst3">
+    <dgm:scene3d>
+      <a:camera prst="orthographicFront"/>
+      <a:lightRig rig="threePt" dir="t"/>
+    </dgm:scene3d>
+    <dgm:sp3d/>
+    <dgm:txPr/>
+    <dgm:style>
+      <a:lnRef idx="2">
+        <a:scrgbClr r="0" g="0" b="0"/>
+      </a:lnRef>
+      <a:fillRef idx="1">
+        <a:scrgbClr r="0" g="0" b="0"/>
+      </a:fillRef>
+      <a:effectRef idx="0">
+        <a:scrgbClr r="0" g="0" b="0"/>
+      </a:effectRef>
+      <a:fontRef idx="minor">
+        <a:schemeClr val="lt1"/>
+      </a:fontRef>
+    </dgm:style>
+  </dgm:styleLbl>
+  <dgm:styleLbl name="asst4">
+    <dgm:scene3d>
+      <a:camera prst="orthographicFront"/>
+      <a:lightRig rig="threePt" dir="t"/>
+    </dgm:scene3d>
+    <dgm:sp3d/>
+    <dgm:txPr/>
+    <dgm:style>
+      <a:lnRef idx="2">
+        <a:scrgbClr r="0" g="0" b="0"/>
+      </a:lnRef>
+      <a:fillRef idx="1">
+        <a:scrgbClr r="0" g="0" b="0"/>
+      </a:fillRef>
+      <a:effectRef idx="0">
+        <a:scrgbClr r="0" g="0" b="0"/>
+      </a:effectRef>
+      <a:fontRef idx="minor">
+        <a:schemeClr val="lt1"/>
+      </a:fontRef>
+    </dgm:style>
+  </dgm:styleLbl>
+  <dgm:styleLbl name="parChTrans2D1">
+    <dgm:scene3d>
+      <a:camera prst="orthographicFront"/>
+      <a:lightRig rig="threePt" dir="t"/>
+    </dgm:scene3d>
+    <dgm:sp3d/>
+    <dgm:txPr/>
+    <dgm:style>
+      <a:lnRef idx="2">
+        <a:scrgbClr r="0" g="0" b="0"/>
+      </a:lnRef>
+      <a:fillRef idx="1">
+        <a:scrgbClr r="0" g="0" b="0"/>
+      </a:fillRef>
+      <a:effectRef idx="0">
+        <a:scrgbClr r="0" g="0" b="0"/>
+      </a:effectRef>
+      <a:fontRef idx="minor">
+        <a:schemeClr val="lt1"/>
+      </a:fontRef>
+    </dgm:style>
+  </dgm:styleLbl>
+  <dgm:styleLbl name="parChTrans2D2">
+    <dgm:scene3d>
+      <a:camera prst="orthographicFront"/>
+      <a:lightRig rig="threePt" dir="t"/>
+    </dgm:scene3d>
+    <dgm:sp3d/>
+    <dgm:txPr/>
+    <dgm:style>
+      <a:lnRef idx="2">
+        <a:scrgbClr r="0" g="0" b="0"/>
+      </a:lnRef>
+      <a:fillRef idx="1">
+        <a:scrgbClr r="0" g="0" b="0"/>
+      </a:fillRef>
+      <a:effectRef idx="0">
+        <a:scrgbClr r="0" g="0" b="0"/>
+      </a:effectRef>
+      <a:fontRef idx="minor">
+        <a:schemeClr val="lt1"/>
+      </a:fontRef>
+    </dgm:style>
+  </dgm:styleLbl>
+  <dgm:styleLbl name="parChTrans2D3">
+    <dgm:scene3d>
+      <a:camera prst="orthographicFront"/>
+      <a:lightRig rig="threePt" dir="t"/>
+    </dgm:scene3d>
+    <dgm:sp3d/>
+    <dgm:txPr/>
+    <dgm:style>
+      <a:lnRef idx="2">
+        <a:scrgbClr r="0" g="0" b="0"/>
+      </a:lnRef>
+      <a:fillRef idx="1">
+        <a:scrgbClr r="0" g="0" b="0"/>
+      </a:fillRef>
+      <a:effectRef idx="0">
+        <a:scrgbClr r="0" g="0" b="0"/>
+      </a:effectRef>
+      <a:fontRef idx="minor">
+        <a:schemeClr val="lt1"/>
+      </a:fontRef>
+    </dgm:style>
+  </dgm:styleLbl>
+  <dgm:styleLbl name="parChTrans2D4">
+    <dgm:scene3d>
+      <a:camera prst="orthographicFront"/>
+      <a:lightRig rig="threePt" dir="t"/>
+    </dgm:scene3d>
+    <dgm:sp3d/>
+    <dgm:txPr/>
+    <dgm:style>
+      <a:lnRef idx="2">
+        <a:scrgbClr r="0" g="0" b="0"/>
+      </a:lnRef>
+      <a:fillRef idx="1">
+        <a:scrgbClr r="0" g="0" b="0"/>
+      </a:fillRef>
+      <a:effectRef idx="0">
+        <a:scrgbClr r="0" g="0" b="0"/>
+      </a:effectRef>
+      <a:fontRef idx="minor">
+        <a:schemeClr val="lt1"/>
+      </a:fontRef>
+    </dgm:style>
+  </dgm:styleLbl>
+  <dgm:styleLbl name="parChTrans1D1">
+    <dgm:scene3d>
+      <a:camera prst="orthographicFront"/>
+      <a:lightRig rig="threePt" dir="t"/>
+    </dgm:scene3d>
+    <dgm:sp3d/>
+    <dgm:txPr/>
+    <dgm:style>
+      <a:lnRef idx="2">
+        <a:scrgbClr r="0" g="0" b="0"/>
+      </a:lnRef>
+      <a:fillRef idx="0">
+        <a:scrgbClr r="0" g="0" b="0"/>
+      </a:fillRef>
+      <a:effectRef idx="0">
+        <a:scrgbClr r="0" g="0" b="0"/>
+      </a:effectRef>
+      <a:fontRef idx="minor"/>
+    </dgm:style>
+  </dgm:styleLbl>
+  <dgm:styleLbl name="parChTrans1D2">
+    <dgm:scene3d>
+      <a:camera prst="orthographicFront"/>
+      <a:lightRig rig="threePt" dir="t"/>
+    </dgm:scene3d>
+    <dgm:sp3d/>
+    <dgm:txPr/>
+    <dgm:style>
+      <a:lnRef idx="2">
+        <a:scrgbClr r="0" g="0" b="0"/>
+      </a:lnRef>
+      <a:fillRef idx="0">
+        <a:scrgbClr r="0" g="0" b="0"/>
+      </a:fillRef>
+      <a:effectRef idx="0">
+        <a:scrgbClr r="0" g="0" b="0"/>
+      </a:effectRef>
+      <a:fontRef idx="minor"/>
+    </dgm:style>
+  </dgm:styleLbl>
+  <dgm:styleLbl name="parChTrans1D3">
+    <dgm:scene3d>
+      <a:camera prst="orthographicFront"/>
+      <a:lightRig rig="threePt" dir="t"/>
+    </dgm:scene3d>
+    <dgm:sp3d/>
+    <dgm:txPr/>
+    <dgm:style>
+      <a:lnRef idx="2">
+        <a:scrgbClr r="0" g="0" b="0"/>
+      </a:lnRef>
+      <a:fillRef idx="0">
+        <a:scrgbClr r="0" g="0" b="0"/>
+      </a:fillRef>
+      <a:effectRef idx="0">
+        <a:scrgbClr r="0" g="0" b="0"/>
+      </a:effectRef>
+      <a:fontRef idx="minor"/>
+    </dgm:style>
+  </dgm:styleLbl>
+  <dgm:styleLbl name="parChTrans1D4">
+    <dgm:scene3d>
+      <a:camera prst="orthographicFront"/>
+      <a:lightRig rig="threePt" dir="t"/>
+    </dgm:scene3d>
+    <dgm:sp3d/>
+    <dgm:txPr/>
+    <dgm:style>
+      <a:lnRef idx="2">
+        <a:scrgbClr r="0" g="0" b="0"/>
+      </a:lnRef>
+      <a:fillRef idx="0">
+        <a:scrgbClr r="0" g="0" b="0"/>
+      </a:fillRef>
+      <a:effectRef idx="0">
+        <a:scrgbClr r="0" g="0" b="0"/>
+      </a:effectRef>
+      <a:fontRef idx="minor"/>
+    </dgm:style>
+  </dgm:styleLbl>
+  <dgm:styleLbl name="fgAcc1">
+    <dgm:scene3d>
+      <a:camera prst="orthographicFront"/>
+      <a:lightRig rig="threePt" dir="t"/>
+    </dgm:scene3d>
+    <dgm:sp3d/>
+    <dgm:txPr/>
+    <dgm:style>
+      <a:lnRef idx="2">
+        <a:scrgbClr r="0" g="0" b="0"/>
+      </a:lnRef>
+      <a:fillRef idx="1">
+        <a:scrgbClr r="0" g="0" b="0"/>
+      </a:fillRef>
+      <a:effectRef idx="0">
+        <a:scrgbClr r="0" g="0" b="0"/>
+      </a:effectRef>
+      <a:fontRef idx="minor"/>
+    </dgm:style>
+  </dgm:styleLbl>
+  <dgm:styleLbl name="conFgAcc1">
+    <dgm:scene3d>
+      <a:camera prst="orthographicFront"/>
+      <a:lightRig rig="threePt" dir="t"/>
+    </dgm:scene3d>
+    <dgm:sp3d/>
+    <dgm:txPr/>
+    <dgm:style>
+      <a:lnRef idx="2">
+        <a:scrgbClr r="0" g="0" b="0"/>
+      </a:lnRef>
+      <a:fillRef idx="1">
+        <a:scrgbClr r="0" g="0" b="0"/>
+      </a:fillRef>
+      <a:effectRef idx="0">
+        <a:scrgbClr r="0" g="0" b="0"/>
+      </a:effectRef>
+      <a:fontRef idx="minor"/>
+    </dgm:style>
+  </dgm:styleLbl>
+  <dgm:styleLbl name="alignAcc1">
+    <dgm:scene3d>
+      <a:camera prst="orthographicFront"/>
+      <a:lightRig rig="threePt" dir="t"/>
+    </dgm:scene3d>
+    <dgm:sp3d/>
+    <dgm:txPr/>
+    <dgm:style>
+      <a:lnRef idx="2">
+        <a:scrgbClr r="0" g="0" b="0"/>
+      </a:lnRef>
+      <a:fillRef idx="1">
+        <a:scrgbClr r="0" g="0" b="0"/>
+      </a:fillRef>
+      <a:effectRef idx="0">
+        <a:scrgbClr r="0" g="0" b="0"/>
+      </a:effectRef>
+      <a:fontRef idx="minor"/>
+    </dgm:style>
+  </dgm:styleLbl>
+  <dgm:styleLbl name="trAlignAcc1">
+    <dgm:scene3d>
+      <a:camera prst="orthographicFront"/>
+      <a:lightRig rig="threePt" dir="t"/>
+    </dgm:scene3d>
+    <dgm:sp3d/>
+    <dgm:txPr/>
+    <dgm:style>
+      <a:lnRef idx="1">
+        <a:scrgbClr r="0" g="0" b="0"/>
+      </a:lnRef>
+      <a:fillRef idx="1">
+        <a:scrgbClr r="0" g="0" b="0"/>
+      </a:fillRef>
+      <a:effectRef idx="0">
+        <a:scrgbClr r="0" g="0" b="0"/>
+      </a:effectRef>
+      <a:fontRef idx="minor"/>
+    </dgm:style>
+  </dgm:styleLbl>
+  <dgm:styleLbl name="bgAcc1">
+    <dgm:scene3d>
+      <a:camera prst="orthographicFront"/>
+      <a:lightRig rig="threePt" dir="t"/>
+    </dgm:scene3d>
+    <dgm:sp3d/>
+    <dgm:txPr/>
+    <dgm:style>
+      <a:lnRef idx="2">
+        <a:scrgbClr r="0" g="0" b="0"/>
+      </a:lnRef>
+      <a:fillRef idx="1">
+        <a:scrgbClr r="0" g="0" b="0"/>
+      </a:fillRef>
+      <a:effectRef idx="0">
+        <a:scrgbClr r="0" g="0" b="0"/>
+      </a:effectRef>
+      <a:fontRef idx="minor"/>
+    </dgm:style>
+  </dgm:styleLbl>
+  <dgm:styleLbl name="solidFgAcc1">
+    <dgm:scene3d>
+      <a:camera prst="orthographicFront"/>
+      <a:lightRig rig="threePt" dir="t"/>
+    </dgm:scene3d>
+    <dgm:sp3d/>
+    <dgm:txPr/>
+    <dgm:style>
+      <a:lnRef idx="2">
+        <a:scrgbClr r="0" g="0" b="0"/>
+      </a:lnRef>
+      <a:fillRef idx="1">
+        <a:scrgbClr r="0" g="0" b="0"/>
+      </a:fillRef>
+      <a:effectRef idx="0">
+        <a:scrgbClr r="0" g="0" b="0"/>
+      </a:effectRef>
+      <a:fontRef idx="minor"/>
+    </dgm:style>
+  </dgm:styleLbl>
+  <dgm:styleLbl name="solidAlignAcc1">
+    <dgm:scene3d>
+      <a:camera prst="orthographicFront"/>
+      <a:lightRig rig="threePt" dir="t"/>
+    </dgm:scene3d>
+    <dgm:sp3d/>
+    <dgm:txPr/>
+    <dgm:style>
+      <a:lnRef idx="2">
+        <a:scrgbClr r="0" g="0" b="0"/>
+      </a:lnRef>
+      <a:fillRef idx="1">
+        <a:scrgbClr r="0" g="0" b="0"/>
+      </a:fillRef>
+      <a:effectRef idx="0">
+        <a:scrgbClr r="0" g="0" b="0"/>
+      </a:effectRef>
+      <a:fontRef idx="minor"/>
+    </dgm:style>
+  </dgm:styleLbl>
+  <dgm:styleLbl name="solidBgAcc1">
+    <dgm:scene3d>
+      <a:camera prst="orthographicFront"/>
+      <a:lightRig rig="threePt" dir="t"/>
+    </dgm:scene3d>
+    <dgm:sp3d/>
+    <dgm:txPr/>
+    <dgm:style>
+      <a:lnRef idx="2">
+        <a:scrgbClr r="0" g="0" b="0"/>
+      </a:lnRef>
+      <a:fillRef idx="1">
+        <a:scrgbClr r="0" g="0" b="0"/>
+      </a:fillRef>
+      <a:effectRef idx="0">
+        <a:scrgbClr r="0" g="0" b="0"/>
+      </a:effectRef>
+      <a:fontRef idx="minor"/>
+    </dgm:style>
+  </dgm:styleLbl>
+  <dgm:styleLbl name="fgAccFollowNode1">
+    <dgm:scene3d>
+      <a:camera prst="orthographicFront"/>
+      <a:lightRig rig="threePt" dir="t"/>
+    </dgm:scene3d>
+    <dgm:sp3d/>
+    <dgm:txPr/>
+    <dgm:style>
+      <a:lnRef idx="2">
+        <a:scrgbClr r="0" g="0" b="0"/>
+      </a:lnRef>
+      <a:fillRef idx="1">
+        <a:scrgbClr r="0" g="0" b="0"/>
+      </a:fillRef>
+      <a:effectRef idx="0">
+        <a:scrgbClr r="0" g="0" b="0"/>
+      </a:effectRef>
+      <a:fontRef idx="minor"/>
+    </dgm:style>
+  </dgm:styleLbl>
+  <dgm:styleLbl name="alignAccFollowNode1">
+    <dgm:scene3d>
+      <a:camera prst="orthographicFront"/>
+      <a:lightRig rig="threePt" dir="t"/>
+    </dgm:scene3d>
+    <dgm:sp3d/>
+    <dgm:txPr/>
+    <dgm:style>
+      <a:lnRef idx="2">
+        <a:scrgbClr r="0" g="0" b="0"/>
+      </a:lnRef>
+      <a:fillRef idx="1">
+        <a:scrgbClr r="0" g="0" b="0"/>
+      </a:fillRef>
+      <a:effectRef idx="0">
+        <a:scrgbClr r="0" g="0" b="0"/>
+      </a:effectRef>
+      <a:fontRef idx="minor"/>
+    </dgm:style>
+  </dgm:styleLbl>
+  <dgm:styleLbl name="bgAccFollowNode1">
+    <dgm:scene3d>
+      <a:camera prst="orthographicFront"/>
+      <a:lightRig rig="threePt" dir="t"/>
+    </dgm:scene3d>
+    <dgm:sp3d/>
+    <dgm:txPr/>
+    <dgm:style>
+      <a:lnRef idx="2">
+        <a:scrgbClr r="0" g="0" b="0"/>
+      </a:lnRef>
+      <a:fillRef idx="1">
+        <a:scrgbClr r="0" g="0" b="0"/>
+      </a:fillRef>
+      <a:effectRef idx="0">
+        <a:scrgbClr r="0" g="0" b="0"/>
+      </a:effectRef>
+      <a:fontRef idx="minor"/>
+    </dgm:style>
+  </dgm:styleLbl>
+  <dgm:styleLbl name="fgAcc0">
+    <dgm:scene3d>
+      <a:camera prst="orthographicFront"/>
+      <a:lightRig rig="threePt" dir="t"/>
+    </dgm:scene3d>
+    <dgm:sp3d/>
+    <dgm:txPr/>
+    <dgm:style>
+      <a:lnRef idx="2">
+        <a:scrgbClr r="0" g="0" b="0"/>
+      </a:lnRef>
+      <a:fillRef idx="1">
+        <a:scrgbClr r="0" g="0" b="0"/>
+      </a:fillRef>
+      <a:effectRef idx="0">
+        <a:scrgbClr r="0" g="0" b="0"/>
+      </a:effectRef>
+      <a:fontRef idx="minor"/>
+    </dgm:style>
+  </dgm:styleLbl>
+  <dgm:styleLbl name="fgAcc2">
+    <dgm:scene3d>
+      <a:camera prst="orthographicFront"/>
+      <a:lightRig rig="threePt" dir="t"/>
+    </dgm:scene3d>
+    <dgm:sp3d/>
+    <dgm:txPr/>
+    <dgm:style>
+      <a:lnRef idx="2">
+        <a:scrgbClr r="0" g="0" b="0"/>
+      </a:lnRef>
+      <a:fillRef idx="1">
+        <a:scrgbClr r="0" g="0" b="0"/>
+      </a:fillRef>
+      <a:effectRef idx="0">
+        <a:scrgbClr r="0" g="0" b="0"/>
+      </a:effectRef>
+      <a:fontRef idx="minor"/>
+    </dgm:style>
+  </dgm:styleLbl>
+  <dgm:styleLbl name="fgAcc3">
+    <dgm:scene3d>
+      <a:camera prst="orthographicFront"/>
+      <a:lightRig rig="threePt" dir="t"/>
+    </dgm:scene3d>
+    <dgm:sp3d/>
+    <dgm:txPr/>
+    <dgm:style>
+      <a:lnRef idx="2">
+        <a:scrgbClr r="0" g="0" b="0"/>
+      </a:lnRef>
+      <a:fillRef idx="1">
+        <a:scrgbClr r="0" g="0" b="0"/>
+      </a:fillRef>
+      <a:effectRef idx="0">
+        <a:scrgbClr r="0" g="0" b="0"/>
+      </a:effectRef>
+      <a:fontRef idx="minor"/>
+    </dgm:style>
+  </dgm:styleLbl>
+  <dgm:styleLbl name="fgAcc4">
+    <dgm:scene3d>
+      <a:camera prst="orthographicFront"/>
+      <a:lightRig rig="threePt" dir="t"/>
+    </dgm:scene3d>
+    <dgm:sp3d/>
+    <dgm:txPr/>
+    <dgm:style>
+      <a:lnRef idx="2">
+        <a:scrgbClr r="0" g="0" b="0"/>
+      </a:lnRef>
+      <a:fillRef idx="1">
+        <a:scrgbClr r="0" g="0" b="0"/>
+      </a:fillRef>
+      <a:effectRef idx="0">
+        <a:scrgbClr r="0" g="0" b="0"/>
+      </a:effectRef>
+      <a:fontRef idx="minor"/>
+    </dgm:style>
+  </dgm:styleLbl>
+  <dgm:styleLbl name="bgShp">
+    <dgm:scene3d>
+      <a:camera prst="orthographicFront"/>
+      <a:lightRig rig="threePt" dir="t"/>
+    </dgm:scene3d>
+    <dgm:sp3d/>
+    <dgm:txPr/>
+    <dgm:style>
+      <a:lnRef idx="0">
+        <a:scrgbClr r="0" g="0" b="0"/>
+      </a:lnRef>
+      <a:fillRef idx="1">
+        <a:scrgbClr r="0" g="0" b="0"/>
+      </a:fillRef>
+      <a:effectRef idx="0">
+        <a:scrgbClr r="0" g="0" b="0"/>
+      </a:effectRef>
+      <a:fontRef idx="minor"/>
+    </dgm:style>
+  </dgm:styleLbl>
+  <dgm:styleLbl name="dkBgShp">
+    <dgm:scene3d>
+      <a:camera prst="orthographicFront"/>
+      <a:lightRig rig="threePt" dir="t"/>
+    </dgm:scene3d>
+    <dgm:sp3d/>
+    <dgm:txPr/>
+    <dgm:style>
+      <a:lnRef idx="0">
+        <a:scrgbClr r="0" g="0" b="0"/>
+      </a:lnRef>
+      <a:fillRef idx="1">
+        <a:scrgbClr r="0" g="0" b="0"/>
+      </a:fillRef>
+      <a:effectRef idx="0">
+        <a:scrgbClr r="0" g="0" b="0"/>
+      </a:effectRef>
+      <a:fontRef idx="minor"/>
+    </dgm:style>
+  </dgm:styleLbl>
+  <dgm:styleLbl name="trBgShp">
+    <dgm:scene3d>
+      <a:camera prst="orthographicFront"/>
+      <a:lightRig rig="threePt" dir="t"/>
+    </dgm:scene3d>
+    <dgm:sp3d/>
+    <dgm:txPr/>
+    <dgm:style>
+      <a:lnRef idx="0">
+        <a:scrgbClr r="0" g="0" b="0"/>
+      </a:lnRef>
+      <a:fillRef idx="1">
+        <a:scrgbClr r="0" g="0" b="0"/>
+      </a:fillRef>
+      <a:effectRef idx="0">
+        <a:scrgbClr r="0" g="0" b="0"/>
+      </a:effectRef>
+      <a:fontRef idx="minor"/>
+    </dgm:style>
+  </dgm:styleLbl>
+  <dgm:styleLbl name="fgShp">
+    <dgm:scene3d>
+      <a:camera prst="orthographicFront"/>
+      <a:lightRig rig="threePt" dir="t"/>
+    </dgm:scene3d>
+    <dgm:sp3d/>
+    <dgm:txPr/>
+    <dgm:style>
+      <a:lnRef idx="2">
+        <a:scrgbClr r="0" g="0" b="0"/>
+      </a:lnRef>
+      <a:fillRef idx="1">
+        <a:scrgbClr r="0" g="0" b="0"/>
+      </a:fillRef>
+      <a:effectRef idx="0">
+        <a:scrgbClr r="0" g="0" b="0"/>
+      </a:effectRef>
+      <a:fontRef idx="minor"/>
+    </dgm:style>
+  </dgm:styleLbl>
+  <dgm:styleLbl name="revTx">
+    <dgm:scene3d>
+      <a:camera prst="orthographicFront"/>
+      <a:lightRig rig="threePt" dir="t"/>
+    </dgm:scene3d>
+    <dgm:sp3d/>
+    <dgm:txPr/>
+    <dgm:style>
+      <a:lnRef idx="0">
+        <a:scrgbClr r="0" g="0" b="0"/>
+      </a:lnRef>
+      <a:fillRef idx="0">
+        <a:scrgbClr r="0" g="0" b="0"/>
+      </a:fillRef>
+      <a:effectRef idx="0">
+        <a:scrgbClr r="0" g="0" b="0"/>
+      </a:effectRef>
+      <a:fontRef idx="minor"/>
+    </dgm:style>
+  </dgm:styleLbl>
+</dgm:styleDef>
+</file>
+
+<file path=ppt/diagrams/quickStyle5.xml><?xml version="1.0" encoding="utf-8"?>
+<dgm:styleDef xmlns:dgm="http://schemas.openxmlformats.org/drawingml/2006/diagram" xmlns:a="http://schemas.openxmlformats.org/drawingml/2006/main" uniqueId="urn:microsoft.com/office/officeart/2005/8/quickstyle/simple1">
+  <dgm:title val=""/>
+  <dgm:desc val=""/>
+  <dgm:catLst>
+    <dgm:cat type="simple" pri="10100"/>
+  </dgm:catLst>
+  <dgm:scene3d>
+    <a:camera prst="orthographicFront"/>
+    <a:lightRig rig="threePt" dir="t"/>
+  </dgm:scene3d>
+  <dgm:styleLbl name="node0">
+    <dgm:scene3d>
+      <a:camera prst="orthographicFront"/>
+      <a:lightRig rig="threePt" dir="t"/>
+    </dgm:scene3d>
+    <dgm:sp3d/>
+    <dgm:txPr/>
+    <dgm:style>
+      <a:lnRef idx="2">
+        <a:scrgbClr r="0" g="0" b="0"/>
+      </a:lnRef>
+      <a:fillRef idx="1">
+        <a:scrgbClr r="0" g="0" b="0"/>
+      </a:fillRef>
+      <a:effectRef idx="0">
+        <a:scrgbClr r="0" g="0" b="0"/>
+      </a:effectRef>
+      <a:fontRef idx="minor">
+        <a:schemeClr val="lt1"/>
+      </a:fontRef>
+    </dgm:style>
+  </dgm:styleLbl>
+  <dgm:styleLbl name="lnNode1">
+    <dgm:scene3d>
+      <a:camera prst="orthographicFront"/>
+      <a:lightRig rig="threePt" dir="t"/>
+    </dgm:scene3d>
+    <dgm:sp3d/>
+    <dgm:txPr/>
+    <dgm:style>
+      <a:lnRef idx="2">
+        <a:scrgbClr r="0" g="0" b="0"/>
+      </a:lnRef>
+      <a:fillRef idx="1">
+        <a:scrgbClr r="0" g="0" b="0"/>
+      </a:fillRef>
+      <a:effectRef idx="0">
+        <a:scrgbClr r="0" g="0" b="0"/>
+      </a:effectRef>
+      <a:fontRef idx="minor">
+        <a:schemeClr val="lt1"/>
+      </a:fontRef>
+    </dgm:style>
+  </dgm:styleLbl>
+  <dgm:styleLbl name="vennNode1">
+    <dgm:scene3d>
+      <a:camera prst="orthographicFront"/>
+      <a:lightRig rig="threePt" dir="t"/>
+    </dgm:scene3d>
+    <dgm:sp3d/>
+    <dgm:txPr/>
+    <dgm:style>
+      <a:lnRef idx="2">
+        <a:scrgbClr r="0" g="0" b="0"/>
+      </a:lnRef>
+      <a:fillRef idx="1">
+        <a:scrgbClr r="0" g="0" b="0"/>
+      </a:fillRef>
+      <a:effectRef idx="0">
+        <a:scrgbClr r="0" g="0" b="0"/>
+      </a:effectRef>
+      <a:fontRef idx="minor">
+        <a:schemeClr val="tx1"/>
+      </a:fontRef>
+    </dgm:style>
+  </dgm:styleLbl>
+  <dgm:styleLbl name="alignNode1">
+    <dgm:scene3d>
+      <a:camera prst="orthographicFront"/>
+      <a:lightRig rig="threePt" dir="t"/>
+    </dgm:scene3d>
+    <dgm:sp3d/>
+    <dgm:txPr/>
+    <dgm:style>
+      <a:lnRef idx="2">
+        <a:scrgbClr r="0" g="0" b="0"/>
+      </a:lnRef>
+      <a:fillRef idx="1">
+        <a:scrgbClr r="0" g="0" b="0"/>
+      </a:fillRef>
+      <a:effectRef idx="0">
+        <a:scrgbClr r="0" g="0" b="0"/>
+      </a:effectRef>
+      <a:fontRef idx="minor">
+        <a:schemeClr val="lt1"/>
+      </a:fontRef>
+    </dgm:style>
+  </dgm:styleLbl>
+  <dgm:styleLbl name="node1">
+    <dgm:scene3d>
+      <a:camera prst="orthographicFront"/>
+      <a:lightRig rig="threePt" dir="t"/>
+    </dgm:scene3d>
+    <dgm:sp3d/>
+    <dgm:txPr/>
+    <dgm:style>
+      <a:lnRef idx="2">
+        <a:scrgbClr r="0" g="0" b="0"/>
+      </a:lnRef>
+      <a:fillRef idx="1">
+        <a:scrgbClr r="0" g="0" b="0"/>
+      </a:fillRef>
+      <a:effectRef idx="0">
+        <a:scrgbClr r="0" g="0" b="0"/>
+      </a:effectRef>
+      <a:fontRef idx="minor">
+        <a:schemeClr val="lt1"/>
+      </a:fontRef>
+    </dgm:style>
+  </dgm:styleLbl>
+  <dgm:styleLbl name="node2">
+    <dgm:scene3d>
+      <a:camera prst="orthographicFront"/>
+      <a:lightRig rig="threePt" dir="t"/>
+    </dgm:scene3d>
+    <dgm:sp3d/>
+    <dgm:txPr/>
+    <dgm:style>
+      <a:lnRef idx="2">
+        <a:scrgbClr r="0" g="0" b="0"/>
+      </a:lnRef>
+      <a:fillRef idx="1">
+        <a:scrgbClr r="0" g="0" b="0"/>
+      </a:fillRef>
+      <a:effectRef idx="0">
+        <a:scrgbClr r="0" g="0" b="0"/>
+      </a:effectRef>
+      <a:fontRef idx="minor">
+        <a:schemeClr val="lt1"/>
+      </a:fontRef>
+    </dgm:style>
+  </dgm:styleLbl>
+  <dgm:styleLbl name="node3">
+    <dgm:scene3d>
+      <a:camera prst="orthographicFront"/>
+      <a:lightRig rig="threePt" dir="t"/>
+    </dgm:scene3d>
+    <dgm:sp3d/>
+    <dgm:txPr/>
+    <dgm:style>
+      <a:lnRef idx="2">
+        <a:scrgbClr r="0" g="0" b="0"/>
+      </a:lnRef>
+      <a:fillRef idx="1">
+        <a:scrgbClr r="0" g="0" b="0"/>
+      </a:fillRef>
+      <a:effectRef idx="0">
+        <a:scrgbClr r="0" g="0" b="0"/>
+      </a:effectRef>
+      <a:fontRef idx="minor">
+        <a:schemeClr val="lt1"/>
+      </a:fontRef>
+    </dgm:style>
+  </dgm:styleLbl>
+  <dgm:styleLbl name="node4">
+    <dgm:scene3d>
+      <a:camera prst="orthographicFront"/>
+      <a:lightRig rig="threePt" dir="t"/>
+    </dgm:scene3d>
+    <dgm:sp3d/>
+    <dgm:txPr/>
+    <dgm:style>
+      <a:lnRef idx="2">
+        <a:scrgbClr r="0" g="0" b="0"/>
+      </a:lnRef>
+      <a:fillRef idx="1">
+        <a:scrgbClr r="0" g="0" b="0"/>
+      </a:fillRef>
+      <a:effectRef idx="0">
+        <a:scrgbClr r="0" g="0" b="0"/>
+      </a:effectRef>
+      <a:fontRef idx="minor">
+        <a:schemeClr val="lt1"/>
+      </a:fontRef>
+    </dgm:style>
+  </dgm:styleLbl>
+  <dgm:styleLbl name="fgImgPlace1">
+    <dgm:scene3d>
+      <a:camera prst="orthographicFront"/>
+      <a:lightRig rig="threePt" dir="t"/>
+    </dgm:scene3d>
+    <dgm:sp3d/>
+    <dgm:txPr/>
+    <dgm:style>
+      <a:lnRef idx="2">
+        <a:scrgbClr r="0" g="0" b="0"/>
+      </a:lnRef>
+      <a:fillRef idx="1">
+        <a:scrgbClr r="0" g="0" b="0"/>
+      </a:fillRef>
+      <a:effectRef idx="0">
+        <a:scrgbClr r="0" g="0" b="0"/>
+      </a:effectRef>
+      <a:fontRef idx="minor"/>
+    </dgm:style>
+  </dgm:styleLbl>
+  <dgm:styleLbl name="alignImgPlace1">
+    <dgm:scene3d>
+      <a:camera prst="orthographicFront"/>
+      <a:lightRig rig="threePt" dir="t"/>
+    </dgm:scene3d>
+    <dgm:sp3d/>
+    <dgm:txPr/>
+    <dgm:style>
+      <a:lnRef idx="2">
+        <a:scrgbClr r="0" g="0" b="0"/>
+      </a:lnRef>
+      <a:fillRef idx="1">
+        <a:scrgbClr r="0" g="0" b="0"/>
+      </a:fillRef>
+      <a:effectRef idx="0">
+        <a:scrgbClr r="0" g="0" b="0"/>
+      </a:effectRef>
+      <a:fontRef idx="minor"/>
+    </dgm:style>
+  </dgm:styleLbl>
+  <dgm:styleLbl name="bgImgPlace1">
+    <dgm:scene3d>
+      <a:camera prst="orthographicFront"/>
+      <a:lightRig rig="threePt" dir="t"/>
+    </dgm:scene3d>
+    <dgm:sp3d/>
+    <dgm:txPr/>
+    <dgm:style>
+      <a:lnRef idx="2">
+        <a:scrgbClr r="0" g="0" b="0"/>
+      </a:lnRef>
+      <a:fillRef idx="1">
+        <a:scrgbClr r="0" g="0" b="0"/>
+      </a:fillRef>
+      <a:effectRef idx="0">
+        <a:scrgbClr r="0" g="0" b="0"/>
+      </a:effectRef>
+      <a:fontRef idx="minor"/>
+    </dgm:style>
+  </dgm:styleLbl>
+  <dgm:styleLbl name="sibTrans2D1">
+    <dgm:scene3d>
+      <a:camera prst="orthographicFront"/>
+      <a:lightRig rig="threePt" dir="t"/>
+    </dgm:scene3d>
+    <dgm:sp3d/>
+    <dgm:txPr/>
+    <dgm:style>
+      <a:lnRef idx="0">
+        <a:scrgbClr r="0" g="0" b="0"/>
+      </a:lnRef>
+      <a:fillRef idx="1">
+        <a:scrgbClr r="0" g="0" b="0"/>
+      </a:fillRef>
+      <a:effectRef idx="0">
+        <a:scrgbClr r="0" g="0" b="0"/>
+      </a:effectRef>
+      <a:fontRef idx="minor">
+        <a:schemeClr val="lt1"/>
+      </a:fontRef>
+    </dgm:style>
+  </dgm:styleLbl>
+  <dgm:styleLbl name="fgSibTrans2D1">
+    <dgm:scene3d>
+      <a:camera prst="orthographicFront"/>
+      <a:lightRig rig="threePt" dir="t"/>
+    </dgm:scene3d>
+    <dgm:sp3d/>
+    <dgm:txPr/>
+    <dgm:style>
+      <a:lnRef idx="0">
+        <a:scrgbClr r="0" g="0" b="0"/>
+      </a:lnRef>
+      <a:fillRef idx="1">
+        <a:scrgbClr r="0" g="0" b="0"/>
+      </a:fillRef>
+      <a:effectRef idx="0">
+        <a:scrgbClr r="0" g="0" b="0"/>
+      </a:effectRef>
+      <a:fontRef idx="minor">
+        <a:schemeClr val="lt1"/>
+      </a:fontRef>
+    </dgm:style>
+  </dgm:styleLbl>
+  <dgm:styleLbl name="bgSibTrans2D1">
+    <dgm:scene3d>
+      <a:camera prst="orthographicFront"/>
+      <a:lightRig rig="threePt" dir="t"/>
+    </dgm:scene3d>
+    <dgm:sp3d/>
+    <dgm:txPr/>
+    <dgm:style>
+      <a:lnRef idx="0">
+        <a:scrgbClr r="0" g="0" b="0"/>
+      </a:lnRef>
+      <a:fillRef idx="1">
+        <a:scrgbClr r="0" g="0" b="0"/>
+      </a:fillRef>
+      <a:effectRef idx="0">
+        <a:scrgbClr r="0" g="0" b="0"/>
+      </a:effectRef>
+      <a:fontRef idx="minor">
+        <a:schemeClr val="lt1"/>
+      </a:fontRef>
+    </dgm:style>
+  </dgm:styleLbl>
+  <dgm:styleLbl name="sibTrans1D1">
+    <dgm:scene3d>
+      <a:camera prst="orthographicFront"/>
+      <a:lightRig rig="threePt" dir="t"/>
+    </dgm:scene3d>
+    <dgm:sp3d/>
+    <dgm:txPr/>
+    <dgm:style>
+      <a:lnRef idx="1">
+        <a:scrgbClr r="0" g="0" b="0"/>
+      </a:lnRef>
+      <a:fillRef idx="0">
+        <a:scrgbClr r="0" g="0" b="0"/>
+      </a:fillRef>
+      <a:effectRef idx="0">
+        <a:scrgbClr r="0" g="0" b="0"/>
+      </a:effectRef>
+      <a:fontRef idx="minor"/>
+    </dgm:style>
+  </dgm:styleLbl>
+  <dgm:styleLbl name="callout">
+    <dgm:scene3d>
+      <a:camera prst="orthographicFront"/>
+      <a:lightRig rig="threePt" dir="t"/>
+    </dgm:scene3d>
+    <dgm:sp3d/>
+    <dgm:txPr/>
+    <dgm:style>
+      <a:lnRef idx="2">
+        <a:scrgbClr r="0" g="0" b="0"/>
+      </a:lnRef>
+      <a:fillRef idx="1">
+        <a:scrgbClr r="0" g="0" b="0"/>
+      </a:fillRef>
+      <a:effectRef idx="0">
+        <a:scrgbClr r="0" g="0" b="0"/>
+      </a:effectRef>
+      <a:fontRef idx="minor"/>
+    </dgm:style>
+  </dgm:styleLbl>
+  <dgm:styleLbl name="asst0">
+    <dgm:scene3d>
+      <a:camera prst="orthographicFront"/>
+      <a:lightRig rig="threePt" dir="t"/>
+    </dgm:scene3d>
+    <dgm:sp3d/>
+    <dgm:txPr/>
+    <dgm:style>
+      <a:lnRef idx="2">
+        <a:scrgbClr r="0" g="0" b="0"/>
+      </a:lnRef>
+      <a:fillRef idx="1">
+        <a:scrgbClr r="0" g="0" b="0"/>
+      </a:fillRef>
+      <a:effectRef idx="0">
+        <a:scrgbClr r="0" g="0" b="0"/>
+      </a:effectRef>
+      <a:fontRef idx="minor">
+        <a:schemeClr val="lt1"/>
+      </a:fontRef>
+    </dgm:style>
+  </dgm:styleLbl>
+  <dgm:styleLbl name="asst1">
+    <dgm:scene3d>
+      <a:camera prst="orthographicFront"/>
+      <a:lightRig rig="threePt" dir="t"/>
+    </dgm:scene3d>
+    <dgm:sp3d/>
+    <dgm:txPr/>
+    <dgm:style>
+      <a:lnRef idx="2">
+        <a:scrgbClr r="0" g="0" b="0"/>
+      </a:lnRef>
+      <a:fillRef idx="1">
+        <a:scrgbClr r="0" g="0" b="0"/>
+      </a:fillRef>
+      <a:effectRef idx="0">
+        <a:scrgbClr r="0" g="0" b="0"/>
+      </a:effectRef>
+      <a:fontRef idx="minor">
+        <a:schemeClr val="lt1"/>
+      </a:fontRef>
+    </dgm:style>
+  </dgm:styleLbl>
+  <dgm:styleLbl name="asst2">
+    <dgm:scene3d>
+      <a:camera prst="orthographicFront"/>
+      <a:lightRig rig="threePt" dir="t"/>
+    </dgm:scene3d>
+    <dgm:sp3d/>
+    <dgm:txPr/>
+    <dgm:style>
+      <a:lnRef idx="2">
+        <a:scrgbClr r="0" g="0" b="0"/>
+      </a:lnRef>
+      <a:fillRef idx="1">
+        <a:scrgbClr r="0" g="0" b="0"/>
+      </a:fillRef>
+      <a:effectRef idx="0">
+        <a:scrgbClr r="0" g="0" b="0"/>
+      </a:effectRef>
+      <a:fontRef idx="minor">
+        <a:schemeClr val="lt1"/>
+      </a:fontRef>
+    </dgm:style>
+  </dgm:styleLbl>
+  <dgm:styleLbl name="asst3">
+    <dgm:scene3d>
+      <a:camera prst="orthographicFront"/>
+      <a:lightRig rig="threePt" dir="t"/>
+    </dgm:scene3d>
+    <dgm:sp3d/>
+    <dgm:txPr/>
+    <dgm:style>
+      <a:lnRef idx="2">
+        <a:scrgbClr r="0" g="0" b="0"/>
+      </a:lnRef>
+      <a:fillRef idx="1">
+        <a:scrgbClr r="0" g="0" b="0"/>
+      </a:fillRef>
+      <a:effectRef idx="0">
+        <a:scrgbClr r="0" g="0" b="0"/>
+      </a:effectRef>
+      <a:fontRef idx="minor">
+        <a:schemeClr val="lt1"/>
+      </a:fontRef>
+    </dgm:style>
+  </dgm:styleLbl>
+  <dgm:styleLbl name="asst4">
+    <dgm:scene3d>
+      <a:camera prst="orthographicFront"/>
+      <a:lightRig rig="threePt" dir="t"/>
+    </dgm:scene3d>
+    <dgm:sp3d/>
+    <dgm:txPr/>
+    <dgm:style>
+      <a:lnRef idx="2">
+        <a:scrgbClr r="0" g="0" b="0"/>
+      </a:lnRef>
+      <a:fillRef idx="1">
+        <a:scrgbClr r="0" g="0" b="0"/>
+      </a:fillRef>
+      <a:effectRef idx="0">
+        <a:scrgbClr r="0" g="0" b="0"/>
+      </a:effectRef>
+      <a:fontRef idx="minor">
+        <a:schemeClr val="lt1"/>
+      </a:fontRef>
+    </dgm:style>
+  </dgm:styleLbl>
+  <dgm:styleLbl name="parChTrans2D1">
+    <dgm:scene3d>
+      <a:camera prst="orthographicFront"/>
+      <a:lightRig rig="threePt" dir="t"/>
+    </dgm:scene3d>
+    <dgm:sp3d/>
+    <dgm:txPr/>
+    <dgm:style>
+      <a:lnRef idx="2">
+        <a:scrgbClr r="0" g="0" b="0"/>
+      </a:lnRef>
+      <a:fillRef idx="1">
+        <a:scrgbClr r="0" g="0" b="0"/>
+      </a:fillRef>
+      <a:effectRef idx="0">
+        <a:scrgbClr r="0" g="0" b="0"/>
+      </a:effectRef>
+      <a:fontRef idx="minor">
+        <a:schemeClr val="lt1"/>
+      </a:fontRef>
+    </dgm:style>
+  </dgm:styleLbl>
+  <dgm:styleLbl name="parChTrans2D2">
+    <dgm:scene3d>
+      <a:camera prst="orthographicFront"/>
+      <a:lightRig rig="threePt" dir="t"/>
+    </dgm:scene3d>
+    <dgm:sp3d/>
+    <dgm:txPr/>
+    <dgm:style>
+      <a:lnRef idx="2">
+        <a:scrgbClr r="0" g="0" b="0"/>
+      </a:lnRef>
+      <a:fillRef idx="1">
+        <a:scrgbClr r="0" g="0" b="0"/>
+      </a:fillRef>
+      <a:effectRef idx="0">
+        <a:scrgbClr r="0" g="0" b="0"/>
+      </a:effectRef>
+      <a:fontRef idx="minor">
+        <a:schemeClr val="lt1"/>
+      </a:fontRef>
+    </dgm:style>
+  </dgm:styleLbl>
+  <dgm:styleLbl name="parChTrans2D3">
+    <dgm:scene3d>
+      <a:camera prst="orthographicFront"/>
+      <a:lightRig rig="threePt" dir="t"/>
+    </dgm:scene3d>
+    <dgm:sp3d/>
+    <dgm:txPr/>
+    <dgm:style>
+      <a:lnRef idx="2">
+        <a:scrgbClr r="0" g="0" b="0"/>
+      </a:lnRef>
+      <a:fillRef idx="1">
+        <a:scrgbClr r="0" g="0" b="0"/>
+      </a:fillRef>
+      <a:effectRef idx="0">
+        <a:scrgbClr r="0" g="0" b="0"/>
+      </a:effectRef>
+      <a:fontRef idx="minor">
+        <a:schemeClr val="lt1"/>
+      </a:fontRef>
+    </dgm:style>
+  </dgm:styleLbl>
+  <dgm:styleLbl name="parChTrans2D4">
+    <dgm:scene3d>
+      <a:camera prst="orthographicFront"/>
+      <a:lightRig rig="threePt" dir="t"/>
+    </dgm:scene3d>
+    <dgm:sp3d/>
+    <dgm:txPr/>
+    <dgm:style>
+      <a:lnRef idx="2">
+        <a:scrgbClr r="0" g="0" b="0"/>
+      </a:lnRef>
+      <a:fillRef idx="1">
+        <a:scrgbClr r="0" g="0" b="0"/>
+      </a:fillRef>
+      <a:effectRef idx="0">
+        <a:scrgbClr r="0" g="0" b="0"/>
+      </a:effectRef>
+      <a:fontRef idx="minor">
+        <a:schemeClr val="lt1"/>
+      </a:fontRef>
+    </dgm:style>
+  </dgm:styleLbl>
+  <dgm:styleLbl name="parChTrans1D1">
+    <dgm:scene3d>
+      <a:camera prst="orthographicFront"/>
+      <a:lightRig rig="threePt" dir="t"/>
+    </dgm:scene3d>
+    <dgm:sp3d/>
+    <dgm:txPr/>
+    <dgm:style>
+      <a:lnRef idx="2">
+        <a:scrgbClr r="0" g="0" b="0"/>
+      </a:lnRef>
+      <a:fillRef idx="0">
+        <a:scrgbClr r="0" g="0" b="0"/>
+      </a:fillRef>
+      <a:effectRef idx="0">
+        <a:scrgbClr r="0" g="0" b="0"/>
+      </a:effectRef>
+      <a:fontRef idx="minor"/>
+    </dgm:style>
+  </dgm:styleLbl>
+  <dgm:styleLbl name="parChTrans1D2">
+    <dgm:scene3d>
+      <a:camera prst="orthographicFront"/>
+      <a:lightRig rig="threePt" dir="t"/>
+    </dgm:scene3d>
+    <dgm:sp3d/>
+    <dgm:txPr/>
+    <dgm:style>
+      <a:lnRef idx="2">
+        <a:scrgbClr r="0" g="0" b="0"/>
+      </a:lnRef>
+      <a:fillRef idx="0">
+        <a:scrgbClr r="0" g="0" b="0"/>
+      </a:fillRef>
+      <a:effectRef idx="0">
+        <a:scrgbClr r="0" g="0" b="0"/>
+      </a:effectRef>
+      <a:fontRef idx="minor"/>
+    </dgm:style>
+  </dgm:styleLbl>
+  <dgm:styleLbl name="parChTrans1D3">
+    <dgm:scene3d>
+      <a:camera prst="orthographicFront"/>
+      <a:lightRig rig="threePt" dir="t"/>
+    </dgm:scene3d>
+    <dgm:sp3d/>
+    <dgm:txPr/>
+    <dgm:style>
+      <a:lnRef idx="2">
+        <a:scrgbClr r="0" g="0" b="0"/>
+      </a:lnRef>
+      <a:fillRef idx="0">
+        <a:scrgbClr r="0" g="0" b="0"/>
+      </a:fillRef>
+      <a:effectRef idx="0">
+        <a:scrgbClr r="0" g="0" b="0"/>
+      </a:effectRef>
+      <a:fontRef idx="minor"/>
+    </dgm:style>
+  </dgm:styleLbl>
+  <dgm:styleLbl name="parChTrans1D4">
+    <dgm:scene3d>
+      <a:camera prst="orthographicFront"/>
+      <a:lightRig rig="threePt" dir="t"/>
+    </dgm:scene3d>
+    <dgm:sp3d/>
+    <dgm:txPr/>
+    <dgm:style>
+      <a:lnRef idx="2">
+        <a:scrgbClr r="0" g="0" b="0"/>
+      </a:lnRef>
+      <a:fillRef idx="0">
+        <a:scrgbClr r="0" g="0" b="0"/>
+      </a:fillRef>
+      <a:effectRef idx="0">
+        <a:scrgbClr r="0" g="0" b="0"/>
+      </a:effectRef>
+      <a:fontRef idx="minor"/>
+    </dgm:style>
+  </dgm:styleLbl>
+  <dgm:styleLbl name="fgAcc1">
+    <dgm:scene3d>
+      <a:camera prst="orthographicFront"/>
+      <a:lightRig rig="threePt" dir="t"/>
+    </dgm:scene3d>
+    <dgm:sp3d/>
+    <dgm:txPr/>
+    <dgm:style>
+      <a:lnRef idx="2">
+        <a:scrgbClr r="0" g="0" b="0"/>
+      </a:lnRef>
+      <a:fillRef idx="1">
+        <a:scrgbClr r="0" g="0" b="0"/>
+      </a:fillRef>
+      <a:effectRef idx="0">
+        <a:scrgbClr r="0" g="0" b="0"/>
+      </a:effectRef>
+      <a:fontRef idx="minor"/>
+    </dgm:style>
+  </dgm:styleLbl>
+  <dgm:styleLbl name="conFgAcc1">
+    <dgm:scene3d>
+      <a:camera prst="orthographicFront"/>
+      <a:lightRig rig="threePt" dir="t"/>
+    </dgm:scene3d>
+    <dgm:sp3d/>
+    <dgm:txPr/>
+    <dgm:style>
+      <a:lnRef idx="2">
+        <a:scrgbClr r="0" g="0" b="0"/>
+      </a:lnRef>
+      <a:fillRef idx="1">
+        <a:scrgbClr r="0" g="0" b="0"/>
+      </a:fillRef>
+      <a:effectRef idx="0">
+        <a:scrgbClr r="0" g="0" b="0"/>
+      </a:effectRef>
+      <a:fontRef idx="minor"/>
+    </dgm:style>
+  </dgm:styleLbl>
+  <dgm:styleLbl name="alignAcc1">
+    <dgm:scene3d>
+      <a:camera prst="orthographicFront"/>
+      <a:lightRig rig="threePt" dir="t"/>
+    </dgm:scene3d>
+    <dgm:sp3d/>
+    <dgm:txPr/>
+    <dgm:style>
+      <a:lnRef idx="2">
+        <a:scrgbClr r="0" g="0" b="0"/>
+      </a:lnRef>
+      <a:fillRef idx="1">
+        <a:scrgbClr r="0" g="0" b="0"/>
+      </a:fillRef>
+      <a:effectRef idx="0">
+        <a:scrgbClr r="0" g="0" b="0"/>
+      </a:effectRef>
+      <a:fontRef idx="minor"/>
+    </dgm:style>
+  </dgm:styleLbl>
+  <dgm:styleLbl name="trAlignAcc1">
+    <dgm:scene3d>
+      <a:camera prst="orthographicFront"/>
+      <a:lightRig rig="threePt" dir="t"/>
+    </dgm:scene3d>
+    <dgm:sp3d/>
+    <dgm:txPr/>
+    <dgm:style>
+      <a:lnRef idx="1">
+        <a:scrgbClr r="0" g="0" b="0"/>
+      </a:lnRef>
+      <a:fillRef idx="1">
+        <a:scrgbClr r="0" g="0" b="0"/>
+      </a:fillRef>
+      <a:effectRef idx="0">
+        <a:scrgbClr r="0" g="0" b="0"/>
+      </a:effectRef>
+      <a:fontRef idx="minor"/>
+    </dgm:style>
+  </dgm:styleLbl>
+  <dgm:styleLbl name="bgAcc1">
+    <dgm:scene3d>
+      <a:camera prst="orthographicFront"/>
+      <a:lightRig rig="threePt" dir="t"/>
+    </dgm:scene3d>
+    <dgm:sp3d/>
+    <dgm:txPr/>
+    <dgm:style>
+      <a:lnRef idx="2">
+        <a:scrgbClr r="0" g="0" b="0"/>
+      </a:lnRef>
+      <a:fillRef idx="1">
+        <a:scrgbClr r="0" g="0" b="0"/>
+      </a:fillRef>
+      <a:effectRef idx="0">
+        <a:scrgbClr r="0" g="0" b="0"/>
+      </a:effectRef>
+      <a:fontRef idx="minor"/>
+    </dgm:style>
+  </dgm:styleLbl>
+  <dgm:styleLbl name="solidFgAcc1">
+    <dgm:scene3d>
+      <a:camera prst="orthographicFront"/>
+      <a:lightRig rig="threePt" dir="t"/>
+    </dgm:scene3d>
+    <dgm:sp3d/>
+    <dgm:txPr/>
+    <dgm:style>
+      <a:lnRef idx="2">
+        <a:scrgbClr r="0" g="0" b="0"/>
+      </a:lnRef>
+      <a:fillRef idx="1">
+        <a:scrgbClr r="0" g="0" b="0"/>
+      </a:fillRef>
+      <a:effectRef idx="0">
+        <a:scrgbClr r="0" g="0" b="0"/>
+      </a:effectRef>
+      <a:fontRef idx="minor"/>
+    </dgm:style>
+  </dgm:styleLbl>
+  <dgm:styleLbl name="solidAlignAcc1">
+    <dgm:scene3d>
+      <a:camera prst="orthographicFront"/>
+      <a:lightRig rig="threePt" dir="t"/>
+    </dgm:scene3d>
+    <dgm:sp3d/>
+    <dgm:txPr/>
+    <dgm:style>
+      <a:lnRef idx="2">
+        <a:scrgbClr r="0" g="0" b="0"/>
+      </a:lnRef>
+      <a:fillRef idx="1">
+        <a:scrgbClr r="0" g="0" b="0"/>
+      </a:fillRef>
+      <a:effectRef idx="0">
+        <a:scrgbClr r="0" g="0" b="0"/>
+      </a:effectRef>
+      <a:fontRef idx="minor"/>
+    </dgm:style>
+  </dgm:styleLbl>
+  <dgm:styleLbl name="solidBgAcc1">
+    <dgm:scene3d>
+      <a:camera prst="orthographicFront"/>
+      <a:lightRig rig="threePt" dir="t"/>
+    </dgm:scene3d>
+    <dgm:sp3d/>
+    <dgm:txPr/>
+    <dgm:style>
+      <a:lnRef idx="2">
+        <a:scrgbClr r="0" g="0" b="0"/>
+      </a:lnRef>
+      <a:fillRef idx="1">
+        <a:scrgbClr r="0" g="0" b="0"/>
+      </a:fillRef>
+      <a:effectRef idx="0">
+        <a:scrgbClr r="0" g="0" b="0"/>
+      </a:effectRef>
+      <a:fontRef idx="minor"/>
+    </dgm:style>
+  </dgm:styleLbl>
+  <dgm:styleLbl name="fgAccFollowNode1">
+    <dgm:scene3d>
+      <a:camera prst="orthographicFront"/>
+      <a:lightRig rig="threePt" dir="t"/>
+    </dgm:scene3d>
+    <dgm:sp3d/>
+    <dgm:txPr/>
+    <dgm:style>
+      <a:lnRef idx="2">
+        <a:scrgbClr r="0" g="0" b="0"/>
+      </a:lnRef>
+      <a:fillRef idx="1">
+        <a:scrgbClr r="0" g="0" b="0"/>
+      </a:fillRef>
+      <a:effectRef idx="0">
+        <a:scrgbClr r="0" g="0" b="0"/>
+      </a:effectRef>
+      <a:fontRef idx="minor"/>
+    </dgm:style>
+  </dgm:styleLbl>
+  <dgm:styleLbl name="alignAccFollowNode1">
+    <dgm:scene3d>
+      <a:camera prst="orthographicFront"/>
+      <a:lightRig rig="threePt" dir="t"/>
+    </dgm:scene3d>
+    <dgm:sp3d/>
+    <dgm:txPr/>
+    <dgm:style>
+      <a:lnRef idx="2">
+        <a:scrgbClr r="0" g="0" b="0"/>
+      </a:lnRef>
+      <a:fillRef idx="1">
+        <a:scrgbClr r="0" g="0" b="0"/>
+      </a:fillRef>
+      <a:effectRef idx="0">
+        <a:scrgbClr r="0" g="0" b="0"/>
+      </a:effectRef>
+      <a:fontRef idx="minor"/>
+    </dgm:style>
+  </dgm:styleLbl>
+  <dgm:styleLbl name="bgAccFollowNode1">
+    <dgm:scene3d>
+      <a:camera prst="orthographicFront"/>
+      <a:lightRig rig="threePt" dir="t"/>
+    </dgm:scene3d>
+    <dgm:sp3d/>
+    <dgm:txPr/>
+    <dgm:style>
+      <a:lnRef idx="2">
+        <a:scrgbClr r="0" g="0" b="0"/>
+      </a:lnRef>
+      <a:fillRef idx="1">
+        <a:scrgbClr r="0" g="0" b="0"/>
+      </a:fillRef>
+      <a:effectRef idx="0">
+        <a:scrgbClr r="0" g="0" b="0"/>
+      </a:effectRef>
+      <a:fontRef idx="minor"/>
+    </dgm:style>
+  </dgm:styleLbl>
+  <dgm:styleLbl name="fgAcc0">
+    <dgm:scene3d>
+      <a:camera prst="orthographicFront"/>
+      <a:lightRig rig="threePt" dir="t"/>
+    </dgm:scene3d>
+    <dgm:sp3d/>
+    <dgm:txPr/>
+    <dgm:style>
+      <a:lnRef idx="2">
+        <a:scrgbClr r="0" g="0" b="0"/>
+      </a:lnRef>
+      <a:fillRef idx="1">
+        <a:scrgbClr r="0" g="0" b="0"/>
+      </a:fillRef>
+      <a:effectRef idx="0">
+        <a:scrgbClr r="0" g="0" b="0"/>
+      </a:effectRef>
+      <a:fontRef idx="minor"/>
+    </dgm:style>
+  </dgm:styleLbl>
+  <dgm:styleLbl name="fgAcc2">
+    <dgm:scene3d>
+      <a:camera prst="orthographicFront"/>
+      <a:lightRig rig="threePt" dir="t"/>
+    </dgm:scene3d>
+    <dgm:sp3d/>
+    <dgm:txPr/>
+    <dgm:style>
+      <a:lnRef idx="2">
+        <a:scrgbClr r="0" g="0" b="0"/>
+      </a:lnRef>
+      <a:fillRef idx="1">
+        <a:scrgbClr r="0" g="0" b="0"/>
+      </a:fillRef>
+      <a:effectRef idx="0">
+        <a:scrgbClr r="0" g="0" b="0"/>
+      </a:effectRef>
+      <a:fontRef idx="minor"/>
+    </dgm:style>
+  </dgm:styleLbl>
+  <dgm:styleLbl name="fgAcc3">
+    <dgm:scene3d>
+      <a:camera prst="orthographicFront"/>
+      <a:lightRig rig="threePt" dir="t"/>
+    </dgm:scene3d>
+    <dgm:sp3d/>
+    <dgm:txPr/>
+    <dgm:style>
+      <a:lnRef idx="2">
+        <a:scrgbClr r="0" g="0" b="0"/>
+      </a:lnRef>
+      <a:fillRef idx="1">
+        <a:scrgbClr r="0" g="0" b="0"/>
+      </a:fillRef>
+      <a:effectRef idx="0">
+        <a:scrgbClr r="0" g="0" b="0"/>
+      </a:effectRef>
+      <a:fontRef idx="minor"/>
+    </dgm:style>
+  </dgm:styleLbl>
+  <dgm:styleLbl name="fgAcc4">
+    <dgm:scene3d>
+      <a:camera prst="orthographicFront"/>
+      <a:lightRig rig="threePt" dir="t"/>
+    </dgm:scene3d>
+    <dgm:sp3d/>
+    <dgm:txPr/>
+    <dgm:style>
+      <a:lnRef idx="2">
+        <a:scrgbClr r="0" g="0" b="0"/>
+      </a:lnRef>
+      <a:fillRef idx="1">
+        <a:scrgbClr r="0" g="0" b="0"/>
+      </a:fillRef>
+      <a:effectRef idx="0">
+        <a:scrgbClr r="0" g="0" b="0"/>
+      </a:effectRef>
+      <a:fontRef idx="minor"/>
+    </dgm:style>
+  </dgm:styleLbl>
+  <dgm:styleLbl name="bgShp">
+    <dgm:scene3d>
+      <a:camera prst="orthographicFront"/>
+      <a:lightRig rig="threePt" dir="t"/>
+    </dgm:scene3d>
+    <dgm:sp3d/>
+    <dgm:txPr/>
+    <dgm:style>
+      <a:lnRef idx="0">
+        <a:scrgbClr r="0" g="0" b="0"/>
+      </a:lnRef>
+      <a:fillRef idx="1">
+        <a:scrgbClr r="0" g="0" b="0"/>
+      </a:fillRef>
+      <a:effectRef idx="0">
+        <a:scrgbClr r="0" g="0" b="0"/>
+      </a:effectRef>
+      <a:fontRef idx="minor"/>
+    </dgm:style>
+  </dgm:styleLbl>
+  <dgm:styleLbl name="dkBgShp">
+    <dgm:scene3d>
+      <a:camera prst="orthographicFront"/>
+      <a:lightRig rig="threePt" dir="t"/>
+    </dgm:scene3d>
+    <dgm:sp3d/>
+    <dgm:txPr/>
+    <dgm:style>
+      <a:lnRef idx="0">
+        <a:scrgbClr r="0" g="0" b="0"/>
+      </a:lnRef>
+      <a:fillRef idx="1">
+        <a:scrgbClr r="0" g="0" b="0"/>
+      </a:fillRef>
+      <a:effectRef idx="0">
+        <a:scrgbClr r="0" g="0" b="0"/>
+      </a:effectRef>
+      <a:fontRef idx="minor"/>
+    </dgm:style>
+  </dgm:styleLbl>
+  <dgm:styleLbl name="trBgShp">
+    <dgm:scene3d>
+      <a:camera prst="orthographicFront"/>
+      <a:lightRig rig="threePt" dir="t"/>
+    </dgm:scene3d>
+    <dgm:sp3d/>
+    <dgm:txPr/>
+    <dgm:style>
+      <a:lnRef idx="0">
+        <a:scrgbClr r="0" g="0" b="0"/>
+      </a:lnRef>
+      <a:fillRef idx="1">
+        <a:scrgbClr r="0" g="0" b="0"/>
+      </a:fillRef>
+      <a:effectRef idx="0">
+        <a:scrgbClr r="0" g="0" b="0"/>
+      </a:effectRef>
+      <a:fontRef idx="minor"/>
+    </dgm:style>
+  </dgm:styleLbl>
+  <dgm:styleLbl name="fgShp">
+    <dgm:scene3d>
+      <a:camera prst="orthographicFront"/>
+      <a:lightRig rig="threePt" dir="t"/>
+    </dgm:scene3d>
+    <dgm:sp3d/>
+    <dgm:txPr/>
+    <dgm:style>
+      <a:lnRef idx="2">
+        <a:scrgbClr r="0" g="0" b="0"/>
+      </a:lnRef>
+      <a:fillRef idx="1">
+        <a:scrgbClr r="0" g="0" b="0"/>
+      </a:fillRef>
+      <a:effectRef idx="0">
+        <a:scrgbClr r="0" g="0" b="0"/>
+      </a:effectRef>
+      <a:fontRef idx="minor"/>
+    </dgm:style>
+  </dgm:styleLbl>
+  <dgm:styleLbl name="revTx">
+    <dgm:scene3d>
+      <a:camera prst="orthographicFront"/>
+      <a:lightRig rig="threePt" dir="t"/>
+    </dgm:scene3d>
+    <dgm:sp3d/>
+    <dgm:txPr/>
+    <dgm:style>
+      <a:lnRef idx="0">
+        <a:scrgbClr r="0" g="0" b="0"/>
+      </a:lnRef>
+      <a:fillRef idx="0">
+        <a:scrgbClr r="0" g="0" b="0"/>
+      </a:fillRef>
+      <a:effectRef idx="0">
+        <a:scrgbClr r="0" g="0" b="0"/>
+      </a:effectRef>
+      <a:fontRef idx="minor"/>
+    </dgm:style>
+  </dgm:styleLbl>
+</dgm:styleDef>
+</file>
+
+<file path=ppt/diagrams/quickStyle6.xml><?xml version="1.0" encoding="utf-8"?>
 <dgm:styleDef xmlns:dgm="http://schemas.openxmlformats.org/drawingml/2006/diagram" xmlns:a="http://schemas.openxmlformats.org/drawingml/2006/main" uniqueId="urn:microsoft.com/office/officeart/2005/8/quickstyle/simple1">
   <dgm:title val=""/>
   <dgm:desc val=""/>
@@ -30338,7 +38134,7 @@
           <a:p>
             <a:fld id="{CC3DA29F-17ED-4219-9D87-E83D641A3947}" type="datetimeFigureOut">
               <a:rPr lang="zh-CN" altLang="en-US" smtClean="0"/>
-              <a:t>2017/4/10</a:t>
+              <a:t>2017/4/18</a:t>
             </a:fld>
             <a:endParaRPr lang="zh-CN" altLang="en-US"/>
           </a:p>
@@ -30508,7 +38304,7 @@
           <a:p>
             <a:fld id="{CC3DA29F-17ED-4219-9D87-E83D641A3947}" type="datetimeFigureOut">
               <a:rPr lang="zh-CN" altLang="en-US" smtClean="0"/>
-              <a:t>2017/4/10</a:t>
+              <a:t>2017/4/18</a:t>
             </a:fld>
             <a:endParaRPr lang="zh-CN" altLang="en-US"/>
           </a:p>
@@ -30688,7 +38484,7 @@
           <a:p>
             <a:fld id="{CC3DA29F-17ED-4219-9D87-E83D641A3947}" type="datetimeFigureOut">
               <a:rPr lang="zh-CN" altLang="en-US" smtClean="0"/>
-              <a:t>2017/4/10</a:t>
+              <a:t>2017/4/18</a:t>
             </a:fld>
             <a:endParaRPr lang="zh-CN" altLang="en-US"/>
           </a:p>
@@ -30858,7 +38654,7 @@
           <a:p>
             <a:fld id="{CC3DA29F-17ED-4219-9D87-E83D641A3947}" type="datetimeFigureOut">
               <a:rPr lang="zh-CN" altLang="en-US" smtClean="0"/>
-              <a:t>2017/4/10</a:t>
+              <a:t>2017/4/18</a:t>
             </a:fld>
             <a:endParaRPr lang="zh-CN" altLang="en-US"/>
           </a:p>
@@ -31104,7 +38900,7 @@
           <a:p>
             <a:fld id="{CC3DA29F-17ED-4219-9D87-E83D641A3947}" type="datetimeFigureOut">
               <a:rPr lang="zh-CN" altLang="en-US" smtClean="0"/>
-              <a:t>2017/4/10</a:t>
+              <a:t>2017/4/18</a:t>
             </a:fld>
             <a:endParaRPr lang="zh-CN" altLang="en-US"/>
           </a:p>
@@ -31336,7 +39132,7 @@
           <a:p>
             <a:fld id="{CC3DA29F-17ED-4219-9D87-E83D641A3947}" type="datetimeFigureOut">
               <a:rPr lang="zh-CN" altLang="en-US" smtClean="0"/>
-              <a:t>2017/4/10</a:t>
+              <a:t>2017/4/18</a:t>
             </a:fld>
             <a:endParaRPr lang="zh-CN" altLang="en-US"/>
           </a:p>
@@ -31703,7 +39499,7 @@
           <a:p>
             <a:fld id="{CC3DA29F-17ED-4219-9D87-E83D641A3947}" type="datetimeFigureOut">
               <a:rPr lang="zh-CN" altLang="en-US" smtClean="0"/>
-              <a:t>2017/4/10</a:t>
+              <a:t>2017/4/18</a:t>
             </a:fld>
             <a:endParaRPr lang="zh-CN" altLang="en-US"/>
           </a:p>
@@ -31821,7 +39617,7 @@
           <a:p>
             <a:fld id="{CC3DA29F-17ED-4219-9D87-E83D641A3947}" type="datetimeFigureOut">
               <a:rPr lang="zh-CN" altLang="en-US" smtClean="0"/>
-              <a:t>2017/4/10</a:t>
+              <a:t>2017/4/18</a:t>
             </a:fld>
             <a:endParaRPr lang="zh-CN" altLang="en-US"/>
           </a:p>
@@ -31916,7 +39712,7 @@
           <a:p>
             <a:fld id="{CC3DA29F-17ED-4219-9D87-E83D641A3947}" type="datetimeFigureOut">
               <a:rPr lang="zh-CN" altLang="en-US" smtClean="0"/>
-              <a:t>2017/4/10</a:t>
+              <a:t>2017/4/18</a:t>
             </a:fld>
             <a:endParaRPr lang="zh-CN" altLang="en-US"/>
           </a:p>
@@ -32193,7 +39989,7 @@
           <a:p>
             <a:fld id="{CC3DA29F-17ED-4219-9D87-E83D641A3947}" type="datetimeFigureOut">
               <a:rPr lang="zh-CN" altLang="en-US" smtClean="0"/>
-              <a:t>2017/4/10</a:t>
+              <a:t>2017/4/18</a:t>
             </a:fld>
             <a:endParaRPr lang="zh-CN" altLang="en-US"/>
           </a:p>
@@ -32446,7 +40242,7 @@
           <a:p>
             <a:fld id="{CC3DA29F-17ED-4219-9D87-E83D641A3947}" type="datetimeFigureOut">
               <a:rPr lang="zh-CN" altLang="en-US" smtClean="0"/>
-              <a:t>2017/4/10</a:t>
+              <a:t>2017/4/18</a:t>
             </a:fld>
             <a:endParaRPr lang="zh-CN" altLang="en-US"/>
           </a:p>
@@ -32659,7 +40455,7 @@
           <a:p>
             <a:fld id="{CC3DA29F-17ED-4219-9D87-E83D641A3947}" type="datetimeFigureOut">
               <a:rPr lang="zh-CN" altLang="en-US" smtClean="0"/>
-              <a:t>2017/4/10</a:t>
+              <a:t>2017/4/18</a:t>
             </a:fld>
             <a:endParaRPr lang="zh-CN" altLang="en-US"/>
           </a:p>
@@ -33255,6 +41051,80 @@
 </p:sld>
 </file>
 
+<file path=ppt/slides/slide5.xml><?xml version="1.0" encoding="utf-8"?>
+<p:sld xmlns:a="http://schemas.openxmlformats.org/drawingml/2006/main" xmlns:r="http://schemas.openxmlformats.org/officeDocument/2006/relationships" xmlns:p="http://schemas.openxmlformats.org/presentationml/2006/main">
+  <p:cSld>
+    <p:spTree>
+      <p:nvGrpSpPr>
+        <p:cNvPr id="1" name=""/>
+        <p:cNvGrpSpPr/>
+        <p:nvPr/>
+      </p:nvGrpSpPr>
+      <p:grpSpPr>
+        <a:xfrm>
+          <a:off x="0" y="0"/>
+          <a:ext cx="0" cy="0"/>
+          <a:chOff x="0" y="0"/>
+          <a:chExt cx="0" cy="0"/>
+        </a:xfrm>
+      </p:grpSpPr>
+      <p:graphicFrame>
+        <p:nvGraphicFramePr>
+          <p:cNvPr id="4" name="图示 3"/>
+          <p:cNvGraphicFramePr/>
+          <p:nvPr>
+            <p:extLst>
+              <p:ext uri="{D42A27DB-BD31-4B8C-83A1-F6EECF244321}">
+                <p14:modId xmlns:p14="http://schemas.microsoft.com/office/powerpoint/2010/main" val="712627673"/>
+              </p:ext>
+            </p:extLst>
+          </p:nvPr>
+        </p:nvGraphicFramePr>
+        <p:xfrm>
+          <a:off x="2032000" y="719666"/>
+          <a:ext cx="8128000" cy="5418667"/>
+        </p:xfrm>
+        <a:graphic>
+          <a:graphicData uri="http://schemas.openxmlformats.org/drawingml/2006/diagram">
+            <dgm:relIds xmlns:dgm="http://schemas.openxmlformats.org/drawingml/2006/diagram" xmlns:r="http://schemas.openxmlformats.org/officeDocument/2006/relationships" r:dm="rId2" r:lo="rId3" r:qs="rId4" r:cs="rId5"/>
+          </a:graphicData>
+        </a:graphic>
+      </p:graphicFrame>
+      <p:graphicFrame>
+        <p:nvGraphicFramePr>
+          <p:cNvPr id="5" name="图示 4"/>
+          <p:cNvGraphicFramePr/>
+          <p:nvPr>
+            <p:extLst>
+              <p:ext uri="{D42A27DB-BD31-4B8C-83A1-F6EECF244321}">
+                <p14:modId xmlns:p14="http://schemas.microsoft.com/office/powerpoint/2010/main" val="63287865"/>
+              </p:ext>
+            </p:extLst>
+          </p:nvPr>
+        </p:nvGraphicFramePr>
+        <p:xfrm>
+          <a:off x="2032000" y="719667"/>
+          <a:ext cx="8309033" cy="5564756"/>
+        </p:xfrm>
+        <a:graphic>
+          <a:graphicData uri="http://schemas.openxmlformats.org/drawingml/2006/diagram">
+            <dgm:relIds xmlns:dgm="http://schemas.openxmlformats.org/drawingml/2006/diagram" xmlns:r="http://schemas.openxmlformats.org/officeDocument/2006/relationships" r:dm="rId7" r:lo="rId8" r:qs="rId9" r:cs="rId10"/>
+          </a:graphicData>
+        </a:graphic>
+      </p:graphicFrame>
+    </p:spTree>
+    <p:extLst>
+      <p:ext uri="{BB962C8B-B14F-4D97-AF65-F5344CB8AC3E}">
+        <p14:creationId xmlns:p14="http://schemas.microsoft.com/office/powerpoint/2010/main" val="3909743575"/>
+      </p:ext>
+    </p:extLst>
+  </p:cSld>
+  <p:clrMapOvr>
+    <a:masterClrMapping/>
+  </p:clrMapOvr>
+</p:sld>
+</file>
+
 <file path=ppt/theme/theme1.xml><?xml version="1.0" encoding="utf-8"?>
 <a:theme xmlns:a="http://schemas.openxmlformats.org/drawingml/2006/main" name="Office 主题​​">
   <a:themeElements>

--- a/教程/Index.pptx
+++ b/教程/Index.pptx
@@ -6681,96 +6681,96 @@
     </dgm:pt>
   </dgm:ptLst>
   <dgm:cxnLst>
+    <dgm:cxn modelId="{AF361DD8-F289-4CF0-A832-21B3C4C099A3}" type="presOf" srcId="{54B22CF6-907D-4AD8-92C4-0399267F5D7A}" destId="{57E8A9A6-D72E-44F7-98C8-FCFACFF93606}" srcOrd="0" destOrd="0" presId="urn:microsoft.com/office/officeart/2008/layout/NameandTitleOrganizationalChart"/>
+    <dgm:cxn modelId="{47ADFDB1-FB21-4EDE-827A-31572B4DB065}" type="presOf" srcId="{1BA13A82-364A-46CA-BDAF-792FE3D2913E}" destId="{0133BCC6-49F8-4231-BAB2-704AE1F1BE24}" srcOrd="0" destOrd="0" presId="urn:microsoft.com/office/officeart/2008/layout/NameandTitleOrganizationalChart"/>
+    <dgm:cxn modelId="{3ED77A3D-3F99-43A8-91ED-07EAC87BD0E8}" type="presOf" srcId="{B91C093C-03B1-401C-8462-11DC6CC3E891}" destId="{1C89C8D1-8B8E-4239-BCFF-04AA4DF5D267}" srcOrd="0" destOrd="0" presId="urn:microsoft.com/office/officeart/2008/layout/NameandTitleOrganizationalChart"/>
+    <dgm:cxn modelId="{A6F377CB-C53E-4C6C-97CB-EEE17BB8EA2E}" type="presOf" srcId="{AB091C5F-1C2B-4511-A681-D7B94BC00380}" destId="{50939023-49D7-4F51-AD1D-21231C706D1C}" srcOrd="0" destOrd="0" presId="urn:microsoft.com/office/officeart/2008/layout/NameandTitleOrganizationalChart"/>
+    <dgm:cxn modelId="{90457F4E-5C90-405E-8D3B-3608B68FDC52}" type="presOf" srcId="{2DB39D95-EFF2-420B-AFBF-73D10E1400C0}" destId="{95E6DB3B-AD48-4715-9855-4898B682D86D}" srcOrd="0" destOrd="0" presId="urn:microsoft.com/office/officeart/2008/layout/NameandTitleOrganizationalChart"/>
+    <dgm:cxn modelId="{6EE96CD4-457E-4A9B-8A7F-1CA50C09CAD7}" type="presOf" srcId="{C99AAC59-7635-4022-BF61-F1B616ECF97A}" destId="{78214B65-B5FE-4ABF-8A0C-CA99AA9FB35E}" srcOrd="0" destOrd="0" presId="urn:microsoft.com/office/officeart/2008/layout/NameandTitleOrganizationalChart"/>
+    <dgm:cxn modelId="{C8D3A0C7-6FA8-484F-A5DD-962F674AD387}" srcId="{98B8A5A8-2B75-48BA-8041-9C13C210609D}" destId="{E15456C9-1264-44CE-A46A-1332FDEA4D63}" srcOrd="1" destOrd="0" parTransId="{39E5A908-DBFD-4C86-BA62-23E66E1A68F3}" sibTransId="{2DB39D95-EFF2-420B-AFBF-73D10E1400C0}"/>
+    <dgm:cxn modelId="{1984ED6F-6BA0-42AA-BA38-FED598094183}" type="presOf" srcId="{A2CC19FE-4BF6-4187-89D1-510EF69AD1BC}" destId="{6A8BA006-F54F-4C04-BC17-4EA28E8359E9}" srcOrd="0" destOrd="0" presId="urn:microsoft.com/office/officeart/2008/layout/NameandTitleOrganizationalChart"/>
+    <dgm:cxn modelId="{459A5F50-E40A-4351-ADE9-824A6DF7A4EC}" type="presOf" srcId="{09A1C1D9-D891-4DBA-8289-95E3ED6379E3}" destId="{B26AA340-B012-450C-B965-9765131C5F60}" srcOrd="0" destOrd="0" presId="urn:microsoft.com/office/officeart/2008/layout/NameandTitleOrganizationalChart"/>
+    <dgm:cxn modelId="{9A83FF3B-BC19-425C-A1AD-5AFD3FB2AB5D}" type="presOf" srcId="{EDFC95DE-09A1-4484-B91F-4D53C6FCF9B2}" destId="{7B4F4265-1316-4042-90B8-F0270B0983C3}" srcOrd="0" destOrd="0" presId="urn:microsoft.com/office/officeart/2008/layout/NameandTitleOrganizationalChart"/>
+    <dgm:cxn modelId="{E4965599-EF00-41EB-AF3A-35DE7D7F1085}" type="presOf" srcId="{98B8A5A8-2B75-48BA-8041-9C13C210609D}" destId="{5AE64D64-D8C9-4680-89BC-629381485A87}" srcOrd="0" destOrd="0" presId="urn:microsoft.com/office/officeart/2008/layout/NameandTitleOrganizationalChart"/>
+    <dgm:cxn modelId="{C40498F5-47B4-42BE-A6F6-FEB674B8B732}" srcId="{54B22CF6-907D-4AD8-92C4-0399267F5D7A}" destId="{E21412F6-F8B6-4877-B5A3-1D2645173BD3}" srcOrd="0" destOrd="0" parTransId="{6030B236-9283-4C83-A9F7-F5EC8843EAB8}" sibTransId="{80C7A12E-0A37-413C-9B41-A1F036E0B74B}"/>
+    <dgm:cxn modelId="{7524AFAD-10EC-4037-AD99-C8C6CEFF6F3D}" srcId="{E15456C9-1264-44CE-A46A-1332FDEA4D63}" destId="{E5C82CA0-96D5-4FFF-97E4-CCB952C228C7}" srcOrd="0" destOrd="0" parTransId="{C99AAC59-7635-4022-BF61-F1B616ECF97A}" sibTransId="{2E53A8AA-B911-4693-BB93-6A397BC88DBB}"/>
+    <dgm:cxn modelId="{4914C4E4-AAF2-4221-A5B5-C80E45C47DC8}" type="presOf" srcId="{ADE585E9-6E3D-4B4C-859F-3240CF01A0CE}" destId="{0143DD8F-A4C4-4301-8C10-45F38F05B4AE}" srcOrd="0" destOrd="0" presId="urn:microsoft.com/office/officeart/2008/layout/NameandTitleOrganizationalChart"/>
+    <dgm:cxn modelId="{AD4AA747-F3A8-41E2-8B62-868A5B791275}" type="presOf" srcId="{5C8C7E6B-D7EF-4A3D-AB3B-336AE497B83E}" destId="{F380191F-68F7-4007-A4C0-DAB6CB8C3176}" srcOrd="0" destOrd="0" presId="urn:microsoft.com/office/officeart/2008/layout/NameandTitleOrganizationalChart"/>
+    <dgm:cxn modelId="{EDE522AC-1998-47D7-9ADE-6A909B5350C1}" type="presOf" srcId="{4F243CCC-3FAD-4709-ABBB-1E01F32118E7}" destId="{11926B22-8F9E-4EDF-A7DE-30B015AE09F4}" srcOrd="0" destOrd="0" presId="urn:microsoft.com/office/officeart/2008/layout/NameandTitleOrganizationalChart"/>
+    <dgm:cxn modelId="{49DA2137-32CE-45B2-8788-C2FE104ED86F}" type="presOf" srcId="{883F479D-59C7-4D7B-A722-21C7D5F2E269}" destId="{5484D4D6-EA5E-47A9-8B98-31668B75EC0C}" srcOrd="1" destOrd="0" presId="urn:microsoft.com/office/officeart/2008/layout/NameandTitleOrganizationalChart"/>
+    <dgm:cxn modelId="{9A1D5EE3-B47C-4C0B-A30B-F05640F3C9EA}" type="presOf" srcId="{5A315CA4-91DF-4090-B63C-B2A9BD1CE594}" destId="{9A9C2577-DD1A-4A82-A7B5-333FAE126AAA}" srcOrd="1" destOrd="0" presId="urn:microsoft.com/office/officeart/2008/layout/NameandTitleOrganizationalChart"/>
+    <dgm:cxn modelId="{8B02A030-DD4A-4825-BBA1-01431D83BE9D}" srcId="{26E62099-3BC6-4E17-94C4-80340E00CF78}" destId="{1DB3B635-F31A-4C4C-8115-88FD0D07A89B}" srcOrd="7" destOrd="0" parTransId="{73234726-D4B4-4E51-AF5B-87A161E7FD1B}" sibTransId="{EDFC95DE-09A1-4484-B91F-4D53C6FCF9B2}"/>
+    <dgm:cxn modelId="{F7FBAE76-51BF-4FE2-83A1-C675562315AA}" type="presOf" srcId="{883F479D-59C7-4D7B-A722-21C7D5F2E269}" destId="{C0609B87-D118-46F5-A332-3E6628950ABC}" srcOrd="0" destOrd="0" presId="urn:microsoft.com/office/officeart/2008/layout/NameandTitleOrganizationalChart"/>
+    <dgm:cxn modelId="{799ED841-8428-4588-B164-332BCAA758AB}" type="presOf" srcId="{B6D8A5CD-05D7-4BD6-930B-661C00AFF661}" destId="{A94D0759-1843-47BA-952A-DB309C1547CB}" srcOrd="0" destOrd="0" presId="urn:microsoft.com/office/officeart/2008/layout/NameandTitleOrganizationalChart"/>
+    <dgm:cxn modelId="{3879CE63-4658-4A4E-886C-124F05D8F335}" type="presOf" srcId="{958569A8-FBDF-40B8-8EC1-75E2493F7471}" destId="{174A1766-206B-4111-AE1B-3CE3FB67ADE9}" srcOrd="0" destOrd="0" presId="urn:microsoft.com/office/officeart/2008/layout/NameandTitleOrganizationalChart"/>
+    <dgm:cxn modelId="{CFD0DD05-EF3F-4FF8-821B-62DB84BDC2BC}" type="presOf" srcId="{E5C82CA0-96D5-4FFF-97E4-CCB952C228C7}" destId="{F2EC2861-C1D5-4305-8DD5-8D30C9172D41}" srcOrd="0" destOrd="0" presId="urn:microsoft.com/office/officeart/2008/layout/NameandTitleOrganizationalChart"/>
+    <dgm:cxn modelId="{5D1634EF-9423-449A-936C-558A8523DF9E}" srcId="{26E62099-3BC6-4E17-94C4-80340E00CF78}" destId="{958569A8-FBDF-40B8-8EC1-75E2493F7471}" srcOrd="1" destOrd="0" parTransId="{ADE585E9-6E3D-4B4C-859F-3240CF01A0CE}" sibTransId="{683EE9AB-85E6-45CF-95D2-1E792782A3F0}"/>
+    <dgm:cxn modelId="{4C3E9803-E8D3-44A1-A16A-45C3048641D8}" type="presOf" srcId="{22474AD4-F4CF-4F5E-9EEF-94B485CCCEEE}" destId="{03FAE41A-8D29-4C04-BB0D-939DFD4D267A}" srcOrd="0" destOrd="0" presId="urn:microsoft.com/office/officeart/2008/layout/NameandTitleOrganizationalChart"/>
+    <dgm:cxn modelId="{510933DD-F352-4818-ABA6-5F413B0D779F}" type="presOf" srcId="{FF31ECF4-BE1B-44EC-8950-5F3CAA13C9E1}" destId="{328B3935-1432-4F3B-A933-E7FB2D406FF3}" srcOrd="0" destOrd="0" presId="urn:microsoft.com/office/officeart/2008/layout/NameandTitleOrganizationalChart"/>
+    <dgm:cxn modelId="{8E442753-5FE7-40C7-9F69-6012550D209B}" type="presOf" srcId="{E5C82CA0-96D5-4FFF-97E4-CCB952C228C7}" destId="{D6CBF49A-2774-4508-A938-94A33E3AE15D}" srcOrd="1" destOrd="0" presId="urn:microsoft.com/office/officeart/2008/layout/NameandTitleOrganizationalChart"/>
+    <dgm:cxn modelId="{E8FE7C8C-79ED-4A3F-802B-2D22D71D0CE6}" srcId="{9B5504EE-262E-421F-B6D0-17AEEAEBC46F}" destId="{26E62099-3BC6-4E17-94C4-80340E00CF78}" srcOrd="0" destOrd="0" parTransId="{E7A8FCB0-04D3-41C6-A08E-323E962A68EC}" sibTransId="{A2CC19FE-4BF6-4187-89D1-510EF69AD1BC}"/>
+    <dgm:cxn modelId="{2868E610-5452-404F-A51F-DAB7EA695AA8}" srcId="{26E62099-3BC6-4E17-94C4-80340E00CF78}" destId="{5A315CA4-91DF-4090-B63C-B2A9BD1CE594}" srcOrd="4" destOrd="0" parTransId="{1BA13A82-364A-46CA-BDAF-792FE3D2913E}" sibTransId="{09A1C1D9-D891-4DBA-8289-95E3ED6379E3}"/>
+    <dgm:cxn modelId="{5231FEDA-BC49-4C3B-8963-43281F30983F}" type="presOf" srcId="{C52EAC42-BF7A-4839-BED5-3E5C5A8A8F1B}" destId="{2F150A28-35D7-4EDD-AD14-08E30D1702BB}" srcOrd="0" destOrd="0" presId="urn:microsoft.com/office/officeart/2008/layout/NameandTitleOrganizationalChart"/>
+    <dgm:cxn modelId="{FEE25D98-22C5-4650-8A39-9067A367BDF7}" type="presOf" srcId="{340911AF-DD18-4E72-8A97-F432B6E4DC21}" destId="{9E007C76-6257-47A8-B735-63EA3D7A08C8}" srcOrd="0" destOrd="0" presId="urn:microsoft.com/office/officeart/2008/layout/NameandTitleOrganizationalChart"/>
+    <dgm:cxn modelId="{1929A109-36A0-4ED7-AF6E-66A8CBAB8D6F}" type="presOf" srcId="{4410F5B9-7A6E-4352-ABF4-75B25389A9D8}" destId="{852CC1FF-77EF-4779-8EFB-E14E8E9A70F0}" srcOrd="0" destOrd="0" presId="urn:microsoft.com/office/officeart/2008/layout/NameandTitleOrganizationalChart"/>
+    <dgm:cxn modelId="{A6AC8E80-2487-43ED-9838-97067A7C4B25}" type="presOf" srcId="{9B5504EE-262E-421F-B6D0-17AEEAEBC46F}" destId="{AA25AFFA-8FB6-4FBD-91FE-E98622B57003}" srcOrd="1" destOrd="0" presId="urn:microsoft.com/office/officeart/2008/layout/NameandTitleOrganizationalChart"/>
+    <dgm:cxn modelId="{E58687E5-907C-4887-BFCE-D1362041C656}" srcId="{26E62099-3BC6-4E17-94C4-80340E00CF78}" destId="{4410F5B9-7A6E-4352-ABF4-75B25389A9D8}" srcOrd="6" destOrd="0" parTransId="{4F243CCC-3FAD-4709-ABBB-1E01F32118E7}" sibTransId="{E6172D37-089F-4CBC-86F1-74615E51D65C}"/>
+    <dgm:cxn modelId="{6DC686FA-0917-49BE-8723-A8497165DF32}" type="presOf" srcId="{F8540D8F-842D-4728-AB5D-7C88723AA44D}" destId="{EB130543-171C-469C-8ADC-A5057937F01C}" srcOrd="1" destOrd="0" presId="urn:microsoft.com/office/officeart/2008/layout/NameandTitleOrganizationalChart"/>
+    <dgm:cxn modelId="{CA1E94D0-87CB-4923-8A1A-042EAC7E4FE4}" type="presOf" srcId="{671859CD-AA71-42FD-8258-61968ACB1064}" destId="{D80B2E31-E433-4D95-9026-4A5890030DC1}" srcOrd="0" destOrd="0" presId="urn:microsoft.com/office/officeart/2008/layout/NameandTitleOrganizationalChart"/>
+    <dgm:cxn modelId="{DA4E049E-0A78-4696-9E9D-868C97B66396}" type="presOf" srcId="{5D122C4F-1DBD-4CF7-AC9C-40B0E92DBFB9}" destId="{1683A76A-8157-4355-B30D-E69C1BB81D29}" srcOrd="0" destOrd="0" presId="urn:microsoft.com/office/officeart/2008/layout/NameandTitleOrganizationalChart"/>
+    <dgm:cxn modelId="{1E4DCA70-8828-445A-BBBD-F46A4D6559FA}" type="presOf" srcId="{1DB3B635-F31A-4C4C-8115-88FD0D07A89B}" destId="{15163E45-73E6-4B5D-9ADE-F62FE47442B3}" srcOrd="1" destOrd="0" presId="urn:microsoft.com/office/officeart/2008/layout/NameandTitleOrganizationalChart"/>
+    <dgm:cxn modelId="{3C211975-121F-45F3-B1AD-81FD579A7BD1}" type="presOf" srcId="{E7A8FCB0-04D3-41C6-A08E-323E962A68EC}" destId="{2F41E6E4-21D3-4C31-927E-F82D7255BF4B}" srcOrd="0" destOrd="0" presId="urn:microsoft.com/office/officeart/2008/layout/NameandTitleOrganizationalChart"/>
+    <dgm:cxn modelId="{EE20E7E3-1327-488C-8C80-A438682BDA80}" srcId="{98B8A5A8-2B75-48BA-8041-9C13C210609D}" destId="{B6D8A5CD-05D7-4BD6-930B-661C00AFF661}" srcOrd="0" destOrd="0" parTransId="{137D738E-0763-4C51-954A-7A8DBDB5FFD6}" sibTransId="{B91C093C-03B1-401C-8462-11DC6CC3E891}"/>
+    <dgm:cxn modelId="{ED962AA3-389A-4A4C-ACCF-38D449A94292}" type="presOf" srcId="{D00CBC1A-4C8F-442F-85CC-7F86597AB3FD}" destId="{027F8FCE-D917-4857-957E-F5F0B0853751}" srcOrd="0" destOrd="0" presId="urn:microsoft.com/office/officeart/2008/layout/NameandTitleOrganizationalChart"/>
+    <dgm:cxn modelId="{F3BD405A-563A-4F43-BF87-634E760B4329}" type="presOf" srcId="{E21412F6-F8B6-4877-B5A3-1D2645173BD3}" destId="{55A454FB-B4B0-428E-976C-67FBFF903016}" srcOrd="0" destOrd="0" presId="urn:microsoft.com/office/officeart/2008/layout/NameandTitleOrganizationalChart"/>
+    <dgm:cxn modelId="{EB7CAFE1-D98F-4216-9E9F-70CE96A3AFCD}" type="presOf" srcId="{1DB3B635-F31A-4C4C-8115-88FD0D07A89B}" destId="{678B0968-8AF6-409D-A455-6407459F1796}" srcOrd="0" destOrd="0" presId="urn:microsoft.com/office/officeart/2008/layout/NameandTitleOrganizationalChart"/>
+    <dgm:cxn modelId="{5CCF456C-82CA-4E97-AD18-41205CD6CEF8}" type="presOf" srcId="{A70E35BE-CEE2-47FF-9BB0-05D25DCD34F7}" destId="{5423C0B6-E270-4795-A26B-83CFD7EB47D0}" srcOrd="0" destOrd="0" presId="urn:microsoft.com/office/officeart/2008/layout/NameandTitleOrganizationalChart"/>
+    <dgm:cxn modelId="{3C545EF2-73C6-4008-A416-65C36013DC82}" type="presOf" srcId="{A3C83099-6BFA-44E1-B0A9-C07070F4815D}" destId="{687579E5-F4F4-4EF1-A1AC-287D3B03AD65}" srcOrd="0" destOrd="0" presId="urn:microsoft.com/office/officeart/2008/layout/NameandTitleOrganizationalChart"/>
+    <dgm:cxn modelId="{D258D4DD-ECCB-48FE-9D54-1783765B822A}" type="presOf" srcId="{2D592857-C4FF-4259-AB7B-8B5F06639A90}" destId="{DC2A6A67-D1A7-48DB-9C30-2EE5AE05E793}" srcOrd="0" destOrd="0" presId="urn:microsoft.com/office/officeart/2008/layout/NameandTitleOrganizationalChart"/>
+    <dgm:cxn modelId="{B66F2A30-A1ED-48E4-B117-351831710BE1}" type="presOf" srcId="{2E53A8AA-B911-4693-BB93-6A397BC88DBB}" destId="{8BD8E232-E0DA-4845-818E-EA2EBBC9B0BB}" srcOrd="0" destOrd="0" presId="urn:microsoft.com/office/officeart/2008/layout/NameandTitleOrganizationalChart"/>
+    <dgm:cxn modelId="{A55DAE1E-7E21-4068-B3EE-5F4449C89E3A}" type="presOf" srcId="{2D592857-C4FF-4259-AB7B-8B5F06639A90}" destId="{E8B83CC0-9D3E-44F2-A4A5-337005BA78F2}" srcOrd="1" destOrd="0" presId="urn:microsoft.com/office/officeart/2008/layout/NameandTitleOrganizationalChart"/>
+    <dgm:cxn modelId="{C304C483-1398-4D23-8714-1DF19EBBA93D}" type="presOf" srcId="{E5511235-BB9F-44F7-929B-94718C9EFAFA}" destId="{CE6787A3-DAC8-481D-B157-911057EA0482}" srcOrd="0" destOrd="0" presId="urn:microsoft.com/office/officeart/2008/layout/NameandTitleOrganizationalChart"/>
+    <dgm:cxn modelId="{9A614BF6-9632-4039-9F89-577185A54E8C}" type="presOf" srcId="{9AC7ACC0-2733-4A78-B5DD-2F568ABCC62C}" destId="{8CCE3855-BA01-4ECE-80AC-CE4B31DD7EA3}" srcOrd="0" destOrd="0" presId="urn:microsoft.com/office/officeart/2008/layout/NameandTitleOrganizationalChart"/>
+    <dgm:cxn modelId="{6135A471-DC54-4446-AFF5-C5698C41DED9}" type="presOf" srcId="{A70E35BE-CEE2-47FF-9BB0-05D25DCD34F7}" destId="{24F63BB3-C32E-42DD-BEA1-A5D4C283A3E4}" srcOrd="1" destOrd="0" presId="urn:microsoft.com/office/officeart/2008/layout/NameandTitleOrganizationalChart"/>
+    <dgm:cxn modelId="{DC789776-2708-48A0-A156-249D6BCC4A00}" type="presOf" srcId="{0A0BA593-C895-453D-A9EA-AA1A6EF12F21}" destId="{8E6E4251-BCF8-4FB1-A02B-56F8FA370E84}" srcOrd="0" destOrd="0" presId="urn:microsoft.com/office/officeart/2008/layout/NameandTitleOrganizationalChart"/>
+    <dgm:cxn modelId="{6DE6D761-5EEE-4A09-A159-D4DF8131D69D}" srcId="{E15456C9-1264-44CE-A46A-1332FDEA4D63}" destId="{FF31ECF4-BE1B-44EC-8950-5F3CAA13C9E1}" srcOrd="1" destOrd="0" parTransId="{C52EAC42-BF7A-4839-BED5-3E5C5A8A8F1B}" sibTransId="{A3C83099-6BFA-44E1-B0A9-C07070F4815D}"/>
+    <dgm:cxn modelId="{4C7FDF7A-2C12-4A32-9B94-2DF93C653F5E}" type="presOf" srcId="{80C7A12E-0A37-413C-9B41-A1F036E0B74B}" destId="{9226003C-DEC8-4030-B965-31A76FE09775}" srcOrd="0" destOrd="0" presId="urn:microsoft.com/office/officeart/2008/layout/NameandTitleOrganizationalChart"/>
+    <dgm:cxn modelId="{BDF60283-5D13-4A6C-A565-5717718CB5B1}" type="presOf" srcId="{6F3ABB5B-4390-4D4C-A351-C086BA6E696F}" destId="{2583DDCA-D066-4957-A24E-5145344FEE1F}" srcOrd="1" destOrd="0" presId="urn:microsoft.com/office/officeart/2008/layout/NameandTitleOrganizationalChart"/>
+    <dgm:cxn modelId="{7C24D88A-BD01-4EE3-8E41-5C7A1E908B39}" type="presOf" srcId="{E6172D37-089F-4CBC-86F1-74615E51D65C}" destId="{E71EE907-1921-4348-A4A3-ACB8222C7F4E}" srcOrd="0" destOrd="0" presId="urn:microsoft.com/office/officeart/2008/layout/NameandTitleOrganizationalChart"/>
+    <dgm:cxn modelId="{35756D35-91AF-41B6-A68D-6C51AA758800}" type="presOf" srcId="{98B8A5A8-2B75-48BA-8041-9C13C210609D}" destId="{29297073-770B-4E74-8A71-652F4D35C065}" srcOrd="1" destOrd="0" presId="urn:microsoft.com/office/officeart/2008/layout/NameandTitleOrganizationalChart"/>
+    <dgm:cxn modelId="{E4E45663-9788-43E5-BC6E-E0773C6455FD}" srcId="{26E62099-3BC6-4E17-94C4-80340E00CF78}" destId="{A70E35BE-CEE2-47FF-9BB0-05D25DCD34F7}" srcOrd="5" destOrd="0" parTransId="{2B66A6E6-4414-4871-A4F4-78792B81DA7C}" sibTransId="{0A0BA593-C895-453D-A9EA-AA1A6EF12F21}"/>
+    <dgm:cxn modelId="{B6C74065-225D-41AC-BA1E-6F23FD857995}" type="presOf" srcId="{B6D8A5CD-05D7-4BD6-930B-661C00AFF661}" destId="{02C004B2-63B3-4608-9345-22E9CC3E868C}" srcOrd="1" destOrd="0" presId="urn:microsoft.com/office/officeart/2008/layout/NameandTitleOrganizationalChart"/>
+    <dgm:cxn modelId="{FB307CD8-E50C-45B3-BD27-D0AB169E3089}" type="presOf" srcId="{683EE9AB-85E6-45CF-95D2-1E792782A3F0}" destId="{78F2497E-04CA-49DC-A332-809969CCAB06}" srcOrd="0" destOrd="0" presId="urn:microsoft.com/office/officeart/2008/layout/NameandTitleOrganizationalChart"/>
+    <dgm:cxn modelId="{2C07ABD4-9DC0-44C9-AB30-147C012BEC8F}" type="presOf" srcId="{39E5A908-DBFD-4C86-BA62-23E66E1A68F3}" destId="{2949CF0C-287F-4175-BF06-92EAB5C96BB2}" srcOrd="0" destOrd="0" presId="urn:microsoft.com/office/officeart/2008/layout/NameandTitleOrganizationalChart"/>
+    <dgm:cxn modelId="{1CDDE4D3-BE72-4D1E-8783-DCDA1BD8EA73}" type="presOf" srcId="{86D205F2-DF1C-4523-A1B4-E357476C5541}" destId="{27B90BA2-B19F-4A36-867A-F1E7855C18E8}" srcOrd="0" destOrd="0" presId="urn:microsoft.com/office/officeart/2008/layout/NameandTitleOrganizationalChart"/>
+    <dgm:cxn modelId="{664BC9D2-775A-4D58-8D7C-5D2A3A5B6BD4}" type="presOf" srcId="{559F360A-D66E-4968-B66A-04F022DA2384}" destId="{3518303C-ED68-41C8-B9F7-05B65142A32E}" srcOrd="0" destOrd="0" presId="urn:microsoft.com/office/officeart/2008/layout/NameandTitleOrganizationalChart"/>
+    <dgm:cxn modelId="{C07726E5-5B03-4688-8568-4C5BE59A43A5}" srcId="{FF31ECF4-BE1B-44EC-8950-5F3CAA13C9E1}" destId="{9B5504EE-262E-421F-B6D0-17AEEAEBC46F}" srcOrd="1" destOrd="0" parTransId="{1D5B3EF4-BE0A-4BBA-AC69-B7F49B651F6F}" sibTransId="{1A23467C-A501-4E71-A007-E39C51AAC1F6}"/>
+    <dgm:cxn modelId="{D177B034-36AA-4270-85B4-F29F558921DF}" type="presOf" srcId="{26E62099-3BC6-4E17-94C4-80340E00CF78}" destId="{61C16C2F-1AB1-4997-8CC1-7C7DF3B62E00}" srcOrd="0" destOrd="0" presId="urn:microsoft.com/office/officeart/2008/layout/NameandTitleOrganizationalChart"/>
+    <dgm:cxn modelId="{1395BB25-83DC-4725-BF82-B651497F5871}" srcId="{FF31ECF4-BE1B-44EC-8950-5F3CAA13C9E1}" destId="{6F3ABB5B-4390-4D4C-A351-C086BA6E696F}" srcOrd="0" destOrd="0" parTransId="{5D122C4F-1DBD-4CF7-AC9C-40B0E92DBFB9}" sibTransId="{D00CBC1A-4C8F-442F-85CC-7F86597AB3FD}"/>
+    <dgm:cxn modelId="{4F8DF260-2437-4352-90CA-080BD6C25F3B}" type="presOf" srcId="{6F3ABB5B-4390-4D4C-A351-C086BA6E696F}" destId="{07B41DA2-F050-42A9-BE37-EBD07D6F544E}" srcOrd="0" destOrd="0" presId="urn:microsoft.com/office/officeart/2008/layout/NameandTitleOrganizationalChart"/>
     <dgm:cxn modelId="{E17C04C7-3BC8-49B8-8034-D454BD3992E6}" type="presOf" srcId="{137D738E-0763-4C51-954A-7A8DBDB5FFD6}" destId="{149849EB-D923-46C4-BECF-830EBC9491A6}" srcOrd="0" destOrd="0" presId="urn:microsoft.com/office/officeart/2008/layout/NameandTitleOrganizationalChart"/>
     <dgm:cxn modelId="{18FF4AE5-2227-4C9B-8DC9-949D2FAE77E2}" type="presOf" srcId="{4410F5B9-7A6E-4352-ABF4-75B25389A9D8}" destId="{38458C37-D2BB-4264-934F-474B04033A2B}" srcOrd="1" destOrd="0" presId="urn:microsoft.com/office/officeart/2008/layout/NameandTitleOrganizationalChart"/>
-    <dgm:cxn modelId="{35756D35-91AF-41B6-A68D-6C51AA758800}" type="presOf" srcId="{98B8A5A8-2B75-48BA-8041-9C13C210609D}" destId="{29297073-770B-4E74-8A71-652F4D35C065}" srcOrd="1" destOrd="0" presId="urn:microsoft.com/office/officeart/2008/layout/NameandTitleOrganizationalChart"/>
-    <dgm:cxn modelId="{4C7FDF7A-2C12-4A32-9B94-2DF93C653F5E}" type="presOf" srcId="{80C7A12E-0A37-413C-9B41-A1F036E0B74B}" destId="{9226003C-DEC8-4030-B965-31A76FE09775}" srcOrd="0" destOrd="0" presId="urn:microsoft.com/office/officeart/2008/layout/NameandTitleOrganizationalChart"/>
-    <dgm:cxn modelId="{6DC686FA-0917-49BE-8723-A8497165DF32}" type="presOf" srcId="{F8540D8F-842D-4728-AB5D-7C88723AA44D}" destId="{EB130543-171C-469C-8ADC-A5057937F01C}" srcOrd="1" destOrd="0" presId="urn:microsoft.com/office/officeart/2008/layout/NameandTitleOrganizationalChart"/>
-    <dgm:cxn modelId="{C304C483-1398-4D23-8714-1DF19EBBA93D}" type="presOf" srcId="{E5511235-BB9F-44F7-929B-94718C9EFAFA}" destId="{CE6787A3-DAC8-481D-B157-911057EA0482}" srcOrd="0" destOrd="0" presId="urn:microsoft.com/office/officeart/2008/layout/NameandTitleOrganizationalChart"/>
-    <dgm:cxn modelId="{DA4E049E-0A78-4696-9E9D-868C97B66396}" type="presOf" srcId="{5D122C4F-1DBD-4CF7-AC9C-40B0E92DBFB9}" destId="{1683A76A-8157-4355-B30D-E69C1BB81D29}" srcOrd="0" destOrd="0" presId="urn:microsoft.com/office/officeart/2008/layout/NameandTitleOrganizationalChart"/>
-    <dgm:cxn modelId="{7524AFAD-10EC-4037-AD99-C8C6CEFF6F3D}" srcId="{E15456C9-1264-44CE-A46A-1332FDEA4D63}" destId="{E5C82CA0-96D5-4FFF-97E4-CCB952C228C7}" srcOrd="0" destOrd="0" parTransId="{C99AAC59-7635-4022-BF61-F1B616ECF97A}" sibTransId="{2E53A8AA-B911-4693-BB93-6A397BC88DBB}"/>
-    <dgm:cxn modelId="{FB307CD8-E50C-45B3-BD27-D0AB169E3089}" type="presOf" srcId="{683EE9AB-85E6-45CF-95D2-1E792782A3F0}" destId="{78F2497E-04CA-49DC-A332-809969CCAB06}" srcOrd="0" destOrd="0" presId="urn:microsoft.com/office/officeart/2008/layout/NameandTitleOrganizationalChart"/>
-    <dgm:cxn modelId="{EE20E7E3-1327-488C-8C80-A438682BDA80}" srcId="{98B8A5A8-2B75-48BA-8041-9C13C210609D}" destId="{B6D8A5CD-05D7-4BD6-930B-661C00AFF661}" srcOrd="0" destOrd="0" parTransId="{137D738E-0763-4C51-954A-7A8DBDB5FFD6}" sibTransId="{B91C093C-03B1-401C-8462-11DC6CC3E891}"/>
-    <dgm:cxn modelId="{1CDDE4D3-BE72-4D1E-8783-DCDA1BD8EA73}" type="presOf" srcId="{86D205F2-DF1C-4523-A1B4-E357476C5541}" destId="{27B90BA2-B19F-4A36-867A-F1E7855C18E8}" srcOrd="0" destOrd="0" presId="urn:microsoft.com/office/officeart/2008/layout/NameandTitleOrganizationalChart"/>
-    <dgm:cxn modelId="{CFD0DD05-EF3F-4FF8-821B-62DB84BDC2BC}" type="presOf" srcId="{E5C82CA0-96D5-4FFF-97E4-CCB952C228C7}" destId="{F2EC2861-C1D5-4305-8DD5-8D30C9172D41}" srcOrd="0" destOrd="0" presId="urn:microsoft.com/office/officeart/2008/layout/NameandTitleOrganizationalChart"/>
-    <dgm:cxn modelId="{DC759365-E7CE-4E2A-A392-A4CA80235CC3}" type="presOf" srcId="{F8540D8F-842D-4728-AB5D-7C88723AA44D}" destId="{2875948E-291D-4655-9A40-01DD961864D7}" srcOrd="0" destOrd="0" presId="urn:microsoft.com/office/officeart/2008/layout/NameandTitleOrganizationalChart"/>
-    <dgm:cxn modelId="{F7FBAE76-51BF-4FE2-83A1-C675562315AA}" type="presOf" srcId="{883F479D-59C7-4D7B-A722-21C7D5F2E269}" destId="{C0609B87-D118-46F5-A332-3E6628950ABC}" srcOrd="0" destOrd="0" presId="urn:microsoft.com/office/officeart/2008/layout/NameandTitleOrganizationalChart"/>
-    <dgm:cxn modelId="{E58687E5-907C-4887-BFCE-D1362041C656}" srcId="{26E62099-3BC6-4E17-94C4-80340E00CF78}" destId="{4410F5B9-7A6E-4352-ABF4-75B25389A9D8}" srcOrd="6" destOrd="0" parTransId="{4F243CCC-3FAD-4709-ABBB-1E01F32118E7}" sibTransId="{E6172D37-089F-4CBC-86F1-74615E51D65C}"/>
-    <dgm:cxn modelId="{6135A471-DC54-4446-AFF5-C5698C41DED9}" type="presOf" srcId="{A70E35BE-CEE2-47FF-9BB0-05D25DCD34F7}" destId="{24F63BB3-C32E-42DD-BEA1-A5D4C283A3E4}" srcOrd="1" destOrd="0" presId="urn:microsoft.com/office/officeart/2008/layout/NameandTitleOrganizationalChart"/>
-    <dgm:cxn modelId="{BAE672C5-5CB7-4479-BB59-CCD465556D62}" srcId="{26E62099-3BC6-4E17-94C4-80340E00CF78}" destId="{883F479D-59C7-4D7B-A722-21C7D5F2E269}" srcOrd="0" destOrd="0" parTransId="{90F310DB-8B4B-4A3C-BC11-30000B3AF5E0}" sibTransId="{E5511235-BB9F-44F7-929B-94718C9EFAFA}"/>
-    <dgm:cxn modelId="{FEE25D98-22C5-4650-8A39-9067A367BDF7}" type="presOf" srcId="{340911AF-DD18-4E72-8A97-F432B6E4DC21}" destId="{9E007C76-6257-47A8-B735-63EA3D7A08C8}" srcOrd="0" destOrd="0" presId="urn:microsoft.com/office/officeart/2008/layout/NameandTitleOrganizationalChart"/>
-    <dgm:cxn modelId="{D177B034-36AA-4270-85B4-F29F558921DF}" type="presOf" srcId="{26E62099-3BC6-4E17-94C4-80340E00CF78}" destId="{61C16C2F-1AB1-4997-8CC1-7C7DF3B62E00}" srcOrd="0" destOrd="0" presId="urn:microsoft.com/office/officeart/2008/layout/NameandTitleOrganizationalChart"/>
-    <dgm:cxn modelId="{3C211975-121F-45F3-B1AD-81FD579A7BD1}" type="presOf" srcId="{E7A8FCB0-04D3-41C6-A08E-323E962A68EC}" destId="{2F41E6E4-21D3-4C31-927E-F82D7255BF4B}" srcOrd="0" destOrd="0" presId="urn:microsoft.com/office/officeart/2008/layout/NameandTitleOrganizationalChart"/>
-    <dgm:cxn modelId="{510933DD-F352-4818-ABA6-5F413B0D779F}" type="presOf" srcId="{FF31ECF4-BE1B-44EC-8950-5F3CAA13C9E1}" destId="{328B3935-1432-4F3B-A933-E7FB2D406FF3}" srcOrd="0" destOrd="0" presId="urn:microsoft.com/office/officeart/2008/layout/NameandTitleOrganizationalChart"/>
-    <dgm:cxn modelId="{DB4AF635-17EA-4D60-B6BA-EA341A022A10}" type="presOf" srcId="{FF31ECF4-BE1B-44EC-8950-5F3CAA13C9E1}" destId="{28AA62B0-0144-4478-95AE-6BB68EA28D13}" srcOrd="1" destOrd="0" presId="urn:microsoft.com/office/officeart/2008/layout/NameandTitleOrganizationalChart"/>
-    <dgm:cxn modelId="{5CCF456C-82CA-4E97-AD18-41205CD6CEF8}" type="presOf" srcId="{A70E35BE-CEE2-47FF-9BB0-05D25DCD34F7}" destId="{5423C0B6-E270-4795-A26B-83CFD7EB47D0}" srcOrd="0" destOrd="0" presId="urn:microsoft.com/office/officeart/2008/layout/NameandTitleOrganizationalChart"/>
-    <dgm:cxn modelId="{BDF60283-5D13-4A6C-A565-5717718CB5B1}" type="presOf" srcId="{6F3ABB5B-4390-4D4C-A351-C086BA6E696F}" destId="{2583DDCA-D066-4957-A24E-5145344FEE1F}" srcOrd="1" destOrd="0" presId="urn:microsoft.com/office/officeart/2008/layout/NameandTitleOrganizationalChart"/>
-    <dgm:cxn modelId="{D45B13F4-EE30-4A90-A695-882535BB06BD}" type="presOf" srcId="{E15456C9-1264-44CE-A46A-1332FDEA4D63}" destId="{AAFD393B-D5C6-4FC1-85BB-67D689A5CB66}" srcOrd="0" destOrd="0" presId="urn:microsoft.com/office/officeart/2008/layout/NameandTitleOrganizationalChart"/>
-    <dgm:cxn modelId="{EDE522AC-1998-47D7-9ADE-6A909B5350C1}" type="presOf" srcId="{4F243CCC-3FAD-4709-ABBB-1E01F32118E7}" destId="{11926B22-8F9E-4EDF-A7DE-30B015AE09F4}" srcOrd="0" destOrd="0" presId="urn:microsoft.com/office/officeart/2008/layout/NameandTitleOrganizationalChart"/>
-    <dgm:cxn modelId="{45538FA5-7565-4DE4-99EA-FB48FEB30107}" type="presOf" srcId="{E15456C9-1264-44CE-A46A-1332FDEA4D63}" destId="{1D71B1E5-6B39-4842-94CA-612907EC3818}" srcOrd="1" destOrd="0" presId="urn:microsoft.com/office/officeart/2008/layout/NameandTitleOrganizationalChart"/>
-    <dgm:cxn modelId="{A6AC8E80-2487-43ED-9838-97067A7C4B25}" type="presOf" srcId="{9B5504EE-262E-421F-B6D0-17AEEAEBC46F}" destId="{AA25AFFA-8FB6-4FBD-91FE-E98622B57003}" srcOrd="1" destOrd="0" presId="urn:microsoft.com/office/officeart/2008/layout/NameandTitleOrganizationalChart"/>
-    <dgm:cxn modelId="{5D1634EF-9423-449A-936C-558A8523DF9E}" srcId="{26E62099-3BC6-4E17-94C4-80340E00CF78}" destId="{958569A8-FBDF-40B8-8EC1-75E2493F7471}" srcOrd="1" destOrd="0" parTransId="{ADE585E9-6E3D-4B4C-859F-3240CF01A0CE}" sibTransId="{683EE9AB-85E6-45CF-95D2-1E792782A3F0}"/>
-    <dgm:cxn modelId="{4C3E9803-E8D3-44A1-A16A-45C3048641D8}" type="presOf" srcId="{22474AD4-F4CF-4F5E-9EEF-94B485CCCEEE}" destId="{03FAE41A-8D29-4C04-BB0D-939DFD4D267A}" srcOrd="0" destOrd="0" presId="urn:microsoft.com/office/officeart/2008/layout/NameandTitleOrganizationalChart"/>
-    <dgm:cxn modelId="{E4965599-EF00-41EB-AF3A-35DE7D7F1085}" type="presOf" srcId="{98B8A5A8-2B75-48BA-8041-9C13C210609D}" destId="{5AE64D64-D8C9-4680-89BC-629381485A87}" srcOrd="0" destOrd="0" presId="urn:microsoft.com/office/officeart/2008/layout/NameandTitleOrganizationalChart"/>
-    <dgm:cxn modelId="{3879CE63-4658-4A4E-886C-124F05D8F335}" type="presOf" srcId="{958569A8-FBDF-40B8-8EC1-75E2493F7471}" destId="{174A1766-206B-4111-AE1B-3CE3FB67ADE9}" srcOrd="0" destOrd="0" presId="urn:microsoft.com/office/officeart/2008/layout/NameandTitleOrganizationalChart"/>
-    <dgm:cxn modelId="{A6F377CB-C53E-4C6C-97CB-EEE17BB8EA2E}" type="presOf" srcId="{AB091C5F-1C2B-4511-A681-D7B94BC00380}" destId="{50939023-49D7-4F51-AD1D-21231C706D1C}" srcOrd="0" destOrd="0" presId="urn:microsoft.com/office/officeart/2008/layout/NameandTitleOrganizationalChart"/>
-    <dgm:cxn modelId="{2868E610-5452-404F-A51F-DAB7EA695AA8}" srcId="{26E62099-3BC6-4E17-94C4-80340E00CF78}" destId="{5A315CA4-91DF-4090-B63C-B2A9BD1CE594}" srcOrd="4" destOrd="0" parTransId="{1BA13A82-364A-46CA-BDAF-792FE3D2913E}" sibTransId="{09A1C1D9-D891-4DBA-8289-95E3ED6379E3}"/>
-    <dgm:cxn modelId="{ED962AA3-389A-4A4C-ACCF-38D449A94292}" type="presOf" srcId="{D00CBC1A-4C8F-442F-85CC-7F86597AB3FD}" destId="{027F8FCE-D917-4857-957E-F5F0B0853751}" srcOrd="0" destOrd="0" presId="urn:microsoft.com/office/officeart/2008/layout/NameandTitleOrganizationalChart"/>
+    <dgm:cxn modelId="{7D76912B-BC23-4BC8-A44A-325E20BA1BE4}" type="presOf" srcId="{958569A8-FBDF-40B8-8EC1-75E2493F7471}" destId="{A1DD215B-CBF1-4A51-8AC4-400394873ED5}" srcOrd="1" destOrd="0" presId="urn:microsoft.com/office/officeart/2008/layout/NameandTitleOrganizationalChart"/>
+    <dgm:cxn modelId="{2EFF13AC-45AE-4F59-826B-7B02BC00AAEE}" type="presOf" srcId="{73234726-D4B4-4E51-AF5B-87A161E7FD1B}" destId="{4443E3C1-7F39-4CEC-910A-DF31A2168070}" srcOrd="0" destOrd="0" presId="urn:microsoft.com/office/officeart/2008/layout/NameandTitleOrganizationalChart"/>
     <dgm:cxn modelId="{E1531FA5-5958-4637-ADEA-D3F9BF47D943}" type="presOf" srcId="{1A23467C-A501-4E71-A007-E39C51AAC1F6}" destId="{126715BD-2D7F-433C-A680-62D83EF674C2}" srcOrd="0" destOrd="0" presId="urn:microsoft.com/office/officeart/2008/layout/NameandTitleOrganizationalChart"/>
     <dgm:cxn modelId="{5024D8DF-F1E7-40C6-A08D-500D0399C3E4}" type="presOf" srcId="{04E9ED99-3317-4ECF-B07D-F4E9BFEAC8A0}" destId="{8BF21DA7-9255-410A-95A8-70E045BB35D3}" srcOrd="0" destOrd="0" presId="urn:microsoft.com/office/officeart/2008/layout/NameandTitleOrganizationalChart"/>
-    <dgm:cxn modelId="{9A83FF3B-BC19-425C-A1AD-5AFD3FB2AB5D}" type="presOf" srcId="{EDFC95DE-09A1-4484-B91F-4D53C6FCF9B2}" destId="{7B4F4265-1316-4042-90B8-F0270B0983C3}" srcOrd="0" destOrd="0" presId="urn:microsoft.com/office/officeart/2008/layout/NameandTitleOrganizationalChart"/>
-    <dgm:cxn modelId="{664BC9D2-775A-4D58-8D7C-5D2A3A5B6BD4}" type="presOf" srcId="{559F360A-D66E-4968-B66A-04F022DA2384}" destId="{3518303C-ED68-41C8-B9F7-05B65142A32E}" srcOrd="0" destOrd="0" presId="urn:microsoft.com/office/officeart/2008/layout/NameandTitleOrganizationalChart"/>
+    <dgm:cxn modelId="{DC759365-E7CE-4E2A-A392-A4CA80235CC3}" type="presOf" srcId="{F8540D8F-842D-4728-AB5D-7C88723AA44D}" destId="{2875948E-291D-4655-9A40-01DD961864D7}" srcOrd="0" destOrd="0" presId="urn:microsoft.com/office/officeart/2008/layout/NameandTitleOrganizationalChart"/>
+    <dgm:cxn modelId="{9366031C-995F-44DC-BBF1-4AE44545418F}" type="presOf" srcId="{E21412F6-F8B6-4877-B5A3-1D2645173BD3}" destId="{25BCDCA1-7378-4966-BF53-CF07D25A4218}" srcOrd="1" destOrd="0" presId="urn:microsoft.com/office/officeart/2008/layout/NameandTitleOrganizationalChart"/>
     <dgm:cxn modelId="{9B99A35B-E0D7-4CC5-A643-762707BEC098}" type="presOf" srcId="{1D5B3EF4-BE0A-4BBA-AC69-B7F49B651F6F}" destId="{54644C48-106A-4DDE-967E-9C553AFFCB26}" srcOrd="0" destOrd="0" presId="urn:microsoft.com/office/officeart/2008/layout/NameandTitleOrganizationalChart"/>
-    <dgm:cxn modelId="{1E4DCA70-8828-445A-BBBD-F46A4D6559FA}" type="presOf" srcId="{1DB3B635-F31A-4C4C-8115-88FD0D07A89B}" destId="{15163E45-73E6-4B5D-9ADE-F62FE47442B3}" srcOrd="1" destOrd="0" presId="urn:microsoft.com/office/officeart/2008/layout/NameandTitleOrganizationalChart"/>
-    <dgm:cxn modelId="{1984ED6F-6BA0-42AA-BA38-FED598094183}" type="presOf" srcId="{A2CC19FE-4BF6-4187-89D1-510EF69AD1BC}" destId="{6A8BA006-F54F-4C04-BC17-4EA28E8359E9}" srcOrd="0" destOrd="0" presId="urn:microsoft.com/office/officeart/2008/layout/NameandTitleOrganizationalChart"/>
+    <dgm:cxn modelId="{FFAE1BB5-1BF0-402C-95E4-8A4CBAECB1A6}" type="presOf" srcId="{5A315CA4-91DF-4090-B63C-B2A9BD1CE594}" destId="{B2CC1828-1D29-48FA-A0DC-F04CA0CD2D21}" srcOrd="0" destOrd="0" presId="urn:microsoft.com/office/officeart/2008/layout/NameandTitleOrganizationalChart"/>
+    <dgm:cxn modelId="{707D05A3-E703-4684-9DF9-F903169F64F5}" srcId="{26E62099-3BC6-4E17-94C4-80340E00CF78}" destId="{04E9ED99-3317-4ECF-B07D-F4E9BFEAC8A0}" srcOrd="2" destOrd="0" parTransId="{22474AD4-F4CF-4F5E-9EEF-94B485CCCEEE}" sibTransId="{5C8C7E6B-D7EF-4A3D-AB3B-336AE497B83E}"/>
+    <dgm:cxn modelId="{D88B736C-D59B-46BA-BD02-312C7950D290}" type="presOf" srcId="{26E62099-3BC6-4E17-94C4-80340E00CF78}" destId="{99D4E039-A8D0-4953-9B21-FAC1C94D5CE2}" srcOrd="1" destOrd="0" presId="urn:microsoft.com/office/officeart/2008/layout/NameandTitleOrganizationalChart"/>
+    <dgm:cxn modelId="{7A8BAA46-4AC7-4D99-A870-B576128DA040}" srcId="{E21412F6-F8B6-4877-B5A3-1D2645173BD3}" destId="{F8540D8F-842D-4728-AB5D-7C88723AA44D}" srcOrd="0" destOrd="0" parTransId="{9AC7ACC0-2733-4A78-B5DD-2F568ABCC62C}" sibTransId="{86D205F2-DF1C-4523-A1B4-E357476C5541}"/>
+    <dgm:cxn modelId="{45538FA5-7565-4DE4-99EA-FB48FEB30107}" type="presOf" srcId="{E15456C9-1264-44CE-A46A-1332FDEA4D63}" destId="{1D71B1E5-6B39-4842-94CA-612907EC3818}" srcOrd="1" destOrd="0" presId="urn:microsoft.com/office/officeart/2008/layout/NameandTitleOrganizationalChart"/>
+    <dgm:cxn modelId="{3D3C94A3-7D6E-4328-A6F0-A2BFDB24A01D}" type="presOf" srcId="{9B5504EE-262E-421F-B6D0-17AEEAEBC46F}" destId="{92001C25-B329-4FD2-B382-8854FA5A0124}" srcOrd="0" destOrd="0" presId="urn:microsoft.com/office/officeart/2008/layout/NameandTitleOrganizationalChart"/>
+    <dgm:cxn modelId="{3E59412A-37C6-4D5A-96A1-817CA50EDC45}" type="presOf" srcId="{2B66A6E6-4414-4871-A4F4-78792B81DA7C}" destId="{2A913493-92E6-4226-ABE4-D90F5277663B}" srcOrd="0" destOrd="0" presId="urn:microsoft.com/office/officeart/2008/layout/NameandTitleOrganizationalChart"/>
+    <dgm:cxn modelId="{78699BC9-229B-41BF-8370-7AC5B3F1CBA9}" srcId="{26E62099-3BC6-4E17-94C4-80340E00CF78}" destId="{2D592857-C4FF-4259-AB7B-8B5F06639A90}" srcOrd="3" destOrd="0" parTransId="{671859CD-AA71-42FD-8258-61968ACB1064}" sibTransId="{AB091C5F-1C2B-4511-A681-D7B94BC00380}"/>
     <dgm:cxn modelId="{65BC83F7-A1B6-48DA-AC62-1AECC01B8F99}" type="presOf" srcId="{04E9ED99-3317-4ECF-B07D-F4E9BFEAC8A0}" destId="{6ADAEA67-E1B0-45D1-A89A-AC72103A2032}" srcOrd="1" destOrd="0" presId="urn:microsoft.com/office/officeart/2008/layout/NameandTitleOrganizationalChart"/>
-    <dgm:cxn modelId="{E8FE7C8C-79ED-4A3F-802B-2D22D71D0CE6}" srcId="{9B5504EE-262E-421F-B6D0-17AEEAEBC46F}" destId="{26E62099-3BC6-4E17-94C4-80340E00CF78}" srcOrd="0" destOrd="0" parTransId="{E7A8FCB0-04D3-41C6-A08E-323E962A68EC}" sibTransId="{A2CC19FE-4BF6-4187-89D1-510EF69AD1BC}"/>
-    <dgm:cxn modelId="{3E59412A-37C6-4D5A-96A1-817CA50EDC45}" type="presOf" srcId="{2B66A6E6-4414-4871-A4F4-78792B81DA7C}" destId="{2A913493-92E6-4226-ABE4-D90F5277663B}" srcOrd="0" destOrd="0" presId="urn:microsoft.com/office/officeart/2008/layout/NameandTitleOrganizationalChart"/>
-    <dgm:cxn modelId="{47ADFDB1-FB21-4EDE-827A-31572B4DB065}" type="presOf" srcId="{1BA13A82-364A-46CA-BDAF-792FE3D2913E}" destId="{0133BCC6-49F8-4231-BAB2-704AE1F1BE24}" srcOrd="0" destOrd="0" presId="urn:microsoft.com/office/officeart/2008/layout/NameandTitleOrganizationalChart"/>
-    <dgm:cxn modelId="{4F8DF260-2437-4352-90CA-080BD6C25F3B}" type="presOf" srcId="{6F3ABB5B-4390-4D4C-A351-C086BA6E696F}" destId="{07B41DA2-F050-42A9-BE37-EBD07D6F544E}" srcOrd="0" destOrd="0" presId="urn:microsoft.com/office/officeart/2008/layout/NameandTitleOrganizationalChart"/>
-    <dgm:cxn modelId="{9A614BF6-9632-4039-9F89-577185A54E8C}" type="presOf" srcId="{9AC7ACC0-2733-4A78-B5DD-2F568ABCC62C}" destId="{8CCE3855-BA01-4ECE-80AC-CE4B31DD7EA3}" srcOrd="0" destOrd="0" presId="urn:microsoft.com/office/officeart/2008/layout/NameandTitleOrganizationalChart"/>
-    <dgm:cxn modelId="{FFAE1BB5-1BF0-402C-95E4-8A4CBAECB1A6}" type="presOf" srcId="{5A315CA4-91DF-4090-B63C-B2A9BD1CE594}" destId="{B2CC1828-1D29-48FA-A0DC-F04CA0CD2D21}" srcOrd="0" destOrd="0" presId="urn:microsoft.com/office/officeart/2008/layout/NameandTitleOrganizationalChart"/>
-    <dgm:cxn modelId="{A55DAE1E-7E21-4068-B3EE-5F4449C89E3A}" type="presOf" srcId="{2D592857-C4FF-4259-AB7B-8B5F06639A90}" destId="{E8B83CC0-9D3E-44F2-A4A5-337005BA78F2}" srcOrd="1" destOrd="0" presId="urn:microsoft.com/office/officeart/2008/layout/NameandTitleOrganizationalChart"/>
-    <dgm:cxn modelId="{1395BB25-83DC-4725-BF82-B651497F5871}" srcId="{FF31ECF4-BE1B-44EC-8950-5F3CAA13C9E1}" destId="{6F3ABB5B-4390-4D4C-A351-C086BA6E696F}" srcOrd="0" destOrd="0" parTransId="{5D122C4F-1DBD-4CF7-AC9C-40B0E92DBFB9}" sibTransId="{D00CBC1A-4C8F-442F-85CC-7F86597AB3FD}"/>
-    <dgm:cxn modelId="{F3BD405A-563A-4F43-BF87-634E760B4329}" type="presOf" srcId="{E21412F6-F8B6-4877-B5A3-1D2645173BD3}" destId="{55A454FB-B4B0-428E-976C-67FBFF903016}" srcOrd="0" destOrd="0" presId="urn:microsoft.com/office/officeart/2008/layout/NameandTitleOrganizationalChart"/>
-    <dgm:cxn modelId="{CA1E94D0-87CB-4923-8A1A-042EAC7E4FE4}" type="presOf" srcId="{671859CD-AA71-42FD-8258-61968ACB1064}" destId="{D80B2E31-E433-4D95-9026-4A5890030DC1}" srcOrd="0" destOrd="0" presId="urn:microsoft.com/office/officeart/2008/layout/NameandTitleOrganizationalChart"/>
-    <dgm:cxn modelId="{3D3C94A3-7D6E-4328-A6F0-A2BFDB24A01D}" type="presOf" srcId="{9B5504EE-262E-421F-B6D0-17AEEAEBC46F}" destId="{92001C25-B329-4FD2-B382-8854FA5A0124}" srcOrd="0" destOrd="0" presId="urn:microsoft.com/office/officeart/2008/layout/NameandTitleOrganizationalChart"/>
-    <dgm:cxn modelId="{E4E45663-9788-43E5-BC6E-E0773C6455FD}" srcId="{26E62099-3BC6-4E17-94C4-80340E00CF78}" destId="{A70E35BE-CEE2-47FF-9BB0-05D25DCD34F7}" srcOrd="5" destOrd="0" parTransId="{2B66A6E6-4414-4871-A4F4-78792B81DA7C}" sibTransId="{0A0BA593-C895-453D-A9EA-AA1A6EF12F21}"/>
-    <dgm:cxn modelId="{1929A109-36A0-4ED7-AF6E-66A8CBAB8D6F}" type="presOf" srcId="{4410F5B9-7A6E-4352-ABF4-75B25389A9D8}" destId="{852CC1FF-77EF-4779-8EFB-E14E8E9A70F0}" srcOrd="0" destOrd="0" presId="urn:microsoft.com/office/officeart/2008/layout/NameandTitleOrganizationalChart"/>
-    <dgm:cxn modelId="{6DE6D761-5EEE-4A09-A159-D4DF8131D69D}" srcId="{E15456C9-1264-44CE-A46A-1332FDEA4D63}" destId="{FF31ECF4-BE1B-44EC-8950-5F3CAA13C9E1}" srcOrd="1" destOrd="0" parTransId="{C52EAC42-BF7A-4839-BED5-3E5C5A8A8F1B}" sibTransId="{A3C83099-6BFA-44E1-B0A9-C07070F4815D}"/>
-    <dgm:cxn modelId="{9366031C-995F-44DC-BBF1-4AE44545418F}" type="presOf" srcId="{E21412F6-F8B6-4877-B5A3-1D2645173BD3}" destId="{25BCDCA1-7378-4966-BF53-CF07D25A4218}" srcOrd="1" destOrd="0" presId="urn:microsoft.com/office/officeart/2008/layout/NameandTitleOrganizationalChart"/>
-    <dgm:cxn modelId="{707D05A3-E703-4684-9DF9-F903169F64F5}" srcId="{26E62099-3BC6-4E17-94C4-80340E00CF78}" destId="{04E9ED99-3317-4ECF-B07D-F4E9BFEAC8A0}" srcOrd="2" destOrd="0" parTransId="{22474AD4-F4CF-4F5E-9EEF-94B485CCCEEE}" sibTransId="{5C8C7E6B-D7EF-4A3D-AB3B-336AE497B83E}"/>
-    <dgm:cxn modelId="{DC789776-2708-48A0-A156-249D6BCC4A00}" type="presOf" srcId="{0A0BA593-C895-453D-A9EA-AA1A6EF12F21}" destId="{8E6E4251-BCF8-4FB1-A02B-56F8FA370E84}" srcOrd="0" destOrd="0" presId="urn:microsoft.com/office/officeart/2008/layout/NameandTitleOrganizationalChart"/>
-    <dgm:cxn modelId="{7A8BAA46-4AC7-4D99-A870-B576128DA040}" srcId="{E21412F6-F8B6-4877-B5A3-1D2645173BD3}" destId="{F8540D8F-842D-4728-AB5D-7C88723AA44D}" srcOrd="0" destOrd="0" parTransId="{9AC7ACC0-2733-4A78-B5DD-2F568ABCC62C}" sibTransId="{86D205F2-DF1C-4523-A1B4-E357476C5541}"/>
-    <dgm:cxn modelId="{90457F4E-5C90-405E-8D3B-3608B68FDC52}" type="presOf" srcId="{2DB39D95-EFF2-420B-AFBF-73D10E1400C0}" destId="{95E6DB3B-AD48-4715-9855-4898B682D86D}" srcOrd="0" destOrd="0" presId="urn:microsoft.com/office/officeart/2008/layout/NameandTitleOrganizationalChart"/>
-    <dgm:cxn modelId="{5231FEDA-BC49-4C3B-8963-43281F30983F}" type="presOf" srcId="{C52EAC42-BF7A-4839-BED5-3E5C5A8A8F1B}" destId="{2F150A28-35D7-4EDD-AD14-08E30D1702BB}" srcOrd="0" destOrd="0" presId="urn:microsoft.com/office/officeart/2008/layout/NameandTitleOrganizationalChart"/>
-    <dgm:cxn modelId="{3ED77A3D-3F99-43A8-91ED-07EAC87BD0E8}" type="presOf" srcId="{B91C093C-03B1-401C-8462-11DC6CC3E891}" destId="{1C89C8D1-8B8E-4239-BCFF-04AA4DF5D267}" srcOrd="0" destOrd="0" presId="urn:microsoft.com/office/officeart/2008/layout/NameandTitleOrganizationalChart"/>
-    <dgm:cxn modelId="{9A1D5EE3-B47C-4C0B-A30B-F05640F3C9EA}" type="presOf" srcId="{5A315CA4-91DF-4090-B63C-B2A9BD1CE594}" destId="{9A9C2577-DD1A-4A82-A7B5-333FAE126AAA}" srcOrd="1" destOrd="0" presId="urn:microsoft.com/office/officeart/2008/layout/NameandTitleOrganizationalChart"/>
-    <dgm:cxn modelId="{49DA2137-32CE-45B2-8788-C2FE104ED86F}" type="presOf" srcId="{883F479D-59C7-4D7B-A722-21C7D5F2E269}" destId="{5484D4D6-EA5E-47A9-8B98-31668B75EC0C}" srcOrd="1" destOrd="0" presId="urn:microsoft.com/office/officeart/2008/layout/NameandTitleOrganizationalChart"/>
+    <dgm:cxn modelId="{53290116-440C-460C-8882-5BF886A04AF3}" type="presOf" srcId="{90F310DB-8B4B-4A3C-BC11-30000B3AF5E0}" destId="{B7BE6F71-DCEE-4A74-B377-2CA0B5CEBA74}" srcOrd="0" destOrd="0" presId="urn:microsoft.com/office/officeart/2008/layout/NameandTitleOrganizationalChart"/>
+    <dgm:cxn modelId="{D45B13F4-EE30-4A90-A695-882535BB06BD}" type="presOf" srcId="{E15456C9-1264-44CE-A46A-1332FDEA4D63}" destId="{AAFD393B-D5C6-4FC1-85BB-67D689A5CB66}" srcOrd="0" destOrd="0" presId="urn:microsoft.com/office/officeart/2008/layout/NameandTitleOrganizationalChart"/>
+    <dgm:cxn modelId="{BAE672C5-5CB7-4479-BB59-CCD465556D62}" srcId="{26E62099-3BC6-4E17-94C4-80340E00CF78}" destId="{883F479D-59C7-4D7B-A722-21C7D5F2E269}" srcOrd="0" destOrd="0" parTransId="{90F310DB-8B4B-4A3C-BC11-30000B3AF5E0}" sibTransId="{E5511235-BB9F-44F7-929B-94718C9EFAFA}"/>
     <dgm:cxn modelId="{B815DE26-22B0-4FF1-BE7B-C4459D484FF6}" srcId="{E21412F6-F8B6-4877-B5A3-1D2645173BD3}" destId="{98B8A5A8-2B75-48BA-8041-9C13C210609D}" srcOrd="1" destOrd="0" parTransId="{340911AF-DD18-4E72-8A97-F432B6E4DC21}" sibTransId="{559F360A-D66E-4968-B66A-04F022DA2384}"/>
-    <dgm:cxn modelId="{2C07ABD4-9DC0-44C9-AB30-147C012BEC8F}" type="presOf" srcId="{39E5A908-DBFD-4C86-BA62-23E66E1A68F3}" destId="{2949CF0C-287F-4175-BF06-92EAB5C96BB2}" srcOrd="0" destOrd="0" presId="urn:microsoft.com/office/officeart/2008/layout/NameandTitleOrganizationalChart"/>
-    <dgm:cxn modelId="{D88B736C-D59B-46BA-BD02-312C7950D290}" type="presOf" srcId="{26E62099-3BC6-4E17-94C4-80340E00CF78}" destId="{99D4E039-A8D0-4953-9B21-FAC1C94D5CE2}" srcOrd="1" destOrd="0" presId="urn:microsoft.com/office/officeart/2008/layout/NameandTitleOrganizationalChart"/>
-    <dgm:cxn modelId="{459A5F50-E40A-4351-ADE9-824A6DF7A4EC}" type="presOf" srcId="{09A1C1D9-D891-4DBA-8289-95E3ED6379E3}" destId="{B26AA340-B012-450C-B965-9765131C5F60}" srcOrd="0" destOrd="0" presId="urn:microsoft.com/office/officeart/2008/layout/NameandTitleOrganizationalChart"/>
-    <dgm:cxn modelId="{4914C4E4-AAF2-4221-A5B5-C80E45C47DC8}" type="presOf" srcId="{ADE585E9-6E3D-4B4C-859F-3240CF01A0CE}" destId="{0143DD8F-A4C4-4301-8C10-45F38F05B4AE}" srcOrd="0" destOrd="0" presId="urn:microsoft.com/office/officeart/2008/layout/NameandTitleOrganizationalChart"/>
-    <dgm:cxn modelId="{B6C74065-225D-41AC-BA1E-6F23FD857995}" type="presOf" srcId="{B6D8A5CD-05D7-4BD6-930B-661C00AFF661}" destId="{02C004B2-63B3-4608-9345-22E9CC3E868C}" srcOrd="1" destOrd="0" presId="urn:microsoft.com/office/officeart/2008/layout/NameandTitleOrganizationalChart"/>
-    <dgm:cxn modelId="{6EE96CD4-457E-4A9B-8A7F-1CA50C09CAD7}" type="presOf" srcId="{C99AAC59-7635-4022-BF61-F1B616ECF97A}" destId="{78214B65-B5FE-4ABF-8A0C-CA99AA9FB35E}" srcOrd="0" destOrd="0" presId="urn:microsoft.com/office/officeart/2008/layout/NameandTitleOrganizationalChart"/>
-    <dgm:cxn modelId="{53290116-440C-460C-8882-5BF886A04AF3}" type="presOf" srcId="{90F310DB-8B4B-4A3C-BC11-30000B3AF5E0}" destId="{B7BE6F71-DCEE-4A74-B377-2CA0B5CEBA74}" srcOrd="0" destOrd="0" presId="urn:microsoft.com/office/officeart/2008/layout/NameandTitleOrganizationalChart"/>
-    <dgm:cxn modelId="{7D76912B-BC23-4BC8-A44A-325E20BA1BE4}" type="presOf" srcId="{958569A8-FBDF-40B8-8EC1-75E2493F7471}" destId="{A1DD215B-CBF1-4A51-8AC4-400394873ED5}" srcOrd="1" destOrd="0" presId="urn:microsoft.com/office/officeart/2008/layout/NameandTitleOrganizationalChart"/>
-    <dgm:cxn modelId="{C07726E5-5B03-4688-8568-4C5BE59A43A5}" srcId="{FF31ECF4-BE1B-44EC-8950-5F3CAA13C9E1}" destId="{9B5504EE-262E-421F-B6D0-17AEEAEBC46F}" srcOrd="1" destOrd="0" parTransId="{1D5B3EF4-BE0A-4BBA-AC69-B7F49B651F6F}" sibTransId="{1A23467C-A501-4E71-A007-E39C51AAC1F6}"/>
-    <dgm:cxn modelId="{AD4AA747-F3A8-41E2-8B62-868A5B791275}" type="presOf" srcId="{5C8C7E6B-D7EF-4A3D-AB3B-336AE497B83E}" destId="{F380191F-68F7-4007-A4C0-DAB6CB8C3176}" srcOrd="0" destOrd="0" presId="urn:microsoft.com/office/officeart/2008/layout/NameandTitleOrganizationalChart"/>
-    <dgm:cxn modelId="{2EFF13AC-45AE-4F59-826B-7B02BC00AAEE}" type="presOf" srcId="{73234726-D4B4-4E51-AF5B-87A161E7FD1B}" destId="{4443E3C1-7F39-4CEC-910A-DF31A2168070}" srcOrd="0" destOrd="0" presId="urn:microsoft.com/office/officeart/2008/layout/NameandTitleOrganizationalChart"/>
-    <dgm:cxn modelId="{799ED841-8428-4588-B164-332BCAA758AB}" type="presOf" srcId="{B6D8A5CD-05D7-4BD6-930B-661C00AFF661}" destId="{A94D0759-1843-47BA-952A-DB309C1547CB}" srcOrd="0" destOrd="0" presId="urn:microsoft.com/office/officeart/2008/layout/NameandTitleOrganizationalChart"/>
-    <dgm:cxn modelId="{B66F2A30-A1ED-48E4-B117-351831710BE1}" type="presOf" srcId="{2E53A8AA-B911-4693-BB93-6A397BC88DBB}" destId="{8BD8E232-E0DA-4845-818E-EA2EBBC9B0BB}" srcOrd="0" destOrd="0" presId="urn:microsoft.com/office/officeart/2008/layout/NameandTitleOrganizationalChart"/>
-    <dgm:cxn modelId="{8B02A030-DD4A-4825-BBA1-01431D83BE9D}" srcId="{26E62099-3BC6-4E17-94C4-80340E00CF78}" destId="{1DB3B635-F31A-4C4C-8115-88FD0D07A89B}" srcOrd="7" destOrd="0" parTransId="{73234726-D4B4-4E51-AF5B-87A161E7FD1B}" sibTransId="{EDFC95DE-09A1-4484-B91F-4D53C6FCF9B2}"/>
-    <dgm:cxn modelId="{EB7CAFE1-D98F-4216-9E9F-70CE96A3AFCD}" type="presOf" srcId="{1DB3B635-F31A-4C4C-8115-88FD0D07A89B}" destId="{678B0968-8AF6-409D-A455-6407459F1796}" srcOrd="0" destOrd="0" presId="urn:microsoft.com/office/officeart/2008/layout/NameandTitleOrganizationalChart"/>
-    <dgm:cxn modelId="{D258D4DD-ECCB-48FE-9D54-1783765B822A}" type="presOf" srcId="{2D592857-C4FF-4259-AB7B-8B5F06639A90}" destId="{DC2A6A67-D1A7-48DB-9C30-2EE5AE05E793}" srcOrd="0" destOrd="0" presId="urn:microsoft.com/office/officeart/2008/layout/NameandTitleOrganizationalChart"/>
-    <dgm:cxn modelId="{78699BC9-229B-41BF-8370-7AC5B3F1CBA9}" srcId="{26E62099-3BC6-4E17-94C4-80340E00CF78}" destId="{2D592857-C4FF-4259-AB7B-8B5F06639A90}" srcOrd="3" destOrd="0" parTransId="{671859CD-AA71-42FD-8258-61968ACB1064}" sibTransId="{AB091C5F-1C2B-4511-A681-D7B94BC00380}"/>
-    <dgm:cxn modelId="{C40498F5-47B4-42BE-A6F6-FEB674B8B732}" srcId="{54B22CF6-907D-4AD8-92C4-0399267F5D7A}" destId="{E21412F6-F8B6-4877-B5A3-1D2645173BD3}" srcOrd="0" destOrd="0" parTransId="{6030B236-9283-4C83-A9F7-F5EC8843EAB8}" sibTransId="{80C7A12E-0A37-413C-9B41-A1F036E0B74B}"/>
-    <dgm:cxn modelId="{C8D3A0C7-6FA8-484F-A5DD-962F674AD387}" srcId="{98B8A5A8-2B75-48BA-8041-9C13C210609D}" destId="{E15456C9-1264-44CE-A46A-1332FDEA4D63}" srcOrd="1" destOrd="0" parTransId="{39E5A908-DBFD-4C86-BA62-23E66E1A68F3}" sibTransId="{2DB39D95-EFF2-420B-AFBF-73D10E1400C0}"/>
-    <dgm:cxn modelId="{8E442753-5FE7-40C7-9F69-6012550D209B}" type="presOf" srcId="{E5C82CA0-96D5-4FFF-97E4-CCB952C228C7}" destId="{D6CBF49A-2774-4508-A938-94A33E3AE15D}" srcOrd="1" destOrd="0" presId="urn:microsoft.com/office/officeart/2008/layout/NameandTitleOrganizationalChart"/>
-    <dgm:cxn modelId="{7C24D88A-BD01-4EE3-8E41-5C7A1E908B39}" type="presOf" srcId="{E6172D37-089F-4CBC-86F1-74615E51D65C}" destId="{E71EE907-1921-4348-A4A3-ACB8222C7F4E}" srcOrd="0" destOrd="0" presId="urn:microsoft.com/office/officeart/2008/layout/NameandTitleOrganizationalChart"/>
-    <dgm:cxn modelId="{3C545EF2-73C6-4008-A416-65C36013DC82}" type="presOf" srcId="{A3C83099-6BFA-44E1-B0A9-C07070F4815D}" destId="{687579E5-F4F4-4EF1-A1AC-287D3B03AD65}" srcOrd="0" destOrd="0" presId="urn:microsoft.com/office/officeart/2008/layout/NameandTitleOrganizationalChart"/>
-    <dgm:cxn modelId="{AF361DD8-F289-4CF0-A832-21B3C4C099A3}" type="presOf" srcId="{54B22CF6-907D-4AD8-92C4-0399267F5D7A}" destId="{57E8A9A6-D72E-44F7-98C8-FCFACFF93606}" srcOrd="0" destOrd="0" presId="urn:microsoft.com/office/officeart/2008/layout/NameandTitleOrganizationalChart"/>
+    <dgm:cxn modelId="{DB4AF635-17EA-4D60-B6BA-EA341A022A10}" type="presOf" srcId="{FF31ECF4-BE1B-44EC-8950-5F3CAA13C9E1}" destId="{28AA62B0-0144-4478-95AE-6BB68EA28D13}" srcOrd="1" destOrd="0" presId="urn:microsoft.com/office/officeart/2008/layout/NameandTitleOrganizationalChart"/>
     <dgm:cxn modelId="{733B436D-1B5C-4ADA-A341-4419BA3758B0}" type="presParOf" srcId="{57E8A9A6-D72E-44F7-98C8-FCFACFF93606}" destId="{027AE4A1-F3D4-4CF8-A474-CD77141B48A7}" srcOrd="0" destOrd="0" presId="urn:microsoft.com/office/officeart/2008/layout/NameandTitleOrganizationalChart"/>
     <dgm:cxn modelId="{B86DE0F9-F747-45EA-8289-69B1E1BF1899}" type="presParOf" srcId="{027AE4A1-F3D4-4CF8-A474-CD77141B48A7}" destId="{9AD09C3B-933D-4228-AC1F-C0FD921B5806}" srcOrd="0" destOrd="0" presId="urn:microsoft.com/office/officeart/2008/layout/NameandTitleOrganizationalChart"/>
     <dgm:cxn modelId="{3B2B13D9-8D09-4F06-A7B4-04C000EE5558}" type="presParOf" srcId="{9AD09C3B-933D-4228-AC1F-C0FD921B5806}" destId="{55A454FB-B4B0-428E-976C-67FBFF903016}" srcOrd="0" destOrd="0" presId="urn:microsoft.com/office/officeart/2008/layout/NameandTitleOrganizationalChart"/>
@@ -12231,6 +12231,13 @@
         </dgm:presLayoutVars>
       </dgm:prSet>
       <dgm:spPr/>
+      <dgm:t>
+        <a:bodyPr/>
+        <a:lstStyle/>
+        <a:p>
+          <a:endParaRPr lang="zh-CN" altLang="en-US"/>
+        </a:p>
+      </dgm:t>
     </dgm:pt>
     <dgm:pt modelId="{24FCE1F8-C0FE-4FCF-ADDF-E83A8460CED9}" type="pres">
       <dgm:prSet presAssocID="{55D80AD9-7D5E-458D-9C91-EB4398DB7839}" presName="hierRoot1" presStyleCnt="0"/>
@@ -12266,6 +12273,13 @@
     <dgm:pt modelId="{DF50FACA-A9C7-4728-A10B-A4394D75DD0A}" type="pres">
       <dgm:prSet presAssocID="{62237801-2C8B-49D0-882B-97DF122FA234}" presName="Name10" presStyleLbl="parChTrans1D2" presStyleIdx="0" presStyleCnt="1"/>
       <dgm:spPr/>
+      <dgm:t>
+        <a:bodyPr/>
+        <a:lstStyle/>
+        <a:p>
+          <a:endParaRPr lang="zh-CN" altLang="en-US"/>
+        </a:p>
+      </dgm:t>
     </dgm:pt>
     <dgm:pt modelId="{1AE099FB-5993-47E6-AF79-9C0124117C52}" type="pres">
       <dgm:prSet presAssocID="{FC59B4B6-59C4-49ED-B309-8CA92837AA06}" presName="hierRoot2" presStyleCnt="0"/>
@@ -12301,6 +12315,13 @@
     <dgm:pt modelId="{BFE7BD29-6EBA-47E6-953F-D2B81FC2C55F}" type="pres">
       <dgm:prSet presAssocID="{E531BC39-6689-4234-BFBE-6F0A86B0DFED}" presName="Name17" presStyleLbl="parChTrans1D3" presStyleIdx="0" presStyleCnt="1"/>
       <dgm:spPr/>
+      <dgm:t>
+        <a:bodyPr/>
+        <a:lstStyle/>
+        <a:p>
+          <a:endParaRPr lang="zh-CN" altLang="en-US"/>
+        </a:p>
+      </dgm:t>
     </dgm:pt>
     <dgm:pt modelId="{556B1B3C-4B2C-428E-A90F-B6DC1369F310}" type="pres">
       <dgm:prSet presAssocID="{A77ECA37-D312-4985-87C0-F6AE652AF781}" presName="hierRoot3" presStyleCnt="0"/>
@@ -12336,6 +12357,13 @@
     <dgm:pt modelId="{28C636A2-0E9C-440A-A1C4-3CA92E59E620}" type="pres">
       <dgm:prSet presAssocID="{C7C1512D-484C-4C6C-83D5-93D9A29CF8BA}" presName="Name23" presStyleLbl="parChTrans1D4" presStyleIdx="0" presStyleCnt="1"/>
       <dgm:spPr/>
+      <dgm:t>
+        <a:bodyPr/>
+        <a:lstStyle/>
+        <a:p>
+          <a:endParaRPr lang="zh-CN" altLang="en-US"/>
+        </a:p>
+      </dgm:t>
     </dgm:pt>
     <dgm:pt modelId="{742EAE3A-B8F4-41F7-8E16-F6239D2EB0A9}" type="pres">
       <dgm:prSet presAssocID="{60BF9A2B-8B0D-42C8-A7FA-4B96564583D6}" presName="hierRoot4" presStyleCnt="0"/>
@@ -12370,18 +12398,18 @@
     </dgm:pt>
   </dgm:ptLst>
   <dgm:cxnLst>
+    <dgm:cxn modelId="{EDECD3D8-915F-4E13-9161-2862A62CE912}" type="presOf" srcId="{E531BC39-6689-4234-BFBE-6F0A86B0DFED}" destId="{BFE7BD29-6EBA-47E6-953F-D2B81FC2C55F}" srcOrd="0" destOrd="0" presId="urn:microsoft.com/office/officeart/2005/8/layout/hierarchy1"/>
+    <dgm:cxn modelId="{4D4BF2A0-BE9D-4949-AB55-73DA9031F938}" type="presOf" srcId="{62237801-2C8B-49D0-882B-97DF122FA234}" destId="{DF50FACA-A9C7-4728-A10B-A4394D75DD0A}" srcOrd="0" destOrd="0" presId="urn:microsoft.com/office/officeart/2005/8/layout/hierarchy1"/>
     <dgm:cxn modelId="{9478C26F-4C29-4D8D-8673-19E9C11D4AE2}" type="presOf" srcId="{C7C1512D-484C-4C6C-83D5-93D9A29CF8BA}" destId="{28C636A2-0E9C-440A-A1C4-3CA92E59E620}" srcOrd="0" destOrd="0" presId="urn:microsoft.com/office/officeart/2005/8/layout/hierarchy1"/>
-    <dgm:cxn modelId="{D15ED79A-7B5A-4365-B3B6-7157E71B173E}" type="presOf" srcId="{FC59B4B6-59C4-49ED-B309-8CA92837AA06}" destId="{CDA46515-5BA9-4ABF-9303-993AF9356BC8}" srcOrd="0" destOrd="0" presId="urn:microsoft.com/office/officeart/2005/8/layout/hierarchy1"/>
-    <dgm:cxn modelId="{67F2B097-2B62-4EC0-9FFA-E775947C379F}" type="presOf" srcId="{55D80AD9-7D5E-458D-9C91-EB4398DB7839}" destId="{AFCF927C-06B2-4ED6-BD29-54CC7DD269BF}" srcOrd="0" destOrd="0" presId="urn:microsoft.com/office/officeart/2005/8/layout/hierarchy1"/>
-    <dgm:cxn modelId="{216E71DD-B795-40C1-8C70-38A5BF689DBE}" type="presOf" srcId="{60BF9A2B-8B0D-42C8-A7FA-4B96564583D6}" destId="{5DD02524-447C-43F5-A961-F9E73C3FD357}" srcOrd="0" destOrd="0" presId="urn:microsoft.com/office/officeart/2005/8/layout/hierarchy1"/>
-    <dgm:cxn modelId="{9D9BED44-CC97-48BA-B8AC-EE25DE983F49}" type="presOf" srcId="{9E3D725A-8B26-4BDB-82B0-31E24F97AB5C}" destId="{1C9D6D1D-6BD6-4D5C-8F08-7578EEF03920}" srcOrd="0" destOrd="0" presId="urn:microsoft.com/office/officeart/2005/8/layout/hierarchy1"/>
-    <dgm:cxn modelId="{E8B87AE2-81AF-4F19-88AC-EE027118BAD4}" srcId="{FC59B4B6-59C4-49ED-B309-8CA92837AA06}" destId="{A77ECA37-D312-4985-87C0-F6AE652AF781}" srcOrd="0" destOrd="0" parTransId="{E531BC39-6689-4234-BFBE-6F0A86B0DFED}" sibTransId="{5E756152-71A6-48AC-BF30-F1591CB93E4D}"/>
-    <dgm:cxn modelId="{1722F2B8-4622-4693-888B-7BA4A814004B}" srcId="{55D80AD9-7D5E-458D-9C91-EB4398DB7839}" destId="{FC59B4B6-59C4-49ED-B309-8CA92837AA06}" srcOrd="0" destOrd="0" parTransId="{62237801-2C8B-49D0-882B-97DF122FA234}" sibTransId="{3A2D2D13-884B-4C38-BCCD-2B9F1B01940C}"/>
-    <dgm:cxn modelId="{EDECD3D8-915F-4E13-9161-2862A62CE912}" type="presOf" srcId="{E531BC39-6689-4234-BFBE-6F0A86B0DFED}" destId="{BFE7BD29-6EBA-47E6-953F-D2B81FC2C55F}" srcOrd="0" destOrd="0" presId="urn:microsoft.com/office/officeart/2005/8/layout/hierarchy1"/>
-    <dgm:cxn modelId="{9F801D81-ACDB-409E-9CC2-93BD3C69280A}" type="presOf" srcId="{A77ECA37-D312-4985-87C0-F6AE652AF781}" destId="{66A3C04D-0269-4B89-9E33-015703AC0159}" srcOrd="0" destOrd="0" presId="urn:microsoft.com/office/officeart/2005/8/layout/hierarchy1"/>
     <dgm:cxn modelId="{D597A139-5C97-49D9-8A30-29CE2C0E12DF}" srcId="{A77ECA37-D312-4985-87C0-F6AE652AF781}" destId="{60BF9A2B-8B0D-42C8-A7FA-4B96564583D6}" srcOrd="0" destOrd="0" parTransId="{C7C1512D-484C-4C6C-83D5-93D9A29CF8BA}" sibTransId="{6AFF551D-011F-4754-8F6A-9906486580DA}"/>
     <dgm:cxn modelId="{D996F966-83EB-4B37-AD8C-26F6A2350485}" srcId="{9E3D725A-8B26-4BDB-82B0-31E24F97AB5C}" destId="{55D80AD9-7D5E-458D-9C91-EB4398DB7839}" srcOrd="0" destOrd="0" parTransId="{0C5A47C7-AAA4-45C2-BBF0-30ACF2E34466}" sibTransId="{116E6A6B-C145-4FA3-AFEF-821736F9282E}"/>
-    <dgm:cxn modelId="{4D4BF2A0-BE9D-4949-AB55-73DA9031F938}" type="presOf" srcId="{62237801-2C8B-49D0-882B-97DF122FA234}" destId="{DF50FACA-A9C7-4728-A10B-A4394D75DD0A}" srcOrd="0" destOrd="0" presId="urn:microsoft.com/office/officeart/2005/8/layout/hierarchy1"/>
+    <dgm:cxn modelId="{D15ED79A-7B5A-4365-B3B6-7157E71B173E}" type="presOf" srcId="{FC59B4B6-59C4-49ED-B309-8CA92837AA06}" destId="{CDA46515-5BA9-4ABF-9303-993AF9356BC8}" srcOrd="0" destOrd="0" presId="urn:microsoft.com/office/officeart/2005/8/layout/hierarchy1"/>
+    <dgm:cxn modelId="{E8B87AE2-81AF-4F19-88AC-EE027118BAD4}" srcId="{FC59B4B6-59C4-49ED-B309-8CA92837AA06}" destId="{A77ECA37-D312-4985-87C0-F6AE652AF781}" srcOrd="0" destOrd="0" parTransId="{E531BC39-6689-4234-BFBE-6F0A86B0DFED}" sibTransId="{5E756152-71A6-48AC-BF30-F1591CB93E4D}"/>
+    <dgm:cxn modelId="{67F2B097-2B62-4EC0-9FFA-E775947C379F}" type="presOf" srcId="{55D80AD9-7D5E-458D-9C91-EB4398DB7839}" destId="{AFCF927C-06B2-4ED6-BD29-54CC7DD269BF}" srcOrd="0" destOrd="0" presId="urn:microsoft.com/office/officeart/2005/8/layout/hierarchy1"/>
+    <dgm:cxn modelId="{9D9BED44-CC97-48BA-B8AC-EE25DE983F49}" type="presOf" srcId="{9E3D725A-8B26-4BDB-82B0-31E24F97AB5C}" destId="{1C9D6D1D-6BD6-4D5C-8F08-7578EEF03920}" srcOrd="0" destOrd="0" presId="urn:microsoft.com/office/officeart/2005/8/layout/hierarchy1"/>
+    <dgm:cxn modelId="{1722F2B8-4622-4693-888B-7BA4A814004B}" srcId="{55D80AD9-7D5E-458D-9C91-EB4398DB7839}" destId="{FC59B4B6-59C4-49ED-B309-8CA92837AA06}" srcOrd="0" destOrd="0" parTransId="{62237801-2C8B-49D0-882B-97DF122FA234}" sibTransId="{3A2D2D13-884B-4C38-BCCD-2B9F1B01940C}"/>
+    <dgm:cxn modelId="{9F801D81-ACDB-409E-9CC2-93BD3C69280A}" type="presOf" srcId="{A77ECA37-D312-4985-87C0-F6AE652AF781}" destId="{66A3C04D-0269-4B89-9E33-015703AC0159}" srcOrd="0" destOrd="0" presId="urn:microsoft.com/office/officeart/2005/8/layout/hierarchy1"/>
+    <dgm:cxn modelId="{216E71DD-B795-40C1-8C70-38A5BF689DBE}" type="presOf" srcId="{60BF9A2B-8B0D-42C8-A7FA-4B96564583D6}" destId="{5DD02524-447C-43F5-A961-F9E73C3FD357}" srcOrd="0" destOrd="0" presId="urn:microsoft.com/office/officeart/2005/8/layout/hierarchy1"/>
     <dgm:cxn modelId="{CC65C5DA-C299-46CB-8E83-AC15B403EADE}" type="presParOf" srcId="{1C9D6D1D-6BD6-4D5C-8F08-7578EEF03920}" destId="{24FCE1F8-C0FE-4FCF-ADDF-E83A8460CED9}" srcOrd="0" destOrd="0" presId="urn:microsoft.com/office/officeart/2005/8/layout/hierarchy1"/>
     <dgm:cxn modelId="{76D094F9-B36F-4160-AE47-596E8E915734}" type="presParOf" srcId="{24FCE1F8-C0FE-4FCF-ADDF-E83A8460CED9}" destId="{63B4BCFF-14FE-47F3-AAB2-42C712460409}" srcOrd="0" destOrd="0" presId="urn:microsoft.com/office/officeart/2005/8/layout/hierarchy1"/>
     <dgm:cxn modelId="{0DBDAE76-A20A-4F92-BBFB-63DAD0694999}" type="presParOf" srcId="{63B4BCFF-14FE-47F3-AAB2-42C712460409}" destId="{F1072D58-374E-49C4-AC61-6D4EA4F1C96E}" srcOrd="0" destOrd="0" presId="urn:microsoft.com/office/officeart/2005/8/layout/hierarchy1"/>
@@ -12575,6 +12603,13 @@
         </dgm:presLayoutVars>
       </dgm:prSet>
       <dgm:spPr/>
+      <dgm:t>
+        <a:bodyPr/>
+        <a:lstStyle/>
+        <a:p>
+          <a:endParaRPr lang="zh-CN" altLang="en-US"/>
+        </a:p>
+      </dgm:t>
     </dgm:pt>
     <dgm:pt modelId="{BAEB0FB9-CDB6-4701-967B-35CF0EE032D2}" type="pres">
       <dgm:prSet presAssocID="{77CB9E26-CC4B-4E77-AB23-785873E4B2F8}" presName="hierRoot1" presStyleCnt="0"/>
@@ -12596,7 +12631,7 @@
       </dgm:t>
     </dgm:pt>
     <dgm:pt modelId="{AEECC729-55D0-4F88-B646-F800358DE5FD}" type="pres">
-      <dgm:prSet presAssocID="{77CB9E26-CC4B-4E77-AB23-785873E4B2F8}" presName="text" presStyleLbl="fgAcc0" presStyleIdx="0" presStyleCnt="1" custScaleX="21274" custScaleY="21578" custLinFactNeighborX="40989" custLinFactNeighborY="-12570">
+      <dgm:prSet presAssocID="{77CB9E26-CC4B-4E77-AB23-785873E4B2F8}" presName="text" presStyleLbl="fgAcc0" presStyleIdx="0" presStyleCnt="1" custScaleX="18373" custScaleY="38541" custLinFactNeighborX="40989" custLinFactNeighborY="-12570">
         <dgm:presLayoutVars>
           <dgm:chPref val="3"/>
         </dgm:presLayoutVars>
@@ -12617,6 +12652,13 @@
     <dgm:pt modelId="{CA326BA6-A316-4ECA-8B9C-C4CC74193539}" type="pres">
       <dgm:prSet presAssocID="{7304FEC9-4934-4677-B4C0-B7E5EDCE78BF}" presName="Name10" presStyleLbl="parChTrans1D2" presStyleIdx="0" presStyleCnt="1"/>
       <dgm:spPr/>
+      <dgm:t>
+        <a:bodyPr/>
+        <a:lstStyle/>
+        <a:p>
+          <a:endParaRPr lang="zh-CN" altLang="en-US"/>
+        </a:p>
+      </dgm:t>
     </dgm:pt>
     <dgm:pt modelId="{E16CAB73-9B49-4F97-935A-D4DA5A5FBE68}" type="pres">
       <dgm:prSet presAssocID="{112FD2E7-7E17-499B-B041-9C0E52B47AE0}" presName="hierRoot2" presStyleCnt="0"/>
@@ -12638,7 +12680,7 @@
       </dgm:t>
     </dgm:pt>
     <dgm:pt modelId="{1E0317A4-9C04-43B1-865A-B2CCCB3598BA}" type="pres">
-      <dgm:prSet presAssocID="{112FD2E7-7E17-499B-B041-9C0E52B47AE0}" presName="text2" presStyleLbl="fgAcc2" presStyleIdx="0" presStyleCnt="1" custScaleX="14306" custScaleY="11633" custLinFactNeighborX="34843" custLinFactNeighborY="-10771">
+      <dgm:prSet presAssocID="{112FD2E7-7E17-499B-B041-9C0E52B47AE0}" presName="text2" presStyleLbl="fgAcc2" presStyleIdx="0" presStyleCnt="1" custScaleX="14306" custScaleY="11633" custLinFactNeighborX="42290" custLinFactNeighborY="20564">
         <dgm:presLayoutVars>
           <dgm:chPref val="3"/>
         </dgm:presLayoutVars>
@@ -12658,12 +12700,12 @@
     </dgm:pt>
   </dgm:ptLst>
   <dgm:cxnLst>
+    <dgm:cxn modelId="{CAB2BBB3-F2B5-46A3-A481-3E05A1AFC80F}" type="presOf" srcId="{77CB9E26-CC4B-4E77-AB23-785873E4B2F8}" destId="{AEECC729-55D0-4F88-B646-F800358DE5FD}" srcOrd="0" destOrd="0" presId="urn:microsoft.com/office/officeart/2005/8/layout/hierarchy1"/>
+    <dgm:cxn modelId="{1B099DD6-0511-4ACD-AB28-67E9BEA6BD21}" srcId="{CCA03E88-35C6-48C5-B069-97C58ADF8328}" destId="{77CB9E26-CC4B-4E77-AB23-785873E4B2F8}" srcOrd="0" destOrd="0" parTransId="{6E4AC5FF-EC8E-4D80-8802-22899ADD7086}" sibTransId="{A8B92B7C-3229-4D68-A82E-129580B8FAFA}"/>
     <dgm:cxn modelId="{AD09CDB5-D802-4FB9-A531-91C886402CEE}" type="presOf" srcId="{7304FEC9-4934-4677-B4C0-B7E5EDCE78BF}" destId="{CA326BA6-A316-4ECA-8B9C-C4CC74193539}" srcOrd="0" destOrd="0" presId="urn:microsoft.com/office/officeart/2005/8/layout/hierarchy1"/>
     <dgm:cxn modelId="{5375A524-C899-486E-BB08-8807DF24AEE8}" type="presOf" srcId="{112FD2E7-7E17-499B-B041-9C0E52B47AE0}" destId="{1E0317A4-9C04-43B1-865A-B2CCCB3598BA}" srcOrd="0" destOrd="0" presId="urn:microsoft.com/office/officeart/2005/8/layout/hierarchy1"/>
-    <dgm:cxn modelId="{1B099DD6-0511-4ACD-AB28-67E9BEA6BD21}" srcId="{CCA03E88-35C6-48C5-B069-97C58ADF8328}" destId="{77CB9E26-CC4B-4E77-AB23-785873E4B2F8}" srcOrd="0" destOrd="0" parTransId="{6E4AC5FF-EC8E-4D80-8802-22899ADD7086}" sibTransId="{A8B92B7C-3229-4D68-A82E-129580B8FAFA}"/>
+    <dgm:cxn modelId="{56C20FD1-2E47-4D57-AF4B-3F3C989A97FD}" type="presOf" srcId="{CCA03E88-35C6-48C5-B069-97C58ADF8328}" destId="{F111061D-0F31-4B98-BA92-20E5ECF1A425}" srcOrd="0" destOrd="0" presId="urn:microsoft.com/office/officeart/2005/8/layout/hierarchy1"/>
     <dgm:cxn modelId="{8C4665FF-F9BA-4038-B965-AB9BE392D9D3}" srcId="{77CB9E26-CC4B-4E77-AB23-785873E4B2F8}" destId="{112FD2E7-7E17-499B-B041-9C0E52B47AE0}" srcOrd="0" destOrd="0" parTransId="{7304FEC9-4934-4677-B4C0-B7E5EDCE78BF}" sibTransId="{1E064ADD-8951-4A87-A972-326CC1C6FEA8}"/>
-    <dgm:cxn modelId="{CAB2BBB3-F2B5-46A3-A481-3E05A1AFC80F}" type="presOf" srcId="{77CB9E26-CC4B-4E77-AB23-785873E4B2F8}" destId="{AEECC729-55D0-4F88-B646-F800358DE5FD}" srcOrd="0" destOrd="0" presId="urn:microsoft.com/office/officeart/2005/8/layout/hierarchy1"/>
-    <dgm:cxn modelId="{56C20FD1-2E47-4D57-AF4B-3F3C989A97FD}" type="presOf" srcId="{CCA03E88-35C6-48C5-B069-97C58ADF8328}" destId="{F111061D-0F31-4B98-BA92-20E5ECF1A425}" srcOrd="0" destOrd="0" presId="urn:microsoft.com/office/officeart/2005/8/layout/hierarchy1"/>
     <dgm:cxn modelId="{561F292B-5FED-4822-B3AF-88F7D2AE97B7}" type="presParOf" srcId="{F111061D-0F31-4B98-BA92-20E5ECF1A425}" destId="{BAEB0FB9-CDB6-4701-967B-35CF0EE032D2}" srcOrd="0" destOrd="0" presId="urn:microsoft.com/office/officeart/2005/8/layout/hierarchy1"/>
     <dgm:cxn modelId="{E8B0583E-45D9-4488-B57B-0609D80B5A1F}" type="presParOf" srcId="{BAEB0FB9-CDB6-4701-967B-35CF0EE032D2}" destId="{B18AC258-DBB4-45D6-9790-9506A7D117BF}" srcOrd="0" destOrd="0" presId="urn:microsoft.com/office/officeart/2005/8/layout/hierarchy1"/>
     <dgm:cxn modelId="{909E83CA-ACEB-4D10-B0D6-FA48C57090E7}" type="presParOf" srcId="{B18AC258-DBB4-45D6-9790-9506A7D117BF}" destId="{E30260D4-B4CD-4B9A-A6E4-1DD180104EEF}" srcOrd="0" destOrd="0" presId="urn:microsoft.com/office/officeart/2005/8/layout/hierarchy1"/>
@@ -25568,8 +25610,8 @@
       </dsp:nvSpPr>
       <dsp:spPr>
         <a:xfrm>
-          <a:off x="6344669" y="939478"/>
-          <a:ext cx="338011" cy="2260316"/>
+          <a:off x="6791151" y="1342231"/>
+          <a:ext cx="110414" cy="2880759"/>
         </a:xfrm>
         <a:custGeom>
           <a:avLst/>
@@ -25580,16 +25622,16 @@
           <a:pathLst>
             <a:path>
               <a:moveTo>
-                <a:pt x="338011" y="0"/>
+                <a:pt x="0" y="0"/>
               </a:moveTo>
               <a:lnTo>
-                <a:pt x="338011" y="1567551"/>
+                <a:pt x="0" y="2187994"/>
               </a:lnTo>
               <a:lnTo>
-                <a:pt x="0" y="1567551"/>
+                <a:pt x="110414" y="2187994"/>
               </a:lnTo>
               <a:lnTo>
-                <a:pt x="0" y="2260316"/>
+                <a:pt x="110414" y="2880759"/>
               </a:lnTo>
             </a:path>
           </a:pathLst>
@@ -25630,8 +25672,8 @@
       </dsp:nvSpPr>
       <dsp:spPr>
         <a:xfrm>
-          <a:off x="5887232" y="-85177"/>
-          <a:ext cx="1590897" cy="1024655"/>
+          <a:off x="6104172" y="-487930"/>
+          <a:ext cx="1373956" cy="1830162"/>
         </a:xfrm>
         <a:prstGeom prst="roundRect">
           <a:avLst>
@@ -25682,8 +25724,8 @@
       </dsp:nvSpPr>
       <dsp:spPr>
         <a:xfrm>
-          <a:off x="6718135" y="704180"/>
-          <a:ext cx="1590897" cy="1024655"/>
+          <a:off x="6935076" y="301427"/>
+          <a:ext cx="1373956" cy="1830162"/>
         </a:xfrm>
         <a:prstGeom prst="roundRect">
           <a:avLst>
@@ -25726,12 +25768,12 @@
         <a:fontRef idx="minor"/>
       </dsp:style>
       <dsp:txBody>
-        <a:bodyPr spcFirstLastPara="0" vert="horz" wrap="square" lIns="26670" tIns="26670" rIns="26670" bIns="26670" numCol="1" spcCol="1270" anchor="ctr" anchorCtr="0">
+        <a:bodyPr spcFirstLastPara="0" vert="horz" wrap="square" lIns="22860" tIns="22860" rIns="22860" bIns="22860" numCol="1" spcCol="1270" anchor="ctr" anchorCtr="0">
           <a:noAutofit/>
         </a:bodyPr>
         <a:lstStyle/>
         <a:p>
-          <a:pPr lvl="0" algn="ctr" defTabSz="311150">
+          <a:pPr lvl="0" algn="ctr" defTabSz="266700">
             <a:lnSpc>
               <a:spcPct val="90000"/>
             </a:lnSpc>
@@ -25743,67 +25785,67 @@
             </a:spcAft>
           </a:pPr>
           <a:r>
-            <a:rPr lang="en-US" altLang="en-US" sz="700" kern="1200" dirty="0" err="1" smtClean="0"/>
+            <a:rPr lang="en-US" altLang="en-US" sz="600" kern="1200" dirty="0" err="1" smtClean="0"/>
             <a:t>CMap</a:t>
           </a:r>
           <a:r>
-            <a:rPr lang="en-US" altLang="en-US" sz="700" kern="1200" dirty="0" smtClean="0"/>
+            <a:rPr lang="en-US" altLang="en-US" sz="600" kern="1200" dirty="0" smtClean="0"/>
             <a:t>&lt;</a:t>
           </a:r>
           <a:r>
-            <a:rPr lang="en-US" altLang="en-US" sz="700" kern="1200" dirty="0" err="1" smtClean="0"/>
+            <a:rPr lang="en-US" altLang="en-US" sz="600" kern="1200" dirty="0" err="1" smtClean="0"/>
             <a:t>CCKey,const</a:t>
           </a:r>
           <a:r>
-            <a:rPr lang="en-US" altLang="en-US" sz="700" kern="1200" dirty="0" smtClean="0"/>
+            <a:rPr lang="en-US" altLang="en-US" sz="600" kern="1200" dirty="0" smtClean="0"/>
             <a:t> </a:t>
           </a:r>
           <a:r>
-            <a:rPr lang="en-US" altLang="en-US" sz="700" kern="1200" dirty="0" err="1" smtClean="0"/>
+            <a:rPr lang="en-US" altLang="en-US" sz="600" kern="1200" dirty="0" err="1" smtClean="0"/>
             <a:t>CCKey</a:t>
           </a:r>
           <a:r>
-            <a:rPr lang="en-US" altLang="en-US" sz="700" kern="1200" dirty="0" smtClean="0"/>
+            <a:rPr lang="en-US" altLang="en-US" sz="600" kern="1200" dirty="0" smtClean="0"/>
             <a:t>&amp;,</a:t>
           </a:r>
           <a:r>
-            <a:rPr lang="en-US" altLang="en-US" sz="700" kern="1200" dirty="0" err="1" smtClean="0"/>
+            <a:rPr lang="en-US" altLang="en-US" sz="600" kern="1200" dirty="0" err="1" smtClean="0"/>
             <a:t>CKnownFile</a:t>
           </a:r>
           <a:r>
-            <a:rPr lang="en-US" altLang="en-US" sz="700" kern="1200" dirty="0" smtClean="0"/>
+            <a:rPr lang="en-US" altLang="en-US" sz="600" kern="1200" dirty="0" smtClean="0"/>
             <a:t>*,</a:t>
           </a:r>
           <a:r>
-            <a:rPr lang="en-US" altLang="en-US" sz="700" kern="1200" dirty="0" err="1" smtClean="0"/>
+            <a:rPr lang="en-US" altLang="en-US" sz="600" kern="1200" dirty="0" err="1" smtClean="0"/>
             <a:t>CKnownFile</a:t>
           </a:r>
           <a:r>
-            <a:rPr lang="en-US" altLang="en-US" sz="700" kern="1200" dirty="0" smtClean="0"/>
+            <a:rPr lang="en-US" altLang="en-US" sz="600" kern="1200" dirty="0" smtClean="0"/>
             <a:t>*&gt; </a:t>
           </a:r>
           <a:r>
-            <a:rPr lang="en-US" altLang="en-US" sz="700" kern="1200" dirty="0" err="1" smtClean="0"/>
+            <a:rPr lang="en-US" altLang="en-US" sz="600" kern="1200" dirty="0" err="1" smtClean="0"/>
             <a:t>CSharedFileList</a:t>
           </a:r>
           <a:r>
-            <a:rPr lang="en-US" altLang="en-US" sz="700" kern="1200" dirty="0" smtClean="0"/>
+            <a:rPr lang="en-US" altLang="en-US" sz="600" kern="1200" dirty="0" smtClean="0"/>
             <a:t>::</a:t>
           </a:r>
           <a:r>
-            <a:rPr lang="en-US" altLang="en-US" sz="700" kern="1200" dirty="0" err="1" smtClean="0"/>
+            <a:rPr lang="en-US" altLang="en-US" sz="600" kern="1200" dirty="0" err="1" smtClean="0"/>
             <a:t>m_Files_map</a:t>
           </a:r>
           <a:r>
-            <a:rPr lang="en-US" altLang="en-US" sz="700" kern="1200" dirty="0" smtClean="0"/>
+            <a:rPr lang="en-US" altLang="en-US" sz="600" kern="1200" dirty="0" smtClean="0"/>
             <a:t>;</a:t>
           </a:r>
-          <a:endParaRPr lang="zh-CN" altLang="en-US" sz="700" kern="1200" dirty="0"/>
+          <a:endParaRPr lang="zh-CN" altLang="en-US" sz="600" kern="1200" dirty="0"/>
         </a:p>
       </dsp:txBody>
       <dsp:txXfrm>
-        <a:off x="6748146" y="734191"/>
-        <a:ext cx="1530875" cy="964633"/>
+        <a:off x="6975318" y="341669"/>
+        <a:ext cx="1293472" cy="1749678"/>
       </dsp:txXfrm>
     </dsp:sp>
     <dsp:sp modelId="{28E61F87-1B95-4776-96F4-F5E637B31ED1}">
@@ -25813,7 +25855,7 @@
       </dsp:nvSpPr>
       <dsp:spPr>
         <a:xfrm>
-          <a:off x="5809758" y="3199795"/>
+          <a:off x="6366655" y="4222991"/>
           <a:ext cx="1069821" cy="552406"/>
         </a:xfrm>
         <a:prstGeom prst="roundRect">
@@ -25865,7 +25907,7 @@
       </dsp:nvSpPr>
       <dsp:spPr>
         <a:xfrm>
-          <a:off x="6640662" y="3989153"/>
+          <a:off x="7197558" y="5012349"/>
           <a:ext cx="1069821" cy="552406"/>
         </a:xfrm>
         <a:prstGeom prst="roundRect">
@@ -25909,12 +25951,12 @@
         <a:fontRef idx="minor"/>
       </dsp:style>
       <dsp:txBody>
-        <a:bodyPr spcFirstLastPara="0" vert="horz" wrap="square" lIns="26670" tIns="26670" rIns="26670" bIns="26670" numCol="1" spcCol="1270" anchor="ctr" anchorCtr="0">
+        <a:bodyPr spcFirstLastPara="0" vert="horz" wrap="square" lIns="22860" tIns="22860" rIns="22860" bIns="22860" numCol="1" spcCol="1270" anchor="ctr" anchorCtr="0">
           <a:noAutofit/>
         </a:bodyPr>
         <a:lstStyle/>
         <a:p>
-          <a:pPr lvl="0" algn="ctr" defTabSz="311150">
+          <a:pPr lvl="0" algn="ctr" defTabSz="266700">
             <a:lnSpc>
               <a:spcPct val="90000"/>
             </a:lnSpc>
@@ -25926,22 +25968,22 @@
             </a:spcAft>
           </a:pPr>
           <a:r>
-            <a:rPr lang="en-US" altLang="zh-CN" sz="700" kern="1200" dirty="0" err="1" smtClean="0"/>
+            <a:rPr lang="en-US" altLang="zh-CN" sz="600" kern="1200" dirty="0" err="1" smtClean="0"/>
             <a:t>CKnownFile</a:t>
           </a:r>
           <a:r>
-            <a:rPr lang="zh-CN" altLang="en-US" sz="700" kern="1200" dirty="0" smtClean="0"/>
+            <a:rPr lang="zh-CN" altLang="en-US" sz="600" kern="1200" dirty="0" smtClean="0"/>
             <a:t>对象</a:t>
           </a:r>
           <a:r>
-            <a:rPr lang="en-US" altLang="zh-CN" sz="700" kern="1200" dirty="0" err="1" smtClean="0"/>
+            <a:rPr lang="en-US" altLang="zh-CN" sz="600" kern="1200" dirty="0" err="1" smtClean="0"/>
             <a:t>pFile</a:t>
           </a:r>
-          <a:endParaRPr lang="zh-CN" altLang="en-US" sz="700" kern="1200" dirty="0"/>
+          <a:endParaRPr lang="zh-CN" altLang="en-US" sz="600" kern="1200" dirty="0"/>
         </a:p>
       </dsp:txBody>
       <dsp:txXfrm>
-        <a:off x="6656841" y="4005332"/>
+        <a:off x="7213737" y="5028528"/>
         <a:ext cx="1037463" cy="520048"/>
       </dsp:txXfrm>
     </dsp:sp>
@@ -38134,7 +38176,7 @@
           <a:p>
             <a:fld id="{CC3DA29F-17ED-4219-9D87-E83D641A3947}" type="datetimeFigureOut">
               <a:rPr lang="zh-CN" altLang="en-US" smtClean="0"/>
-              <a:t>2017/4/18</a:t>
+              <a:t>2017/4/19</a:t>
             </a:fld>
             <a:endParaRPr lang="zh-CN" altLang="en-US"/>
           </a:p>
@@ -38304,7 +38346,7 @@
           <a:p>
             <a:fld id="{CC3DA29F-17ED-4219-9D87-E83D641A3947}" type="datetimeFigureOut">
               <a:rPr lang="zh-CN" altLang="en-US" smtClean="0"/>
-              <a:t>2017/4/18</a:t>
+              <a:t>2017/4/19</a:t>
             </a:fld>
             <a:endParaRPr lang="zh-CN" altLang="en-US"/>
           </a:p>
@@ -38484,7 +38526,7 @@
           <a:p>
             <a:fld id="{CC3DA29F-17ED-4219-9D87-E83D641A3947}" type="datetimeFigureOut">
               <a:rPr lang="zh-CN" altLang="en-US" smtClean="0"/>
-              <a:t>2017/4/18</a:t>
+              <a:t>2017/4/19</a:t>
             </a:fld>
             <a:endParaRPr lang="zh-CN" altLang="en-US"/>
           </a:p>
@@ -38654,7 +38696,7 @@
           <a:p>
             <a:fld id="{CC3DA29F-17ED-4219-9D87-E83D641A3947}" type="datetimeFigureOut">
               <a:rPr lang="zh-CN" altLang="en-US" smtClean="0"/>
-              <a:t>2017/4/18</a:t>
+              <a:t>2017/4/19</a:t>
             </a:fld>
             <a:endParaRPr lang="zh-CN" altLang="en-US"/>
           </a:p>
@@ -38900,7 +38942,7 @@
           <a:p>
             <a:fld id="{CC3DA29F-17ED-4219-9D87-E83D641A3947}" type="datetimeFigureOut">
               <a:rPr lang="zh-CN" altLang="en-US" smtClean="0"/>
-              <a:t>2017/4/18</a:t>
+              <a:t>2017/4/19</a:t>
             </a:fld>
             <a:endParaRPr lang="zh-CN" altLang="en-US"/>
           </a:p>
@@ -39132,7 +39174,7 @@
           <a:p>
             <a:fld id="{CC3DA29F-17ED-4219-9D87-E83D641A3947}" type="datetimeFigureOut">
               <a:rPr lang="zh-CN" altLang="en-US" smtClean="0"/>
-              <a:t>2017/4/18</a:t>
+              <a:t>2017/4/19</a:t>
             </a:fld>
             <a:endParaRPr lang="zh-CN" altLang="en-US"/>
           </a:p>
@@ -39499,7 +39541,7 @@
           <a:p>
             <a:fld id="{CC3DA29F-17ED-4219-9D87-E83D641A3947}" type="datetimeFigureOut">
               <a:rPr lang="zh-CN" altLang="en-US" smtClean="0"/>
-              <a:t>2017/4/18</a:t>
+              <a:t>2017/4/19</a:t>
             </a:fld>
             <a:endParaRPr lang="zh-CN" altLang="en-US"/>
           </a:p>
@@ -39617,7 +39659,7 @@
           <a:p>
             <a:fld id="{CC3DA29F-17ED-4219-9D87-E83D641A3947}" type="datetimeFigureOut">
               <a:rPr lang="zh-CN" altLang="en-US" smtClean="0"/>
-              <a:t>2017/4/18</a:t>
+              <a:t>2017/4/19</a:t>
             </a:fld>
             <a:endParaRPr lang="zh-CN" altLang="en-US"/>
           </a:p>
@@ -39712,7 +39754,7 @@
           <a:p>
             <a:fld id="{CC3DA29F-17ED-4219-9D87-E83D641A3947}" type="datetimeFigureOut">
               <a:rPr lang="zh-CN" altLang="en-US" smtClean="0"/>
-              <a:t>2017/4/18</a:t>
+              <a:t>2017/4/19</a:t>
             </a:fld>
             <a:endParaRPr lang="zh-CN" altLang="en-US"/>
           </a:p>
@@ -39989,7 +40031,7 @@
           <a:p>
             <a:fld id="{CC3DA29F-17ED-4219-9D87-E83D641A3947}" type="datetimeFigureOut">
               <a:rPr lang="zh-CN" altLang="en-US" smtClean="0"/>
-              <a:t>2017/4/18</a:t>
+              <a:t>2017/4/19</a:t>
             </a:fld>
             <a:endParaRPr lang="zh-CN" altLang="en-US"/>
           </a:p>
@@ -40242,7 +40284,7 @@
           <a:p>
             <a:fld id="{CC3DA29F-17ED-4219-9D87-E83D641A3947}" type="datetimeFigureOut">
               <a:rPr lang="zh-CN" altLang="en-US" smtClean="0"/>
-              <a:t>2017/4/18</a:t>
+              <a:t>2017/4/19</a:t>
             </a:fld>
             <a:endParaRPr lang="zh-CN" altLang="en-US"/>
           </a:p>
@@ -40455,7 +40497,7 @@
           <a:p>
             <a:fld id="{CC3DA29F-17ED-4219-9D87-E83D641A3947}" type="datetimeFigureOut">
               <a:rPr lang="zh-CN" altLang="en-US" smtClean="0"/>
-              <a:t>2017/4/18</a:t>
+              <a:t>2017/4/19</a:t>
             </a:fld>
             <a:endParaRPr lang="zh-CN" altLang="en-US"/>
           </a:p>
@@ -41097,7 +41139,7 @@
           <p:nvPr>
             <p:extLst>
               <p:ext uri="{D42A27DB-BD31-4B8C-83A1-F6EECF244321}">
-                <p14:modId xmlns:p14="http://schemas.microsoft.com/office/powerpoint/2010/main" val="63287865"/>
+                <p14:modId xmlns:p14="http://schemas.microsoft.com/office/powerpoint/2010/main" val="3541752176"/>
               </p:ext>
             </p:extLst>
           </p:nvPr>
